--- a/Presentation.pptx
+++ b/Presentation.pptx
@@ -1447,7 +1447,7 @@
           <a:p>
             <a:fld id="{90EC29EE-A8AD-4CE0-9C0B-116E0D4D7533}" type="datetime8">
               <a:rPr lang="en-US" smtClean="0"/>
-              <a:t>3/18/2016 11:02 AM</a:t>
+              <a:t>3/18/2016 12:34 PM</a:t>
             </a:fld>
             <a:endParaRPr lang="en-US" dirty="0"/>
           </a:p>
@@ -19322,12 +19322,48 @@
           <a:lstStyle/>
           <a:p>
             <a:r>
+              <a:rPr lang="en-US" b="1" dirty="0" smtClean="0"/>
+              <a:t>A</a:t>
+            </a:r>
+            <a:r>
               <a:rPr lang="en-US" dirty="0" smtClean="0"/>
-              <a:t>Alm</a:t>
+              <a:t>lm</a:t>
             </a:r>
             <a:r>
               <a:rPr lang="en-US" dirty="0" smtClean="0"/>
-              <a:t>ost Native Graphics Layer Engine</a:t>
+              <a:t>ost </a:t>
+            </a:r>
+            <a:r>
+              <a:rPr lang="en-US" b="1" dirty="0" smtClean="0"/>
+              <a:t>N</a:t>
+            </a:r>
+            <a:r>
+              <a:rPr lang="en-US" dirty="0" smtClean="0"/>
+              <a:t>ative </a:t>
+            </a:r>
+            <a:r>
+              <a:rPr lang="en-US" b="1" dirty="0" smtClean="0"/>
+              <a:t>G</a:t>
+            </a:r>
+            <a:r>
+              <a:rPr lang="en-US" dirty="0" smtClean="0"/>
+              <a:t>raphics </a:t>
+            </a:r>
+            <a:r>
+              <a:rPr lang="en-US" b="1" dirty="0" smtClean="0"/>
+              <a:t>L</a:t>
+            </a:r>
+            <a:r>
+              <a:rPr lang="en-US" dirty="0" smtClean="0"/>
+              <a:t>ayer </a:t>
+            </a:r>
+            <a:r>
+              <a:rPr lang="en-US" b="1" dirty="0" smtClean="0"/>
+              <a:t>E</a:t>
+            </a:r>
+            <a:r>
+              <a:rPr lang="en-US" dirty="0" smtClean="0"/>
+              <a:t>ngine</a:t>
             </a:r>
             <a:endParaRPr lang="en-US" dirty="0" smtClean="0"/>
           </a:p>
@@ -24103,7 +24139,7 @@
         <p:spPr>
           <a:xfrm>
             <a:off x="274638" y="1212850"/>
-            <a:ext cx="11887200" cy="3508653"/>
+            <a:ext cx="11887200" cy="5139869"/>
           </a:xfrm>
         </p:spPr>
         <p:txBody>
@@ -24147,6 +24183,21 @@
             </a:r>
           </a:p>
           <a:p>
+            <a:endParaRPr lang="en-US" sz="2000" dirty="0" smtClean="0"/>
+          </a:p>
+          <a:p>
+            <a:pPr lvl="1"/>
+            <a:r>
+              <a:rPr lang="en-US" dirty="0"/>
+              <a:t>ANGLE </a:t>
+            </a:r>
+            <a:r>
+              <a:rPr lang="en-US" dirty="0" smtClean="0"/>
+              <a:t>provides templates for Visual Studio 2013 and 2015 that work as starting points for porting your game.</a:t>
+            </a:r>
+            <a:endParaRPr lang="en-US" dirty="0"/>
+          </a:p>
+          <a:p>
             <a:endParaRPr lang="en-US" sz="2000" dirty="0"/>
           </a:p>
           <a:p>
@@ -24185,8 +24236,34 @@
             </a:r>
             <a:r>
               <a:rPr lang="en-US" dirty="0"/>
-              <a:t> APIs.</a:t>
-            </a:r>
+              <a:t> APIs</a:t>
+            </a:r>
+            <a:r>
+              <a:rPr lang="en-US" dirty="0" smtClean="0"/>
+              <a:t>.</a:t>
+            </a:r>
+          </a:p>
+          <a:p>
+            <a:pPr lvl="1"/>
+            <a:endParaRPr lang="en-US" dirty="0"/>
+          </a:p>
+          <a:p>
+            <a:pPr lvl="1"/>
+            <a:r>
+              <a:rPr lang="en-US" dirty="0" smtClean="0"/>
+              <a:t>Known </a:t>
+            </a:r>
+            <a:r>
+              <a:rPr lang="en-US" dirty="0"/>
+              <a:t>Issues: </a:t>
+            </a:r>
+            <a:r>
+              <a:rPr lang="en-US" dirty="0">
+                <a:hlinkClick r:id="rId5"/>
+              </a:rPr>
+              <a:t>https://github.com/MSOpenTech/angle/wiki/Known-Issues</a:t>
+            </a:r>
+            <a:endParaRPr lang="en-US" dirty="0"/>
           </a:p>
           <a:p>
             <a:pPr lvl="1"/>

--- a/Presentation.pptx
+++ b/Presentation.pptx
@@ -6,25 +6,27 @@
     <p:sldMasterId id="2147484310" r:id="rId5"/>
   </p:sldMasterIdLst>
   <p:notesMasterIdLst>
-    <p:notesMasterId r:id="rId19"/>
+    <p:notesMasterId r:id="rId21"/>
   </p:notesMasterIdLst>
   <p:handoutMasterIdLst>
-    <p:handoutMasterId r:id="rId20"/>
+    <p:handoutMasterId r:id="rId22"/>
   </p:handoutMasterIdLst>
   <p:sldIdLst>
     <p:sldId id="1444" r:id="rId6"/>
     <p:sldId id="1367" r:id="rId7"/>
-    <p:sldId id="1455" r:id="rId8"/>
-    <p:sldId id="1451" r:id="rId9"/>
-    <p:sldId id="1457" r:id="rId10"/>
-    <p:sldId id="1456" r:id="rId11"/>
-    <p:sldId id="1459" r:id="rId12"/>
-    <p:sldId id="1460" r:id="rId13"/>
-    <p:sldId id="1462" r:id="rId14"/>
-    <p:sldId id="1465" r:id="rId15"/>
-    <p:sldId id="1463" r:id="rId16"/>
-    <p:sldId id="1464" r:id="rId17"/>
-    <p:sldId id="1466" r:id="rId18"/>
+    <p:sldId id="1468" r:id="rId8"/>
+    <p:sldId id="1455" r:id="rId9"/>
+    <p:sldId id="1467" r:id="rId10"/>
+    <p:sldId id="1451" r:id="rId11"/>
+    <p:sldId id="1457" r:id="rId12"/>
+    <p:sldId id="1456" r:id="rId13"/>
+    <p:sldId id="1459" r:id="rId14"/>
+    <p:sldId id="1460" r:id="rId15"/>
+    <p:sldId id="1462" r:id="rId16"/>
+    <p:sldId id="1465" r:id="rId17"/>
+    <p:sldId id="1463" r:id="rId18"/>
+    <p:sldId id="1464" r:id="rId19"/>
+    <p:sldId id="1466" r:id="rId20"/>
   </p:sldIdLst>
   <p:sldSz cx="12436475" cy="6994525"/>
   <p:notesSz cx="6858000" cy="9144000"/>
@@ -258,7 +260,7 @@
               <a:rPr lang="en-US" smtClean="0">
                 <a:latin typeface="Segoe UI" pitchFamily="34" charset="0"/>
               </a:rPr>
-              <a:t>3/18/2016 10:18 AM</a:t>
+              <a:t>3/21/2016 10:15 AM</a:t>
             </a:fld>
             <a:endParaRPr lang="en-US" dirty="0">
               <a:latin typeface="Segoe UI" pitchFamily="34" charset="0"/>
@@ -556,7 +558,7 @@
           <a:p>
             <a:fld id="{38EEC551-8CDA-4EB6-89BB-2A86C9F091C8}" type="datetime8">
               <a:rPr lang="en-US" smtClean="0"/>
-              <a:t>3/18/2016 10:18 AM</a:t>
+              <a:t>3/21/2016 10:15 AM</a:t>
             </a:fld>
             <a:endParaRPr lang="en-US" dirty="0"/>
           </a:p>
@@ -944,7 +946,7 @@
           <a:p>
             <a:fld id="{38EEC551-8CDA-4EB6-89BB-2A86C9F091C8}" type="datetime8">
               <a:rPr lang="en-US" smtClean="0"/>
-              <a:t>3/18/2016 10:18 AM</a:t>
+              <a:t>3/21/2016 10:15 AM</a:t>
             </a:fld>
             <a:endParaRPr lang="en-US" dirty="0"/>
           </a:p>
@@ -978,6 +980,400 @@
     <p:extLst>
       <p:ext uri="{BB962C8B-B14F-4D97-AF65-F5344CB8AC3E}">
         <p14:creationId xmlns:p14="http://schemas.microsoft.com/office/powerpoint/2010/main" val="409073954"/>
+      </p:ext>
+    </p:extLst>
+  </p:cSld>
+  <p:clrMapOvr>
+    <a:masterClrMapping/>
+  </p:clrMapOvr>
+</p:notes>
+</file>
+
+<file path=ppt/notesSlides/notesSlide10.xml><?xml version="1.0" encoding="utf-8"?>
+<p:notes xmlns:a="http://schemas.openxmlformats.org/drawingml/2006/main" xmlns:r="http://schemas.openxmlformats.org/officeDocument/2006/relationships" xmlns:p="http://schemas.openxmlformats.org/presentationml/2006/main">
+  <p:cSld>
+    <p:spTree>
+      <p:nvGrpSpPr>
+        <p:cNvPr id="1" name=""/>
+        <p:cNvGrpSpPr/>
+        <p:nvPr/>
+      </p:nvGrpSpPr>
+      <p:grpSpPr>
+        <a:xfrm>
+          <a:off x="0" y="0"/>
+          <a:ext cx="0" cy="0"/>
+          <a:chOff x="0" y="0"/>
+          <a:chExt cx="0" cy="0"/>
+        </a:xfrm>
+      </p:grpSpPr>
+      <p:sp>
+        <p:nvSpPr>
+          <p:cNvPr id="2" name="Slide Image Placeholder 1"/>
+          <p:cNvSpPr>
+            <a:spLocks noGrp="1" noRot="1" noChangeAspect="1"/>
+          </p:cNvSpPr>
+          <p:nvPr>
+            <p:ph type="sldImg"/>
+          </p:nvPr>
+        </p:nvSpPr>
+        <p:spPr/>
+      </p:sp>
+      <p:sp>
+        <p:nvSpPr>
+          <p:cNvPr id="3" name="Notes Placeholder 2"/>
+          <p:cNvSpPr>
+            <a:spLocks noGrp="1"/>
+          </p:cNvSpPr>
+          <p:nvPr>
+            <p:ph type="body" idx="1"/>
+          </p:nvPr>
+        </p:nvSpPr>
+        <p:spPr/>
+        <p:txBody>
+          <a:bodyPr/>
+          <a:lstStyle/>
+          <a:p>
+            <a:pPr marL="0" marR="0" indent="0" algn="l" defTabSz="932742" rtl="0" eaLnBrk="1" fontAlgn="auto" latinLnBrk="0" hangingPunct="1">
+              <a:lnSpc>
+                <a:spcPct val="90000"/>
+              </a:lnSpc>
+              <a:spcBef>
+                <a:spcPts val="0"/>
+              </a:spcBef>
+              <a:spcAft>
+                <a:spcPts val="340"/>
+              </a:spcAft>
+              <a:buClrTx/>
+              <a:buSzTx/>
+              <a:buFontTx/>
+              <a:buNone/>
+              <a:tabLst/>
+              <a:defRPr/>
+            </a:pPr>
+            <a:r>
+              <a:rPr lang="en-US" b="1" dirty="0" smtClean="0">
+                <a:latin typeface="Segoe"/>
+              </a:rPr>
+              <a:t>Speakers: </a:t>
+            </a:r>
+            <a:r>
+              <a:rPr lang="en-US" dirty="0" smtClean="0">
+                <a:latin typeface="Segoe"/>
+              </a:rPr>
+              <a:t>Please note this slide will be updated with your session’s QR code during the scrub process which</a:t>
+            </a:r>
+            <a:r>
+              <a:rPr lang="en-US" baseline="0" dirty="0" smtClean="0">
+                <a:latin typeface="Segoe"/>
+              </a:rPr>
+              <a:t> is </a:t>
+            </a:r>
+            <a:r>
+              <a:rPr lang="en-US" dirty="0" smtClean="0">
+                <a:latin typeface="Segoe"/>
+              </a:rPr>
+              <a:t>outlined</a:t>
+            </a:r>
+            <a:r>
+              <a:rPr lang="en-US" baseline="0" dirty="0" smtClean="0">
+                <a:latin typeface="Segoe"/>
+              </a:rPr>
+              <a:t> on side 3. Attendees can scan the QR code for access to your session’s </a:t>
+            </a:r>
+            <a:r>
+              <a:rPr lang="en-US" baseline="0" dirty="0" err="1" smtClean="0">
+                <a:latin typeface="Segoe"/>
+              </a:rPr>
+              <a:t>eval</a:t>
+            </a:r>
+            <a:r>
+              <a:rPr lang="en-US" baseline="0" dirty="0" smtClean="0">
+                <a:latin typeface="Segoe"/>
+              </a:rPr>
+              <a:t>.</a:t>
+            </a:r>
+            <a:endParaRPr lang="en-US" dirty="0" smtClean="0">
+              <a:latin typeface="Segoe"/>
+            </a:endParaRPr>
+          </a:p>
+          <a:p>
+            <a:endParaRPr lang="en-US" dirty="0"/>
+          </a:p>
+        </p:txBody>
+      </p:sp>
+      <p:sp>
+        <p:nvSpPr>
+          <p:cNvPr id="4" name="Footer Placeholder 3"/>
+          <p:cNvSpPr>
+            <a:spLocks noGrp="1"/>
+          </p:cNvSpPr>
+          <p:nvPr>
+            <p:ph type="ftr" sz="quarter" idx="10"/>
+          </p:nvPr>
+        </p:nvSpPr>
+        <p:spPr/>
+        <p:txBody>
+          <a:bodyPr/>
+          <a:lstStyle/>
+          <a:p>
+            <a:pPr defTabSz="914099" eaLnBrk="0" hangingPunct="0"/>
+            <a:r>
+              <a:rPr lang="en-US" sz="400" dirty="0" smtClean="0">
+                <a:gradFill>
+                  <a:gsLst>
+                    <a:gs pos="0">
+                      <a:prstClr val="black"/>
+                    </a:gs>
+                    <a:gs pos="100000">
+                      <a:prstClr val="black"/>
+                    </a:gs>
+                  </a:gsLst>
+                  <a:lin ang="5400000" scaled="0"/>
+                </a:gradFill>
+                <a:latin typeface="Segoe UI" pitchFamily="34" charset="0"/>
+                <a:ea typeface="Segoe UI" pitchFamily="34" charset="0"/>
+                <a:cs typeface="Segoe UI" pitchFamily="34" charset="0"/>
+              </a:rPr>
+              <a:t>© 2016 Microsoft Corporation. All rights reserved. Microsoft, Windows, and other product names are or may be registered trademarks and/or trademarks in the U.S. and/or other countries. The information herein is for informational purposes only and represents the current view of Microsoft Corporation as of the date of this presentation.  Because Microsoft must respond to changing market conditions, it should not be interpreted to be a commitment on the part of Microsoft, and Microsoft cannot guarantee the accuracy of any information provided after the date of this presentation.  MICROSOFT MAKES NO WARRANTIES, EXPRESS, IMPLIED OR STATUTORY, AS TO THE INFORMATION IN THIS PRESENTATION.</a:t>
+            </a:r>
+          </a:p>
+        </p:txBody>
+      </p:sp>
+      <p:sp>
+        <p:nvSpPr>
+          <p:cNvPr id="5" name="Date Placeholder 4"/>
+          <p:cNvSpPr>
+            <a:spLocks noGrp="1"/>
+          </p:cNvSpPr>
+          <p:nvPr>
+            <p:ph type="dt" idx="11"/>
+          </p:nvPr>
+        </p:nvSpPr>
+        <p:spPr/>
+        <p:txBody>
+          <a:bodyPr/>
+          <a:lstStyle/>
+          <a:p>
+            <a:fld id="{E74353ED-ACB2-44BF-A903-985B0AF962B7}" type="datetime1">
+              <a:rPr lang="en-US" smtClean="0"/>
+              <a:t>3/21/2016</a:t>
+            </a:fld>
+            <a:endParaRPr lang="en-US" dirty="0"/>
+          </a:p>
+        </p:txBody>
+      </p:sp>
+      <p:sp>
+        <p:nvSpPr>
+          <p:cNvPr id="6" name="Slide Number Placeholder 5"/>
+          <p:cNvSpPr>
+            <a:spLocks noGrp="1"/>
+          </p:cNvSpPr>
+          <p:nvPr>
+            <p:ph type="sldNum" sz="quarter" idx="12"/>
+          </p:nvPr>
+        </p:nvSpPr>
+        <p:spPr/>
+        <p:txBody>
+          <a:bodyPr/>
+          <a:lstStyle/>
+          <a:p>
+            <a:fld id="{B4008EB6-D09E-4580-8CD6-DDB14511944F}" type="slidenum">
+              <a:rPr lang="en-US" smtClean="0"/>
+              <a:pPr/>
+              <a:t>14</a:t>
+            </a:fld>
+            <a:endParaRPr lang="en-US" dirty="0"/>
+          </a:p>
+        </p:txBody>
+      </p:sp>
+    </p:spTree>
+    <p:extLst>
+      <p:ext uri="{BB962C8B-B14F-4D97-AF65-F5344CB8AC3E}">
+        <p14:creationId xmlns:p14="http://schemas.microsoft.com/office/powerpoint/2010/main" val="2642267037"/>
+      </p:ext>
+    </p:extLst>
+  </p:cSld>
+  <p:clrMapOvr>
+    <a:masterClrMapping/>
+  </p:clrMapOvr>
+</p:notes>
+</file>
+
+<file path=ppt/notesSlides/notesSlide11.xml><?xml version="1.0" encoding="utf-8"?>
+<p:notes xmlns:a="http://schemas.openxmlformats.org/drawingml/2006/main" xmlns:r="http://schemas.openxmlformats.org/officeDocument/2006/relationships" xmlns:p="http://schemas.openxmlformats.org/presentationml/2006/main">
+  <p:cSld>
+    <p:spTree>
+      <p:nvGrpSpPr>
+        <p:cNvPr id="1" name=""/>
+        <p:cNvGrpSpPr/>
+        <p:nvPr/>
+      </p:nvGrpSpPr>
+      <p:grpSpPr>
+        <a:xfrm>
+          <a:off x="0" y="0"/>
+          <a:ext cx="0" cy="0"/>
+          <a:chOff x="0" y="0"/>
+          <a:chExt cx="0" cy="0"/>
+        </a:xfrm>
+      </p:grpSpPr>
+      <p:sp>
+        <p:nvSpPr>
+          <p:cNvPr id="2" name="Slide Image Placeholder 1"/>
+          <p:cNvSpPr>
+            <a:spLocks noGrp="1" noRot="1" noChangeAspect="1"/>
+          </p:cNvSpPr>
+          <p:nvPr>
+            <p:ph type="sldImg"/>
+          </p:nvPr>
+        </p:nvSpPr>
+        <p:spPr/>
+      </p:sp>
+      <p:sp>
+        <p:nvSpPr>
+          <p:cNvPr id="3" name="Notes Placeholder 2"/>
+          <p:cNvSpPr>
+            <a:spLocks noGrp="1"/>
+          </p:cNvSpPr>
+          <p:nvPr>
+            <p:ph type="body" idx="1"/>
+          </p:nvPr>
+        </p:nvSpPr>
+        <p:spPr/>
+        <p:txBody>
+          <a:bodyPr/>
+          <a:lstStyle/>
+          <a:p>
+            <a:endParaRPr lang="en-US" dirty="0"/>
+          </a:p>
+        </p:txBody>
+      </p:sp>
+      <p:sp>
+        <p:nvSpPr>
+          <p:cNvPr id="4" name="Header Placeholder 3"/>
+          <p:cNvSpPr>
+            <a:spLocks noGrp="1"/>
+          </p:cNvSpPr>
+          <p:nvPr>
+            <p:ph type="hdr" sz="quarter" idx="10"/>
+          </p:nvPr>
+        </p:nvSpPr>
+        <p:spPr/>
+        <p:txBody>
+          <a:bodyPr/>
+          <a:lstStyle/>
+          <a:p>
+            <a:r>
+              <a:rPr lang="en-US" dirty="0"/>
+              <a:t>Microsoft Build 2016</a:t>
+            </a:r>
+          </a:p>
+        </p:txBody>
+      </p:sp>
+      <p:sp>
+        <p:nvSpPr>
+          <p:cNvPr id="5" name="Footer Placeholder 4"/>
+          <p:cNvSpPr>
+            <a:spLocks noGrp="1"/>
+          </p:cNvSpPr>
+          <p:nvPr>
+            <p:ph type="ftr" sz="quarter" idx="11"/>
+          </p:nvPr>
+        </p:nvSpPr>
+        <p:spPr/>
+        <p:txBody>
+          <a:bodyPr/>
+          <a:lstStyle/>
+          <a:p>
+            <a:pPr defTabSz="914099" eaLnBrk="0" hangingPunct="0"/>
+            <a:r>
+              <a:rPr lang="en-US" sz="400">
+                <a:gradFill>
+                  <a:gsLst>
+                    <a:gs pos="0">
+                      <a:prstClr val="black"/>
+                    </a:gs>
+                    <a:gs pos="100000">
+                      <a:prstClr val="black"/>
+                    </a:gs>
+                  </a:gsLst>
+                  <a:lin ang="5400000" scaled="0"/>
+                </a:gradFill>
+                <a:latin typeface="Segoe UI" pitchFamily="34" charset="0"/>
+                <a:ea typeface="Segoe UI" pitchFamily="34" charset="0"/>
+                <a:cs typeface="Segoe UI" pitchFamily="34" charset="0"/>
+              </a:rPr>
+              <a:t>© 2016 Microsoft Corporation. All rights reserved. MICROSOFT MAKES NO WARRANTIES, EXPRESS, IMPLIED OR STATUTORY, AS TO THE INFORMATION IN THIS PRESENTATION.</a:t>
+            </a:r>
+            <a:endParaRPr lang="en-US" sz="400" dirty="0">
+              <a:gradFill>
+                <a:gsLst>
+                  <a:gs pos="0">
+                    <a:prstClr val="black"/>
+                  </a:gs>
+                  <a:gs pos="100000">
+                    <a:prstClr val="black"/>
+                  </a:gs>
+                </a:gsLst>
+                <a:lin ang="5400000" scaled="0"/>
+              </a:gradFill>
+              <a:latin typeface="Segoe UI" pitchFamily="34" charset="0"/>
+              <a:ea typeface="Segoe UI" pitchFamily="34" charset="0"/>
+              <a:cs typeface="Segoe UI" pitchFamily="34" charset="0"/>
+            </a:endParaRPr>
+          </a:p>
+        </p:txBody>
+      </p:sp>
+      <p:sp>
+        <p:nvSpPr>
+          <p:cNvPr id="6" name="Date Placeholder 5"/>
+          <p:cNvSpPr>
+            <a:spLocks noGrp="1"/>
+          </p:cNvSpPr>
+          <p:nvPr>
+            <p:ph type="dt" idx="12"/>
+          </p:nvPr>
+        </p:nvSpPr>
+        <p:spPr/>
+        <p:txBody>
+          <a:bodyPr/>
+          <a:lstStyle/>
+          <a:p>
+            <a:fld id="{38EEC551-8CDA-4EB6-89BB-2A86C9F091C8}" type="datetime8">
+              <a:rPr lang="en-US" smtClean="0"/>
+              <a:t>3/21/2016 10:15 AM</a:t>
+            </a:fld>
+            <a:endParaRPr lang="en-US" dirty="0"/>
+          </a:p>
+        </p:txBody>
+      </p:sp>
+      <p:sp>
+        <p:nvSpPr>
+          <p:cNvPr id="7" name="Slide Number Placeholder 6"/>
+          <p:cNvSpPr>
+            <a:spLocks noGrp="1"/>
+          </p:cNvSpPr>
+          <p:nvPr>
+            <p:ph type="sldNum" sz="quarter" idx="13"/>
+          </p:nvPr>
+        </p:nvSpPr>
+        <p:spPr/>
+        <p:txBody>
+          <a:bodyPr/>
+          <a:lstStyle/>
+          <a:p>
+            <a:fld id="{B4008EB6-D09E-4580-8CD6-DDB14511944F}" type="slidenum">
+              <a:rPr lang="en-US" smtClean="0"/>
+              <a:pPr/>
+              <a:t>15</a:t>
+            </a:fld>
+            <a:endParaRPr lang="en-US" dirty="0"/>
+          </a:p>
+        </p:txBody>
+      </p:sp>
+    </p:spTree>
+    <p:extLst>
+      <p:ext uri="{BB962C8B-B14F-4D97-AF65-F5344CB8AC3E}">
+        <p14:creationId xmlns:p14="http://schemas.microsoft.com/office/powerpoint/2010/main" val="4117712283"/>
       </p:ext>
     </p:extLst>
   </p:cSld>
@@ -1031,7 +1427,15 @@
           <a:bodyPr/>
           <a:lstStyle/>
           <a:p>
-            <a:endParaRPr lang="en-US" dirty="0"/>
+            <a:endParaRPr lang="en-US" sz="900" kern="1200" dirty="0">
+              <a:solidFill>
+                <a:schemeClr val="tx1"/>
+              </a:solidFill>
+              <a:effectLst/>
+              <a:latin typeface="Segoe UI Light" pitchFamily="34" charset="0"/>
+              <a:ea typeface="+mn-ea"/>
+              <a:cs typeface="+mn-cs"/>
+            </a:endParaRPr>
           </a:p>
         </p:txBody>
       </p:sp>
@@ -1050,7 +1454,19 @@
           <a:bodyPr/>
           <a:lstStyle/>
           <a:p>
-            <a:endParaRPr lang="en-US" dirty="0"/>
+            <a:r>
+              <a:rPr lang="en-US" smtClean="0">
+                <a:solidFill>
+                  <a:prstClr val="black"/>
+                </a:solidFill>
+              </a:rPr>
+              <a:t>Build 2015</a:t>
+            </a:r>
+            <a:endParaRPr lang="en-US" dirty="0">
+              <a:solidFill>
+                <a:prstClr val="black"/>
+              </a:solidFill>
+            </a:endParaRPr>
           </a:p>
         </p:txBody>
       </p:sp>
@@ -1069,9 +1485,9 @@
           <a:bodyPr/>
           <a:lstStyle/>
           <a:p>
-            <a:pPr defTabSz="914099" eaLnBrk="0" hangingPunct="0"/>
-            <a:r>
-              <a:rPr lang="en-US" sz="400" dirty="0" smtClean="0">
+            <a:pPr defTabSz="931467" eaLnBrk="0" hangingPunct="0"/>
+            <a:r>
+              <a:rPr lang="en-US" sz="400">
                 <a:gradFill>
                   <a:gsLst>
                     <a:gs pos="0">
@@ -1087,8 +1503,24 @@
                 <a:ea typeface="Segoe UI" pitchFamily="34" charset="0"/>
                 <a:cs typeface="Segoe UI" pitchFamily="34" charset="0"/>
               </a:rPr>
-              <a:t>© 2016 Microsoft Corporation. All rights reserved. MICROSOFT MAKES NO WARRANTIES, EXPRESS, IMPLIED OR STATUTORY, AS TO THE INFORMATION IN THIS PRESENTATION.</a:t>
-            </a:r>
+              <a:t>© 2015 Microsoft Corporation. All rights reserved. MICROSOFT MAKES NO WARRANTIES, EXPRESS, IMPLIED OR STATUTORY, AS TO THE INFORMATION IN THIS PRESENTATION.</a:t>
+            </a:r>
+            <a:endParaRPr lang="en-US" sz="400" dirty="0">
+              <a:gradFill>
+                <a:gsLst>
+                  <a:gs pos="0">
+                    <a:prstClr val="black"/>
+                  </a:gs>
+                  <a:gs pos="100000">
+                    <a:prstClr val="black"/>
+                  </a:gs>
+                </a:gsLst>
+                <a:lin ang="5400000" scaled="0"/>
+              </a:gradFill>
+              <a:latin typeface="Segoe UI" pitchFamily="34" charset="0"/>
+              <a:ea typeface="Segoe UI" pitchFamily="34" charset="0"/>
+              <a:cs typeface="Segoe UI" pitchFamily="34" charset="0"/>
+            </a:endParaRPr>
           </a:p>
         </p:txBody>
       </p:sp>
@@ -1107,11 +1539,20 @@
           <a:bodyPr/>
           <a:lstStyle/>
           <a:p>
-            <a:fld id="{90EC29EE-A8AD-4CE0-9C0B-116E0D4D7533}" type="datetime8">
-              <a:rPr lang="en-US" smtClean="0"/>
-              <a:t>3/18/2016 12:30 PM</a:t>
+            <a:fld id="{38EEC551-8CDA-4EB6-89BB-2A86C9F091C8}" type="datetime8">
+              <a:rPr lang="en-US" smtClean="0">
+                <a:solidFill>
+                  <a:prstClr val="black"/>
+                </a:solidFill>
+              </a:rPr>
+              <a:pPr/>
+              <a:t>3/21/2016 10:24 AM</a:t>
             </a:fld>
-            <a:endParaRPr lang="en-US" dirty="0"/>
+            <a:endParaRPr lang="en-US" dirty="0">
+              <a:solidFill>
+                <a:prstClr val="black"/>
+              </a:solidFill>
+            </a:endParaRPr>
           </a:p>
         </p:txBody>
       </p:sp>
@@ -1131,18 +1572,26 @@
           <a:lstStyle/>
           <a:p>
             <a:fld id="{B4008EB6-D09E-4580-8CD6-DDB14511944F}" type="slidenum">
-              <a:rPr lang="en-US" smtClean="0"/>
+              <a:rPr lang="en-US" smtClean="0">
+                <a:solidFill>
+                  <a:prstClr val="black"/>
+                </a:solidFill>
+              </a:rPr>
               <a:pPr/>
               <a:t>3</a:t>
             </a:fld>
-            <a:endParaRPr lang="en-US" dirty="0"/>
+            <a:endParaRPr lang="en-US" dirty="0">
+              <a:solidFill>
+                <a:prstClr val="black"/>
+              </a:solidFill>
+            </a:endParaRPr>
           </a:p>
         </p:txBody>
       </p:sp>
     </p:spTree>
     <p:extLst>
       <p:ext uri="{BB962C8B-B14F-4D97-AF65-F5344CB8AC3E}">
-        <p14:creationId xmlns:p14="http://schemas.microsoft.com/office/powerpoint/2010/main" val="3792050101"/>
+        <p14:creationId xmlns:p14="http://schemas.microsoft.com/office/powerpoint/2010/main" val="10165953"/>
       </p:ext>
     </p:extLst>
   </p:cSld>
@@ -1196,47 +1645,18 @@
           <a:bodyPr/>
           <a:lstStyle/>
           <a:p>
-            <a:pPr marL="0" marR="0" indent="0" algn="l" defTabSz="924916" rtl="0" eaLnBrk="1" fontAlgn="auto" latinLnBrk="0" hangingPunct="1">
-              <a:lnSpc>
-                <a:spcPct val="90000"/>
-              </a:lnSpc>
-              <a:spcBef>
-                <a:spcPts val="0"/>
-              </a:spcBef>
-              <a:spcAft>
-                <a:spcPts val="340"/>
-              </a:spcAft>
-              <a:buClrTx/>
-              <a:buSzTx/>
-              <a:buFontTx/>
-              <a:buNone/>
-              <a:tabLst/>
-              <a:defRPr/>
-            </a:pPr>
-            <a:r>
-              <a:rPr lang="en-US" baseline="0" dirty="0"/>
-              <a:t>“With Windows 10, we’ve taken our best work from Desktop, Windows Phone, and Xbox merged it into a single core operating system with a tailored experience for each device. Windows 10 runs on everything from Phone to laptop to desktop to IoT devices and </a:t>
-            </a:r>
-            <a:r>
-              <a:rPr lang="en-US" baseline="0" dirty="0" err="1"/>
-              <a:t>Hololens</a:t>
-            </a:r>
-            <a:r>
-              <a:rPr lang="en-US" baseline="0" dirty="0"/>
-              <a:t>.”</a:t>
-            </a:r>
             <a:endParaRPr lang="en-US" dirty="0"/>
           </a:p>
         </p:txBody>
       </p:sp>
       <p:sp>
         <p:nvSpPr>
-          <p:cNvPr id="4" name="Slide Number Placeholder 3"/>
+          <p:cNvPr id="4" name="Header Placeholder 3"/>
           <p:cNvSpPr>
             <a:spLocks noGrp="1"/>
           </p:cNvSpPr>
           <p:nvPr>
-            <p:ph type="sldNum" sz="quarter" idx="10"/>
+            <p:ph type="hdr" sz="quarter" idx="10"/>
           </p:nvPr>
         </p:nvSpPr>
         <p:spPr/>
@@ -1244,78 +1664,99 @@
           <a:bodyPr/>
           <a:lstStyle/>
           <a:p>
-            <a:pPr marL="0" marR="0" lvl="0" indent="0" algn="r" defTabSz="914400" rtl="0" eaLnBrk="1" fontAlgn="auto" latinLnBrk="0" hangingPunct="1">
-              <a:lnSpc>
-                <a:spcPct val="100000"/>
-              </a:lnSpc>
-              <a:spcBef>
-                <a:spcPts val="0"/>
-              </a:spcBef>
-              <a:spcAft>
-                <a:spcPts val="0"/>
-              </a:spcAft>
-              <a:buClrTx/>
-              <a:buSzTx/>
-              <a:buFontTx/>
-              <a:buNone/>
-              <a:tabLst/>
-              <a:defRPr/>
-            </a:pPr>
-            <a:fld id="{0EA2900F-B82C-4F11-85DB-97B88AAD310C}" type="slidenum">
-              <a:rPr kumimoji="0" lang="en-US" sz="1200" b="0" i="0" u="none" strike="noStrike" kern="1200" cap="none" spc="0" normalizeH="0" baseline="0" noProof="0" smtClean="0">
-                <a:ln>
-                  <a:noFill/>
-                </a:ln>
-                <a:solidFill>
-                  <a:prstClr val="black"/>
-                </a:solidFill>
-                <a:effectLst/>
-                <a:uLnTx/>
-                <a:uFillTx/>
-                <a:latin typeface="Calibri" panose="020F0502020204030204"/>
-                <a:ea typeface="+mn-ea"/>
-                <a:cs typeface="+mn-cs"/>
+            <a:endParaRPr lang="en-US" dirty="0"/>
+          </a:p>
+        </p:txBody>
+      </p:sp>
+      <p:sp>
+        <p:nvSpPr>
+          <p:cNvPr id="5" name="Footer Placeholder 4"/>
+          <p:cNvSpPr>
+            <a:spLocks noGrp="1"/>
+          </p:cNvSpPr>
+          <p:nvPr>
+            <p:ph type="ftr" sz="quarter" idx="11"/>
+          </p:nvPr>
+        </p:nvSpPr>
+        <p:spPr/>
+        <p:txBody>
+          <a:bodyPr/>
+          <a:lstStyle/>
+          <a:p>
+            <a:pPr defTabSz="914099" eaLnBrk="0" hangingPunct="0"/>
+            <a:r>
+              <a:rPr lang="en-US" sz="400" dirty="0" smtClean="0">
+                <a:gradFill>
+                  <a:gsLst>
+                    <a:gs pos="0">
+                      <a:prstClr val="black"/>
+                    </a:gs>
+                    <a:gs pos="100000">
+                      <a:prstClr val="black"/>
+                    </a:gs>
+                  </a:gsLst>
+                  <a:lin ang="5400000" scaled="0"/>
+                </a:gradFill>
+                <a:latin typeface="Segoe UI" pitchFamily="34" charset="0"/>
+                <a:ea typeface="Segoe UI" pitchFamily="34" charset="0"/>
+                <a:cs typeface="Segoe UI" pitchFamily="34" charset="0"/>
               </a:rPr>
-              <a:pPr marL="0" marR="0" lvl="0" indent="0" algn="r" defTabSz="914400" rtl="0" eaLnBrk="1" fontAlgn="auto" latinLnBrk="0" hangingPunct="1">
-                <a:lnSpc>
-                  <a:spcPct val="100000"/>
-                </a:lnSpc>
-                <a:spcBef>
-                  <a:spcPts val="0"/>
-                </a:spcBef>
-                <a:spcAft>
-                  <a:spcPts val="0"/>
-                </a:spcAft>
-                <a:buClrTx/>
-                <a:buSzTx/>
-                <a:buFontTx/>
-                <a:buNone/>
-                <a:tabLst/>
-                <a:defRPr/>
-              </a:pPr>
+              <a:t>© 2016 Microsoft Corporation. All rights reserved. MICROSOFT MAKES NO WARRANTIES, EXPRESS, IMPLIED OR STATUTORY, AS TO THE INFORMATION IN THIS PRESENTATION.</a:t>
+            </a:r>
+          </a:p>
+        </p:txBody>
+      </p:sp>
+      <p:sp>
+        <p:nvSpPr>
+          <p:cNvPr id="6" name="Date Placeholder 5"/>
+          <p:cNvSpPr>
+            <a:spLocks noGrp="1"/>
+          </p:cNvSpPr>
+          <p:nvPr>
+            <p:ph type="dt" idx="12"/>
+          </p:nvPr>
+        </p:nvSpPr>
+        <p:spPr/>
+        <p:txBody>
+          <a:bodyPr/>
+          <a:lstStyle/>
+          <a:p>
+            <a:fld id="{90EC29EE-A8AD-4CE0-9C0B-116E0D4D7533}" type="datetime8">
+              <a:rPr lang="en-US" smtClean="0"/>
+              <a:t>3/21/2016 10:23 AM</a:t>
+            </a:fld>
+            <a:endParaRPr lang="en-US" dirty="0"/>
+          </a:p>
+        </p:txBody>
+      </p:sp>
+      <p:sp>
+        <p:nvSpPr>
+          <p:cNvPr id="7" name="Slide Number Placeholder 6"/>
+          <p:cNvSpPr>
+            <a:spLocks noGrp="1"/>
+          </p:cNvSpPr>
+          <p:nvPr>
+            <p:ph type="sldNum" sz="quarter" idx="13"/>
+          </p:nvPr>
+        </p:nvSpPr>
+        <p:spPr/>
+        <p:txBody>
+          <a:bodyPr/>
+          <a:lstStyle/>
+          <a:p>
+            <a:fld id="{B4008EB6-D09E-4580-8CD6-DDB14511944F}" type="slidenum">
+              <a:rPr lang="en-US" smtClean="0"/>
+              <a:pPr/>
               <a:t>4</a:t>
             </a:fld>
-            <a:endParaRPr kumimoji="0" lang="en-US" sz="1200" b="0" i="0" u="none" strike="noStrike" kern="1200" cap="none" spc="0" normalizeH="0" baseline="0" noProof="0">
-              <a:ln>
-                <a:noFill/>
-              </a:ln>
-              <a:solidFill>
-                <a:prstClr val="black"/>
-              </a:solidFill>
-              <a:effectLst/>
-              <a:uLnTx/>
-              <a:uFillTx/>
-              <a:latin typeface="Calibri" panose="020F0502020204030204"/>
-              <a:ea typeface="+mn-ea"/>
-              <a:cs typeface="+mn-cs"/>
-            </a:endParaRPr>
+            <a:endParaRPr lang="en-US" dirty="0"/>
           </a:p>
         </p:txBody>
       </p:sp>
     </p:spTree>
     <p:extLst>
       <p:ext uri="{BB962C8B-B14F-4D97-AF65-F5344CB8AC3E}">
-        <p14:creationId xmlns:p14="http://schemas.microsoft.com/office/powerpoint/2010/main" val="3526410877"/>
+        <p14:creationId xmlns:p14="http://schemas.microsoft.com/office/powerpoint/2010/main" val="3792050101"/>
       </p:ext>
     </p:extLst>
   </p:cSld>
@@ -1388,7 +1829,19 @@
           <a:bodyPr/>
           <a:lstStyle/>
           <a:p>
-            <a:endParaRPr lang="en-US" dirty="0"/>
+            <a:r>
+              <a:rPr lang="en-US" smtClean="0">
+                <a:solidFill>
+                  <a:prstClr val="black"/>
+                </a:solidFill>
+              </a:rPr>
+              <a:t>Build 2015</a:t>
+            </a:r>
+            <a:endParaRPr lang="en-US" dirty="0">
+              <a:solidFill>
+                <a:prstClr val="black"/>
+              </a:solidFill>
+            </a:endParaRPr>
           </a:p>
         </p:txBody>
       </p:sp>
@@ -1407,9 +1860,9 @@
           <a:bodyPr/>
           <a:lstStyle/>
           <a:p>
-            <a:pPr defTabSz="914099" eaLnBrk="0" hangingPunct="0"/>
-            <a:r>
-              <a:rPr lang="en-US" sz="400" dirty="0" smtClean="0">
+            <a:pPr defTabSz="931467" eaLnBrk="0" hangingPunct="0"/>
+            <a:r>
+              <a:rPr lang="en-US" sz="400">
                 <a:gradFill>
                   <a:gsLst>
                     <a:gs pos="0">
@@ -1425,8 +1878,24 @@
                 <a:ea typeface="Segoe UI" pitchFamily="34" charset="0"/>
                 <a:cs typeface="Segoe UI" pitchFamily="34" charset="0"/>
               </a:rPr>
-              <a:t>© 2016 Microsoft Corporation. All rights reserved. MICROSOFT MAKES NO WARRANTIES, EXPRESS, IMPLIED OR STATUTORY, AS TO THE INFORMATION IN THIS PRESENTATION.</a:t>
-            </a:r>
+              <a:t>© 2015 Microsoft Corporation. All rights reserved. MICROSOFT MAKES NO WARRANTIES, EXPRESS, IMPLIED OR STATUTORY, AS TO THE INFORMATION IN THIS PRESENTATION.</a:t>
+            </a:r>
+            <a:endParaRPr lang="en-US" sz="400" dirty="0">
+              <a:gradFill>
+                <a:gsLst>
+                  <a:gs pos="0">
+                    <a:prstClr val="black"/>
+                  </a:gs>
+                  <a:gs pos="100000">
+                    <a:prstClr val="black"/>
+                  </a:gs>
+                </a:gsLst>
+                <a:lin ang="5400000" scaled="0"/>
+              </a:gradFill>
+              <a:latin typeface="Segoe UI" pitchFamily="34" charset="0"/>
+              <a:ea typeface="Segoe UI" pitchFamily="34" charset="0"/>
+              <a:cs typeface="Segoe UI" pitchFamily="34" charset="0"/>
+            </a:endParaRPr>
           </a:p>
         </p:txBody>
       </p:sp>
@@ -1445,11 +1914,20 @@
           <a:bodyPr/>
           <a:lstStyle/>
           <a:p>
-            <a:fld id="{90EC29EE-A8AD-4CE0-9C0B-116E0D4D7533}" type="datetime8">
-              <a:rPr lang="en-US" smtClean="0"/>
-              <a:t>3/18/2016 12:34 PM</a:t>
+            <a:fld id="{38EEC551-8CDA-4EB6-89BB-2A86C9F091C8}" type="datetime8">
+              <a:rPr lang="en-US" smtClean="0">
+                <a:solidFill>
+                  <a:prstClr val="black"/>
+                </a:solidFill>
+              </a:rPr>
+              <a:pPr/>
+              <a:t>3/21/2016 10:16 AM</a:t>
             </a:fld>
-            <a:endParaRPr lang="en-US" dirty="0"/>
+            <a:endParaRPr lang="en-US" dirty="0">
+              <a:solidFill>
+                <a:prstClr val="black"/>
+              </a:solidFill>
+            </a:endParaRPr>
           </a:p>
         </p:txBody>
       </p:sp>
@@ -1469,18 +1947,26 @@
           <a:lstStyle/>
           <a:p>
             <a:fld id="{B4008EB6-D09E-4580-8CD6-DDB14511944F}" type="slidenum">
-              <a:rPr lang="en-US" smtClean="0"/>
+              <a:rPr lang="en-US" smtClean="0">
+                <a:solidFill>
+                  <a:prstClr val="black"/>
+                </a:solidFill>
+              </a:rPr>
               <a:pPr/>
-              <a:t>6</a:t>
+              <a:t>5</a:t>
             </a:fld>
-            <a:endParaRPr lang="en-US" dirty="0"/>
+            <a:endParaRPr lang="en-US" dirty="0">
+              <a:solidFill>
+                <a:prstClr val="black"/>
+              </a:solidFill>
+            </a:endParaRPr>
           </a:p>
         </p:txBody>
       </p:sp>
     </p:spTree>
     <p:extLst>
       <p:ext uri="{BB962C8B-B14F-4D97-AF65-F5344CB8AC3E}">
-        <p14:creationId xmlns:p14="http://schemas.microsoft.com/office/powerpoint/2010/main" val="3951100661"/>
+        <p14:creationId xmlns:p14="http://schemas.microsoft.com/office/powerpoint/2010/main" val="213822893"/>
       </p:ext>
     </p:extLst>
   </p:cSld>
@@ -1534,19 +2020,36 @@
           <a:bodyPr/>
           <a:lstStyle/>
           <a:p>
+            <a:pPr marL="0" marR="0" indent="0" algn="l" defTabSz="924916" rtl="0" eaLnBrk="1" fontAlgn="auto" latinLnBrk="0" hangingPunct="1">
+              <a:lnSpc>
+                <a:spcPct val="90000"/>
+              </a:lnSpc>
+              <a:spcBef>
+                <a:spcPts val="0"/>
+              </a:spcBef>
+              <a:spcAft>
+                <a:spcPts val="340"/>
+              </a:spcAft>
+              <a:buClrTx/>
+              <a:buSzTx/>
+              <a:buFontTx/>
+              <a:buNone/>
+              <a:tabLst/>
+              <a:defRPr/>
+            </a:pPr>
             <a:r>
               <a:rPr lang="en-US" baseline="0" dirty="0"/>
-              <a:t>“As a follow-on to this lab, we also have the Azure IoT lab. In that, you’ll learn how to use the Raspberry Pi to send sensor data to IoT Hub and process it using other Azure IoT services.</a:t>
-            </a:r>
-          </a:p>
-          <a:p>
-            <a:endParaRPr lang="en-US" baseline="0" dirty="0"/>
-          </a:p>
-          <a:p>
+              <a:t>“With Windows 10, we’ve taken our best work from Desktop, Windows Phone, and Xbox merged it into a single core operating system with a tailored experience for each device. Windows 10 runs on everything from Phone to laptop to desktop to IoT devices and </a:t>
+            </a:r>
+            <a:r>
+              <a:rPr lang="en-US" baseline="0" dirty="0" err="1"/>
+              <a:t>Hololens</a:t>
+            </a:r>
             <a:r>
               <a:rPr lang="en-US" baseline="0" dirty="0"/>
-              <a:t>If you are interested in the underlying IO and other capabilities on devices like the Raspberry Pi, or want to explore more with Azure and devices, we also have the Open Hack in this same room, starting on Day 2.”</a:t>
-            </a:r>
+              <a:t>.”</a:t>
+            </a:r>
+            <a:endParaRPr lang="en-US" dirty="0"/>
           </a:p>
         </p:txBody>
       </p:sp>
@@ -1614,7 +2117,7 @@
                 <a:tabLst/>
                 <a:defRPr/>
               </a:pPr>
-              <a:t>7</a:t>
+              <a:t>6</a:t>
             </a:fld>
             <a:endParaRPr kumimoji="0" lang="en-US" sz="1200" b="0" i="0" u="none" strike="noStrike" kern="1200" cap="none" spc="0" normalizeH="0" baseline="0" noProof="0">
               <a:ln>
@@ -1636,7 +2139,7 @@
     </p:spTree>
     <p:extLst>
       <p:ext uri="{BB962C8B-B14F-4D97-AF65-F5344CB8AC3E}">
-        <p14:creationId xmlns:p14="http://schemas.microsoft.com/office/powerpoint/2010/main" val="473181027"/>
+        <p14:creationId xmlns:p14="http://schemas.microsoft.com/office/powerpoint/2010/main" val="3526410877"/>
       </p:ext>
     </p:extLst>
   </p:cSld>
@@ -1690,23 +2193,6 @@
           <a:bodyPr/>
           <a:lstStyle/>
           <a:p>
-            <a:r>
-              <a:rPr lang="en-US" dirty="0"/>
-              <a:t>You should get to this slide no later than 10 minutes into the session</a:t>
-            </a:r>
-          </a:p>
-          <a:p>
-            <a:endParaRPr lang="en-US" dirty="0"/>
-          </a:p>
-          <a:p>
-            <a:r>
-              <a:rPr lang="en-US" dirty="0"/>
-              <a:t>Show how to get to the lab</a:t>
-            </a:r>
-            <a:r>
-              <a:rPr lang="en-US" baseline="0" dirty="0"/>
-              <a:t> on the workstation, and then leave this slide up on the projector.</a:t>
-            </a:r>
             <a:endParaRPr lang="en-US" dirty="0"/>
           </a:p>
         </p:txBody>
@@ -1747,7 +2233,7 @@
           <a:p>
             <a:pPr defTabSz="914099" eaLnBrk="0" hangingPunct="0"/>
             <a:r>
-              <a:rPr lang="en-US" sz="400">
+              <a:rPr lang="en-US" sz="400" dirty="0" smtClean="0">
                 <a:gradFill>
                   <a:gsLst>
                     <a:gs pos="0">
@@ -1763,24 +2249,8 @@
                 <a:ea typeface="Segoe UI" pitchFamily="34" charset="0"/>
                 <a:cs typeface="Segoe UI" pitchFamily="34" charset="0"/>
               </a:rPr>
-              <a:t>© 2014 Microsoft Corporation. All rights reserved. MICROSOFT MAKES NO WARRANTIES, EXPRESS, IMPLIED OR STATUTORY, AS TO THE INFORMATION IN THIS PRESENTATION.</a:t>
-            </a:r>
-            <a:endParaRPr lang="en-US" sz="400" dirty="0">
-              <a:gradFill>
-                <a:gsLst>
-                  <a:gs pos="0">
-                    <a:prstClr val="black"/>
-                  </a:gs>
-                  <a:gs pos="100000">
-                    <a:prstClr val="black"/>
-                  </a:gs>
-                </a:gsLst>
-                <a:lin ang="5400000" scaled="0"/>
-              </a:gradFill>
-              <a:latin typeface="Segoe UI" pitchFamily="34" charset="0"/>
-              <a:ea typeface="Segoe UI" pitchFamily="34" charset="0"/>
-              <a:cs typeface="Segoe UI" pitchFamily="34" charset="0"/>
-            </a:endParaRPr>
+              <a:t>© 2016 Microsoft Corporation. All rights reserved. MICROSOFT MAKES NO WARRANTIES, EXPRESS, IMPLIED OR STATUTORY, AS TO THE INFORMATION IN THIS PRESENTATION.</a:t>
+            </a:r>
           </a:p>
         </p:txBody>
       </p:sp>
@@ -1799,9 +2269,9 @@
           <a:bodyPr/>
           <a:lstStyle/>
           <a:p>
-            <a:fld id="{38EEC551-8CDA-4EB6-89BB-2A86C9F091C8}" type="datetime8">
+            <a:fld id="{90EC29EE-A8AD-4CE0-9C0B-116E0D4D7533}" type="datetime8">
               <a:rPr lang="en-US" smtClean="0"/>
-              <a:t>3/18/2016 11:02 AM</a:t>
+              <a:t>3/21/2016 10:15 AM</a:t>
             </a:fld>
             <a:endParaRPr lang="en-US" dirty="0"/>
           </a:p>
@@ -1834,7 +2304,7 @@
     </p:spTree>
     <p:extLst>
       <p:ext uri="{BB962C8B-B14F-4D97-AF65-F5344CB8AC3E}">
-        <p14:creationId xmlns:p14="http://schemas.microsoft.com/office/powerpoint/2010/main" val="3370971105"/>
+        <p14:creationId xmlns:p14="http://schemas.microsoft.com/office/powerpoint/2010/main" val="3951100661"/>
       </p:ext>
     </p:extLst>
   </p:cSld>
@@ -1888,29 +2358,30 @@
           <a:bodyPr/>
           <a:lstStyle/>
           <a:p>
-            <a:endParaRPr lang="en-US" dirty="0" smtClean="0"/>
-          </a:p>
-          <a:p>
-            <a:r>
-              <a:rPr lang="en-US" dirty="0" smtClean="0"/>
-              <a:t>Update phone image</a:t>
-            </a:r>
-            <a:r>
-              <a:rPr lang="en-US" baseline="0" dirty="0" smtClean="0"/>
-              <a:t> to a Microsoft phone.</a:t>
-            </a:r>
-            <a:endParaRPr lang="en-US" dirty="0"/>
+            <a:r>
+              <a:rPr lang="en-US" baseline="0" dirty="0"/>
+              <a:t>“As a follow-on to this lab, we also have the Azure IoT lab. In that, you’ll learn how to use the Raspberry Pi to send sensor data to IoT Hub and process it using other Azure IoT services.</a:t>
+            </a:r>
+          </a:p>
+          <a:p>
+            <a:endParaRPr lang="en-US" baseline="0" dirty="0"/>
+          </a:p>
+          <a:p>
+            <a:r>
+              <a:rPr lang="en-US" baseline="0" dirty="0"/>
+              <a:t>If you are interested in the underlying IO and other capabilities on devices like the Raspberry Pi, or want to explore more with Azure and devices, we also have the Open Hack in this same room, starting on Day 2.”</a:t>
+            </a:r>
           </a:p>
         </p:txBody>
       </p:sp>
       <p:sp>
         <p:nvSpPr>
-          <p:cNvPr id="4" name="Footer Placeholder 3"/>
+          <p:cNvPr id="4" name="Slide Number Placeholder 3"/>
           <p:cNvSpPr>
             <a:spLocks noGrp="1"/>
           </p:cNvSpPr>
           <p:nvPr>
-            <p:ph type="ftr" sz="quarter" idx="10"/>
+            <p:ph type="sldNum" sz="quarter" idx="10"/>
           </p:nvPr>
         </p:nvSpPr>
         <p:spPr/>
@@ -1918,80 +2389,78 @@
           <a:bodyPr/>
           <a:lstStyle/>
           <a:p>
-            <a:pPr defTabSz="914099" eaLnBrk="0" hangingPunct="0"/>
-            <a:r>
-              <a:rPr lang="en-US" sz="400" dirty="0" smtClean="0">
-                <a:gradFill>
-                  <a:gsLst>
-                    <a:gs pos="0">
-                      <a:prstClr val="black"/>
-                    </a:gs>
-                    <a:gs pos="100000">
-                      <a:prstClr val="black"/>
-                    </a:gs>
-                  </a:gsLst>
-                  <a:lin ang="5400000" scaled="0"/>
-                </a:gradFill>
-                <a:latin typeface="Segoe UI" pitchFamily="34" charset="0"/>
-                <a:ea typeface="Segoe UI" pitchFamily="34" charset="0"/>
-                <a:cs typeface="Segoe UI" pitchFamily="34" charset="0"/>
+            <a:pPr marL="0" marR="0" lvl="0" indent="0" algn="r" defTabSz="914400" rtl="0" eaLnBrk="1" fontAlgn="auto" latinLnBrk="0" hangingPunct="1">
+              <a:lnSpc>
+                <a:spcPct val="100000"/>
+              </a:lnSpc>
+              <a:spcBef>
+                <a:spcPts val="0"/>
+              </a:spcBef>
+              <a:spcAft>
+                <a:spcPts val="0"/>
+              </a:spcAft>
+              <a:buClrTx/>
+              <a:buSzTx/>
+              <a:buFontTx/>
+              <a:buNone/>
+              <a:tabLst/>
+              <a:defRPr/>
+            </a:pPr>
+            <a:fld id="{0EA2900F-B82C-4F11-85DB-97B88AAD310C}" type="slidenum">
+              <a:rPr kumimoji="0" lang="en-US" sz="1200" b="0" i="0" u="none" strike="noStrike" kern="1200" cap="none" spc="0" normalizeH="0" baseline="0" noProof="0" smtClean="0">
+                <a:ln>
+                  <a:noFill/>
+                </a:ln>
+                <a:solidFill>
+                  <a:prstClr val="black"/>
+                </a:solidFill>
+                <a:effectLst/>
+                <a:uLnTx/>
+                <a:uFillTx/>
+                <a:latin typeface="Calibri" panose="020F0502020204030204"/>
+                <a:ea typeface="+mn-ea"/>
+                <a:cs typeface="+mn-cs"/>
               </a:rPr>
-              <a:t>© 2016 Microsoft Corporation. All rights reserved. Microsoft, Windows, and other product names are or may be registered trademarks and/or trademarks in the U.S. and/or other countries. The information herein is for informational purposes only and represents the current view of Microsoft Corporation as of the date of this presentation.  Because Microsoft must respond to changing market conditions, it should not be interpreted to be a commitment on the part of Microsoft, and Microsoft cannot guarantee the accuracy of any information provided after the date of this presentation.  MICROSOFT MAKES NO WARRANTIES, EXPRESS, IMPLIED OR STATUTORY, AS TO THE INFORMATION IN THIS PRESENTATION.</a:t>
-            </a:r>
-          </a:p>
-        </p:txBody>
-      </p:sp>
-      <p:sp>
-        <p:nvSpPr>
-          <p:cNvPr id="5" name="Date Placeholder 4"/>
-          <p:cNvSpPr>
-            <a:spLocks noGrp="1"/>
-          </p:cNvSpPr>
-          <p:nvPr>
-            <p:ph type="dt" idx="11"/>
-          </p:nvPr>
-        </p:nvSpPr>
-        <p:spPr/>
-        <p:txBody>
-          <a:bodyPr/>
-          <a:lstStyle/>
-          <a:p>
-            <a:fld id="{E74353ED-ACB2-44BF-A903-985B0AF962B7}" type="datetime1">
-              <a:rPr lang="en-US" smtClean="0"/>
-              <a:t>3/18/2016</a:t>
+              <a:pPr marL="0" marR="0" lvl="0" indent="0" algn="r" defTabSz="914400" rtl="0" eaLnBrk="1" fontAlgn="auto" latinLnBrk="0" hangingPunct="1">
+                <a:lnSpc>
+                  <a:spcPct val="100000"/>
+                </a:lnSpc>
+                <a:spcBef>
+                  <a:spcPts val="0"/>
+                </a:spcBef>
+                <a:spcAft>
+                  <a:spcPts val="0"/>
+                </a:spcAft>
+                <a:buClrTx/>
+                <a:buSzTx/>
+                <a:buFontTx/>
+                <a:buNone/>
+                <a:tabLst/>
+                <a:defRPr/>
+              </a:pPr>
+              <a:t>9</a:t>
             </a:fld>
-            <a:endParaRPr lang="en-US" dirty="0"/>
-          </a:p>
-        </p:txBody>
-      </p:sp>
-      <p:sp>
-        <p:nvSpPr>
-          <p:cNvPr id="6" name="Slide Number Placeholder 5"/>
-          <p:cNvSpPr>
-            <a:spLocks noGrp="1"/>
-          </p:cNvSpPr>
-          <p:nvPr>
-            <p:ph type="sldNum" sz="quarter" idx="12"/>
-          </p:nvPr>
-        </p:nvSpPr>
-        <p:spPr/>
-        <p:txBody>
-          <a:bodyPr/>
-          <a:lstStyle/>
-          <a:p>
-            <a:fld id="{B4008EB6-D09E-4580-8CD6-DDB14511944F}" type="slidenum">
-              <a:rPr lang="en-US" smtClean="0"/>
-              <a:pPr/>
-              <a:t>11</a:t>
-            </a:fld>
-            <a:endParaRPr lang="en-US" dirty="0"/>
+            <a:endParaRPr kumimoji="0" lang="en-US" sz="1200" b="0" i="0" u="none" strike="noStrike" kern="1200" cap="none" spc="0" normalizeH="0" baseline="0" noProof="0">
+              <a:ln>
+                <a:noFill/>
+              </a:ln>
+              <a:solidFill>
+                <a:prstClr val="black"/>
+              </a:solidFill>
+              <a:effectLst/>
+              <a:uLnTx/>
+              <a:uFillTx/>
+              <a:latin typeface="Calibri" panose="020F0502020204030204"/>
+              <a:ea typeface="+mn-ea"/>
+              <a:cs typeface="+mn-cs"/>
+            </a:endParaRPr>
           </a:p>
         </p:txBody>
       </p:sp>
     </p:spTree>
     <p:extLst>
       <p:ext uri="{BB962C8B-B14F-4D97-AF65-F5344CB8AC3E}">
-        <p14:creationId xmlns:p14="http://schemas.microsoft.com/office/powerpoint/2010/main" val="641260672"/>
+        <p14:creationId xmlns:p14="http://schemas.microsoft.com/office/powerpoint/2010/main" val="473181027"/>
       </p:ext>
     </p:extLst>
   </p:cSld>
@@ -2045,82 +2514,35 @@
           <a:bodyPr/>
           <a:lstStyle/>
           <a:p>
-            <a:pPr marL="0" marR="0" indent="0" algn="l" defTabSz="932742" rtl="0" eaLnBrk="1" fontAlgn="auto" latinLnBrk="0" hangingPunct="1">
-              <a:lnSpc>
-                <a:spcPct val="90000"/>
-              </a:lnSpc>
-              <a:spcBef>
-                <a:spcPts val="0"/>
-              </a:spcBef>
-              <a:spcAft>
-                <a:spcPts val="340"/>
-              </a:spcAft>
-              <a:buClrTx/>
-              <a:buSzTx/>
-              <a:buFontTx/>
-              <a:buNone/>
-              <a:tabLst/>
-              <a:defRPr/>
-            </a:pPr>
-            <a:r>
-              <a:rPr lang="en-US" b="1" dirty="0" smtClean="0">
-                <a:latin typeface="Segoe"/>
-              </a:rPr>
-              <a:t>Speakers: </a:t>
-            </a:r>
-            <a:r>
-              <a:rPr lang="en-US" dirty="0" smtClean="0">
-                <a:latin typeface="Segoe"/>
-              </a:rPr>
-              <a:t>Please note this slide will be updated with your session’s QR code during the scrub process which</a:t>
-            </a:r>
-            <a:r>
-              <a:rPr lang="en-US" baseline="0" dirty="0" smtClean="0">
-                <a:latin typeface="Segoe"/>
-              </a:rPr>
-              <a:t> is </a:t>
-            </a:r>
-            <a:r>
-              <a:rPr lang="en-US" dirty="0" smtClean="0">
-                <a:latin typeface="Segoe"/>
-              </a:rPr>
-              <a:t>outlined</a:t>
-            </a:r>
-            <a:r>
-              <a:rPr lang="en-US" baseline="0" dirty="0" smtClean="0">
-                <a:latin typeface="Segoe"/>
-              </a:rPr>
-              <a:t> on side 3. Attendees can scan the QR code for access to your session’s </a:t>
-            </a:r>
-            <a:r>
-              <a:rPr lang="en-US" baseline="0" dirty="0" err="1" smtClean="0">
-                <a:latin typeface="Segoe"/>
-              </a:rPr>
-              <a:t>eval</a:t>
-            </a:r>
-            <a:r>
-              <a:rPr lang="en-US" baseline="0" dirty="0" smtClean="0">
-                <a:latin typeface="Segoe"/>
-              </a:rPr>
-              <a:t>.</a:t>
-            </a:r>
-            <a:endParaRPr lang="en-US" dirty="0" smtClean="0">
-              <a:latin typeface="Segoe"/>
-            </a:endParaRPr>
-          </a:p>
-          <a:p>
+            <a:r>
+              <a:rPr lang="en-US" dirty="0"/>
+              <a:t>You should get to this slide no later than 10 minutes into the session</a:t>
+            </a:r>
+          </a:p>
+          <a:p>
+            <a:endParaRPr lang="en-US" dirty="0"/>
+          </a:p>
+          <a:p>
+            <a:r>
+              <a:rPr lang="en-US" dirty="0"/>
+              <a:t>Show how to get to the lab</a:t>
+            </a:r>
+            <a:r>
+              <a:rPr lang="en-US" baseline="0" dirty="0"/>
+              <a:t> on the workstation, and then leave this slide up on the projector.</a:t>
+            </a:r>
             <a:endParaRPr lang="en-US" dirty="0"/>
           </a:p>
         </p:txBody>
       </p:sp>
       <p:sp>
         <p:nvSpPr>
-          <p:cNvPr id="4" name="Footer Placeholder 3"/>
+          <p:cNvPr id="4" name="Header Placeholder 3"/>
           <p:cNvSpPr>
             <a:spLocks noGrp="1"/>
           </p:cNvSpPr>
           <p:nvPr>
-            <p:ph type="ftr" sz="quarter" idx="10"/>
+            <p:ph type="hdr" sz="quarter" idx="10"/>
           </p:nvPr>
         </p:nvSpPr>
         <p:spPr/>
@@ -2128,9 +2550,28 @@
           <a:bodyPr/>
           <a:lstStyle/>
           <a:p>
+            <a:endParaRPr lang="en-US" dirty="0"/>
+          </a:p>
+        </p:txBody>
+      </p:sp>
+      <p:sp>
+        <p:nvSpPr>
+          <p:cNvPr id="5" name="Footer Placeholder 4"/>
+          <p:cNvSpPr>
+            <a:spLocks noGrp="1"/>
+          </p:cNvSpPr>
+          <p:nvPr>
+            <p:ph type="ftr" sz="quarter" idx="11"/>
+          </p:nvPr>
+        </p:nvSpPr>
+        <p:spPr/>
+        <p:txBody>
+          <a:bodyPr/>
+          <a:lstStyle/>
+          <a:p>
             <a:pPr defTabSz="914099" eaLnBrk="0" hangingPunct="0"/>
             <a:r>
-              <a:rPr lang="en-US" sz="400" dirty="0" smtClean="0">
+              <a:rPr lang="en-US" sz="400">
                 <a:gradFill>
                   <a:gsLst>
                     <a:gs pos="0">
@@ -2146,19 +2587,35 @@
                 <a:ea typeface="Segoe UI" pitchFamily="34" charset="0"/>
                 <a:cs typeface="Segoe UI" pitchFamily="34" charset="0"/>
               </a:rPr>
-              <a:t>© 2016 Microsoft Corporation. All rights reserved. Microsoft, Windows, and other product names are or may be registered trademarks and/or trademarks in the U.S. and/or other countries. The information herein is for informational purposes only and represents the current view of Microsoft Corporation as of the date of this presentation.  Because Microsoft must respond to changing market conditions, it should not be interpreted to be a commitment on the part of Microsoft, and Microsoft cannot guarantee the accuracy of any information provided after the date of this presentation.  MICROSOFT MAKES NO WARRANTIES, EXPRESS, IMPLIED OR STATUTORY, AS TO THE INFORMATION IN THIS PRESENTATION.</a:t>
-            </a:r>
+              <a:t>© 2014 Microsoft Corporation. All rights reserved. MICROSOFT MAKES NO WARRANTIES, EXPRESS, IMPLIED OR STATUTORY, AS TO THE INFORMATION IN THIS PRESENTATION.</a:t>
+            </a:r>
+            <a:endParaRPr lang="en-US" sz="400" dirty="0">
+              <a:gradFill>
+                <a:gsLst>
+                  <a:gs pos="0">
+                    <a:prstClr val="black"/>
+                  </a:gs>
+                  <a:gs pos="100000">
+                    <a:prstClr val="black"/>
+                  </a:gs>
+                </a:gsLst>
+                <a:lin ang="5400000" scaled="0"/>
+              </a:gradFill>
+              <a:latin typeface="Segoe UI" pitchFamily="34" charset="0"/>
+              <a:ea typeface="Segoe UI" pitchFamily="34" charset="0"/>
+              <a:cs typeface="Segoe UI" pitchFamily="34" charset="0"/>
+            </a:endParaRPr>
           </a:p>
         </p:txBody>
       </p:sp>
       <p:sp>
         <p:nvSpPr>
-          <p:cNvPr id="5" name="Date Placeholder 4"/>
+          <p:cNvPr id="6" name="Date Placeholder 5"/>
           <p:cNvSpPr>
             <a:spLocks noGrp="1"/>
           </p:cNvSpPr>
           <p:nvPr>
-            <p:ph type="dt" idx="11"/>
+            <p:ph type="dt" idx="12"/>
           </p:nvPr>
         </p:nvSpPr>
         <p:spPr/>
@@ -2166,9 +2623,9 @@
           <a:bodyPr/>
           <a:lstStyle/>
           <a:p>
-            <a:fld id="{E74353ED-ACB2-44BF-A903-985B0AF962B7}" type="datetime1">
+            <a:fld id="{38EEC551-8CDA-4EB6-89BB-2A86C9F091C8}" type="datetime8">
               <a:rPr lang="en-US" smtClean="0"/>
-              <a:t>3/18/2016</a:t>
+              <a:t>3/21/2016 10:15 AM</a:t>
             </a:fld>
             <a:endParaRPr lang="en-US" dirty="0"/>
           </a:p>
@@ -2176,12 +2633,12 @@
       </p:sp>
       <p:sp>
         <p:nvSpPr>
-          <p:cNvPr id="6" name="Slide Number Placeholder 5"/>
+          <p:cNvPr id="7" name="Slide Number Placeholder 6"/>
           <p:cNvSpPr>
             <a:spLocks noGrp="1"/>
           </p:cNvSpPr>
           <p:nvPr>
-            <p:ph type="sldNum" sz="quarter" idx="12"/>
+            <p:ph type="sldNum" sz="quarter" idx="13"/>
           </p:nvPr>
         </p:nvSpPr>
         <p:spPr/>
@@ -2192,7 +2649,7 @@
             <a:fld id="{B4008EB6-D09E-4580-8CD6-DDB14511944F}" type="slidenum">
               <a:rPr lang="en-US" smtClean="0"/>
               <a:pPr/>
-              <a:t>12</a:t>
+              <a:t>10</a:t>
             </a:fld>
             <a:endParaRPr lang="en-US" dirty="0"/>
           </a:p>
@@ -2201,7 +2658,7 @@
     </p:spTree>
     <p:extLst>
       <p:ext uri="{BB962C8B-B14F-4D97-AF65-F5344CB8AC3E}">
-        <p14:creationId xmlns:p14="http://schemas.microsoft.com/office/powerpoint/2010/main" val="2642267037"/>
+        <p14:creationId xmlns:p14="http://schemas.microsoft.com/office/powerpoint/2010/main" val="3370971105"/>
       </p:ext>
     </p:extLst>
   </p:cSld>
@@ -2255,18 +2712,29 @@
           <a:bodyPr/>
           <a:lstStyle/>
           <a:p>
+            <a:endParaRPr lang="en-US" dirty="0" smtClean="0"/>
+          </a:p>
+          <a:p>
+            <a:r>
+              <a:rPr lang="en-US" dirty="0" smtClean="0"/>
+              <a:t>Update phone image</a:t>
+            </a:r>
+            <a:r>
+              <a:rPr lang="en-US" baseline="0" dirty="0" smtClean="0"/>
+              <a:t> to a Microsoft phone.</a:t>
+            </a:r>
             <a:endParaRPr lang="en-US" dirty="0"/>
           </a:p>
         </p:txBody>
       </p:sp>
       <p:sp>
         <p:nvSpPr>
-          <p:cNvPr id="4" name="Header Placeholder 3"/>
+          <p:cNvPr id="4" name="Footer Placeholder 3"/>
           <p:cNvSpPr>
             <a:spLocks noGrp="1"/>
           </p:cNvSpPr>
           <p:nvPr>
-            <p:ph type="hdr" sz="quarter" idx="10"/>
+            <p:ph type="ftr" sz="quarter" idx="10"/>
           </p:nvPr>
         </p:nvSpPr>
         <p:spPr/>
@@ -2274,31 +2742,9 @@
           <a:bodyPr/>
           <a:lstStyle/>
           <a:p>
-            <a:r>
-              <a:rPr lang="en-US" dirty="0"/>
-              <a:t>Microsoft Build 2016</a:t>
-            </a:r>
-          </a:p>
-        </p:txBody>
-      </p:sp>
-      <p:sp>
-        <p:nvSpPr>
-          <p:cNvPr id="5" name="Footer Placeholder 4"/>
-          <p:cNvSpPr>
-            <a:spLocks noGrp="1"/>
-          </p:cNvSpPr>
-          <p:nvPr>
-            <p:ph type="ftr" sz="quarter" idx="11"/>
-          </p:nvPr>
-        </p:nvSpPr>
-        <p:spPr/>
-        <p:txBody>
-          <a:bodyPr/>
-          <a:lstStyle/>
-          <a:p>
             <a:pPr defTabSz="914099" eaLnBrk="0" hangingPunct="0"/>
             <a:r>
-              <a:rPr lang="en-US" sz="400">
+              <a:rPr lang="en-US" sz="400" dirty="0" smtClean="0">
                 <a:gradFill>
                   <a:gsLst>
                     <a:gs pos="0">
@@ -2314,35 +2760,19 @@
                 <a:ea typeface="Segoe UI" pitchFamily="34" charset="0"/>
                 <a:cs typeface="Segoe UI" pitchFamily="34" charset="0"/>
               </a:rPr>
-              <a:t>© 2016 Microsoft Corporation. All rights reserved. MICROSOFT MAKES NO WARRANTIES, EXPRESS, IMPLIED OR STATUTORY, AS TO THE INFORMATION IN THIS PRESENTATION.</a:t>
-            </a:r>
-            <a:endParaRPr lang="en-US" sz="400" dirty="0">
-              <a:gradFill>
-                <a:gsLst>
-                  <a:gs pos="0">
-                    <a:prstClr val="black"/>
-                  </a:gs>
-                  <a:gs pos="100000">
-                    <a:prstClr val="black"/>
-                  </a:gs>
-                </a:gsLst>
-                <a:lin ang="5400000" scaled="0"/>
-              </a:gradFill>
-              <a:latin typeface="Segoe UI" pitchFamily="34" charset="0"/>
-              <a:ea typeface="Segoe UI" pitchFamily="34" charset="0"/>
-              <a:cs typeface="Segoe UI" pitchFamily="34" charset="0"/>
-            </a:endParaRPr>
+              <a:t>© 2016 Microsoft Corporation. All rights reserved. Microsoft, Windows, and other product names are or may be registered trademarks and/or trademarks in the U.S. and/or other countries. The information herein is for informational purposes only and represents the current view of Microsoft Corporation as of the date of this presentation.  Because Microsoft must respond to changing market conditions, it should not be interpreted to be a commitment on the part of Microsoft, and Microsoft cannot guarantee the accuracy of any information provided after the date of this presentation.  MICROSOFT MAKES NO WARRANTIES, EXPRESS, IMPLIED OR STATUTORY, AS TO THE INFORMATION IN THIS PRESENTATION.</a:t>
+            </a:r>
           </a:p>
         </p:txBody>
       </p:sp>
       <p:sp>
         <p:nvSpPr>
-          <p:cNvPr id="6" name="Date Placeholder 5"/>
+          <p:cNvPr id="5" name="Date Placeholder 4"/>
           <p:cNvSpPr>
             <a:spLocks noGrp="1"/>
           </p:cNvSpPr>
           <p:nvPr>
-            <p:ph type="dt" idx="12"/>
+            <p:ph type="dt" idx="11"/>
           </p:nvPr>
         </p:nvSpPr>
         <p:spPr/>
@@ -2350,9 +2780,9 @@
           <a:bodyPr/>
           <a:lstStyle/>
           <a:p>
-            <a:fld id="{38EEC551-8CDA-4EB6-89BB-2A86C9F091C8}" type="datetime8">
+            <a:fld id="{E74353ED-ACB2-44BF-A903-985B0AF962B7}" type="datetime1">
               <a:rPr lang="en-US" smtClean="0"/>
-              <a:t>3/18/2016 12:20 PM</a:t>
+              <a:t>3/21/2016</a:t>
             </a:fld>
             <a:endParaRPr lang="en-US" dirty="0"/>
           </a:p>
@@ -2360,12 +2790,12 @@
       </p:sp>
       <p:sp>
         <p:nvSpPr>
-          <p:cNvPr id="7" name="Slide Number Placeholder 6"/>
+          <p:cNvPr id="6" name="Slide Number Placeholder 5"/>
           <p:cNvSpPr>
             <a:spLocks noGrp="1"/>
           </p:cNvSpPr>
           <p:nvPr>
-            <p:ph type="sldNum" sz="quarter" idx="13"/>
+            <p:ph type="sldNum" sz="quarter" idx="12"/>
           </p:nvPr>
         </p:nvSpPr>
         <p:spPr/>
@@ -2385,7 +2815,7 @@
     </p:spTree>
     <p:extLst>
       <p:ext uri="{BB962C8B-B14F-4D97-AF65-F5344CB8AC3E}">
-        <p14:creationId xmlns:p14="http://schemas.microsoft.com/office/powerpoint/2010/main" val="4117712283"/>
+        <p14:creationId xmlns:p14="http://schemas.microsoft.com/office/powerpoint/2010/main" val="641260672"/>
       </p:ext>
     </p:extLst>
   </p:cSld>
@@ -6143,6 +6573,214 @@
 </file>
 
 <file path=ppt/slideLayouts/slideLayout25.xml><?xml version="1.0" encoding="utf-8"?>
+<p:sldLayout xmlns:a="http://schemas.openxmlformats.org/drawingml/2006/main" xmlns:r="http://schemas.openxmlformats.org/officeDocument/2006/relationships" xmlns:p="http://schemas.openxmlformats.org/presentationml/2006/main" userDrawn="1">
+  <p:cSld name="Title and Content - 2">
+    <p:spTree>
+      <p:nvGrpSpPr>
+        <p:cNvPr id="1" name=""/>
+        <p:cNvGrpSpPr/>
+        <p:nvPr/>
+      </p:nvGrpSpPr>
+      <p:grpSpPr>
+        <a:xfrm>
+          <a:off x="0" y="0"/>
+          <a:ext cx="0" cy="0"/>
+          <a:chOff x="0" y="0"/>
+          <a:chExt cx="0" cy="0"/>
+        </a:xfrm>
+      </p:grpSpPr>
+      <p:sp>
+        <p:nvSpPr>
+          <p:cNvPr id="4" name="Text Placeholder 3"/>
+          <p:cNvSpPr>
+            <a:spLocks noGrp="1"/>
+          </p:cNvSpPr>
+          <p:nvPr>
+            <p:ph type="body" sz="quarter" idx="10"/>
+          </p:nvPr>
+        </p:nvSpPr>
+        <p:spPr>
+          <a:xfrm>
+            <a:off x="3383628" y="1668463"/>
+            <a:ext cx="8778210" cy="5029200"/>
+          </a:xfrm>
+        </p:spPr>
+        <p:txBody>
+          <a:bodyPr wrap="square">
+            <a:noAutofit/>
+          </a:bodyPr>
+          <a:lstStyle>
+            <a:lvl3pPr>
+              <a:defRPr sz="2400"/>
+            </a:lvl3pPr>
+            <a:lvl4pPr>
+              <a:defRPr sz="2000"/>
+            </a:lvl4pPr>
+            <a:lvl5pPr>
+              <a:defRPr sz="2000"/>
+            </a:lvl5pPr>
+          </a:lstStyle>
+          <a:p>
+            <a:pPr lvl="0"/>
+            <a:r>
+              <a:rPr lang="en-US" smtClean="0"/>
+              <a:t>Click to edit Master text styles</a:t>
+            </a:r>
+          </a:p>
+          <a:p>
+            <a:pPr lvl="1"/>
+            <a:r>
+              <a:rPr lang="en-US" smtClean="0"/>
+              <a:t>Second level</a:t>
+            </a:r>
+          </a:p>
+          <a:p>
+            <a:pPr lvl="2"/>
+            <a:r>
+              <a:rPr lang="en-US" smtClean="0"/>
+              <a:t>Third level</a:t>
+            </a:r>
+          </a:p>
+          <a:p>
+            <a:pPr lvl="3"/>
+            <a:r>
+              <a:rPr lang="en-US" smtClean="0"/>
+              <a:t>Fourth level</a:t>
+            </a:r>
+          </a:p>
+          <a:p>
+            <a:pPr lvl="4"/>
+            <a:r>
+              <a:rPr lang="en-US" smtClean="0"/>
+              <a:t>Fifth level</a:t>
+            </a:r>
+            <a:endParaRPr lang="en-US" dirty="0"/>
+          </a:p>
+        </p:txBody>
+      </p:sp>
+      <p:sp>
+        <p:nvSpPr>
+          <p:cNvPr id="6" name="Title 5"/>
+          <p:cNvSpPr>
+            <a:spLocks noGrp="1"/>
+          </p:cNvSpPr>
+          <p:nvPr>
+            <p:ph type="title"/>
+          </p:nvPr>
+        </p:nvSpPr>
+        <p:spPr/>
+        <p:txBody>
+          <a:bodyPr/>
+          <a:lstStyle/>
+          <a:p>
+            <a:r>
+              <a:rPr lang="en-US" smtClean="0"/>
+              <a:t>Click to edit Master title style</a:t>
+            </a:r>
+            <a:endParaRPr lang="en-US"/>
+          </a:p>
+        </p:txBody>
+      </p:sp>
+      <p:sp>
+        <p:nvSpPr>
+          <p:cNvPr id="3" name="Text Placeholder 2"/>
+          <p:cNvSpPr>
+            <a:spLocks noGrp="1"/>
+          </p:cNvSpPr>
+          <p:nvPr>
+            <p:ph type="body" sz="quarter" idx="11"/>
+          </p:nvPr>
+        </p:nvSpPr>
+        <p:spPr>
+          <a:xfrm>
+            <a:off x="283148" y="1668463"/>
+            <a:ext cx="2743200" cy="5029200"/>
+          </a:xfrm>
+        </p:spPr>
+        <p:txBody>
+          <a:bodyPr>
+            <a:noAutofit/>
+          </a:bodyPr>
+          <a:lstStyle>
+            <a:lvl1pPr marL="0" indent="0">
+              <a:buNone/>
+              <a:defRPr kumimoji="0" lang="en-US" sz="2400" b="0" i="0" u="none" strike="noStrike" kern="1200" cap="none" spc="0" normalizeH="0" baseline="0" dirty="0" smtClean="0">
+                <a:ln>
+                  <a:noFill/>
+                </a:ln>
+                <a:gradFill>
+                  <a:gsLst>
+                    <a:gs pos="100000">
+                      <a:srgbClr val="000000">
+                        <a:lumMod val="75000"/>
+                        <a:lumOff val="25000"/>
+                      </a:srgbClr>
+                    </a:gs>
+                    <a:gs pos="0">
+                      <a:srgbClr val="000000">
+                        <a:lumMod val="75000"/>
+                        <a:lumOff val="25000"/>
+                      </a:srgbClr>
+                    </a:gs>
+                  </a:gsLst>
+                  <a:lin ang="5400000" scaled="0"/>
+                </a:gradFill>
+                <a:effectLst/>
+                <a:uLnTx/>
+                <a:uFillTx/>
+                <a:latin typeface="+mn-lt"/>
+                <a:ea typeface="+mj-ea"/>
+                <a:cs typeface="+mj-cs"/>
+              </a:defRPr>
+            </a:lvl1pPr>
+          </a:lstStyle>
+          <a:p>
+            <a:pPr marL="0" marR="0" lvl="0" indent="0" algn="l" defTabSz="914166" rtl="0" eaLnBrk="1" fontAlgn="auto" latinLnBrk="0" hangingPunct="1">
+              <a:lnSpc>
+                <a:spcPct val="100000"/>
+              </a:lnSpc>
+              <a:spcBef>
+                <a:spcPct val="0"/>
+              </a:spcBef>
+              <a:spcAft>
+                <a:spcPts val="0"/>
+              </a:spcAft>
+              <a:buClrTx/>
+              <a:buSzTx/>
+              <a:tabLst/>
+              <a:defRPr/>
+            </a:pPr>
+            <a:r>
+              <a:rPr lang="en-US" smtClean="0"/>
+              <a:t>Click to edit Master text styles</a:t>
+            </a:r>
+          </a:p>
+        </p:txBody>
+      </p:sp>
+    </p:spTree>
+    <p:extLst>
+      <p:ext uri="{BB962C8B-B14F-4D97-AF65-F5344CB8AC3E}">
+        <p14:creationId xmlns:p14="http://schemas.microsoft.com/office/powerpoint/2010/main" val="2437596899"/>
+      </p:ext>
+    </p:extLst>
+  </p:cSld>
+  <p:clrMapOvr>
+    <a:masterClrMapping/>
+  </p:clrMapOvr>
+  <p:transition>
+    <p:fade/>
+  </p:transition>
+  <p:timing>
+    <p:tnLst>
+      <p:par>
+        <p:cTn id="1" dur="indefinite" restart="never" nodeType="tmRoot"/>
+      </p:par>
+    </p:tnLst>
+  </p:timing>
+</p:sldLayout>
+</file>
+
+<file path=ppt/slideLayouts/slideLayout26.xml><?xml version="1.0" encoding="utf-8"?>
 <p:sldLayout xmlns:a="http://schemas.openxmlformats.org/drawingml/2006/main" xmlns:r="http://schemas.openxmlformats.org/officeDocument/2006/relationships" xmlns:p="http://schemas.openxmlformats.org/presentationml/2006/main" preserve="1" userDrawn="1">
   <p:cSld name="Walkin">
     <p:bg>
@@ -7350,7 +7988,7 @@
 </p:sldLayout>
 </file>
 
-<file path=ppt/slideLayouts/slideLayout26.xml><?xml version="1.0" encoding="utf-8"?>
+<file path=ppt/slideLayouts/slideLayout27.xml><?xml version="1.0" encoding="utf-8"?>
 <p:sldLayout xmlns:a="http://schemas.openxmlformats.org/drawingml/2006/main" xmlns:r="http://schemas.openxmlformats.org/officeDocument/2006/relationships" xmlns:p="http://schemas.openxmlformats.org/presentationml/2006/main" preserve="1" userDrawn="1">
   <p:cSld name="Title Slide - Microsoft">
     <p:bg>
@@ -7661,7 +8299,7 @@
 </p:sldLayout>
 </file>
 
-<file path=ppt/slideLayouts/slideLayout27.xml><?xml version="1.0" encoding="utf-8"?>
+<file path=ppt/slideLayouts/slideLayout28.xml><?xml version="1.0" encoding="utf-8"?>
 <p:sldLayout xmlns:a="http://schemas.openxmlformats.org/drawingml/2006/main" xmlns:r="http://schemas.openxmlformats.org/officeDocument/2006/relationships" xmlns:p="http://schemas.openxmlformats.org/presentationml/2006/main" preserve="1" userDrawn="1">
   <p:cSld name="Title Slide - Build">
     <p:bg>
@@ -8967,7 +9605,7 @@
 </p:sldLayout>
 </file>
 
-<file path=ppt/slideLayouts/slideLayout28.xml><?xml version="1.0" encoding="utf-8"?>
+<file path=ppt/slideLayouts/slideLayout29.xml><?xml version="1.0" encoding="utf-8"?>
 <p:sldLayout xmlns:a="http://schemas.openxmlformats.org/drawingml/2006/main" xmlns:r="http://schemas.openxmlformats.org/officeDocument/2006/relationships" xmlns:p="http://schemas.openxmlformats.org/presentationml/2006/main" preserve="1" userDrawn="1">
   <p:cSld name="Title &amp; Non-bulleted text">
     <p:spTree>
@@ -9102,132 +9740,6 @@
     <p:extLst>
       <p:ext uri="{BB962C8B-B14F-4D97-AF65-F5344CB8AC3E}">
         <p14:creationId xmlns:p14="http://schemas.microsoft.com/office/powerpoint/2010/main" val="1639774513"/>
-      </p:ext>
-    </p:extLst>
-  </p:cSld>
-  <p:clrMapOvr>
-    <a:masterClrMapping/>
-  </p:clrMapOvr>
-  <p:transition>
-    <p:fade/>
-  </p:transition>
-  <p:timing>
-    <p:tnLst>
-      <p:par>
-        <p:cTn id="1" dur="indefinite" restart="never" nodeType="tmRoot"/>
-      </p:par>
-    </p:tnLst>
-  </p:timing>
-</p:sldLayout>
-</file>
-
-<file path=ppt/slideLayouts/slideLayout29.xml><?xml version="1.0" encoding="utf-8"?>
-<p:sldLayout xmlns:a="http://schemas.openxmlformats.org/drawingml/2006/main" xmlns:r="http://schemas.openxmlformats.org/officeDocument/2006/relationships" xmlns:p="http://schemas.openxmlformats.org/presentationml/2006/main" preserve="1" userDrawn="1">
-  <p:cSld name="Title and Content">
-    <p:spTree>
-      <p:nvGrpSpPr>
-        <p:cNvPr id="1" name=""/>
-        <p:cNvGrpSpPr/>
-        <p:nvPr/>
-      </p:nvGrpSpPr>
-      <p:grpSpPr>
-        <a:xfrm>
-          <a:off x="0" y="0"/>
-          <a:ext cx="0" cy="0"/>
-          <a:chOff x="0" y="0"/>
-          <a:chExt cx="0" cy="0"/>
-        </a:xfrm>
-      </p:grpSpPr>
-      <p:sp>
-        <p:nvSpPr>
-          <p:cNvPr id="4" name="Text Placeholder 3"/>
-          <p:cNvSpPr>
-            <a:spLocks noGrp="1"/>
-          </p:cNvSpPr>
-          <p:nvPr>
-            <p:ph type="body" sz="quarter" idx="10"/>
-          </p:nvPr>
-        </p:nvSpPr>
-        <p:spPr>
-          <a:xfrm>
-            <a:off x="274638" y="1212850"/>
-            <a:ext cx="11887200" cy="2092881"/>
-          </a:xfrm>
-        </p:spPr>
-        <p:txBody>
-          <a:bodyPr>
-            <a:spAutoFit/>
-          </a:bodyPr>
-          <a:lstStyle>
-            <a:lvl1pPr>
-              <a:defRPr sz="4000"/>
-            </a:lvl1pPr>
-          </a:lstStyle>
-          <a:p>
-            <a:pPr lvl="0"/>
-            <a:r>
-              <a:rPr lang="en-US" dirty="0" smtClean="0"/>
-              <a:t>Click to edit Master text styles</a:t>
-            </a:r>
-          </a:p>
-          <a:p>
-            <a:pPr lvl="1"/>
-            <a:r>
-              <a:rPr lang="en-US" dirty="0" smtClean="0"/>
-              <a:t>Second level</a:t>
-            </a:r>
-          </a:p>
-          <a:p>
-            <a:pPr lvl="2"/>
-            <a:r>
-              <a:rPr lang="en-US" dirty="0" smtClean="0"/>
-              <a:t>Third level</a:t>
-            </a:r>
-          </a:p>
-          <a:p>
-            <a:pPr lvl="3"/>
-            <a:r>
-              <a:rPr lang="en-US" dirty="0" smtClean="0"/>
-              <a:t>Fourth level</a:t>
-            </a:r>
-          </a:p>
-          <a:p>
-            <a:pPr lvl="4"/>
-            <a:r>
-              <a:rPr lang="en-US" dirty="0" smtClean="0"/>
-              <a:t>Fifth level</a:t>
-            </a:r>
-            <a:endParaRPr lang="en-US" dirty="0"/>
-          </a:p>
-        </p:txBody>
-      </p:sp>
-      <p:sp>
-        <p:nvSpPr>
-          <p:cNvPr id="6" name="Title 5"/>
-          <p:cNvSpPr>
-            <a:spLocks noGrp="1"/>
-          </p:cNvSpPr>
-          <p:nvPr>
-            <p:ph type="title"/>
-          </p:nvPr>
-        </p:nvSpPr>
-        <p:spPr/>
-        <p:txBody>
-          <a:bodyPr/>
-          <a:lstStyle/>
-          <a:p>
-            <a:r>
-              <a:rPr lang="en-US" smtClean="0"/>
-              <a:t>Click to edit Master title style</a:t>
-            </a:r>
-            <a:endParaRPr lang="en-US"/>
-          </a:p>
-        </p:txBody>
-      </p:sp>
-    </p:spTree>
-    <p:extLst>
-      <p:ext uri="{BB962C8B-B14F-4D97-AF65-F5344CB8AC3E}">
-        <p14:creationId xmlns:p14="http://schemas.microsoft.com/office/powerpoint/2010/main" val="510676225"/>
       </p:ext>
     </p:extLst>
   </p:cSld>
@@ -10555,6 +11067,132 @@
 
 <file path=ppt/slideLayouts/slideLayout30.xml><?xml version="1.0" encoding="utf-8"?>
 <p:sldLayout xmlns:a="http://schemas.openxmlformats.org/drawingml/2006/main" xmlns:r="http://schemas.openxmlformats.org/officeDocument/2006/relationships" xmlns:p="http://schemas.openxmlformats.org/presentationml/2006/main" preserve="1" userDrawn="1">
+  <p:cSld name="Title and Content">
+    <p:spTree>
+      <p:nvGrpSpPr>
+        <p:cNvPr id="1" name=""/>
+        <p:cNvGrpSpPr/>
+        <p:nvPr/>
+      </p:nvGrpSpPr>
+      <p:grpSpPr>
+        <a:xfrm>
+          <a:off x="0" y="0"/>
+          <a:ext cx="0" cy="0"/>
+          <a:chOff x="0" y="0"/>
+          <a:chExt cx="0" cy="0"/>
+        </a:xfrm>
+      </p:grpSpPr>
+      <p:sp>
+        <p:nvSpPr>
+          <p:cNvPr id="4" name="Text Placeholder 3"/>
+          <p:cNvSpPr>
+            <a:spLocks noGrp="1"/>
+          </p:cNvSpPr>
+          <p:nvPr>
+            <p:ph type="body" sz="quarter" idx="10"/>
+          </p:nvPr>
+        </p:nvSpPr>
+        <p:spPr>
+          <a:xfrm>
+            <a:off x="274638" y="1212850"/>
+            <a:ext cx="11887200" cy="2092881"/>
+          </a:xfrm>
+        </p:spPr>
+        <p:txBody>
+          <a:bodyPr>
+            <a:spAutoFit/>
+          </a:bodyPr>
+          <a:lstStyle>
+            <a:lvl1pPr>
+              <a:defRPr sz="4000"/>
+            </a:lvl1pPr>
+          </a:lstStyle>
+          <a:p>
+            <a:pPr lvl="0"/>
+            <a:r>
+              <a:rPr lang="en-US" dirty="0" smtClean="0"/>
+              <a:t>Click to edit Master text styles</a:t>
+            </a:r>
+          </a:p>
+          <a:p>
+            <a:pPr lvl="1"/>
+            <a:r>
+              <a:rPr lang="en-US" dirty="0" smtClean="0"/>
+              <a:t>Second level</a:t>
+            </a:r>
+          </a:p>
+          <a:p>
+            <a:pPr lvl="2"/>
+            <a:r>
+              <a:rPr lang="en-US" dirty="0" smtClean="0"/>
+              <a:t>Third level</a:t>
+            </a:r>
+          </a:p>
+          <a:p>
+            <a:pPr lvl="3"/>
+            <a:r>
+              <a:rPr lang="en-US" dirty="0" smtClean="0"/>
+              <a:t>Fourth level</a:t>
+            </a:r>
+          </a:p>
+          <a:p>
+            <a:pPr lvl="4"/>
+            <a:r>
+              <a:rPr lang="en-US" dirty="0" smtClean="0"/>
+              <a:t>Fifth level</a:t>
+            </a:r>
+            <a:endParaRPr lang="en-US" dirty="0"/>
+          </a:p>
+        </p:txBody>
+      </p:sp>
+      <p:sp>
+        <p:nvSpPr>
+          <p:cNvPr id="6" name="Title 5"/>
+          <p:cNvSpPr>
+            <a:spLocks noGrp="1"/>
+          </p:cNvSpPr>
+          <p:nvPr>
+            <p:ph type="title"/>
+          </p:nvPr>
+        </p:nvSpPr>
+        <p:spPr/>
+        <p:txBody>
+          <a:bodyPr/>
+          <a:lstStyle/>
+          <a:p>
+            <a:r>
+              <a:rPr lang="en-US" smtClean="0"/>
+              <a:t>Click to edit Master title style</a:t>
+            </a:r>
+            <a:endParaRPr lang="en-US"/>
+          </a:p>
+        </p:txBody>
+      </p:sp>
+    </p:spTree>
+    <p:extLst>
+      <p:ext uri="{BB962C8B-B14F-4D97-AF65-F5344CB8AC3E}">
+        <p14:creationId xmlns:p14="http://schemas.microsoft.com/office/powerpoint/2010/main" val="510676225"/>
+      </p:ext>
+    </p:extLst>
+  </p:cSld>
+  <p:clrMapOvr>
+    <a:masterClrMapping/>
+  </p:clrMapOvr>
+  <p:transition>
+    <p:fade/>
+  </p:transition>
+  <p:timing>
+    <p:tnLst>
+      <p:par>
+        <p:cTn id="1" dur="indefinite" restart="never" nodeType="tmRoot"/>
+      </p:par>
+    </p:tnLst>
+  </p:timing>
+</p:sldLayout>
+</file>
+
+<file path=ppt/slideLayouts/slideLayout31.xml><?xml version="1.0" encoding="utf-8"?>
+<p:sldLayout xmlns:a="http://schemas.openxmlformats.org/drawingml/2006/main" xmlns:r="http://schemas.openxmlformats.org/officeDocument/2006/relationships" xmlns:p="http://schemas.openxmlformats.org/presentationml/2006/main" preserve="1" userDrawn="1">
   <p:cSld name="Two Column Non-bulleted text">
     <p:spTree>
       <p:nvGrpSpPr>
@@ -10794,7 +11432,7 @@
 </p:sldLayout>
 </file>
 
-<file path=ppt/slideLayouts/slideLayout31.xml><?xml version="1.0" encoding="utf-8"?>
+<file path=ppt/slideLayouts/slideLayout32.xml><?xml version="1.0" encoding="utf-8"?>
 <p:sldLayout xmlns:a="http://schemas.openxmlformats.org/drawingml/2006/main" xmlns:r="http://schemas.openxmlformats.org/officeDocument/2006/relationships" xmlns:p="http://schemas.openxmlformats.org/presentationml/2006/main" preserve="1" userDrawn="1">
   <p:cSld name="Two Column Bullet text">
     <p:spTree>
@@ -11027,7 +11665,7 @@
 </p:sldLayout>
 </file>
 
-<file path=ppt/slideLayouts/slideLayout32.xml><?xml version="1.0" encoding="utf-8"?>
+<file path=ppt/slideLayouts/slideLayout33.xml><?xml version="1.0" encoding="utf-8"?>
 <p:sldLayout xmlns:a="http://schemas.openxmlformats.org/drawingml/2006/main" xmlns:r="http://schemas.openxmlformats.org/officeDocument/2006/relationships" xmlns:p="http://schemas.openxmlformats.org/presentationml/2006/main" preserve="1" userDrawn="1">
   <p:cSld name="Title Only">
     <p:spTree>
@@ -11090,7 +11728,7 @@
 </p:sldLayout>
 </file>
 
-<file path=ppt/slideLayouts/slideLayout33.xml><?xml version="1.0" encoding="utf-8"?>
+<file path=ppt/slideLayouts/slideLayout34.xml><?xml version="1.0" encoding="utf-8"?>
 <p:sldLayout xmlns:a="http://schemas.openxmlformats.org/drawingml/2006/main" xmlns:r="http://schemas.openxmlformats.org/officeDocument/2006/relationships" xmlns:p="http://schemas.openxmlformats.org/presentationml/2006/main" preserve="1" userDrawn="1">
   <p:cSld name="Quote slide">
     <p:spTree>
@@ -11174,7 +11812,7 @@
 </p:sldLayout>
 </file>
 
-<file path=ppt/slideLayouts/slideLayout34.xml><?xml version="1.0" encoding="utf-8"?>
+<file path=ppt/slideLayouts/slideLayout35.xml><?xml version="1.0" encoding="utf-8"?>
 <p:sldLayout xmlns:a="http://schemas.openxmlformats.org/drawingml/2006/main" xmlns:r="http://schemas.openxmlformats.org/officeDocument/2006/relationships" xmlns:p="http://schemas.openxmlformats.org/presentationml/2006/main" preserve="1" userDrawn="1">
   <p:cSld name="Demo slide">
     <p:bg>
@@ -11330,7 +11968,7 @@
 </p:sldLayout>
 </file>
 
-<file path=ppt/slideLayouts/slideLayout35.xml><?xml version="1.0" encoding="utf-8"?>
+<file path=ppt/slideLayouts/slideLayout36.xml><?xml version="1.0" encoding="utf-8"?>
 <p:sldLayout xmlns:a="http://schemas.openxmlformats.org/drawingml/2006/main" xmlns:r="http://schemas.openxmlformats.org/officeDocument/2006/relationships" xmlns:p="http://schemas.openxmlformats.org/presentationml/2006/main" preserve="1" userDrawn="1">
   <p:cSld name="Video slide">
     <p:bg>
@@ -11434,7 +12072,7 @@
 </p:sldLayout>
 </file>
 
-<file path=ppt/slideLayouts/slideLayout36.xml><?xml version="1.0" encoding="utf-8"?>
+<file path=ppt/slideLayouts/slideLayout37.xml><?xml version="1.0" encoding="utf-8"?>
 <p:sldLayout xmlns:a="http://schemas.openxmlformats.org/drawingml/2006/main" xmlns:r="http://schemas.openxmlformats.org/officeDocument/2006/relationships" xmlns:p="http://schemas.openxmlformats.org/presentationml/2006/main" preserve="1" userDrawn="1">
   <p:cSld name="Section Title Accent Color 1">
     <p:bg>
@@ -11526,7 +12164,7 @@
 </p:sldLayout>
 </file>
 
-<file path=ppt/slideLayouts/slideLayout37.xml><?xml version="1.0" encoding="utf-8"?>
+<file path=ppt/slideLayouts/slideLayout38.xml><?xml version="1.0" encoding="utf-8"?>
 <p:sldLayout xmlns:a="http://schemas.openxmlformats.org/drawingml/2006/main" xmlns:r="http://schemas.openxmlformats.org/officeDocument/2006/relationships" xmlns:p="http://schemas.openxmlformats.org/presentationml/2006/main" preserve="1" userDrawn="1">
   <p:cSld name="Section Title Accent Color 3">
     <p:bg>
@@ -11621,7 +12259,7 @@
 </p:sldLayout>
 </file>
 
-<file path=ppt/slideLayouts/slideLayout38.xml><?xml version="1.0" encoding="utf-8"?>
+<file path=ppt/slideLayouts/slideLayout39.xml><?xml version="1.0" encoding="utf-8"?>
 <p:sldLayout xmlns:a="http://schemas.openxmlformats.org/drawingml/2006/main" xmlns:r="http://schemas.openxmlformats.org/officeDocument/2006/relationships" xmlns:p="http://schemas.openxmlformats.org/presentationml/2006/main" preserve="1" userDrawn="1">
   <p:cSld name="50-50 Right Photo Layout">
     <p:bg>
@@ -11767,46 +12405,6 @@
 </p:sldLayout>
 </file>
 
-<file path=ppt/slideLayouts/slideLayout39.xml><?xml version="1.0" encoding="utf-8"?>
-<p:sldLayout xmlns:a="http://schemas.openxmlformats.org/drawingml/2006/main" xmlns:r="http://schemas.openxmlformats.org/officeDocument/2006/relationships" xmlns:p="http://schemas.openxmlformats.org/presentationml/2006/main" preserve="1" userDrawn="1">
-  <p:cSld name="Blank - Dark Gray">
-    <p:spTree>
-      <p:nvGrpSpPr>
-        <p:cNvPr id="1" name=""/>
-        <p:cNvGrpSpPr/>
-        <p:nvPr/>
-      </p:nvGrpSpPr>
-      <p:grpSpPr>
-        <a:xfrm>
-          <a:off x="0" y="0"/>
-          <a:ext cx="0" cy="0"/>
-          <a:chOff x="0" y="0"/>
-          <a:chExt cx="0" cy="0"/>
-        </a:xfrm>
-      </p:grpSpPr>
-    </p:spTree>
-    <p:extLst>
-      <p:ext uri="{BB962C8B-B14F-4D97-AF65-F5344CB8AC3E}">
-        <p14:creationId xmlns:p14="http://schemas.microsoft.com/office/powerpoint/2010/main" val="4058687537"/>
-      </p:ext>
-    </p:extLst>
-  </p:cSld>
-  <p:clrMapOvr>
-    <a:masterClrMapping/>
-  </p:clrMapOvr>
-  <p:transition>
-    <p:fade/>
-  </p:transition>
-  <p:timing>
-    <p:tnLst>
-      <p:par>
-        <p:cTn id="1" dur="indefinite" restart="never" nodeType="tmRoot"/>
-      </p:par>
-    </p:tnLst>
-  </p:timing>
-</p:sldLayout>
-</file>
-
 <file path=ppt/slideLayouts/slideLayout4.xml><?xml version="1.0" encoding="utf-8"?>
 <p:sldLayout xmlns:a="http://schemas.openxmlformats.org/drawingml/2006/main" xmlns:r="http://schemas.openxmlformats.org/officeDocument/2006/relationships" xmlns:p="http://schemas.openxmlformats.org/presentationml/2006/main" preserve="1" userDrawn="1">
   <p:cSld name="Title &amp; 2-color Non-bulleted text">
@@ -11971,6 +12569,46 @@
 
 <file path=ppt/slideLayouts/slideLayout40.xml><?xml version="1.0" encoding="utf-8"?>
 <p:sldLayout xmlns:a="http://schemas.openxmlformats.org/drawingml/2006/main" xmlns:r="http://schemas.openxmlformats.org/officeDocument/2006/relationships" xmlns:p="http://schemas.openxmlformats.org/presentationml/2006/main" preserve="1" userDrawn="1">
+  <p:cSld name="Blank - Dark Gray">
+    <p:spTree>
+      <p:nvGrpSpPr>
+        <p:cNvPr id="1" name=""/>
+        <p:cNvGrpSpPr/>
+        <p:nvPr/>
+      </p:nvGrpSpPr>
+      <p:grpSpPr>
+        <a:xfrm>
+          <a:off x="0" y="0"/>
+          <a:ext cx="0" cy="0"/>
+          <a:chOff x="0" y="0"/>
+          <a:chExt cx="0" cy="0"/>
+        </a:xfrm>
+      </p:grpSpPr>
+    </p:spTree>
+    <p:extLst>
+      <p:ext uri="{BB962C8B-B14F-4D97-AF65-F5344CB8AC3E}">
+        <p14:creationId xmlns:p14="http://schemas.microsoft.com/office/powerpoint/2010/main" val="4058687537"/>
+      </p:ext>
+    </p:extLst>
+  </p:cSld>
+  <p:clrMapOvr>
+    <a:masterClrMapping/>
+  </p:clrMapOvr>
+  <p:transition>
+    <p:fade/>
+  </p:transition>
+  <p:timing>
+    <p:tnLst>
+      <p:par>
+        <p:cTn id="1" dur="indefinite" restart="never" nodeType="tmRoot"/>
+      </p:par>
+    </p:tnLst>
+  </p:timing>
+</p:sldLayout>
+</file>
+
+<file path=ppt/slideLayouts/slideLayout41.xml><?xml version="1.0" encoding="utf-8"?>
+<p:sldLayout xmlns:a="http://schemas.openxmlformats.org/drawingml/2006/main" xmlns:r="http://schemas.openxmlformats.org/officeDocument/2006/relationships" xmlns:p="http://schemas.openxmlformats.org/presentationml/2006/main" preserve="1" userDrawn="1">
   <p:cSld name="Blank Accent Color 1">
     <p:bg>
       <p:bgPr>
@@ -12017,7 +12655,7 @@
 </p:sldLayout>
 </file>
 
-<file path=ppt/slideLayouts/slideLayout41.xml><?xml version="1.0" encoding="utf-8"?>
+<file path=ppt/slideLayouts/slideLayout42.xml><?xml version="1.0" encoding="utf-8"?>
 <p:sldLayout xmlns:a="http://schemas.openxmlformats.org/drawingml/2006/main" xmlns:r="http://schemas.openxmlformats.org/officeDocument/2006/relationships" xmlns:p="http://schemas.openxmlformats.org/presentationml/2006/main" preserve="1" userDrawn="1">
   <p:cSld name="Blank Accent Color 2">
     <p:bg>
@@ -12062,7 +12700,7 @@
 </p:sldLayout>
 </file>
 
-<file path=ppt/slideLayouts/slideLayout42.xml><?xml version="1.0" encoding="utf-8"?>
+<file path=ppt/slideLayouts/slideLayout43.xml><?xml version="1.0" encoding="utf-8"?>
 <p:sldLayout xmlns:a="http://schemas.openxmlformats.org/drawingml/2006/main" xmlns:r="http://schemas.openxmlformats.org/officeDocument/2006/relationships" xmlns:p="http://schemas.openxmlformats.org/presentationml/2006/main" preserve="1" userDrawn="1">
   <p:cSld name="Developer Code Layout">
     <p:spTree>
@@ -12350,7 +12988,7 @@
 </p:sldLayout>
 </file>
 
-<file path=ppt/slideLayouts/slideLayout43.xml><?xml version="1.0" encoding="utf-8"?>
+<file path=ppt/slideLayouts/slideLayout44.xml><?xml version="1.0" encoding="utf-8"?>
 <p:sldLayout xmlns:a="http://schemas.openxmlformats.org/drawingml/2006/main" xmlns:r="http://schemas.openxmlformats.org/officeDocument/2006/relationships" xmlns:p="http://schemas.openxmlformats.org/presentationml/2006/main" preserve="1" userDrawn="1">
   <p:cSld name="Closing logo slide_color">
     <p:bg>
@@ -12516,7 +13154,7 @@
 </p:sldLayout>
 </file>
 
-<file path=ppt/slideLayouts/slideLayout44.xml><?xml version="1.0" encoding="utf-8"?>
+<file path=ppt/slideLayouts/slideLayout45.xml><?xml version="1.0" encoding="utf-8"?>
 <p:sldLayout xmlns:a="http://schemas.openxmlformats.org/drawingml/2006/main" xmlns:r="http://schemas.openxmlformats.org/officeDocument/2006/relationships" xmlns:p="http://schemas.openxmlformats.org/presentationml/2006/main" preserve="1" userDrawn="1">
   <p:cSld name="Black Notes slide Layout">
     <p:bg bwMode="black">
@@ -15383,6 +16021,7 @@
     <p:sldLayoutId id="2147484299" r:id="rId22"/>
     <p:sldLayoutId id="2147484263" r:id="rId23"/>
     <p:sldLayoutId id="2147484341" r:id="rId24"/>
+    <p:sldLayoutId id="2147484342" r:id="rId25"/>
   </p:sldLayoutIdLst>
   <p:transition>
     <p:fade/>
@@ -17901,6 +18540,377 @@
       </p:grpSpPr>
       <p:sp>
         <p:nvSpPr>
+          <p:cNvPr id="4" name="Title 3"/>
+          <p:cNvSpPr>
+            <a:spLocks noGrp="1"/>
+          </p:cNvSpPr>
+          <p:nvPr>
+            <p:ph type="title"/>
+          </p:nvPr>
+        </p:nvSpPr>
+        <p:spPr>
+          <a:xfrm>
+            <a:off x="274638" y="1287462"/>
+            <a:ext cx="11887200" cy="1903400"/>
+          </a:xfrm>
+        </p:spPr>
+        <p:txBody>
+          <a:bodyPr/>
+          <a:lstStyle/>
+          <a:p>
+            <a:r>
+              <a:rPr lang="en-US" sz="11500" dirty="0"/>
+              <a:t>Lab</a:t>
+            </a:r>
+          </a:p>
+        </p:txBody>
+      </p:sp>
+      <p:sp>
+        <p:nvSpPr>
+          <p:cNvPr id="7" name="Text Placeholder 6"/>
+          <p:cNvSpPr>
+            <a:spLocks noGrp="1"/>
+          </p:cNvSpPr>
+          <p:nvPr>
+            <p:ph type="body" sz="quarter" idx="4294967295"/>
+          </p:nvPr>
+        </p:nvSpPr>
+        <p:spPr>
+          <a:xfrm>
+            <a:off x="350836" y="3954463"/>
+            <a:ext cx="11277601" cy="1538883"/>
+          </a:xfrm>
+        </p:spPr>
+        <p:txBody>
+          <a:bodyPr/>
+          <a:lstStyle/>
+          <a:p>
+            <a:pPr marL="0" indent="0">
+              <a:buNone/>
+            </a:pPr>
+            <a:r>
+              <a:rPr lang="en-US" sz="4400" dirty="0"/>
+              <a:t>Share your photos and experiences!</a:t>
+            </a:r>
+          </a:p>
+          <a:p>
+            <a:pPr marL="0" indent="0">
+              <a:buNone/>
+            </a:pPr>
+            <a:r>
+              <a:rPr lang="en-US" sz="4400" dirty="0"/>
+              <a:t>#Build2016</a:t>
+            </a:r>
+          </a:p>
+        </p:txBody>
+      </p:sp>
+    </p:spTree>
+    <p:extLst>
+      <p:ext uri="{BB962C8B-B14F-4D97-AF65-F5344CB8AC3E}">
+        <p14:creationId xmlns:p14="http://schemas.microsoft.com/office/powerpoint/2010/main" val="3305032595"/>
+      </p:ext>
+    </p:extLst>
+  </p:cSld>
+  <p:clrMapOvr>
+    <a:masterClrMapping/>
+  </p:clrMapOvr>
+  <p:transition>
+    <p:fade/>
+  </p:transition>
+</p:sld>
+</file>
+
+<file path=ppt/slides/slide11.xml><?xml version="1.0" encoding="utf-8"?>
+<p:sld xmlns:a="http://schemas.openxmlformats.org/drawingml/2006/main" xmlns:r="http://schemas.openxmlformats.org/officeDocument/2006/relationships" xmlns:p="http://schemas.openxmlformats.org/presentationml/2006/main">
+  <p:cSld>
+    <p:spTree>
+      <p:nvGrpSpPr>
+        <p:cNvPr id="1" name=""/>
+        <p:cNvGrpSpPr/>
+        <p:nvPr/>
+      </p:nvGrpSpPr>
+      <p:grpSpPr>
+        <a:xfrm>
+          <a:off x="0" y="0"/>
+          <a:ext cx="0" cy="0"/>
+          <a:chOff x="0" y="0"/>
+          <a:chExt cx="0" cy="0"/>
+        </a:xfrm>
+      </p:grpSpPr>
+      <p:sp>
+        <p:nvSpPr>
+          <p:cNvPr id="5" name="Text Placeholder 4"/>
+          <p:cNvSpPr>
+            <a:spLocks noGrp="1"/>
+          </p:cNvSpPr>
+          <p:nvPr>
+            <p:ph type="body" sz="quarter" idx="10"/>
+          </p:nvPr>
+        </p:nvSpPr>
+        <p:spPr>
+          <a:xfrm>
+            <a:off x="274638" y="1212850"/>
+            <a:ext cx="11887200" cy="4838248"/>
+          </a:xfrm>
+        </p:spPr>
+        <p:txBody>
+          <a:bodyPr/>
+          <a:lstStyle/>
+          <a:p>
+            <a:pPr marL="0" indent="0">
+              <a:buNone/>
+            </a:pPr>
+            <a:endParaRPr lang="en-US" sz="2800" dirty="0" smtClean="0"/>
+          </a:p>
+          <a:p>
+            <a:pPr marL="0" indent="0">
+              <a:buNone/>
+            </a:pPr>
+            <a:r>
+              <a:rPr lang="en-US" sz="2800" dirty="0" smtClean="0"/>
+              <a:t>ANGLE: </a:t>
+            </a:r>
+            <a:r>
+              <a:rPr lang="en-US" sz="2800" dirty="0" smtClean="0">
+                <a:hlinkClick r:id="rId2"/>
+              </a:rPr>
+              <a:t>https</a:t>
+            </a:r>
+            <a:r>
+              <a:rPr lang="en-US" sz="2800" dirty="0">
+                <a:hlinkClick r:id="rId2"/>
+              </a:rPr>
+              <a:t>://github.com/MSOpenTech/angle</a:t>
+            </a:r>
+            <a:r>
+              <a:rPr lang="en-US" sz="2800" dirty="0"/>
+              <a:t> </a:t>
+            </a:r>
+            <a:endParaRPr lang="en-US" sz="2800" dirty="0" smtClean="0"/>
+          </a:p>
+          <a:p>
+            <a:pPr marL="0" indent="0">
+              <a:buNone/>
+            </a:pPr>
+            <a:endParaRPr lang="en-US" sz="2800" dirty="0" smtClean="0"/>
+          </a:p>
+          <a:p>
+            <a:pPr marL="0" indent="0">
+              <a:buNone/>
+            </a:pPr>
+            <a:r>
+              <a:rPr lang="en-US" sz="2800" dirty="0"/>
+              <a:t>Wiki: </a:t>
+            </a:r>
+            <a:r>
+              <a:rPr lang="en-US" sz="2800" dirty="0" smtClean="0"/>
+              <a:t>	</a:t>
+            </a:r>
+            <a:r>
+              <a:rPr lang="en-US" sz="2800" dirty="0" smtClean="0">
+                <a:hlinkClick r:id="rId3"/>
+              </a:rPr>
+              <a:t>https</a:t>
+            </a:r>
+            <a:r>
+              <a:rPr lang="en-US" sz="2800" dirty="0">
+                <a:hlinkClick r:id="rId3"/>
+              </a:rPr>
+              <a:t>://</a:t>
+            </a:r>
+            <a:r>
+              <a:rPr lang="en-US" sz="2800" dirty="0" smtClean="0">
+                <a:hlinkClick r:id="rId3"/>
+              </a:rPr>
+              <a:t>github.com/MSOpenTech/angle/wiki</a:t>
+            </a:r>
+            <a:endParaRPr lang="en-US" sz="2800" dirty="0" smtClean="0"/>
+          </a:p>
+          <a:p>
+            <a:pPr marL="0" indent="0">
+              <a:buNone/>
+            </a:pPr>
+            <a:endParaRPr lang="en-US" sz="2800" dirty="0"/>
+          </a:p>
+          <a:p>
+            <a:pPr marL="0" lvl="0" indent="0">
+              <a:buNone/>
+            </a:pPr>
+            <a:r>
+              <a:rPr lang="en-US" sz="2800" dirty="0"/>
+              <a:t>Lab: </a:t>
+            </a:r>
+            <a:r>
+              <a:rPr lang="en-US" sz="2800" dirty="0">
+                <a:hlinkClick r:id="rId4"/>
+              </a:rPr>
+              <a:t>https://</a:t>
+            </a:r>
+            <a:r>
+              <a:rPr lang="en-US" sz="2800" dirty="0" smtClean="0">
+                <a:hlinkClick r:id="rId4"/>
+              </a:rPr>
+              <a:t>github.com/Microsoft-Build-2016/CodeLabs-GameDev-3-ANGLE</a:t>
+            </a:r>
+            <a:endParaRPr lang="en-US" sz="2800" dirty="0" smtClean="0"/>
+          </a:p>
+          <a:p>
+            <a:pPr marL="0" lvl="0" indent="0">
+              <a:buNone/>
+            </a:pPr>
+            <a:endParaRPr lang="en-US" sz="2800" dirty="0"/>
+          </a:p>
+          <a:p>
+            <a:pPr marL="0" lvl="0" indent="0">
+              <a:buNone/>
+            </a:pPr>
+            <a:r>
+              <a:rPr lang="en-US" sz="2800" dirty="0"/>
+              <a:t>Breakout Tutorial</a:t>
+            </a:r>
+            <a:r>
+              <a:rPr lang="en-US" sz="2800" dirty="0" smtClean="0"/>
+              <a:t>: </a:t>
+            </a:r>
+            <a:r>
+              <a:rPr lang="en-US" sz="2800" dirty="0" smtClean="0">
+                <a:hlinkClick r:id="rId5"/>
+              </a:rPr>
+              <a:t>http</a:t>
+            </a:r>
+            <a:r>
+              <a:rPr lang="en-US" sz="2800" dirty="0">
+                <a:hlinkClick r:id="rId5"/>
+              </a:rPr>
+              <a:t>://learnopengl.com/#!</a:t>
+            </a:r>
+            <a:r>
+              <a:rPr lang="en-US" sz="2800" dirty="0" smtClean="0">
+                <a:hlinkClick r:id="rId5"/>
+              </a:rPr>
+              <a:t>In-Practice/2D-Game/Breakout</a:t>
+            </a:r>
+            <a:endParaRPr lang="en-US" sz="2800" dirty="0" smtClean="0"/>
+          </a:p>
+          <a:p>
+            <a:pPr marL="0" lvl="0" indent="0">
+              <a:buNone/>
+            </a:pPr>
+            <a:endParaRPr lang="en-US" sz="2800" dirty="0"/>
+          </a:p>
+          <a:p>
+            <a:pPr marL="0" lvl="0" indent="0">
+              <a:buNone/>
+            </a:pPr>
+            <a:r>
+              <a:rPr lang="en-US" sz="2800" dirty="0" err="1" smtClean="0"/>
+              <a:t>Khronos</a:t>
+            </a:r>
+            <a:r>
+              <a:rPr lang="en-US" sz="2800" dirty="0" smtClean="0"/>
+              <a:t>:</a:t>
+            </a:r>
+            <a:r>
+              <a:rPr lang="en-US" sz="2800" dirty="0"/>
+              <a:t> </a:t>
+            </a:r>
+            <a:r>
+              <a:rPr lang="en-US" sz="2800" dirty="0">
+                <a:hlinkClick r:id="rId6"/>
+              </a:rPr>
+              <a:t>OpenGL ES 2.0</a:t>
+            </a:r>
+            <a:r>
+              <a:rPr lang="en-US" sz="2800" dirty="0"/>
+              <a:t> and </a:t>
+            </a:r>
+            <a:r>
+              <a:rPr lang="en-US" sz="2800" dirty="0">
+                <a:hlinkClick r:id="rId7"/>
+              </a:rPr>
+              <a:t>EGL 1.4</a:t>
+            </a:r>
+            <a:r>
+              <a:rPr lang="en-US" sz="2800" dirty="0"/>
+              <a:t> APIs</a:t>
+            </a:r>
+          </a:p>
+        </p:txBody>
+      </p:sp>
+      <p:sp>
+        <p:nvSpPr>
+          <p:cNvPr id="2" name="Title 1"/>
+          <p:cNvSpPr>
+            <a:spLocks noGrp="1"/>
+          </p:cNvSpPr>
+          <p:nvPr>
+            <p:ph type="title"/>
+          </p:nvPr>
+        </p:nvSpPr>
+        <p:spPr/>
+        <p:txBody>
+          <a:bodyPr/>
+          <a:lstStyle/>
+          <a:p>
+            <a:r>
+              <a:rPr lang="en-US" dirty="0" smtClean="0"/>
+              <a:t>For more information:</a:t>
+            </a:r>
+            <a:endParaRPr lang="en-US" dirty="0"/>
+          </a:p>
+        </p:txBody>
+      </p:sp>
+    </p:spTree>
+    <p:extLst>
+      <p:ext uri="{BB962C8B-B14F-4D97-AF65-F5344CB8AC3E}">
+        <p14:creationId xmlns:p14="http://schemas.microsoft.com/office/powerpoint/2010/main" val="4129826664"/>
+      </p:ext>
+    </p:extLst>
+  </p:cSld>
+  <p:clrMapOvr>
+    <a:masterClrMapping/>
+  </p:clrMapOvr>
+  <mc:AlternateContent xmlns:mc="http://schemas.openxmlformats.org/markup-compatibility/2006" xmlns:p14="http://schemas.microsoft.com/office/powerpoint/2010/main">
+    <mc:Choice Requires="p14">
+      <p:transition spd="med" p14:dur="700">
+        <p:fade/>
+      </p:transition>
+    </mc:Choice>
+    <mc:Fallback xmlns="">
+      <p:transition spd="med">
+        <p:fade/>
+      </p:transition>
+    </mc:Fallback>
+  </mc:AlternateContent>
+  <p:timing>
+    <p:tnLst>
+      <p:par>
+        <p:cTn id="1" dur="indefinite" restart="never" nodeType="tmRoot"/>
+      </p:par>
+    </p:tnLst>
+  </p:timing>
+</p:sld>
+</file>
+
+<file path=ppt/slides/slide12.xml><?xml version="1.0" encoding="utf-8"?>
+<p:sld xmlns:a="http://schemas.openxmlformats.org/drawingml/2006/main" xmlns:r="http://schemas.openxmlformats.org/officeDocument/2006/relationships" xmlns:p="http://schemas.openxmlformats.org/presentationml/2006/main">
+  <p:cSld>
+    <p:spTree>
+      <p:nvGrpSpPr>
+        <p:cNvPr id="1" name=""/>
+        <p:cNvGrpSpPr/>
+        <p:nvPr/>
+      </p:nvGrpSpPr>
+      <p:grpSpPr>
+        <a:xfrm>
+          <a:off x="0" y="0"/>
+          <a:ext cx="0" cy="0"/>
+          <a:chOff x="0" y="0"/>
+          <a:chExt cx="0" cy="0"/>
+        </a:xfrm>
+      </p:grpSpPr>
+      <p:sp>
+        <p:nvSpPr>
           <p:cNvPr id="5" name="Text Placeholder 4"/>
           <p:cNvSpPr>
             <a:spLocks noGrp="1"/>
@@ -18128,7 +19138,7 @@
 </p:sld>
 </file>
 
-<file path=ppt/slides/slide11.xml><?xml version="1.0" encoding="utf-8"?>
+<file path=ppt/slides/slide13.xml><?xml version="1.0" encoding="utf-8"?>
 <p:sld xmlns:a="http://schemas.openxmlformats.org/drawingml/2006/main" xmlns:r="http://schemas.openxmlformats.org/officeDocument/2006/relationships" xmlns:p="http://schemas.openxmlformats.org/presentationml/2006/main">
   <p:cSld>
     <p:spTree>
@@ -18731,7 +19741,7 @@
 </p:sld>
 </file>
 
-<file path=ppt/slides/slide12.xml><?xml version="1.0" encoding="utf-8"?>
+<file path=ppt/slides/slide14.xml><?xml version="1.0" encoding="utf-8"?>
 <p:sld xmlns:a="http://schemas.openxmlformats.org/drawingml/2006/main" xmlns:r="http://schemas.openxmlformats.org/officeDocument/2006/relationships" xmlns:p="http://schemas.openxmlformats.org/presentationml/2006/main">
   <p:cSld>
     <p:spTree>
@@ -19090,7 +20100,7 @@
 </p:sld>
 </file>
 
-<file path=ppt/slides/slide13.xml><?xml version="1.0" encoding="utf-8"?>
+<file path=ppt/slides/slide15.xml><?xml version="1.0" encoding="utf-8"?>
 <p:sld xmlns:a="http://schemas.openxmlformats.org/drawingml/2006/main" xmlns:r="http://schemas.openxmlformats.org/officeDocument/2006/relationships" xmlns:p="http://schemas.openxmlformats.org/presentationml/2006/main">
   <p:cSld>
     <p:spTree>
@@ -19190,7 +20200,6 @@
               <a:rPr lang="en-US" dirty="0" smtClean="0"/>
               <a:t>Dale Stammen</a:t>
             </a:r>
-            <a:endParaRPr lang="en-US" dirty="0" smtClean="0"/>
           </a:p>
           <a:p>
             <a:r>
@@ -19280,6 +20289,641 @@
       </p:grpSpPr>
       <p:sp>
         <p:nvSpPr>
+          <p:cNvPr id="20" name="TextBox 19"/>
+          <p:cNvSpPr txBox="1"/>
+          <p:nvPr/>
+        </p:nvSpPr>
+        <p:spPr>
+          <a:xfrm>
+            <a:off x="6326773" y="3181199"/>
+            <a:ext cx="2863264" cy="849463"/>
+          </a:xfrm>
+          <a:prstGeom prst="rect">
+            <a:avLst/>
+          </a:prstGeom>
+          <a:solidFill>
+            <a:schemeClr val="accent3"/>
+          </a:solidFill>
+        </p:spPr>
+        <p:txBody>
+          <a:bodyPr wrap="square" lIns="182880" tIns="146304" rIns="182880" bIns="146304" rtlCol="0">
+            <a:spAutoFit/>
+          </a:bodyPr>
+          <a:lstStyle/>
+          <a:p>
+            <a:pPr defTabSz="932406"/>
+            <a:r>
+              <a:rPr lang="en-US" dirty="0" smtClean="0">
+                <a:gradFill>
+                  <a:gsLst>
+                    <a:gs pos="0">
+                      <a:srgbClr val="FFFFFF"/>
+                    </a:gs>
+                    <a:gs pos="100000">
+                      <a:srgbClr val="FFFFFF"/>
+                    </a:gs>
+                  </a:gsLst>
+                  <a:lin ang="5400000" scaled="0"/>
+                </a:gradFill>
+                <a:effectLst>
+                  <a:outerShdw blurRad="38100" dist="38100" dir="2700000" algn="tl">
+                    <a:srgbClr val="000000">
+                      <a:alpha val="43137"/>
+                    </a:srgbClr>
+                  </a:outerShdw>
+                </a:effectLst>
+                <a:ea typeface="Segoe UI" pitchFamily="34" charset="0"/>
+                <a:cs typeface="Segoe UI" pitchFamily="34" charset="0"/>
+              </a:rPr>
+              <a:t>Coordinated/managed by Google, Inc.</a:t>
+            </a:r>
+          </a:p>
+        </p:txBody>
+      </p:sp>
+      <p:sp>
+        <p:nvSpPr>
+          <p:cNvPr id="7" name="Text Placeholder 6"/>
+          <p:cNvSpPr>
+            <a:spLocks noGrp="1"/>
+          </p:cNvSpPr>
+          <p:nvPr>
+            <p:ph type="body" sz="quarter" idx="11"/>
+          </p:nvPr>
+        </p:nvSpPr>
+        <p:spPr/>
+        <p:txBody>
+          <a:bodyPr/>
+          <a:lstStyle/>
+          <a:p>
+            <a:r>
+              <a:rPr lang="en-US" sz="3200" b="1" dirty="0" smtClean="0"/>
+              <a:t>A</a:t>
+            </a:r>
+            <a:r>
+              <a:rPr lang="en-US" sz="3200" dirty="0" smtClean="0"/>
+              <a:t>lmost </a:t>
+            </a:r>
+          </a:p>
+          <a:p>
+            <a:r>
+              <a:rPr lang="en-US" sz="3200" b="1" dirty="0" smtClean="0"/>
+              <a:t>N</a:t>
+            </a:r>
+            <a:r>
+              <a:rPr lang="en-US" sz="3200" dirty="0" smtClean="0"/>
+              <a:t>ative </a:t>
+            </a:r>
+          </a:p>
+          <a:p>
+            <a:r>
+              <a:rPr lang="en-US" sz="3200" b="1" dirty="0" smtClean="0"/>
+              <a:t>G</a:t>
+            </a:r>
+            <a:r>
+              <a:rPr lang="en-US" sz="3200" dirty="0" smtClean="0"/>
+              <a:t>raphics </a:t>
+            </a:r>
+          </a:p>
+          <a:p>
+            <a:r>
+              <a:rPr lang="en-US" sz="3200" b="1" dirty="0" smtClean="0"/>
+              <a:t>L</a:t>
+            </a:r>
+            <a:r>
+              <a:rPr lang="en-US" sz="3200" dirty="0" smtClean="0"/>
+              <a:t>ayer </a:t>
+            </a:r>
+          </a:p>
+          <a:p>
+            <a:r>
+              <a:rPr lang="en-US" sz="3200" b="1" dirty="0" smtClean="0"/>
+              <a:t>E</a:t>
+            </a:r>
+            <a:r>
+              <a:rPr lang="en-US" sz="3200" dirty="0" smtClean="0"/>
+              <a:t>ngine</a:t>
+            </a:r>
+          </a:p>
+          <a:p>
+            <a:endParaRPr lang="en-US" sz="3200" dirty="0"/>
+          </a:p>
+        </p:txBody>
+      </p:sp>
+      <p:sp>
+        <p:nvSpPr>
+          <p:cNvPr id="5" name="TextBox 4"/>
+          <p:cNvSpPr txBox="1"/>
+          <p:nvPr/>
+        </p:nvSpPr>
+        <p:spPr>
+          <a:xfrm>
+            <a:off x="9271009" y="3181199"/>
+            <a:ext cx="2890828" cy="849463"/>
+          </a:xfrm>
+          <a:prstGeom prst="rect">
+            <a:avLst/>
+          </a:prstGeom>
+          <a:solidFill>
+            <a:schemeClr val="accent3"/>
+          </a:solidFill>
+        </p:spPr>
+        <p:txBody>
+          <a:bodyPr wrap="square" lIns="182880" tIns="146304" rIns="182880" bIns="146304" rtlCol="0">
+            <a:spAutoFit/>
+          </a:bodyPr>
+          <a:lstStyle/>
+          <a:p>
+            <a:pPr defTabSz="932406"/>
+            <a:r>
+              <a:rPr lang="en-US" dirty="0" smtClean="0">
+                <a:gradFill>
+                  <a:gsLst>
+                    <a:gs pos="0">
+                      <a:srgbClr val="FFFFFF"/>
+                    </a:gs>
+                    <a:gs pos="100000">
+                      <a:srgbClr val="FFFFFF"/>
+                    </a:gs>
+                  </a:gsLst>
+                  <a:lin ang="5400000" scaled="0"/>
+                </a:gradFill>
+                <a:effectLst>
+                  <a:outerShdw blurRad="38100" dist="38100" dir="2700000" algn="tl">
+                    <a:srgbClr val="000000">
+                      <a:alpha val="43137"/>
+                    </a:srgbClr>
+                  </a:outerShdw>
+                </a:effectLst>
+                <a:ea typeface="Segoe UI" pitchFamily="34" charset="0"/>
+                <a:cs typeface="Segoe UI" pitchFamily="34" charset="0"/>
+              </a:rPr>
+              <a:t>15 </a:t>
+            </a:r>
+            <a:r>
+              <a:rPr lang="en-US" dirty="0">
+                <a:gradFill>
+                  <a:gsLst>
+                    <a:gs pos="0">
+                      <a:srgbClr val="FFFFFF"/>
+                    </a:gs>
+                    <a:gs pos="100000">
+                      <a:srgbClr val="FFFFFF"/>
+                    </a:gs>
+                  </a:gsLst>
+                  <a:lin ang="5400000" scaled="0"/>
+                </a:gradFill>
+                <a:effectLst>
+                  <a:outerShdw blurRad="38100" dist="38100" dir="2700000" algn="tl">
+                    <a:srgbClr val="000000">
+                      <a:alpha val="43137"/>
+                    </a:srgbClr>
+                  </a:outerShdw>
+                </a:effectLst>
+                <a:ea typeface="Segoe UI" pitchFamily="34" charset="0"/>
+                <a:cs typeface="Segoe UI" pitchFamily="34" charset="0"/>
+              </a:rPr>
+              <a:t>Companies</a:t>
+            </a:r>
+          </a:p>
+          <a:p>
+            <a:pPr defTabSz="932406"/>
+            <a:r>
+              <a:rPr lang="en-US" dirty="0" smtClean="0">
+                <a:gradFill>
+                  <a:gsLst>
+                    <a:gs pos="0">
+                      <a:srgbClr val="FFFFFF"/>
+                    </a:gs>
+                    <a:gs pos="100000">
+                      <a:srgbClr val="FFFFFF"/>
+                    </a:gs>
+                  </a:gsLst>
+                  <a:lin ang="5400000" scaled="0"/>
+                </a:gradFill>
+                <a:effectLst>
+                  <a:outerShdw blurRad="38100" dist="38100" dir="2700000" algn="tl">
+                    <a:srgbClr val="000000">
+                      <a:alpha val="43137"/>
+                    </a:srgbClr>
+                  </a:outerShdw>
+                </a:effectLst>
+                <a:ea typeface="Segoe UI" pitchFamily="34" charset="0"/>
+                <a:cs typeface="Segoe UI" pitchFamily="34" charset="0"/>
+              </a:rPr>
+              <a:t>66+ </a:t>
+            </a:r>
+            <a:r>
+              <a:rPr lang="en-US" dirty="0" smtClean="0">
+                <a:gradFill>
+                  <a:gsLst>
+                    <a:gs pos="0">
+                      <a:srgbClr val="FFFFFF"/>
+                    </a:gs>
+                    <a:gs pos="100000">
+                      <a:srgbClr val="FFFFFF"/>
+                    </a:gs>
+                  </a:gsLst>
+                  <a:lin ang="5400000" scaled="0"/>
+                </a:gradFill>
+                <a:effectLst>
+                  <a:outerShdw blurRad="38100" dist="38100" dir="2700000" algn="tl">
+                    <a:srgbClr val="000000">
+                      <a:alpha val="43137"/>
+                    </a:srgbClr>
+                  </a:outerShdw>
+                </a:effectLst>
+                <a:ea typeface="Segoe UI" pitchFamily="34" charset="0"/>
+                <a:cs typeface="Segoe UI" pitchFamily="34" charset="0"/>
+              </a:rPr>
+              <a:t>Individuals</a:t>
+            </a:r>
+            <a:endParaRPr lang="en-US" dirty="0">
+              <a:gradFill>
+                <a:gsLst>
+                  <a:gs pos="0">
+                    <a:srgbClr val="FFFFFF"/>
+                  </a:gs>
+                  <a:gs pos="100000">
+                    <a:srgbClr val="FFFFFF"/>
+                  </a:gs>
+                </a:gsLst>
+                <a:lin ang="5400000" scaled="0"/>
+              </a:gradFill>
+              <a:effectLst>
+                <a:outerShdw blurRad="38100" dist="38100" dir="2700000" algn="tl">
+                  <a:srgbClr val="000000">
+                    <a:alpha val="43137"/>
+                  </a:srgbClr>
+                </a:outerShdw>
+              </a:effectLst>
+              <a:ea typeface="Segoe UI" pitchFamily="34" charset="0"/>
+              <a:cs typeface="Segoe UI" pitchFamily="34" charset="0"/>
+            </a:endParaRPr>
+          </a:p>
+        </p:txBody>
+      </p:sp>
+      <p:sp>
+        <p:nvSpPr>
+          <p:cNvPr id="17" name="Rectangle 16"/>
+          <p:cNvSpPr/>
+          <p:nvPr/>
+        </p:nvSpPr>
+        <p:spPr bwMode="auto">
+          <a:xfrm>
+            <a:off x="3383628" y="1668463"/>
+            <a:ext cx="8778210" cy="1469004"/>
+          </a:xfrm>
+          <a:prstGeom prst="rect">
+            <a:avLst/>
+          </a:prstGeom>
+          <a:solidFill>
+            <a:schemeClr val="accent1"/>
+          </a:solidFill>
+          <a:ln>
+            <a:noFill/>
+            <a:headEnd type="none" w="med" len="med"/>
+            <a:tailEnd type="none" w="med" len="med"/>
+          </a:ln>
+          <a:effectLst/>
+        </p:spPr>
+        <p:style>
+          <a:lnRef idx="1">
+            <a:schemeClr val="accent2"/>
+          </a:lnRef>
+          <a:fillRef idx="3">
+            <a:schemeClr val="accent2"/>
+          </a:fillRef>
+          <a:effectRef idx="2">
+            <a:schemeClr val="accent2"/>
+          </a:effectRef>
+          <a:fontRef idx="minor">
+            <a:schemeClr val="lt1"/>
+          </a:fontRef>
+        </p:style>
+        <p:txBody>
+          <a:bodyPr lIns="91440" tIns="91440" rIns="34294" bIns="34294" rtlCol="0" anchor="ctr" anchorCtr="0"/>
+          <a:lstStyle/>
+          <a:p>
+            <a:pPr algn="ctr" defTabSz="932406"/>
+            <a:r>
+              <a:rPr lang="en-US" sz="2400" dirty="0" smtClean="0">
+                <a:solidFill>
+                  <a:srgbClr val="FFFFFF"/>
+                </a:solidFill>
+                <a:effectLst>
+                  <a:outerShdw blurRad="38100" dist="38100" dir="2700000" algn="tl">
+                    <a:srgbClr val="000000">
+                      <a:alpha val="43137"/>
+                    </a:srgbClr>
+                  </a:outerShdw>
+                </a:effectLst>
+              </a:rPr>
+              <a:t>“An open-source </a:t>
+            </a:r>
+            <a:r>
+              <a:rPr lang="en-US" sz="2400" dirty="0">
+                <a:solidFill>
+                  <a:srgbClr val="FFFFFF"/>
+                </a:solidFill>
+                <a:effectLst>
+                  <a:outerShdw blurRad="38100" dist="38100" dir="2700000" algn="tl">
+                    <a:srgbClr val="000000">
+                      <a:alpha val="43137"/>
+                    </a:srgbClr>
+                  </a:outerShdw>
+                </a:effectLst>
+              </a:rPr>
+              <a:t>project that allows Windows users to seamlessly run OpenGL ES 2.0 content by translating OpenGL ES 2.0 API calls to DirectX 11 API </a:t>
+            </a:r>
+            <a:r>
+              <a:rPr lang="en-US" sz="2400" dirty="0" smtClean="0">
+                <a:solidFill>
+                  <a:srgbClr val="FFFFFF"/>
+                </a:solidFill>
+                <a:effectLst>
+                  <a:outerShdw blurRad="38100" dist="38100" dir="2700000" algn="tl">
+                    <a:srgbClr val="000000">
+                      <a:alpha val="43137"/>
+                    </a:srgbClr>
+                  </a:outerShdw>
+                </a:effectLst>
+              </a:rPr>
+              <a:t>calls.” – </a:t>
+            </a:r>
+            <a:r>
+              <a:rPr lang="en-US" sz="2400" i="1" dirty="0" smtClean="0">
+                <a:solidFill>
+                  <a:srgbClr val="FFFFFF"/>
+                </a:solidFill>
+                <a:effectLst>
+                  <a:outerShdw blurRad="38100" dist="38100" dir="2700000" algn="tl">
+                    <a:srgbClr val="000000">
+                      <a:alpha val="43137"/>
+                    </a:srgbClr>
+                  </a:outerShdw>
+                </a:effectLst>
+              </a:rPr>
+              <a:t>ANGLE Project</a:t>
+            </a:r>
+            <a:endParaRPr lang="en-US" sz="2400" dirty="0">
+              <a:gradFill>
+                <a:gsLst>
+                  <a:gs pos="0">
+                    <a:srgbClr val="FFFFFF"/>
+                  </a:gs>
+                  <a:gs pos="100000">
+                    <a:srgbClr val="FFFFFF"/>
+                  </a:gs>
+                </a:gsLst>
+                <a:lin ang="5400000" scaled="0"/>
+              </a:gradFill>
+              <a:effectLst>
+                <a:outerShdw blurRad="38100" dist="38100" dir="2700000" algn="tl">
+                  <a:srgbClr val="000000">
+                    <a:alpha val="43137"/>
+                  </a:srgbClr>
+                </a:outerShdw>
+              </a:effectLst>
+              <a:ea typeface="Segoe UI" pitchFamily="34" charset="0"/>
+              <a:cs typeface="Segoe UI" pitchFamily="34" charset="0"/>
+            </a:endParaRPr>
+          </a:p>
+        </p:txBody>
+      </p:sp>
+      <p:sp>
+        <p:nvSpPr>
+          <p:cNvPr id="23" name="TextBox 22"/>
+          <p:cNvSpPr txBox="1"/>
+          <p:nvPr/>
+        </p:nvSpPr>
+        <p:spPr>
+          <a:xfrm>
+            <a:off x="3383627" y="3181199"/>
+            <a:ext cx="2834610" cy="849463"/>
+          </a:xfrm>
+          <a:prstGeom prst="rect">
+            <a:avLst/>
+          </a:prstGeom>
+          <a:solidFill>
+            <a:schemeClr val="accent3"/>
+          </a:solidFill>
+        </p:spPr>
+        <p:txBody>
+          <a:bodyPr wrap="square" lIns="182880" tIns="146304" rIns="182880" bIns="146304" rtlCol="0">
+            <a:spAutoFit/>
+          </a:bodyPr>
+          <a:lstStyle/>
+          <a:p>
+            <a:pPr defTabSz="932406"/>
+            <a:r>
+              <a:rPr lang="en-US" dirty="0" smtClean="0">
+                <a:gradFill>
+                  <a:gsLst>
+                    <a:gs pos="0">
+                      <a:srgbClr val="FFFFFF"/>
+                    </a:gs>
+                    <a:gs pos="100000">
+                      <a:srgbClr val="FFFFFF"/>
+                    </a:gs>
+                  </a:gsLst>
+                  <a:lin ang="5400000" scaled="0"/>
+                </a:gradFill>
+                <a:effectLst>
+                  <a:outerShdw blurRad="38100" dist="38100" dir="2700000" algn="tl">
+                    <a:srgbClr val="000000">
+                      <a:alpha val="43137"/>
+                    </a:srgbClr>
+                  </a:outerShdw>
+                </a:effectLst>
+                <a:ea typeface="Segoe UI" pitchFamily="34" charset="0"/>
+                <a:cs typeface="Segoe UI" pitchFamily="34" charset="0"/>
+              </a:rPr>
+              <a:t>Started in 2010</a:t>
+            </a:r>
+          </a:p>
+          <a:p>
+            <a:pPr defTabSz="932406"/>
+            <a:r>
+              <a:rPr lang="en-US" dirty="0" smtClean="0">
+                <a:gradFill>
+                  <a:gsLst>
+                    <a:gs pos="0">
+                      <a:srgbClr val="FFFFFF"/>
+                    </a:gs>
+                    <a:gs pos="100000">
+                      <a:srgbClr val="FFFFFF"/>
+                    </a:gs>
+                  </a:gsLst>
+                  <a:lin ang="5400000" scaled="0"/>
+                </a:gradFill>
+                <a:effectLst>
+                  <a:outerShdw blurRad="38100" dist="38100" dir="2700000" algn="tl">
+                    <a:srgbClr val="000000">
+                      <a:alpha val="43137"/>
+                    </a:srgbClr>
+                  </a:outerShdw>
+                </a:effectLst>
+                <a:ea typeface="Segoe UI" pitchFamily="34" charset="0"/>
+                <a:cs typeface="Segoe UI" pitchFamily="34" charset="0"/>
+              </a:rPr>
+              <a:t>by Google, Inc.</a:t>
+            </a:r>
+            <a:endParaRPr lang="en-US" dirty="0">
+              <a:gradFill>
+                <a:gsLst>
+                  <a:gs pos="0">
+                    <a:srgbClr val="FFFFFF"/>
+                  </a:gs>
+                  <a:gs pos="100000">
+                    <a:srgbClr val="FFFFFF"/>
+                  </a:gs>
+                </a:gsLst>
+                <a:lin ang="5400000" scaled="0"/>
+              </a:gradFill>
+              <a:effectLst>
+                <a:outerShdw blurRad="38100" dist="38100" dir="2700000" algn="tl">
+                  <a:srgbClr val="000000">
+                    <a:alpha val="43137"/>
+                  </a:srgbClr>
+                </a:outerShdw>
+              </a:effectLst>
+              <a:ea typeface="Segoe UI" pitchFamily="34" charset="0"/>
+              <a:cs typeface="Segoe UI" pitchFamily="34" charset="0"/>
+            </a:endParaRPr>
+          </a:p>
+        </p:txBody>
+      </p:sp>
+      <p:sp>
+        <p:nvSpPr>
+          <p:cNvPr id="24" name="Title 2"/>
+          <p:cNvSpPr>
+            <a:spLocks noGrp="1"/>
+          </p:cNvSpPr>
+          <p:nvPr>
+            <p:ph type="title"/>
+          </p:nvPr>
+        </p:nvSpPr>
+        <p:spPr>
+          <a:xfrm>
+            <a:off x="274639" y="295274"/>
+            <a:ext cx="11889564" cy="917575"/>
+          </a:xfrm>
+        </p:spPr>
+        <p:txBody>
+          <a:bodyPr lIns="182880" tIns="146304" rIns="182880" bIns="146304"/>
+          <a:lstStyle/>
+          <a:p>
+            <a:r>
+              <a:rPr lang="en-US" dirty="0" smtClean="0"/>
+              <a:t>Background</a:t>
+            </a:r>
+            <a:endParaRPr lang="en-US" dirty="0"/>
+          </a:p>
+        </p:txBody>
+      </p:sp>
+      <p:sp>
+        <p:nvSpPr>
+          <p:cNvPr id="2" name="Rectangle 1"/>
+          <p:cNvSpPr/>
+          <p:nvPr/>
+        </p:nvSpPr>
+        <p:spPr bwMode="auto">
+          <a:xfrm>
+            <a:off x="3383627" y="4106862"/>
+            <a:ext cx="8778210" cy="1295400"/>
+          </a:xfrm>
+          <a:prstGeom prst="rect">
+            <a:avLst/>
+          </a:prstGeom>
+          <a:solidFill>
+            <a:schemeClr val="accent1"/>
+          </a:solidFill>
+          <a:ln>
+            <a:headEnd type="none" w="med" len="med"/>
+            <a:tailEnd type="none" w="med" len="med"/>
+          </a:ln>
+        </p:spPr>
+        <p:style>
+          <a:lnRef idx="1">
+            <a:schemeClr val="accent3"/>
+          </a:lnRef>
+          <a:fillRef idx="2">
+            <a:schemeClr val="accent3"/>
+          </a:fillRef>
+          <a:effectRef idx="1">
+            <a:schemeClr val="accent3"/>
+          </a:effectRef>
+          <a:fontRef idx="minor">
+            <a:schemeClr val="dk1"/>
+          </a:fontRef>
+        </p:style>
+        <p:txBody>
+          <a:bodyPr lIns="91440" tIns="91440" rIns="34294" bIns="34294" rtlCol="0" anchor="ctr" anchorCtr="0"/>
+          <a:lstStyle/>
+          <a:p>
+            <a:pPr algn="ctr" defTabSz="932406"/>
+            <a:r>
+              <a:rPr lang="en-US" sz="2400" dirty="0" smtClean="0">
+                <a:solidFill>
+                  <a:schemeClr val="bg2"/>
+                </a:solidFill>
+                <a:ea typeface="Segoe UI" pitchFamily="34" charset="0"/>
+                <a:cs typeface="Segoe UI" pitchFamily="34" charset="0"/>
+              </a:rPr>
+              <a:t>Goal: provide a way to universally run OpenGL ES 2.0 applications on Windows</a:t>
+            </a:r>
+            <a:endParaRPr lang="en-US" sz="2400" dirty="0">
+              <a:solidFill>
+                <a:schemeClr val="bg2"/>
+              </a:solidFill>
+              <a:ea typeface="Segoe UI" pitchFamily="34" charset="0"/>
+              <a:cs typeface="Segoe UI" pitchFamily="34" charset="0"/>
+            </a:endParaRPr>
+          </a:p>
+        </p:txBody>
+      </p:sp>
+    </p:spTree>
+    <p:extLst>
+      <p:ext uri="{BB962C8B-B14F-4D97-AF65-F5344CB8AC3E}">
+        <p14:creationId xmlns:p14="http://schemas.microsoft.com/office/powerpoint/2010/main" val="3644661711"/>
+      </p:ext>
+    </p:extLst>
+  </p:cSld>
+  <p:clrMapOvr>
+    <a:masterClrMapping/>
+  </p:clrMapOvr>
+  <p:transition>
+    <p:fade/>
+  </p:transition>
+  <p:timing>
+    <p:tnLst>
+      <p:par>
+        <p:cTn id="1" dur="indefinite" restart="never" nodeType="tmRoot"/>
+      </p:par>
+    </p:tnLst>
+  </p:timing>
+</p:sld>
+</file>
+
+<file path=ppt/slides/slide4.xml><?xml version="1.0" encoding="utf-8"?>
+<p:sld xmlns:a="http://schemas.openxmlformats.org/drawingml/2006/main" xmlns:r="http://schemas.openxmlformats.org/officeDocument/2006/relationships" xmlns:p="http://schemas.openxmlformats.org/presentationml/2006/main">
+  <p:cSld>
+    <p:spTree>
+      <p:nvGrpSpPr>
+        <p:cNvPr id="1" name=""/>
+        <p:cNvGrpSpPr/>
+        <p:nvPr/>
+      </p:nvGrpSpPr>
+      <p:grpSpPr>
+        <a:xfrm>
+          <a:off x="0" y="0"/>
+          <a:ext cx="0" cy="0"/>
+          <a:chOff x="0" y="0"/>
+          <a:chExt cx="0" cy="0"/>
+        </a:xfrm>
+      </p:grpSpPr>
+      <p:sp>
+        <p:nvSpPr>
           <p:cNvPr id="17" name="Title 16"/>
           <p:cNvSpPr>
             <a:spLocks noGrp="1"/>
@@ -19314,7 +20958,7 @@
         <p:spPr>
           <a:xfrm>
             <a:off x="274638" y="1212850"/>
-            <a:ext cx="11887200" cy="4616648"/>
+            <a:ext cx="11887200" cy="3385542"/>
           </a:xfrm>
         </p:spPr>
         <p:txBody>
@@ -19327,11 +20971,7 @@
             </a:r>
             <a:r>
               <a:rPr lang="en-US" dirty="0" smtClean="0"/>
-              <a:t>lm</a:t>
-            </a:r>
-            <a:r>
-              <a:rPr lang="en-US" dirty="0" smtClean="0"/>
-              <a:t>ost </a:t>
+              <a:t>lmost </a:t>
             </a:r>
             <a:r>
               <a:rPr lang="en-US" b="1" dirty="0" smtClean="0"/>
@@ -19365,7 +21005,6 @@
               <a:rPr lang="en-US" dirty="0" smtClean="0"/>
               <a:t>ngine</a:t>
             </a:r>
-            <a:endParaRPr lang="en-US" dirty="0" smtClean="0"/>
           </a:p>
           <a:p>
             <a:pPr lvl="1"/>
@@ -19374,55 +21013,19 @@
           <a:p>
             <a:pPr lvl="1"/>
             <a:r>
-              <a:rPr lang="en-US" dirty="0" smtClean="0"/>
-              <a:t>The original goal </a:t>
-            </a:r>
-            <a:r>
-              <a:rPr lang="en-US" dirty="0"/>
-              <a:t>of ANGLE </a:t>
-            </a:r>
-            <a:r>
-              <a:rPr lang="en-US" dirty="0" smtClean="0"/>
-              <a:t>was </a:t>
-            </a:r>
-            <a:r>
-              <a:rPr lang="en-US" dirty="0"/>
-              <a:t>to layer </a:t>
-            </a:r>
-            <a:r>
-              <a:rPr lang="en-US" dirty="0" err="1"/>
-              <a:t>WebGL's</a:t>
-            </a:r>
-            <a:r>
-              <a:rPr lang="en-US" dirty="0"/>
-              <a:t> subset of the OpenGL ES 2.0 API over DirectX 9.0c API </a:t>
-            </a:r>
-            <a:r>
-              <a:rPr lang="en-US" dirty="0" smtClean="0"/>
-              <a:t>calls. This would enable </a:t>
-            </a:r>
-            <a:r>
-              <a:rPr lang="en-US" dirty="0"/>
-              <a:t>browsers like Google Chrome to run WebGL content on Windows computers without having to rely on OpenGL drivers.</a:t>
-            </a:r>
-            <a:endParaRPr lang="en-US" dirty="0" smtClean="0"/>
-          </a:p>
-          <a:p>
-            <a:pPr lvl="1"/>
-            <a:endParaRPr lang="en-US" dirty="0" smtClean="0"/>
-          </a:p>
-          <a:p>
-            <a:pPr lvl="1"/>
-            <a:r>
-              <a:rPr lang="en-US" dirty="0"/>
-              <a:t>Windows 10 UWP </a:t>
-            </a:r>
-            <a:r>
-              <a:rPr lang="en-US" dirty="0" smtClean="0"/>
+              <a:rPr lang="en-US" b="1" dirty="0" smtClean="0"/>
+              <a:t>Windows </a:t>
+            </a:r>
+            <a:r>
+              <a:rPr lang="en-US" b="1" dirty="0"/>
+              <a:t>10 UWP </a:t>
+            </a:r>
+            <a:r>
+              <a:rPr lang="en-US" b="1" dirty="0" smtClean="0"/>
               <a:t>apps </a:t>
             </a:r>
             <a:r>
-              <a:rPr lang="en-US" dirty="0"/>
+              <a:rPr lang="en-US" b="1" dirty="0"/>
               <a:t>do not natively support OpenGL ES 2.0.</a:t>
             </a:r>
           </a:p>
@@ -19497,7 +21100,688 @@
 </p:sld>
 </file>
 
-<file path=ppt/slides/slide4.xml><?xml version="1.0" encoding="utf-8"?>
+<file path=ppt/slides/slide5.xml><?xml version="1.0" encoding="utf-8"?>
+<p:sld xmlns:a="http://schemas.openxmlformats.org/drawingml/2006/main" xmlns:r="http://schemas.openxmlformats.org/officeDocument/2006/relationships" xmlns:p="http://schemas.openxmlformats.org/presentationml/2006/main">
+  <p:cSld>
+    <p:spTree>
+      <p:nvGrpSpPr>
+        <p:cNvPr id="1" name=""/>
+        <p:cNvGrpSpPr/>
+        <p:nvPr/>
+      </p:nvGrpSpPr>
+      <p:grpSpPr>
+        <a:xfrm>
+          <a:off x="0" y="0"/>
+          <a:ext cx="0" cy="0"/>
+          <a:chOff x="0" y="0"/>
+          <a:chExt cx="0" cy="0"/>
+        </a:xfrm>
+      </p:grpSpPr>
+      <p:sp>
+        <p:nvSpPr>
+          <p:cNvPr id="6" name="Text Placeholder 5"/>
+          <p:cNvSpPr>
+            <a:spLocks noGrp="1"/>
+          </p:cNvSpPr>
+          <p:nvPr>
+            <p:ph type="body" sz="quarter" idx="10"/>
+          </p:nvPr>
+        </p:nvSpPr>
+        <p:spPr>
+          <a:xfrm>
+            <a:off x="274639" y="1668463"/>
+            <a:ext cx="6738149" cy="5029200"/>
+          </a:xfrm>
+        </p:spPr>
+        <p:txBody>
+          <a:bodyPr/>
+          <a:lstStyle/>
+          <a:p>
+            <a:pPr marL="0" indent="0">
+              <a:buNone/>
+            </a:pPr>
+            <a:r>
+              <a:rPr lang="en-US" sz="3600" dirty="0"/>
+              <a:t>OpenGL ES Validation Layer</a:t>
+            </a:r>
+          </a:p>
+          <a:p>
+            <a:pPr lvl="1"/>
+            <a:r>
+              <a:rPr lang="en-US" sz="2000" dirty="0"/>
+              <a:t>Provides validation of API parameters before passing to translation layer</a:t>
+            </a:r>
+          </a:p>
+          <a:p>
+            <a:pPr marL="0" indent="0">
+              <a:buNone/>
+            </a:pPr>
+            <a:r>
+              <a:rPr lang="en-US" sz="3600" dirty="0"/>
+              <a:t>ANGLE Translation Layer</a:t>
+            </a:r>
+          </a:p>
+          <a:p>
+            <a:pPr lvl="1"/>
+            <a:r>
+              <a:rPr lang="en-US" sz="2000"/>
+              <a:t>Translates </a:t>
+            </a:r>
+            <a:r>
+              <a:rPr lang="en-US" sz="2000" dirty="0"/>
+              <a:t>API</a:t>
+            </a:r>
+            <a:r>
+              <a:rPr lang="en-US" sz="2000"/>
+              <a:t> calls to </a:t>
+            </a:r>
+            <a:r>
+              <a:rPr lang="en-US" sz="2000" dirty="0"/>
+              <a:t>appropriate DirectX API(s)</a:t>
+            </a:r>
+          </a:p>
+          <a:p>
+            <a:pPr lvl="1"/>
+            <a:r>
+              <a:rPr lang="en-US" sz="2000" dirty="0"/>
+              <a:t>GLSL ES (ESSL) converted to HLSL</a:t>
+            </a:r>
+          </a:p>
+          <a:p>
+            <a:pPr marL="0" indent="0">
+              <a:buNone/>
+            </a:pPr>
+            <a:r>
+              <a:rPr lang="en-US" sz="3600" dirty="0"/>
+              <a:t>Rendering</a:t>
+            </a:r>
+          </a:p>
+          <a:p>
+            <a:pPr lvl="1"/>
+            <a:r>
+              <a:rPr lang="en-US" sz="2000" dirty="0"/>
+              <a:t>Performed by Direct3D 11</a:t>
+            </a:r>
+          </a:p>
+          <a:p>
+            <a:pPr lvl="1"/>
+            <a:r>
+              <a:rPr lang="en-US" sz="2000" dirty="0"/>
+              <a:t>Leverages Direct3D 11 driver support for the Windows ecosystem</a:t>
+            </a:r>
+          </a:p>
+        </p:txBody>
+      </p:sp>
+      <p:sp>
+        <p:nvSpPr>
+          <p:cNvPr id="3" name="Title 2"/>
+          <p:cNvSpPr>
+            <a:spLocks noGrp="1"/>
+          </p:cNvSpPr>
+          <p:nvPr>
+            <p:ph type="title"/>
+          </p:nvPr>
+        </p:nvSpPr>
+        <p:spPr/>
+        <p:txBody>
+          <a:bodyPr lIns="182880" tIns="146304" rIns="182880" bIns="146304"/>
+          <a:lstStyle/>
+          <a:p>
+            <a:r>
+              <a:rPr lang="en-US" dirty="0" smtClean="0"/>
+              <a:t>Architecture</a:t>
+            </a:r>
+            <a:endParaRPr lang="en-US" dirty="0"/>
+          </a:p>
+        </p:txBody>
+      </p:sp>
+      <p:sp>
+        <p:nvSpPr>
+          <p:cNvPr id="8" name="Rectangle 7"/>
+          <p:cNvSpPr/>
+          <p:nvPr/>
+        </p:nvSpPr>
+        <p:spPr>
+          <a:xfrm>
+            <a:off x="7057178" y="3048297"/>
+            <a:ext cx="5104660" cy="2136800"/>
+          </a:xfrm>
+          <a:prstGeom prst="rect">
+            <a:avLst/>
+          </a:prstGeom>
+          <a:solidFill>
+            <a:schemeClr val="accent2"/>
+          </a:solidFill>
+        </p:spPr>
+        <p:style>
+          <a:lnRef idx="1">
+            <a:schemeClr val="accent3"/>
+          </a:lnRef>
+          <a:fillRef idx="2">
+            <a:schemeClr val="accent3"/>
+          </a:fillRef>
+          <a:effectRef idx="1">
+            <a:schemeClr val="accent3"/>
+          </a:effectRef>
+          <a:fontRef idx="minor">
+            <a:schemeClr val="dk1"/>
+          </a:fontRef>
+        </p:style>
+        <p:txBody>
+          <a:bodyPr rtlCol="0" anchor="t"/>
+          <a:lstStyle/>
+          <a:p>
+            <a:pPr algn="ctr"/>
+            <a:r>
+              <a:rPr lang="en-US" dirty="0" smtClean="0">
+                <a:solidFill>
+                  <a:schemeClr val="bg2"/>
+                </a:solidFill>
+              </a:rPr>
+              <a:t>ANGLE</a:t>
+            </a:r>
+            <a:endParaRPr lang="en-US" dirty="0">
+              <a:solidFill>
+                <a:schemeClr val="bg2"/>
+              </a:solidFill>
+            </a:endParaRPr>
+          </a:p>
+        </p:txBody>
+      </p:sp>
+      <p:sp>
+        <p:nvSpPr>
+          <p:cNvPr id="9" name="Rectangle 8"/>
+          <p:cNvSpPr/>
+          <p:nvPr/>
+        </p:nvSpPr>
+        <p:spPr>
+          <a:xfrm>
+            <a:off x="7216973" y="3406595"/>
+            <a:ext cx="4740676" cy="461639"/>
+          </a:xfrm>
+          <a:prstGeom prst="rect">
+            <a:avLst/>
+          </a:prstGeom>
+          <a:solidFill>
+            <a:schemeClr val="accent3"/>
+          </a:solidFill>
+        </p:spPr>
+        <p:style>
+          <a:lnRef idx="0">
+            <a:schemeClr val="accent3"/>
+          </a:lnRef>
+          <a:fillRef idx="3">
+            <a:schemeClr val="accent3"/>
+          </a:fillRef>
+          <a:effectRef idx="3">
+            <a:schemeClr val="accent3"/>
+          </a:effectRef>
+          <a:fontRef idx="minor">
+            <a:schemeClr val="lt1"/>
+          </a:fontRef>
+        </p:style>
+        <p:txBody>
+          <a:bodyPr rtlCol="0" anchor="ctr"/>
+          <a:lstStyle/>
+          <a:p>
+            <a:pPr algn="ctr"/>
+            <a:r>
+              <a:rPr lang="en-US" sz="1600" dirty="0" smtClean="0">
+                <a:solidFill>
+                  <a:srgbClr val="FFFFFF"/>
+                </a:solidFill>
+                <a:effectLst>
+                  <a:outerShdw blurRad="38100" dist="38100" dir="2700000" algn="tl">
+                    <a:srgbClr val="000000">
+                      <a:alpha val="43137"/>
+                    </a:srgbClr>
+                  </a:outerShdw>
+                </a:effectLst>
+              </a:rPr>
+              <a:t>OpenGL ES Validation Layer</a:t>
+            </a:r>
+            <a:endParaRPr lang="en-US" sz="1600" dirty="0">
+              <a:solidFill>
+                <a:srgbClr val="FFFFFF"/>
+              </a:solidFill>
+              <a:effectLst>
+                <a:outerShdw blurRad="38100" dist="38100" dir="2700000" algn="tl">
+                  <a:srgbClr val="000000">
+                    <a:alpha val="43137"/>
+                  </a:srgbClr>
+                </a:outerShdw>
+              </a:effectLst>
+            </a:endParaRPr>
+          </a:p>
+        </p:txBody>
+      </p:sp>
+      <p:sp>
+        <p:nvSpPr>
+          <p:cNvPr id="10" name="Rectangle 9"/>
+          <p:cNvSpPr/>
+          <p:nvPr/>
+        </p:nvSpPr>
+        <p:spPr>
+          <a:xfrm>
+            <a:off x="7216973" y="3988679"/>
+            <a:ext cx="4740676" cy="461639"/>
+          </a:xfrm>
+          <a:prstGeom prst="rect">
+            <a:avLst/>
+          </a:prstGeom>
+          <a:solidFill>
+            <a:schemeClr val="accent3"/>
+          </a:solidFill>
+        </p:spPr>
+        <p:style>
+          <a:lnRef idx="0">
+            <a:schemeClr val="accent3"/>
+          </a:lnRef>
+          <a:fillRef idx="3">
+            <a:schemeClr val="accent3"/>
+          </a:fillRef>
+          <a:effectRef idx="3">
+            <a:schemeClr val="accent3"/>
+          </a:effectRef>
+          <a:fontRef idx="minor">
+            <a:schemeClr val="lt1"/>
+          </a:fontRef>
+        </p:style>
+        <p:txBody>
+          <a:bodyPr rtlCol="0" anchor="ctr"/>
+          <a:lstStyle/>
+          <a:p>
+            <a:pPr algn="ctr"/>
+            <a:r>
+              <a:rPr lang="en-US" sz="1600" dirty="0" smtClean="0">
+                <a:solidFill>
+                  <a:srgbClr val="FFFFFF"/>
+                </a:solidFill>
+                <a:effectLst>
+                  <a:outerShdw blurRad="38100" dist="38100" dir="2700000" algn="tl">
+                    <a:srgbClr val="000000">
+                      <a:alpha val="43137"/>
+                    </a:srgbClr>
+                  </a:outerShdw>
+                </a:effectLst>
+              </a:rPr>
+              <a:t>ANGLE Translation Layer</a:t>
+            </a:r>
+            <a:endParaRPr lang="en-US" sz="1600" dirty="0">
+              <a:solidFill>
+                <a:srgbClr val="FFFFFF"/>
+              </a:solidFill>
+              <a:effectLst>
+                <a:outerShdw blurRad="38100" dist="38100" dir="2700000" algn="tl">
+                  <a:srgbClr val="000000">
+                    <a:alpha val="43137"/>
+                  </a:srgbClr>
+                </a:outerShdw>
+              </a:effectLst>
+            </a:endParaRPr>
+          </a:p>
+        </p:txBody>
+      </p:sp>
+      <p:sp>
+        <p:nvSpPr>
+          <p:cNvPr id="11" name="Rectangle 10"/>
+          <p:cNvSpPr/>
+          <p:nvPr/>
+        </p:nvSpPr>
+        <p:spPr>
+          <a:xfrm>
+            <a:off x="7216973" y="4564444"/>
+            <a:ext cx="4740676" cy="461640"/>
+          </a:xfrm>
+          <a:prstGeom prst="rect">
+            <a:avLst/>
+          </a:prstGeom>
+          <a:solidFill>
+            <a:schemeClr val="accent3"/>
+          </a:solidFill>
+        </p:spPr>
+        <p:style>
+          <a:lnRef idx="0">
+            <a:schemeClr val="accent3"/>
+          </a:lnRef>
+          <a:fillRef idx="3">
+            <a:schemeClr val="accent3"/>
+          </a:fillRef>
+          <a:effectRef idx="3">
+            <a:schemeClr val="accent3"/>
+          </a:effectRef>
+          <a:fontRef idx="minor">
+            <a:schemeClr val="lt1"/>
+          </a:fontRef>
+        </p:style>
+        <p:txBody>
+          <a:bodyPr rtlCol="0" anchor="t"/>
+          <a:lstStyle/>
+          <a:p>
+            <a:pPr algn="ctr"/>
+            <a:r>
+              <a:rPr lang="en-US" sz="1600" dirty="0" smtClean="0">
+                <a:solidFill>
+                  <a:srgbClr val="FFFFFF"/>
+                </a:solidFill>
+                <a:effectLst>
+                  <a:outerShdw blurRad="38100" dist="38100" dir="2700000" algn="tl">
+                    <a:srgbClr val="000000">
+                      <a:alpha val="43137"/>
+                    </a:srgbClr>
+                  </a:outerShdw>
+                </a:effectLst>
+              </a:rPr>
+              <a:t>ANGLE Direct3D 11 Renderer</a:t>
+            </a:r>
+            <a:endParaRPr lang="en-US" sz="1600" dirty="0">
+              <a:solidFill>
+                <a:srgbClr val="FFFFFF"/>
+              </a:solidFill>
+              <a:effectLst>
+                <a:outerShdw blurRad="38100" dist="38100" dir="2700000" algn="tl">
+                  <a:srgbClr val="000000">
+                    <a:alpha val="43137"/>
+                  </a:srgbClr>
+                </a:outerShdw>
+              </a:effectLst>
+            </a:endParaRPr>
+          </a:p>
+        </p:txBody>
+      </p:sp>
+      <p:sp>
+        <p:nvSpPr>
+          <p:cNvPr id="13" name="Rectangle 12"/>
+          <p:cNvSpPr/>
+          <p:nvPr/>
+        </p:nvSpPr>
+        <p:spPr>
+          <a:xfrm>
+            <a:off x="8572572" y="5786980"/>
+            <a:ext cx="2029477" cy="461639"/>
+          </a:xfrm>
+          <a:prstGeom prst="rect">
+            <a:avLst/>
+          </a:prstGeom>
+          <a:solidFill>
+            <a:schemeClr val="accent3"/>
+          </a:solidFill>
+        </p:spPr>
+        <p:style>
+          <a:lnRef idx="1">
+            <a:schemeClr val="accent3"/>
+          </a:lnRef>
+          <a:fillRef idx="2">
+            <a:schemeClr val="accent3"/>
+          </a:fillRef>
+          <a:effectRef idx="1">
+            <a:schemeClr val="accent3"/>
+          </a:effectRef>
+          <a:fontRef idx="minor">
+            <a:schemeClr val="dk1"/>
+          </a:fontRef>
+        </p:style>
+        <p:txBody>
+          <a:bodyPr rtlCol="0" anchor="ctr"/>
+          <a:lstStyle/>
+          <a:p>
+            <a:pPr algn="ctr"/>
+            <a:r>
+              <a:rPr lang="en-US" sz="1600" dirty="0" smtClean="0">
+                <a:solidFill>
+                  <a:schemeClr val="bg2"/>
+                </a:solidFill>
+              </a:rPr>
+              <a:t>Direct3D 11</a:t>
+            </a:r>
+            <a:endParaRPr lang="en-US" sz="1600" dirty="0">
+              <a:solidFill>
+                <a:schemeClr val="bg2"/>
+              </a:solidFill>
+            </a:endParaRPr>
+          </a:p>
+        </p:txBody>
+      </p:sp>
+      <p:sp>
+        <p:nvSpPr>
+          <p:cNvPr id="4" name="Down Arrow 3"/>
+          <p:cNvSpPr/>
+          <p:nvPr/>
+        </p:nvSpPr>
+        <p:spPr bwMode="auto">
+          <a:xfrm>
+            <a:off x="9266608" y="5185097"/>
+            <a:ext cx="685800" cy="601883"/>
+          </a:xfrm>
+          <a:prstGeom prst="downArrow">
+            <a:avLst/>
+          </a:prstGeom>
+          <a:solidFill>
+            <a:schemeClr val="accent3"/>
+          </a:solidFill>
+          <a:ln>
+            <a:headEnd type="none" w="med" len="med"/>
+            <a:tailEnd type="none" w="med" len="med"/>
+          </a:ln>
+        </p:spPr>
+        <p:style>
+          <a:lnRef idx="0">
+            <a:schemeClr val="accent3"/>
+          </a:lnRef>
+          <a:fillRef idx="3">
+            <a:schemeClr val="accent3"/>
+          </a:fillRef>
+          <a:effectRef idx="3">
+            <a:schemeClr val="accent3"/>
+          </a:effectRef>
+          <a:fontRef idx="minor">
+            <a:schemeClr val="lt1"/>
+          </a:fontRef>
+        </p:style>
+        <p:txBody>
+          <a:bodyPr lIns="91440" tIns="91440" rIns="34294" bIns="34294" rtlCol="0" anchor="b" anchorCtr="0"/>
+          <a:lstStyle/>
+          <a:p>
+            <a:pPr algn="ctr" defTabSz="932406"/>
+            <a:endParaRPr lang="en-US" sz="800" dirty="0">
+              <a:gradFill>
+                <a:gsLst>
+                  <a:gs pos="0">
+                    <a:srgbClr val="FFFFFF"/>
+                  </a:gs>
+                  <a:gs pos="100000">
+                    <a:srgbClr val="FFFFFF"/>
+                  </a:gs>
+                </a:gsLst>
+                <a:lin ang="5400000" scaled="0"/>
+              </a:gradFill>
+              <a:ea typeface="Segoe UI" pitchFamily="34" charset="0"/>
+              <a:cs typeface="Segoe UI" pitchFamily="34" charset="0"/>
+            </a:endParaRPr>
+          </a:p>
+        </p:txBody>
+      </p:sp>
+      <p:sp>
+        <p:nvSpPr>
+          <p:cNvPr id="16" name="Rectangle 15"/>
+          <p:cNvSpPr/>
+          <p:nvPr/>
+        </p:nvSpPr>
+        <p:spPr bwMode="auto">
+          <a:xfrm>
+            <a:off x="7034982" y="1590757"/>
+            <a:ext cx="5104660" cy="855657"/>
+          </a:xfrm>
+          <a:prstGeom prst="rect">
+            <a:avLst/>
+          </a:prstGeom>
+          <a:solidFill>
+            <a:schemeClr val="accent1"/>
+          </a:solidFill>
+          <a:ln>
+            <a:headEnd type="none" w="med" len="med"/>
+            <a:tailEnd type="none" w="med" len="med"/>
+          </a:ln>
+        </p:spPr>
+        <p:style>
+          <a:lnRef idx="0">
+            <a:schemeClr val="accent1"/>
+          </a:lnRef>
+          <a:fillRef idx="3">
+            <a:schemeClr val="accent1"/>
+          </a:fillRef>
+          <a:effectRef idx="3">
+            <a:schemeClr val="accent1"/>
+          </a:effectRef>
+          <a:fontRef idx="minor">
+            <a:schemeClr val="lt1"/>
+          </a:fontRef>
+        </p:style>
+        <p:txBody>
+          <a:bodyPr lIns="91440" tIns="91440" rIns="34294" bIns="34294" rtlCol="0" anchor="t" anchorCtr="0"/>
+          <a:lstStyle/>
+          <a:p>
+            <a:pPr algn="ctr" defTabSz="932406"/>
+            <a:r>
+              <a:rPr lang="en-US" sz="2000" dirty="0" smtClean="0">
+                <a:gradFill>
+                  <a:gsLst>
+                    <a:gs pos="0">
+                      <a:srgbClr val="FFFFFF"/>
+                    </a:gs>
+                    <a:gs pos="100000">
+                      <a:srgbClr val="FFFFFF"/>
+                    </a:gs>
+                  </a:gsLst>
+                  <a:lin ang="5400000" scaled="0"/>
+                </a:gradFill>
+                <a:ea typeface="Segoe UI" pitchFamily="34" charset="0"/>
+                <a:cs typeface="Segoe UI" pitchFamily="34" charset="0"/>
+              </a:rPr>
+              <a:t>Windows App</a:t>
+            </a:r>
+          </a:p>
+          <a:p>
+            <a:pPr algn="ctr" defTabSz="932406"/>
+            <a:r>
+              <a:rPr lang="en-US" sz="2000" dirty="0" smtClean="0">
+                <a:gradFill>
+                  <a:gsLst>
+                    <a:gs pos="0">
+                      <a:srgbClr val="FFFFFF"/>
+                    </a:gs>
+                    <a:gs pos="100000">
+                      <a:srgbClr val="FFFFFF"/>
+                    </a:gs>
+                  </a:gsLst>
+                  <a:lin ang="5400000" scaled="0"/>
+                </a:gradFill>
+                <a:ea typeface="Segoe UI" pitchFamily="34" charset="0"/>
+                <a:cs typeface="Segoe UI" pitchFamily="34" charset="0"/>
+              </a:rPr>
+              <a:t>(Calls to OpenGL ES)</a:t>
+            </a:r>
+            <a:endParaRPr lang="en-US" sz="2000" dirty="0">
+              <a:gradFill>
+                <a:gsLst>
+                  <a:gs pos="0">
+                    <a:srgbClr val="FFFFFF"/>
+                  </a:gs>
+                  <a:gs pos="100000">
+                    <a:srgbClr val="FFFFFF"/>
+                  </a:gs>
+                </a:gsLst>
+                <a:lin ang="5400000" scaled="0"/>
+              </a:gradFill>
+              <a:ea typeface="Segoe UI" pitchFamily="34" charset="0"/>
+              <a:cs typeface="Segoe UI" pitchFamily="34" charset="0"/>
+            </a:endParaRPr>
+          </a:p>
+        </p:txBody>
+      </p:sp>
+      <p:sp>
+        <p:nvSpPr>
+          <p:cNvPr id="17" name="Down Arrow 16"/>
+          <p:cNvSpPr/>
+          <p:nvPr/>
+        </p:nvSpPr>
+        <p:spPr bwMode="auto">
+          <a:xfrm>
+            <a:off x="9266608" y="2444750"/>
+            <a:ext cx="685800" cy="601883"/>
+          </a:xfrm>
+          <a:prstGeom prst="downArrow">
+            <a:avLst/>
+          </a:prstGeom>
+          <a:solidFill>
+            <a:schemeClr val="accent1"/>
+          </a:solidFill>
+          <a:ln>
+            <a:headEnd type="none" w="med" len="med"/>
+            <a:tailEnd type="none" w="med" len="med"/>
+          </a:ln>
+        </p:spPr>
+        <p:style>
+          <a:lnRef idx="0">
+            <a:schemeClr val="accent1"/>
+          </a:lnRef>
+          <a:fillRef idx="3">
+            <a:schemeClr val="accent1"/>
+          </a:fillRef>
+          <a:effectRef idx="3">
+            <a:schemeClr val="accent1"/>
+          </a:effectRef>
+          <a:fontRef idx="minor">
+            <a:schemeClr val="lt1"/>
+          </a:fontRef>
+        </p:style>
+        <p:txBody>
+          <a:bodyPr lIns="91440" tIns="91440" rIns="34294" bIns="34294" rtlCol="0" anchor="b" anchorCtr="0"/>
+          <a:lstStyle/>
+          <a:p>
+            <a:pPr algn="ctr" defTabSz="932406"/>
+            <a:endParaRPr lang="en-US" sz="800" dirty="0">
+              <a:gradFill>
+                <a:gsLst>
+                  <a:gs pos="0">
+                    <a:srgbClr val="FFFFFF"/>
+                  </a:gs>
+                  <a:gs pos="100000">
+                    <a:srgbClr val="FFFFFF"/>
+                  </a:gs>
+                </a:gsLst>
+                <a:lin ang="5400000" scaled="0"/>
+              </a:gradFill>
+              <a:ea typeface="Segoe UI" pitchFamily="34" charset="0"/>
+              <a:cs typeface="Segoe UI" pitchFamily="34" charset="0"/>
+            </a:endParaRPr>
+          </a:p>
+        </p:txBody>
+      </p:sp>
+    </p:spTree>
+    <p:extLst>
+      <p:ext uri="{BB962C8B-B14F-4D97-AF65-F5344CB8AC3E}">
+        <p14:creationId xmlns:p14="http://schemas.microsoft.com/office/powerpoint/2010/main" val="1864730450"/>
+      </p:ext>
+    </p:extLst>
+  </p:cSld>
+  <p:clrMapOvr>
+    <a:masterClrMapping/>
+  </p:clrMapOvr>
+  <p:transition>
+    <p:fade/>
+  </p:transition>
+  <p:timing>
+    <p:tnLst>
+      <p:par>
+        <p:cTn id="1" dur="indefinite" restart="never" nodeType="tmRoot"/>
+      </p:par>
+    </p:tnLst>
+  </p:timing>
+</p:sld>
+</file>
+
+<file path=ppt/slides/slide6.xml><?xml version="1.0" encoding="utf-8"?>
 <p:sld xmlns:a="http://schemas.openxmlformats.org/drawingml/2006/main" xmlns:r="http://schemas.openxmlformats.org/officeDocument/2006/relationships" xmlns:p="http://schemas.openxmlformats.org/presentationml/2006/main">
   <p:cSld>
     <p:spTree>
@@ -22264,7 +24548,7 @@
 </p:sld>
 </file>
 
-<file path=ppt/slides/slide5.xml><?xml version="1.0" encoding="utf-8"?>
+<file path=ppt/slides/slide7.xml><?xml version="1.0" encoding="utf-8"?>
 <p:sld xmlns:a="http://schemas.openxmlformats.org/drawingml/2006/main" xmlns:r="http://schemas.openxmlformats.org/officeDocument/2006/relationships" xmlns:p="http://schemas.openxmlformats.org/presentationml/2006/main">
   <p:cSld>
     <p:spTree>
@@ -23132,25 +25416,6 @@
                         </a:rPr>
                         <a:t>OpenGL ES 2.0</a:t>
                       </a:r>
-                      <a:endParaRPr lang="en-US" sz="1400" dirty="0" smtClean="0">
-                        <a:gradFill>
-                          <a:gsLst>
-                            <a:gs pos="66981">
-                              <a:schemeClr val="tx1">
-                                <a:lumMod val="75000"/>
-                                <a:lumOff val="25000"/>
-                              </a:schemeClr>
-                            </a:gs>
-                            <a:gs pos="0">
-                              <a:schemeClr val="tx1">
-                                <a:lumMod val="75000"/>
-                                <a:lumOff val="25000"/>
-                              </a:schemeClr>
-                            </a:gs>
-                          </a:gsLst>
-                          <a:lin ang="5400000" scaled="0"/>
-                        </a:gradFill>
-                      </a:endParaRPr>
                     </a:p>
                   </a:txBody>
                   <a:tcPr marT="0" marB="0" anchor="ctr">
@@ -23423,25 +25688,6 @@
                         </a:rPr>
                         <a:t>OpenGL ES 2.0 (WARP)</a:t>
                       </a:r>
-                      <a:endParaRPr lang="en-US" sz="1400" dirty="0" smtClean="0">
-                        <a:gradFill>
-                          <a:gsLst>
-                            <a:gs pos="66981">
-                              <a:schemeClr val="tx1">
-                                <a:lumMod val="75000"/>
-                                <a:lumOff val="25000"/>
-                              </a:schemeClr>
-                            </a:gs>
-                            <a:gs pos="0">
-                              <a:schemeClr val="tx1">
-                                <a:lumMod val="75000"/>
-                                <a:lumOff val="25000"/>
-                              </a:schemeClr>
-                            </a:gs>
-                          </a:gsLst>
-                          <a:lin ang="5400000" scaled="0"/>
-                        </a:gradFill>
-                      </a:endParaRPr>
                     </a:p>
                   </a:txBody>
                   <a:tcPr marT="0" marB="0" anchor="ctr">
@@ -24086,7 +26332,7 @@
 </p:sld>
 </file>
 
-<file path=ppt/slides/slide6.xml><?xml version="1.0" encoding="utf-8"?>
+<file path=ppt/slides/slide8.xml><?xml version="1.0" encoding="utf-8"?>
 <p:sld xmlns:a="http://schemas.openxmlformats.org/drawingml/2006/main" xmlns:r="http://schemas.openxmlformats.org/officeDocument/2006/relationships" xmlns:p="http://schemas.openxmlformats.org/presentationml/2006/main">
   <p:cSld>
     <p:spTree>
@@ -24315,7 +26561,7 @@
 </p:sld>
 </file>
 
-<file path=ppt/slides/slide7.xml><?xml version="1.0" encoding="utf-8"?>
+<file path=ppt/slides/slide9.xml><?xml version="1.0" encoding="utf-8"?>
 <p:sld xmlns:a="http://schemas.openxmlformats.org/drawingml/2006/main" xmlns:r="http://schemas.openxmlformats.org/officeDocument/2006/relationships" xmlns:p="http://schemas.openxmlformats.org/presentationml/2006/main">
   <p:cSld>
     <p:spTree>
@@ -24422,11 +26668,7 @@
           <a:p>
             <a:r>
               <a:rPr lang="en-US" dirty="0" smtClean="0"/>
-              <a:t>ANGLE</a:t>
-            </a:r>
-            <a:r>
-              <a:rPr lang="en-US" dirty="0" smtClean="0"/>
-              <a:t> </a:t>
+              <a:t>ANGLE </a:t>
             </a:r>
             <a:r>
               <a:rPr lang="en-US" dirty="0"/>
@@ -25071,21 +27313,6 @@
               </a:rPr>
               <a:t>1</a:t>
             </a:r>
-            <a:endParaRPr lang="en-US" sz="4000" dirty="0">
-              <a:gradFill>
-                <a:gsLst>
-                  <a:gs pos="0">
-                    <a:srgbClr val="FFFFFF"/>
-                  </a:gs>
-                  <a:gs pos="100000">
-                    <a:srgbClr val="FFFFFF"/>
-                  </a:gs>
-                </a:gsLst>
-                <a:lin ang="5400000" scaled="0"/>
-              </a:gradFill>
-              <a:ea typeface="Segoe UI" pitchFamily="34" charset="0"/>
-              <a:cs typeface="Segoe UI" pitchFamily="34" charset="0"/>
-            </a:endParaRPr>
           </a:p>
         </p:txBody>
       </p:sp>
@@ -25772,378 +27999,6 @@
       <p:transition/>
     </mc:Fallback>
   </mc:AlternateContent>
-</p:sld>
-</file>
-
-<file path=ppt/slides/slide8.xml><?xml version="1.0" encoding="utf-8"?>
-<p:sld xmlns:a="http://schemas.openxmlformats.org/drawingml/2006/main" xmlns:r="http://schemas.openxmlformats.org/officeDocument/2006/relationships" xmlns:p="http://schemas.openxmlformats.org/presentationml/2006/main">
-  <p:cSld>
-    <p:spTree>
-      <p:nvGrpSpPr>
-        <p:cNvPr id="1" name=""/>
-        <p:cNvGrpSpPr/>
-        <p:nvPr/>
-      </p:nvGrpSpPr>
-      <p:grpSpPr>
-        <a:xfrm>
-          <a:off x="0" y="0"/>
-          <a:ext cx="0" cy="0"/>
-          <a:chOff x="0" y="0"/>
-          <a:chExt cx="0" cy="0"/>
-        </a:xfrm>
-      </p:grpSpPr>
-      <p:sp>
-        <p:nvSpPr>
-          <p:cNvPr id="4" name="Title 3"/>
-          <p:cNvSpPr>
-            <a:spLocks noGrp="1"/>
-          </p:cNvSpPr>
-          <p:nvPr>
-            <p:ph type="title"/>
-          </p:nvPr>
-        </p:nvSpPr>
-        <p:spPr>
-          <a:xfrm>
-            <a:off x="274638" y="1287462"/>
-            <a:ext cx="11887200" cy="1903400"/>
-          </a:xfrm>
-        </p:spPr>
-        <p:txBody>
-          <a:bodyPr/>
-          <a:lstStyle/>
-          <a:p>
-            <a:r>
-              <a:rPr lang="en-US" sz="11500" dirty="0"/>
-              <a:t>Lab</a:t>
-            </a:r>
-          </a:p>
-        </p:txBody>
-      </p:sp>
-      <p:sp>
-        <p:nvSpPr>
-          <p:cNvPr id="7" name="Text Placeholder 6"/>
-          <p:cNvSpPr>
-            <a:spLocks noGrp="1"/>
-          </p:cNvSpPr>
-          <p:nvPr>
-            <p:ph type="body" sz="quarter" idx="4294967295"/>
-          </p:nvPr>
-        </p:nvSpPr>
-        <p:spPr>
-          <a:xfrm>
-            <a:off x="350836" y="3954463"/>
-            <a:ext cx="11277601" cy="1538883"/>
-          </a:xfrm>
-        </p:spPr>
-        <p:txBody>
-          <a:bodyPr/>
-          <a:lstStyle/>
-          <a:p>
-            <a:pPr marL="0" indent="0">
-              <a:buNone/>
-            </a:pPr>
-            <a:r>
-              <a:rPr lang="en-US" sz="4400" dirty="0"/>
-              <a:t>Share your photos and experiences!</a:t>
-            </a:r>
-          </a:p>
-          <a:p>
-            <a:pPr marL="0" indent="0">
-              <a:buNone/>
-            </a:pPr>
-            <a:r>
-              <a:rPr lang="en-US" sz="4400" dirty="0"/>
-              <a:t>#Build2016</a:t>
-            </a:r>
-          </a:p>
-        </p:txBody>
-      </p:sp>
-    </p:spTree>
-    <p:extLst>
-      <p:ext uri="{BB962C8B-B14F-4D97-AF65-F5344CB8AC3E}">
-        <p14:creationId xmlns:p14="http://schemas.microsoft.com/office/powerpoint/2010/main" val="3305032595"/>
-      </p:ext>
-    </p:extLst>
-  </p:cSld>
-  <p:clrMapOvr>
-    <a:masterClrMapping/>
-  </p:clrMapOvr>
-  <p:transition>
-    <p:fade/>
-  </p:transition>
-</p:sld>
-</file>
-
-<file path=ppt/slides/slide9.xml><?xml version="1.0" encoding="utf-8"?>
-<p:sld xmlns:a="http://schemas.openxmlformats.org/drawingml/2006/main" xmlns:r="http://schemas.openxmlformats.org/officeDocument/2006/relationships" xmlns:p="http://schemas.openxmlformats.org/presentationml/2006/main">
-  <p:cSld>
-    <p:spTree>
-      <p:nvGrpSpPr>
-        <p:cNvPr id="1" name=""/>
-        <p:cNvGrpSpPr/>
-        <p:nvPr/>
-      </p:nvGrpSpPr>
-      <p:grpSpPr>
-        <a:xfrm>
-          <a:off x="0" y="0"/>
-          <a:ext cx="0" cy="0"/>
-          <a:chOff x="0" y="0"/>
-          <a:chExt cx="0" cy="0"/>
-        </a:xfrm>
-      </p:grpSpPr>
-      <p:sp>
-        <p:nvSpPr>
-          <p:cNvPr id="5" name="Text Placeholder 4"/>
-          <p:cNvSpPr>
-            <a:spLocks noGrp="1"/>
-          </p:cNvSpPr>
-          <p:nvPr>
-            <p:ph type="body" sz="quarter" idx="10"/>
-          </p:nvPr>
-        </p:nvSpPr>
-        <p:spPr>
-          <a:xfrm>
-            <a:off x="274638" y="1212850"/>
-            <a:ext cx="11887200" cy="4838248"/>
-          </a:xfrm>
-        </p:spPr>
-        <p:txBody>
-          <a:bodyPr/>
-          <a:lstStyle/>
-          <a:p>
-            <a:pPr marL="0" indent="0">
-              <a:buNone/>
-            </a:pPr>
-            <a:endParaRPr lang="en-US" sz="2800" dirty="0" smtClean="0"/>
-          </a:p>
-          <a:p>
-            <a:pPr marL="0" indent="0">
-              <a:buNone/>
-            </a:pPr>
-            <a:r>
-              <a:rPr lang="en-US" sz="2800" dirty="0" smtClean="0"/>
-              <a:t>ANGLE: </a:t>
-            </a:r>
-            <a:r>
-              <a:rPr lang="en-US" sz="2800" dirty="0" smtClean="0">
-                <a:hlinkClick r:id="rId2"/>
-              </a:rPr>
-              <a:t>https</a:t>
-            </a:r>
-            <a:r>
-              <a:rPr lang="en-US" sz="2800" dirty="0">
-                <a:hlinkClick r:id="rId2"/>
-              </a:rPr>
-              <a:t>://github.com/MSOpenTech/angle</a:t>
-            </a:r>
-            <a:r>
-              <a:rPr lang="en-US" sz="2800" dirty="0"/>
-              <a:t> </a:t>
-            </a:r>
-            <a:endParaRPr lang="en-US" sz="2800" dirty="0" smtClean="0"/>
-          </a:p>
-          <a:p>
-            <a:pPr marL="0" indent="0">
-              <a:buNone/>
-            </a:pPr>
-            <a:endParaRPr lang="en-US" sz="2800" dirty="0" smtClean="0"/>
-          </a:p>
-          <a:p>
-            <a:pPr marL="0" indent="0">
-              <a:buNone/>
-            </a:pPr>
-            <a:r>
-              <a:rPr lang="en-US" sz="2800" dirty="0"/>
-              <a:t>Wiki: </a:t>
-            </a:r>
-            <a:r>
-              <a:rPr lang="en-US" sz="2800" dirty="0" smtClean="0"/>
-              <a:t>	</a:t>
-            </a:r>
-            <a:r>
-              <a:rPr lang="en-US" sz="2800" dirty="0" smtClean="0">
-                <a:hlinkClick r:id="rId3"/>
-              </a:rPr>
-              <a:t>https</a:t>
-            </a:r>
-            <a:r>
-              <a:rPr lang="en-US" sz="2800" dirty="0">
-                <a:hlinkClick r:id="rId3"/>
-              </a:rPr>
-              <a:t>://</a:t>
-            </a:r>
-            <a:r>
-              <a:rPr lang="en-US" sz="2800" dirty="0" smtClean="0">
-                <a:hlinkClick r:id="rId3"/>
-              </a:rPr>
-              <a:t>github.com/MSOpenTech/angle/wiki</a:t>
-            </a:r>
-            <a:endParaRPr lang="en-US" sz="2800" dirty="0" smtClean="0"/>
-          </a:p>
-          <a:p>
-            <a:pPr marL="0" indent="0">
-              <a:buNone/>
-            </a:pPr>
-            <a:endParaRPr lang="en-US" sz="2800" dirty="0"/>
-          </a:p>
-          <a:p>
-            <a:pPr marL="0" lvl="0" indent="0">
-              <a:buNone/>
-            </a:pPr>
-            <a:r>
-              <a:rPr lang="en-US" sz="2800" dirty="0"/>
-              <a:t>Lab: </a:t>
-            </a:r>
-            <a:r>
-              <a:rPr lang="en-US" sz="2800" dirty="0">
-                <a:hlinkClick r:id="rId4"/>
-              </a:rPr>
-              <a:t>https://</a:t>
-            </a:r>
-            <a:r>
-              <a:rPr lang="en-US" sz="2800" dirty="0" smtClean="0">
-                <a:hlinkClick r:id="rId4"/>
-              </a:rPr>
-              <a:t>github.com/Microsoft-Build-2016/CodeLabs-GameDev-3-ANGLE</a:t>
-            </a:r>
-            <a:endParaRPr lang="en-US" sz="2800" dirty="0" smtClean="0"/>
-          </a:p>
-          <a:p>
-            <a:pPr marL="0" lvl="0" indent="0">
-              <a:buNone/>
-            </a:pPr>
-            <a:endParaRPr lang="en-US" sz="2800" dirty="0"/>
-          </a:p>
-          <a:p>
-            <a:pPr marL="0" lvl="0" indent="0">
-              <a:buNone/>
-            </a:pPr>
-            <a:r>
-              <a:rPr lang="en-US" sz="2800" dirty="0"/>
-              <a:t>Breakout Tutorial</a:t>
-            </a:r>
-            <a:r>
-              <a:rPr lang="en-US" sz="2800" dirty="0" smtClean="0"/>
-              <a:t>: </a:t>
-            </a:r>
-            <a:r>
-              <a:rPr lang="en-US" sz="2800" dirty="0" smtClean="0">
-                <a:hlinkClick r:id="rId5"/>
-              </a:rPr>
-              <a:t>http</a:t>
-            </a:r>
-            <a:r>
-              <a:rPr lang="en-US" sz="2800" dirty="0">
-                <a:hlinkClick r:id="rId5"/>
-              </a:rPr>
-              <a:t>://learnopengl.com/#!</a:t>
-            </a:r>
-            <a:r>
-              <a:rPr lang="en-US" sz="2800" dirty="0" smtClean="0">
-                <a:hlinkClick r:id="rId5"/>
-              </a:rPr>
-              <a:t>In-Practice/2D-Game/Breakout</a:t>
-            </a:r>
-            <a:endParaRPr lang="en-US" sz="2800" dirty="0" smtClean="0"/>
-          </a:p>
-          <a:p>
-            <a:pPr marL="0" lvl="0" indent="0">
-              <a:buNone/>
-            </a:pPr>
-            <a:endParaRPr lang="en-US" sz="2800" dirty="0"/>
-          </a:p>
-          <a:p>
-            <a:pPr marL="0" lvl="0" indent="0">
-              <a:buNone/>
-            </a:pPr>
-            <a:r>
-              <a:rPr lang="en-US" sz="2800" dirty="0" err="1" smtClean="0"/>
-              <a:t>Khronos</a:t>
-            </a:r>
-            <a:r>
-              <a:rPr lang="en-US" sz="2800" dirty="0" smtClean="0"/>
-              <a:t>:</a:t>
-            </a:r>
-            <a:r>
-              <a:rPr lang="en-US" sz="2800" dirty="0"/>
-              <a:t> </a:t>
-            </a:r>
-            <a:r>
-              <a:rPr lang="en-US" sz="2800" dirty="0">
-                <a:hlinkClick r:id="rId6"/>
-              </a:rPr>
-              <a:t>OpenGL ES 2.0</a:t>
-            </a:r>
-            <a:r>
-              <a:rPr lang="en-US" sz="2800" dirty="0"/>
-              <a:t> and </a:t>
-            </a:r>
-            <a:r>
-              <a:rPr lang="en-US" sz="2800" dirty="0">
-                <a:hlinkClick r:id="rId7"/>
-              </a:rPr>
-              <a:t>EGL 1.4</a:t>
-            </a:r>
-            <a:r>
-              <a:rPr lang="en-US" sz="2800" dirty="0"/>
-              <a:t> APIs</a:t>
-            </a:r>
-            <a:endParaRPr lang="en-US" sz="2800" dirty="0"/>
-          </a:p>
-        </p:txBody>
-      </p:sp>
-      <p:sp>
-        <p:nvSpPr>
-          <p:cNvPr id="2" name="Title 1"/>
-          <p:cNvSpPr>
-            <a:spLocks noGrp="1"/>
-          </p:cNvSpPr>
-          <p:nvPr>
-            <p:ph type="title"/>
-          </p:nvPr>
-        </p:nvSpPr>
-        <p:spPr/>
-        <p:txBody>
-          <a:bodyPr/>
-          <a:lstStyle/>
-          <a:p>
-            <a:r>
-              <a:rPr lang="en-US" dirty="0" smtClean="0"/>
-              <a:t>For more information:</a:t>
-            </a:r>
-            <a:endParaRPr lang="en-US" dirty="0"/>
-          </a:p>
-        </p:txBody>
-      </p:sp>
-    </p:spTree>
-    <p:extLst>
-      <p:ext uri="{BB962C8B-B14F-4D97-AF65-F5344CB8AC3E}">
-        <p14:creationId xmlns:p14="http://schemas.microsoft.com/office/powerpoint/2010/main" val="4129826664"/>
-      </p:ext>
-    </p:extLst>
-  </p:cSld>
-  <p:clrMapOvr>
-    <a:masterClrMapping/>
-  </p:clrMapOvr>
-  <mc:AlternateContent xmlns:mc="http://schemas.openxmlformats.org/markup-compatibility/2006" xmlns:p14="http://schemas.microsoft.com/office/powerpoint/2010/main">
-    <mc:Choice Requires="p14">
-      <p:transition spd="med" p14:dur="700">
-        <p:fade/>
-      </p:transition>
-    </mc:Choice>
-    <mc:Fallback xmlns="">
-      <p:transition spd="med">
-        <p:fade/>
-      </p:transition>
-    </mc:Fallback>
-  </mc:AlternateContent>
-  <p:timing>
-    <p:tnLst>
-      <p:par>
-        <p:cTn id="1" dur="indefinite" restart="never" nodeType="tmRoot"/>
-      </p:par>
-    </p:tnLst>
-  </p:timing>
 </p:sld>
 </file>
 
@@ -27318,12 +29173,9 @@
 </file>
 
 <file path=customXml/item1.xml><?xml version="1.0" encoding="utf-8"?>
-<?mso-contentType ?>
-<FormTemplates xmlns="http://schemas.microsoft.com/sharepoint/v3/contenttype/forms">
-  <Display>DocumentLibraryForm</Display>
-  <Edit>DocumentLibraryForm</Edit>
-  <New>DocumentLibraryForm</New>
-</FormTemplates>
+<p:properties xmlns:p="http://schemas.microsoft.com/office/2006/metadata/properties" xmlns:xsi="http://www.w3.org/2001/XMLSchema-instance" xmlns:pc="http://schemas.microsoft.com/office/infopath/2007/PartnerControls">
+  <documentManagement/>
+</p:properties>
 </file>
 
 <file path=customXml/item2.xml><?xml version="1.0" encoding="utf-8"?>
@@ -27475,15 +29327,26 @@
 </file>
 
 <file path=customXml/item3.xml><?xml version="1.0" encoding="utf-8"?>
-<p:properties xmlns:p="http://schemas.microsoft.com/office/2006/metadata/properties" xmlns:xsi="http://www.w3.org/2001/XMLSchema-instance" xmlns:pc="http://schemas.microsoft.com/office/infopath/2007/PartnerControls">
-  <documentManagement/>
-</p:properties>
+<?mso-contentType ?>
+<FormTemplates xmlns="http://schemas.microsoft.com/sharepoint/v3/contenttype/forms">
+  <Display>DocumentLibraryForm</Display>
+  <Edit>DocumentLibraryForm</Edit>
+  <New>DocumentLibraryForm</New>
+</FormTemplates>
 </file>
 
 <file path=customXml/itemProps1.xml><?xml version="1.0" encoding="utf-8"?>
-<ds:datastoreItem xmlns:ds="http://schemas.openxmlformats.org/officeDocument/2006/customXml" ds:itemID="{758FDAC0-319D-4A54-8D8E-1D42CB1F8004}">
+<ds:datastoreItem xmlns:ds="http://schemas.openxmlformats.org/officeDocument/2006/customXml" ds:itemID="{F990F116-B58F-4255-B05B-DA3808E0E5C6}">
   <ds:schemaRefs>
-    <ds:schemaRef ds:uri="http://schemas.microsoft.com/sharepoint/v3/contenttype/forms"/>
+    <ds:schemaRef ds:uri="http://purl.org/dc/terms/"/>
+    <ds:schemaRef ds:uri="http://schemas.openxmlformats.org/package/2006/metadata/core-properties"/>
+    <ds:schemaRef ds:uri="http://schemas.microsoft.com/office/2006/documentManagement/types"/>
+    <ds:schemaRef ds:uri="http://schemas.microsoft.com/office/infopath/2007/PartnerControls"/>
+    <ds:schemaRef ds:uri="http://purl.org/dc/elements/1.1/"/>
+    <ds:schemaRef ds:uri="http://schemas.microsoft.com/office/2006/metadata/properties"/>
+    <ds:schemaRef ds:uri="f85c541c-390e-4fa8-b262-5da5c5cfad75"/>
+    <ds:schemaRef ds:uri="http://www.w3.org/XML/1998/namespace"/>
+    <ds:schemaRef ds:uri="http://purl.org/dc/dcmitype/"/>
   </ds:schemaRefs>
 </ds:datastoreItem>
 </file>
@@ -27507,17 +29370,9 @@
 </file>
 
 <file path=customXml/itemProps3.xml><?xml version="1.0" encoding="utf-8"?>
-<ds:datastoreItem xmlns:ds="http://schemas.openxmlformats.org/officeDocument/2006/customXml" ds:itemID="{F990F116-B58F-4255-B05B-DA3808E0E5C6}">
+<ds:datastoreItem xmlns:ds="http://schemas.openxmlformats.org/officeDocument/2006/customXml" ds:itemID="{758FDAC0-319D-4A54-8D8E-1D42CB1F8004}">
   <ds:schemaRefs>
-    <ds:schemaRef ds:uri="http://schemas.microsoft.com/office/2006/documentManagement/types"/>
-    <ds:schemaRef ds:uri="http://schemas.microsoft.com/office/infopath/2007/PartnerControls"/>
-    <ds:schemaRef ds:uri="http://purl.org/dc/elements/1.1/"/>
-    <ds:schemaRef ds:uri="http://schemas.microsoft.com/office/2006/metadata/properties"/>
-    <ds:schemaRef ds:uri="f85c541c-390e-4fa8-b262-5da5c5cfad75"/>
-    <ds:schemaRef ds:uri="http://purl.org/dc/terms/"/>
-    <ds:schemaRef ds:uri="http://schemas.openxmlformats.org/package/2006/metadata/core-properties"/>
-    <ds:schemaRef ds:uri="http://www.w3.org/XML/1998/namespace"/>
-    <ds:schemaRef ds:uri="http://purl.org/dc/dcmitype/"/>
+    <ds:schemaRef ds:uri="http://schemas.microsoft.com/sharepoint/v3/contenttype/forms"/>
   </ds:schemaRefs>
 </ds:datastoreItem>
 </file>
--- a/Presentation.pptx
+++ b/Presentation.pptx
@@ -6,10 +6,10 @@
     <p:sldMasterId id="2147484310" r:id="rId5"/>
   </p:sldMasterIdLst>
   <p:notesMasterIdLst>
-    <p:notesMasterId r:id="rId21"/>
+    <p:notesMasterId r:id="rId22"/>
   </p:notesMasterIdLst>
   <p:handoutMasterIdLst>
-    <p:handoutMasterId r:id="rId22"/>
+    <p:handoutMasterId r:id="rId23"/>
   </p:handoutMasterIdLst>
   <p:sldIdLst>
     <p:sldId id="1444" r:id="rId6"/>
@@ -23,10 +23,11 @@
     <p:sldId id="1459" r:id="rId14"/>
     <p:sldId id="1460" r:id="rId15"/>
     <p:sldId id="1462" r:id="rId16"/>
-    <p:sldId id="1465" r:id="rId17"/>
-    <p:sldId id="1463" r:id="rId18"/>
-    <p:sldId id="1464" r:id="rId19"/>
-    <p:sldId id="1466" r:id="rId20"/>
+    <p:sldId id="1469" r:id="rId17"/>
+    <p:sldId id="1465" r:id="rId18"/>
+    <p:sldId id="1463" r:id="rId19"/>
+    <p:sldId id="1464" r:id="rId20"/>
+    <p:sldId id="1466" r:id="rId21"/>
   </p:sldIdLst>
   <p:sldSz cx="12436475" cy="6994525"/>
   <p:notesSz cx="6858000" cy="9144000"/>
@@ -260,7 +261,7 @@
               <a:rPr lang="en-US" smtClean="0">
                 <a:latin typeface="Segoe UI" pitchFamily="34" charset="0"/>
               </a:rPr>
-              <a:t>3/21/2016 10:15 AM</a:t>
+              <a:t>3/23/2016 8:30 AM</a:t>
             </a:fld>
             <a:endParaRPr lang="en-US" dirty="0">
               <a:latin typeface="Segoe UI" pitchFamily="34" charset="0"/>
@@ -558,7 +559,7 @@
           <a:p>
             <a:fld id="{38EEC551-8CDA-4EB6-89BB-2A86C9F091C8}" type="datetime8">
               <a:rPr lang="en-US" smtClean="0"/>
-              <a:t>3/21/2016 10:15 AM</a:t>
+              <a:t>3/23/2016 8:30 AM</a:t>
             </a:fld>
             <a:endParaRPr lang="en-US" dirty="0"/>
           </a:p>
@@ -946,7 +947,7 @@
           <a:p>
             <a:fld id="{38EEC551-8CDA-4EB6-89BB-2A86C9F091C8}" type="datetime8">
               <a:rPr lang="en-US" smtClean="0"/>
-              <a:t>3/21/2016 10:15 AM</a:t>
+              <a:t>3/23/2016 8:30 AM</a:t>
             </a:fld>
             <a:endParaRPr lang="en-US" dirty="0"/>
           </a:p>
@@ -1156,7 +1157,7 @@
           <a:p>
             <a:fld id="{E74353ED-ACB2-44BF-A903-985B0AF962B7}" type="datetime1">
               <a:rPr lang="en-US" smtClean="0"/>
-              <a:t>3/21/2016</a:t>
+              <a:t>3/23/2016</a:t>
             </a:fld>
             <a:endParaRPr lang="en-US" dirty="0"/>
           </a:p>
@@ -1180,7 +1181,7 @@
             <a:fld id="{B4008EB6-D09E-4580-8CD6-DDB14511944F}" type="slidenum">
               <a:rPr lang="en-US" smtClean="0"/>
               <a:pPr/>
-              <a:t>14</a:t>
+              <a:t>15</a:t>
             </a:fld>
             <a:endParaRPr lang="en-US" dirty="0"/>
           </a:p>
@@ -1340,7 +1341,7 @@
           <a:p>
             <a:fld id="{38EEC551-8CDA-4EB6-89BB-2A86C9F091C8}" type="datetime8">
               <a:rPr lang="en-US" smtClean="0"/>
-              <a:t>3/21/2016 10:15 AM</a:t>
+              <a:t>3/23/2016 8:30 AM</a:t>
             </a:fld>
             <a:endParaRPr lang="en-US" dirty="0"/>
           </a:p>
@@ -1364,7 +1365,7 @@
             <a:fld id="{B4008EB6-D09E-4580-8CD6-DDB14511944F}" type="slidenum">
               <a:rPr lang="en-US" smtClean="0"/>
               <a:pPr/>
-              <a:t>15</a:t>
+              <a:t>16</a:t>
             </a:fld>
             <a:endParaRPr lang="en-US" dirty="0"/>
           </a:p>
@@ -1546,7 +1547,7 @@
                 </a:solidFill>
               </a:rPr>
               <a:pPr/>
-              <a:t>3/21/2016 10:24 AM</a:t>
+              <a:t>3/23/2016 8:30 AM</a:t>
             </a:fld>
             <a:endParaRPr lang="en-US" dirty="0">
               <a:solidFill>
@@ -1723,7 +1724,7 @@
           <a:p>
             <a:fld id="{90EC29EE-A8AD-4CE0-9C0B-116E0D4D7533}" type="datetime8">
               <a:rPr lang="en-US" smtClean="0"/>
-              <a:t>3/21/2016 10:23 AM</a:t>
+              <a:t>3/23/2016 8:30 AM</a:t>
             </a:fld>
             <a:endParaRPr lang="en-US" dirty="0"/>
           </a:p>
@@ -1921,7 +1922,7 @@
                 </a:solidFill>
               </a:rPr>
               <a:pPr/>
-              <a:t>3/21/2016 10:16 AM</a:t>
+              <a:t>3/23/2016 8:30 AM</a:t>
             </a:fld>
             <a:endParaRPr lang="en-US" dirty="0">
               <a:solidFill>
@@ -2271,7 +2272,7 @@
           <a:p>
             <a:fld id="{90EC29EE-A8AD-4CE0-9C0B-116E0D4D7533}" type="datetime8">
               <a:rPr lang="en-US" smtClean="0"/>
-              <a:t>3/21/2016 10:15 AM</a:t>
+              <a:t>3/23/2016 8:30 AM</a:t>
             </a:fld>
             <a:endParaRPr lang="en-US" dirty="0"/>
           </a:p>
@@ -2625,7 +2626,7 @@
           <a:p>
             <a:fld id="{38EEC551-8CDA-4EB6-89BB-2A86C9F091C8}" type="datetime8">
               <a:rPr lang="en-US" smtClean="0"/>
-              <a:t>3/21/2016 10:15 AM</a:t>
+              <a:t>3/23/2016 8:30 AM</a:t>
             </a:fld>
             <a:endParaRPr lang="en-US" dirty="0"/>
           </a:p>
@@ -2782,7 +2783,7 @@
           <a:p>
             <a:fld id="{E74353ED-ACB2-44BF-A903-985B0AF962B7}" type="datetime1">
               <a:rPr lang="en-US" smtClean="0"/>
-              <a:t>3/21/2016</a:t>
+              <a:t>3/23/2016</a:t>
             </a:fld>
             <a:endParaRPr lang="en-US" dirty="0"/>
           </a:p>
@@ -2806,7 +2807,7 @@
             <a:fld id="{B4008EB6-D09E-4580-8CD6-DDB14511944F}" type="slidenum">
               <a:rPr lang="en-US" smtClean="0"/>
               <a:pPr/>
-              <a:t>13</a:t>
+              <a:t>14</a:t>
             </a:fld>
             <a:endParaRPr lang="en-US" dirty="0"/>
           </a:p>
@@ -18911,6 +18912,130 @@
       </p:grpSpPr>
       <p:sp>
         <p:nvSpPr>
+          <p:cNvPr id="5" name="Title 4"/>
+          <p:cNvSpPr>
+            <a:spLocks noGrp="1"/>
+          </p:cNvSpPr>
+          <p:nvPr>
+            <p:ph type="title"/>
+          </p:nvPr>
+        </p:nvSpPr>
+        <p:spPr/>
+        <p:txBody>
+          <a:bodyPr/>
+          <a:lstStyle/>
+          <a:p>
+            <a:r>
+              <a:rPr lang="en-US" dirty="0" smtClean="0"/>
+              <a:t>Related session</a:t>
+            </a:r>
+            <a:endParaRPr lang="en-US" dirty="0"/>
+          </a:p>
+        </p:txBody>
+      </p:sp>
+      <p:sp>
+        <p:nvSpPr>
+          <p:cNvPr id="6" name="Text Placeholder 5"/>
+          <p:cNvSpPr>
+            <a:spLocks noGrp="1"/>
+          </p:cNvSpPr>
+          <p:nvPr>
+            <p:ph type="body" sz="quarter" idx="10"/>
+          </p:nvPr>
+        </p:nvSpPr>
+        <p:spPr>
+          <a:xfrm>
+            <a:off x="277003" y="1897062"/>
+            <a:ext cx="11887200" cy="1754326"/>
+          </a:xfrm>
+        </p:spPr>
+        <p:txBody>
+          <a:bodyPr anchor="ctr" anchorCtr="0"/>
+          <a:lstStyle/>
+          <a:p>
+            <a:r>
+              <a:rPr lang="en-US" dirty="0" smtClean="0"/>
+              <a:t>The Future of Game Development on Windows</a:t>
+            </a:r>
+          </a:p>
+          <a:p>
+            <a:pPr lvl="1"/>
+            <a:r>
+              <a:rPr lang="en-US" b="1" dirty="0" smtClean="0"/>
+              <a:t>Date:</a:t>
+            </a:r>
+            <a:r>
+              <a:rPr lang="en-US" dirty="0" smtClean="0"/>
+              <a:t> 	Wednesday, March 30</a:t>
+            </a:r>
+          </a:p>
+          <a:p>
+            <a:pPr lvl="1"/>
+            <a:r>
+              <a:rPr lang="en-US" b="1" dirty="0" smtClean="0"/>
+              <a:t>Time:</a:t>
+            </a:r>
+            <a:r>
+              <a:rPr lang="en-US" dirty="0" smtClean="0"/>
+              <a:t> 	5:00pm – 6:00pm</a:t>
+            </a:r>
+          </a:p>
+          <a:p>
+            <a:pPr lvl="1"/>
+            <a:r>
+              <a:rPr lang="en-US" b="1" dirty="0" smtClean="0"/>
+              <a:t>Room: 	</a:t>
+            </a:r>
+            <a:r>
+              <a:rPr lang="en-US" dirty="0" smtClean="0"/>
+              <a:t>Marriott 6</a:t>
+            </a:r>
+            <a:endParaRPr lang="en-US" dirty="0"/>
+          </a:p>
+        </p:txBody>
+      </p:sp>
+    </p:spTree>
+    <p:extLst>
+      <p:ext uri="{BB962C8B-B14F-4D97-AF65-F5344CB8AC3E}">
+        <p14:creationId xmlns:p14="http://schemas.microsoft.com/office/powerpoint/2010/main" val="3456915216"/>
+      </p:ext>
+    </p:extLst>
+  </p:cSld>
+  <p:clrMapOvr>
+    <a:masterClrMapping/>
+  </p:clrMapOvr>
+  <p:transition>
+    <p:fade/>
+  </p:transition>
+  <p:timing>
+    <p:tnLst>
+      <p:par>
+        <p:cTn id="1" dur="indefinite" restart="never" nodeType="tmRoot"/>
+      </p:par>
+    </p:tnLst>
+  </p:timing>
+</p:sld>
+</file>
+
+<file path=ppt/slides/slide13.xml><?xml version="1.0" encoding="utf-8"?>
+<p:sld xmlns:a="http://schemas.openxmlformats.org/drawingml/2006/main" xmlns:r="http://schemas.openxmlformats.org/officeDocument/2006/relationships" xmlns:p="http://schemas.openxmlformats.org/presentationml/2006/main">
+  <p:cSld>
+    <p:spTree>
+      <p:nvGrpSpPr>
+        <p:cNvPr id="1" name=""/>
+        <p:cNvGrpSpPr/>
+        <p:nvPr/>
+      </p:nvGrpSpPr>
+      <p:grpSpPr>
+        <a:xfrm>
+          <a:off x="0" y="0"/>
+          <a:ext cx="0" cy="0"/>
+          <a:chOff x="0" y="0"/>
+          <a:chExt cx="0" cy="0"/>
+        </a:xfrm>
+      </p:grpSpPr>
+      <p:sp>
+        <p:nvSpPr>
           <p:cNvPr id="5" name="Text Placeholder 4"/>
           <p:cNvSpPr>
             <a:spLocks noGrp="1"/>
@@ -18922,7 +19047,7 @@
         <p:spPr>
           <a:xfrm>
             <a:off x="274638" y="1212850"/>
-            <a:ext cx="11887200" cy="3693319"/>
+            <a:ext cx="11887200" cy="2899255"/>
           </a:xfrm>
         </p:spPr>
         <p:txBody>
@@ -19033,43 +19158,6 @@
               <a:buNone/>
             </a:pPr>
             <a:endParaRPr lang="en-US" dirty="0">
-              <a:latin typeface="+mj-lt"/>
-            </a:endParaRPr>
-          </a:p>
-          <a:p>
-            <a:pPr marL="241300" lvl="1" indent="0">
-              <a:buNone/>
-            </a:pPr>
-            <a:r>
-              <a:rPr lang="en-US" dirty="0">
-                <a:latin typeface="+mj-lt"/>
-              </a:rPr>
-              <a:t>The Future of Game Development on </a:t>
-            </a:r>
-            <a:r>
-              <a:rPr lang="en-US" dirty="0" smtClean="0">
-                <a:latin typeface="+mj-lt"/>
-              </a:rPr>
-              <a:t>Windows ROOM</a:t>
-            </a:r>
-            <a:r>
-              <a:rPr lang="en-US" dirty="0">
-                <a:latin typeface="+mj-lt"/>
-              </a:rPr>
-              <a:t>: Marriott 6</a:t>
-            </a:r>
-            <a:r>
-              <a:rPr lang="en-US" sz="2800" dirty="0">
-                <a:latin typeface="+mj-lt"/>
-              </a:rPr>
-              <a:t/>
-            </a:r>
-            <a:br>
-              <a:rPr lang="en-US" sz="2800" dirty="0">
-                <a:latin typeface="+mj-lt"/>
-              </a:rPr>
-            </a:br>
-            <a:endParaRPr lang="en-US" sz="2800" dirty="0">
               <a:latin typeface="+mj-lt"/>
             </a:endParaRPr>
           </a:p>
@@ -19138,7 +19226,7 @@
 </p:sld>
 </file>
 
-<file path=ppt/slides/slide13.xml><?xml version="1.0" encoding="utf-8"?>
+<file path=ppt/slides/slide14.xml><?xml version="1.0" encoding="utf-8"?>
 <p:sld xmlns:a="http://schemas.openxmlformats.org/drawingml/2006/main" xmlns:r="http://schemas.openxmlformats.org/officeDocument/2006/relationships" xmlns:p="http://schemas.openxmlformats.org/presentationml/2006/main">
   <p:cSld>
     <p:spTree>
@@ -19741,7 +19829,7 @@
 </p:sld>
 </file>
 
-<file path=ppt/slides/slide14.xml><?xml version="1.0" encoding="utf-8"?>
+<file path=ppt/slides/slide15.xml><?xml version="1.0" encoding="utf-8"?>
 <p:sld xmlns:a="http://schemas.openxmlformats.org/drawingml/2006/main" xmlns:r="http://schemas.openxmlformats.org/officeDocument/2006/relationships" xmlns:p="http://schemas.openxmlformats.org/presentationml/2006/main">
   <p:cSld>
     <p:spTree>
@@ -20100,7 +20188,7 @@
 </p:sld>
 </file>
 
-<file path=ppt/slides/slide15.xml><?xml version="1.0" encoding="utf-8"?>
+<file path=ppt/slides/slide16.xml><?xml version="1.0" encoding="utf-8"?>
 <p:sld xmlns:a="http://schemas.openxmlformats.org/drawingml/2006/main" xmlns:r="http://schemas.openxmlformats.org/officeDocument/2006/relationships" xmlns:p="http://schemas.openxmlformats.org/presentationml/2006/main">
   <p:cSld>
     <p:spTree>
@@ -20510,32 +20598,7 @@
                 <a:ea typeface="Segoe UI" pitchFamily="34" charset="0"/>
                 <a:cs typeface="Segoe UI" pitchFamily="34" charset="0"/>
               </a:rPr>
-              <a:t>66+ </a:t>
-            </a:r>
-            <a:r>
-              <a:rPr lang="en-US" dirty="0" smtClean="0">
-                <a:gradFill>
-                  <a:gsLst>
-                    <a:gs pos="0">
-                      <a:srgbClr val="FFFFFF"/>
-                    </a:gs>
-                    <a:gs pos="100000">
-                      <a:srgbClr val="FFFFFF"/>
-                    </a:gs>
-                  </a:gsLst>
-                  <a:lin ang="5400000" scaled="0"/>
-                </a:gradFill>
-                <a:effectLst>
-                  <a:outerShdw blurRad="38100" dist="38100" dir="2700000" algn="tl">
-                    <a:srgbClr val="000000">
-                      <a:alpha val="43137"/>
-                    </a:srgbClr>
-                  </a:outerShdw>
-                </a:effectLst>
-                <a:ea typeface="Segoe UI" pitchFamily="34" charset="0"/>
-                <a:cs typeface="Segoe UI" pitchFamily="34" charset="0"/>
-              </a:rPr>
-              <a:t>Individuals</a:t>
+              <a:t>66+ Individuals</a:t>
             </a:r>
             <a:endParaRPr lang="en-US" dirty="0">
               <a:gradFill>
@@ -29173,12 +29236,6 @@
 </file>
 
 <file path=customXml/item1.xml><?xml version="1.0" encoding="utf-8"?>
-<p:properties xmlns:p="http://schemas.microsoft.com/office/2006/metadata/properties" xmlns:xsi="http://www.w3.org/2001/XMLSchema-instance" xmlns:pc="http://schemas.microsoft.com/office/infopath/2007/PartnerControls">
-  <documentManagement/>
-</p:properties>
-</file>
-
-<file path=customXml/item2.xml><?xml version="1.0" encoding="utf-8"?>
 <ct:contentTypeSchema xmlns:ct="http://schemas.microsoft.com/office/2006/metadata/contentType" xmlns:ma="http://schemas.microsoft.com/office/2006/metadata/properties/metaAttributes" ct:_="" ma:_="" ma:contentTypeName="Document" ma:contentTypeID="0x010100F50271A20F7B3C41B827A8F04D548019" ma:contentTypeVersion="2" ma:contentTypeDescription="Create a new document." ma:contentTypeScope="" ma:versionID="0f5b4adeca3fa452dfd663ff4e0777e3">
   <xsd:schema xmlns:xsd="http://www.w3.org/2001/XMLSchema" xmlns:xs="http://www.w3.org/2001/XMLSchema" xmlns:p="http://schemas.microsoft.com/office/2006/metadata/properties" xmlns:ns2="f85c541c-390e-4fa8-b262-5da5c5cfad75" targetNamespace="http://schemas.microsoft.com/office/2006/metadata/properties" ma:root="true" ma:fieldsID="592d4a22e1cc7090506e0998bb31d05e" ns2:_="">
     <xsd:import namespace="f85c541c-390e-4fa8-b262-5da5c5cfad75"/>
@@ -29326,6 +29383,12 @@
 </ct:contentTypeSchema>
 </file>
 
+<file path=customXml/item2.xml><?xml version="1.0" encoding="utf-8"?>
+<p:properties xmlns:p="http://schemas.microsoft.com/office/2006/metadata/properties" xmlns:xsi="http://www.w3.org/2001/XMLSchema-instance" xmlns:pc="http://schemas.microsoft.com/office/infopath/2007/PartnerControls">
+  <documentManagement/>
+</p:properties>
+</file>
+
 <file path=customXml/item3.xml><?xml version="1.0" encoding="utf-8"?>
 <?mso-contentType ?>
 <FormTemplates xmlns="http://schemas.microsoft.com/sharepoint/v3/contenttype/forms">
@@ -29336,22 +29399,6 @@
 </file>
 
 <file path=customXml/itemProps1.xml><?xml version="1.0" encoding="utf-8"?>
-<ds:datastoreItem xmlns:ds="http://schemas.openxmlformats.org/officeDocument/2006/customXml" ds:itemID="{F990F116-B58F-4255-B05B-DA3808E0E5C6}">
-  <ds:schemaRefs>
-    <ds:schemaRef ds:uri="http://purl.org/dc/terms/"/>
-    <ds:schemaRef ds:uri="http://schemas.openxmlformats.org/package/2006/metadata/core-properties"/>
-    <ds:schemaRef ds:uri="http://schemas.microsoft.com/office/2006/documentManagement/types"/>
-    <ds:schemaRef ds:uri="http://schemas.microsoft.com/office/infopath/2007/PartnerControls"/>
-    <ds:schemaRef ds:uri="http://purl.org/dc/elements/1.1/"/>
-    <ds:schemaRef ds:uri="http://schemas.microsoft.com/office/2006/metadata/properties"/>
-    <ds:schemaRef ds:uri="f85c541c-390e-4fa8-b262-5da5c5cfad75"/>
-    <ds:schemaRef ds:uri="http://www.w3.org/XML/1998/namespace"/>
-    <ds:schemaRef ds:uri="http://purl.org/dc/dcmitype/"/>
-  </ds:schemaRefs>
-</ds:datastoreItem>
-</file>
-
-<file path=customXml/itemProps2.xml><?xml version="1.0" encoding="utf-8"?>
 <ds:datastoreItem xmlns:ds="http://schemas.openxmlformats.org/officeDocument/2006/customXml" ds:itemID="{16C79B61-263D-4889-954E-B7F93FBE6617}">
   <ds:schemaRefs>
     <ds:schemaRef ds:uri="http://schemas.microsoft.com/office/2006/metadata/contentType"/>
@@ -29369,6 +29416,22 @@
 </ds:datastoreItem>
 </file>
 
+<file path=customXml/itemProps2.xml><?xml version="1.0" encoding="utf-8"?>
+<ds:datastoreItem xmlns:ds="http://schemas.openxmlformats.org/officeDocument/2006/customXml" ds:itemID="{F990F116-B58F-4255-B05B-DA3808E0E5C6}">
+  <ds:schemaRefs>
+    <ds:schemaRef ds:uri="http://purl.org/dc/terms/"/>
+    <ds:schemaRef ds:uri="http://schemas.openxmlformats.org/package/2006/metadata/core-properties"/>
+    <ds:schemaRef ds:uri="http://schemas.microsoft.com/office/2006/documentManagement/types"/>
+    <ds:schemaRef ds:uri="http://schemas.microsoft.com/office/infopath/2007/PartnerControls"/>
+    <ds:schemaRef ds:uri="http://purl.org/dc/elements/1.1/"/>
+    <ds:schemaRef ds:uri="http://schemas.microsoft.com/office/2006/metadata/properties"/>
+    <ds:schemaRef ds:uri="f85c541c-390e-4fa8-b262-5da5c5cfad75"/>
+    <ds:schemaRef ds:uri="http://www.w3.org/XML/1998/namespace"/>
+    <ds:schemaRef ds:uri="http://purl.org/dc/dcmitype/"/>
+  </ds:schemaRefs>
+</ds:datastoreItem>
+</file>
+
 <file path=customXml/itemProps3.xml><?xml version="1.0" encoding="utf-8"?>
 <ds:datastoreItem xmlns:ds="http://schemas.openxmlformats.org/officeDocument/2006/customXml" ds:itemID="{758FDAC0-319D-4A54-8D8E-1D42CB1F8004}">
   <ds:schemaRefs>

--- a/Presentation.pptx
+++ b/Presentation.pptx
@@ -261,7 +261,7 @@
               <a:rPr lang="en-US" smtClean="0">
                 <a:latin typeface="Segoe UI" pitchFamily="34" charset="0"/>
               </a:rPr>
-              <a:t>3/23/2016 8:30 AM</a:t>
+              <a:t>3/23/2016 12:01 PM</a:t>
             </a:fld>
             <a:endParaRPr lang="en-US" dirty="0">
               <a:latin typeface="Segoe UI" pitchFamily="34" charset="0"/>
@@ -559,7 +559,7 @@
           <a:p>
             <a:fld id="{38EEC551-8CDA-4EB6-89BB-2A86C9F091C8}" type="datetime8">
               <a:rPr lang="en-US" smtClean="0"/>
-              <a:t>3/23/2016 8:30 AM</a:t>
+              <a:t>3/23/2016 12:01 PM</a:t>
             </a:fld>
             <a:endParaRPr lang="en-US" dirty="0"/>
           </a:p>
@@ -947,7 +947,7 @@
           <a:p>
             <a:fld id="{38EEC551-8CDA-4EB6-89BB-2A86C9F091C8}" type="datetime8">
               <a:rPr lang="en-US" smtClean="0"/>
-              <a:t>3/23/2016 8:30 AM</a:t>
+              <a:t>3/23/2016 12:01 PM</a:t>
             </a:fld>
             <a:endParaRPr lang="en-US" dirty="0"/>
           </a:p>
@@ -1341,7 +1341,7 @@
           <a:p>
             <a:fld id="{38EEC551-8CDA-4EB6-89BB-2A86C9F091C8}" type="datetime8">
               <a:rPr lang="en-US" smtClean="0"/>
-              <a:t>3/23/2016 8:30 AM</a:t>
+              <a:t>3/23/2016 12:01 PM</a:t>
             </a:fld>
             <a:endParaRPr lang="en-US" dirty="0"/>
           </a:p>
@@ -1547,7 +1547,7 @@
                 </a:solidFill>
               </a:rPr>
               <a:pPr/>
-              <a:t>3/23/2016 8:30 AM</a:t>
+              <a:t>3/23/2016 12:01 PM</a:t>
             </a:fld>
             <a:endParaRPr lang="en-US" dirty="0">
               <a:solidFill>
@@ -1724,7 +1724,7 @@
           <a:p>
             <a:fld id="{90EC29EE-A8AD-4CE0-9C0B-116E0D4D7533}" type="datetime8">
               <a:rPr lang="en-US" smtClean="0"/>
-              <a:t>3/23/2016 8:30 AM</a:t>
+              <a:t>3/23/2016 12:01 PM</a:t>
             </a:fld>
             <a:endParaRPr lang="en-US" dirty="0"/>
           </a:p>
@@ -1922,7 +1922,7 @@
                 </a:solidFill>
               </a:rPr>
               <a:pPr/>
-              <a:t>3/23/2016 8:30 AM</a:t>
+              <a:t>3/23/2016 12:01 PM</a:t>
             </a:fld>
             <a:endParaRPr lang="en-US" dirty="0">
               <a:solidFill>
@@ -2272,7 +2272,7 @@
           <a:p>
             <a:fld id="{90EC29EE-A8AD-4CE0-9C0B-116E0D4D7533}" type="datetime8">
               <a:rPr lang="en-US" smtClean="0"/>
-              <a:t>3/23/2016 8:30 AM</a:t>
+              <a:t>3/23/2016 12:01 PM</a:t>
             </a:fld>
             <a:endParaRPr lang="en-US" dirty="0"/>
           </a:p>
@@ -2626,7 +2626,7 @@
           <a:p>
             <a:fld id="{38EEC551-8CDA-4EB6-89BB-2A86C9F091C8}" type="datetime8">
               <a:rPr lang="en-US" smtClean="0"/>
-              <a:t>3/23/2016 8:30 AM</a:t>
+              <a:t>3/23/2016 12:01 PM</a:t>
             </a:fld>
             <a:endParaRPr lang="en-US" dirty="0"/>
           </a:p>
@@ -24660,7 +24660,11 @@
             <a:graphicFrameLocks noGrp="1"/>
           </p:cNvGraphicFramePr>
           <p:nvPr>
-            <p:extLst/>
+            <p:extLst>
+              <p:ext uri="{D42A27DB-BD31-4B8C-83A1-F6EECF244321}">
+                <p14:modId xmlns:p14="http://schemas.microsoft.com/office/powerpoint/2010/main" val="3089228446"/>
+              </p:ext>
+            </p:extLst>
           </p:nvPr>
         </p:nvGraphicFramePr>
         <p:xfrm>
@@ -25185,6 +25189,28 @@
                     </a:p>
                     <a:p>
                       <a:r>
+                        <a:rPr lang="en-US" sz="1400" smtClean="0">
+                          <a:gradFill>
+                            <a:gsLst>
+                              <a:gs pos="66981">
+                                <a:schemeClr val="tx1">
+                                  <a:lumMod val="75000"/>
+                                  <a:lumOff val="25000"/>
+                                </a:schemeClr>
+                              </a:gs>
+                              <a:gs pos="0">
+                                <a:schemeClr val="tx1">
+                                  <a:lumMod val="75000"/>
+                                  <a:lumOff val="25000"/>
+                                </a:schemeClr>
+                              </a:gs>
+                            </a:gsLst>
+                            <a:lin ang="5400000" scaled="0"/>
+                          </a:gradFill>
+                        </a:rPr>
+                        <a:t>Most </a:t>
+                      </a:r>
+                      <a:r>
                         <a:rPr lang="en-US" sz="1400" dirty="0" smtClean="0">
                           <a:gradFill>
                             <a:gsLst>
@@ -25204,7 +25230,7 @@
                             <a:lin ang="5400000" scaled="0"/>
                           </a:gradFill>
                         </a:rPr>
-                        <a:t>Part of OpenGL ES 3.0</a:t>
+                        <a:t>of OpenGL ES 3.0</a:t>
                       </a:r>
                       <a:endParaRPr lang="en-US" sz="1400" dirty="0">
                         <a:gradFill>
@@ -29236,6 +29262,12 @@
 </file>
 
 <file path=customXml/item1.xml><?xml version="1.0" encoding="utf-8"?>
+<p:properties xmlns:p="http://schemas.microsoft.com/office/2006/metadata/properties" xmlns:xsi="http://www.w3.org/2001/XMLSchema-instance" xmlns:pc="http://schemas.microsoft.com/office/infopath/2007/PartnerControls">
+  <documentManagement/>
+</p:properties>
+</file>
+
+<file path=customXml/item2.xml><?xml version="1.0" encoding="utf-8"?>
 <ct:contentTypeSchema xmlns:ct="http://schemas.microsoft.com/office/2006/metadata/contentType" xmlns:ma="http://schemas.microsoft.com/office/2006/metadata/properties/metaAttributes" ct:_="" ma:_="" ma:contentTypeName="Document" ma:contentTypeID="0x010100F50271A20F7B3C41B827A8F04D548019" ma:contentTypeVersion="2" ma:contentTypeDescription="Create a new document." ma:contentTypeScope="" ma:versionID="0f5b4adeca3fa452dfd663ff4e0777e3">
   <xsd:schema xmlns:xsd="http://www.w3.org/2001/XMLSchema" xmlns:xs="http://www.w3.org/2001/XMLSchema" xmlns:p="http://schemas.microsoft.com/office/2006/metadata/properties" xmlns:ns2="f85c541c-390e-4fa8-b262-5da5c5cfad75" targetNamespace="http://schemas.microsoft.com/office/2006/metadata/properties" ma:root="true" ma:fieldsID="592d4a22e1cc7090506e0998bb31d05e" ns2:_="">
     <xsd:import namespace="f85c541c-390e-4fa8-b262-5da5c5cfad75"/>
@@ -29383,12 +29415,6 @@
 </ct:contentTypeSchema>
 </file>
 
-<file path=customXml/item2.xml><?xml version="1.0" encoding="utf-8"?>
-<p:properties xmlns:p="http://schemas.microsoft.com/office/2006/metadata/properties" xmlns:xsi="http://www.w3.org/2001/XMLSchema-instance" xmlns:pc="http://schemas.microsoft.com/office/infopath/2007/PartnerControls">
-  <documentManagement/>
-</p:properties>
-</file>
-
 <file path=customXml/item3.xml><?xml version="1.0" encoding="utf-8"?>
 <?mso-contentType ?>
 <FormTemplates xmlns="http://schemas.microsoft.com/sharepoint/v3/contenttype/forms">
@@ -29399,6 +29425,22 @@
 </file>
 
 <file path=customXml/itemProps1.xml><?xml version="1.0" encoding="utf-8"?>
+<ds:datastoreItem xmlns:ds="http://schemas.openxmlformats.org/officeDocument/2006/customXml" ds:itemID="{F990F116-B58F-4255-B05B-DA3808E0E5C6}">
+  <ds:schemaRefs>
+    <ds:schemaRef ds:uri="http://purl.org/dc/terms/"/>
+    <ds:schemaRef ds:uri="http://schemas.openxmlformats.org/package/2006/metadata/core-properties"/>
+    <ds:schemaRef ds:uri="http://schemas.microsoft.com/office/2006/documentManagement/types"/>
+    <ds:schemaRef ds:uri="http://schemas.microsoft.com/office/infopath/2007/PartnerControls"/>
+    <ds:schemaRef ds:uri="http://purl.org/dc/elements/1.1/"/>
+    <ds:schemaRef ds:uri="http://schemas.microsoft.com/office/2006/metadata/properties"/>
+    <ds:schemaRef ds:uri="f85c541c-390e-4fa8-b262-5da5c5cfad75"/>
+    <ds:schemaRef ds:uri="http://www.w3.org/XML/1998/namespace"/>
+    <ds:schemaRef ds:uri="http://purl.org/dc/dcmitype/"/>
+  </ds:schemaRefs>
+</ds:datastoreItem>
+</file>
+
+<file path=customXml/itemProps2.xml><?xml version="1.0" encoding="utf-8"?>
 <ds:datastoreItem xmlns:ds="http://schemas.openxmlformats.org/officeDocument/2006/customXml" ds:itemID="{16C79B61-263D-4889-954E-B7F93FBE6617}">
   <ds:schemaRefs>
     <ds:schemaRef ds:uri="http://schemas.microsoft.com/office/2006/metadata/contentType"/>
@@ -29416,22 +29458,6 @@
 </ds:datastoreItem>
 </file>
 
-<file path=customXml/itemProps2.xml><?xml version="1.0" encoding="utf-8"?>
-<ds:datastoreItem xmlns:ds="http://schemas.openxmlformats.org/officeDocument/2006/customXml" ds:itemID="{F990F116-B58F-4255-B05B-DA3808E0E5C6}">
-  <ds:schemaRefs>
-    <ds:schemaRef ds:uri="http://purl.org/dc/terms/"/>
-    <ds:schemaRef ds:uri="http://schemas.openxmlformats.org/package/2006/metadata/core-properties"/>
-    <ds:schemaRef ds:uri="http://schemas.microsoft.com/office/2006/documentManagement/types"/>
-    <ds:schemaRef ds:uri="http://schemas.microsoft.com/office/infopath/2007/PartnerControls"/>
-    <ds:schemaRef ds:uri="http://purl.org/dc/elements/1.1/"/>
-    <ds:schemaRef ds:uri="http://schemas.microsoft.com/office/2006/metadata/properties"/>
-    <ds:schemaRef ds:uri="f85c541c-390e-4fa8-b262-5da5c5cfad75"/>
-    <ds:schemaRef ds:uri="http://www.w3.org/XML/1998/namespace"/>
-    <ds:schemaRef ds:uri="http://purl.org/dc/dcmitype/"/>
-  </ds:schemaRefs>
-</ds:datastoreItem>
-</file>
-
 <file path=customXml/itemProps3.xml><?xml version="1.0" encoding="utf-8"?>
 <ds:datastoreItem xmlns:ds="http://schemas.openxmlformats.org/officeDocument/2006/customXml" ds:itemID="{758FDAC0-319D-4A54-8D8E-1D42CB1F8004}">
   <ds:schemaRefs>

--- a/Presentation.pptx
+++ b/Presentation.pptx
@@ -32706,7 +32706,7 @@
             </a:pPr>
             <a:r>
               <a:rPr lang="en-US" dirty="0"/>
-              <a:t>Windows 8.1 and Windows Phone 8.1apps</a:t>
+              <a:t>Windows 8.1 and Windows Phone 8.1 apps</a:t>
             </a:r>
           </a:p>
           <a:p>

--- a/Presentation.pptx
+++ b/Presentation.pptx
@@ -6,10 +6,10 @@
     <p:sldMasterId id="2147484310" r:id="rId5"/>
   </p:sldMasterIdLst>
   <p:notesMasterIdLst>
-    <p:notesMasterId r:id="rId28"/>
+    <p:notesMasterId r:id="rId30"/>
   </p:notesMasterIdLst>
   <p:handoutMasterIdLst>
-    <p:handoutMasterId r:id="rId29"/>
+    <p:handoutMasterId r:id="rId31"/>
   </p:handoutMasterIdLst>
   <p:sldIdLst>
     <p:sldId id="1444" r:id="rId6"/>
@@ -23,17 +23,19 @@
     <p:sldId id="1459" r:id="rId14"/>
     <p:sldId id="1470" r:id="rId15"/>
     <p:sldId id="1460" r:id="rId16"/>
-    <p:sldId id="1473" r:id="rId17"/>
-    <p:sldId id="1474" r:id="rId18"/>
-    <p:sldId id="1475" r:id="rId19"/>
-    <p:sldId id="1476" r:id="rId20"/>
-    <p:sldId id="1477" r:id="rId21"/>
-    <p:sldId id="1462" r:id="rId22"/>
-    <p:sldId id="1469" r:id="rId23"/>
-    <p:sldId id="1472" r:id="rId24"/>
-    <p:sldId id="1463" r:id="rId25"/>
-    <p:sldId id="1464" r:id="rId26"/>
-    <p:sldId id="1466" r:id="rId27"/>
+    <p:sldId id="1478" r:id="rId17"/>
+    <p:sldId id="1479" r:id="rId18"/>
+    <p:sldId id="1473" r:id="rId19"/>
+    <p:sldId id="1474" r:id="rId20"/>
+    <p:sldId id="1475" r:id="rId21"/>
+    <p:sldId id="1476" r:id="rId22"/>
+    <p:sldId id="1477" r:id="rId23"/>
+    <p:sldId id="1462" r:id="rId24"/>
+    <p:sldId id="1469" r:id="rId25"/>
+    <p:sldId id="1472" r:id="rId26"/>
+    <p:sldId id="1463" r:id="rId27"/>
+    <p:sldId id="1464" r:id="rId28"/>
+    <p:sldId id="1466" r:id="rId29"/>
   </p:sldIdLst>
   <p:sldSz cx="12436475" cy="6994525"/>
   <p:notesSz cx="6858000" cy="9144000"/>
@@ -264,7 +266,7 @@
               <a:rPr lang="en-US" smtClean="0">
                 <a:latin typeface="Segoe UI" pitchFamily="34" charset="0"/>
               </a:rPr>
-              <a:t>3/28/2016 12:08 PM</a:t>
+              <a:t>3/29/2016 5:19 PM</a:t>
             </a:fld>
             <a:endParaRPr lang="en-US" dirty="0">
               <a:latin typeface="Segoe UI" pitchFamily="34" charset="0"/>
@@ -545,7 +547,7 @@
           <a:p>
             <a:fld id="{38EEC551-8CDA-4EB6-89BB-2A86C9F091C8}" type="datetime8">
               <a:rPr lang="en-US" smtClean="0"/>
-              <a:t>3/28/2016 12:08 PM</a:t>
+              <a:t>3/29/2016 5:19 PM</a:t>
             </a:fld>
             <a:endParaRPr lang="en-US" dirty="0"/>
           </a:p>
@@ -931,7 +933,7 @@
           <a:p>
             <a:fld id="{38EEC551-8CDA-4EB6-89BB-2A86C9F091C8}" type="datetime8">
               <a:rPr lang="en-US" smtClean="0"/>
-              <a:t>3/28/2016 12:08 PM</a:t>
+              <a:t>3/29/2016 5:19 PM</a:t>
             </a:fld>
             <a:endParaRPr lang="en-US" dirty="0"/>
           </a:p>
@@ -1019,29 +1021,34 @@
           <a:lstStyle/>
           <a:p>
             <a:r>
+              <a:rPr lang="en-US" dirty="0"/>
+              <a:t>You should get to this slide no later than 10 minutes into the session</a:t>
+            </a:r>
+          </a:p>
+          <a:p>
+            <a:endParaRPr lang="en-US" dirty="0"/>
+          </a:p>
+          <a:p>
+            <a:r>
+              <a:rPr lang="en-US" dirty="0"/>
+              <a:t>Show how to get to the lab</a:t>
+            </a:r>
+            <a:r>
               <a:rPr lang="en-US" baseline="0" dirty="0"/>
-              <a:t>“As a follow-on to this lab, we also have the Azure IoT lab. In that, you’ll learn how to use the Raspberry Pi to send sensor data to IoT Hub and process it using other Azure IoT services.</a:t>
-            </a:r>
-          </a:p>
-          <a:p>
-            <a:endParaRPr lang="en-US" baseline="0" dirty="0"/>
-          </a:p>
-          <a:p>
-            <a:r>
-              <a:rPr lang="en-US" baseline="0" dirty="0"/>
-              <a:t>If you are interested in the underlying IO and other capabilities on devices like the Raspberry Pi, or want to explore more with Azure and devices, we also have the Open Hack in this same room, starting on Day 2.”</a:t>
-            </a:r>
+              <a:t> on the workstation, and then leave this slide up on the projector.</a:t>
+            </a:r>
+            <a:endParaRPr lang="en-US" dirty="0"/>
           </a:p>
         </p:txBody>
       </p:sp>
       <p:sp>
         <p:nvSpPr>
-          <p:cNvPr id="4" name="Slide Number Placeholder 3"/>
+          <p:cNvPr id="4" name="Header Placeholder 3"/>
           <p:cNvSpPr>
             <a:spLocks noGrp="1"/>
           </p:cNvSpPr>
           <p:nvPr>
-            <p:ph type="sldNum" sz="quarter" idx="10"/>
+            <p:ph type="hdr" sz="quarter" idx="10"/>
           </p:nvPr>
         </p:nvSpPr>
         <p:spPr/>
@@ -1049,78 +1056,115 @@
           <a:bodyPr/>
           <a:lstStyle/>
           <a:p>
-            <a:pPr marL="0" marR="0" lvl="0" indent="0" algn="r" defTabSz="914400" rtl="0" eaLnBrk="1" fontAlgn="auto" latinLnBrk="0" hangingPunct="1">
-              <a:lnSpc>
-                <a:spcPct val="100000"/>
-              </a:lnSpc>
-              <a:spcBef>
-                <a:spcPts val="0"/>
-              </a:spcBef>
-              <a:spcAft>
-                <a:spcPts val="0"/>
-              </a:spcAft>
-              <a:buClrTx/>
-              <a:buSzTx/>
-              <a:buFontTx/>
-              <a:buNone/>
-              <a:tabLst/>
-              <a:defRPr/>
-            </a:pPr>
-            <a:fld id="{0EA2900F-B82C-4F11-85DB-97B88AAD310C}" type="slidenum">
-              <a:rPr kumimoji="0" lang="en-US" sz="1200" b="0" i="0" u="none" strike="noStrike" kern="1200" cap="none" spc="0" normalizeH="0" baseline="0" noProof="0" smtClean="0">
-                <a:ln>
-                  <a:noFill/>
-                </a:ln>
-                <a:solidFill>
-                  <a:prstClr val="black"/>
-                </a:solidFill>
-                <a:effectLst/>
-                <a:uLnTx/>
-                <a:uFillTx/>
-                <a:latin typeface="Calibri" panose="020F0502020204030204"/>
-                <a:ea typeface="+mn-ea"/>
-                <a:cs typeface="+mn-cs"/>
+            <a:endParaRPr lang="en-US" dirty="0"/>
+          </a:p>
+        </p:txBody>
+      </p:sp>
+      <p:sp>
+        <p:nvSpPr>
+          <p:cNvPr id="5" name="Footer Placeholder 4"/>
+          <p:cNvSpPr>
+            <a:spLocks noGrp="1"/>
+          </p:cNvSpPr>
+          <p:nvPr>
+            <p:ph type="ftr" sz="quarter" idx="11"/>
+          </p:nvPr>
+        </p:nvSpPr>
+        <p:spPr/>
+        <p:txBody>
+          <a:bodyPr/>
+          <a:lstStyle/>
+          <a:p>
+            <a:pPr defTabSz="914099" eaLnBrk="0" hangingPunct="0"/>
+            <a:r>
+              <a:rPr lang="en-US" sz="400">
+                <a:gradFill>
+                  <a:gsLst>
+                    <a:gs pos="0">
+                      <a:prstClr val="black"/>
+                    </a:gs>
+                    <a:gs pos="100000">
+                      <a:prstClr val="black"/>
+                    </a:gs>
+                  </a:gsLst>
+                  <a:lin ang="5400000" scaled="0"/>
+                </a:gradFill>
+                <a:latin typeface="Segoe UI" pitchFamily="34" charset="0"/>
+                <a:ea typeface="Segoe UI" pitchFamily="34" charset="0"/>
+                <a:cs typeface="Segoe UI" pitchFamily="34" charset="0"/>
               </a:rPr>
-              <a:pPr marL="0" marR="0" lvl="0" indent="0" algn="r" defTabSz="914400" rtl="0" eaLnBrk="1" fontAlgn="auto" latinLnBrk="0" hangingPunct="1">
-                <a:lnSpc>
-                  <a:spcPct val="100000"/>
-                </a:lnSpc>
-                <a:spcBef>
-                  <a:spcPts val="0"/>
-                </a:spcBef>
-                <a:spcAft>
-                  <a:spcPts val="0"/>
-                </a:spcAft>
-                <a:buClrTx/>
-                <a:buSzTx/>
-                <a:buFontTx/>
-                <a:buNone/>
-                <a:tabLst/>
-                <a:defRPr/>
-              </a:pPr>
+              <a:t>© 2014 Microsoft Corporation. All rights reserved. MICROSOFT MAKES NO WARRANTIES, EXPRESS, IMPLIED OR STATUTORY, AS TO THE INFORMATION IN THIS PRESENTATION.</a:t>
+            </a:r>
+            <a:endParaRPr lang="en-US" sz="400" dirty="0">
+              <a:gradFill>
+                <a:gsLst>
+                  <a:gs pos="0">
+                    <a:prstClr val="black"/>
+                  </a:gs>
+                  <a:gs pos="100000">
+                    <a:prstClr val="black"/>
+                  </a:gs>
+                </a:gsLst>
+                <a:lin ang="5400000" scaled="0"/>
+              </a:gradFill>
+              <a:latin typeface="Segoe UI" pitchFamily="34" charset="0"/>
+              <a:ea typeface="Segoe UI" pitchFamily="34" charset="0"/>
+              <a:cs typeface="Segoe UI" pitchFamily="34" charset="0"/>
+            </a:endParaRPr>
+          </a:p>
+        </p:txBody>
+      </p:sp>
+      <p:sp>
+        <p:nvSpPr>
+          <p:cNvPr id="6" name="Date Placeholder 5"/>
+          <p:cNvSpPr>
+            <a:spLocks noGrp="1"/>
+          </p:cNvSpPr>
+          <p:nvPr>
+            <p:ph type="dt" idx="12"/>
+          </p:nvPr>
+        </p:nvSpPr>
+        <p:spPr/>
+        <p:txBody>
+          <a:bodyPr/>
+          <a:lstStyle/>
+          <a:p>
+            <a:fld id="{38EEC551-8CDA-4EB6-89BB-2A86C9F091C8}" type="datetime8">
+              <a:rPr lang="en-US" smtClean="0"/>
+              <a:t>3/29/2016 5:20 PM</a:t>
+            </a:fld>
+            <a:endParaRPr lang="en-US" dirty="0"/>
+          </a:p>
+        </p:txBody>
+      </p:sp>
+      <p:sp>
+        <p:nvSpPr>
+          <p:cNvPr id="7" name="Slide Number Placeholder 6"/>
+          <p:cNvSpPr>
+            <a:spLocks noGrp="1"/>
+          </p:cNvSpPr>
+          <p:nvPr>
+            <p:ph type="sldNum" sz="quarter" idx="13"/>
+          </p:nvPr>
+        </p:nvSpPr>
+        <p:spPr/>
+        <p:txBody>
+          <a:bodyPr/>
+          <a:lstStyle/>
+          <a:p>
+            <a:fld id="{B4008EB6-D09E-4580-8CD6-DDB14511944F}" type="slidenum">
+              <a:rPr lang="en-US" smtClean="0"/>
+              <a:pPr/>
               <a:t>12</a:t>
             </a:fld>
-            <a:endParaRPr kumimoji="0" lang="en-US" sz="1200" b="0" i="0" u="none" strike="noStrike" kern="1200" cap="none" spc="0" normalizeH="0" baseline="0" noProof="0">
-              <a:ln>
-                <a:noFill/>
-              </a:ln>
-              <a:solidFill>
-                <a:prstClr val="black"/>
-              </a:solidFill>
-              <a:effectLst/>
-              <a:uLnTx/>
-              <a:uFillTx/>
-              <a:latin typeface="Calibri" panose="020F0502020204030204"/>
-              <a:ea typeface="+mn-ea"/>
-              <a:cs typeface="+mn-cs"/>
-            </a:endParaRPr>
+            <a:endParaRPr lang="en-US" dirty="0"/>
           </a:p>
         </p:txBody>
       </p:sp>
     </p:spTree>
     <p:extLst>
       <p:ext uri="{BB962C8B-B14F-4D97-AF65-F5344CB8AC3E}">
-        <p14:creationId xmlns:p14="http://schemas.microsoft.com/office/powerpoint/2010/main" val="1445405961"/>
+        <p14:creationId xmlns:p14="http://schemas.microsoft.com/office/powerpoint/2010/main" val="2670827275"/>
       </p:ext>
     </p:extLst>
   </p:cSld>
@@ -1175,29 +1219,34 @@
           <a:lstStyle/>
           <a:p>
             <a:r>
+              <a:rPr lang="en-US" dirty="0"/>
+              <a:t>You should get to this slide no later than 10 minutes into the session</a:t>
+            </a:r>
+          </a:p>
+          <a:p>
+            <a:endParaRPr lang="en-US" dirty="0"/>
+          </a:p>
+          <a:p>
+            <a:r>
+              <a:rPr lang="en-US" dirty="0"/>
+              <a:t>Show how to get to the lab</a:t>
+            </a:r>
+            <a:r>
               <a:rPr lang="en-US" baseline="0" dirty="0"/>
-              <a:t>“As a follow-on to this lab, we also have the Azure IoT lab. In that, you’ll learn how to use the Raspberry Pi to send sensor data to IoT Hub and process it using other Azure IoT services.</a:t>
-            </a:r>
-          </a:p>
-          <a:p>
-            <a:endParaRPr lang="en-US" baseline="0" dirty="0"/>
-          </a:p>
-          <a:p>
-            <a:r>
-              <a:rPr lang="en-US" baseline="0" dirty="0"/>
-              <a:t>If you are interested in the underlying IO and other capabilities on devices like the Raspberry Pi, or want to explore more with Azure and devices, we also have the Open Hack in this same room, starting on Day 2.”</a:t>
-            </a:r>
+              <a:t> on the workstation, and then leave this slide up on the projector.</a:t>
+            </a:r>
+            <a:endParaRPr lang="en-US" dirty="0"/>
           </a:p>
         </p:txBody>
       </p:sp>
       <p:sp>
         <p:nvSpPr>
-          <p:cNvPr id="4" name="Slide Number Placeholder 3"/>
+          <p:cNvPr id="4" name="Header Placeholder 3"/>
           <p:cNvSpPr>
             <a:spLocks noGrp="1"/>
           </p:cNvSpPr>
           <p:nvPr>
-            <p:ph type="sldNum" sz="quarter" idx="10"/>
+            <p:ph type="hdr" sz="quarter" idx="10"/>
           </p:nvPr>
         </p:nvSpPr>
         <p:spPr/>
@@ -1205,78 +1254,115 @@
           <a:bodyPr/>
           <a:lstStyle/>
           <a:p>
-            <a:pPr marL="0" marR="0" lvl="0" indent="0" algn="r" defTabSz="914400" rtl="0" eaLnBrk="1" fontAlgn="auto" latinLnBrk="0" hangingPunct="1">
-              <a:lnSpc>
-                <a:spcPct val="100000"/>
-              </a:lnSpc>
-              <a:spcBef>
-                <a:spcPts val="0"/>
-              </a:spcBef>
-              <a:spcAft>
-                <a:spcPts val="0"/>
-              </a:spcAft>
-              <a:buClrTx/>
-              <a:buSzTx/>
-              <a:buFontTx/>
-              <a:buNone/>
-              <a:tabLst/>
-              <a:defRPr/>
-            </a:pPr>
-            <a:fld id="{0EA2900F-B82C-4F11-85DB-97B88AAD310C}" type="slidenum">
-              <a:rPr kumimoji="0" lang="en-US" sz="1200" b="0" i="0" u="none" strike="noStrike" kern="1200" cap="none" spc="0" normalizeH="0" baseline="0" noProof="0" smtClean="0">
-                <a:ln>
-                  <a:noFill/>
-                </a:ln>
-                <a:solidFill>
-                  <a:prstClr val="black"/>
-                </a:solidFill>
-                <a:effectLst/>
-                <a:uLnTx/>
-                <a:uFillTx/>
-                <a:latin typeface="Calibri" panose="020F0502020204030204"/>
-                <a:ea typeface="+mn-ea"/>
-                <a:cs typeface="+mn-cs"/>
+            <a:endParaRPr lang="en-US" dirty="0"/>
+          </a:p>
+        </p:txBody>
+      </p:sp>
+      <p:sp>
+        <p:nvSpPr>
+          <p:cNvPr id="5" name="Footer Placeholder 4"/>
+          <p:cNvSpPr>
+            <a:spLocks noGrp="1"/>
+          </p:cNvSpPr>
+          <p:nvPr>
+            <p:ph type="ftr" sz="quarter" idx="11"/>
+          </p:nvPr>
+        </p:nvSpPr>
+        <p:spPr/>
+        <p:txBody>
+          <a:bodyPr/>
+          <a:lstStyle/>
+          <a:p>
+            <a:pPr defTabSz="914099" eaLnBrk="0" hangingPunct="0"/>
+            <a:r>
+              <a:rPr lang="en-US" sz="400">
+                <a:gradFill>
+                  <a:gsLst>
+                    <a:gs pos="0">
+                      <a:prstClr val="black"/>
+                    </a:gs>
+                    <a:gs pos="100000">
+                      <a:prstClr val="black"/>
+                    </a:gs>
+                  </a:gsLst>
+                  <a:lin ang="5400000" scaled="0"/>
+                </a:gradFill>
+                <a:latin typeface="Segoe UI" pitchFamily="34" charset="0"/>
+                <a:ea typeface="Segoe UI" pitchFamily="34" charset="0"/>
+                <a:cs typeface="Segoe UI" pitchFamily="34" charset="0"/>
               </a:rPr>
-              <a:pPr marL="0" marR="0" lvl="0" indent="0" algn="r" defTabSz="914400" rtl="0" eaLnBrk="1" fontAlgn="auto" latinLnBrk="0" hangingPunct="1">
-                <a:lnSpc>
-                  <a:spcPct val="100000"/>
-                </a:lnSpc>
-                <a:spcBef>
-                  <a:spcPts val="0"/>
-                </a:spcBef>
-                <a:spcAft>
-                  <a:spcPts val="0"/>
-                </a:spcAft>
-                <a:buClrTx/>
-                <a:buSzTx/>
-                <a:buFontTx/>
-                <a:buNone/>
-                <a:tabLst/>
-                <a:defRPr/>
-              </a:pPr>
+              <a:t>© 2014 Microsoft Corporation. All rights reserved. MICROSOFT MAKES NO WARRANTIES, EXPRESS, IMPLIED OR STATUTORY, AS TO THE INFORMATION IN THIS PRESENTATION.</a:t>
+            </a:r>
+            <a:endParaRPr lang="en-US" sz="400" dirty="0">
+              <a:gradFill>
+                <a:gsLst>
+                  <a:gs pos="0">
+                    <a:prstClr val="black"/>
+                  </a:gs>
+                  <a:gs pos="100000">
+                    <a:prstClr val="black"/>
+                  </a:gs>
+                </a:gsLst>
+                <a:lin ang="5400000" scaled="0"/>
+              </a:gradFill>
+              <a:latin typeface="Segoe UI" pitchFamily="34" charset="0"/>
+              <a:ea typeface="Segoe UI" pitchFamily="34" charset="0"/>
+              <a:cs typeface="Segoe UI" pitchFamily="34" charset="0"/>
+            </a:endParaRPr>
+          </a:p>
+        </p:txBody>
+      </p:sp>
+      <p:sp>
+        <p:nvSpPr>
+          <p:cNvPr id="6" name="Date Placeholder 5"/>
+          <p:cNvSpPr>
+            <a:spLocks noGrp="1"/>
+          </p:cNvSpPr>
+          <p:nvPr>
+            <p:ph type="dt" idx="12"/>
+          </p:nvPr>
+        </p:nvSpPr>
+        <p:spPr/>
+        <p:txBody>
+          <a:bodyPr/>
+          <a:lstStyle/>
+          <a:p>
+            <a:fld id="{38EEC551-8CDA-4EB6-89BB-2A86C9F091C8}" type="datetime8">
+              <a:rPr lang="en-US" smtClean="0"/>
+              <a:t>3/29/2016 5:21 PM</a:t>
+            </a:fld>
+            <a:endParaRPr lang="en-US" dirty="0"/>
+          </a:p>
+        </p:txBody>
+      </p:sp>
+      <p:sp>
+        <p:nvSpPr>
+          <p:cNvPr id="7" name="Slide Number Placeholder 6"/>
+          <p:cNvSpPr>
+            <a:spLocks noGrp="1"/>
+          </p:cNvSpPr>
+          <p:nvPr>
+            <p:ph type="sldNum" sz="quarter" idx="13"/>
+          </p:nvPr>
+        </p:nvSpPr>
+        <p:spPr/>
+        <p:txBody>
+          <a:bodyPr/>
+          <a:lstStyle/>
+          <a:p>
+            <a:fld id="{B4008EB6-D09E-4580-8CD6-DDB14511944F}" type="slidenum">
+              <a:rPr lang="en-US" smtClean="0"/>
+              <a:pPr/>
               <a:t>13</a:t>
             </a:fld>
-            <a:endParaRPr kumimoji="0" lang="en-US" sz="1200" b="0" i="0" u="none" strike="noStrike" kern="1200" cap="none" spc="0" normalizeH="0" baseline="0" noProof="0">
-              <a:ln>
-                <a:noFill/>
-              </a:ln>
-              <a:solidFill>
-                <a:prstClr val="black"/>
-              </a:solidFill>
-              <a:effectLst/>
-              <a:uLnTx/>
-              <a:uFillTx/>
-              <a:latin typeface="Calibri" panose="020F0502020204030204"/>
-              <a:ea typeface="+mn-ea"/>
-              <a:cs typeface="+mn-cs"/>
-            </a:endParaRPr>
+            <a:endParaRPr lang="en-US" dirty="0"/>
           </a:p>
         </p:txBody>
       </p:sp>
     </p:spTree>
     <p:extLst>
       <p:ext uri="{BB962C8B-B14F-4D97-AF65-F5344CB8AC3E}">
-        <p14:creationId xmlns:p14="http://schemas.microsoft.com/office/powerpoint/2010/main" val="2632193079"/>
+        <p14:creationId xmlns:p14="http://schemas.microsoft.com/office/powerpoint/2010/main" val="2316892694"/>
       </p:ext>
     </p:extLst>
   </p:cSld>
@@ -1432,7 +1518,7 @@
     </p:spTree>
     <p:extLst>
       <p:ext uri="{BB962C8B-B14F-4D97-AF65-F5344CB8AC3E}">
-        <p14:creationId xmlns:p14="http://schemas.microsoft.com/office/powerpoint/2010/main" val="1539370369"/>
+        <p14:creationId xmlns:p14="http://schemas.microsoft.com/office/powerpoint/2010/main" val="1445405961"/>
       </p:ext>
     </p:extLst>
   </p:cSld>
@@ -1588,7 +1674,7 @@
     </p:spTree>
     <p:extLst>
       <p:ext uri="{BB962C8B-B14F-4D97-AF65-F5344CB8AC3E}">
-        <p14:creationId xmlns:p14="http://schemas.microsoft.com/office/powerpoint/2010/main" val="2944547330"/>
+        <p14:creationId xmlns:p14="http://schemas.microsoft.com/office/powerpoint/2010/main" val="2632193079"/>
       </p:ext>
     </p:extLst>
   </p:cSld>
@@ -1744,7 +1830,7 @@
     </p:spTree>
     <p:extLst>
       <p:ext uri="{BB962C8B-B14F-4D97-AF65-F5344CB8AC3E}">
-        <p14:creationId xmlns:p14="http://schemas.microsoft.com/office/powerpoint/2010/main" val="741705162"/>
+        <p14:creationId xmlns:p14="http://schemas.microsoft.com/office/powerpoint/2010/main" val="1539370369"/>
       </p:ext>
     </p:extLst>
   </p:cSld>
@@ -1878,7 +1964,7 @@
                 <a:tabLst/>
                 <a:defRPr/>
               </a:pPr>
-              <a:t>19</a:t>
+              <a:t>17</a:t>
             </a:fld>
             <a:endParaRPr kumimoji="0" lang="en-US" sz="1200" b="0" i="0" u="none" strike="noStrike" kern="1200" cap="none" spc="0" normalizeH="0" baseline="0" noProof="0">
               <a:ln>
@@ -1900,7 +1986,7 @@
     </p:spTree>
     <p:extLst>
       <p:ext uri="{BB962C8B-B14F-4D97-AF65-F5344CB8AC3E}">
-        <p14:creationId xmlns:p14="http://schemas.microsoft.com/office/powerpoint/2010/main" val="52925956"/>
+        <p14:creationId xmlns:p14="http://schemas.microsoft.com/office/powerpoint/2010/main" val="2944547330"/>
       </p:ext>
     </p:extLst>
   </p:cSld>
@@ -1954,29 +2040,30 @@
           <a:bodyPr/>
           <a:lstStyle/>
           <a:p>
-            <a:endParaRPr lang="en-US" dirty="0"/>
-          </a:p>
-          <a:p>
-            <a:r>
-              <a:rPr lang="en-US" dirty="0"/>
-              <a:t>Update phone image</a:t>
-            </a:r>
             <a:r>
               <a:rPr lang="en-US" baseline="0" dirty="0"/>
-              <a:t> to a Microsoft phone.</a:t>
-            </a:r>
-            <a:endParaRPr lang="en-US" dirty="0"/>
+              <a:t>“As a follow-on to this lab, we also have the Azure IoT lab. In that, you’ll learn how to use the Raspberry Pi to send sensor data to IoT Hub and process it using other Azure IoT services.</a:t>
+            </a:r>
+          </a:p>
+          <a:p>
+            <a:endParaRPr lang="en-US" baseline="0" dirty="0"/>
+          </a:p>
+          <a:p>
+            <a:r>
+              <a:rPr lang="en-US" baseline="0" dirty="0"/>
+              <a:t>If you are interested in the underlying IO and other capabilities on devices like the Raspberry Pi, or want to explore more with Azure and devices, we also have the Open Hack in this same room, starting on Day 2.”</a:t>
+            </a:r>
           </a:p>
         </p:txBody>
       </p:sp>
       <p:sp>
         <p:nvSpPr>
-          <p:cNvPr id="4" name="Footer Placeholder 3"/>
+          <p:cNvPr id="4" name="Slide Number Placeholder 3"/>
           <p:cNvSpPr>
             <a:spLocks noGrp="1"/>
           </p:cNvSpPr>
           <p:nvPr>
-            <p:ph type="ftr" sz="quarter" idx="10"/>
+            <p:ph type="sldNum" sz="quarter" idx="10"/>
           </p:nvPr>
         </p:nvSpPr>
         <p:spPr/>
@@ -1984,80 +2071,78 @@
           <a:bodyPr/>
           <a:lstStyle/>
           <a:p>
-            <a:pPr defTabSz="914099" eaLnBrk="0" hangingPunct="0"/>
-            <a:r>
-              <a:rPr lang="en-US" sz="400" dirty="0">
-                <a:gradFill>
-                  <a:gsLst>
-                    <a:gs pos="0">
-                      <a:prstClr val="black"/>
-                    </a:gs>
-                    <a:gs pos="100000">
-                      <a:prstClr val="black"/>
-                    </a:gs>
-                  </a:gsLst>
-                  <a:lin ang="5400000" scaled="0"/>
-                </a:gradFill>
-                <a:latin typeface="Segoe UI" pitchFamily="34" charset="0"/>
-                <a:ea typeface="Segoe UI" pitchFamily="34" charset="0"/>
-                <a:cs typeface="Segoe UI" pitchFamily="34" charset="0"/>
+            <a:pPr marL="0" marR="0" lvl="0" indent="0" algn="r" defTabSz="914400" rtl="0" eaLnBrk="1" fontAlgn="auto" latinLnBrk="0" hangingPunct="1">
+              <a:lnSpc>
+                <a:spcPct val="100000"/>
+              </a:lnSpc>
+              <a:spcBef>
+                <a:spcPts val="0"/>
+              </a:spcBef>
+              <a:spcAft>
+                <a:spcPts val="0"/>
+              </a:spcAft>
+              <a:buClrTx/>
+              <a:buSzTx/>
+              <a:buFontTx/>
+              <a:buNone/>
+              <a:tabLst/>
+              <a:defRPr/>
+            </a:pPr>
+            <a:fld id="{0EA2900F-B82C-4F11-85DB-97B88AAD310C}" type="slidenum">
+              <a:rPr kumimoji="0" lang="en-US" sz="1200" b="0" i="0" u="none" strike="noStrike" kern="1200" cap="none" spc="0" normalizeH="0" baseline="0" noProof="0" smtClean="0">
+                <a:ln>
+                  <a:noFill/>
+                </a:ln>
+                <a:solidFill>
+                  <a:prstClr val="black"/>
+                </a:solidFill>
+                <a:effectLst/>
+                <a:uLnTx/>
+                <a:uFillTx/>
+                <a:latin typeface="Calibri" panose="020F0502020204030204"/>
+                <a:ea typeface="+mn-ea"/>
+                <a:cs typeface="+mn-cs"/>
               </a:rPr>
-              <a:t>© 2016 Microsoft Corporation. All rights reserved. Microsoft, Windows, and other product names are or may be registered trademarks and/or trademarks in the U.S. and/or other countries. The information herein is for informational purposes only and represents the current view of Microsoft Corporation as of the date of this presentation.  Because Microsoft must respond to changing market conditions, it should not be interpreted to be a commitment on the part of Microsoft, and Microsoft cannot guarantee the accuracy of any information provided after the date of this presentation.  MICROSOFT MAKES NO WARRANTIES, EXPRESS, IMPLIED OR STATUTORY, AS TO THE INFORMATION IN THIS PRESENTATION.</a:t>
-            </a:r>
-          </a:p>
-        </p:txBody>
-      </p:sp>
-      <p:sp>
-        <p:nvSpPr>
-          <p:cNvPr id="5" name="Date Placeholder 4"/>
-          <p:cNvSpPr>
-            <a:spLocks noGrp="1"/>
-          </p:cNvSpPr>
-          <p:nvPr>
-            <p:ph type="dt" idx="11"/>
-          </p:nvPr>
-        </p:nvSpPr>
-        <p:spPr/>
-        <p:txBody>
-          <a:bodyPr/>
-          <a:lstStyle/>
-          <a:p>
-            <a:fld id="{E74353ED-ACB2-44BF-A903-985B0AF962B7}" type="datetime1">
-              <a:rPr lang="en-US" smtClean="0"/>
-              <a:t>3/28/2016</a:t>
+              <a:pPr marL="0" marR="0" lvl="0" indent="0" algn="r" defTabSz="914400" rtl="0" eaLnBrk="1" fontAlgn="auto" latinLnBrk="0" hangingPunct="1">
+                <a:lnSpc>
+                  <a:spcPct val="100000"/>
+                </a:lnSpc>
+                <a:spcBef>
+                  <a:spcPts val="0"/>
+                </a:spcBef>
+                <a:spcAft>
+                  <a:spcPts val="0"/>
+                </a:spcAft>
+                <a:buClrTx/>
+                <a:buSzTx/>
+                <a:buFontTx/>
+                <a:buNone/>
+                <a:tabLst/>
+                <a:defRPr/>
+              </a:pPr>
+              <a:t>18</a:t>
             </a:fld>
-            <a:endParaRPr lang="en-US" dirty="0"/>
-          </a:p>
-        </p:txBody>
-      </p:sp>
-      <p:sp>
-        <p:nvSpPr>
-          <p:cNvPr id="6" name="Slide Number Placeholder 5"/>
-          <p:cNvSpPr>
-            <a:spLocks noGrp="1"/>
-          </p:cNvSpPr>
-          <p:nvPr>
-            <p:ph type="sldNum" sz="quarter" idx="12"/>
-          </p:nvPr>
-        </p:nvSpPr>
-        <p:spPr/>
-        <p:txBody>
-          <a:bodyPr/>
-          <a:lstStyle/>
-          <a:p>
-            <a:fld id="{B4008EB6-D09E-4580-8CD6-DDB14511944F}" type="slidenum">
-              <a:rPr lang="en-US" smtClean="0"/>
-              <a:pPr/>
-              <a:t>20</a:t>
-            </a:fld>
-            <a:endParaRPr lang="en-US" dirty="0"/>
+            <a:endParaRPr kumimoji="0" lang="en-US" sz="1200" b="0" i="0" u="none" strike="noStrike" kern="1200" cap="none" spc="0" normalizeH="0" baseline="0" noProof="0">
+              <a:ln>
+                <a:noFill/>
+              </a:ln>
+              <a:solidFill>
+                <a:prstClr val="black"/>
+              </a:solidFill>
+              <a:effectLst/>
+              <a:uLnTx/>
+              <a:uFillTx/>
+              <a:latin typeface="Calibri" panose="020F0502020204030204"/>
+              <a:ea typeface="+mn-ea"/>
+              <a:cs typeface="+mn-cs"/>
+            </a:endParaRPr>
           </a:p>
         </p:txBody>
       </p:sp>
     </p:spTree>
     <p:extLst>
       <p:ext uri="{BB962C8B-B14F-4D97-AF65-F5344CB8AC3E}">
-        <p14:creationId xmlns:p14="http://schemas.microsoft.com/office/powerpoint/2010/main" val="641260672"/>
+        <p14:creationId xmlns:p14="http://schemas.microsoft.com/office/powerpoint/2010/main" val="741705162"/>
       </p:ext>
     </p:extLst>
   </p:cSld>
@@ -2111,15 +2196,46 @@
           <a:bodyPr/>
           <a:lstStyle/>
           <a:p>
-            <a:pPr marL="0" marR="0" indent="0" algn="l" defTabSz="932742" rtl="0" eaLnBrk="1" fontAlgn="auto" latinLnBrk="0" hangingPunct="1">
+            <a:r>
+              <a:rPr lang="en-US" baseline="0" dirty="0"/>
+              <a:t>“As a follow-on to this lab, we also have the Azure IoT lab. In that, you’ll learn how to use the Raspberry Pi to send sensor data to IoT Hub and process it using other Azure IoT services.</a:t>
+            </a:r>
+          </a:p>
+          <a:p>
+            <a:endParaRPr lang="en-US" baseline="0" dirty="0"/>
+          </a:p>
+          <a:p>
+            <a:r>
+              <a:rPr lang="en-US" baseline="0" dirty="0"/>
+              <a:t>If you are interested in the underlying IO and other capabilities on devices like the Raspberry Pi, or want to explore more with Azure and devices, we also have the Open Hack in this same room, starting on Day 2.”</a:t>
+            </a:r>
+          </a:p>
+        </p:txBody>
+      </p:sp>
+      <p:sp>
+        <p:nvSpPr>
+          <p:cNvPr id="4" name="Slide Number Placeholder 3"/>
+          <p:cNvSpPr>
+            <a:spLocks noGrp="1"/>
+          </p:cNvSpPr>
+          <p:nvPr>
+            <p:ph type="sldNum" sz="quarter" idx="10"/>
+          </p:nvPr>
+        </p:nvSpPr>
+        <p:spPr/>
+        <p:txBody>
+          <a:bodyPr/>
+          <a:lstStyle/>
+          <a:p>
+            <a:pPr marL="0" marR="0" lvl="0" indent="0" algn="r" defTabSz="914400" rtl="0" eaLnBrk="1" fontAlgn="auto" latinLnBrk="0" hangingPunct="1">
               <a:lnSpc>
-                <a:spcPct val="90000"/>
+                <a:spcPct val="100000"/>
               </a:lnSpc>
               <a:spcBef>
                 <a:spcPts val="0"/>
               </a:spcBef>
               <a:spcAft>
-                <a:spcPts val="340"/>
+                <a:spcPts val="0"/>
               </a:spcAft>
               <a:buClrTx/>
               <a:buSzTx/>
@@ -2128,146 +2244,61 @@
               <a:tabLst/>
               <a:defRPr/>
             </a:pPr>
-            <a:r>
-              <a:rPr lang="en-US" b="1" dirty="0">
-                <a:latin typeface="Segoe"/>
+            <a:fld id="{0EA2900F-B82C-4F11-85DB-97B88AAD310C}" type="slidenum">
+              <a:rPr kumimoji="0" lang="en-US" sz="1200" b="0" i="0" u="none" strike="noStrike" kern="1200" cap="none" spc="0" normalizeH="0" baseline="0" noProof="0" smtClean="0">
+                <a:ln>
+                  <a:noFill/>
+                </a:ln>
+                <a:solidFill>
+                  <a:prstClr val="black"/>
+                </a:solidFill>
+                <a:effectLst/>
+                <a:uLnTx/>
+                <a:uFillTx/>
+                <a:latin typeface="Calibri" panose="020F0502020204030204"/>
+                <a:ea typeface="+mn-ea"/>
+                <a:cs typeface="+mn-cs"/>
               </a:rPr>
-              <a:t>Speakers: </a:t>
-            </a:r>
-            <a:r>
-              <a:rPr lang="en-US" dirty="0">
-                <a:latin typeface="Segoe"/>
-              </a:rPr>
-              <a:t>Please note this slide will be updated with your session’s QR code during the scrub process which</a:t>
-            </a:r>
-            <a:r>
-              <a:rPr lang="en-US" baseline="0" dirty="0">
-                <a:latin typeface="Segoe"/>
-              </a:rPr>
-              <a:t> is </a:t>
-            </a:r>
-            <a:r>
-              <a:rPr lang="en-US" dirty="0">
-                <a:latin typeface="Segoe"/>
-              </a:rPr>
-              <a:t>outlined</a:t>
-            </a:r>
-            <a:r>
-              <a:rPr lang="en-US" baseline="0" dirty="0">
-                <a:latin typeface="Segoe"/>
-              </a:rPr>
-              <a:t> on side 3. Attendees can scan the QR code for access to your session’s </a:t>
-            </a:r>
-            <a:r>
-              <a:rPr lang="en-US" baseline="0" dirty="0" err="1">
-                <a:latin typeface="Segoe"/>
-              </a:rPr>
-              <a:t>eval</a:t>
-            </a:r>
-            <a:r>
-              <a:rPr lang="en-US" baseline="0" dirty="0">
-                <a:latin typeface="Segoe"/>
-              </a:rPr>
-              <a:t>.</a:t>
-            </a:r>
-            <a:endParaRPr lang="en-US" dirty="0">
-              <a:latin typeface="Segoe"/>
-            </a:endParaRPr>
-          </a:p>
-          <a:p>
-            <a:endParaRPr lang="en-US" dirty="0"/>
-          </a:p>
-        </p:txBody>
-      </p:sp>
-      <p:sp>
-        <p:nvSpPr>
-          <p:cNvPr id="4" name="Footer Placeholder 3"/>
-          <p:cNvSpPr>
-            <a:spLocks noGrp="1"/>
-          </p:cNvSpPr>
-          <p:nvPr>
-            <p:ph type="ftr" sz="quarter" idx="10"/>
-          </p:nvPr>
-        </p:nvSpPr>
-        <p:spPr/>
-        <p:txBody>
-          <a:bodyPr/>
-          <a:lstStyle/>
-          <a:p>
-            <a:pPr defTabSz="914099" eaLnBrk="0" hangingPunct="0"/>
-            <a:r>
-              <a:rPr lang="en-US" sz="400" dirty="0">
-                <a:gradFill>
-                  <a:gsLst>
-                    <a:gs pos="0">
-                      <a:prstClr val="black"/>
-                    </a:gs>
-                    <a:gs pos="100000">
-                      <a:prstClr val="black"/>
-                    </a:gs>
-                  </a:gsLst>
-                  <a:lin ang="5400000" scaled="0"/>
-                </a:gradFill>
-                <a:latin typeface="Segoe UI" pitchFamily="34" charset="0"/>
-                <a:ea typeface="Segoe UI" pitchFamily="34" charset="0"/>
-                <a:cs typeface="Segoe UI" pitchFamily="34" charset="0"/>
-              </a:rPr>
-              <a:t>© 2016 Microsoft Corporation. All rights reserved. Microsoft, Windows, and other product names are or may be registered trademarks and/or trademarks in the U.S. and/or other countries. The information herein is for informational purposes only and represents the current view of Microsoft Corporation as of the date of this presentation.  Because Microsoft must respond to changing market conditions, it should not be interpreted to be a commitment on the part of Microsoft, and Microsoft cannot guarantee the accuracy of any information provided after the date of this presentation.  MICROSOFT MAKES NO WARRANTIES, EXPRESS, IMPLIED OR STATUTORY, AS TO THE INFORMATION IN THIS PRESENTATION.</a:t>
-            </a:r>
-          </a:p>
-        </p:txBody>
-      </p:sp>
-      <p:sp>
-        <p:nvSpPr>
-          <p:cNvPr id="5" name="Date Placeholder 4"/>
-          <p:cNvSpPr>
-            <a:spLocks noGrp="1"/>
-          </p:cNvSpPr>
-          <p:nvPr>
-            <p:ph type="dt" idx="11"/>
-          </p:nvPr>
-        </p:nvSpPr>
-        <p:spPr/>
-        <p:txBody>
-          <a:bodyPr/>
-          <a:lstStyle/>
-          <a:p>
-            <a:fld id="{E74353ED-ACB2-44BF-A903-985B0AF962B7}" type="datetime1">
-              <a:rPr lang="en-US" smtClean="0"/>
-              <a:t>3/28/2016</a:t>
-            </a:fld>
-            <a:endParaRPr lang="en-US" dirty="0"/>
-          </a:p>
-        </p:txBody>
-      </p:sp>
-      <p:sp>
-        <p:nvSpPr>
-          <p:cNvPr id="6" name="Slide Number Placeholder 5"/>
-          <p:cNvSpPr>
-            <a:spLocks noGrp="1"/>
-          </p:cNvSpPr>
-          <p:nvPr>
-            <p:ph type="sldNum" sz="quarter" idx="12"/>
-          </p:nvPr>
-        </p:nvSpPr>
-        <p:spPr/>
-        <p:txBody>
-          <a:bodyPr/>
-          <a:lstStyle/>
-          <a:p>
-            <a:fld id="{B4008EB6-D09E-4580-8CD6-DDB14511944F}" type="slidenum">
-              <a:rPr lang="en-US" smtClean="0"/>
-              <a:pPr/>
+              <a:pPr marL="0" marR="0" lvl="0" indent="0" algn="r" defTabSz="914400" rtl="0" eaLnBrk="1" fontAlgn="auto" latinLnBrk="0" hangingPunct="1">
+                <a:lnSpc>
+                  <a:spcPct val="100000"/>
+                </a:lnSpc>
+                <a:spcBef>
+                  <a:spcPts val="0"/>
+                </a:spcBef>
+                <a:spcAft>
+                  <a:spcPts val="0"/>
+                </a:spcAft>
+                <a:buClrTx/>
+                <a:buSzTx/>
+                <a:buFontTx/>
+                <a:buNone/>
+                <a:tabLst/>
+                <a:defRPr/>
+              </a:pPr>
               <a:t>21</a:t>
             </a:fld>
-            <a:endParaRPr lang="en-US" dirty="0"/>
+            <a:endParaRPr kumimoji="0" lang="en-US" sz="1200" b="0" i="0" u="none" strike="noStrike" kern="1200" cap="none" spc="0" normalizeH="0" baseline="0" noProof="0">
+              <a:ln>
+                <a:noFill/>
+              </a:ln>
+              <a:solidFill>
+                <a:prstClr val="black"/>
+              </a:solidFill>
+              <a:effectLst/>
+              <a:uLnTx/>
+              <a:uFillTx/>
+              <a:latin typeface="Calibri" panose="020F0502020204030204"/>
+              <a:ea typeface="+mn-ea"/>
+              <a:cs typeface="+mn-cs"/>
+            </a:endParaRPr>
           </a:p>
         </p:txBody>
       </p:sp>
     </p:spTree>
     <p:extLst>
       <p:ext uri="{BB962C8B-B14F-4D97-AF65-F5344CB8AC3E}">
-        <p14:creationId xmlns:p14="http://schemas.microsoft.com/office/powerpoint/2010/main" val="2642267037"/>
+        <p14:creationId xmlns:p14="http://schemas.microsoft.com/office/powerpoint/2010/main" val="52925956"/>
       </p:ext>
     </p:extLst>
   </p:cSld>
@@ -2323,16 +2354,27 @@
           <a:p>
             <a:endParaRPr lang="en-US" dirty="0"/>
           </a:p>
+          <a:p>
+            <a:r>
+              <a:rPr lang="en-US" dirty="0"/>
+              <a:t>Update phone image</a:t>
+            </a:r>
+            <a:r>
+              <a:rPr lang="en-US" baseline="0" dirty="0"/>
+              <a:t> to a Microsoft phone.</a:t>
+            </a:r>
+            <a:endParaRPr lang="en-US" dirty="0"/>
+          </a:p>
         </p:txBody>
       </p:sp>
       <p:sp>
         <p:nvSpPr>
-          <p:cNvPr id="4" name="Header Placeholder 3"/>
+          <p:cNvPr id="4" name="Footer Placeholder 3"/>
           <p:cNvSpPr>
             <a:spLocks noGrp="1"/>
           </p:cNvSpPr>
           <p:nvPr>
-            <p:ph type="hdr" sz="quarter" idx="10"/>
+            <p:ph type="ftr" sz="quarter" idx="10"/>
           </p:nvPr>
         </p:nvSpPr>
         <p:spPr/>
@@ -2340,31 +2382,9 @@
           <a:bodyPr/>
           <a:lstStyle/>
           <a:p>
-            <a:r>
-              <a:rPr lang="en-US" dirty="0"/>
-              <a:t>Microsoft Build 2016</a:t>
-            </a:r>
-          </a:p>
-        </p:txBody>
-      </p:sp>
-      <p:sp>
-        <p:nvSpPr>
-          <p:cNvPr id="5" name="Footer Placeholder 4"/>
-          <p:cNvSpPr>
-            <a:spLocks noGrp="1"/>
-          </p:cNvSpPr>
-          <p:nvPr>
-            <p:ph type="ftr" sz="quarter" idx="11"/>
-          </p:nvPr>
-        </p:nvSpPr>
-        <p:spPr/>
-        <p:txBody>
-          <a:bodyPr/>
-          <a:lstStyle/>
-          <a:p>
             <a:pPr defTabSz="914099" eaLnBrk="0" hangingPunct="0"/>
             <a:r>
-              <a:rPr lang="en-US" sz="400">
+              <a:rPr lang="en-US" sz="400" dirty="0">
                 <a:gradFill>
                   <a:gsLst>
                     <a:gs pos="0">
@@ -2380,35 +2400,19 @@
                 <a:ea typeface="Segoe UI" pitchFamily="34" charset="0"/>
                 <a:cs typeface="Segoe UI" pitchFamily="34" charset="0"/>
               </a:rPr>
-              <a:t>© 2016 Microsoft Corporation. All rights reserved. MICROSOFT MAKES NO WARRANTIES, EXPRESS, IMPLIED OR STATUTORY, AS TO THE INFORMATION IN THIS PRESENTATION.</a:t>
-            </a:r>
-            <a:endParaRPr lang="en-US" sz="400" dirty="0">
-              <a:gradFill>
-                <a:gsLst>
-                  <a:gs pos="0">
-                    <a:prstClr val="black"/>
-                  </a:gs>
-                  <a:gs pos="100000">
-                    <a:prstClr val="black"/>
-                  </a:gs>
-                </a:gsLst>
-                <a:lin ang="5400000" scaled="0"/>
-              </a:gradFill>
-              <a:latin typeface="Segoe UI" pitchFamily="34" charset="0"/>
-              <a:ea typeface="Segoe UI" pitchFamily="34" charset="0"/>
-              <a:cs typeface="Segoe UI" pitchFamily="34" charset="0"/>
-            </a:endParaRPr>
+              <a:t>© 2016 Microsoft Corporation. All rights reserved. Microsoft, Windows, and other product names are or may be registered trademarks and/or trademarks in the U.S. and/or other countries. The information herein is for informational purposes only and represents the current view of Microsoft Corporation as of the date of this presentation.  Because Microsoft must respond to changing market conditions, it should not be interpreted to be a commitment on the part of Microsoft, and Microsoft cannot guarantee the accuracy of any information provided after the date of this presentation.  MICROSOFT MAKES NO WARRANTIES, EXPRESS, IMPLIED OR STATUTORY, AS TO THE INFORMATION IN THIS PRESENTATION.</a:t>
+            </a:r>
           </a:p>
         </p:txBody>
       </p:sp>
       <p:sp>
         <p:nvSpPr>
-          <p:cNvPr id="6" name="Date Placeholder 5"/>
+          <p:cNvPr id="5" name="Date Placeholder 4"/>
           <p:cNvSpPr>
             <a:spLocks noGrp="1"/>
           </p:cNvSpPr>
           <p:nvPr>
-            <p:ph type="dt" idx="12"/>
+            <p:ph type="dt" idx="11"/>
           </p:nvPr>
         </p:nvSpPr>
         <p:spPr/>
@@ -2416,9 +2420,9 @@
           <a:bodyPr/>
           <a:lstStyle/>
           <a:p>
-            <a:fld id="{38EEC551-8CDA-4EB6-89BB-2A86C9F091C8}" type="datetime8">
+            <a:fld id="{E74353ED-ACB2-44BF-A903-985B0AF962B7}" type="datetime1">
               <a:rPr lang="en-US" smtClean="0"/>
-              <a:t>3/28/2016 12:08 PM</a:t>
+              <a:t>3/29/2016</a:t>
             </a:fld>
             <a:endParaRPr lang="en-US" dirty="0"/>
           </a:p>
@@ -2426,12 +2430,12 @@
       </p:sp>
       <p:sp>
         <p:nvSpPr>
-          <p:cNvPr id="7" name="Slide Number Placeholder 6"/>
+          <p:cNvPr id="6" name="Slide Number Placeholder 5"/>
           <p:cNvSpPr>
             <a:spLocks noGrp="1"/>
           </p:cNvSpPr>
           <p:nvPr>
-            <p:ph type="sldNum" sz="quarter" idx="13"/>
+            <p:ph type="sldNum" sz="quarter" idx="12"/>
           </p:nvPr>
         </p:nvSpPr>
         <p:spPr/>
@@ -2451,7 +2455,217 @@
     </p:spTree>
     <p:extLst>
       <p:ext uri="{BB962C8B-B14F-4D97-AF65-F5344CB8AC3E}">
-        <p14:creationId xmlns:p14="http://schemas.microsoft.com/office/powerpoint/2010/main" val="4117712283"/>
+        <p14:creationId xmlns:p14="http://schemas.microsoft.com/office/powerpoint/2010/main" val="641260672"/>
+      </p:ext>
+    </p:extLst>
+  </p:cSld>
+  <p:clrMapOvr>
+    <a:masterClrMapping/>
+  </p:clrMapOvr>
+</p:notes>
+</file>
+
+<file path=ppt/notesSlides/notesSlide19.xml><?xml version="1.0" encoding="utf-8"?>
+<p:notes xmlns:a="http://schemas.openxmlformats.org/drawingml/2006/main" xmlns:r="http://schemas.openxmlformats.org/officeDocument/2006/relationships" xmlns:p="http://schemas.openxmlformats.org/presentationml/2006/main">
+  <p:cSld>
+    <p:spTree>
+      <p:nvGrpSpPr>
+        <p:cNvPr id="1" name=""/>
+        <p:cNvGrpSpPr/>
+        <p:nvPr/>
+      </p:nvGrpSpPr>
+      <p:grpSpPr>
+        <a:xfrm>
+          <a:off x="0" y="0"/>
+          <a:ext cx="0" cy="0"/>
+          <a:chOff x="0" y="0"/>
+          <a:chExt cx="0" cy="0"/>
+        </a:xfrm>
+      </p:grpSpPr>
+      <p:sp>
+        <p:nvSpPr>
+          <p:cNvPr id="2" name="Slide Image Placeholder 1"/>
+          <p:cNvSpPr>
+            <a:spLocks noGrp="1" noRot="1" noChangeAspect="1"/>
+          </p:cNvSpPr>
+          <p:nvPr>
+            <p:ph type="sldImg"/>
+          </p:nvPr>
+        </p:nvSpPr>
+        <p:spPr/>
+      </p:sp>
+      <p:sp>
+        <p:nvSpPr>
+          <p:cNvPr id="3" name="Notes Placeholder 2"/>
+          <p:cNvSpPr>
+            <a:spLocks noGrp="1"/>
+          </p:cNvSpPr>
+          <p:nvPr>
+            <p:ph type="body" idx="1"/>
+          </p:nvPr>
+        </p:nvSpPr>
+        <p:spPr/>
+        <p:txBody>
+          <a:bodyPr/>
+          <a:lstStyle/>
+          <a:p>
+            <a:pPr marL="0" marR="0" indent="0" algn="l" defTabSz="932742" rtl="0" eaLnBrk="1" fontAlgn="auto" latinLnBrk="0" hangingPunct="1">
+              <a:lnSpc>
+                <a:spcPct val="90000"/>
+              </a:lnSpc>
+              <a:spcBef>
+                <a:spcPts val="0"/>
+              </a:spcBef>
+              <a:spcAft>
+                <a:spcPts val="340"/>
+              </a:spcAft>
+              <a:buClrTx/>
+              <a:buSzTx/>
+              <a:buFontTx/>
+              <a:buNone/>
+              <a:tabLst/>
+              <a:defRPr/>
+            </a:pPr>
+            <a:r>
+              <a:rPr lang="en-US" b="1" dirty="0">
+                <a:latin typeface="Segoe"/>
+              </a:rPr>
+              <a:t>Speakers: </a:t>
+            </a:r>
+            <a:r>
+              <a:rPr lang="en-US" dirty="0">
+                <a:latin typeface="Segoe"/>
+              </a:rPr>
+              <a:t>Please note this slide will be updated with your session’s QR code during the scrub process which</a:t>
+            </a:r>
+            <a:r>
+              <a:rPr lang="en-US" baseline="0" dirty="0">
+                <a:latin typeface="Segoe"/>
+              </a:rPr>
+              <a:t> is </a:t>
+            </a:r>
+            <a:r>
+              <a:rPr lang="en-US" dirty="0">
+                <a:latin typeface="Segoe"/>
+              </a:rPr>
+              <a:t>outlined</a:t>
+            </a:r>
+            <a:r>
+              <a:rPr lang="en-US" baseline="0" dirty="0">
+                <a:latin typeface="Segoe"/>
+              </a:rPr>
+              <a:t> on side 3. Attendees can scan the QR code for access to your session’s </a:t>
+            </a:r>
+            <a:r>
+              <a:rPr lang="en-US" baseline="0" dirty="0" err="1">
+                <a:latin typeface="Segoe"/>
+              </a:rPr>
+              <a:t>eval</a:t>
+            </a:r>
+            <a:r>
+              <a:rPr lang="en-US" baseline="0" dirty="0">
+                <a:latin typeface="Segoe"/>
+              </a:rPr>
+              <a:t>.</a:t>
+            </a:r>
+            <a:endParaRPr lang="en-US" dirty="0">
+              <a:latin typeface="Segoe"/>
+            </a:endParaRPr>
+          </a:p>
+          <a:p>
+            <a:endParaRPr lang="en-US" dirty="0"/>
+          </a:p>
+        </p:txBody>
+      </p:sp>
+      <p:sp>
+        <p:nvSpPr>
+          <p:cNvPr id="4" name="Footer Placeholder 3"/>
+          <p:cNvSpPr>
+            <a:spLocks noGrp="1"/>
+          </p:cNvSpPr>
+          <p:nvPr>
+            <p:ph type="ftr" sz="quarter" idx="10"/>
+          </p:nvPr>
+        </p:nvSpPr>
+        <p:spPr/>
+        <p:txBody>
+          <a:bodyPr/>
+          <a:lstStyle/>
+          <a:p>
+            <a:pPr defTabSz="914099" eaLnBrk="0" hangingPunct="0"/>
+            <a:r>
+              <a:rPr lang="en-US" sz="400" dirty="0">
+                <a:gradFill>
+                  <a:gsLst>
+                    <a:gs pos="0">
+                      <a:prstClr val="black"/>
+                    </a:gs>
+                    <a:gs pos="100000">
+                      <a:prstClr val="black"/>
+                    </a:gs>
+                  </a:gsLst>
+                  <a:lin ang="5400000" scaled="0"/>
+                </a:gradFill>
+                <a:latin typeface="Segoe UI" pitchFamily="34" charset="0"/>
+                <a:ea typeface="Segoe UI" pitchFamily="34" charset="0"/>
+                <a:cs typeface="Segoe UI" pitchFamily="34" charset="0"/>
+              </a:rPr>
+              <a:t>© 2016 Microsoft Corporation. All rights reserved. Microsoft, Windows, and other product names are or may be registered trademarks and/or trademarks in the U.S. and/or other countries. The information herein is for informational purposes only and represents the current view of Microsoft Corporation as of the date of this presentation.  Because Microsoft must respond to changing market conditions, it should not be interpreted to be a commitment on the part of Microsoft, and Microsoft cannot guarantee the accuracy of any information provided after the date of this presentation.  MICROSOFT MAKES NO WARRANTIES, EXPRESS, IMPLIED OR STATUTORY, AS TO THE INFORMATION IN THIS PRESENTATION.</a:t>
+            </a:r>
+          </a:p>
+        </p:txBody>
+      </p:sp>
+      <p:sp>
+        <p:nvSpPr>
+          <p:cNvPr id="5" name="Date Placeholder 4"/>
+          <p:cNvSpPr>
+            <a:spLocks noGrp="1"/>
+          </p:cNvSpPr>
+          <p:nvPr>
+            <p:ph type="dt" idx="11"/>
+          </p:nvPr>
+        </p:nvSpPr>
+        <p:spPr/>
+        <p:txBody>
+          <a:bodyPr/>
+          <a:lstStyle/>
+          <a:p>
+            <a:fld id="{E74353ED-ACB2-44BF-A903-985B0AF962B7}" type="datetime1">
+              <a:rPr lang="en-US" smtClean="0"/>
+              <a:t>3/29/2016</a:t>
+            </a:fld>
+            <a:endParaRPr lang="en-US" dirty="0"/>
+          </a:p>
+        </p:txBody>
+      </p:sp>
+      <p:sp>
+        <p:nvSpPr>
+          <p:cNvPr id="6" name="Slide Number Placeholder 5"/>
+          <p:cNvSpPr>
+            <a:spLocks noGrp="1"/>
+          </p:cNvSpPr>
+          <p:nvPr>
+            <p:ph type="sldNum" sz="quarter" idx="12"/>
+          </p:nvPr>
+        </p:nvSpPr>
+        <p:spPr/>
+        <p:txBody>
+          <a:bodyPr/>
+          <a:lstStyle/>
+          <a:p>
+            <a:fld id="{B4008EB6-D09E-4580-8CD6-DDB14511944F}" type="slidenum">
+              <a:rPr lang="en-US" smtClean="0"/>
+              <a:pPr/>
+              <a:t>23</a:t>
+            </a:fld>
+            <a:endParaRPr lang="en-US" dirty="0"/>
+          </a:p>
+        </p:txBody>
+      </p:sp>
+    </p:spTree>
+    <p:extLst>
+      <p:ext uri="{BB962C8B-B14F-4D97-AF65-F5344CB8AC3E}">
+        <p14:creationId xmlns:p14="http://schemas.microsoft.com/office/powerpoint/2010/main" val="2642267037"/>
       </p:ext>
     </p:extLst>
   </p:cSld>
@@ -2624,7 +2838,7 @@
                 </a:solidFill>
               </a:rPr>
               <a:pPr/>
-              <a:t>3/28/2016 12:08 PM</a:t>
+              <a:t>3/29/2016 5:19 PM</a:t>
             </a:fld>
             <a:endParaRPr lang="en-US" dirty="0">
               <a:solidFill>
@@ -2670,6 +2884,190 @@
     <p:extLst>
       <p:ext uri="{BB962C8B-B14F-4D97-AF65-F5344CB8AC3E}">
         <p14:creationId xmlns:p14="http://schemas.microsoft.com/office/powerpoint/2010/main" val="10165953"/>
+      </p:ext>
+    </p:extLst>
+  </p:cSld>
+  <p:clrMapOvr>
+    <a:masterClrMapping/>
+  </p:clrMapOvr>
+</p:notes>
+</file>
+
+<file path=ppt/notesSlides/notesSlide20.xml><?xml version="1.0" encoding="utf-8"?>
+<p:notes xmlns:a="http://schemas.openxmlformats.org/drawingml/2006/main" xmlns:r="http://schemas.openxmlformats.org/officeDocument/2006/relationships" xmlns:p="http://schemas.openxmlformats.org/presentationml/2006/main">
+  <p:cSld>
+    <p:spTree>
+      <p:nvGrpSpPr>
+        <p:cNvPr id="1" name=""/>
+        <p:cNvGrpSpPr/>
+        <p:nvPr/>
+      </p:nvGrpSpPr>
+      <p:grpSpPr>
+        <a:xfrm>
+          <a:off x="0" y="0"/>
+          <a:ext cx="0" cy="0"/>
+          <a:chOff x="0" y="0"/>
+          <a:chExt cx="0" cy="0"/>
+        </a:xfrm>
+      </p:grpSpPr>
+      <p:sp>
+        <p:nvSpPr>
+          <p:cNvPr id="2" name="Slide Image Placeholder 1"/>
+          <p:cNvSpPr>
+            <a:spLocks noGrp="1" noRot="1" noChangeAspect="1"/>
+          </p:cNvSpPr>
+          <p:nvPr>
+            <p:ph type="sldImg"/>
+          </p:nvPr>
+        </p:nvSpPr>
+        <p:spPr/>
+      </p:sp>
+      <p:sp>
+        <p:nvSpPr>
+          <p:cNvPr id="3" name="Notes Placeholder 2"/>
+          <p:cNvSpPr>
+            <a:spLocks noGrp="1"/>
+          </p:cNvSpPr>
+          <p:nvPr>
+            <p:ph type="body" idx="1"/>
+          </p:nvPr>
+        </p:nvSpPr>
+        <p:spPr/>
+        <p:txBody>
+          <a:bodyPr/>
+          <a:lstStyle/>
+          <a:p>
+            <a:endParaRPr lang="en-US" dirty="0"/>
+          </a:p>
+        </p:txBody>
+      </p:sp>
+      <p:sp>
+        <p:nvSpPr>
+          <p:cNvPr id="4" name="Header Placeholder 3"/>
+          <p:cNvSpPr>
+            <a:spLocks noGrp="1"/>
+          </p:cNvSpPr>
+          <p:nvPr>
+            <p:ph type="hdr" sz="quarter" idx="10"/>
+          </p:nvPr>
+        </p:nvSpPr>
+        <p:spPr/>
+        <p:txBody>
+          <a:bodyPr/>
+          <a:lstStyle/>
+          <a:p>
+            <a:r>
+              <a:rPr lang="en-US" dirty="0"/>
+              <a:t>Microsoft Build 2016</a:t>
+            </a:r>
+          </a:p>
+        </p:txBody>
+      </p:sp>
+      <p:sp>
+        <p:nvSpPr>
+          <p:cNvPr id="5" name="Footer Placeholder 4"/>
+          <p:cNvSpPr>
+            <a:spLocks noGrp="1"/>
+          </p:cNvSpPr>
+          <p:nvPr>
+            <p:ph type="ftr" sz="quarter" idx="11"/>
+          </p:nvPr>
+        </p:nvSpPr>
+        <p:spPr/>
+        <p:txBody>
+          <a:bodyPr/>
+          <a:lstStyle/>
+          <a:p>
+            <a:pPr defTabSz="914099" eaLnBrk="0" hangingPunct="0"/>
+            <a:r>
+              <a:rPr lang="en-US" sz="400">
+                <a:gradFill>
+                  <a:gsLst>
+                    <a:gs pos="0">
+                      <a:prstClr val="black"/>
+                    </a:gs>
+                    <a:gs pos="100000">
+                      <a:prstClr val="black"/>
+                    </a:gs>
+                  </a:gsLst>
+                  <a:lin ang="5400000" scaled="0"/>
+                </a:gradFill>
+                <a:latin typeface="Segoe UI" pitchFamily="34" charset="0"/>
+                <a:ea typeface="Segoe UI" pitchFamily="34" charset="0"/>
+                <a:cs typeface="Segoe UI" pitchFamily="34" charset="0"/>
+              </a:rPr>
+              <a:t>© 2016 Microsoft Corporation. All rights reserved. MICROSOFT MAKES NO WARRANTIES, EXPRESS, IMPLIED OR STATUTORY, AS TO THE INFORMATION IN THIS PRESENTATION.</a:t>
+            </a:r>
+            <a:endParaRPr lang="en-US" sz="400" dirty="0">
+              <a:gradFill>
+                <a:gsLst>
+                  <a:gs pos="0">
+                    <a:prstClr val="black"/>
+                  </a:gs>
+                  <a:gs pos="100000">
+                    <a:prstClr val="black"/>
+                  </a:gs>
+                </a:gsLst>
+                <a:lin ang="5400000" scaled="0"/>
+              </a:gradFill>
+              <a:latin typeface="Segoe UI" pitchFamily="34" charset="0"/>
+              <a:ea typeface="Segoe UI" pitchFamily="34" charset="0"/>
+              <a:cs typeface="Segoe UI" pitchFamily="34" charset="0"/>
+            </a:endParaRPr>
+          </a:p>
+        </p:txBody>
+      </p:sp>
+      <p:sp>
+        <p:nvSpPr>
+          <p:cNvPr id="6" name="Date Placeholder 5"/>
+          <p:cNvSpPr>
+            <a:spLocks noGrp="1"/>
+          </p:cNvSpPr>
+          <p:nvPr>
+            <p:ph type="dt" idx="12"/>
+          </p:nvPr>
+        </p:nvSpPr>
+        <p:spPr/>
+        <p:txBody>
+          <a:bodyPr/>
+          <a:lstStyle/>
+          <a:p>
+            <a:fld id="{38EEC551-8CDA-4EB6-89BB-2A86C9F091C8}" type="datetime8">
+              <a:rPr lang="en-US" smtClean="0"/>
+              <a:t>3/29/2016 5:19 PM</a:t>
+            </a:fld>
+            <a:endParaRPr lang="en-US" dirty="0"/>
+          </a:p>
+        </p:txBody>
+      </p:sp>
+      <p:sp>
+        <p:nvSpPr>
+          <p:cNvPr id="7" name="Slide Number Placeholder 6"/>
+          <p:cNvSpPr>
+            <a:spLocks noGrp="1"/>
+          </p:cNvSpPr>
+          <p:nvPr>
+            <p:ph type="sldNum" sz="quarter" idx="13"/>
+          </p:nvPr>
+        </p:nvSpPr>
+        <p:spPr/>
+        <p:txBody>
+          <a:bodyPr/>
+          <a:lstStyle/>
+          <a:p>
+            <a:fld id="{B4008EB6-D09E-4580-8CD6-DDB14511944F}" type="slidenum">
+              <a:rPr lang="en-US" smtClean="0"/>
+              <a:pPr/>
+              <a:t>24</a:t>
+            </a:fld>
+            <a:endParaRPr lang="en-US" dirty="0"/>
+          </a:p>
+        </p:txBody>
+      </p:sp>
+    </p:spTree>
+    <p:extLst>
+      <p:ext uri="{BB962C8B-B14F-4D97-AF65-F5344CB8AC3E}">
+        <p14:creationId xmlns:p14="http://schemas.microsoft.com/office/powerpoint/2010/main" val="4117712283"/>
       </p:ext>
     </p:extLst>
   </p:cSld>
@@ -2801,7 +3199,7 @@
           <a:p>
             <a:fld id="{90EC29EE-A8AD-4CE0-9C0B-116E0D4D7533}" type="datetime8">
               <a:rPr lang="en-US" smtClean="0"/>
-              <a:t>3/28/2016 12:08 PM</a:t>
+              <a:t>3/29/2016 5:19 PM</a:t>
             </a:fld>
             <a:endParaRPr lang="en-US" dirty="0"/>
           </a:p>
@@ -2999,7 +3397,7 @@
                 </a:solidFill>
               </a:rPr>
               <a:pPr/>
-              <a:t>3/28/2016 12:08 PM</a:t>
+              <a:t>3/29/2016 5:19 PM</a:t>
             </a:fld>
             <a:endParaRPr lang="en-US" dirty="0">
               <a:solidFill>
@@ -3349,7 +3747,7 @@
           <a:p>
             <a:fld id="{90EC29EE-A8AD-4CE0-9C0B-116E0D4D7533}" type="datetime8">
               <a:rPr lang="en-US" smtClean="0"/>
-              <a:t>3/28/2016 12:08 PM</a:t>
+              <a:t>3/29/2016 5:19 PM</a:t>
             </a:fld>
             <a:endParaRPr lang="en-US" dirty="0"/>
           </a:p>
@@ -3859,7 +4257,7 @@
           <a:p>
             <a:fld id="{38EEC551-8CDA-4EB6-89BB-2A86C9F091C8}" type="datetime8">
               <a:rPr lang="en-US" smtClean="0"/>
-              <a:t>3/28/2016 12:08 PM</a:t>
+              <a:t>3/29/2016 5:19 PM</a:t>
             </a:fld>
             <a:endParaRPr lang="en-US" dirty="0"/>
           </a:p>
@@ -20317,6 +20715,205 @@
       </p:grpSpPr>
       <p:sp>
         <p:nvSpPr>
+          <p:cNvPr id="4" name="Title 3"/>
+          <p:cNvSpPr>
+            <a:spLocks noGrp="1"/>
+          </p:cNvSpPr>
+          <p:nvPr>
+            <p:ph type="title"/>
+          </p:nvPr>
+        </p:nvSpPr>
+        <p:spPr>
+          <a:xfrm>
+            <a:off x="274638" y="1287462"/>
+            <a:ext cx="11887200" cy="1903400"/>
+          </a:xfrm>
+        </p:spPr>
+        <p:txBody>
+          <a:bodyPr/>
+          <a:lstStyle/>
+          <a:p>
+            <a:r>
+              <a:rPr lang="en-US" sz="11500" dirty="0"/>
+              <a:t>Lab</a:t>
+            </a:r>
+          </a:p>
+        </p:txBody>
+      </p:sp>
+      <p:sp>
+        <p:nvSpPr>
+          <p:cNvPr id="7" name="Text Placeholder 6"/>
+          <p:cNvSpPr>
+            <a:spLocks noGrp="1"/>
+          </p:cNvSpPr>
+          <p:nvPr>
+            <p:ph type="body" sz="quarter" idx="4294967295"/>
+          </p:nvPr>
+        </p:nvSpPr>
+        <p:spPr>
+          <a:xfrm>
+            <a:off x="350836" y="3954463"/>
+            <a:ext cx="11277601" cy="1538883"/>
+          </a:xfrm>
+        </p:spPr>
+        <p:txBody>
+          <a:bodyPr/>
+          <a:lstStyle/>
+          <a:p>
+            <a:pPr marL="0" indent="0">
+              <a:buNone/>
+            </a:pPr>
+            <a:r>
+              <a:rPr lang="en-US" sz="4400" dirty="0"/>
+              <a:t>Share your photos and experiences!</a:t>
+            </a:r>
+          </a:p>
+          <a:p>
+            <a:pPr marL="0" indent="0">
+              <a:buNone/>
+            </a:pPr>
+            <a:r>
+              <a:rPr lang="en-US" sz="4400" dirty="0"/>
+              <a:t>#Build2016</a:t>
+            </a:r>
+          </a:p>
+        </p:txBody>
+      </p:sp>
+    </p:spTree>
+    <p:extLst>
+      <p:ext uri="{BB962C8B-B14F-4D97-AF65-F5344CB8AC3E}">
+        <p14:creationId xmlns:p14="http://schemas.microsoft.com/office/powerpoint/2010/main" val="4188555829"/>
+      </p:ext>
+    </p:extLst>
+  </p:cSld>
+  <p:clrMapOvr>
+    <a:masterClrMapping/>
+  </p:clrMapOvr>
+  <p:transition>
+    <p:fade/>
+  </p:transition>
+</p:sld>
+</file>
+
+<file path=ppt/slides/slide13.xml><?xml version="1.0" encoding="utf-8"?>
+<p:sld xmlns:a="http://schemas.openxmlformats.org/drawingml/2006/main" xmlns:r="http://schemas.openxmlformats.org/officeDocument/2006/relationships" xmlns:p="http://schemas.openxmlformats.org/presentationml/2006/main">
+  <p:cSld>
+    <p:spTree>
+      <p:nvGrpSpPr>
+        <p:cNvPr id="1" name=""/>
+        <p:cNvGrpSpPr/>
+        <p:nvPr/>
+      </p:nvGrpSpPr>
+      <p:grpSpPr>
+        <a:xfrm>
+          <a:off x="0" y="0"/>
+          <a:ext cx="0" cy="0"/>
+          <a:chOff x="0" y="0"/>
+          <a:chExt cx="0" cy="0"/>
+        </a:xfrm>
+      </p:grpSpPr>
+      <p:sp>
+        <p:nvSpPr>
+          <p:cNvPr id="4" name="Title 3"/>
+          <p:cNvSpPr>
+            <a:spLocks noGrp="1"/>
+          </p:cNvSpPr>
+          <p:nvPr>
+            <p:ph type="title"/>
+          </p:nvPr>
+        </p:nvSpPr>
+        <p:spPr>
+          <a:xfrm>
+            <a:off x="274638" y="1287462"/>
+            <a:ext cx="11887200" cy="1903400"/>
+          </a:xfrm>
+        </p:spPr>
+        <p:txBody>
+          <a:bodyPr/>
+          <a:lstStyle/>
+          <a:p>
+            <a:r>
+              <a:rPr lang="en-US" sz="11500" dirty="0"/>
+              <a:t>Lab</a:t>
+            </a:r>
+          </a:p>
+        </p:txBody>
+      </p:sp>
+      <p:sp>
+        <p:nvSpPr>
+          <p:cNvPr id="7" name="Text Placeholder 6"/>
+          <p:cNvSpPr>
+            <a:spLocks noGrp="1"/>
+          </p:cNvSpPr>
+          <p:nvPr>
+            <p:ph type="body" sz="quarter" idx="4294967295"/>
+          </p:nvPr>
+        </p:nvSpPr>
+        <p:spPr>
+          <a:xfrm>
+            <a:off x="350836" y="3954463"/>
+            <a:ext cx="11277601" cy="1538883"/>
+          </a:xfrm>
+        </p:spPr>
+        <p:txBody>
+          <a:bodyPr/>
+          <a:lstStyle/>
+          <a:p>
+            <a:pPr marL="0" indent="0">
+              <a:buNone/>
+            </a:pPr>
+            <a:r>
+              <a:rPr lang="en-US" sz="4400" dirty="0"/>
+              <a:t>http://aka.ms/angle-hol</a:t>
+            </a:r>
+          </a:p>
+          <a:p>
+            <a:pPr marL="0" indent="0">
+              <a:buNone/>
+            </a:pPr>
+            <a:r>
+              <a:rPr lang="en-US" sz="4400" dirty="0" err="1"/>
+              <a:t>ANGLE.shortcut</a:t>
+            </a:r>
+            <a:endParaRPr lang="en-US" sz="4400" dirty="0"/>
+          </a:p>
+        </p:txBody>
+      </p:sp>
+    </p:spTree>
+    <p:extLst>
+      <p:ext uri="{BB962C8B-B14F-4D97-AF65-F5344CB8AC3E}">
+        <p14:creationId xmlns:p14="http://schemas.microsoft.com/office/powerpoint/2010/main" val="2390418243"/>
+      </p:ext>
+    </p:extLst>
+  </p:cSld>
+  <p:clrMapOvr>
+    <a:masterClrMapping/>
+  </p:clrMapOvr>
+  <p:transition>
+    <p:fade/>
+  </p:transition>
+</p:sld>
+</file>
+
+<file path=ppt/slides/slide14.xml><?xml version="1.0" encoding="utf-8"?>
+<p:sld xmlns:a="http://schemas.openxmlformats.org/drawingml/2006/main" xmlns:r="http://schemas.openxmlformats.org/officeDocument/2006/relationships" xmlns:p="http://schemas.openxmlformats.org/presentationml/2006/main">
+  <p:cSld>
+    <p:spTree>
+      <p:nvGrpSpPr>
+        <p:cNvPr id="1" name=""/>
+        <p:cNvGrpSpPr/>
+        <p:nvPr/>
+      </p:nvGrpSpPr>
+      <p:grpSpPr>
+        <a:xfrm>
+          <a:off x="0" y="0"/>
+          <a:ext cx="0" cy="0"/>
+          <a:chOff x="0" y="0"/>
+          <a:chExt cx="0" cy="0"/>
+        </a:xfrm>
+      </p:grpSpPr>
+      <p:sp>
+        <p:nvSpPr>
           <p:cNvPr id="71" name="Rectangle 70"/>
           <p:cNvSpPr/>
           <p:nvPr/>
@@ -21048,1540 +21645,6 @@
     <p:extLst>
       <p:ext uri="{BB962C8B-B14F-4D97-AF65-F5344CB8AC3E}">
         <p14:creationId xmlns:p14="http://schemas.microsoft.com/office/powerpoint/2010/main" val="1721361009"/>
-      </p:ext>
-    </p:extLst>
-  </p:cSld>
-  <p:clrMapOvr>
-    <a:masterClrMapping/>
-  </p:clrMapOvr>
-  <mc:AlternateContent xmlns:mc="http://schemas.openxmlformats.org/markup-compatibility/2006" xmlns:p14="http://schemas.microsoft.com/office/powerpoint/2010/main">
-    <mc:Choice Requires="p14">
-      <p:transition p14:dur="0"/>
-    </mc:Choice>
-    <mc:Fallback xmlns="">
-      <p:transition/>
-    </mc:Fallback>
-  </mc:AlternateContent>
-</p:sld>
-</file>
-
-<file path=ppt/slides/slide13.xml><?xml version="1.0" encoding="utf-8"?>
-<p:sld xmlns:a="http://schemas.openxmlformats.org/drawingml/2006/main" xmlns:r="http://schemas.openxmlformats.org/officeDocument/2006/relationships" xmlns:p="http://schemas.openxmlformats.org/presentationml/2006/main">
-  <p:cSld>
-    <p:spTree>
-      <p:nvGrpSpPr>
-        <p:cNvPr id="1" name=""/>
-        <p:cNvGrpSpPr/>
-        <p:nvPr/>
-      </p:nvGrpSpPr>
-      <p:grpSpPr>
-        <a:xfrm>
-          <a:off x="0" y="0"/>
-          <a:ext cx="0" cy="0"/>
-          <a:chOff x="0" y="0"/>
-          <a:chExt cx="0" cy="0"/>
-        </a:xfrm>
-      </p:grpSpPr>
-      <p:sp>
-        <p:nvSpPr>
-          <p:cNvPr id="71" name="Rectangle 70"/>
-          <p:cNvSpPr/>
-          <p:nvPr/>
-        </p:nvSpPr>
-        <p:spPr bwMode="auto">
-          <a:xfrm>
-            <a:off x="882" y="1547274"/>
-            <a:ext cx="12434711" cy="5298882"/>
-          </a:xfrm>
-          <a:prstGeom prst="rect">
-            <a:avLst/>
-          </a:prstGeom>
-          <a:solidFill>
-            <a:schemeClr val="bg1"/>
-          </a:solidFill>
-          <a:ln>
-            <a:noFill/>
-            <a:headEnd type="none" w="med" len="med"/>
-            <a:tailEnd type="none" w="med" len="med"/>
-          </a:ln>
-        </p:spPr>
-        <p:style>
-          <a:lnRef idx="2">
-            <a:schemeClr val="accent1">
-              <a:shade val="50000"/>
-            </a:schemeClr>
-          </a:lnRef>
-          <a:fillRef idx="1">
-            <a:schemeClr val="accent1"/>
-          </a:fillRef>
-          <a:effectRef idx="0">
-            <a:schemeClr val="accent1"/>
-          </a:effectRef>
-          <a:fontRef idx="minor">
-            <a:schemeClr val="lt1"/>
-          </a:fontRef>
-        </p:style>
-        <p:txBody>
-          <a:bodyPr vert="horz" wrap="square" lIns="0" tIns="47565" rIns="0" bIns="47565" numCol="1" rtlCol="0" anchor="ctr" anchorCtr="0" compatLnSpc="1">
-            <a:prstTxWarp prst="textNoShape">
-              <a:avLst/>
-            </a:prstTxWarp>
-          </a:bodyPr>
-          <a:lstStyle/>
-          <a:p>
-            <a:pPr algn="ctr" defTabSz="951028" fontAlgn="base">
-              <a:spcBef>
-                <a:spcPct val="0"/>
-              </a:spcBef>
-              <a:spcAft>
-                <a:spcPct val="0"/>
-              </a:spcAft>
-              <a:defRPr/>
-            </a:pPr>
-            <a:endParaRPr lang="en-US" sz="2040" dirty="0">
-              <a:gradFill>
-                <a:gsLst>
-                  <a:gs pos="0">
-                    <a:srgbClr val="FFFFFF"/>
-                  </a:gs>
-                  <a:gs pos="100000">
-                    <a:srgbClr val="FFFFFF"/>
-                  </a:gs>
-                </a:gsLst>
-                <a:lin ang="5400000" scaled="0"/>
-              </a:gradFill>
-              <a:latin typeface="Segoe UI"/>
-            </a:endParaRPr>
-          </a:p>
-        </p:txBody>
-      </p:sp>
-      <p:sp>
-        <p:nvSpPr>
-          <p:cNvPr id="2" name="Title 1"/>
-          <p:cNvSpPr>
-            <a:spLocks noGrp="1"/>
-          </p:cNvSpPr>
-          <p:nvPr>
-            <p:ph type="title"/>
-          </p:nvPr>
-        </p:nvSpPr>
-        <p:spPr/>
-        <p:txBody>
-          <a:bodyPr/>
-          <a:lstStyle/>
-          <a:p>
-            <a:r>
-              <a:rPr lang="en-US" dirty="0"/>
-              <a:t>ANGLE Lab Exercises</a:t>
-            </a:r>
-          </a:p>
-        </p:txBody>
-      </p:sp>
-      <p:sp>
-        <p:nvSpPr>
-          <p:cNvPr id="5" name="Text Placeholder 6"/>
-          <p:cNvSpPr txBox="1">
-            <a:spLocks/>
-          </p:cNvSpPr>
-          <p:nvPr/>
-        </p:nvSpPr>
-        <p:spPr>
-          <a:xfrm>
-            <a:off x="365760" y="1792347"/>
-            <a:ext cx="11704320" cy="4524315"/>
-          </a:xfrm>
-          <a:prstGeom prst="rect">
-            <a:avLst/>
-          </a:prstGeom>
-        </p:spPr>
-        <p:txBody>
-          <a:bodyPr/>
-          <a:lstStyle>
-            <a:lvl1pPr marL="342834" marR="0" indent="-342834" algn="l" defTabSz="932563" rtl="0" eaLnBrk="1" fontAlgn="auto" latinLnBrk="0" hangingPunct="1">
-              <a:lnSpc>
-                <a:spcPct val="90000"/>
-              </a:lnSpc>
-              <a:spcBef>
-                <a:spcPct val="20000"/>
-              </a:spcBef>
-              <a:spcAft>
-                <a:spcPts val="0"/>
-              </a:spcAft>
-              <a:buClrTx/>
-              <a:buSzPct val="90000"/>
-              <a:buFont typeface="Arial" pitchFamily="34" charset="0"/>
-              <a:buChar char="•"/>
-              <a:tabLst/>
-              <a:defRPr sz="3999" kern="1200" spc="0" baseline="0">
-                <a:gradFill>
-                  <a:gsLst>
-                    <a:gs pos="1250">
-                      <a:schemeClr val="tx1"/>
-                    </a:gs>
-                    <a:gs pos="100000">
-                      <a:schemeClr val="tx1"/>
-                    </a:gs>
-                  </a:gsLst>
-                  <a:lin ang="5400000" scaled="0"/>
-                </a:gradFill>
-                <a:latin typeface="+mj-lt"/>
-                <a:ea typeface="+mn-ea"/>
-                <a:cs typeface="+mn-cs"/>
-              </a:defRPr>
-            </a:lvl1pPr>
-            <a:lvl2pPr marL="584088" marR="0" indent="-241253" algn="l" defTabSz="932563" rtl="0" eaLnBrk="1" fontAlgn="auto" latinLnBrk="0" hangingPunct="1">
-              <a:lnSpc>
-                <a:spcPct val="90000"/>
-              </a:lnSpc>
-              <a:spcBef>
-                <a:spcPct val="20000"/>
-              </a:spcBef>
-              <a:spcAft>
-                <a:spcPts val="0"/>
-              </a:spcAft>
-              <a:buClrTx/>
-              <a:buSzPct val="90000"/>
-              <a:buFont typeface="Arial" pitchFamily="34" charset="0"/>
-              <a:buChar char="•"/>
-              <a:tabLst/>
-              <a:defRPr sz="2400" kern="1200" spc="0" baseline="0">
-                <a:gradFill>
-                  <a:gsLst>
-                    <a:gs pos="1250">
-                      <a:schemeClr val="tx1"/>
-                    </a:gs>
-                    <a:gs pos="100000">
-                      <a:schemeClr val="tx1"/>
-                    </a:gs>
-                  </a:gsLst>
-                  <a:lin ang="5400000" scaled="0"/>
-                </a:gradFill>
-                <a:latin typeface="+mn-lt"/>
-                <a:ea typeface="+mn-ea"/>
-                <a:cs typeface="+mn-cs"/>
-              </a:defRPr>
-            </a:lvl2pPr>
-            <a:lvl3pPr marL="799946" marR="0" indent="-228557" algn="l" defTabSz="932563" rtl="0" eaLnBrk="1" fontAlgn="auto" latinLnBrk="0" hangingPunct="1">
-              <a:lnSpc>
-                <a:spcPct val="90000"/>
-              </a:lnSpc>
-              <a:spcBef>
-                <a:spcPct val="20000"/>
-              </a:spcBef>
-              <a:spcAft>
-                <a:spcPts val="0"/>
-              </a:spcAft>
-              <a:buClrTx/>
-              <a:buSzPct val="90000"/>
-              <a:buFont typeface="Arial" pitchFamily="34" charset="0"/>
-              <a:buChar char="•"/>
-              <a:tabLst/>
-              <a:defRPr sz="2000" kern="1200" spc="0" baseline="0">
-                <a:gradFill>
-                  <a:gsLst>
-                    <a:gs pos="1250">
-                      <a:schemeClr val="tx1"/>
-                    </a:gs>
-                    <a:gs pos="100000">
-                      <a:schemeClr val="tx1"/>
-                    </a:gs>
-                  </a:gsLst>
-                  <a:lin ang="5400000" scaled="0"/>
-                </a:gradFill>
-                <a:latin typeface="+mn-lt"/>
-                <a:ea typeface="+mn-ea"/>
-                <a:cs typeface="+mn-cs"/>
-              </a:defRPr>
-            </a:lvl3pPr>
-            <a:lvl4pPr marL="1028503" marR="0" indent="-228557" algn="l" defTabSz="932563" rtl="0" eaLnBrk="1" fontAlgn="auto" latinLnBrk="0" hangingPunct="1">
-              <a:lnSpc>
-                <a:spcPct val="90000"/>
-              </a:lnSpc>
-              <a:spcBef>
-                <a:spcPct val="20000"/>
-              </a:spcBef>
-              <a:spcAft>
-                <a:spcPts val="0"/>
-              </a:spcAft>
-              <a:buClrTx/>
-              <a:buSzPct val="90000"/>
-              <a:buFont typeface="Arial" pitchFamily="34" charset="0"/>
-              <a:buChar char="•"/>
-              <a:tabLst/>
-              <a:defRPr sz="1800" kern="1200" spc="0" baseline="0">
-                <a:gradFill>
-                  <a:gsLst>
-                    <a:gs pos="1250">
-                      <a:schemeClr val="tx1"/>
-                    </a:gs>
-                    <a:gs pos="100000">
-                      <a:schemeClr val="tx1"/>
-                    </a:gs>
-                  </a:gsLst>
-                  <a:lin ang="5400000" scaled="0"/>
-                </a:gradFill>
-                <a:latin typeface="+mn-lt"/>
-                <a:ea typeface="+mn-ea"/>
-                <a:cs typeface="+mn-cs"/>
-              </a:defRPr>
-            </a:lvl4pPr>
-            <a:lvl5pPr marL="1257058" marR="0" indent="-228557" algn="l" defTabSz="932563" rtl="0" eaLnBrk="1" fontAlgn="auto" latinLnBrk="0" hangingPunct="1">
-              <a:lnSpc>
-                <a:spcPct val="90000"/>
-              </a:lnSpc>
-              <a:spcBef>
-                <a:spcPct val="20000"/>
-              </a:spcBef>
-              <a:spcAft>
-                <a:spcPts val="0"/>
-              </a:spcAft>
-              <a:buClrTx/>
-              <a:buSzPct val="90000"/>
-              <a:buFont typeface="Arial" pitchFamily="34" charset="0"/>
-              <a:buChar char="•"/>
-              <a:tabLst/>
-              <a:defRPr sz="1800" kern="1200" spc="0" baseline="0">
-                <a:gradFill>
-                  <a:gsLst>
-                    <a:gs pos="1250">
-                      <a:schemeClr val="tx1"/>
-                    </a:gs>
-                    <a:gs pos="100000">
-                      <a:schemeClr val="tx1"/>
-                    </a:gs>
-                  </a:gsLst>
-                  <a:lin ang="5400000" scaled="0"/>
-                </a:gradFill>
-                <a:latin typeface="+mn-lt"/>
-                <a:ea typeface="+mn-ea"/>
-                <a:cs typeface="+mn-cs"/>
-              </a:defRPr>
-            </a:lvl5pPr>
-            <a:lvl6pPr marL="2564548" indent="-233141" algn="l" defTabSz="932563" rtl="0" eaLnBrk="1" latinLnBrk="0" hangingPunct="1">
-              <a:spcBef>
-                <a:spcPct val="20000"/>
-              </a:spcBef>
-              <a:buFont typeface="Arial" pitchFamily="34" charset="0"/>
-              <a:buChar char="•"/>
-              <a:defRPr sz="2000" kern="1200">
-                <a:solidFill>
-                  <a:schemeClr val="tx1"/>
-                </a:solidFill>
-                <a:latin typeface="+mn-lt"/>
-                <a:ea typeface="+mn-ea"/>
-                <a:cs typeface="+mn-cs"/>
-              </a:defRPr>
-            </a:lvl6pPr>
-            <a:lvl7pPr marL="3030830" indent="-233141" algn="l" defTabSz="932563" rtl="0" eaLnBrk="1" latinLnBrk="0" hangingPunct="1">
-              <a:spcBef>
-                <a:spcPct val="20000"/>
-              </a:spcBef>
-              <a:buFont typeface="Arial" pitchFamily="34" charset="0"/>
-              <a:buChar char="•"/>
-              <a:defRPr sz="2000" kern="1200">
-                <a:solidFill>
-                  <a:schemeClr val="tx1"/>
-                </a:solidFill>
-                <a:latin typeface="+mn-lt"/>
-                <a:ea typeface="+mn-ea"/>
-                <a:cs typeface="+mn-cs"/>
-              </a:defRPr>
-            </a:lvl7pPr>
-            <a:lvl8pPr marL="3497112" indent="-233141" algn="l" defTabSz="932563" rtl="0" eaLnBrk="1" latinLnBrk="0" hangingPunct="1">
-              <a:spcBef>
-                <a:spcPct val="20000"/>
-              </a:spcBef>
-              <a:buFont typeface="Arial" pitchFamily="34" charset="0"/>
-              <a:buChar char="•"/>
-              <a:defRPr sz="2000" kern="1200">
-                <a:solidFill>
-                  <a:schemeClr val="tx1"/>
-                </a:solidFill>
-                <a:latin typeface="+mn-lt"/>
-                <a:ea typeface="+mn-ea"/>
-                <a:cs typeface="+mn-cs"/>
-              </a:defRPr>
-            </a:lvl8pPr>
-            <a:lvl9pPr marL="3963394" indent="-233141" algn="l" defTabSz="932563" rtl="0" eaLnBrk="1" latinLnBrk="0" hangingPunct="1">
-              <a:spcBef>
-                <a:spcPct val="20000"/>
-              </a:spcBef>
-              <a:buFont typeface="Arial" pitchFamily="34" charset="0"/>
-              <a:buChar char="•"/>
-              <a:defRPr sz="2000" kern="1200">
-                <a:solidFill>
-                  <a:schemeClr val="tx1"/>
-                </a:solidFill>
-                <a:latin typeface="+mn-lt"/>
-                <a:ea typeface="+mn-ea"/>
-                <a:cs typeface="+mn-cs"/>
-              </a:defRPr>
-            </a:lvl9pPr>
-          </a:lstStyle>
-          <a:p>
-            <a:pPr marL="0" indent="0">
-              <a:buNone/>
-            </a:pPr>
-            <a:r>
-              <a:rPr lang="en-US" sz="3200" dirty="0"/>
-              <a:t> </a:t>
-            </a:r>
-          </a:p>
-        </p:txBody>
-      </p:sp>
-      <p:sp>
-        <p:nvSpPr>
-          <p:cNvPr id="6" name="Text Placeholder 6"/>
-          <p:cNvSpPr txBox="1">
-            <a:spLocks/>
-          </p:cNvSpPr>
-          <p:nvPr/>
-        </p:nvSpPr>
-        <p:spPr>
-          <a:xfrm>
-            <a:off x="518160" y="1944747"/>
-            <a:ext cx="11704320" cy="4524315"/>
-          </a:xfrm>
-          <a:prstGeom prst="rect">
-            <a:avLst/>
-          </a:prstGeom>
-        </p:spPr>
-        <p:txBody>
-          <a:bodyPr/>
-          <a:lstStyle>
-            <a:lvl1pPr marL="342834" marR="0" indent="-342834" algn="l" defTabSz="932563" rtl="0" eaLnBrk="1" fontAlgn="auto" latinLnBrk="0" hangingPunct="1">
-              <a:lnSpc>
-                <a:spcPct val="90000"/>
-              </a:lnSpc>
-              <a:spcBef>
-                <a:spcPct val="20000"/>
-              </a:spcBef>
-              <a:spcAft>
-                <a:spcPts val="0"/>
-              </a:spcAft>
-              <a:buClrTx/>
-              <a:buSzPct val="90000"/>
-              <a:buFont typeface="Arial" pitchFamily="34" charset="0"/>
-              <a:buChar char="•"/>
-              <a:tabLst/>
-              <a:defRPr sz="3999" kern="1200" spc="0" baseline="0">
-                <a:gradFill>
-                  <a:gsLst>
-                    <a:gs pos="1250">
-                      <a:schemeClr val="tx1"/>
-                    </a:gs>
-                    <a:gs pos="100000">
-                      <a:schemeClr val="tx1"/>
-                    </a:gs>
-                  </a:gsLst>
-                  <a:lin ang="5400000" scaled="0"/>
-                </a:gradFill>
-                <a:latin typeface="+mj-lt"/>
-                <a:ea typeface="+mn-ea"/>
-                <a:cs typeface="+mn-cs"/>
-              </a:defRPr>
-            </a:lvl1pPr>
-            <a:lvl2pPr marL="584088" marR="0" indent="-241253" algn="l" defTabSz="932563" rtl="0" eaLnBrk="1" fontAlgn="auto" latinLnBrk="0" hangingPunct="1">
-              <a:lnSpc>
-                <a:spcPct val="90000"/>
-              </a:lnSpc>
-              <a:spcBef>
-                <a:spcPct val="20000"/>
-              </a:spcBef>
-              <a:spcAft>
-                <a:spcPts val="0"/>
-              </a:spcAft>
-              <a:buClrTx/>
-              <a:buSzPct val="90000"/>
-              <a:buFont typeface="Arial" pitchFamily="34" charset="0"/>
-              <a:buChar char="•"/>
-              <a:tabLst/>
-              <a:defRPr sz="2400" kern="1200" spc="0" baseline="0">
-                <a:gradFill>
-                  <a:gsLst>
-                    <a:gs pos="1250">
-                      <a:schemeClr val="tx1"/>
-                    </a:gs>
-                    <a:gs pos="100000">
-                      <a:schemeClr val="tx1"/>
-                    </a:gs>
-                  </a:gsLst>
-                  <a:lin ang="5400000" scaled="0"/>
-                </a:gradFill>
-                <a:latin typeface="+mn-lt"/>
-                <a:ea typeface="+mn-ea"/>
-                <a:cs typeface="+mn-cs"/>
-              </a:defRPr>
-            </a:lvl2pPr>
-            <a:lvl3pPr marL="799946" marR="0" indent="-228557" algn="l" defTabSz="932563" rtl="0" eaLnBrk="1" fontAlgn="auto" latinLnBrk="0" hangingPunct="1">
-              <a:lnSpc>
-                <a:spcPct val="90000"/>
-              </a:lnSpc>
-              <a:spcBef>
-                <a:spcPct val="20000"/>
-              </a:spcBef>
-              <a:spcAft>
-                <a:spcPts val="0"/>
-              </a:spcAft>
-              <a:buClrTx/>
-              <a:buSzPct val="90000"/>
-              <a:buFont typeface="Arial" pitchFamily="34" charset="0"/>
-              <a:buChar char="•"/>
-              <a:tabLst/>
-              <a:defRPr sz="2000" kern="1200" spc="0" baseline="0">
-                <a:gradFill>
-                  <a:gsLst>
-                    <a:gs pos="1250">
-                      <a:schemeClr val="tx1"/>
-                    </a:gs>
-                    <a:gs pos="100000">
-                      <a:schemeClr val="tx1"/>
-                    </a:gs>
-                  </a:gsLst>
-                  <a:lin ang="5400000" scaled="0"/>
-                </a:gradFill>
-                <a:latin typeface="+mn-lt"/>
-                <a:ea typeface="+mn-ea"/>
-                <a:cs typeface="+mn-cs"/>
-              </a:defRPr>
-            </a:lvl3pPr>
-            <a:lvl4pPr marL="1028503" marR="0" indent="-228557" algn="l" defTabSz="932563" rtl="0" eaLnBrk="1" fontAlgn="auto" latinLnBrk="0" hangingPunct="1">
-              <a:lnSpc>
-                <a:spcPct val="90000"/>
-              </a:lnSpc>
-              <a:spcBef>
-                <a:spcPct val="20000"/>
-              </a:spcBef>
-              <a:spcAft>
-                <a:spcPts val="0"/>
-              </a:spcAft>
-              <a:buClrTx/>
-              <a:buSzPct val="90000"/>
-              <a:buFont typeface="Arial" pitchFamily="34" charset="0"/>
-              <a:buChar char="•"/>
-              <a:tabLst/>
-              <a:defRPr sz="1800" kern="1200" spc="0" baseline="0">
-                <a:gradFill>
-                  <a:gsLst>
-                    <a:gs pos="1250">
-                      <a:schemeClr val="tx1"/>
-                    </a:gs>
-                    <a:gs pos="100000">
-                      <a:schemeClr val="tx1"/>
-                    </a:gs>
-                  </a:gsLst>
-                  <a:lin ang="5400000" scaled="0"/>
-                </a:gradFill>
-                <a:latin typeface="+mn-lt"/>
-                <a:ea typeface="+mn-ea"/>
-                <a:cs typeface="+mn-cs"/>
-              </a:defRPr>
-            </a:lvl4pPr>
-            <a:lvl5pPr marL="1257058" marR="0" indent="-228557" algn="l" defTabSz="932563" rtl="0" eaLnBrk="1" fontAlgn="auto" latinLnBrk="0" hangingPunct="1">
-              <a:lnSpc>
-                <a:spcPct val="90000"/>
-              </a:lnSpc>
-              <a:spcBef>
-                <a:spcPct val="20000"/>
-              </a:spcBef>
-              <a:spcAft>
-                <a:spcPts val="0"/>
-              </a:spcAft>
-              <a:buClrTx/>
-              <a:buSzPct val="90000"/>
-              <a:buFont typeface="Arial" pitchFamily="34" charset="0"/>
-              <a:buChar char="•"/>
-              <a:tabLst/>
-              <a:defRPr sz="1800" kern="1200" spc="0" baseline="0">
-                <a:gradFill>
-                  <a:gsLst>
-                    <a:gs pos="1250">
-                      <a:schemeClr val="tx1"/>
-                    </a:gs>
-                    <a:gs pos="100000">
-                      <a:schemeClr val="tx1"/>
-                    </a:gs>
-                  </a:gsLst>
-                  <a:lin ang="5400000" scaled="0"/>
-                </a:gradFill>
-                <a:latin typeface="+mn-lt"/>
-                <a:ea typeface="+mn-ea"/>
-                <a:cs typeface="+mn-cs"/>
-              </a:defRPr>
-            </a:lvl5pPr>
-            <a:lvl6pPr marL="2564548" indent="-233141" algn="l" defTabSz="932563" rtl="0" eaLnBrk="1" latinLnBrk="0" hangingPunct="1">
-              <a:spcBef>
-                <a:spcPct val="20000"/>
-              </a:spcBef>
-              <a:buFont typeface="Arial" pitchFamily="34" charset="0"/>
-              <a:buChar char="•"/>
-              <a:defRPr sz="2000" kern="1200">
-                <a:solidFill>
-                  <a:schemeClr val="tx1"/>
-                </a:solidFill>
-                <a:latin typeface="+mn-lt"/>
-                <a:ea typeface="+mn-ea"/>
-                <a:cs typeface="+mn-cs"/>
-              </a:defRPr>
-            </a:lvl6pPr>
-            <a:lvl7pPr marL="3030830" indent="-233141" algn="l" defTabSz="932563" rtl="0" eaLnBrk="1" latinLnBrk="0" hangingPunct="1">
-              <a:spcBef>
-                <a:spcPct val="20000"/>
-              </a:spcBef>
-              <a:buFont typeface="Arial" pitchFamily="34" charset="0"/>
-              <a:buChar char="•"/>
-              <a:defRPr sz="2000" kern="1200">
-                <a:solidFill>
-                  <a:schemeClr val="tx1"/>
-                </a:solidFill>
-                <a:latin typeface="+mn-lt"/>
-                <a:ea typeface="+mn-ea"/>
-                <a:cs typeface="+mn-cs"/>
-              </a:defRPr>
-            </a:lvl7pPr>
-            <a:lvl8pPr marL="3497112" indent="-233141" algn="l" defTabSz="932563" rtl="0" eaLnBrk="1" latinLnBrk="0" hangingPunct="1">
-              <a:spcBef>
-                <a:spcPct val="20000"/>
-              </a:spcBef>
-              <a:buFont typeface="Arial" pitchFamily="34" charset="0"/>
-              <a:buChar char="•"/>
-              <a:defRPr sz="2000" kern="1200">
-                <a:solidFill>
-                  <a:schemeClr val="tx1"/>
-                </a:solidFill>
-                <a:latin typeface="+mn-lt"/>
-                <a:ea typeface="+mn-ea"/>
-                <a:cs typeface="+mn-cs"/>
-              </a:defRPr>
-            </a:lvl8pPr>
-            <a:lvl9pPr marL="3963394" indent="-233141" algn="l" defTabSz="932563" rtl="0" eaLnBrk="1" latinLnBrk="0" hangingPunct="1">
-              <a:spcBef>
-                <a:spcPct val="20000"/>
-              </a:spcBef>
-              <a:buFont typeface="Arial" pitchFamily="34" charset="0"/>
-              <a:buChar char="•"/>
-              <a:defRPr sz="2000" kern="1200">
-                <a:solidFill>
-                  <a:schemeClr val="tx1"/>
-                </a:solidFill>
-                <a:latin typeface="+mn-lt"/>
-                <a:ea typeface="+mn-ea"/>
-                <a:cs typeface="+mn-cs"/>
-              </a:defRPr>
-            </a:lvl9pPr>
-          </a:lstStyle>
-          <a:p>
-            <a:pPr marL="0" indent="0">
-              <a:buNone/>
-            </a:pPr>
-            <a:endParaRPr lang="en-US" sz="3200" dirty="0"/>
-          </a:p>
-        </p:txBody>
-      </p:sp>
-      <p:sp>
-        <p:nvSpPr>
-          <p:cNvPr id="18" name="Rectangle 17"/>
-          <p:cNvSpPr/>
-          <p:nvPr/>
-        </p:nvSpPr>
-        <p:spPr bwMode="auto">
-          <a:xfrm>
-            <a:off x="1968859" y="2073319"/>
-            <a:ext cx="9586277" cy="661943"/>
-          </a:xfrm>
-          <a:prstGeom prst="rect">
-            <a:avLst/>
-          </a:prstGeom>
-          <a:solidFill>
-            <a:schemeClr val="accent1"/>
-          </a:solidFill>
-          <a:ln>
-            <a:noFill/>
-            <a:headEnd type="none" w="med" len="med"/>
-            <a:tailEnd type="none" w="med" len="med"/>
-          </a:ln>
-          <a:effectLst/>
-        </p:spPr>
-        <p:style>
-          <a:lnRef idx="1">
-            <a:schemeClr val="accent2"/>
-          </a:lnRef>
-          <a:fillRef idx="3">
-            <a:schemeClr val="accent2"/>
-          </a:fillRef>
-          <a:effectRef idx="2">
-            <a:schemeClr val="accent2"/>
-          </a:effectRef>
-          <a:fontRef idx="minor">
-            <a:schemeClr val="lt1"/>
-          </a:fontRef>
-        </p:style>
-        <p:txBody>
-          <a:bodyPr rot="0" spcFirstLastPara="0" vertOverflow="overflow" horzOverflow="overflow" vert="horz" wrap="square" lIns="182880" tIns="146304" rIns="182880" bIns="146304" numCol="1" spcCol="0" rtlCol="0" fromWordArt="0" anchor="ctr" anchorCtr="0" forceAA="0" compatLnSpc="1">
-            <a:prstTxWarp prst="textNoShape">
-              <a:avLst/>
-            </a:prstTxWarp>
-            <a:noAutofit/>
-          </a:bodyPr>
-          <a:lstStyle/>
-          <a:p>
-            <a:r>
-              <a:rPr lang="en-US" dirty="0"/>
-              <a:t>Integrate your game code with ANGLE</a:t>
-            </a:r>
-          </a:p>
-        </p:txBody>
-      </p:sp>
-      <p:sp>
-        <p:nvSpPr>
-          <p:cNvPr id="19" name="Rectangle 18"/>
-          <p:cNvSpPr/>
-          <p:nvPr/>
-        </p:nvSpPr>
-        <p:spPr bwMode="auto">
-          <a:xfrm>
-            <a:off x="808037" y="2068905"/>
-            <a:ext cx="795309" cy="666357"/>
-          </a:xfrm>
-          <a:prstGeom prst="rect">
-            <a:avLst/>
-          </a:prstGeom>
-          <a:solidFill>
-            <a:srgbClr val="00B0F0"/>
-          </a:solidFill>
-          <a:ln>
-            <a:noFill/>
-            <a:headEnd type="none" w="med" len="med"/>
-            <a:tailEnd type="none" w="med" len="med"/>
-          </a:ln>
-          <a:effectLst/>
-        </p:spPr>
-        <p:style>
-          <a:lnRef idx="1">
-            <a:schemeClr val="accent2"/>
-          </a:lnRef>
-          <a:fillRef idx="3">
-            <a:schemeClr val="accent2"/>
-          </a:fillRef>
-          <a:effectRef idx="2">
-            <a:schemeClr val="accent2"/>
-          </a:effectRef>
-          <a:fontRef idx="minor">
-            <a:schemeClr val="lt1"/>
-          </a:fontRef>
-        </p:style>
-        <p:txBody>
-          <a:bodyPr rot="0" spcFirstLastPara="0" vertOverflow="overflow" horzOverflow="overflow" vert="horz" wrap="square" lIns="182880" tIns="146304" rIns="182880" bIns="146304" numCol="1" spcCol="0" rtlCol="0" fromWordArt="0" anchor="ctr" anchorCtr="0" forceAA="0" compatLnSpc="1">
-            <a:prstTxWarp prst="textNoShape">
-              <a:avLst/>
-            </a:prstTxWarp>
-            <a:noAutofit/>
-          </a:bodyPr>
-          <a:lstStyle/>
-          <a:p>
-            <a:pPr algn="ctr" defTabSz="932472" fontAlgn="base">
-              <a:lnSpc>
-                <a:spcPct val="90000"/>
-              </a:lnSpc>
-              <a:spcBef>
-                <a:spcPct val="0"/>
-              </a:spcBef>
-              <a:spcAft>
-                <a:spcPct val="0"/>
-              </a:spcAft>
-            </a:pPr>
-            <a:r>
-              <a:rPr lang="en-US" sz="4000" dirty="0">
-                <a:gradFill>
-                  <a:gsLst>
-                    <a:gs pos="0">
-                      <a:srgbClr val="FFFFFF"/>
-                    </a:gs>
-                    <a:gs pos="100000">
-                      <a:srgbClr val="FFFFFF"/>
-                    </a:gs>
-                  </a:gsLst>
-                  <a:lin ang="5400000" scaled="0"/>
-                </a:gradFill>
-                <a:ea typeface="Segoe UI" pitchFamily="34" charset="0"/>
-                <a:cs typeface="Segoe UI" pitchFamily="34" charset="0"/>
-              </a:rPr>
-              <a:t>2</a:t>
-            </a:r>
-          </a:p>
-        </p:txBody>
-      </p:sp>
-    </p:spTree>
-    <p:extLst>
-      <p:ext uri="{BB962C8B-B14F-4D97-AF65-F5344CB8AC3E}">
-        <p14:creationId xmlns:p14="http://schemas.microsoft.com/office/powerpoint/2010/main" val="508322021"/>
-      </p:ext>
-    </p:extLst>
-  </p:cSld>
-  <p:clrMapOvr>
-    <a:masterClrMapping/>
-  </p:clrMapOvr>
-  <mc:AlternateContent xmlns:mc="http://schemas.openxmlformats.org/markup-compatibility/2006" xmlns:p14="http://schemas.microsoft.com/office/powerpoint/2010/main">
-    <mc:Choice Requires="p14">
-      <p:transition p14:dur="0"/>
-    </mc:Choice>
-    <mc:Fallback xmlns="">
-      <p:transition/>
-    </mc:Fallback>
-  </mc:AlternateContent>
-</p:sld>
-</file>
-
-<file path=ppt/slides/slide14.xml><?xml version="1.0" encoding="utf-8"?>
-<p:sld xmlns:a="http://schemas.openxmlformats.org/drawingml/2006/main" xmlns:r="http://schemas.openxmlformats.org/officeDocument/2006/relationships" xmlns:p="http://schemas.openxmlformats.org/presentationml/2006/main">
-  <p:cSld>
-    <p:spTree>
-      <p:nvGrpSpPr>
-        <p:cNvPr id="1" name=""/>
-        <p:cNvGrpSpPr/>
-        <p:nvPr/>
-      </p:nvGrpSpPr>
-      <p:grpSpPr>
-        <a:xfrm>
-          <a:off x="0" y="0"/>
-          <a:ext cx="0" cy="0"/>
-          <a:chOff x="0" y="0"/>
-          <a:chExt cx="0" cy="0"/>
-        </a:xfrm>
-      </p:grpSpPr>
-      <p:sp>
-        <p:nvSpPr>
-          <p:cNvPr id="71" name="Rectangle 70"/>
-          <p:cNvSpPr/>
-          <p:nvPr/>
-        </p:nvSpPr>
-        <p:spPr bwMode="auto">
-          <a:xfrm>
-            <a:off x="882" y="1547274"/>
-            <a:ext cx="12434711" cy="5298882"/>
-          </a:xfrm>
-          <a:prstGeom prst="rect">
-            <a:avLst/>
-          </a:prstGeom>
-          <a:solidFill>
-            <a:schemeClr val="bg1"/>
-          </a:solidFill>
-          <a:ln>
-            <a:noFill/>
-            <a:headEnd type="none" w="med" len="med"/>
-            <a:tailEnd type="none" w="med" len="med"/>
-          </a:ln>
-        </p:spPr>
-        <p:style>
-          <a:lnRef idx="2">
-            <a:schemeClr val="accent1">
-              <a:shade val="50000"/>
-            </a:schemeClr>
-          </a:lnRef>
-          <a:fillRef idx="1">
-            <a:schemeClr val="accent1"/>
-          </a:fillRef>
-          <a:effectRef idx="0">
-            <a:schemeClr val="accent1"/>
-          </a:effectRef>
-          <a:fontRef idx="minor">
-            <a:schemeClr val="lt1"/>
-          </a:fontRef>
-        </p:style>
-        <p:txBody>
-          <a:bodyPr vert="horz" wrap="square" lIns="0" tIns="47565" rIns="0" bIns="47565" numCol="1" rtlCol="0" anchor="ctr" anchorCtr="0" compatLnSpc="1">
-            <a:prstTxWarp prst="textNoShape">
-              <a:avLst/>
-            </a:prstTxWarp>
-          </a:bodyPr>
-          <a:lstStyle/>
-          <a:p>
-            <a:pPr algn="ctr" defTabSz="951028" fontAlgn="base">
-              <a:spcBef>
-                <a:spcPct val="0"/>
-              </a:spcBef>
-              <a:spcAft>
-                <a:spcPct val="0"/>
-              </a:spcAft>
-              <a:defRPr/>
-            </a:pPr>
-            <a:endParaRPr lang="en-US" sz="2040" dirty="0">
-              <a:gradFill>
-                <a:gsLst>
-                  <a:gs pos="0">
-                    <a:srgbClr val="FFFFFF"/>
-                  </a:gs>
-                  <a:gs pos="100000">
-                    <a:srgbClr val="FFFFFF"/>
-                  </a:gs>
-                </a:gsLst>
-                <a:lin ang="5400000" scaled="0"/>
-              </a:gradFill>
-              <a:latin typeface="Segoe UI"/>
-            </a:endParaRPr>
-          </a:p>
-        </p:txBody>
-      </p:sp>
-      <p:sp>
-        <p:nvSpPr>
-          <p:cNvPr id="2" name="Title 1"/>
-          <p:cNvSpPr>
-            <a:spLocks noGrp="1"/>
-          </p:cNvSpPr>
-          <p:nvPr>
-            <p:ph type="title"/>
-          </p:nvPr>
-        </p:nvSpPr>
-        <p:spPr/>
-        <p:txBody>
-          <a:bodyPr/>
-          <a:lstStyle/>
-          <a:p>
-            <a:r>
-              <a:rPr lang="en-US" dirty="0"/>
-              <a:t>ANGLE Lab Exercises</a:t>
-            </a:r>
-          </a:p>
-        </p:txBody>
-      </p:sp>
-      <p:sp>
-        <p:nvSpPr>
-          <p:cNvPr id="5" name="Text Placeholder 6"/>
-          <p:cNvSpPr txBox="1">
-            <a:spLocks/>
-          </p:cNvSpPr>
-          <p:nvPr/>
-        </p:nvSpPr>
-        <p:spPr>
-          <a:xfrm>
-            <a:off x="365760" y="1792347"/>
-            <a:ext cx="11704320" cy="4524315"/>
-          </a:xfrm>
-          <a:prstGeom prst="rect">
-            <a:avLst/>
-          </a:prstGeom>
-        </p:spPr>
-        <p:txBody>
-          <a:bodyPr/>
-          <a:lstStyle>
-            <a:lvl1pPr marL="342834" marR="0" indent="-342834" algn="l" defTabSz="932563" rtl="0" eaLnBrk="1" fontAlgn="auto" latinLnBrk="0" hangingPunct="1">
-              <a:lnSpc>
-                <a:spcPct val="90000"/>
-              </a:lnSpc>
-              <a:spcBef>
-                <a:spcPct val="20000"/>
-              </a:spcBef>
-              <a:spcAft>
-                <a:spcPts val="0"/>
-              </a:spcAft>
-              <a:buClrTx/>
-              <a:buSzPct val="90000"/>
-              <a:buFont typeface="Arial" pitchFamily="34" charset="0"/>
-              <a:buChar char="•"/>
-              <a:tabLst/>
-              <a:defRPr sz="3999" kern="1200" spc="0" baseline="0">
-                <a:gradFill>
-                  <a:gsLst>
-                    <a:gs pos="1250">
-                      <a:schemeClr val="tx1"/>
-                    </a:gs>
-                    <a:gs pos="100000">
-                      <a:schemeClr val="tx1"/>
-                    </a:gs>
-                  </a:gsLst>
-                  <a:lin ang="5400000" scaled="0"/>
-                </a:gradFill>
-                <a:latin typeface="+mj-lt"/>
-                <a:ea typeface="+mn-ea"/>
-                <a:cs typeface="+mn-cs"/>
-              </a:defRPr>
-            </a:lvl1pPr>
-            <a:lvl2pPr marL="584088" marR="0" indent="-241253" algn="l" defTabSz="932563" rtl="0" eaLnBrk="1" fontAlgn="auto" latinLnBrk="0" hangingPunct="1">
-              <a:lnSpc>
-                <a:spcPct val="90000"/>
-              </a:lnSpc>
-              <a:spcBef>
-                <a:spcPct val="20000"/>
-              </a:spcBef>
-              <a:spcAft>
-                <a:spcPts val="0"/>
-              </a:spcAft>
-              <a:buClrTx/>
-              <a:buSzPct val="90000"/>
-              <a:buFont typeface="Arial" pitchFamily="34" charset="0"/>
-              <a:buChar char="•"/>
-              <a:tabLst/>
-              <a:defRPr sz="2400" kern="1200" spc="0" baseline="0">
-                <a:gradFill>
-                  <a:gsLst>
-                    <a:gs pos="1250">
-                      <a:schemeClr val="tx1"/>
-                    </a:gs>
-                    <a:gs pos="100000">
-                      <a:schemeClr val="tx1"/>
-                    </a:gs>
-                  </a:gsLst>
-                  <a:lin ang="5400000" scaled="0"/>
-                </a:gradFill>
-                <a:latin typeface="+mn-lt"/>
-                <a:ea typeface="+mn-ea"/>
-                <a:cs typeface="+mn-cs"/>
-              </a:defRPr>
-            </a:lvl2pPr>
-            <a:lvl3pPr marL="799946" marR="0" indent="-228557" algn="l" defTabSz="932563" rtl="0" eaLnBrk="1" fontAlgn="auto" latinLnBrk="0" hangingPunct="1">
-              <a:lnSpc>
-                <a:spcPct val="90000"/>
-              </a:lnSpc>
-              <a:spcBef>
-                <a:spcPct val="20000"/>
-              </a:spcBef>
-              <a:spcAft>
-                <a:spcPts val="0"/>
-              </a:spcAft>
-              <a:buClrTx/>
-              <a:buSzPct val="90000"/>
-              <a:buFont typeface="Arial" pitchFamily="34" charset="0"/>
-              <a:buChar char="•"/>
-              <a:tabLst/>
-              <a:defRPr sz="2000" kern="1200" spc="0" baseline="0">
-                <a:gradFill>
-                  <a:gsLst>
-                    <a:gs pos="1250">
-                      <a:schemeClr val="tx1"/>
-                    </a:gs>
-                    <a:gs pos="100000">
-                      <a:schemeClr val="tx1"/>
-                    </a:gs>
-                  </a:gsLst>
-                  <a:lin ang="5400000" scaled="0"/>
-                </a:gradFill>
-                <a:latin typeface="+mn-lt"/>
-                <a:ea typeface="+mn-ea"/>
-                <a:cs typeface="+mn-cs"/>
-              </a:defRPr>
-            </a:lvl3pPr>
-            <a:lvl4pPr marL="1028503" marR="0" indent="-228557" algn="l" defTabSz="932563" rtl="0" eaLnBrk="1" fontAlgn="auto" latinLnBrk="0" hangingPunct="1">
-              <a:lnSpc>
-                <a:spcPct val="90000"/>
-              </a:lnSpc>
-              <a:spcBef>
-                <a:spcPct val="20000"/>
-              </a:spcBef>
-              <a:spcAft>
-                <a:spcPts val="0"/>
-              </a:spcAft>
-              <a:buClrTx/>
-              <a:buSzPct val="90000"/>
-              <a:buFont typeface="Arial" pitchFamily="34" charset="0"/>
-              <a:buChar char="•"/>
-              <a:tabLst/>
-              <a:defRPr sz="1800" kern="1200" spc="0" baseline="0">
-                <a:gradFill>
-                  <a:gsLst>
-                    <a:gs pos="1250">
-                      <a:schemeClr val="tx1"/>
-                    </a:gs>
-                    <a:gs pos="100000">
-                      <a:schemeClr val="tx1"/>
-                    </a:gs>
-                  </a:gsLst>
-                  <a:lin ang="5400000" scaled="0"/>
-                </a:gradFill>
-                <a:latin typeface="+mn-lt"/>
-                <a:ea typeface="+mn-ea"/>
-                <a:cs typeface="+mn-cs"/>
-              </a:defRPr>
-            </a:lvl4pPr>
-            <a:lvl5pPr marL="1257058" marR="0" indent="-228557" algn="l" defTabSz="932563" rtl="0" eaLnBrk="1" fontAlgn="auto" latinLnBrk="0" hangingPunct="1">
-              <a:lnSpc>
-                <a:spcPct val="90000"/>
-              </a:lnSpc>
-              <a:spcBef>
-                <a:spcPct val="20000"/>
-              </a:spcBef>
-              <a:spcAft>
-                <a:spcPts val="0"/>
-              </a:spcAft>
-              <a:buClrTx/>
-              <a:buSzPct val="90000"/>
-              <a:buFont typeface="Arial" pitchFamily="34" charset="0"/>
-              <a:buChar char="•"/>
-              <a:tabLst/>
-              <a:defRPr sz="1800" kern="1200" spc="0" baseline="0">
-                <a:gradFill>
-                  <a:gsLst>
-                    <a:gs pos="1250">
-                      <a:schemeClr val="tx1"/>
-                    </a:gs>
-                    <a:gs pos="100000">
-                      <a:schemeClr val="tx1"/>
-                    </a:gs>
-                  </a:gsLst>
-                  <a:lin ang="5400000" scaled="0"/>
-                </a:gradFill>
-                <a:latin typeface="+mn-lt"/>
-                <a:ea typeface="+mn-ea"/>
-                <a:cs typeface="+mn-cs"/>
-              </a:defRPr>
-            </a:lvl5pPr>
-            <a:lvl6pPr marL="2564548" indent="-233141" algn="l" defTabSz="932563" rtl="0" eaLnBrk="1" latinLnBrk="0" hangingPunct="1">
-              <a:spcBef>
-                <a:spcPct val="20000"/>
-              </a:spcBef>
-              <a:buFont typeface="Arial" pitchFamily="34" charset="0"/>
-              <a:buChar char="•"/>
-              <a:defRPr sz="2000" kern="1200">
-                <a:solidFill>
-                  <a:schemeClr val="tx1"/>
-                </a:solidFill>
-                <a:latin typeface="+mn-lt"/>
-                <a:ea typeface="+mn-ea"/>
-                <a:cs typeface="+mn-cs"/>
-              </a:defRPr>
-            </a:lvl6pPr>
-            <a:lvl7pPr marL="3030830" indent="-233141" algn="l" defTabSz="932563" rtl="0" eaLnBrk="1" latinLnBrk="0" hangingPunct="1">
-              <a:spcBef>
-                <a:spcPct val="20000"/>
-              </a:spcBef>
-              <a:buFont typeface="Arial" pitchFamily="34" charset="0"/>
-              <a:buChar char="•"/>
-              <a:defRPr sz="2000" kern="1200">
-                <a:solidFill>
-                  <a:schemeClr val="tx1"/>
-                </a:solidFill>
-                <a:latin typeface="+mn-lt"/>
-                <a:ea typeface="+mn-ea"/>
-                <a:cs typeface="+mn-cs"/>
-              </a:defRPr>
-            </a:lvl7pPr>
-            <a:lvl8pPr marL="3497112" indent="-233141" algn="l" defTabSz="932563" rtl="0" eaLnBrk="1" latinLnBrk="0" hangingPunct="1">
-              <a:spcBef>
-                <a:spcPct val="20000"/>
-              </a:spcBef>
-              <a:buFont typeface="Arial" pitchFamily="34" charset="0"/>
-              <a:buChar char="•"/>
-              <a:defRPr sz="2000" kern="1200">
-                <a:solidFill>
-                  <a:schemeClr val="tx1"/>
-                </a:solidFill>
-                <a:latin typeface="+mn-lt"/>
-                <a:ea typeface="+mn-ea"/>
-                <a:cs typeface="+mn-cs"/>
-              </a:defRPr>
-            </a:lvl8pPr>
-            <a:lvl9pPr marL="3963394" indent="-233141" algn="l" defTabSz="932563" rtl="0" eaLnBrk="1" latinLnBrk="0" hangingPunct="1">
-              <a:spcBef>
-                <a:spcPct val="20000"/>
-              </a:spcBef>
-              <a:buFont typeface="Arial" pitchFamily="34" charset="0"/>
-              <a:buChar char="•"/>
-              <a:defRPr sz="2000" kern="1200">
-                <a:solidFill>
-                  <a:schemeClr val="tx1"/>
-                </a:solidFill>
-                <a:latin typeface="+mn-lt"/>
-                <a:ea typeface="+mn-ea"/>
-                <a:cs typeface="+mn-cs"/>
-              </a:defRPr>
-            </a:lvl9pPr>
-          </a:lstStyle>
-          <a:p>
-            <a:pPr marL="0" indent="0">
-              <a:buNone/>
-            </a:pPr>
-            <a:r>
-              <a:rPr lang="en-US" sz="3200" dirty="0"/>
-              <a:t> </a:t>
-            </a:r>
-          </a:p>
-        </p:txBody>
-      </p:sp>
-      <p:sp>
-        <p:nvSpPr>
-          <p:cNvPr id="6" name="Text Placeholder 6"/>
-          <p:cNvSpPr txBox="1">
-            <a:spLocks/>
-          </p:cNvSpPr>
-          <p:nvPr/>
-        </p:nvSpPr>
-        <p:spPr>
-          <a:xfrm>
-            <a:off x="518160" y="1944747"/>
-            <a:ext cx="11704320" cy="4524315"/>
-          </a:xfrm>
-          <a:prstGeom prst="rect">
-            <a:avLst/>
-          </a:prstGeom>
-        </p:spPr>
-        <p:txBody>
-          <a:bodyPr/>
-          <a:lstStyle>
-            <a:lvl1pPr marL="342834" marR="0" indent="-342834" algn="l" defTabSz="932563" rtl="0" eaLnBrk="1" fontAlgn="auto" latinLnBrk="0" hangingPunct="1">
-              <a:lnSpc>
-                <a:spcPct val="90000"/>
-              </a:lnSpc>
-              <a:spcBef>
-                <a:spcPct val="20000"/>
-              </a:spcBef>
-              <a:spcAft>
-                <a:spcPts val="0"/>
-              </a:spcAft>
-              <a:buClrTx/>
-              <a:buSzPct val="90000"/>
-              <a:buFont typeface="Arial" pitchFamily="34" charset="0"/>
-              <a:buChar char="•"/>
-              <a:tabLst/>
-              <a:defRPr sz="3999" kern="1200" spc="0" baseline="0">
-                <a:gradFill>
-                  <a:gsLst>
-                    <a:gs pos="1250">
-                      <a:schemeClr val="tx1"/>
-                    </a:gs>
-                    <a:gs pos="100000">
-                      <a:schemeClr val="tx1"/>
-                    </a:gs>
-                  </a:gsLst>
-                  <a:lin ang="5400000" scaled="0"/>
-                </a:gradFill>
-                <a:latin typeface="+mj-lt"/>
-                <a:ea typeface="+mn-ea"/>
-                <a:cs typeface="+mn-cs"/>
-              </a:defRPr>
-            </a:lvl1pPr>
-            <a:lvl2pPr marL="584088" marR="0" indent="-241253" algn="l" defTabSz="932563" rtl="0" eaLnBrk="1" fontAlgn="auto" latinLnBrk="0" hangingPunct="1">
-              <a:lnSpc>
-                <a:spcPct val="90000"/>
-              </a:lnSpc>
-              <a:spcBef>
-                <a:spcPct val="20000"/>
-              </a:spcBef>
-              <a:spcAft>
-                <a:spcPts val="0"/>
-              </a:spcAft>
-              <a:buClrTx/>
-              <a:buSzPct val="90000"/>
-              <a:buFont typeface="Arial" pitchFamily="34" charset="0"/>
-              <a:buChar char="•"/>
-              <a:tabLst/>
-              <a:defRPr sz="2400" kern="1200" spc="0" baseline="0">
-                <a:gradFill>
-                  <a:gsLst>
-                    <a:gs pos="1250">
-                      <a:schemeClr val="tx1"/>
-                    </a:gs>
-                    <a:gs pos="100000">
-                      <a:schemeClr val="tx1"/>
-                    </a:gs>
-                  </a:gsLst>
-                  <a:lin ang="5400000" scaled="0"/>
-                </a:gradFill>
-                <a:latin typeface="+mn-lt"/>
-                <a:ea typeface="+mn-ea"/>
-                <a:cs typeface="+mn-cs"/>
-              </a:defRPr>
-            </a:lvl2pPr>
-            <a:lvl3pPr marL="799946" marR="0" indent="-228557" algn="l" defTabSz="932563" rtl="0" eaLnBrk="1" fontAlgn="auto" latinLnBrk="0" hangingPunct="1">
-              <a:lnSpc>
-                <a:spcPct val="90000"/>
-              </a:lnSpc>
-              <a:spcBef>
-                <a:spcPct val="20000"/>
-              </a:spcBef>
-              <a:spcAft>
-                <a:spcPts val="0"/>
-              </a:spcAft>
-              <a:buClrTx/>
-              <a:buSzPct val="90000"/>
-              <a:buFont typeface="Arial" pitchFamily="34" charset="0"/>
-              <a:buChar char="•"/>
-              <a:tabLst/>
-              <a:defRPr sz="2000" kern="1200" spc="0" baseline="0">
-                <a:gradFill>
-                  <a:gsLst>
-                    <a:gs pos="1250">
-                      <a:schemeClr val="tx1"/>
-                    </a:gs>
-                    <a:gs pos="100000">
-                      <a:schemeClr val="tx1"/>
-                    </a:gs>
-                  </a:gsLst>
-                  <a:lin ang="5400000" scaled="0"/>
-                </a:gradFill>
-                <a:latin typeface="+mn-lt"/>
-                <a:ea typeface="+mn-ea"/>
-                <a:cs typeface="+mn-cs"/>
-              </a:defRPr>
-            </a:lvl3pPr>
-            <a:lvl4pPr marL="1028503" marR="0" indent="-228557" algn="l" defTabSz="932563" rtl="0" eaLnBrk="1" fontAlgn="auto" latinLnBrk="0" hangingPunct="1">
-              <a:lnSpc>
-                <a:spcPct val="90000"/>
-              </a:lnSpc>
-              <a:spcBef>
-                <a:spcPct val="20000"/>
-              </a:spcBef>
-              <a:spcAft>
-                <a:spcPts val="0"/>
-              </a:spcAft>
-              <a:buClrTx/>
-              <a:buSzPct val="90000"/>
-              <a:buFont typeface="Arial" pitchFamily="34" charset="0"/>
-              <a:buChar char="•"/>
-              <a:tabLst/>
-              <a:defRPr sz="1800" kern="1200" spc="0" baseline="0">
-                <a:gradFill>
-                  <a:gsLst>
-                    <a:gs pos="1250">
-                      <a:schemeClr val="tx1"/>
-                    </a:gs>
-                    <a:gs pos="100000">
-                      <a:schemeClr val="tx1"/>
-                    </a:gs>
-                  </a:gsLst>
-                  <a:lin ang="5400000" scaled="0"/>
-                </a:gradFill>
-                <a:latin typeface="+mn-lt"/>
-                <a:ea typeface="+mn-ea"/>
-                <a:cs typeface="+mn-cs"/>
-              </a:defRPr>
-            </a:lvl4pPr>
-            <a:lvl5pPr marL="1257058" marR="0" indent="-228557" algn="l" defTabSz="932563" rtl="0" eaLnBrk="1" fontAlgn="auto" latinLnBrk="0" hangingPunct="1">
-              <a:lnSpc>
-                <a:spcPct val="90000"/>
-              </a:lnSpc>
-              <a:spcBef>
-                <a:spcPct val="20000"/>
-              </a:spcBef>
-              <a:spcAft>
-                <a:spcPts val="0"/>
-              </a:spcAft>
-              <a:buClrTx/>
-              <a:buSzPct val="90000"/>
-              <a:buFont typeface="Arial" pitchFamily="34" charset="0"/>
-              <a:buChar char="•"/>
-              <a:tabLst/>
-              <a:defRPr sz="1800" kern="1200" spc="0" baseline="0">
-                <a:gradFill>
-                  <a:gsLst>
-                    <a:gs pos="1250">
-                      <a:schemeClr val="tx1"/>
-                    </a:gs>
-                    <a:gs pos="100000">
-                      <a:schemeClr val="tx1"/>
-                    </a:gs>
-                  </a:gsLst>
-                  <a:lin ang="5400000" scaled="0"/>
-                </a:gradFill>
-                <a:latin typeface="+mn-lt"/>
-                <a:ea typeface="+mn-ea"/>
-                <a:cs typeface="+mn-cs"/>
-              </a:defRPr>
-            </a:lvl5pPr>
-            <a:lvl6pPr marL="2564548" indent="-233141" algn="l" defTabSz="932563" rtl="0" eaLnBrk="1" latinLnBrk="0" hangingPunct="1">
-              <a:spcBef>
-                <a:spcPct val="20000"/>
-              </a:spcBef>
-              <a:buFont typeface="Arial" pitchFamily="34" charset="0"/>
-              <a:buChar char="•"/>
-              <a:defRPr sz="2000" kern="1200">
-                <a:solidFill>
-                  <a:schemeClr val="tx1"/>
-                </a:solidFill>
-                <a:latin typeface="+mn-lt"/>
-                <a:ea typeface="+mn-ea"/>
-                <a:cs typeface="+mn-cs"/>
-              </a:defRPr>
-            </a:lvl6pPr>
-            <a:lvl7pPr marL="3030830" indent="-233141" algn="l" defTabSz="932563" rtl="0" eaLnBrk="1" latinLnBrk="0" hangingPunct="1">
-              <a:spcBef>
-                <a:spcPct val="20000"/>
-              </a:spcBef>
-              <a:buFont typeface="Arial" pitchFamily="34" charset="0"/>
-              <a:buChar char="•"/>
-              <a:defRPr sz="2000" kern="1200">
-                <a:solidFill>
-                  <a:schemeClr val="tx1"/>
-                </a:solidFill>
-                <a:latin typeface="+mn-lt"/>
-                <a:ea typeface="+mn-ea"/>
-                <a:cs typeface="+mn-cs"/>
-              </a:defRPr>
-            </a:lvl7pPr>
-            <a:lvl8pPr marL="3497112" indent="-233141" algn="l" defTabSz="932563" rtl="0" eaLnBrk="1" latinLnBrk="0" hangingPunct="1">
-              <a:spcBef>
-                <a:spcPct val="20000"/>
-              </a:spcBef>
-              <a:buFont typeface="Arial" pitchFamily="34" charset="0"/>
-              <a:buChar char="•"/>
-              <a:defRPr sz="2000" kern="1200">
-                <a:solidFill>
-                  <a:schemeClr val="tx1"/>
-                </a:solidFill>
-                <a:latin typeface="+mn-lt"/>
-                <a:ea typeface="+mn-ea"/>
-                <a:cs typeface="+mn-cs"/>
-              </a:defRPr>
-            </a:lvl8pPr>
-            <a:lvl9pPr marL="3963394" indent="-233141" algn="l" defTabSz="932563" rtl="0" eaLnBrk="1" latinLnBrk="0" hangingPunct="1">
-              <a:spcBef>
-                <a:spcPct val="20000"/>
-              </a:spcBef>
-              <a:buFont typeface="Arial" pitchFamily="34" charset="0"/>
-              <a:buChar char="•"/>
-              <a:defRPr sz="2000" kern="1200">
-                <a:solidFill>
-                  <a:schemeClr val="tx1"/>
-                </a:solidFill>
-                <a:latin typeface="+mn-lt"/>
-                <a:ea typeface="+mn-ea"/>
-                <a:cs typeface="+mn-cs"/>
-              </a:defRPr>
-            </a:lvl9pPr>
-          </a:lstStyle>
-          <a:p>
-            <a:pPr marL="0" indent="0">
-              <a:buNone/>
-            </a:pPr>
-            <a:endParaRPr lang="en-US" sz="3200" dirty="0"/>
-          </a:p>
-        </p:txBody>
-      </p:sp>
-      <p:sp>
-        <p:nvSpPr>
-          <p:cNvPr id="20" name="Rectangle 19"/>
-          <p:cNvSpPr/>
-          <p:nvPr/>
-        </p:nvSpPr>
-        <p:spPr bwMode="auto">
-          <a:xfrm>
-            <a:off x="1968859" y="2073319"/>
-            <a:ext cx="9586277" cy="661943"/>
-          </a:xfrm>
-          <a:prstGeom prst="rect">
-            <a:avLst/>
-          </a:prstGeom>
-          <a:solidFill>
-            <a:schemeClr val="accent1"/>
-          </a:solidFill>
-          <a:ln>
-            <a:noFill/>
-            <a:headEnd type="none" w="med" len="med"/>
-            <a:tailEnd type="none" w="med" len="med"/>
-          </a:ln>
-          <a:effectLst/>
-        </p:spPr>
-        <p:style>
-          <a:lnRef idx="1">
-            <a:schemeClr val="accent2"/>
-          </a:lnRef>
-          <a:fillRef idx="3">
-            <a:schemeClr val="accent2"/>
-          </a:fillRef>
-          <a:effectRef idx="2">
-            <a:schemeClr val="accent2"/>
-          </a:effectRef>
-          <a:fontRef idx="minor">
-            <a:schemeClr val="lt1"/>
-          </a:fontRef>
-        </p:style>
-        <p:txBody>
-          <a:bodyPr rot="0" spcFirstLastPara="0" vertOverflow="overflow" horzOverflow="overflow" vert="horz" wrap="square" lIns="182880" tIns="146304" rIns="182880" bIns="146304" numCol="1" spcCol="0" rtlCol="0" fromWordArt="0" anchor="ctr" anchorCtr="0" forceAA="0" compatLnSpc="1">
-            <a:prstTxWarp prst="textNoShape">
-              <a:avLst/>
-            </a:prstTxWarp>
-            <a:noAutofit/>
-          </a:bodyPr>
-          <a:lstStyle/>
-          <a:p>
-            <a:r>
-              <a:rPr lang="en-US" dirty="0"/>
-              <a:t>Handle window resizing</a:t>
-            </a:r>
-          </a:p>
-        </p:txBody>
-      </p:sp>
-      <p:sp>
-        <p:nvSpPr>
-          <p:cNvPr id="21" name="Rectangle 20"/>
-          <p:cNvSpPr/>
-          <p:nvPr/>
-        </p:nvSpPr>
-        <p:spPr bwMode="auto">
-          <a:xfrm>
-            <a:off x="808037" y="2068905"/>
-            <a:ext cx="795309" cy="666357"/>
-          </a:xfrm>
-          <a:prstGeom prst="rect">
-            <a:avLst/>
-          </a:prstGeom>
-          <a:solidFill>
-            <a:srgbClr val="00B0F0"/>
-          </a:solidFill>
-          <a:ln>
-            <a:noFill/>
-            <a:headEnd type="none" w="med" len="med"/>
-            <a:tailEnd type="none" w="med" len="med"/>
-          </a:ln>
-          <a:effectLst/>
-        </p:spPr>
-        <p:style>
-          <a:lnRef idx="1">
-            <a:schemeClr val="accent2"/>
-          </a:lnRef>
-          <a:fillRef idx="3">
-            <a:schemeClr val="accent2"/>
-          </a:fillRef>
-          <a:effectRef idx="2">
-            <a:schemeClr val="accent2"/>
-          </a:effectRef>
-          <a:fontRef idx="minor">
-            <a:schemeClr val="lt1"/>
-          </a:fontRef>
-        </p:style>
-        <p:txBody>
-          <a:bodyPr rot="0" spcFirstLastPara="0" vertOverflow="overflow" horzOverflow="overflow" vert="horz" wrap="square" lIns="182880" tIns="146304" rIns="182880" bIns="146304" numCol="1" spcCol="0" rtlCol="0" fromWordArt="0" anchor="ctr" anchorCtr="0" forceAA="0" compatLnSpc="1">
-            <a:prstTxWarp prst="textNoShape">
-              <a:avLst/>
-            </a:prstTxWarp>
-            <a:noAutofit/>
-          </a:bodyPr>
-          <a:lstStyle/>
-          <a:p>
-            <a:pPr algn="ctr" defTabSz="932472" fontAlgn="base">
-              <a:lnSpc>
-                <a:spcPct val="90000"/>
-              </a:lnSpc>
-              <a:spcBef>
-                <a:spcPct val="0"/>
-              </a:spcBef>
-              <a:spcAft>
-                <a:spcPct val="0"/>
-              </a:spcAft>
-            </a:pPr>
-            <a:r>
-              <a:rPr lang="en-US" sz="4000" dirty="0">
-                <a:gradFill>
-                  <a:gsLst>
-                    <a:gs pos="0">
-                      <a:srgbClr val="FFFFFF"/>
-                    </a:gs>
-                    <a:gs pos="100000">
-                      <a:srgbClr val="FFFFFF"/>
-                    </a:gs>
-                  </a:gsLst>
-                  <a:lin ang="5400000" scaled="0"/>
-                </a:gradFill>
-                <a:ea typeface="Segoe UI" pitchFamily="34" charset="0"/>
-                <a:cs typeface="Segoe UI" pitchFamily="34" charset="0"/>
-              </a:rPr>
-              <a:t>3</a:t>
-            </a:r>
-          </a:p>
-        </p:txBody>
-      </p:sp>
-    </p:spTree>
-    <p:extLst>
-      <p:ext uri="{BB962C8B-B14F-4D97-AF65-F5344CB8AC3E}">
-        <p14:creationId xmlns:p14="http://schemas.microsoft.com/office/powerpoint/2010/main" val="901691894"/>
       </p:ext>
     </p:extLst>
   </p:cSld>
@@ -23214,7 +22277,7 @@
       </p:sp>
       <p:sp>
         <p:nvSpPr>
-          <p:cNvPr id="22" name="Rectangle 21"/>
+          <p:cNvPr id="18" name="Rectangle 17"/>
           <p:cNvSpPr/>
           <p:nvPr/>
         </p:nvSpPr>
@@ -23261,14 +22324,14 @@
           <a:p>
             <a:r>
               <a:rPr lang="en-US" dirty="0"/>
-              <a:t>Add touch and keyboard events to your app</a:t>
+              <a:t>Integrate your game code with ANGLE</a:t>
             </a:r>
           </a:p>
         </p:txBody>
       </p:sp>
       <p:sp>
         <p:nvSpPr>
-          <p:cNvPr id="23" name="Rectangle 22"/>
+          <p:cNvPr id="19" name="Rectangle 18"/>
           <p:cNvSpPr/>
           <p:nvPr/>
         </p:nvSpPr>
@@ -23340,7 +22403,7 @@
                 <a:ea typeface="Segoe UI" pitchFamily="34" charset="0"/>
                 <a:cs typeface="Segoe UI" pitchFamily="34" charset="0"/>
               </a:rPr>
-              <a:t>4</a:t>
+              <a:t>2</a:t>
             </a:r>
           </a:p>
         </p:txBody>
@@ -23348,7 +22411,7 @@
     </p:spTree>
     <p:extLst>
       <p:ext uri="{BB962C8B-B14F-4D97-AF65-F5344CB8AC3E}">
-        <p14:creationId xmlns:p14="http://schemas.microsoft.com/office/powerpoint/2010/main" val="1855760714"/>
+        <p14:creationId xmlns:p14="http://schemas.microsoft.com/office/powerpoint/2010/main" val="508322021"/>
       </p:ext>
     </p:extLst>
   </p:cSld>
@@ -23430,39 +22493,29 @@
           </a:bodyPr>
           <a:lstStyle/>
           <a:p>
-            <a:pPr lvl="1"/>
-            <a:r>
-              <a:rPr lang="en-US" sz="2400" b="1" dirty="0">
-                <a:solidFill>
-                  <a:schemeClr val="tx1"/>
-                </a:solidFill>
-              </a:rPr>
-              <a:t>Using </a:t>
-            </a:r>
-            <a:r>
-              <a:rPr lang="en-US" sz="2400" b="1" dirty="0" err="1">
-                <a:solidFill>
-                  <a:schemeClr val="tx1"/>
-                </a:solidFill>
-              </a:rPr>
-              <a:t>NuGet</a:t>
-            </a:r>
-            <a:r>
-              <a:rPr lang="en-US" sz="2400" b="1" dirty="0">
-                <a:solidFill>
-                  <a:schemeClr val="tx1"/>
-                </a:solidFill>
-              </a:rPr>
-              <a:t> is the RECOMMENDED way of adding ANGLE to your project.</a:t>
-            </a:r>
-            <a:r>
-              <a:rPr lang="en-US" sz="2400" dirty="0"/>
-              <a:t>se </a:t>
-            </a:r>
-            <a:r>
-              <a:rPr lang="en-US" dirty="0"/>
-              <a:t>C++ app types:</a:t>
-            </a:r>
+            <a:pPr algn="ctr" defTabSz="951028" fontAlgn="base">
+              <a:spcBef>
+                <a:spcPct val="0"/>
+              </a:spcBef>
+              <a:spcAft>
+                <a:spcPct val="0"/>
+              </a:spcAft>
+              <a:defRPr/>
+            </a:pPr>
+            <a:endParaRPr lang="en-US" sz="2040" dirty="0">
+              <a:gradFill>
+                <a:gsLst>
+                  <a:gs pos="0">
+                    <a:srgbClr val="FFFFFF"/>
+                  </a:gs>
+                  <a:gs pos="100000">
+                    <a:srgbClr val="FFFFFF"/>
+                  </a:gs>
+                </a:gsLst>
+                <a:lin ang="5400000" scaled="0"/>
+              </a:gradFill>
+              <a:latin typeface="Segoe UI"/>
+            </a:endParaRPr>
           </a:p>
         </p:txBody>
       </p:sp>
@@ -23483,7 +22536,7 @@
           <a:p>
             <a:r>
               <a:rPr lang="en-US" dirty="0"/>
-              <a:t>ANGLE Lab Exercises (Optional)</a:t>
+              <a:t>ANGLE Lab Exercises</a:t>
             </a:r>
           </a:p>
         </p:txBody>
@@ -23991,13 +23044,13 @@
       </p:sp>
       <p:sp>
         <p:nvSpPr>
-          <p:cNvPr id="26" name="Rectangle 25"/>
+          <p:cNvPr id="20" name="Rectangle 19"/>
           <p:cNvSpPr/>
           <p:nvPr/>
         </p:nvSpPr>
         <p:spPr bwMode="auto">
           <a:xfrm>
-            <a:off x="1965960" y="2073319"/>
+            <a:off x="1968859" y="2073319"/>
             <a:ext cx="9586277" cy="661943"/>
           </a:xfrm>
           <a:prstGeom prst="rect">
@@ -24038,25 +23091,20 @@
           <a:p>
             <a:r>
               <a:rPr lang="en-US" dirty="0"/>
-              <a:t>Adding ANGLE using </a:t>
-            </a:r>
-            <a:r>
-              <a:rPr lang="en-US" dirty="0" err="1"/>
-              <a:t>NuGet</a:t>
-            </a:r>
-            <a:endParaRPr lang="en-US" dirty="0"/>
+              <a:t>Handle window resizing</a:t>
+            </a:r>
           </a:p>
         </p:txBody>
       </p:sp>
       <p:sp>
         <p:nvSpPr>
-          <p:cNvPr id="27" name="Rectangle 26"/>
+          <p:cNvPr id="21" name="Rectangle 20"/>
           <p:cNvSpPr/>
           <p:nvPr/>
         </p:nvSpPr>
         <p:spPr bwMode="auto">
           <a:xfrm>
-            <a:off x="805138" y="2068905"/>
+            <a:off x="808037" y="2068905"/>
             <a:ext cx="795309" cy="666357"/>
           </a:xfrm>
           <a:prstGeom prst="rect">
@@ -24122,7 +23170,7 @@
                 <a:ea typeface="Segoe UI" pitchFamily="34" charset="0"/>
                 <a:cs typeface="Segoe UI" pitchFamily="34" charset="0"/>
               </a:rPr>
-              <a:t>7</a:t>
+              <a:t>3</a:t>
             </a:r>
           </a:p>
         </p:txBody>
@@ -24130,7 +23178,7 @@
     </p:spTree>
     <p:extLst>
       <p:ext uri="{BB962C8B-B14F-4D97-AF65-F5344CB8AC3E}">
-        <p14:creationId xmlns:p14="http://schemas.microsoft.com/office/powerpoint/2010/main" val="4146997603"/>
+        <p14:creationId xmlns:p14="http://schemas.microsoft.com/office/powerpoint/2010/main" val="901691894"/>
       </p:ext>
     </p:extLst>
   </p:cSld>
@@ -24149,336 +23197,6 @@
 </file>
 
 <file path=ppt/slides/slide17.xml><?xml version="1.0" encoding="utf-8"?>
-<p:sld xmlns:a="http://schemas.openxmlformats.org/drawingml/2006/main" xmlns:r="http://schemas.openxmlformats.org/officeDocument/2006/relationships" xmlns:p="http://schemas.openxmlformats.org/presentationml/2006/main">
-  <p:cSld>
-    <p:spTree>
-      <p:nvGrpSpPr>
-        <p:cNvPr id="1" name=""/>
-        <p:cNvGrpSpPr/>
-        <p:nvPr/>
-      </p:nvGrpSpPr>
-      <p:grpSpPr>
-        <a:xfrm>
-          <a:off x="0" y="0"/>
-          <a:ext cx="0" cy="0"/>
-          <a:chOff x="0" y="0"/>
-          <a:chExt cx="0" cy="0"/>
-        </a:xfrm>
-      </p:grpSpPr>
-      <p:sp>
-        <p:nvSpPr>
-          <p:cNvPr id="5" name="Text Placeholder 4"/>
-          <p:cNvSpPr>
-            <a:spLocks noGrp="1"/>
-          </p:cNvSpPr>
-          <p:nvPr>
-            <p:ph type="body" sz="quarter" idx="10"/>
-          </p:nvPr>
-        </p:nvSpPr>
-        <p:spPr>
-          <a:xfrm>
-            <a:off x="274638" y="1212850"/>
-            <a:ext cx="11887200" cy="4838248"/>
-          </a:xfrm>
-        </p:spPr>
-        <p:txBody>
-          <a:bodyPr/>
-          <a:lstStyle/>
-          <a:p>
-            <a:pPr marL="0" indent="0">
-              <a:buNone/>
-            </a:pPr>
-            <a:endParaRPr lang="en-US" sz="2800" dirty="0"/>
-          </a:p>
-          <a:p>
-            <a:pPr marL="0" indent="0">
-              <a:buNone/>
-            </a:pPr>
-            <a:r>
-              <a:rPr lang="en-US" sz="2800" dirty="0"/>
-              <a:t>ANGLE: </a:t>
-            </a:r>
-            <a:r>
-              <a:rPr lang="en-US" sz="2800" dirty="0">
-                <a:hlinkClick r:id="rId2"/>
-              </a:rPr>
-              <a:t>https://github.com/MSOpenTech/angle</a:t>
-            </a:r>
-            <a:r>
-              <a:rPr lang="en-US" sz="2800" dirty="0"/>
-              <a:t> </a:t>
-            </a:r>
-          </a:p>
-          <a:p>
-            <a:pPr marL="0" indent="0">
-              <a:buNone/>
-            </a:pPr>
-            <a:endParaRPr lang="en-US" sz="2800" dirty="0"/>
-          </a:p>
-          <a:p>
-            <a:pPr marL="0" indent="0">
-              <a:buNone/>
-            </a:pPr>
-            <a:r>
-              <a:rPr lang="en-US" sz="2800" dirty="0"/>
-              <a:t>Wiki: 	</a:t>
-            </a:r>
-            <a:r>
-              <a:rPr lang="en-US" sz="2800" dirty="0">
-                <a:hlinkClick r:id="rId3"/>
-              </a:rPr>
-              <a:t>https://github.com/MSOpenTech/angle/wiki</a:t>
-            </a:r>
-            <a:endParaRPr lang="en-US" sz="2800" dirty="0"/>
-          </a:p>
-          <a:p>
-            <a:pPr marL="0" indent="0">
-              <a:buNone/>
-            </a:pPr>
-            <a:endParaRPr lang="en-US" sz="2800" dirty="0"/>
-          </a:p>
-          <a:p>
-            <a:pPr marL="0" lvl="0" indent="0">
-              <a:buNone/>
-            </a:pPr>
-            <a:r>
-              <a:rPr lang="en-US" sz="2800" dirty="0"/>
-              <a:t>Lab: </a:t>
-            </a:r>
-            <a:r>
-              <a:rPr lang="en-US" sz="2800" dirty="0">
-                <a:hlinkClick r:id="rId4"/>
-              </a:rPr>
-              <a:t>https://github.com/Microsoft-Build-2016/CodeLabs-GameDev-3-ANGLE</a:t>
-            </a:r>
-            <a:endParaRPr lang="en-US" sz="2800" dirty="0"/>
-          </a:p>
-          <a:p>
-            <a:pPr marL="0" lvl="0" indent="0">
-              <a:buNone/>
-            </a:pPr>
-            <a:endParaRPr lang="en-US" sz="2800" dirty="0"/>
-          </a:p>
-          <a:p>
-            <a:pPr marL="0" lvl="0" indent="0">
-              <a:buNone/>
-            </a:pPr>
-            <a:r>
-              <a:rPr lang="en-US" sz="2800" dirty="0"/>
-              <a:t>Breakout Tutorial: </a:t>
-            </a:r>
-            <a:r>
-              <a:rPr lang="en-US" sz="2800" dirty="0">
-                <a:hlinkClick r:id="rId5"/>
-              </a:rPr>
-              <a:t>http://learnopengl.com/#!In-Practice/2D-Game/Breakout</a:t>
-            </a:r>
-            <a:endParaRPr lang="en-US" sz="2800" dirty="0"/>
-          </a:p>
-          <a:p>
-            <a:pPr marL="0" lvl="0" indent="0">
-              <a:buNone/>
-            </a:pPr>
-            <a:endParaRPr lang="en-US" sz="2800" dirty="0"/>
-          </a:p>
-          <a:p>
-            <a:pPr marL="0" lvl="0" indent="0">
-              <a:buNone/>
-            </a:pPr>
-            <a:r>
-              <a:rPr lang="en-US" sz="2800" dirty="0" err="1"/>
-              <a:t>Khronos</a:t>
-            </a:r>
-            <a:r>
-              <a:rPr lang="en-US" sz="2800" dirty="0"/>
-              <a:t>: </a:t>
-            </a:r>
-            <a:r>
-              <a:rPr lang="en-US" sz="2800" dirty="0">
-                <a:hlinkClick r:id="rId6"/>
-              </a:rPr>
-              <a:t>OpenGL ES 2.0</a:t>
-            </a:r>
-            <a:r>
-              <a:rPr lang="en-US" sz="2800" dirty="0"/>
-              <a:t> and </a:t>
-            </a:r>
-            <a:r>
-              <a:rPr lang="en-US" sz="2800" dirty="0">
-                <a:hlinkClick r:id="rId7"/>
-              </a:rPr>
-              <a:t>EGL 1.4</a:t>
-            </a:r>
-            <a:r>
-              <a:rPr lang="en-US" sz="2800" dirty="0"/>
-              <a:t> APIs</a:t>
-            </a:r>
-          </a:p>
-        </p:txBody>
-      </p:sp>
-      <p:sp>
-        <p:nvSpPr>
-          <p:cNvPr id="2" name="Title 1"/>
-          <p:cNvSpPr>
-            <a:spLocks noGrp="1"/>
-          </p:cNvSpPr>
-          <p:nvPr>
-            <p:ph type="title"/>
-          </p:nvPr>
-        </p:nvSpPr>
-        <p:spPr/>
-        <p:txBody>
-          <a:bodyPr/>
-          <a:lstStyle/>
-          <a:p>
-            <a:r>
-              <a:rPr lang="en-US" dirty="0"/>
-              <a:t>For more information:</a:t>
-            </a:r>
-          </a:p>
-        </p:txBody>
-      </p:sp>
-    </p:spTree>
-    <p:extLst>
-      <p:ext uri="{BB962C8B-B14F-4D97-AF65-F5344CB8AC3E}">
-        <p14:creationId xmlns:p14="http://schemas.microsoft.com/office/powerpoint/2010/main" val="4129826664"/>
-      </p:ext>
-    </p:extLst>
-  </p:cSld>
-  <p:clrMapOvr>
-    <a:masterClrMapping/>
-  </p:clrMapOvr>
-  <mc:AlternateContent xmlns:mc="http://schemas.openxmlformats.org/markup-compatibility/2006" xmlns:p14="http://schemas.microsoft.com/office/powerpoint/2010/main">
-    <mc:Choice Requires="p14">
-      <p:transition spd="med" p14:dur="700">
-        <p:fade/>
-      </p:transition>
-    </mc:Choice>
-    <mc:Fallback xmlns="">
-      <p:transition spd="med">
-        <p:fade/>
-      </p:transition>
-    </mc:Fallback>
-  </mc:AlternateContent>
-</p:sld>
-</file>
-
-<file path=ppt/slides/slide18.xml><?xml version="1.0" encoding="utf-8"?>
-<p:sld xmlns:a="http://schemas.openxmlformats.org/drawingml/2006/main" xmlns:r="http://schemas.openxmlformats.org/officeDocument/2006/relationships" xmlns:p="http://schemas.openxmlformats.org/presentationml/2006/main">
-  <p:cSld>
-    <p:spTree>
-      <p:nvGrpSpPr>
-        <p:cNvPr id="1" name=""/>
-        <p:cNvGrpSpPr/>
-        <p:nvPr/>
-      </p:nvGrpSpPr>
-      <p:grpSpPr>
-        <a:xfrm>
-          <a:off x="0" y="0"/>
-          <a:ext cx="0" cy="0"/>
-          <a:chOff x="0" y="0"/>
-          <a:chExt cx="0" cy="0"/>
-        </a:xfrm>
-      </p:grpSpPr>
-      <p:sp>
-        <p:nvSpPr>
-          <p:cNvPr id="5" name="Title 4"/>
-          <p:cNvSpPr>
-            <a:spLocks noGrp="1"/>
-          </p:cNvSpPr>
-          <p:nvPr>
-            <p:ph type="title"/>
-          </p:nvPr>
-        </p:nvSpPr>
-        <p:spPr/>
-        <p:txBody>
-          <a:bodyPr/>
-          <a:lstStyle/>
-          <a:p>
-            <a:r>
-              <a:rPr lang="en-US" dirty="0"/>
-              <a:t>Related session</a:t>
-            </a:r>
-          </a:p>
-        </p:txBody>
-      </p:sp>
-      <p:sp>
-        <p:nvSpPr>
-          <p:cNvPr id="6" name="Text Placeholder 5"/>
-          <p:cNvSpPr>
-            <a:spLocks noGrp="1"/>
-          </p:cNvSpPr>
-          <p:nvPr>
-            <p:ph type="body" sz="quarter" idx="10"/>
-          </p:nvPr>
-        </p:nvSpPr>
-        <p:spPr>
-          <a:xfrm>
-            <a:off x="277003" y="1897062"/>
-            <a:ext cx="11887200" cy="1754326"/>
-          </a:xfrm>
-        </p:spPr>
-        <p:txBody>
-          <a:bodyPr anchor="ctr" anchorCtr="0"/>
-          <a:lstStyle/>
-          <a:p>
-            <a:r>
-              <a:rPr lang="en-US" dirty="0"/>
-              <a:t>The Future of Game Development on Windows</a:t>
-            </a:r>
-          </a:p>
-          <a:p>
-            <a:pPr lvl="1"/>
-            <a:r>
-              <a:rPr lang="en-US" b="1" dirty="0"/>
-              <a:t>Date:</a:t>
-            </a:r>
-            <a:r>
-              <a:rPr lang="en-US" dirty="0"/>
-              <a:t> 	Wednesday, March 30</a:t>
-            </a:r>
-          </a:p>
-          <a:p>
-            <a:pPr lvl="1"/>
-            <a:r>
-              <a:rPr lang="en-US" b="1" dirty="0"/>
-              <a:t>Time:</a:t>
-            </a:r>
-            <a:r>
-              <a:rPr lang="en-US" dirty="0"/>
-              <a:t> 	5:00pm – 6:00pm</a:t>
-            </a:r>
-          </a:p>
-          <a:p>
-            <a:pPr lvl="1"/>
-            <a:r>
-              <a:rPr lang="en-US" b="1" dirty="0"/>
-              <a:t>Room: 	</a:t>
-            </a:r>
-            <a:r>
-              <a:rPr lang="en-US" dirty="0"/>
-              <a:t>Marriott 6</a:t>
-            </a:r>
-          </a:p>
-        </p:txBody>
-      </p:sp>
-    </p:spTree>
-    <p:extLst>
-      <p:ext uri="{BB962C8B-B14F-4D97-AF65-F5344CB8AC3E}">
-        <p14:creationId xmlns:p14="http://schemas.microsoft.com/office/powerpoint/2010/main" val="3456915216"/>
-      </p:ext>
-    </p:extLst>
-  </p:cSld>
-  <p:clrMapOvr>
-    <a:masterClrMapping/>
-  </p:clrMapOvr>
-  <p:transition>
-    <p:fade/>
-  </p:transition>
-</p:sld>
-</file>
-
-<file path=ppt/slides/slide19.xml><?xml version="1.0" encoding="utf-8"?>
 <p:sld xmlns:a="http://schemas.openxmlformats.org/drawingml/2006/main" xmlns:r="http://schemas.openxmlformats.org/officeDocument/2006/relationships" xmlns:p="http://schemas.openxmlformats.org/presentationml/2006/main">
   <p:cSld>
     <p:spTree>
@@ -24585,7 +23303,7 @@
           <a:p>
             <a:r>
               <a:rPr lang="en-US" dirty="0"/>
-              <a:t>Build Game Labs</a:t>
+              <a:t>ANGLE Lab Exercises</a:t>
             </a:r>
           </a:p>
         </p:txBody>
@@ -25093,6 +23811,2005 @@
       </p:sp>
       <p:sp>
         <p:nvSpPr>
+          <p:cNvPr id="22" name="Rectangle 21"/>
+          <p:cNvSpPr/>
+          <p:nvPr/>
+        </p:nvSpPr>
+        <p:spPr bwMode="auto">
+          <a:xfrm>
+            <a:off x="1968859" y="2073319"/>
+            <a:ext cx="9586277" cy="661943"/>
+          </a:xfrm>
+          <a:prstGeom prst="rect">
+            <a:avLst/>
+          </a:prstGeom>
+          <a:solidFill>
+            <a:schemeClr val="accent1"/>
+          </a:solidFill>
+          <a:ln>
+            <a:noFill/>
+            <a:headEnd type="none" w="med" len="med"/>
+            <a:tailEnd type="none" w="med" len="med"/>
+          </a:ln>
+          <a:effectLst/>
+        </p:spPr>
+        <p:style>
+          <a:lnRef idx="1">
+            <a:schemeClr val="accent2"/>
+          </a:lnRef>
+          <a:fillRef idx="3">
+            <a:schemeClr val="accent2"/>
+          </a:fillRef>
+          <a:effectRef idx="2">
+            <a:schemeClr val="accent2"/>
+          </a:effectRef>
+          <a:fontRef idx="minor">
+            <a:schemeClr val="lt1"/>
+          </a:fontRef>
+        </p:style>
+        <p:txBody>
+          <a:bodyPr rot="0" spcFirstLastPara="0" vertOverflow="overflow" horzOverflow="overflow" vert="horz" wrap="square" lIns="182880" tIns="146304" rIns="182880" bIns="146304" numCol="1" spcCol="0" rtlCol="0" fromWordArt="0" anchor="ctr" anchorCtr="0" forceAA="0" compatLnSpc="1">
+            <a:prstTxWarp prst="textNoShape">
+              <a:avLst/>
+            </a:prstTxWarp>
+            <a:noAutofit/>
+          </a:bodyPr>
+          <a:lstStyle/>
+          <a:p>
+            <a:r>
+              <a:rPr lang="en-US" dirty="0"/>
+              <a:t>Add touch and keyboard events to your app</a:t>
+            </a:r>
+          </a:p>
+        </p:txBody>
+      </p:sp>
+      <p:sp>
+        <p:nvSpPr>
+          <p:cNvPr id="23" name="Rectangle 22"/>
+          <p:cNvSpPr/>
+          <p:nvPr/>
+        </p:nvSpPr>
+        <p:spPr bwMode="auto">
+          <a:xfrm>
+            <a:off x="808037" y="2068905"/>
+            <a:ext cx="795309" cy="666357"/>
+          </a:xfrm>
+          <a:prstGeom prst="rect">
+            <a:avLst/>
+          </a:prstGeom>
+          <a:solidFill>
+            <a:srgbClr val="00B0F0"/>
+          </a:solidFill>
+          <a:ln>
+            <a:noFill/>
+            <a:headEnd type="none" w="med" len="med"/>
+            <a:tailEnd type="none" w="med" len="med"/>
+          </a:ln>
+          <a:effectLst/>
+        </p:spPr>
+        <p:style>
+          <a:lnRef idx="1">
+            <a:schemeClr val="accent2"/>
+          </a:lnRef>
+          <a:fillRef idx="3">
+            <a:schemeClr val="accent2"/>
+          </a:fillRef>
+          <a:effectRef idx="2">
+            <a:schemeClr val="accent2"/>
+          </a:effectRef>
+          <a:fontRef idx="minor">
+            <a:schemeClr val="lt1"/>
+          </a:fontRef>
+        </p:style>
+        <p:txBody>
+          <a:bodyPr rot="0" spcFirstLastPara="0" vertOverflow="overflow" horzOverflow="overflow" vert="horz" wrap="square" lIns="182880" tIns="146304" rIns="182880" bIns="146304" numCol="1" spcCol="0" rtlCol="0" fromWordArt="0" anchor="ctr" anchorCtr="0" forceAA="0" compatLnSpc="1">
+            <a:prstTxWarp prst="textNoShape">
+              <a:avLst/>
+            </a:prstTxWarp>
+            <a:noAutofit/>
+          </a:bodyPr>
+          <a:lstStyle/>
+          <a:p>
+            <a:pPr algn="ctr" defTabSz="932472" fontAlgn="base">
+              <a:lnSpc>
+                <a:spcPct val="90000"/>
+              </a:lnSpc>
+              <a:spcBef>
+                <a:spcPct val="0"/>
+              </a:spcBef>
+              <a:spcAft>
+                <a:spcPct val="0"/>
+              </a:spcAft>
+            </a:pPr>
+            <a:r>
+              <a:rPr lang="en-US" sz="4000" dirty="0">
+                <a:gradFill>
+                  <a:gsLst>
+                    <a:gs pos="0">
+                      <a:srgbClr val="FFFFFF"/>
+                    </a:gs>
+                    <a:gs pos="100000">
+                      <a:srgbClr val="FFFFFF"/>
+                    </a:gs>
+                  </a:gsLst>
+                  <a:lin ang="5400000" scaled="0"/>
+                </a:gradFill>
+                <a:ea typeface="Segoe UI" pitchFamily="34" charset="0"/>
+                <a:cs typeface="Segoe UI" pitchFamily="34" charset="0"/>
+              </a:rPr>
+              <a:t>4</a:t>
+            </a:r>
+          </a:p>
+        </p:txBody>
+      </p:sp>
+    </p:spTree>
+    <p:extLst>
+      <p:ext uri="{BB962C8B-B14F-4D97-AF65-F5344CB8AC3E}">
+        <p14:creationId xmlns:p14="http://schemas.microsoft.com/office/powerpoint/2010/main" val="1855760714"/>
+      </p:ext>
+    </p:extLst>
+  </p:cSld>
+  <p:clrMapOvr>
+    <a:masterClrMapping/>
+  </p:clrMapOvr>
+  <mc:AlternateContent xmlns:mc="http://schemas.openxmlformats.org/markup-compatibility/2006" xmlns:p14="http://schemas.microsoft.com/office/powerpoint/2010/main">
+    <mc:Choice Requires="p14">
+      <p:transition p14:dur="0"/>
+    </mc:Choice>
+    <mc:Fallback xmlns="">
+      <p:transition/>
+    </mc:Fallback>
+  </mc:AlternateContent>
+</p:sld>
+</file>
+
+<file path=ppt/slides/slide18.xml><?xml version="1.0" encoding="utf-8"?>
+<p:sld xmlns:a="http://schemas.openxmlformats.org/drawingml/2006/main" xmlns:r="http://schemas.openxmlformats.org/officeDocument/2006/relationships" xmlns:p="http://schemas.openxmlformats.org/presentationml/2006/main">
+  <p:cSld>
+    <p:spTree>
+      <p:nvGrpSpPr>
+        <p:cNvPr id="1" name=""/>
+        <p:cNvGrpSpPr/>
+        <p:nvPr/>
+      </p:nvGrpSpPr>
+      <p:grpSpPr>
+        <a:xfrm>
+          <a:off x="0" y="0"/>
+          <a:ext cx="0" cy="0"/>
+          <a:chOff x="0" y="0"/>
+          <a:chExt cx="0" cy="0"/>
+        </a:xfrm>
+      </p:grpSpPr>
+      <p:sp>
+        <p:nvSpPr>
+          <p:cNvPr id="71" name="Rectangle 70"/>
+          <p:cNvSpPr/>
+          <p:nvPr/>
+        </p:nvSpPr>
+        <p:spPr bwMode="auto">
+          <a:xfrm>
+            <a:off x="882" y="1547274"/>
+            <a:ext cx="12434711" cy="5298882"/>
+          </a:xfrm>
+          <a:prstGeom prst="rect">
+            <a:avLst/>
+          </a:prstGeom>
+          <a:solidFill>
+            <a:schemeClr val="bg1"/>
+          </a:solidFill>
+          <a:ln>
+            <a:noFill/>
+            <a:headEnd type="none" w="med" len="med"/>
+            <a:tailEnd type="none" w="med" len="med"/>
+          </a:ln>
+        </p:spPr>
+        <p:style>
+          <a:lnRef idx="2">
+            <a:schemeClr val="accent1">
+              <a:shade val="50000"/>
+            </a:schemeClr>
+          </a:lnRef>
+          <a:fillRef idx="1">
+            <a:schemeClr val="accent1"/>
+          </a:fillRef>
+          <a:effectRef idx="0">
+            <a:schemeClr val="accent1"/>
+          </a:effectRef>
+          <a:fontRef idx="minor">
+            <a:schemeClr val="lt1"/>
+          </a:fontRef>
+        </p:style>
+        <p:txBody>
+          <a:bodyPr vert="horz" wrap="square" lIns="0" tIns="47565" rIns="0" bIns="47565" numCol="1" rtlCol="0" anchor="ctr" anchorCtr="0" compatLnSpc="1">
+            <a:prstTxWarp prst="textNoShape">
+              <a:avLst/>
+            </a:prstTxWarp>
+          </a:bodyPr>
+          <a:lstStyle/>
+          <a:p>
+            <a:pPr lvl="1"/>
+            <a:r>
+              <a:rPr lang="en-US" sz="2400" b="1" dirty="0">
+                <a:solidFill>
+                  <a:schemeClr val="tx1"/>
+                </a:solidFill>
+              </a:rPr>
+              <a:t>Using </a:t>
+            </a:r>
+            <a:r>
+              <a:rPr lang="en-US" sz="2400" b="1" dirty="0" err="1">
+                <a:solidFill>
+                  <a:schemeClr val="tx1"/>
+                </a:solidFill>
+              </a:rPr>
+              <a:t>NuGet</a:t>
+            </a:r>
+            <a:r>
+              <a:rPr lang="en-US" sz="2400" b="1" dirty="0">
+                <a:solidFill>
+                  <a:schemeClr val="tx1"/>
+                </a:solidFill>
+              </a:rPr>
+              <a:t> is the RECOMMENDED way of adding ANGLE to your project.</a:t>
+            </a:r>
+            <a:r>
+              <a:rPr lang="en-US" sz="2400" dirty="0"/>
+              <a:t>se </a:t>
+            </a:r>
+            <a:r>
+              <a:rPr lang="en-US" dirty="0"/>
+              <a:t>C++ app types:</a:t>
+            </a:r>
+          </a:p>
+        </p:txBody>
+      </p:sp>
+      <p:sp>
+        <p:nvSpPr>
+          <p:cNvPr id="2" name="Title 1"/>
+          <p:cNvSpPr>
+            <a:spLocks noGrp="1"/>
+          </p:cNvSpPr>
+          <p:nvPr>
+            <p:ph type="title"/>
+          </p:nvPr>
+        </p:nvSpPr>
+        <p:spPr/>
+        <p:txBody>
+          <a:bodyPr/>
+          <a:lstStyle/>
+          <a:p>
+            <a:r>
+              <a:rPr lang="en-US" dirty="0"/>
+              <a:t>ANGLE Lab Exercises (Optional)</a:t>
+            </a:r>
+          </a:p>
+        </p:txBody>
+      </p:sp>
+      <p:sp>
+        <p:nvSpPr>
+          <p:cNvPr id="5" name="Text Placeholder 6"/>
+          <p:cNvSpPr txBox="1">
+            <a:spLocks/>
+          </p:cNvSpPr>
+          <p:nvPr/>
+        </p:nvSpPr>
+        <p:spPr>
+          <a:xfrm>
+            <a:off x="365760" y="1792347"/>
+            <a:ext cx="11704320" cy="4524315"/>
+          </a:xfrm>
+          <a:prstGeom prst="rect">
+            <a:avLst/>
+          </a:prstGeom>
+        </p:spPr>
+        <p:txBody>
+          <a:bodyPr/>
+          <a:lstStyle>
+            <a:lvl1pPr marL="342834" marR="0" indent="-342834" algn="l" defTabSz="932563" rtl="0" eaLnBrk="1" fontAlgn="auto" latinLnBrk="0" hangingPunct="1">
+              <a:lnSpc>
+                <a:spcPct val="90000"/>
+              </a:lnSpc>
+              <a:spcBef>
+                <a:spcPct val="20000"/>
+              </a:spcBef>
+              <a:spcAft>
+                <a:spcPts val="0"/>
+              </a:spcAft>
+              <a:buClrTx/>
+              <a:buSzPct val="90000"/>
+              <a:buFont typeface="Arial" pitchFamily="34" charset="0"/>
+              <a:buChar char="•"/>
+              <a:tabLst/>
+              <a:defRPr sz="3999" kern="1200" spc="0" baseline="0">
+                <a:gradFill>
+                  <a:gsLst>
+                    <a:gs pos="1250">
+                      <a:schemeClr val="tx1"/>
+                    </a:gs>
+                    <a:gs pos="100000">
+                      <a:schemeClr val="tx1"/>
+                    </a:gs>
+                  </a:gsLst>
+                  <a:lin ang="5400000" scaled="0"/>
+                </a:gradFill>
+                <a:latin typeface="+mj-lt"/>
+                <a:ea typeface="+mn-ea"/>
+                <a:cs typeface="+mn-cs"/>
+              </a:defRPr>
+            </a:lvl1pPr>
+            <a:lvl2pPr marL="584088" marR="0" indent="-241253" algn="l" defTabSz="932563" rtl="0" eaLnBrk="1" fontAlgn="auto" latinLnBrk="0" hangingPunct="1">
+              <a:lnSpc>
+                <a:spcPct val="90000"/>
+              </a:lnSpc>
+              <a:spcBef>
+                <a:spcPct val="20000"/>
+              </a:spcBef>
+              <a:spcAft>
+                <a:spcPts val="0"/>
+              </a:spcAft>
+              <a:buClrTx/>
+              <a:buSzPct val="90000"/>
+              <a:buFont typeface="Arial" pitchFamily="34" charset="0"/>
+              <a:buChar char="•"/>
+              <a:tabLst/>
+              <a:defRPr sz="2400" kern="1200" spc="0" baseline="0">
+                <a:gradFill>
+                  <a:gsLst>
+                    <a:gs pos="1250">
+                      <a:schemeClr val="tx1"/>
+                    </a:gs>
+                    <a:gs pos="100000">
+                      <a:schemeClr val="tx1"/>
+                    </a:gs>
+                  </a:gsLst>
+                  <a:lin ang="5400000" scaled="0"/>
+                </a:gradFill>
+                <a:latin typeface="+mn-lt"/>
+                <a:ea typeface="+mn-ea"/>
+                <a:cs typeface="+mn-cs"/>
+              </a:defRPr>
+            </a:lvl2pPr>
+            <a:lvl3pPr marL="799946" marR="0" indent="-228557" algn="l" defTabSz="932563" rtl="0" eaLnBrk="1" fontAlgn="auto" latinLnBrk="0" hangingPunct="1">
+              <a:lnSpc>
+                <a:spcPct val="90000"/>
+              </a:lnSpc>
+              <a:spcBef>
+                <a:spcPct val="20000"/>
+              </a:spcBef>
+              <a:spcAft>
+                <a:spcPts val="0"/>
+              </a:spcAft>
+              <a:buClrTx/>
+              <a:buSzPct val="90000"/>
+              <a:buFont typeface="Arial" pitchFamily="34" charset="0"/>
+              <a:buChar char="•"/>
+              <a:tabLst/>
+              <a:defRPr sz="2000" kern="1200" spc="0" baseline="0">
+                <a:gradFill>
+                  <a:gsLst>
+                    <a:gs pos="1250">
+                      <a:schemeClr val="tx1"/>
+                    </a:gs>
+                    <a:gs pos="100000">
+                      <a:schemeClr val="tx1"/>
+                    </a:gs>
+                  </a:gsLst>
+                  <a:lin ang="5400000" scaled="0"/>
+                </a:gradFill>
+                <a:latin typeface="+mn-lt"/>
+                <a:ea typeface="+mn-ea"/>
+                <a:cs typeface="+mn-cs"/>
+              </a:defRPr>
+            </a:lvl3pPr>
+            <a:lvl4pPr marL="1028503" marR="0" indent="-228557" algn="l" defTabSz="932563" rtl="0" eaLnBrk="1" fontAlgn="auto" latinLnBrk="0" hangingPunct="1">
+              <a:lnSpc>
+                <a:spcPct val="90000"/>
+              </a:lnSpc>
+              <a:spcBef>
+                <a:spcPct val="20000"/>
+              </a:spcBef>
+              <a:spcAft>
+                <a:spcPts val="0"/>
+              </a:spcAft>
+              <a:buClrTx/>
+              <a:buSzPct val="90000"/>
+              <a:buFont typeface="Arial" pitchFamily="34" charset="0"/>
+              <a:buChar char="•"/>
+              <a:tabLst/>
+              <a:defRPr sz="1800" kern="1200" spc="0" baseline="0">
+                <a:gradFill>
+                  <a:gsLst>
+                    <a:gs pos="1250">
+                      <a:schemeClr val="tx1"/>
+                    </a:gs>
+                    <a:gs pos="100000">
+                      <a:schemeClr val="tx1"/>
+                    </a:gs>
+                  </a:gsLst>
+                  <a:lin ang="5400000" scaled="0"/>
+                </a:gradFill>
+                <a:latin typeface="+mn-lt"/>
+                <a:ea typeface="+mn-ea"/>
+                <a:cs typeface="+mn-cs"/>
+              </a:defRPr>
+            </a:lvl4pPr>
+            <a:lvl5pPr marL="1257058" marR="0" indent="-228557" algn="l" defTabSz="932563" rtl="0" eaLnBrk="1" fontAlgn="auto" latinLnBrk="0" hangingPunct="1">
+              <a:lnSpc>
+                <a:spcPct val="90000"/>
+              </a:lnSpc>
+              <a:spcBef>
+                <a:spcPct val="20000"/>
+              </a:spcBef>
+              <a:spcAft>
+                <a:spcPts val="0"/>
+              </a:spcAft>
+              <a:buClrTx/>
+              <a:buSzPct val="90000"/>
+              <a:buFont typeface="Arial" pitchFamily="34" charset="0"/>
+              <a:buChar char="•"/>
+              <a:tabLst/>
+              <a:defRPr sz="1800" kern="1200" spc="0" baseline="0">
+                <a:gradFill>
+                  <a:gsLst>
+                    <a:gs pos="1250">
+                      <a:schemeClr val="tx1"/>
+                    </a:gs>
+                    <a:gs pos="100000">
+                      <a:schemeClr val="tx1"/>
+                    </a:gs>
+                  </a:gsLst>
+                  <a:lin ang="5400000" scaled="0"/>
+                </a:gradFill>
+                <a:latin typeface="+mn-lt"/>
+                <a:ea typeface="+mn-ea"/>
+                <a:cs typeface="+mn-cs"/>
+              </a:defRPr>
+            </a:lvl5pPr>
+            <a:lvl6pPr marL="2564548" indent="-233141" algn="l" defTabSz="932563" rtl="0" eaLnBrk="1" latinLnBrk="0" hangingPunct="1">
+              <a:spcBef>
+                <a:spcPct val="20000"/>
+              </a:spcBef>
+              <a:buFont typeface="Arial" pitchFamily="34" charset="0"/>
+              <a:buChar char="•"/>
+              <a:defRPr sz="2000" kern="1200">
+                <a:solidFill>
+                  <a:schemeClr val="tx1"/>
+                </a:solidFill>
+                <a:latin typeface="+mn-lt"/>
+                <a:ea typeface="+mn-ea"/>
+                <a:cs typeface="+mn-cs"/>
+              </a:defRPr>
+            </a:lvl6pPr>
+            <a:lvl7pPr marL="3030830" indent="-233141" algn="l" defTabSz="932563" rtl="0" eaLnBrk="1" latinLnBrk="0" hangingPunct="1">
+              <a:spcBef>
+                <a:spcPct val="20000"/>
+              </a:spcBef>
+              <a:buFont typeface="Arial" pitchFamily="34" charset="0"/>
+              <a:buChar char="•"/>
+              <a:defRPr sz="2000" kern="1200">
+                <a:solidFill>
+                  <a:schemeClr val="tx1"/>
+                </a:solidFill>
+                <a:latin typeface="+mn-lt"/>
+                <a:ea typeface="+mn-ea"/>
+                <a:cs typeface="+mn-cs"/>
+              </a:defRPr>
+            </a:lvl7pPr>
+            <a:lvl8pPr marL="3497112" indent="-233141" algn="l" defTabSz="932563" rtl="0" eaLnBrk="1" latinLnBrk="0" hangingPunct="1">
+              <a:spcBef>
+                <a:spcPct val="20000"/>
+              </a:spcBef>
+              <a:buFont typeface="Arial" pitchFamily="34" charset="0"/>
+              <a:buChar char="•"/>
+              <a:defRPr sz="2000" kern="1200">
+                <a:solidFill>
+                  <a:schemeClr val="tx1"/>
+                </a:solidFill>
+                <a:latin typeface="+mn-lt"/>
+                <a:ea typeface="+mn-ea"/>
+                <a:cs typeface="+mn-cs"/>
+              </a:defRPr>
+            </a:lvl8pPr>
+            <a:lvl9pPr marL="3963394" indent="-233141" algn="l" defTabSz="932563" rtl="0" eaLnBrk="1" latinLnBrk="0" hangingPunct="1">
+              <a:spcBef>
+                <a:spcPct val="20000"/>
+              </a:spcBef>
+              <a:buFont typeface="Arial" pitchFamily="34" charset="0"/>
+              <a:buChar char="•"/>
+              <a:defRPr sz="2000" kern="1200">
+                <a:solidFill>
+                  <a:schemeClr val="tx1"/>
+                </a:solidFill>
+                <a:latin typeface="+mn-lt"/>
+                <a:ea typeface="+mn-ea"/>
+                <a:cs typeface="+mn-cs"/>
+              </a:defRPr>
+            </a:lvl9pPr>
+          </a:lstStyle>
+          <a:p>
+            <a:pPr marL="0" indent="0">
+              <a:buNone/>
+            </a:pPr>
+            <a:r>
+              <a:rPr lang="en-US" sz="3200" dirty="0"/>
+              <a:t> </a:t>
+            </a:r>
+          </a:p>
+        </p:txBody>
+      </p:sp>
+      <p:sp>
+        <p:nvSpPr>
+          <p:cNvPr id="6" name="Text Placeholder 6"/>
+          <p:cNvSpPr txBox="1">
+            <a:spLocks/>
+          </p:cNvSpPr>
+          <p:nvPr/>
+        </p:nvSpPr>
+        <p:spPr>
+          <a:xfrm>
+            <a:off x="518160" y="1944747"/>
+            <a:ext cx="11704320" cy="4524315"/>
+          </a:xfrm>
+          <a:prstGeom prst="rect">
+            <a:avLst/>
+          </a:prstGeom>
+        </p:spPr>
+        <p:txBody>
+          <a:bodyPr/>
+          <a:lstStyle>
+            <a:lvl1pPr marL="342834" marR="0" indent="-342834" algn="l" defTabSz="932563" rtl="0" eaLnBrk="1" fontAlgn="auto" latinLnBrk="0" hangingPunct="1">
+              <a:lnSpc>
+                <a:spcPct val="90000"/>
+              </a:lnSpc>
+              <a:spcBef>
+                <a:spcPct val="20000"/>
+              </a:spcBef>
+              <a:spcAft>
+                <a:spcPts val="0"/>
+              </a:spcAft>
+              <a:buClrTx/>
+              <a:buSzPct val="90000"/>
+              <a:buFont typeface="Arial" pitchFamily="34" charset="0"/>
+              <a:buChar char="•"/>
+              <a:tabLst/>
+              <a:defRPr sz="3999" kern="1200" spc="0" baseline="0">
+                <a:gradFill>
+                  <a:gsLst>
+                    <a:gs pos="1250">
+                      <a:schemeClr val="tx1"/>
+                    </a:gs>
+                    <a:gs pos="100000">
+                      <a:schemeClr val="tx1"/>
+                    </a:gs>
+                  </a:gsLst>
+                  <a:lin ang="5400000" scaled="0"/>
+                </a:gradFill>
+                <a:latin typeface="+mj-lt"/>
+                <a:ea typeface="+mn-ea"/>
+                <a:cs typeface="+mn-cs"/>
+              </a:defRPr>
+            </a:lvl1pPr>
+            <a:lvl2pPr marL="584088" marR="0" indent="-241253" algn="l" defTabSz="932563" rtl="0" eaLnBrk="1" fontAlgn="auto" latinLnBrk="0" hangingPunct="1">
+              <a:lnSpc>
+                <a:spcPct val="90000"/>
+              </a:lnSpc>
+              <a:spcBef>
+                <a:spcPct val="20000"/>
+              </a:spcBef>
+              <a:spcAft>
+                <a:spcPts val="0"/>
+              </a:spcAft>
+              <a:buClrTx/>
+              <a:buSzPct val="90000"/>
+              <a:buFont typeface="Arial" pitchFamily="34" charset="0"/>
+              <a:buChar char="•"/>
+              <a:tabLst/>
+              <a:defRPr sz="2400" kern="1200" spc="0" baseline="0">
+                <a:gradFill>
+                  <a:gsLst>
+                    <a:gs pos="1250">
+                      <a:schemeClr val="tx1"/>
+                    </a:gs>
+                    <a:gs pos="100000">
+                      <a:schemeClr val="tx1"/>
+                    </a:gs>
+                  </a:gsLst>
+                  <a:lin ang="5400000" scaled="0"/>
+                </a:gradFill>
+                <a:latin typeface="+mn-lt"/>
+                <a:ea typeface="+mn-ea"/>
+                <a:cs typeface="+mn-cs"/>
+              </a:defRPr>
+            </a:lvl2pPr>
+            <a:lvl3pPr marL="799946" marR="0" indent="-228557" algn="l" defTabSz="932563" rtl="0" eaLnBrk="1" fontAlgn="auto" latinLnBrk="0" hangingPunct="1">
+              <a:lnSpc>
+                <a:spcPct val="90000"/>
+              </a:lnSpc>
+              <a:spcBef>
+                <a:spcPct val="20000"/>
+              </a:spcBef>
+              <a:spcAft>
+                <a:spcPts val="0"/>
+              </a:spcAft>
+              <a:buClrTx/>
+              <a:buSzPct val="90000"/>
+              <a:buFont typeface="Arial" pitchFamily="34" charset="0"/>
+              <a:buChar char="•"/>
+              <a:tabLst/>
+              <a:defRPr sz="2000" kern="1200" spc="0" baseline="0">
+                <a:gradFill>
+                  <a:gsLst>
+                    <a:gs pos="1250">
+                      <a:schemeClr val="tx1"/>
+                    </a:gs>
+                    <a:gs pos="100000">
+                      <a:schemeClr val="tx1"/>
+                    </a:gs>
+                  </a:gsLst>
+                  <a:lin ang="5400000" scaled="0"/>
+                </a:gradFill>
+                <a:latin typeface="+mn-lt"/>
+                <a:ea typeface="+mn-ea"/>
+                <a:cs typeface="+mn-cs"/>
+              </a:defRPr>
+            </a:lvl3pPr>
+            <a:lvl4pPr marL="1028503" marR="0" indent="-228557" algn="l" defTabSz="932563" rtl="0" eaLnBrk="1" fontAlgn="auto" latinLnBrk="0" hangingPunct="1">
+              <a:lnSpc>
+                <a:spcPct val="90000"/>
+              </a:lnSpc>
+              <a:spcBef>
+                <a:spcPct val="20000"/>
+              </a:spcBef>
+              <a:spcAft>
+                <a:spcPts val="0"/>
+              </a:spcAft>
+              <a:buClrTx/>
+              <a:buSzPct val="90000"/>
+              <a:buFont typeface="Arial" pitchFamily="34" charset="0"/>
+              <a:buChar char="•"/>
+              <a:tabLst/>
+              <a:defRPr sz="1800" kern="1200" spc="0" baseline="0">
+                <a:gradFill>
+                  <a:gsLst>
+                    <a:gs pos="1250">
+                      <a:schemeClr val="tx1"/>
+                    </a:gs>
+                    <a:gs pos="100000">
+                      <a:schemeClr val="tx1"/>
+                    </a:gs>
+                  </a:gsLst>
+                  <a:lin ang="5400000" scaled="0"/>
+                </a:gradFill>
+                <a:latin typeface="+mn-lt"/>
+                <a:ea typeface="+mn-ea"/>
+                <a:cs typeface="+mn-cs"/>
+              </a:defRPr>
+            </a:lvl4pPr>
+            <a:lvl5pPr marL="1257058" marR="0" indent="-228557" algn="l" defTabSz="932563" rtl="0" eaLnBrk="1" fontAlgn="auto" latinLnBrk="0" hangingPunct="1">
+              <a:lnSpc>
+                <a:spcPct val="90000"/>
+              </a:lnSpc>
+              <a:spcBef>
+                <a:spcPct val="20000"/>
+              </a:spcBef>
+              <a:spcAft>
+                <a:spcPts val="0"/>
+              </a:spcAft>
+              <a:buClrTx/>
+              <a:buSzPct val="90000"/>
+              <a:buFont typeface="Arial" pitchFamily="34" charset="0"/>
+              <a:buChar char="•"/>
+              <a:tabLst/>
+              <a:defRPr sz="1800" kern="1200" spc="0" baseline="0">
+                <a:gradFill>
+                  <a:gsLst>
+                    <a:gs pos="1250">
+                      <a:schemeClr val="tx1"/>
+                    </a:gs>
+                    <a:gs pos="100000">
+                      <a:schemeClr val="tx1"/>
+                    </a:gs>
+                  </a:gsLst>
+                  <a:lin ang="5400000" scaled="0"/>
+                </a:gradFill>
+                <a:latin typeface="+mn-lt"/>
+                <a:ea typeface="+mn-ea"/>
+                <a:cs typeface="+mn-cs"/>
+              </a:defRPr>
+            </a:lvl5pPr>
+            <a:lvl6pPr marL="2564548" indent="-233141" algn="l" defTabSz="932563" rtl="0" eaLnBrk="1" latinLnBrk="0" hangingPunct="1">
+              <a:spcBef>
+                <a:spcPct val="20000"/>
+              </a:spcBef>
+              <a:buFont typeface="Arial" pitchFamily="34" charset="0"/>
+              <a:buChar char="•"/>
+              <a:defRPr sz="2000" kern="1200">
+                <a:solidFill>
+                  <a:schemeClr val="tx1"/>
+                </a:solidFill>
+                <a:latin typeface="+mn-lt"/>
+                <a:ea typeface="+mn-ea"/>
+                <a:cs typeface="+mn-cs"/>
+              </a:defRPr>
+            </a:lvl6pPr>
+            <a:lvl7pPr marL="3030830" indent="-233141" algn="l" defTabSz="932563" rtl="0" eaLnBrk="1" latinLnBrk="0" hangingPunct="1">
+              <a:spcBef>
+                <a:spcPct val="20000"/>
+              </a:spcBef>
+              <a:buFont typeface="Arial" pitchFamily="34" charset="0"/>
+              <a:buChar char="•"/>
+              <a:defRPr sz="2000" kern="1200">
+                <a:solidFill>
+                  <a:schemeClr val="tx1"/>
+                </a:solidFill>
+                <a:latin typeface="+mn-lt"/>
+                <a:ea typeface="+mn-ea"/>
+                <a:cs typeface="+mn-cs"/>
+              </a:defRPr>
+            </a:lvl7pPr>
+            <a:lvl8pPr marL="3497112" indent="-233141" algn="l" defTabSz="932563" rtl="0" eaLnBrk="1" latinLnBrk="0" hangingPunct="1">
+              <a:spcBef>
+                <a:spcPct val="20000"/>
+              </a:spcBef>
+              <a:buFont typeface="Arial" pitchFamily="34" charset="0"/>
+              <a:buChar char="•"/>
+              <a:defRPr sz="2000" kern="1200">
+                <a:solidFill>
+                  <a:schemeClr val="tx1"/>
+                </a:solidFill>
+                <a:latin typeface="+mn-lt"/>
+                <a:ea typeface="+mn-ea"/>
+                <a:cs typeface="+mn-cs"/>
+              </a:defRPr>
+            </a:lvl8pPr>
+            <a:lvl9pPr marL="3963394" indent="-233141" algn="l" defTabSz="932563" rtl="0" eaLnBrk="1" latinLnBrk="0" hangingPunct="1">
+              <a:spcBef>
+                <a:spcPct val="20000"/>
+              </a:spcBef>
+              <a:buFont typeface="Arial" pitchFamily="34" charset="0"/>
+              <a:buChar char="•"/>
+              <a:defRPr sz="2000" kern="1200">
+                <a:solidFill>
+                  <a:schemeClr val="tx1"/>
+                </a:solidFill>
+                <a:latin typeface="+mn-lt"/>
+                <a:ea typeface="+mn-ea"/>
+                <a:cs typeface="+mn-cs"/>
+              </a:defRPr>
+            </a:lvl9pPr>
+          </a:lstStyle>
+          <a:p>
+            <a:pPr marL="0" indent="0">
+              <a:buNone/>
+            </a:pPr>
+            <a:endParaRPr lang="en-US" sz="3200" dirty="0"/>
+          </a:p>
+        </p:txBody>
+      </p:sp>
+      <p:sp>
+        <p:nvSpPr>
+          <p:cNvPr id="26" name="Rectangle 25"/>
+          <p:cNvSpPr/>
+          <p:nvPr/>
+        </p:nvSpPr>
+        <p:spPr bwMode="auto">
+          <a:xfrm>
+            <a:off x="1965960" y="2073319"/>
+            <a:ext cx="9586277" cy="661943"/>
+          </a:xfrm>
+          <a:prstGeom prst="rect">
+            <a:avLst/>
+          </a:prstGeom>
+          <a:solidFill>
+            <a:schemeClr val="accent1"/>
+          </a:solidFill>
+          <a:ln>
+            <a:noFill/>
+            <a:headEnd type="none" w="med" len="med"/>
+            <a:tailEnd type="none" w="med" len="med"/>
+          </a:ln>
+          <a:effectLst/>
+        </p:spPr>
+        <p:style>
+          <a:lnRef idx="1">
+            <a:schemeClr val="accent2"/>
+          </a:lnRef>
+          <a:fillRef idx="3">
+            <a:schemeClr val="accent2"/>
+          </a:fillRef>
+          <a:effectRef idx="2">
+            <a:schemeClr val="accent2"/>
+          </a:effectRef>
+          <a:fontRef idx="minor">
+            <a:schemeClr val="lt1"/>
+          </a:fontRef>
+        </p:style>
+        <p:txBody>
+          <a:bodyPr rot="0" spcFirstLastPara="0" vertOverflow="overflow" horzOverflow="overflow" vert="horz" wrap="square" lIns="182880" tIns="146304" rIns="182880" bIns="146304" numCol="1" spcCol="0" rtlCol="0" fromWordArt="0" anchor="ctr" anchorCtr="0" forceAA="0" compatLnSpc="1">
+            <a:prstTxWarp prst="textNoShape">
+              <a:avLst/>
+            </a:prstTxWarp>
+            <a:noAutofit/>
+          </a:bodyPr>
+          <a:lstStyle/>
+          <a:p>
+            <a:r>
+              <a:rPr lang="en-US" dirty="0"/>
+              <a:t>Adding ANGLE using </a:t>
+            </a:r>
+            <a:r>
+              <a:rPr lang="en-US" dirty="0" err="1"/>
+              <a:t>NuGet</a:t>
+            </a:r>
+            <a:endParaRPr lang="en-US" dirty="0"/>
+          </a:p>
+        </p:txBody>
+      </p:sp>
+      <p:sp>
+        <p:nvSpPr>
+          <p:cNvPr id="27" name="Rectangle 26"/>
+          <p:cNvSpPr/>
+          <p:nvPr/>
+        </p:nvSpPr>
+        <p:spPr bwMode="auto">
+          <a:xfrm>
+            <a:off x="805138" y="2068905"/>
+            <a:ext cx="795309" cy="666357"/>
+          </a:xfrm>
+          <a:prstGeom prst="rect">
+            <a:avLst/>
+          </a:prstGeom>
+          <a:solidFill>
+            <a:srgbClr val="00B0F0"/>
+          </a:solidFill>
+          <a:ln>
+            <a:noFill/>
+            <a:headEnd type="none" w="med" len="med"/>
+            <a:tailEnd type="none" w="med" len="med"/>
+          </a:ln>
+          <a:effectLst/>
+        </p:spPr>
+        <p:style>
+          <a:lnRef idx="1">
+            <a:schemeClr val="accent2"/>
+          </a:lnRef>
+          <a:fillRef idx="3">
+            <a:schemeClr val="accent2"/>
+          </a:fillRef>
+          <a:effectRef idx="2">
+            <a:schemeClr val="accent2"/>
+          </a:effectRef>
+          <a:fontRef idx="minor">
+            <a:schemeClr val="lt1"/>
+          </a:fontRef>
+        </p:style>
+        <p:txBody>
+          <a:bodyPr rot="0" spcFirstLastPara="0" vertOverflow="overflow" horzOverflow="overflow" vert="horz" wrap="square" lIns="182880" tIns="146304" rIns="182880" bIns="146304" numCol="1" spcCol="0" rtlCol="0" fromWordArt="0" anchor="ctr" anchorCtr="0" forceAA="0" compatLnSpc="1">
+            <a:prstTxWarp prst="textNoShape">
+              <a:avLst/>
+            </a:prstTxWarp>
+            <a:noAutofit/>
+          </a:bodyPr>
+          <a:lstStyle/>
+          <a:p>
+            <a:pPr algn="ctr" defTabSz="932472" fontAlgn="base">
+              <a:lnSpc>
+                <a:spcPct val="90000"/>
+              </a:lnSpc>
+              <a:spcBef>
+                <a:spcPct val="0"/>
+              </a:spcBef>
+              <a:spcAft>
+                <a:spcPct val="0"/>
+              </a:spcAft>
+            </a:pPr>
+            <a:r>
+              <a:rPr lang="en-US" sz="4000" dirty="0">
+                <a:gradFill>
+                  <a:gsLst>
+                    <a:gs pos="0">
+                      <a:srgbClr val="FFFFFF"/>
+                    </a:gs>
+                    <a:gs pos="100000">
+                      <a:srgbClr val="FFFFFF"/>
+                    </a:gs>
+                  </a:gsLst>
+                  <a:lin ang="5400000" scaled="0"/>
+                </a:gradFill>
+                <a:ea typeface="Segoe UI" pitchFamily="34" charset="0"/>
+                <a:cs typeface="Segoe UI" pitchFamily="34" charset="0"/>
+              </a:rPr>
+              <a:t>7</a:t>
+            </a:r>
+          </a:p>
+        </p:txBody>
+      </p:sp>
+    </p:spTree>
+    <p:extLst>
+      <p:ext uri="{BB962C8B-B14F-4D97-AF65-F5344CB8AC3E}">
+        <p14:creationId xmlns:p14="http://schemas.microsoft.com/office/powerpoint/2010/main" val="4146997603"/>
+      </p:ext>
+    </p:extLst>
+  </p:cSld>
+  <p:clrMapOvr>
+    <a:masterClrMapping/>
+  </p:clrMapOvr>
+  <mc:AlternateContent xmlns:mc="http://schemas.openxmlformats.org/markup-compatibility/2006" xmlns:p14="http://schemas.microsoft.com/office/powerpoint/2010/main">
+    <mc:Choice Requires="p14">
+      <p:transition p14:dur="0"/>
+    </mc:Choice>
+    <mc:Fallback xmlns="">
+      <p:transition/>
+    </mc:Fallback>
+  </mc:AlternateContent>
+</p:sld>
+</file>
+
+<file path=ppt/slides/slide19.xml><?xml version="1.0" encoding="utf-8"?>
+<p:sld xmlns:a="http://schemas.openxmlformats.org/drawingml/2006/main" xmlns:r="http://schemas.openxmlformats.org/officeDocument/2006/relationships" xmlns:p="http://schemas.openxmlformats.org/presentationml/2006/main">
+  <p:cSld>
+    <p:spTree>
+      <p:nvGrpSpPr>
+        <p:cNvPr id="1" name=""/>
+        <p:cNvGrpSpPr/>
+        <p:nvPr/>
+      </p:nvGrpSpPr>
+      <p:grpSpPr>
+        <a:xfrm>
+          <a:off x="0" y="0"/>
+          <a:ext cx="0" cy="0"/>
+          <a:chOff x="0" y="0"/>
+          <a:chExt cx="0" cy="0"/>
+        </a:xfrm>
+      </p:grpSpPr>
+      <p:sp>
+        <p:nvSpPr>
+          <p:cNvPr id="5" name="Text Placeholder 4"/>
+          <p:cNvSpPr>
+            <a:spLocks noGrp="1"/>
+          </p:cNvSpPr>
+          <p:nvPr>
+            <p:ph type="body" sz="quarter" idx="10"/>
+          </p:nvPr>
+        </p:nvSpPr>
+        <p:spPr>
+          <a:xfrm>
+            <a:off x="274638" y="1212850"/>
+            <a:ext cx="11887200" cy="4838248"/>
+          </a:xfrm>
+        </p:spPr>
+        <p:txBody>
+          <a:bodyPr/>
+          <a:lstStyle/>
+          <a:p>
+            <a:pPr marL="0" indent="0">
+              <a:buNone/>
+            </a:pPr>
+            <a:endParaRPr lang="en-US" sz="2800" dirty="0"/>
+          </a:p>
+          <a:p>
+            <a:pPr marL="0" indent="0">
+              <a:buNone/>
+            </a:pPr>
+            <a:r>
+              <a:rPr lang="en-US" sz="2800" dirty="0"/>
+              <a:t>ANGLE: </a:t>
+            </a:r>
+            <a:r>
+              <a:rPr lang="en-US" sz="2800" dirty="0">
+                <a:hlinkClick r:id="rId2"/>
+              </a:rPr>
+              <a:t>https://github.com/MSOpenTech/angle</a:t>
+            </a:r>
+            <a:r>
+              <a:rPr lang="en-US" sz="2800" dirty="0"/>
+              <a:t> </a:t>
+            </a:r>
+          </a:p>
+          <a:p>
+            <a:pPr marL="0" indent="0">
+              <a:buNone/>
+            </a:pPr>
+            <a:endParaRPr lang="en-US" sz="2800" dirty="0"/>
+          </a:p>
+          <a:p>
+            <a:pPr marL="0" indent="0">
+              <a:buNone/>
+            </a:pPr>
+            <a:r>
+              <a:rPr lang="en-US" sz="2800" dirty="0"/>
+              <a:t>Wiki: 	</a:t>
+            </a:r>
+            <a:r>
+              <a:rPr lang="en-US" sz="2800" dirty="0">
+                <a:hlinkClick r:id="rId3"/>
+              </a:rPr>
+              <a:t>https://github.com/MSOpenTech/angle/wiki</a:t>
+            </a:r>
+            <a:endParaRPr lang="en-US" sz="2800" dirty="0"/>
+          </a:p>
+          <a:p>
+            <a:pPr marL="0" indent="0">
+              <a:buNone/>
+            </a:pPr>
+            <a:endParaRPr lang="en-US" sz="2800" dirty="0"/>
+          </a:p>
+          <a:p>
+            <a:pPr marL="0" lvl="0" indent="0">
+              <a:buNone/>
+            </a:pPr>
+            <a:r>
+              <a:rPr lang="en-US" sz="2800" dirty="0"/>
+              <a:t>Lab: </a:t>
+            </a:r>
+            <a:r>
+              <a:rPr lang="en-US" sz="2800" dirty="0">
+                <a:hlinkClick r:id="rId4"/>
+              </a:rPr>
+              <a:t>https://github.com/Microsoft-Build-2016/CodeLabs-GameDev-3-ANGLE</a:t>
+            </a:r>
+            <a:endParaRPr lang="en-US" sz="2800" dirty="0"/>
+          </a:p>
+          <a:p>
+            <a:pPr marL="0" lvl="0" indent="0">
+              <a:buNone/>
+            </a:pPr>
+            <a:endParaRPr lang="en-US" sz="2800" dirty="0"/>
+          </a:p>
+          <a:p>
+            <a:pPr marL="0" lvl="0" indent="0">
+              <a:buNone/>
+            </a:pPr>
+            <a:r>
+              <a:rPr lang="en-US" sz="2800" dirty="0"/>
+              <a:t>Breakout Tutorial: </a:t>
+            </a:r>
+            <a:r>
+              <a:rPr lang="en-US" sz="2800" dirty="0">
+                <a:hlinkClick r:id="rId5"/>
+              </a:rPr>
+              <a:t>http://learnopengl.com/#!In-Practice/2D-Game/Breakout</a:t>
+            </a:r>
+            <a:endParaRPr lang="en-US" sz="2800" dirty="0"/>
+          </a:p>
+          <a:p>
+            <a:pPr marL="0" lvl="0" indent="0">
+              <a:buNone/>
+            </a:pPr>
+            <a:endParaRPr lang="en-US" sz="2800" dirty="0"/>
+          </a:p>
+          <a:p>
+            <a:pPr marL="0" lvl="0" indent="0">
+              <a:buNone/>
+            </a:pPr>
+            <a:r>
+              <a:rPr lang="en-US" sz="2800" dirty="0" err="1"/>
+              <a:t>Khronos</a:t>
+            </a:r>
+            <a:r>
+              <a:rPr lang="en-US" sz="2800" dirty="0"/>
+              <a:t>: </a:t>
+            </a:r>
+            <a:r>
+              <a:rPr lang="en-US" sz="2800" dirty="0">
+                <a:hlinkClick r:id="rId6"/>
+              </a:rPr>
+              <a:t>OpenGL ES 2.0</a:t>
+            </a:r>
+            <a:r>
+              <a:rPr lang="en-US" sz="2800" dirty="0"/>
+              <a:t> and </a:t>
+            </a:r>
+            <a:r>
+              <a:rPr lang="en-US" sz="2800" dirty="0">
+                <a:hlinkClick r:id="rId7"/>
+              </a:rPr>
+              <a:t>EGL 1.4</a:t>
+            </a:r>
+            <a:r>
+              <a:rPr lang="en-US" sz="2800" dirty="0"/>
+              <a:t> APIs</a:t>
+            </a:r>
+          </a:p>
+        </p:txBody>
+      </p:sp>
+      <p:sp>
+        <p:nvSpPr>
+          <p:cNvPr id="2" name="Title 1"/>
+          <p:cNvSpPr>
+            <a:spLocks noGrp="1"/>
+          </p:cNvSpPr>
+          <p:nvPr>
+            <p:ph type="title"/>
+          </p:nvPr>
+        </p:nvSpPr>
+        <p:spPr/>
+        <p:txBody>
+          <a:bodyPr/>
+          <a:lstStyle/>
+          <a:p>
+            <a:r>
+              <a:rPr lang="en-US" dirty="0"/>
+              <a:t>For more information:</a:t>
+            </a:r>
+          </a:p>
+        </p:txBody>
+      </p:sp>
+    </p:spTree>
+    <p:extLst>
+      <p:ext uri="{BB962C8B-B14F-4D97-AF65-F5344CB8AC3E}">
+        <p14:creationId xmlns:p14="http://schemas.microsoft.com/office/powerpoint/2010/main" val="4129826664"/>
+      </p:ext>
+    </p:extLst>
+  </p:cSld>
+  <p:clrMapOvr>
+    <a:masterClrMapping/>
+  </p:clrMapOvr>
+  <mc:AlternateContent xmlns:mc="http://schemas.openxmlformats.org/markup-compatibility/2006" xmlns:p14="http://schemas.microsoft.com/office/powerpoint/2010/main">
+    <mc:Choice Requires="p14">
+      <p:transition spd="med" p14:dur="700">
+        <p:fade/>
+      </p:transition>
+    </mc:Choice>
+    <mc:Fallback xmlns="">
+      <p:transition spd="med">
+        <p:fade/>
+      </p:transition>
+    </mc:Fallback>
+  </mc:AlternateContent>
+</p:sld>
+</file>
+
+<file path=ppt/slides/slide2.xml><?xml version="1.0" encoding="utf-8"?>
+<p:sld xmlns:a="http://schemas.openxmlformats.org/drawingml/2006/main" xmlns:r="http://schemas.openxmlformats.org/officeDocument/2006/relationships" xmlns:p="http://schemas.openxmlformats.org/presentationml/2006/main">
+  <p:cSld>
+    <p:spTree>
+      <p:nvGrpSpPr>
+        <p:cNvPr id="1" name=""/>
+        <p:cNvGrpSpPr/>
+        <p:nvPr/>
+      </p:nvGrpSpPr>
+      <p:grpSpPr>
+        <a:xfrm>
+          <a:off x="0" y="0"/>
+          <a:ext cx="0" cy="0"/>
+          <a:chOff x="0" y="0"/>
+          <a:chExt cx="0" cy="0"/>
+        </a:xfrm>
+      </p:grpSpPr>
+      <p:sp>
+        <p:nvSpPr>
+          <p:cNvPr id="4" name="Title 3"/>
+          <p:cNvSpPr>
+            <a:spLocks noGrp="1"/>
+          </p:cNvSpPr>
+          <p:nvPr>
+            <p:ph type="title"/>
+          </p:nvPr>
+        </p:nvSpPr>
+        <p:spPr/>
+        <p:txBody>
+          <a:bodyPr/>
+          <a:lstStyle/>
+          <a:p>
+            <a:r>
+              <a:rPr lang="en-US" b="1" dirty="0"/>
+              <a:t>Porting your OpenGL ES 2.0 Game to Windows 10 using ANGLE</a:t>
+            </a:r>
+          </a:p>
+        </p:txBody>
+      </p:sp>
+      <p:sp>
+        <p:nvSpPr>
+          <p:cNvPr id="5" name="Text Placeholder 4"/>
+          <p:cNvSpPr>
+            <a:spLocks noGrp="1"/>
+          </p:cNvSpPr>
+          <p:nvPr>
+            <p:ph type="body" sz="quarter" idx="12"/>
+          </p:nvPr>
+        </p:nvSpPr>
+        <p:spPr/>
+        <p:txBody>
+          <a:bodyPr/>
+          <a:lstStyle/>
+          <a:p>
+            <a:r>
+              <a:rPr lang="en-US" dirty="0"/>
+              <a:t>Dale Stammen</a:t>
+            </a:r>
+          </a:p>
+          <a:p>
+            <a:r>
+              <a:rPr lang="en-US" dirty="0"/>
+              <a:t>Senior Software Engineer</a:t>
+            </a:r>
+          </a:p>
+        </p:txBody>
+      </p:sp>
+      <p:sp>
+        <p:nvSpPr>
+          <p:cNvPr id="6" name="Text Placeholder 5"/>
+          <p:cNvSpPr>
+            <a:spLocks noGrp="1"/>
+          </p:cNvSpPr>
+          <p:nvPr>
+            <p:ph type="body" sz="quarter" idx="13"/>
+          </p:nvPr>
+        </p:nvSpPr>
+        <p:spPr>
+          <a:xfrm>
+            <a:off x="8504238" y="307621"/>
+            <a:ext cx="3656013" cy="572464"/>
+          </a:xfrm>
+        </p:spPr>
+        <p:txBody>
+          <a:bodyPr/>
+          <a:lstStyle/>
+          <a:p>
+            <a:r>
+              <a:rPr lang="en-US" b="1" dirty="0"/>
+              <a:t>L709</a:t>
+            </a:r>
+            <a:endParaRPr lang="en-US" dirty="0"/>
+          </a:p>
+        </p:txBody>
+      </p:sp>
+    </p:spTree>
+    <p:extLst>
+      <p:ext uri="{BB962C8B-B14F-4D97-AF65-F5344CB8AC3E}">
+        <p14:creationId xmlns:p14="http://schemas.microsoft.com/office/powerpoint/2010/main" val="2666902894"/>
+      </p:ext>
+    </p:extLst>
+  </p:cSld>
+  <p:clrMapOvr>
+    <a:masterClrMapping/>
+  </p:clrMapOvr>
+  <mc:AlternateContent xmlns:mc="http://schemas.openxmlformats.org/markup-compatibility/2006" xmlns:p14="http://schemas.microsoft.com/office/powerpoint/2010/main">
+    <mc:Choice Requires="p14">
+      <p:transition spd="med" p14:dur="700">
+        <p:fade/>
+      </p:transition>
+    </mc:Choice>
+    <mc:Fallback xmlns="">
+      <p:transition spd="med">
+        <p:fade/>
+      </p:transition>
+    </mc:Fallback>
+  </mc:AlternateContent>
+</p:sld>
+</file>
+
+<file path=ppt/slides/slide20.xml><?xml version="1.0" encoding="utf-8"?>
+<p:sld xmlns:a="http://schemas.openxmlformats.org/drawingml/2006/main" xmlns:r="http://schemas.openxmlformats.org/officeDocument/2006/relationships" xmlns:p="http://schemas.openxmlformats.org/presentationml/2006/main">
+  <p:cSld>
+    <p:spTree>
+      <p:nvGrpSpPr>
+        <p:cNvPr id="1" name=""/>
+        <p:cNvGrpSpPr/>
+        <p:nvPr/>
+      </p:nvGrpSpPr>
+      <p:grpSpPr>
+        <a:xfrm>
+          <a:off x="0" y="0"/>
+          <a:ext cx="0" cy="0"/>
+          <a:chOff x="0" y="0"/>
+          <a:chExt cx="0" cy="0"/>
+        </a:xfrm>
+      </p:grpSpPr>
+      <p:sp>
+        <p:nvSpPr>
+          <p:cNvPr id="5" name="Title 4"/>
+          <p:cNvSpPr>
+            <a:spLocks noGrp="1"/>
+          </p:cNvSpPr>
+          <p:nvPr>
+            <p:ph type="title"/>
+          </p:nvPr>
+        </p:nvSpPr>
+        <p:spPr/>
+        <p:txBody>
+          <a:bodyPr/>
+          <a:lstStyle/>
+          <a:p>
+            <a:r>
+              <a:rPr lang="en-US" dirty="0"/>
+              <a:t>Related session</a:t>
+            </a:r>
+          </a:p>
+        </p:txBody>
+      </p:sp>
+      <p:sp>
+        <p:nvSpPr>
+          <p:cNvPr id="6" name="Text Placeholder 5"/>
+          <p:cNvSpPr>
+            <a:spLocks noGrp="1"/>
+          </p:cNvSpPr>
+          <p:nvPr>
+            <p:ph type="body" sz="quarter" idx="10"/>
+          </p:nvPr>
+        </p:nvSpPr>
+        <p:spPr>
+          <a:xfrm>
+            <a:off x="277003" y="1897062"/>
+            <a:ext cx="11887200" cy="1754326"/>
+          </a:xfrm>
+        </p:spPr>
+        <p:txBody>
+          <a:bodyPr anchor="ctr" anchorCtr="0"/>
+          <a:lstStyle/>
+          <a:p>
+            <a:r>
+              <a:rPr lang="en-US" dirty="0"/>
+              <a:t>The Future of Game Development on Windows</a:t>
+            </a:r>
+          </a:p>
+          <a:p>
+            <a:pPr lvl="1"/>
+            <a:r>
+              <a:rPr lang="en-US" b="1" dirty="0"/>
+              <a:t>Date:</a:t>
+            </a:r>
+            <a:r>
+              <a:rPr lang="en-US" dirty="0"/>
+              <a:t> 	Wednesday, March 30</a:t>
+            </a:r>
+          </a:p>
+          <a:p>
+            <a:pPr lvl="1"/>
+            <a:r>
+              <a:rPr lang="en-US" b="1" dirty="0"/>
+              <a:t>Time:</a:t>
+            </a:r>
+            <a:r>
+              <a:rPr lang="en-US" dirty="0"/>
+              <a:t> 	5:00pm – 6:00pm</a:t>
+            </a:r>
+          </a:p>
+          <a:p>
+            <a:pPr lvl="1"/>
+            <a:r>
+              <a:rPr lang="en-US" b="1" dirty="0"/>
+              <a:t>Room: 	</a:t>
+            </a:r>
+            <a:r>
+              <a:rPr lang="en-US" dirty="0"/>
+              <a:t>Marriott 6</a:t>
+            </a:r>
+          </a:p>
+        </p:txBody>
+      </p:sp>
+    </p:spTree>
+    <p:extLst>
+      <p:ext uri="{BB962C8B-B14F-4D97-AF65-F5344CB8AC3E}">
+        <p14:creationId xmlns:p14="http://schemas.microsoft.com/office/powerpoint/2010/main" val="3456915216"/>
+      </p:ext>
+    </p:extLst>
+  </p:cSld>
+  <p:clrMapOvr>
+    <a:masterClrMapping/>
+  </p:clrMapOvr>
+  <p:transition>
+    <p:fade/>
+  </p:transition>
+</p:sld>
+</file>
+
+<file path=ppt/slides/slide21.xml><?xml version="1.0" encoding="utf-8"?>
+<p:sld xmlns:a="http://schemas.openxmlformats.org/drawingml/2006/main" xmlns:r="http://schemas.openxmlformats.org/officeDocument/2006/relationships" xmlns:p="http://schemas.openxmlformats.org/presentationml/2006/main">
+  <p:cSld>
+    <p:spTree>
+      <p:nvGrpSpPr>
+        <p:cNvPr id="1" name=""/>
+        <p:cNvGrpSpPr/>
+        <p:nvPr/>
+      </p:nvGrpSpPr>
+      <p:grpSpPr>
+        <a:xfrm>
+          <a:off x="0" y="0"/>
+          <a:ext cx="0" cy="0"/>
+          <a:chOff x="0" y="0"/>
+          <a:chExt cx="0" cy="0"/>
+        </a:xfrm>
+      </p:grpSpPr>
+      <p:sp>
+        <p:nvSpPr>
+          <p:cNvPr id="71" name="Rectangle 70"/>
+          <p:cNvSpPr/>
+          <p:nvPr/>
+        </p:nvSpPr>
+        <p:spPr bwMode="auto">
+          <a:xfrm>
+            <a:off x="882" y="1547274"/>
+            <a:ext cx="12434711" cy="5298882"/>
+          </a:xfrm>
+          <a:prstGeom prst="rect">
+            <a:avLst/>
+          </a:prstGeom>
+          <a:solidFill>
+            <a:schemeClr val="bg1"/>
+          </a:solidFill>
+          <a:ln>
+            <a:noFill/>
+            <a:headEnd type="none" w="med" len="med"/>
+            <a:tailEnd type="none" w="med" len="med"/>
+          </a:ln>
+        </p:spPr>
+        <p:style>
+          <a:lnRef idx="2">
+            <a:schemeClr val="accent1">
+              <a:shade val="50000"/>
+            </a:schemeClr>
+          </a:lnRef>
+          <a:fillRef idx="1">
+            <a:schemeClr val="accent1"/>
+          </a:fillRef>
+          <a:effectRef idx="0">
+            <a:schemeClr val="accent1"/>
+          </a:effectRef>
+          <a:fontRef idx="minor">
+            <a:schemeClr val="lt1"/>
+          </a:fontRef>
+        </p:style>
+        <p:txBody>
+          <a:bodyPr vert="horz" wrap="square" lIns="0" tIns="47565" rIns="0" bIns="47565" numCol="1" rtlCol="0" anchor="ctr" anchorCtr="0" compatLnSpc="1">
+            <a:prstTxWarp prst="textNoShape">
+              <a:avLst/>
+            </a:prstTxWarp>
+          </a:bodyPr>
+          <a:lstStyle/>
+          <a:p>
+            <a:pPr algn="ctr" defTabSz="951028" fontAlgn="base">
+              <a:spcBef>
+                <a:spcPct val="0"/>
+              </a:spcBef>
+              <a:spcAft>
+                <a:spcPct val="0"/>
+              </a:spcAft>
+              <a:defRPr/>
+            </a:pPr>
+            <a:endParaRPr lang="en-US" sz="2040" dirty="0">
+              <a:gradFill>
+                <a:gsLst>
+                  <a:gs pos="0">
+                    <a:srgbClr val="FFFFFF"/>
+                  </a:gs>
+                  <a:gs pos="100000">
+                    <a:srgbClr val="FFFFFF"/>
+                  </a:gs>
+                </a:gsLst>
+                <a:lin ang="5400000" scaled="0"/>
+              </a:gradFill>
+              <a:latin typeface="Segoe UI"/>
+            </a:endParaRPr>
+          </a:p>
+        </p:txBody>
+      </p:sp>
+      <p:sp>
+        <p:nvSpPr>
+          <p:cNvPr id="2" name="Title 1"/>
+          <p:cNvSpPr>
+            <a:spLocks noGrp="1"/>
+          </p:cNvSpPr>
+          <p:nvPr>
+            <p:ph type="title"/>
+          </p:nvPr>
+        </p:nvSpPr>
+        <p:spPr/>
+        <p:txBody>
+          <a:bodyPr/>
+          <a:lstStyle/>
+          <a:p>
+            <a:r>
+              <a:rPr lang="en-US" dirty="0"/>
+              <a:t>Build Game Labs</a:t>
+            </a:r>
+          </a:p>
+        </p:txBody>
+      </p:sp>
+      <p:sp>
+        <p:nvSpPr>
+          <p:cNvPr id="5" name="Text Placeholder 6"/>
+          <p:cNvSpPr txBox="1">
+            <a:spLocks/>
+          </p:cNvSpPr>
+          <p:nvPr/>
+        </p:nvSpPr>
+        <p:spPr>
+          <a:xfrm>
+            <a:off x="365760" y="1792347"/>
+            <a:ext cx="11704320" cy="4524315"/>
+          </a:xfrm>
+          <a:prstGeom prst="rect">
+            <a:avLst/>
+          </a:prstGeom>
+        </p:spPr>
+        <p:txBody>
+          <a:bodyPr/>
+          <a:lstStyle>
+            <a:lvl1pPr marL="342834" marR="0" indent="-342834" algn="l" defTabSz="932563" rtl="0" eaLnBrk="1" fontAlgn="auto" latinLnBrk="0" hangingPunct="1">
+              <a:lnSpc>
+                <a:spcPct val="90000"/>
+              </a:lnSpc>
+              <a:spcBef>
+                <a:spcPct val="20000"/>
+              </a:spcBef>
+              <a:spcAft>
+                <a:spcPts val="0"/>
+              </a:spcAft>
+              <a:buClrTx/>
+              <a:buSzPct val="90000"/>
+              <a:buFont typeface="Arial" pitchFamily="34" charset="0"/>
+              <a:buChar char="•"/>
+              <a:tabLst/>
+              <a:defRPr sz="3999" kern="1200" spc="0" baseline="0">
+                <a:gradFill>
+                  <a:gsLst>
+                    <a:gs pos="1250">
+                      <a:schemeClr val="tx1"/>
+                    </a:gs>
+                    <a:gs pos="100000">
+                      <a:schemeClr val="tx1"/>
+                    </a:gs>
+                  </a:gsLst>
+                  <a:lin ang="5400000" scaled="0"/>
+                </a:gradFill>
+                <a:latin typeface="+mj-lt"/>
+                <a:ea typeface="+mn-ea"/>
+                <a:cs typeface="+mn-cs"/>
+              </a:defRPr>
+            </a:lvl1pPr>
+            <a:lvl2pPr marL="584088" marR="0" indent="-241253" algn="l" defTabSz="932563" rtl="0" eaLnBrk="1" fontAlgn="auto" latinLnBrk="0" hangingPunct="1">
+              <a:lnSpc>
+                <a:spcPct val="90000"/>
+              </a:lnSpc>
+              <a:spcBef>
+                <a:spcPct val="20000"/>
+              </a:spcBef>
+              <a:spcAft>
+                <a:spcPts val="0"/>
+              </a:spcAft>
+              <a:buClrTx/>
+              <a:buSzPct val="90000"/>
+              <a:buFont typeface="Arial" pitchFamily="34" charset="0"/>
+              <a:buChar char="•"/>
+              <a:tabLst/>
+              <a:defRPr sz="2400" kern="1200" spc="0" baseline="0">
+                <a:gradFill>
+                  <a:gsLst>
+                    <a:gs pos="1250">
+                      <a:schemeClr val="tx1"/>
+                    </a:gs>
+                    <a:gs pos="100000">
+                      <a:schemeClr val="tx1"/>
+                    </a:gs>
+                  </a:gsLst>
+                  <a:lin ang="5400000" scaled="0"/>
+                </a:gradFill>
+                <a:latin typeface="+mn-lt"/>
+                <a:ea typeface="+mn-ea"/>
+                <a:cs typeface="+mn-cs"/>
+              </a:defRPr>
+            </a:lvl2pPr>
+            <a:lvl3pPr marL="799946" marR="0" indent="-228557" algn="l" defTabSz="932563" rtl="0" eaLnBrk="1" fontAlgn="auto" latinLnBrk="0" hangingPunct="1">
+              <a:lnSpc>
+                <a:spcPct val="90000"/>
+              </a:lnSpc>
+              <a:spcBef>
+                <a:spcPct val="20000"/>
+              </a:spcBef>
+              <a:spcAft>
+                <a:spcPts val="0"/>
+              </a:spcAft>
+              <a:buClrTx/>
+              <a:buSzPct val="90000"/>
+              <a:buFont typeface="Arial" pitchFamily="34" charset="0"/>
+              <a:buChar char="•"/>
+              <a:tabLst/>
+              <a:defRPr sz="2000" kern="1200" spc="0" baseline="0">
+                <a:gradFill>
+                  <a:gsLst>
+                    <a:gs pos="1250">
+                      <a:schemeClr val="tx1"/>
+                    </a:gs>
+                    <a:gs pos="100000">
+                      <a:schemeClr val="tx1"/>
+                    </a:gs>
+                  </a:gsLst>
+                  <a:lin ang="5400000" scaled="0"/>
+                </a:gradFill>
+                <a:latin typeface="+mn-lt"/>
+                <a:ea typeface="+mn-ea"/>
+                <a:cs typeface="+mn-cs"/>
+              </a:defRPr>
+            </a:lvl3pPr>
+            <a:lvl4pPr marL="1028503" marR="0" indent="-228557" algn="l" defTabSz="932563" rtl="0" eaLnBrk="1" fontAlgn="auto" latinLnBrk="0" hangingPunct="1">
+              <a:lnSpc>
+                <a:spcPct val="90000"/>
+              </a:lnSpc>
+              <a:spcBef>
+                <a:spcPct val="20000"/>
+              </a:spcBef>
+              <a:spcAft>
+                <a:spcPts val="0"/>
+              </a:spcAft>
+              <a:buClrTx/>
+              <a:buSzPct val="90000"/>
+              <a:buFont typeface="Arial" pitchFamily="34" charset="0"/>
+              <a:buChar char="•"/>
+              <a:tabLst/>
+              <a:defRPr sz="1800" kern="1200" spc="0" baseline="0">
+                <a:gradFill>
+                  <a:gsLst>
+                    <a:gs pos="1250">
+                      <a:schemeClr val="tx1"/>
+                    </a:gs>
+                    <a:gs pos="100000">
+                      <a:schemeClr val="tx1"/>
+                    </a:gs>
+                  </a:gsLst>
+                  <a:lin ang="5400000" scaled="0"/>
+                </a:gradFill>
+                <a:latin typeface="+mn-lt"/>
+                <a:ea typeface="+mn-ea"/>
+                <a:cs typeface="+mn-cs"/>
+              </a:defRPr>
+            </a:lvl4pPr>
+            <a:lvl5pPr marL="1257058" marR="0" indent="-228557" algn="l" defTabSz="932563" rtl="0" eaLnBrk="1" fontAlgn="auto" latinLnBrk="0" hangingPunct="1">
+              <a:lnSpc>
+                <a:spcPct val="90000"/>
+              </a:lnSpc>
+              <a:spcBef>
+                <a:spcPct val="20000"/>
+              </a:spcBef>
+              <a:spcAft>
+                <a:spcPts val="0"/>
+              </a:spcAft>
+              <a:buClrTx/>
+              <a:buSzPct val="90000"/>
+              <a:buFont typeface="Arial" pitchFamily="34" charset="0"/>
+              <a:buChar char="•"/>
+              <a:tabLst/>
+              <a:defRPr sz="1800" kern="1200" spc="0" baseline="0">
+                <a:gradFill>
+                  <a:gsLst>
+                    <a:gs pos="1250">
+                      <a:schemeClr val="tx1"/>
+                    </a:gs>
+                    <a:gs pos="100000">
+                      <a:schemeClr val="tx1"/>
+                    </a:gs>
+                  </a:gsLst>
+                  <a:lin ang="5400000" scaled="0"/>
+                </a:gradFill>
+                <a:latin typeface="+mn-lt"/>
+                <a:ea typeface="+mn-ea"/>
+                <a:cs typeface="+mn-cs"/>
+              </a:defRPr>
+            </a:lvl5pPr>
+            <a:lvl6pPr marL="2564548" indent="-233141" algn="l" defTabSz="932563" rtl="0" eaLnBrk="1" latinLnBrk="0" hangingPunct="1">
+              <a:spcBef>
+                <a:spcPct val="20000"/>
+              </a:spcBef>
+              <a:buFont typeface="Arial" pitchFamily="34" charset="0"/>
+              <a:buChar char="•"/>
+              <a:defRPr sz="2000" kern="1200">
+                <a:solidFill>
+                  <a:schemeClr val="tx1"/>
+                </a:solidFill>
+                <a:latin typeface="+mn-lt"/>
+                <a:ea typeface="+mn-ea"/>
+                <a:cs typeface="+mn-cs"/>
+              </a:defRPr>
+            </a:lvl6pPr>
+            <a:lvl7pPr marL="3030830" indent="-233141" algn="l" defTabSz="932563" rtl="0" eaLnBrk="1" latinLnBrk="0" hangingPunct="1">
+              <a:spcBef>
+                <a:spcPct val="20000"/>
+              </a:spcBef>
+              <a:buFont typeface="Arial" pitchFamily="34" charset="0"/>
+              <a:buChar char="•"/>
+              <a:defRPr sz="2000" kern="1200">
+                <a:solidFill>
+                  <a:schemeClr val="tx1"/>
+                </a:solidFill>
+                <a:latin typeface="+mn-lt"/>
+                <a:ea typeface="+mn-ea"/>
+                <a:cs typeface="+mn-cs"/>
+              </a:defRPr>
+            </a:lvl7pPr>
+            <a:lvl8pPr marL="3497112" indent="-233141" algn="l" defTabSz="932563" rtl="0" eaLnBrk="1" latinLnBrk="0" hangingPunct="1">
+              <a:spcBef>
+                <a:spcPct val="20000"/>
+              </a:spcBef>
+              <a:buFont typeface="Arial" pitchFamily="34" charset="0"/>
+              <a:buChar char="•"/>
+              <a:defRPr sz="2000" kern="1200">
+                <a:solidFill>
+                  <a:schemeClr val="tx1"/>
+                </a:solidFill>
+                <a:latin typeface="+mn-lt"/>
+                <a:ea typeface="+mn-ea"/>
+                <a:cs typeface="+mn-cs"/>
+              </a:defRPr>
+            </a:lvl8pPr>
+            <a:lvl9pPr marL="3963394" indent="-233141" algn="l" defTabSz="932563" rtl="0" eaLnBrk="1" latinLnBrk="0" hangingPunct="1">
+              <a:spcBef>
+                <a:spcPct val="20000"/>
+              </a:spcBef>
+              <a:buFont typeface="Arial" pitchFamily="34" charset="0"/>
+              <a:buChar char="•"/>
+              <a:defRPr sz="2000" kern="1200">
+                <a:solidFill>
+                  <a:schemeClr val="tx1"/>
+                </a:solidFill>
+                <a:latin typeface="+mn-lt"/>
+                <a:ea typeface="+mn-ea"/>
+                <a:cs typeface="+mn-cs"/>
+              </a:defRPr>
+            </a:lvl9pPr>
+          </a:lstStyle>
+          <a:p>
+            <a:pPr marL="0" indent="0">
+              <a:buNone/>
+            </a:pPr>
+            <a:r>
+              <a:rPr lang="en-US" sz="3200" dirty="0"/>
+              <a:t> </a:t>
+            </a:r>
+          </a:p>
+        </p:txBody>
+      </p:sp>
+      <p:sp>
+        <p:nvSpPr>
+          <p:cNvPr id="6" name="Text Placeholder 6"/>
+          <p:cNvSpPr txBox="1">
+            <a:spLocks/>
+          </p:cNvSpPr>
+          <p:nvPr/>
+        </p:nvSpPr>
+        <p:spPr>
+          <a:xfrm>
+            <a:off x="518160" y="1944747"/>
+            <a:ext cx="11704320" cy="4524315"/>
+          </a:xfrm>
+          <a:prstGeom prst="rect">
+            <a:avLst/>
+          </a:prstGeom>
+        </p:spPr>
+        <p:txBody>
+          <a:bodyPr/>
+          <a:lstStyle>
+            <a:lvl1pPr marL="342834" marR="0" indent="-342834" algn="l" defTabSz="932563" rtl="0" eaLnBrk="1" fontAlgn="auto" latinLnBrk="0" hangingPunct="1">
+              <a:lnSpc>
+                <a:spcPct val="90000"/>
+              </a:lnSpc>
+              <a:spcBef>
+                <a:spcPct val="20000"/>
+              </a:spcBef>
+              <a:spcAft>
+                <a:spcPts val="0"/>
+              </a:spcAft>
+              <a:buClrTx/>
+              <a:buSzPct val="90000"/>
+              <a:buFont typeface="Arial" pitchFamily="34" charset="0"/>
+              <a:buChar char="•"/>
+              <a:tabLst/>
+              <a:defRPr sz="3999" kern="1200" spc="0" baseline="0">
+                <a:gradFill>
+                  <a:gsLst>
+                    <a:gs pos="1250">
+                      <a:schemeClr val="tx1"/>
+                    </a:gs>
+                    <a:gs pos="100000">
+                      <a:schemeClr val="tx1"/>
+                    </a:gs>
+                  </a:gsLst>
+                  <a:lin ang="5400000" scaled="0"/>
+                </a:gradFill>
+                <a:latin typeface="+mj-lt"/>
+                <a:ea typeface="+mn-ea"/>
+                <a:cs typeface="+mn-cs"/>
+              </a:defRPr>
+            </a:lvl1pPr>
+            <a:lvl2pPr marL="584088" marR="0" indent="-241253" algn="l" defTabSz="932563" rtl="0" eaLnBrk="1" fontAlgn="auto" latinLnBrk="0" hangingPunct="1">
+              <a:lnSpc>
+                <a:spcPct val="90000"/>
+              </a:lnSpc>
+              <a:spcBef>
+                <a:spcPct val="20000"/>
+              </a:spcBef>
+              <a:spcAft>
+                <a:spcPts val="0"/>
+              </a:spcAft>
+              <a:buClrTx/>
+              <a:buSzPct val="90000"/>
+              <a:buFont typeface="Arial" pitchFamily="34" charset="0"/>
+              <a:buChar char="•"/>
+              <a:tabLst/>
+              <a:defRPr sz="2400" kern="1200" spc="0" baseline="0">
+                <a:gradFill>
+                  <a:gsLst>
+                    <a:gs pos="1250">
+                      <a:schemeClr val="tx1"/>
+                    </a:gs>
+                    <a:gs pos="100000">
+                      <a:schemeClr val="tx1"/>
+                    </a:gs>
+                  </a:gsLst>
+                  <a:lin ang="5400000" scaled="0"/>
+                </a:gradFill>
+                <a:latin typeface="+mn-lt"/>
+                <a:ea typeface="+mn-ea"/>
+                <a:cs typeface="+mn-cs"/>
+              </a:defRPr>
+            </a:lvl2pPr>
+            <a:lvl3pPr marL="799946" marR="0" indent="-228557" algn="l" defTabSz="932563" rtl="0" eaLnBrk="1" fontAlgn="auto" latinLnBrk="0" hangingPunct="1">
+              <a:lnSpc>
+                <a:spcPct val="90000"/>
+              </a:lnSpc>
+              <a:spcBef>
+                <a:spcPct val="20000"/>
+              </a:spcBef>
+              <a:spcAft>
+                <a:spcPts val="0"/>
+              </a:spcAft>
+              <a:buClrTx/>
+              <a:buSzPct val="90000"/>
+              <a:buFont typeface="Arial" pitchFamily="34" charset="0"/>
+              <a:buChar char="•"/>
+              <a:tabLst/>
+              <a:defRPr sz="2000" kern="1200" spc="0" baseline="0">
+                <a:gradFill>
+                  <a:gsLst>
+                    <a:gs pos="1250">
+                      <a:schemeClr val="tx1"/>
+                    </a:gs>
+                    <a:gs pos="100000">
+                      <a:schemeClr val="tx1"/>
+                    </a:gs>
+                  </a:gsLst>
+                  <a:lin ang="5400000" scaled="0"/>
+                </a:gradFill>
+                <a:latin typeface="+mn-lt"/>
+                <a:ea typeface="+mn-ea"/>
+                <a:cs typeface="+mn-cs"/>
+              </a:defRPr>
+            </a:lvl3pPr>
+            <a:lvl4pPr marL="1028503" marR="0" indent="-228557" algn="l" defTabSz="932563" rtl="0" eaLnBrk="1" fontAlgn="auto" latinLnBrk="0" hangingPunct="1">
+              <a:lnSpc>
+                <a:spcPct val="90000"/>
+              </a:lnSpc>
+              <a:spcBef>
+                <a:spcPct val="20000"/>
+              </a:spcBef>
+              <a:spcAft>
+                <a:spcPts val="0"/>
+              </a:spcAft>
+              <a:buClrTx/>
+              <a:buSzPct val="90000"/>
+              <a:buFont typeface="Arial" pitchFamily="34" charset="0"/>
+              <a:buChar char="•"/>
+              <a:tabLst/>
+              <a:defRPr sz="1800" kern="1200" spc="0" baseline="0">
+                <a:gradFill>
+                  <a:gsLst>
+                    <a:gs pos="1250">
+                      <a:schemeClr val="tx1"/>
+                    </a:gs>
+                    <a:gs pos="100000">
+                      <a:schemeClr val="tx1"/>
+                    </a:gs>
+                  </a:gsLst>
+                  <a:lin ang="5400000" scaled="0"/>
+                </a:gradFill>
+                <a:latin typeface="+mn-lt"/>
+                <a:ea typeface="+mn-ea"/>
+                <a:cs typeface="+mn-cs"/>
+              </a:defRPr>
+            </a:lvl4pPr>
+            <a:lvl5pPr marL="1257058" marR="0" indent="-228557" algn="l" defTabSz="932563" rtl="0" eaLnBrk="1" fontAlgn="auto" latinLnBrk="0" hangingPunct="1">
+              <a:lnSpc>
+                <a:spcPct val="90000"/>
+              </a:lnSpc>
+              <a:spcBef>
+                <a:spcPct val="20000"/>
+              </a:spcBef>
+              <a:spcAft>
+                <a:spcPts val="0"/>
+              </a:spcAft>
+              <a:buClrTx/>
+              <a:buSzPct val="90000"/>
+              <a:buFont typeface="Arial" pitchFamily="34" charset="0"/>
+              <a:buChar char="•"/>
+              <a:tabLst/>
+              <a:defRPr sz="1800" kern="1200" spc="0" baseline="0">
+                <a:gradFill>
+                  <a:gsLst>
+                    <a:gs pos="1250">
+                      <a:schemeClr val="tx1"/>
+                    </a:gs>
+                    <a:gs pos="100000">
+                      <a:schemeClr val="tx1"/>
+                    </a:gs>
+                  </a:gsLst>
+                  <a:lin ang="5400000" scaled="0"/>
+                </a:gradFill>
+                <a:latin typeface="+mn-lt"/>
+                <a:ea typeface="+mn-ea"/>
+                <a:cs typeface="+mn-cs"/>
+              </a:defRPr>
+            </a:lvl5pPr>
+            <a:lvl6pPr marL="2564548" indent="-233141" algn="l" defTabSz="932563" rtl="0" eaLnBrk="1" latinLnBrk="0" hangingPunct="1">
+              <a:spcBef>
+                <a:spcPct val="20000"/>
+              </a:spcBef>
+              <a:buFont typeface="Arial" pitchFamily="34" charset="0"/>
+              <a:buChar char="•"/>
+              <a:defRPr sz="2000" kern="1200">
+                <a:solidFill>
+                  <a:schemeClr val="tx1"/>
+                </a:solidFill>
+                <a:latin typeface="+mn-lt"/>
+                <a:ea typeface="+mn-ea"/>
+                <a:cs typeface="+mn-cs"/>
+              </a:defRPr>
+            </a:lvl6pPr>
+            <a:lvl7pPr marL="3030830" indent="-233141" algn="l" defTabSz="932563" rtl="0" eaLnBrk="1" latinLnBrk="0" hangingPunct="1">
+              <a:spcBef>
+                <a:spcPct val="20000"/>
+              </a:spcBef>
+              <a:buFont typeface="Arial" pitchFamily="34" charset="0"/>
+              <a:buChar char="•"/>
+              <a:defRPr sz="2000" kern="1200">
+                <a:solidFill>
+                  <a:schemeClr val="tx1"/>
+                </a:solidFill>
+                <a:latin typeface="+mn-lt"/>
+                <a:ea typeface="+mn-ea"/>
+                <a:cs typeface="+mn-cs"/>
+              </a:defRPr>
+            </a:lvl7pPr>
+            <a:lvl8pPr marL="3497112" indent="-233141" algn="l" defTabSz="932563" rtl="0" eaLnBrk="1" latinLnBrk="0" hangingPunct="1">
+              <a:spcBef>
+                <a:spcPct val="20000"/>
+              </a:spcBef>
+              <a:buFont typeface="Arial" pitchFamily="34" charset="0"/>
+              <a:buChar char="•"/>
+              <a:defRPr sz="2000" kern="1200">
+                <a:solidFill>
+                  <a:schemeClr val="tx1"/>
+                </a:solidFill>
+                <a:latin typeface="+mn-lt"/>
+                <a:ea typeface="+mn-ea"/>
+                <a:cs typeface="+mn-cs"/>
+              </a:defRPr>
+            </a:lvl8pPr>
+            <a:lvl9pPr marL="3963394" indent="-233141" algn="l" defTabSz="932563" rtl="0" eaLnBrk="1" latinLnBrk="0" hangingPunct="1">
+              <a:spcBef>
+                <a:spcPct val="20000"/>
+              </a:spcBef>
+              <a:buFont typeface="Arial" pitchFamily="34" charset="0"/>
+              <a:buChar char="•"/>
+              <a:defRPr sz="2000" kern="1200">
+                <a:solidFill>
+                  <a:schemeClr val="tx1"/>
+                </a:solidFill>
+                <a:latin typeface="+mn-lt"/>
+                <a:ea typeface="+mn-ea"/>
+                <a:cs typeface="+mn-cs"/>
+              </a:defRPr>
+            </a:lvl9pPr>
+          </a:lstStyle>
+          <a:p>
+            <a:pPr marL="0" indent="0">
+              <a:buNone/>
+            </a:pPr>
+            <a:endParaRPr lang="en-US" sz="3200" dirty="0"/>
+          </a:p>
+        </p:txBody>
+      </p:sp>
+      <p:sp>
+        <p:nvSpPr>
           <p:cNvPr id="8" name="Rectangle 7"/>
           <p:cNvSpPr/>
           <p:nvPr/>
@@ -25782,127 +26499,7 @@
 </p:sld>
 </file>
 
-<file path=ppt/slides/slide2.xml><?xml version="1.0" encoding="utf-8"?>
-<p:sld xmlns:a="http://schemas.openxmlformats.org/drawingml/2006/main" xmlns:r="http://schemas.openxmlformats.org/officeDocument/2006/relationships" xmlns:p="http://schemas.openxmlformats.org/presentationml/2006/main">
-  <p:cSld>
-    <p:spTree>
-      <p:nvGrpSpPr>
-        <p:cNvPr id="1" name=""/>
-        <p:cNvGrpSpPr/>
-        <p:nvPr/>
-      </p:nvGrpSpPr>
-      <p:grpSpPr>
-        <a:xfrm>
-          <a:off x="0" y="0"/>
-          <a:ext cx="0" cy="0"/>
-          <a:chOff x="0" y="0"/>
-          <a:chExt cx="0" cy="0"/>
-        </a:xfrm>
-      </p:grpSpPr>
-      <p:sp>
-        <p:nvSpPr>
-          <p:cNvPr id="4" name="Title 3"/>
-          <p:cNvSpPr>
-            <a:spLocks noGrp="1"/>
-          </p:cNvSpPr>
-          <p:nvPr>
-            <p:ph type="title"/>
-          </p:nvPr>
-        </p:nvSpPr>
-        <p:spPr/>
-        <p:txBody>
-          <a:bodyPr/>
-          <a:lstStyle/>
-          <a:p>
-            <a:r>
-              <a:rPr lang="en-US" b="1" dirty="0"/>
-              <a:t>Porting your OpenGL ES 2.0 Game to Windows 10 using ANGLE</a:t>
-            </a:r>
-          </a:p>
-        </p:txBody>
-      </p:sp>
-      <p:sp>
-        <p:nvSpPr>
-          <p:cNvPr id="5" name="Text Placeholder 4"/>
-          <p:cNvSpPr>
-            <a:spLocks noGrp="1"/>
-          </p:cNvSpPr>
-          <p:nvPr>
-            <p:ph type="body" sz="quarter" idx="12"/>
-          </p:nvPr>
-        </p:nvSpPr>
-        <p:spPr/>
-        <p:txBody>
-          <a:bodyPr/>
-          <a:lstStyle/>
-          <a:p>
-            <a:r>
-              <a:rPr lang="en-US" dirty="0"/>
-              <a:t>Dale Stammen</a:t>
-            </a:r>
-          </a:p>
-          <a:p>
-            <a:r>
-              <a:rPr lang="en-US" dirty="0"/>
-              <a:t>Senior Software Engineer</a:t>
-            </a:r>
-          </a:p>
-        </p:txBody>
-      </p:sp>
-      <p:sp>
-        <p:nvSpPr>
-          <p:cNvPr id="6" name="Text Placeholder 5"/>
-          <p:cNvSpPr>
-            <a:spLocks noGrp="1"/>
-          </p:cNvSpPr>
-          <p:nvPr>
-            <p:ph type="body" sz="quarter" idx="13"/>
-          </p:nvPr>
-        </p:nvSpPr>
-        <p:spPr>
-          <a:xfrm>
-            <a:off x="8504238" y="307621"/>
-            <a:ext cx="3656013" cy="572464"/>
-          </a:xfrm>
-        </p:spPr>
-        <p:txBody>
-          <a:bodyPr/>
-          <a:lstStyle/>
-          <a:p>
-            <a:r>
-              <a:rPr lang="en-US" b="1" dirty="0"/>
-              <a:t>L709</a:t>
-            </a:r>
-            <a:endParaRPr lang="en-US" dirty="0"/>
-          </a:p>
-        </p:txBody>
-      </p:sp>
-    </p:spTree>
-    <p:extLst>
-      <p:ext uri="{BB962C8B-B14F-4D97-AF65-F5344CB8AC3E}">
-        <p14:creationId xmlns:p14="http://schemas.microsoft.com/office/powerpoint/2010/main" val="2666902894"/>
-      </p:ext>
-    </p:extLst>
-  </p:cSld>
-  <p:clrMapOvr>
-    <a:masterClrMapping/>
-  </p:clrMapOvr>
-  <mc:AlternateContent xmlns:mc="http://schemas.openxmlformats.org/markup-compatibility/2006" xmlns:p14="http://schemas.microsoft.com/office/powerpoint/2010/main">
-    <mc:Choice Requires="p14">
-      <p:transition spd="med" p14:dur="700">
-        <p:fade/>
-      </p:transition>
-    </mc:Choice>
-    <mc:Fallback xmlns="">
-      <p:transition spd="med">
-        <p:fade/>
-      </p:transition>
-    </mc:Fallback>
-  </mc:AlternateContent>
-</p:sld>
-</file>
-
-<file path=ppt/slides/slide20.xml><?xml version="1.0" encoding="utf-8"?>
+<file path=ppt/slides/slide22.xml><?xml version="1.0" encoding="utf-8"?>
 <p:sld xmlns:a="http://schemas.openxmlformats.org/drawingml/2006/main" xmlns:r="http://schemas.openxmlformats.org/officeDocument/2006/relationships" xmlns:p="http://schemas.openxmlformats.org/presentationml/2006/main">
   <p:cSld>
     <p:spTree>
@@ -26494,7 +27091,7 @@
 </p:sld>
 </file>
 
-<file path=ppt/slides/slide21.xml><?xml version="1.0" encoding="utf-8"?>
+<file path=ppt/slides/slide23.xml><?xml version="1.0" encoding="utf-8"?>
 <p:sld xmlns:a="http://schemas.openxmlformats.org/drawingml/2006/main" xmlns:r="http://schemas.openxmlformats.org/officeDocument/2006/relationships" xmlns:p="http://schemas.openxmlformats.org/presentationml/2006/main">
   <p:cSld>
     <p:spTree>
@@ -26845,7 +27442,7 @@
 </p:sld>
 </file>
 
-<file path=ppt/slides/slide22.xml><?xml version="1.0" encoding="utf-8"?>
+<file path=ppt/slides/slide24.xml><?xml version="1.0" encoding="utf-8"?>
 <p:sld xmlns:a="http://schemas.openxmlformats.org/drawingml/2006/main" xmlns:r="http://schemas.openxmlformats.org/officeDocument/2006/relationships" xmlns:p="http://schemas.openxmlformats.org/presentationml/2006/main">
   <p:cSld>
     <p:spTree>
@@ -35165,6 +35762,12 @@
 </file>
 
 <file path=customXml/item1.xml><?xml version="1.0" encoding="utf-8"?>
+<p:properties xmlns:p="http://schemas.microsoft.com/office/2006/metadata/properties" xmlns:xsi="http://www.w3.org/2001/XMLSchema-instance" xmlns:pc="http://schemas.microsoft.com/office/infopath/2007/PartnerControls">
+  <documentManagement/>
+</p:properties>
+</file>
+
+<file path=customXml/item2.xml><?xml version="1.0" encoding="utf-8"?>
 <ct:contentTypeSchema xmlns:ct="http://schemas.microsoft.com/office/2006/metadata/contentType" xmlns:ma="http://schemas.microsoft.com/office/2006/metadata/properties/metaAttributes" ct:_="" ma:_="" ma:contentTypeName="Document" ma:contentTypeID="0x010100F50271A20F7B3C41B827A8F04D548019" ma:contentTypeVersion="2" ma:contentTypeDescription="Create a new document." ma:contentTypeScope="" ma:versionID="0f5b4adeca3fa452dfd663ff4e0777e3">
   <xsd:schema xmlns:xsd="http://www.w3.org/2001/XMLSchema" xmlns:xs="http://www.w3.org/2001/XMLSchema" xmlns:p="http://schemas.microsoft.com/office/2006/metadata/properties" xmlns:ns2="f85c541c-390e-4fa8-b262-5da5c5cfad75" targetNamespace="http://schemas.microsoft.com/office/2006/metadata/properties" ma:root="true" ma:fieldsID="592d4a22e1cc7090506e0998bb31d05e" ns2:_="">
     <xsd:import namespace="f85c541c-390e-4fa8-b262-5da5c5cfad75"/>
@@ -35312,12 +35915,6 @@
 </ct:contentTypeSchema>
 </file>
 
-<file path=customXml/item2.xml><?xml version="1.0" encoding="utf-8"?>
-<p:properties xmlns:p="http://schemas.microsoft.com/office/2006/metadata/properties" xmlns:xsi="http://www.w3.org/2001/XMLSchema-instance" xmlns:pc="http://schemas.microsoft.com/office/infopath/2007/PartnerControls">
-  <documentManagement/>
-</p:properties>
-</file>
-
 <file path=customXml/item3.xml><?xml version="1.0" encoding="utf-8"?>
 <?mso-contentType ?>
 <FormTemplates xmlns="http://schemas.microsoft.com/sharepoint/v3/contenttype/forms">
@@ -35328,6 +35925,22 @@
 </file>
 
 <file path=customXml/itemProps1.xml><?xml version="1.0" encoding="utf-8"?>
+<ds:datastoreItem xmlns:ds="http://schemas.openxmlformats.org/officeDocument/2006/customXml" ds:itemID="{F990F116-B58F-4255-B05B-DA3808E0E5C6}">
+  <ds:schemaRefs>
+    <ds:schemaRef ds:uri="http://purl.org/dc/terms/"/>
+    <ds:schemaRef ds:uri="http://schemas.openxmlformats.org/package/2006/metadata/core-properties"/>
+    <ds:schemaRef ds:uri="http://schemas.microsoft.com/office/2006/documentManagement/types"/>
+    <ds:schemaRef ds:uri="http://schemas.microsoft.com/office/infopath/2007/PartnerControls"/>
+    <ds:schemaRef ds:uri="http://purl.org/dc/elements/1.1/"/>
+    <ds:schemaRef ds:uri="http://schemas.microsoft.com/office/2006/metadata/properties"/>
+    <ds:schemaRef ds:uri="f85c541c-390e-4fa8-b262-5da5c5cfad75"/>
+    <ds:schemaRef ds:uri="http://www.w3.org/XML/1998/namespace"/>
+    <ds:schemaRef ds:uri="http://purl.org/dc/dcmitype/"/>
+  </ds:schemaRefs>
+</ds:datastoreItem>
+</file>
+
+<file path=customXml/itemProps2.xml><?xml version="1.0" encoding="utf-8"?>
 <ds:datastoreItem xmlns:ds="http://schemas.openxmlformats.org/officeDocument/2006/customXml" ds:itemID="{16C79B61-263D-4889-954E-B7F93FBE6617}">
   <ds:schemaRefs>
     <ds:schemaRef ds:uri="http://schemas.microsoft.com/office/2006/metadata/contentType"/>
@@ -35345,22 +35958,6 @@
 </ds:datastoreItem>
 </file>
 
-<file path=customXml/itemProps2.xml><?xml version="1.0" encoding="utf-8"?>
-<ds:datastoreItem xmlns:ds="http://schemas.openxmlformats.org/officeDocument/2006/customXml" ds:itemID="{F990F116-B58F-4255-B05B-DA3808E0E5C6}">
-  <ds:schemaRefs>
-    <ds:schemaRef ds:uri="http://purl.org/dc/terms/"/>
-    <ds:schemaRef ds:uri="http://schemas.openxmlformats.org/package/2006/metadata/core-properties"/>
-    <ds:schemaRef ds:uri="http://schemas.microsoft.com/office/2006/documentManagement/types"/>
-    <ds:schemaRef ds:uri="http://schemas.microsoft.com/office/infopath/2007/PartnerControls"/>
-    <ds:schemaRef ds:uri="http://purl.org/dc/elements/1.1/"/>
-    <ds:schemaRef ds:uri="http://schemas.microsoft.com/office/2006/metadata/properties"/>
-    <ds:schemaRef ds:uri="f85c541c-390e-4fa8-b262-5da5c5cfad75"/>
-    <ds:schemaRef ds:uri="http://www.w3.org/XML/1998/namespace"/>
-    <ds:schemaRef ds:uri="http://purl.org/dc/dcmitype/"/>
-  </ds:schemaRefs>
-</ds:datastoreItem>
-</file>
-
 <file path=customXml/itemProps3.xml><?xml version="1.0" encoding="utf-8"?>
 <ds:datastoreItem xmlns:ds="http://schemas.openxmlformats.org/officeDocument/2006/customXml" ds:itemID="{758FDAC0-319D-4A54-8D8E-1D42CB1F8004}">
   <ds:schemaRefs>

--- a/Presentation.pptx
+++ b/Presentation.pptx
@@ -6,10 +6,10 @@
     <p:sldMasterId id="2147484310" r:id="rId5"/>
   </p:sldMasterIdLst>
   <p:notesMasterIdLst>
-    <p:notesMasterId r:id="rId30"/>
+    <p:notesMasterId r:id="rId29"/>
   </p:notesMasterIdLst>
   <p:handoutMasterIdLst>
-    <p:handoutMasterId r:id="rId31"/>
+    <p:handoutMasterId r:id="rId30"/>
   </p:handoutMasterIdLst>
   <p:sldIdLst>
     <p:sldId id="1444" r:id="rId6"/>
@@ -23,19 +23,18 @@
     <p:sldId id="1459" r:id="rId14"/>
     <p:sldId id="1470" r:id="rId15"/>
     <p:sldId id="1460" r:id="rId16"/>
-    <p:sldId id="1478" r:id="rId17"/>
-    <p:sldId id="1479" r:id="rId18"/>
-    <p:sldId id="1473" r:id="rId19"/>
-    <p:sldId id="1474" r:id="rId20"/>
-    <p:sldId id="1475" r:id="rId21"/>
-    <p:sldId id="1476" r:id="rId22"/>
-    <p:sldId id="1477" r:id="rId23"/>
-    <p:sldId id="1462" r:id="rId24"/>
-    <p:sldId id="1469" r:id="rId25"/>
-    <p:sldId id="1472" r:id="rId26"/>
-    <p:sldId id="1463" r:id="rId27"/>
-    <p:sldId id="1464" r:id="rId28"/>
-    <p:sldId id="1466" r:id="rId29"/>
+    <p:sldId id="1479" r:id="rId17"/>
+    <p:sldId id="1473" r:id="rId18"/>
+    <p:sldId id="1474" r:id="rId19"/>
+    <p:sldId id="1475" r:id="rId20"/>
+    <p:sldId id="1476" r:id="rId21"/>
+    <p:sldId id="1477" r:id="rId22"/>
+    <p:sldId id="1462" r:id="rId23"/>
+    <p:sldId id="1469" r:id="rId24"/>
+    <p:sldId id="1472" r:id="rId25"/>
+    <p:sldId id="1463" r:id="rId26"/>
+    <p:sldId id="1464" r:id="rId27"/>
+    <p:sldId id="1466" r:id="rId28"/>
   </p:sldIdLst>
   <p:sldSz cx="12436475" cy="6994525"/>
   <p:notesSz cx="6858000" cy="9144000"/>
@@ -1131,7 +1130,7 @@
           <a:p>
             <a:fld id="{38EEC551-8CDA-4EB6-89BB-2A86C9F091C8}" type="datetime8">
               <a:rPr lang="en-US" smtClean="0"/>
-              <a:t>3/29/2016 5:20 PM</a:t>
+              <a:t>3/29/2016 5:21 PM</a:t>
             </a:fld>
             <a:endParaRPr lang="en-US" dirty="0"/>
           </a:p>
@@ -1164,7 +1163,7 @@
     </p:spTree>
     <p:extLst>
       <p:ext uri="{BB962C8B-B14F-4D97-AF65-F5344CB8AC3E}">
-        <p14:creationId xmlns:p14="http://schemas.microsoft.com/office/powerpoint/2010/main" val="2670827275"/>
+        <p14:creationId xmlns:p14="http://schemas.microsoft.com/office/powerpoint/2010/main" val="2316892694"/>
       </p:ext>
     </p:extLst>
   </p:cSld>
@@ -1219,34 +1218,29 @@
           <a:lstStyle/>
           <a:p>
             <a:r>
-              <a:rPr lang="en-US" dirty="0"/>
-              <a:t>You should get to this slide no later than 10 minutes into the session</a:t>
-            </a:r>
-          </a:p>
-          <a:p>
-            <a:endParaRPr lang="en-US" dirty="0"/>
-          </a:p>
-          <a:p>
-            <a:r>
-              <a:rPr lang="en-US" dirty="0"/>
-              <a:t>Show how to get to the lab</a:t>
-            </a:r>
-            <a:r>
               <a:rPr lang="en-US" baseline="0" dirty="0"/>
-              <a:t> on the workstation, and then leave this slide up on the projector.</a:t>
-            </a:r>
-            <a:endParaRPr lang="en-US" dirty="0"/>
+              <a:t>“As a follow-on to this lab, we also have the Azure IoT lab. In that, you’ll learn how to use the Raspberry Pi to send sensor data to IoT Hub and process it using other Azure IoT services.</a:t>
+            </a:r>
+          </a:p>
+          <a:p>
+            <a:endParaRPr lang="en-US" baseline="0" dirty="0"/>
+          </a:p>
+          <a:p>
+            <a:r>
+              <a:rPr lang="en-US" baseline="0" dirty="0"/>
+              <a:t>If you are interested in the underlying IO and other capabilities on devices like the Raspberry Pi, or want to explore more with Azure and devices, we also have the Open Hack in this same room, starting on Day 2.”</a:t>
+            </a:r>
           </a:p>
         </p:txBody>
       </p:sp>
       <p:sp>
         <p:nvSpPr>
-          <p:cNvPr id="4" name="Header Placeholder 3"/>
+          <p:cNvPr id="4" name="Slide Number Placeholder 3"/>
           <p:cNvSpPr>
             <a:spLocks noGrp="1"/>
           </p:cNvSpPr>
           <p:nvPr>
-            <p:ph type="hdr" sz="quarter" idx="10"/>
+            <p:ph type="sldNum" sz="quarter" idx="10"/>
           </p:nvPr>
         </p:nvSpPr>
         <p:spPr/>
@@ -1254,115 +1248,78 @@
           <a:bodyPr/>
           <a:lstStyle/>
           <a:p>
-            <a:endParaRPr lang="en-US" dirty="0"/>
-          </a:p>
-        </p:txBody>
-      </p:sp>
-      <p:sp>
-        <p:nvSpPr>
-          <p:cNvPr id="5" name="Footer Placeholder 4"/>
-          <p:cNvSpPr>
-            <a:spLocks noGrp="1"/>
-          </p:cNvSpPr>
-          <p:nvPr>
-            <p:ph type="ftr" sz="quarter" idx="11"/>
-          </p:nvPr>
-        </p:nvSpPr>
-        <p:spPr/>
-        <p:txBody>
-          <a:bodyPr/>
-          <a:lstStyle/>
-          <a:p>
-            <a:pPr defTabSz="914099" eaLnBrk="0" hangingPunct="0"/>
-            <a:r>
-              <a:rPr lang="en-US" sz="400">
-                <a:gradFill>
-                  <a:gsLst>
-                    <a:gs pos="0">
-                      <a:prstClr val="black"/>
-                    </a:gs>
-                    <a:gs pos="100000">
-                      <a:prstClr val="black"/>
-                    </a:gs>
-                  </a:gsLst>
-                  <a:lin ang="5400000" scaled="0"/>
-                </a:gradFill>
-                <a:latin typeface="Segoe UI" pitchFamily="34" charset="0"/>
-                <a:ea typeface="Segoe UI" pitchFamily="34" charset="0"/>
-                <a:cs typeface="Segoe UI" pitchFamily="34" charset="0"/>
+            <a:pPr marL="0" marR="0" lvl="0" indent="0" algn="r" defTabSz="914400" rtl="0" eaLnBrk="1" fontAlgn="auto" latinLnBrk="0" hangingPunct="1">
+              <a:lnSpc>
+                <a:spcPct val="100000"/>
+              </a:lnSpc>
+              <a:spcBef>
+                <a:spcPts val="0"/>
+              </a:spcBef>
+              <a:spcAft>
+                <a:spcPts val="0"/>
+              </a:spcAft>
+              <a:buClrTx/>
+              <a:buSzTx/>
+              <a:buFontTx/>
+              <a:buNone/>
+              <a:tabLst/>
+              <a:defRPr/>
+            </a:pPr>
+            <a:fld id="{0EA2900F-B82C-4F11-85DB-97B88AAD310C}" type="slidenum">
+              <a:rPr kumimoji="0" lang="en-US" sz="1200" b="0" i="0" u="none" strike="noStrike" kern="1200" cap="none" spc="0" normalizeH="0" baseline="0" noProof="0" smtClean="0">
+                <a:ln>
+                  <a:noFill/>
+                </a:ln>
+                <a:solidFill>
+                  <a:prstClr val="black"/>
+                </a:solidFill>
+                <a:effectLst/>
+                <a:uLnTx/>
+                <a:uFillTx/>
+                <a:latin typeface="Calibri" panose="020F0502020204030204"/>
+                <a:ea typeface="+mn-ea"/>
+                <a:cs typeface="+mn-cs"/>
               </a:rPr>
-              <a:t>© 2014 Microsoft Corporation. All rights reserved. MICROSOFT MAKES NO WARRANTIES, EXPRESS, IMPLIED OR STATUTORY, AS TO THE INFORMATION IN THIS PRESENTATION.</a:t>
-            </a:r>
-            <a:endParaRPr lang="en-US" sz="400" dirty="0">
-              <a:gradFill>
-                <a:gsLst>
-                  <a:gs pos="0">
-                    <a:prstClr val="black"/>
-                  </a:gs>
-                  <a:gs pos="100000">
-                    <a:prstClr val="black"/>
-                  </a:gs>
-                </a:gsLst>
-                <a:lin ang="5400000" scaled="0"/>
-              </a:gradFill>
-              <a:latin typeface="Segoe UI" pitchFamily="34" charset="0"/>
-              <a:ea typeface="Segoe UI" pitchFamily="34" charset="0"/>
-              <a:cs typeface="Segoe UI" pitchFamily="34" charset="0"/>
-            </a:endParaRPr>
-          </a:p>
-        </p:txBody>
-      </p:sp>
-      <p:sp>
-        <p:nvSpPr>
-          <p:cNvPr id="6" name="Date Placeholder 5"/>
-          <p:cNvSpPr>
-            <a:spLocks noGrp="1"/>
-          </p:cNvSpPr>
-          <p:nvPr>
-            <p:ph type="dt" idx="12"/>
-          </p:nvPr>
-        </p:nvSpPr>
-        <p:spPr/>
-        <p:txBody>
-          <a:bodyPr/>
-          <a:lstStyle/>
-          <a:p>
-            <a:fld id="{38EEC551-8CDA-4EB6-89BB-2A86C9F091C8}" type="datetime8">
-              <a:rPr lang="en-US" smtClean="0"/>
-              <a:t>3/29/2016 5:21 PM</a:t>
-            </a:fld>
-            <a:endParaRPr lang="en-US" dirty="0"/>
-          </a:p>
-        </p:txBody>
-      </p:sp>
-      <p:sp>
-        <p:nvSpPr>
-          <p:cNvPr id="7" name="Slide Number Placeholder 6"/>
-          <p:cNvSpPr>
-            <a:spLocks noGrp="1"/>
-          </p:cNvSpPr>
-          <p:nvPr>
-            <p:ph type="sldNum" sz="quarter" idx="13"/>
-          </p:nvPr>
-        </p:nvSpPr>
-        <p:spPr/>
-        <p:txBody>
-          <a:bodyPr/>
-          <a:lstStyle/>
-          <a:p>
-            <a:fld id="{B4008EB6-D09E-4580-8CD6-DDB14511944F}" type="slidenum">
-              <a:rPr lang="en-US" smtClean="0"/>
-              <a:pPr/>
+              <a:pPr marL="0" marR="0" lvl="0" indent="0" algn="r" defTabSz="914400" rtl="0" eaLnBrk="1" fontAlgn="auto" latinLnBrk="0" hangingPunct="1">
+                <a:lnSpc>
+                  <a:spcPct val="100000"/>
+                </a:lnSpc>
+                <a:spcBef>
+                  <a:spcPts val="0"/>
+                </a:spcBef>
+                <a:spcAft>
+                  <a:spcPts val="0"/>
+                </a:spcAft>
+                <a:buClrTx/>
+                <a:buSzTx/>
+                <a:buFontTx/>
+                <a:buNone/>
+                <a:tabLst/>
+                <a:defRPr/>
+              </a:pPr>
               <a:t>13</a:t>
             </a:fld>
-            <a:endParaRPr lang="en-US" dirty="0"/>
+            <a:endParaRPr kumimoji="0" lang="en-US" sz="1200" b="0" i="0" u="none" strike="noStrike" kern="1200" cap="none" spc="0" normalizeH="0" baseline="0" noProof="0">
+              <a:ln>
+                <a:noFill/>
+              </a:ln>
+              <a:solidFill>
+                <a:prstClr val="black"/>
+              </a:solidFill>
+              <a:effectLst/>
+              <a:uLnTx/>
+              <a:uFillTx/>
+              <a:latin typeface="Calibri" panose="020F0502020204030204"/>
+              <a:ea typeface="+mn-ea"/>
+              <a:cs typeface="+mn-cs"/>
+            </a:endParaRPr>
           </a:p>
         </p:txBody>
       </p:sp>
     </p:spTree>
     <p:extLst>
       <p:ext uri="{BB962C8B-B14F-4D97-AF65-F5344CB8AC3E}">
-        <p14:creationId xmlns:p14="http://schemas.microsoft.com/office/powerpoint/2010/main" val="2316892694"/>
+        <p14:creationId xmlns:p14="http://schemas.microsoft.com/office/powerpoint/2010/main" val="1445405961"/>
       </p:ext>
     </p:extLst>
   </p:cSld>
@@ -1518,7 +1475,7 @@
     </p:spTree>
     <p:extLst>
       <p:ext uri="{BB962C8B-B14F-4D97-AF65-F5344CB8AC3E}">
-        <p14:creationId xmlns:p14="http://schemas.microsoft.com/office/powerpoint/2010/main" val="1445405961"/>
+        <p14:creationId xmlns:p14="http://schemas.microsoft.com/office/powerpoint/2010/main" val="2632193079"/>
       </p:ext>
     </p:extLst>
   </p:cSld>
@@ -1674,7 +1631,7 @@
     </p:spTree>
     <p:extLst>
       <p:ext uri="{BB962C8B-B14F-4D97-AF65-F5344CB8AC3E}">
-        <p14:creationId xmlns:p14="http://schemas.microsoft.com/office/powerpoint/2010/main" val="2632193079"/>
+        <p14:creationId xmlns:p14="http://schemas.microsoft.com/office/powerpoint/2010/main" val="1539370369"/>
       </p:ext>
     </p:extLst>
   </p:cSld>
@@ -1830,7 +1787,7 @@
     </p:spTree>
     <p:extLst>
       <p:ext uri="{BB962C8B-B14F-4D97-AF65-F5344CB8AC3E}">
-        <p14:creationId xmlns:p14="http://schemas.microsoft.com/office/powerpoint/2010/main" val="1539370369"/>
+        <p14:creationId xmlns:p14="http://schemas.microsoft.com/office/powerpoint/2010/main" val="2944547330"/>
       </p:ext>
     </p:extLst>
   </p:cSld>
@@ -1986,7 +1943,7 @@
     </p:spTree>
     <p:extLst>
       <p:ext uri="{BB962C8B-B14F-4D97-AF65-F5344CB8AC3E}">
-        <p14:creationId xmlns:p14="http://schemas.microsoft.com/office/powerpoint/2010/main" val="2944547330"/>
+        <p14:creationId xmlns:p14="http://schemas.microsoft.com/office/powerpoint/2010/main" val="741705162"/>
       </p:ext>
     </p:extLst>
   </p:cSld>
@@ -2120,7 +2077,7 @@
                 <a:tabLst/>
                 <a:defRPr/>
               </a:pPr>
-              <a:t>18</a:t>
+              <a:t>20</a:t>
             </a:fld>
             <a:endParaRPr kumimoji="0" lang="en-US" sz="1200" b="0" i="0" u="none" strike="noStrike" kern="1200" cap="none" spc="0" normalizeH="0" baseline="0" noProof="0">
               <a:ln>
@@ -2142,7 +2099,7 @@
     </p:spTree>
     <p:extLst>
       <p:ext uri="{BB962C8B-B14F-4D97-AF65-F5344CB8AC3E}">
-        <p14:creationId xmlns:p14="http://schemas.microsoft.com/office/powerpoint/2010/main" val="741705162"/>
+        <p14:creationId xmlns:p14="http://schemas.microsoft.com/office/powerpoint/2010/main" val="52925956"/>
       </p:ext>
     </p:extLst>
   </p:cSld>
@@ -2196,30 +2153,29 @@
           <a:bodyPr/>
           <a:lstStyle/>
           <a:p>
+            <a:endParaRPr lang="en-US" dirty="0"/>
+          </a:p>
+          <a:p>
+            <a:r>
+              <a:rPr lang="en-US" dirty="0"/>
+              <a:t>Update phone image</a:t>
+            </a:r>
             <a:r>
               <a:rPr lang="en-US" baseline="0" dirty="0"/>
-              <a:t>“As a follow-on to this lab, we also have the Azure IoT lab. In that, you’ll learn how to use the Raspberry Pi to send sensor data to IoT Hub and process it using other Azure IoT services.</a:t>
-            </a:r>
-          </a:p>
-          <a:p>
-            <a:endParaRPr lang="en-US" baseline="0" dirty="0"/>
-          </a:p>
-          <a:p>
-            <a:r>
-              <a:rPr lang="en-US" baseline="0" dirty="0"/>
-              <a:t>If you are interested in the underlying IO and other capabilities on devices like the Raspberry Pi, or want to explore more with Azure and devices, we also have the Open Hack in this same room, starting on Day 2.”</a:t>
-            </a:r>
+              <a:t> to a Microsoft phone.</a:t>
+            </a:r>
+            <a:endParaRPr lang="en-US" dirty="0"/>
           </a:p>
         </p:txBody>
       </p:sp>
       <p:sp>
         <p:nvSpPr>
-          <p:cNvPr id="4" name="Slide Number Placeholder 3"/>
+          <p:cNvPr id="4" name="Footer Placeholder 3"/>
           <p:cNvSpPr>
             <a:spLocks noGrp="1"/>
           </p:cNvSpPr>
           <p:nvPr>
-            <p:ph type="sldNum" sz="quarter" idx="10"/>
+            <p:ph type="ftr" sz="quarter" idx="10"/>
           </p:nvPr>
         </p:nvSpPr>
         <p:spPr/>
@@ -2227,78 +2183,80 @@
           <a:bodyPr/>
           <a:lstStyle/>
           <a:p>
-            <a:pPr marL="0" marR="0" lvl="0" indent="0" algn="r" defTabSz="914400" rtl="0" eaLnBrk="1" fontAlgn="auto" latinLnBrk="0" hangingPunct="1">
-              <a:lnSpc>
-                <a:spcPct val="100000"/>
-              </a:lnSpc>
-              <a:spcBef>
-                <a:spcPts val="0"/>
-              </a:spcBef>
-              <a:spcAft>
-                <a:spcPts val="0"/>
-              </a:spcAft>
-              <a:buClrTx/>
-              <a:buSzTx/>
-              <a:buFontTx/>
-              <a:buNone/>
-              <a:tabLst/>
-              <a:defRPr/>
-            </a:pPr>
-            <a:fld id="{0EA2900F-B82C-4F11-85DB-97B88AAD310C}" type="slidenum">
-              <a:rPr kumimoji="0" lang="en-US" sz="1200" b="0" i="0" u="none" strike="noStrike" kern="1200" cap="none" spc="0" normalizeH="0" baseline="0" noProof="0" smtClean="0">
-                <a:ln>
-                  <a:noFill/>
-                </a:ln>
-                <a:solidFill>
-                  <a:prstClr val="black"/>
-                </a:solidFill>
-                <a:effectLst/>
-                <a:uLnTx/>
-                <a:uFillTx/>
-                <a:latin typeface="Calibri" panose="020F0502020204030204"/>
-                <a:ea typeface="+mn-ea"/>
-                <a:cs typeface="+mn-cs"/>
+            <a:pPr defTabSz="914099" eaLnBrk="0" hangingPunct="0"/>
+            <a:r>
+              <a:rPr lang="en-US" sz="400" dirty="0">
+                <a:gradFill>
+                  <a:gsLst>
+                    <a:gs pos="0">
+                      <a:prstClr val="black"/>
+                    </a:gs>
+                    <a:gs pos="100000">
+                      <a:prstClr val="black"/>
+                    </a:gs>
+                  </a:gsLst>
+                  <a:lin ang="5400000" scaled="0"/>
+                </a:gradFill>
+                <a:latin typeface="Segoe UI" pitchFamily="34" charset="0"/>
+                <a:ea typeface="Segoe UI" pitchFamily="34" charset="0"/>
+                <a:cs typeface="Segoe UI" pitchFamily="34" charset="0"/>
               </a:rPr>
-              <a:pPr marL="0" marR="0" lvl="0" indent="0" algn="r" defTabSz="914400" rtl="0" eaLnBrk="1" fontAlgn="auto" latinLnBrk="0" hangingPunct="1">
-                <a:lnSpc>
-                  <a:spcPct val="100000"/>
-                </a:lnSpc>
-                <a:spcBef>
-                  <a:spcPts val="0"/>
-                </a:spcBef>
-                <a:spcAft>
-                  <a:spcPts val="0"/>
-                </a:spcAft>
-                <a:buClrTx/>
-                <a:buSzTx/>
-                <a:buFontTx/>
-                <a:buNone/>
-                <a:tabLst/>
-                <a:defRPr/>
-              </a:pPr>
+              <a:t>© 2016 Microsoft Corporation. All rights reserved. Microsoft, Windows, and other product names are or may be registered trademarks and/or trademarks in the U.S. and/or other countries. The information herein is for informational purposes only and represents the current view of Microsoft Corporation as of the date of this presentation.  Because Microsoft must respond to changing market conditions, it should not be interpreted to be a commitment on the part of Microsoft, and Microsoft cannot guarantee the accuracy of any information provided after the date of this presentation.  MICROSOFT MAKES NO WARRANTIES, EXPRESS, IMPLIED OR STATUTORY, AS TO THE INFORMATION IN THIS PRESENTATION.</a:t>
+            </a:r>
+          </a:p>
+        </p:txBody>
+      </p:sp>
+      <p:sp>
+        <p:nvSpPr>
+          <p:cNvPr id="5" name="Date Placeholder 4"/>
+          <p:cNvSpPr>
+            <a:spLocks noGrp="1"/>
+          </p:cNvSpPr>
+          <p:nvPr>
+            <p:ph type="dt" idx="11"/>
+          </p:nvPr>
+        </p:nvSpPr>
+        <p:spPr/>
+        <p:txBody>
+          <a:bodyPr/>
+          <a:lstStyle/>
+          <a:p>
+            <a:fld id="{E74353ED-ACB2-44BF-A903-985B0AF962B7}" type="datetime1">
+              <a:rPr lang="en-US" smtClean="0"/>
+              <a:t>3/29/2016</a:t>
+            </a:fld>
+            <a:endParaRPr lang="en-US" dirty="0"/>
+          </a:p>
+        </p:txBody>
+      </p:sp>
+      <p:sp>
+        <p:nvSpPr>
+          <p:cNvPr id="6" name="Slide Number Placeholder 5"/>
+          <p:cNvSpPr>
+            <a:spLocks noGrp="1"/>
+          </p:cNvSpPr>
+          <p:nvPr>
+            <p:ph type="sldNum" sz="quarter" idx="12"/>
+          </p:nvPr>
+        </p:nvSpPr>
+        <p:spPr/>
+        <p:txBody>
+          <a:bodyPr/>
+          <a:lstStyle/>
+          <a:p>
+            <a:fld id="{B4008EB6-D09E-4580-8CD6-DDB14511944F}" type="slidenum">
+              <a:rPr lang="en-US" smtClean="0"/>
+              <a:pPr/>
               <a:t>21</a:t>
             </a:fld>
-            <a:endParaRPr kumimoji="0" lang="en-US" sz="1200" b="0" i="0" u="none" strike="noStrike" kern="1200" cap="none" spc="0" normalizeH="0" baseline="0" noProof="0">
-              <a:ln>
-                <a:noFill/>
-              </a:ln>
-              <a:solidFill>
-                <a:prstClr val="black"/>
-              </a:solidFill>
-              <a:effectLst/>
-              <a:uLnTx/>
-              <a:uFillTx/>
-              <a:latin typeface="Calibri" panose="020F0502020204030204"/>
-              <a:ea typeface="+mn-ea"/>
-              <a:cs typeface="+mn-cs"/>
-            </a:endParaRPr>
+            <a:endParaRPr lang="en-US" dirty="0"/>
           </a:p>
         </p:txBody>
       </p:sp>
     </p:spTree>
     <p:extLst>
       <p:ext uri="{BB962C8B-B14F-4D97-AF65-F5344CB8AC3E}">
-        <p14:creationId xmlns:p14="http://schemas.microsoft.com/office/powerpoint/2010/main" val="52925956"/>
+        <p14:creationId xmlns:p14="http://schemas.microsoft.com/office/powerpoint/2010/main" val="641260672"/>
       </p:ext>
     </p:extLst>
   </p:cSld>
@@ -2352,17 +2310,70 @@
           <a:bodyPr/>
           <a:lstStyle/>
           <a:p>
-            <a:endParaRPr lang="en-US" dirty="0"/>
-          </a:p>
-          <a:p>
-            <a:r>
-              <a:rPr lang="en-US" dirty="0"/>
-              <a:t>Update phone image</a:t>
-            </a:r>
-            <a:r>
-              <a:rPr lang="en-US" baseline="0" dirty="0"/>
-              <a:t> to a Microsoft phone.</a:t>
-            </a:r>
+            <a:pPr marL="0" marR="0" indent="0" algn="l" defTabSz="932742" rtl="0" eaLnBrk="1" fontAlgn="auto" latinLnBrk="0" hangingPunct="1">
+              <a:lnSpc>
+                <a:spcPct val="90000"/>
+              </a:lnSpc>
+              <a:spcBef>
+                <a:spcPts val="0"/>
+              </a:spcBef>
+              <a:spcAft>
+                <a:spcPts val="340"/>
+              </a:spcAft>
+              <a:buClrTx/>
+              <a:buSzTx/>
+              <a:buFontTx/>
+              <a:buNone/>
+              <a:tabLst/>
+              <a:defRPr/>
+            </a:pPr>
+            <a:r>
+              <a:rPr lang="en-US" b="1" dirty="0">
+                <a:latin typeface="Segoe"/>
+              </a:rPr>
+              <a:t>Speakers: </a:t>
+            </a:r>
+            <a:r>
+              <a:rPr lang="en-US" dirty="0">
+                <a:latin typeface="Segoe"/>
+              </a:rPr>
+              <a:t>Please note this slide will be updated with your session’s QR code during the scrub process which</a:t>
+            </a:r>
+            <a:r>
+              <a:rPr lang="en-US" baseline="0" dirty="0">
+                <a:latin typeface="Segoe"/>
+              </a:rPr>
+              <a:t> is </a:t>
+            </a:r>
+            <a:r>
+              <a:rPr lang="en-US" dirty="0">
+                <a:latin typeface="Segoe"/>
+              </a:rPr>
+              <a:t>outlined</a:t>
+            </a:r>
+            <a:r>
+              <a:rPr lang="en-US" baseline="0" dirty="0">
+                <a:latin typeface="Segoe"/>
+              </a:rPr>
+              <a:t> on side 3. Attendees can scan the QR code for access to your session’s </a:t>
+            </a:r>
+            <a:r>
+              <a:rPr lang="en-US" baseline="0" dirty="0" err="1">
+                <a:latin typeface="Segoe"/>
+              </a:rPr>
+              <a:t>eval</a:t>
+            </a:r>
+            <a:r>
+              <a:rPr lang="en-US" baseline="0" dirty="0">
+                <a:latin typeface="Segoe"/>
+              </a:rPr>
+              <a:t>.</a:t>
+            </a:r>
+            <a:endParaRPr lang="en-US" dirty="0">
+              <a:latin typeface="Segoe"/>
+            </a:endParaRPr>
+          </a:p>
+          <a:p>
             <a:endParaRPr lang="en-US" dirty="0"/>
           </a:p>
         </p:txBody>
@@ -2455,7 +2466,7 @@
     </p:spTree>
     <p:extLst>
       <p:ext uri="{BB962C8B-B14F-4D97-AF65-F5344CB8AC3E}">
-        <p14:creationId xmlns:p14="http://schemas.microsoft.com/office/powerpoint/2010/main" val="641260672"/>
+        <p14:creationId xmlns:p14="http://schemas.microsoft.com/office/powerpoint/2010/main" val="2642267037"/>
       </p:ext>
     </p:extLst>
   </p:cSld>
@@ -2509,82 +2520,18 @@
           <a:bodyPr/>
           <a:lstStyle/>
           <a:p>
-            <a:pPr marL="0" marR="0" indent="0" algn="l" defTabSz="932742" rtl="0" eaLnBrk="1" fontAlgn="auto" latinLnBrk="0" hangingPunct="1">
-              <a:lnSpc>
-                <a:spcPct val="90000"/>
-              </a:lnSpc>
-              <a:spcBef>
-                <a:spcPts val="0"/>
-              </a:spcBef>
-              <a:spcAft>
-                <a:spcPts val="340"/>
-              </a:spcAft>
-              <a:buClrTx/>
-              <a:buSzTx/>
-              <a:buFontTx/>
-              <a:buNone/>
-              <a:tabLst/>
-              <a:defRPr/>
-            </a:pPr>
-            <a:r>
-              <a:rPr lang="en-US" b="1" dirty="0">
-                <a:latin typeface="Segoe"/>
-              </a:rPr>
-              <a:t>Speakers: </a:t>
-            </a:r>
-            <a:r>
-              <a:rPr lang="en-US" dirty="0">
-                <a:latin typeface="Segoe"/>
-              </a:rPr>
-              <a:t>Please note this slide will be updated with your session’s QR code during the scrub process which</a:t>
-            </a:r>
-            <a:r>
-              <a:rPr lang="en-US" baseline="0" dirty="0">
-                <a:latin typeface="Segoe"/>
-              </a:rPr>
-              <a:t> is </a:t>
-            </a:r>
-            <a:r>
-              <a:rPr lang="en-US" dirty="0">
-                <a:latin typeface="Segoe"/>
-              </a:rPr>
-              <a:t>outlined</a:t>
-            </a:r>
-            <a:r>
-              <a:rPr lang="en-US" baseline="0" dirty="0">
-                <a:latin typeface="Segoe"/>
-              </a:rPr>
-              <a:t> on side 3. Attendees can scan the QR code for access to your session’s </a:t>
-            </a:r>
-            <a:r>
-              <a:rPr lang="en-US" baseline="0" dirty="0" err="1">
-                <a:latin typeface="Segoe"/>
-              </a:rPr>
-              <a:t>eval</a:t>
-            </a:r>
-            <a:r>
-              <a:rPr lang="en-US" baseline="0" dirty="0">
-                <a:latin typeface="Segoe"/>
-              </a:rPr>
-              <a:t>.</a:t>
-            </a:r>
-            <a:endParaRPr lang="en-US" dirty="0">
-              <a:latin typeface="Segoe"/>
-            </a:endParaRPr>
-          </a:p>
-          <a:p>
             <a:endParaRPr lang="en-US" dirty="0"/>
           </a:p>
         </p:txBody>
       </p:sp>
       <p:sp>
         <p:nvSpPr>
-          <p:cNvPr id="4" name="Footer Placeholder 3"/>
+          <p:cNvPr id="4" name="Header Placeholder 3"/>
           <p:cNvSpPr>
             <a:spLocks noGrp="1"/>
           </p:cNvSpPr>
           <p:nvPr>
-            <p:ph type="ftr" sz="quarter" idx="10"/>
+            <p:ph type="hdr" sz="quarter" idx="10"/>
           </p:nvPr>
         </p:nvSpPr>
         <p:spPr/>
@@ -2592,9 +2539,31 @@
           <a:bodyPr/>
           <a:lstStyle/>
           <a:p>
+            <a:r>
+              <a:rPr lang="en-US" dirty="0"/>
+              <a:t>Microsoft Build 2016</a:t>
+            </a:r>
+          </a:p>
+        </p:txBody>
+      </p:sp>
+      <p:sp>
+        <p:nvSpPr>
+          <p:cNvPr id="5" name="Footer Placeholder 4"/>
+          <p:cNvSpPr>
+            <a:spLocks noGrp="1"/>
+          </p:cNvSpPr>
+          <p:nvPr>
+            <p:ph type="ftr" sz="quarter" idx="11"/>
+          </p:nvPr>
+        </p:nvSpPr>
+        <p:spPr/>
+        <p:txBody>
+          <a:bodyPr/>
+          <a:lstStyle/>
+          <a:p>
             <a:pPr defTabSz="914099" eaLnBrk="0" hangingPunct="0"/>
             <a:r>
-              <a:rPr lang="en-US" sz="400" dirty="0">
+              <a:rPr lang="en-US" sz="400">
                 <a:gradFill>
                   <a:gsLst>
                     <a:gs pos="0">
@@ -2610,19 +2579,35 @@
                 <a:ea typeface="Segoe UI" pitchFamily="34" charset="0"/>
                 <a:cs typeface="Segoe UI" pitchFamily="34" charset="0"/>
               </a:rPr>
-              <a:t>© 2016 Microsoft Corporation. All rights reserved. Microsoft, Windows, and other product names are or may be registered trademarks and/or trademarks in the U.S. and/or other countries. The information herein is for informational purposes only and represents the current view of Microsoft Corporation as of the date of this presentation.  Because Microsoft must respond to changing market conditions, it should not be interpreted to be a commitment on the part of Microsoft, and Microsoft cannot guarantee the accuracy of any information provided after the date of this presentation.  MICROSOFT MAKES NO WARRANTIES, EXPRESS, IMPLIED OR STATUTORY, AS TO THE INFORMATION IN THIS PRESENTATION.</a:t>
-            </a:r>
+              <a:t>© 2016 Microsoft Corporation. All rights reserved. MICROSOFT MAKES NO WARRANTIES, EXPRESS, IMPLIED OR STATUTORY, AS TO THE INFORMATION IN THIS PRESENTATION.</a:t>
+            </a:r>
+            <a:endParaRPr lang="en-US" sz="400" dirty="0">
+              <a:gradFill>
+                <a:gsLst>
+                  <a:gs pos="0">
+                    <a:prstClr val="black"/>
+                  </a:gs>
+                  <a:gs pos="100000">
+                    <a:prstClr val="black"/>
+                  </a:gs>
+                </a:gsLst>
+                <a:lin ang="5400000" scaled="0"/>
+              </a:gradFill>
+              <a:latin typeface="Segoe UI" pitchFamily="34" charset="0"/>
+              <a:ea typeface="Segoe UI" pitchFamily="34" charset="0"/>
+              <a:cs typeface="Segoe UI" pitchFamily="34" charset="0"/>
+            </a:endParaRPr>
           </a:p>
         </p:txBody>
       </p:sp>
       <p:sp>
         <p:nvSpPr>
-          <p:cNvPr id="5" name="Date Placeholder 4"/>
+          <p:cNvPr id="6" name="Date Placeholder 5"/>
           <p:cNvSpPr>
             <a:spLocks noGrp="1"/>
           </p:cNvSpPr>
           <p:nvPr>
-            <p:ph type="dt" idx="11"/>
+            <p:ph type="dt" idx="12"/>
           </p:nvPr>
         </p:nvSpPr>
         <p:spPr/>
@@ -2630,9 +2615,9 @@
           <a:bodyPr/>
           <a:lstStyle/>
           <a:p>
-            <a:fld id="{E74353ED-ACB2-44BF-A903-985B0AF962B7}" type="datetime1">
+            <a:fld id="{38EEC551-8CDA-4EB6-89BB-2A86C9F091C8}" type="datetime8">
               <a:rPr lang="en-US" smtClean="0"/>
-              <a:t>3/29/2016</a:t>
+              <a:t>3/29/2016 5:19 PM</a:t>
             </a:fld>
             <a:endParaRPr lang="en-US" dirty="0"/>
           </a:p>
@@ -2640,12 +2625,12 @@
       </p:sp>
       <p:sp>
         <p:nvSpPr>
-          <p:cNvPr id="6" name="Slide Number Placeholder 5"/>
+          <p:cNvPr id="7" name="Slide Number Placeholder 6"/>
           <p:cNvSpPr>
             <a:spLocks noGrp="1"/>
           </p:cNvSpPr>
           <p:nvPr>
-            <p:ph type="sldNum" sz="quarter" idx="12"/>
+            <p:ph type="sldNum" sz="quarter" idx="13"/>
           </p:nvPr>
         </p:nvSpPr>
         <p:spPr/>
@@ -2665,7 +2650,7 @@
     </p:spTree>
     <p:extLst>
       <p:ext uri="{BB962C8B-B14F-4D97-AF65-F5344CB8AC3E}">
-        <p14:creationId xmlns:p14="http://schemas.microsoft.com/office/powerpoint/2010/main" val="2642267037"/>
+        <p14:creationId xmlns:p14="http://schemas.microsoft.com/office/powerpoint/2010/main" val="4117712283"/>
       </p:ext>
     </p:extLst>
   </p:cSld>
@@ -2884,190 +2869,6 @@
     <p:extLst>
       <p:ext uri="{BB962C8B-B14F-4D97-AF65-F5344CB8AC3E}">
         <p14:creationId xmlns:p14="http://schemas.microsoft.com/office/powerpoint/2010/main" val="10165953"/>
-      </p:ext>
-    </p:extLst>
-  </p:cSld>
-  <p:clrMapOvr>
-    <a:masterClrMapping/>
-  </p:clrMapOvr>
-</p:notes>
-</file>
-
-<file path=ppt/notesSlides/notesSlide20.xml><?xml version="1.0" encoding="utf-8"?>
-<p:notes xmlns:a="http://schemas.openxmlformats.org/drawingml/2006/main" xmlns:r="http://schemas.openxmlformats.org/officeDocument/2006/relationships" xmlns:p="http://schemas.openxmlformats.org/presentationml/2006/main">
-  <p:cSld>
-    <p:spTree>
-      <p:nvGrpSpPr>
-        <p:cNvPr id="1" name=""/>
-        <p:cNvGrpSpPr/>
-        <p:nvPr/>
-      </p:nvGrpSpPr>
-      <p:grpSpPr>
-        <a:xfrm>
-          <a:off x="0" y="0"/>
-          <a:ext cx="0" cy="0"/>
-          <a:chOff x="0" y="0"/>
-          <a:chExt cx="0" cy="0"/>
-        </a:xfrm>
-      </p:grpSpPr>
-      <p:sp>
-        <p:nvSpPr>
-          <p:cNvPr id="2" name="Slide Image Placeholder 1"/>
-          <p:cNvSpPr>
-            <a:spLocks noGrp="1" noRot="1" noChangeAspect="1"/>
-          </p:cNvSpPr>
-          <p:nvPr>
-            <p:ph type="sldImg"/>
-          </p:nvPr>
-        </p:nvSpPr>
-        <p:spPr/>
-      </p:sp>
-      <p:sp>
-        <p:nvSpPr>
-          <p:cNvPr id="3" name="Notes Placeholder 2"/>
-          <p:cNvSpPr>
-            <a:spLocks noGrp="1"/>
-          </p:cNvSpPr>
-          <p:nvPr>
-            <p:ph type="body" idx="1"/>
-          </p:nvPr>
-        </p:nvSpPr>
-        <p:spPr/>
-        <p:txBody>
-          <a:bodyPr/>
-          <a:lstStyle/>
-          <a:p>
-            <a:endParaRPr lang="en-US" dirty="0"/>
-          </a:p>
-        </p:txBody>
-      </p:sp>
-      <p:sp>
-        <p:nvSpPr>
-          <p:cNvPr id="4" name="Header Placeholder 3"/>
-          <p:cNvSpPr>
-            <a:spLocks noGrp="1"/>
-          </p:cNvSpPr>
-          <p:nvPr>
-            <p:ph type="hdr" sz="quarter" idx="10"/>
-          </p:nvPr>
-        </p:nvSpPr>
-        <p:spPr/>
-        <p:txBody>
-          <a:bodyPr/>
-          <a:lstStyle/>
-          <a:p>
-            <a:r>
-              <a:rPr lang="en-US" dirty="0"/>
-              <a:t>Microsoft Build 2016</a:t>
-            </a:r>
-          </a:p>
-        </p:txBody>
-      </p:sp>
-      <p:sp>
-        <p:nvSpPr>
-          <p:cNvPr id="5" name="Footer Placeholder 4"/>
-          <p:cNvSpPr>
-            <a:spLocks noGrp="1"/>
-          </p:cNvSpPr>
-          <p:nvPr>
-            <p:ph type="ftr" sz="quarter" idx="11"/>
-          </p:nvPr>
-        </p:nvSpPr>
-        <p:spPr/>
-        <p:txBody>
-          <a:bodyPr/>
-          <a:lstStyle/>
-          <a:p>
-            <a:pPr defTabSz="914099" eaLnBrk="0" hangingPunct="0"/>
-            <a:r>
-              <a:rPr lang="en-US" sz="400">
-                <a:gradFill>
-                  <a:gsLst>
-                    <a:gs pos="0">
-                      <a:prstClr val="black"/>
-                    </a:gs>
-                    <a:gs pos="100000">
-                      <a:prstClr val="black"/>
-                    </a:gs>
-                  </a:gsLst>
-                  <a:lin ang="5400000" scaled="0"/>
-                </a:gradFill>
-                <a:latin typeface="Segoe UI" pitchFamily="34" charset="0"/>
-                <a:ea typeface="Segoe UI" pitchFamily="34" charset="0"/>
-                <a:cs typeface="Segoe UI" pitchFamily="34" charset="0"/>
-              </a:rPr>
-              <a:t>© 2016 Microsoft Corporation. All rights reserved. MICROSOFT MAKES NO WARRANTIES, EXPRESS, IMPLIED OR STATUTORY, AS TO THE INFORMATION IN THIS PRESENTATION.</a:t>
-            </a:r>
-            <a:endParaRPr lang="en-US" sz="400" dirty="0">
-              <a:gradFill>
-                <a:gsLst>
-                  <a:gs pos="0">
-                    <a:prstClr val="black"/>
-                  </a:gs>
-                  <a:gs pos="100000">
-                    <a:prstClr val="black"/>
-                  </a:gs>
-                </a:gsLst>
-                <a:lin ang="5400000" scaled="0"/>
-              </a:gradFill>
-              <a:latin typeface="Segoe UI" pitchFamily="34" charset="0"/>
-              <a:ea typeface="Segoe UI" pitchFamily="34" charset="0"/>
-              <a:cs typeface="Segoe UI" pitchFamily="34" charset="0"/>
-            </a:endParaRPr>
-          </a:p>
-        </p:txBody>
-      </p:sp>
-      <p:sp>
-        <p:nvSpPr>
-          <p:cNvPr id="6" name="Date Placeholder 5"/>
-          <p:cNvSpPr>
-            <a:spLocks noGrp="1"/>
-          </p:cNvSpPr>
-          <p:nvPr>
-            <p:ph type="dt" idx="12"/>
-          </p:nvPr>
-        </p:nvSpPr>
-        <p:spPr/>
-        <p:txBody>
-          <a:bodyPr/>
-          <a:lstStyle/>
-          <a:p>
-            <a:fld id="{38EEC551-8CDA-4EB6-89BB-2A86C9F091C8}" type="datetime8">
-              <a:rPr lang="en-US" smtClean="0"/>
-              <a:t>3/29/2016 5:19 PM</a:t>
-            </a:fld>
-            <a:endParaRPr lang="en-US" dirty="0"/>
-          </a:p>
-        </p:txBody>
-      </p:sp>
-      <p:sp>
-        <p:nvSpPr>
-          <p:cNvPr id="7" name="Slide Number Placeholder 6"/>
-          <p:cNvSpPr>
-            <a:spLocks noGrp="1"/>
-          </p:cNvSpPr>
-          <p:nvPr>
-            <p:ph type="sldNum" sz="quarter" idx="13"/>
-          </p:nvPr>
-        </p:nvSpPr>
-        <p:spPr/>
-        <p:txBody>
-          <a:bodyPr/>
-          <a:lstStyle/>
-          <a:p>
-            <a:fld id="{B4008EB6-D09E-4580-8CD6-DDB14511944F}" type="slidenum">
-              <a:rPr lang="en-US" smtClean="0"/>
-              <a:pPr/>
-              <a:t>24</a:t>
-            </a:fld>
-            <a:endParaRPr lang="en-US" dirty="0"/>
-          </a:p>
-        </p:txBody>
-      </p:sp>
-    </p:spTree>
-    <p:extLst>
-      <p:ext uri="{BB962C8B-B14F-4D97-AF65-F5344CB8AC3E}">
-        <p14:creationId xmlns:p14="http://schemas.microsoft.com/office/powerpoint/2010/main" val="4117712283"/>
       </p:ext>
     </p:extLst>
   </p:cSld>
@@ -20765,105 +20566,6 @@
             </a:pPr>
             <a:r>
               <a:rPr lang="en-US" sz="4400" dirty="0"/>
-              <a:t>Share your photos and experiences!</a:t>
-            </a:r>
-          </a:p>
-          <a:p>
-            <a:pPr marL="0" indent="0">
-              <a:buNone/>
-            </a:pPr>
-            <a:r>
-              <a:rPr lang="en-US" sz="4400" dirty="0"/>
-              <a:t>#Build2016</a:t>
-            </a:r>
-          </a:p>
-        </p:txBody>
-      </p:sp>
-    </p:spTree>
-    <p:extLst>
-      <p:ext uri="{BB962C8B-B14F-4D97-AF65-F5344CB8AC3E}">
-        <p14:creationId xmlns:p14="http://schemas.microsoft.com/office/powerpoint/2010/main" val="4188555829"/>
-      </p:ext>
-    </p:extLst>
-  </p:cSld>
-  <p:clrMapOvr>
-    <a:masterClrMapping/>
-  </p:clrMapOvr>
-  <p:transition>
-    <p:fade/>
-  </p:transition>
-</p:sld>
-</file>
-
-<file path=ppt/slides/slide13.xml><?xml version="1.0" encoding="utf-8"?>
-<p:sld xmlns:a="http://schemas.openxmlformats.org/drawingml/2006/main" xmlns:r="http://schemas.openxmlformats.org/officeDocument/2006/relationships" xmlns:p="http://schemas.openxmlformats.org/presentationml/2006/main">
-  <p:cSld>
-    <p:spTree>
-      <p:nvGrpSpPr>
-        <p:cNvPr id="1" name=""/>
-        <p:cNvGrpSpPr/>
-        <p:nvPr/>
-      </p:nvGrpSpPr>
-      <p:grpSpPr>
-        <a:xfrm>
-          <a:off x="0" y="0"/>
-          <a:ext cx="0" cy="0"/>
-          <a:chOff x="0" y="0"/>
-          <a:chExt cx="0" cy="0"/>
-        </a:xfrm>
-      </p:grpSpPr>
-      <p:sp>
-        <p:nvSpPr>
-          <p:cNvPr id="4" name="Title 3"/>
-          <p:cNvSpPr>
-            <a:spLocks noGrp="1"/>
-          </p:cNvSpPr>
-          <p:nvPr>
-            <p:ph type="title"/>
-          </p:nvPr>
-        </p:nvSpPr>
-        <p:spPr>
-          <a:xfrm>
-            <a:off x="274638" y="1287462"/>
-            <a:ext cx="11887200" cy="1903400"/>
-          </a:xfrm>
-        </p:spPr>
-        <p:txBody>
-          <a:bodyPr/>
-          <a:lstStyle/>
-          <a:p>
-            <a:r>
-              <a:rPr lang="en-US" sz="11500" dirty="0"/>
-              <a:t>Lab</a:t>
-            </a:r>
-          </a:p>
-        </p:txBody>
-      </p:sp>
-      <p:sp>
-        <p:nvSpPr>
-          <p:cNvPr id="7" name="Text Placeholder 6"/>
-          <p:cNvSpPr>
-            <a:spLocks noGrp="1"/>
-          </p:cNvSpPr>
-          <p:nvPr>
-            <p:ph type="body" sz="quarter" idx="4294967295"/>
-          </p:nvPr>
-        </p:nvSpPr>
-        <p:spPr>
-          <a:xfrm>
-            <a:off x="350836" y="3954463"/>
-            <a:ext cx="11277601" cy="1538883"/>
-          </a:xfrm>
-        </p:spPr>
-        <p:txBody>
-          <a:bodyPr/>
-          <a:lstStyle/>
-          <a:p>
-            <a:pPr marL="0" indent="0">
-              <a:buNone/>
-            </a:pPr>
-            <a:r>
-              <a:rPr lang="en-US" sz="4400" dirty="0"/>
               <a:t>http://aka.ms/angle-hol</a:t>
             </a:r>
           </a:p>
@@ -20895,7 +20597,7 @@
 </p:sld>
 </file>
 
-<file path=ppt/slides/slide14.xml><?xml version="1.0" encoding="utf-8"?>
+<file path=ppt/slides/slide13.xml><?xml version="1.0" encoding="utf-8"?>
 <p:sld xmlns:a="http://schemas.openxmlformats.org/drawingml/2006/main" xmlns:r="http://schemas.openxmlformats.org/officeDocument/2006/relationships" xmlns:p="http://schemas.openxmlformats.org/presentationml/2006/main">
   <p:cSld>
     <p:spTree>
@@ -20959,29 +20661,8 @@
           </a:bodyPr>
           <a:lstStyle/>
           <a:p>
-            <a:pPr algn="ctr" defTabSz="951028" fontAlgn="base">
-              <a:spcBef>
-                <a:spcPct val="0"/>
-              </a:spcBef>
-              <a:spcAft>
-                <a:spcPct val="0"/>
-              </a:spcAft>
-              <a:defRPr/>
-            </a:pPr>
-            <a:endParaRPr lang="en-US" sz="2040" dirty="0">
-              <a:gradFill>
-                <a:gsLst>
-                  <a:gs pos="0">
-                    <a:srgbClr val="FFFFFF"/>
-                  </a:gs>
-                  <a:gs pos="100000">
-                    <a:srgbClr val="FFFFFF"/>
-                  </a:gs>
-                </a:gsLst>
-                <a:lin ang="5400000" scaled="0"/>
-              </a:gradFill>
-              <a:latin typeface="Segoe UI"/>
-            </a:endParaRPr>
+            <a:pPr lvl="1"/>
+            <a:endParaRPr lang="en-US" dirty="0"/>
           </a:p>
         </p:txBody>
       </p:sp>
@@ -21641,6 +21322,38 @@
           </a:p>
         </p:txBody>
       </p:sp>
+      <p:sp>
+        <p:nvSpPr>
+          <p:cNvPr id="3" name="Rectangle 2"/>
+          <p:cNvSpPr/>
+          <p:nvPr/>
+        </p:nvSpPr>
+        <p:spPr>
+          <a:xfrm>
+            <a:off x="4117663" y="3266431"/>
+            <a:ext cx="4201150" cy="461665"/>
+          </a:xfrm>
+          <a:prstGeom prst="rect">
+            <a:avLst/>
+          </a:prstGeom>
+        </p:spPr>
+        <p:txBody>
+          <a:bodyPr wrap="none">
+            <a:spAutoFit/>
+          </a:bodyPr>
+          <a:lstStyle/>
+          <a:p>
+            <a:pPr lvl="1"/>
+            <a:r>
+              <a:rPr lang="en-US" sz="2400" b="1" dirty="0">
+                <a:hlinkClick r:id="rId3"/>
+              </a:rPr>
+              <a:t>http://aka.ms/angle-ex1</a:t>
+            </a:r>
+            <a:endParaRPr lang="en-US" dirty="0"/>
+          </a:p>
+        </p:txBody>
+      </p:sp>
     </p:spTree>
     <p:extLst>
       <p:ext uri="{BB962C8B-B14F-4D97-AF65-F5344CB8AC3E}">
@@ -21662,7 +21375,7 @@
 </p:sld>
 </file>
 
-<file path=ppt/slides/slide15.xml><?xml version="1.0" encoding="utf-8"?>
+<file path=ppt/slides/slide14.xml><?xml version="1.0" encoding="utf-8"?>
 <p:sld xmlns:a="http://schemas.openxmlformats.org/drawingml/2006/main" xmlns:r="http://schemas.openxmlformats.org/officeDocument/2006/relationships" xmlns:p="http://schemas.openxmlformats.org/presentationml/2006/main">
   <p:cSld>
     <p:spTree>
@@ -22408,10 +22121,841 @@
           </a:p>
         </p:txBody>
       </p:sp>
+      <p:sp>
+        <p:nvSpPr>
+          <p:cNvPr id="3" name="Rectangle 2"/>
+          <p:cNvSpPr/>
+          <p:nvPr/>
+        </p:nvSpPr>
+        <p:spPr>
+          <a:xfrm>
+            <a:off x="4117663" y="3266431"/>
+            <a:ext cx="4201150" cy="461665"/>
+          </a:xfrm>
+          <a:prstGeom prst="rect">
+            <a:avLst/>
+          </a:prstGeom>
+        </p:spPr>
+        <p:txBody>
+          <a:bodyPr wrap="none">
+            <a:spAutoFit/>
+          </a:bodyPr>
+          <a:lstStyle/>
+          <a:p>
+            <a:pPr lvl="1"/>
+            <a:r>
+              <a:rPr lang="en-US" sz="2400" b="1" dirty="0">
+                <a:hlinkClick r:id="rId3"/>
+              </a:rPr>
+              <a:t>http://aka.ms/angle-ex2</a:t>
+            </a:r>
+            <a:endParaRPr lang="en-US" dirty="0"/>
+          </a:p>
+        </p:txBody>
+      </p:sp>
     </p:spTree>
     <p:extLst>
       <p:ext uri="{BB962C8B-B14F-4D97-AF65-F5344CB8AC3E}">
         <p14:creationId xmlns:p14="http://schemas.microsoft.com/office/powerpoint/2010/main" val="508322021"/>
+      </p:ext>
+    </p:extLst>
+  </p:cSld>
+  <p:clrMapOvr>
+    <a:masterClrMapping/>
+  </p:clrMapOvr>
+  <mc:AlternateContent xmlns:mc="http://schemas.openxmlformats.org/markup-compatibility/2006" xmlns:p14="http://schemas.microsoft.com/office/powerpoint/2010/main">
+    <mc:Choice Requires="p14">
+      <p:transition p14:dur="0"/>
+    </mc:Choice>
+    <mc:Fallback xmlns="">
+      <p:transition/>
+    </mc:Fallback>
+  </mc:AlternateContent>
+</p:sld>
+</file>
+
+<file path=ppt/slides/slide15.xml><?xml version="1.0" encoding="utf-8"?>
+<p:sld xmlns:a="http://schemas.openxmlformats.org/drawingml/2006/main" xmlns:r="http://schemas.openxmlformats.org/officeDocument/2006/relationships" xmlns:p="http://schemas.openxmlformats.org/presentationml/2006/main">
+  <p:cSld>
+    <p:spTree>
+      <p:nvGrpSpPr>
+        <p:cNvPr id="1" name=""/>
+        <p:cNvGrpSpPr/>
+        <p:nvPr/>
+      </p:nvGrpSpPr>
+      <p:grpSpPr>
+        <a:xfrm>
+          <a:off x="0" y="0"/>
+          <a:ext cx="0" cy="0"/>
+          <a:chOff x="0" y="0"/>
+          <a:chExt cx="0" cy="0"/>
+        </a:xfrm>
+      </p:grpSpPr>
+      <p:sp>
+        <p:nvSpPr>
+          <p:cNvPr id="71" name="Rectangle 70"/>
+          <p:cNvSpPr/>
+          <p:nvPr/>
+        </p:nvSpPr>
+        <p:spPr bwMode="auto">
+          <a:xfrm>
+            <a:off x="-175159" y="1557463"/>
+            <a:ext cx="12434711" cy="5298882"/>
+          </a:xfrm>
+          <a:prstGeom prst="rect">
+            <a:avLst/>
+          </a:prstGeom>
+          <a:solidFill>
+            <a:schemeClr val="bg1"/>
+          </a:solidFill>
+          <a:ln>
+            <a:noFill/>
+            <a:headEnd type="none" w="med" len="med"/>
+            <a:tailEnd type="none" w="med" len="med"/>
+          </a:ln>
+        </p:spPr>
+        <p:style>
+          <a:lnRef idx="2">
+            <a:schemeClr val="accent1">
+              <a:shade val="50000"/>
+            </a:schemeClr>
+          </a:lnRef>
+          <a:fillRef idx="1">
+            <a:schemeClr val="accent1"/>
+          </a:fillRef>
+          <a:effectRef idx="0">
+            <a:schemeClr val="accent1"/>
+          </a:effectRef>
+          <a:fontRef idx="minor">
+            <a:schemeClr val="lt1"/>
+          </a:fontRef>
+        </p:style>
+        <p:txBody>
+          <a:bodyPr vert="horz" wrap="square" lIns="0" tIns="47565" rIns="0" bIns="47565" numCol="1" rtlCol="0" anchor="ctr" anchorCtr="0" compatLnSpc="1">
+            <a:prstTxWarp prst="textNoShape">
+              <a:avLst/>
+            </a:prstTxWarp>
+          </a:bodyPr>
+          <a:lstStyle/>
+          <a:p>
+            <a:pPr algn="ctr" defTabSz="951028" fontAlgn="base">
+              <a:spcBef>
+                <a:spcPct val="0"/>
+              </a:spcBef>
+              <a:spcAft>
+                <a:spcPct val="0"/>
+              </a:spcAft>
+              <a:defRPr/>
+            </a:pPr>
+            <a:endParaRPr lang="en-US" sz="2040" dirty="0">
+              <a:gradFill>
+                <a:gsLst>
+                  <a:gs pos="0">
+                    <a:srgbClr val="FFFFFF"/>
+                  </a:gs>
+                  <a:gs pos="100000">
+                    <a:srgbClr val="FFFFFF"/>
+                  </a:gs>
+                </a:gsLst>
+                <a:lin ang="5400000" scaled="0"/>
+              </a:gradFill>
+              <a:latin typeface="Segoe UI"/>
+            </a:endParaRPr>
+          </a:p>
+        </p:txBody>
+      </p:sp>
+      <p:sp>
+        <p:nvSpPr>
+          <p:cNvPr id="2" name="Title 1"/>
+          <p:cNvSpPr>
+            <a:spLocks noGrp="1"/>
+          </p:cNvSpPr>
+          <p:nvPr>
+            <p:ph type="title"/>
+          </p:nvPr>
+        </p:nvSpPr>
+        <p:spPr/>
+        <p:txBody>
+          <a:bodyPr/>
+          <a:lstStyle/>
+          <a:p>
+            <a:r>
+              <a:rPr lang="en-US" dirty="0"/>
+              <a:t>ANGLE Lab Exercises</a:t>
+            </a:r>
+          </a:p>
+        </p:txBody>
+      </p:sp>
+      <p:sp>
+        <p:nvSpPr>
+          <p:cNvPr id="5" name="Text Placeholder 6"/>
+          <p:cNvSpPr txBox="1">
+            <a:spLocks/>
+          </p:cNvSpPr>
+          <p:nvPr/>
+        </p:nvSpPr>
+        <p:spPr>
+          <a:xfrm>
+            <a:off x="365760" y="1792347"/>
+            <a:ext cx="11704320" cy="4524315"/>
+          </a:xfrm>
+          <a:prstGeom prst="rect">
+            <a:avLst/>
+          </a:prstGeom>
+        </p:spPr>
+        <p:txBody>
+          <a:bodyPr/>
+          <a:lstStyle>
+            <a:lvl1pPr marL="342834" marR="0" indent="-342834" algn="l" defTabSz="932563" rtl="0" eaLnBrk="1" fontAlgn="auto" latinLnBrk="0" hangingPunct="1">
+              <a:lnSpc>
+                <a:spcPct val="90000"/>
+              </a:lnSpc>
+              <a:spcBef>
+                <a:spcPct val="20000"/>
+              </a:spcBef>
+              <a:spcAft>
+                <a:spcPts val="0"/>
+              </a:spcAft>
+              <a:buClrTx/>
+              <a:buSzPct val="90000"/>
+              <a:buFont typeface="Arial" pitchFamily="34" charset="0"/>
+              <a:buChar char="•"/>
+              <a:tabLst/>
+              <a:defRPr sz="3999" kern="1200" spc="0" baseline="0">
+                <a:gradFill>
+                  <a:gsLst>
+                    <a:gs pos="1250">
+                      <a:schemeClr val="tx1"/>
+                    </a:gs>
+                    <a:gs pos="100000">
+                      <a:schemeClr val="tx1"/>
+                    </a:gs>
+                  </a:gsLst>
+                  <a:lin ang="5400000" scaled="0"/>
+                </a:gradFill>
+                <a:latin typeface="+mj-lt"/>
+                <a:ea typeface="+mn-ea"/>
+                <a:cs typeface="+mn-cs"/>
+              </a:defRPr>
+            </a:lvl1pPr>
+            <a:lvl2pPr marL="584088" marR="0" indent="-241253" algn="l" defTabSz="932563" rtl="0" eaLnBrk="1" fontAlgn="auto" latinLnBrk="0" hangingPunct="1">
+              <a:lnSpc>
+                <a:spcPct val="90000"/>
+              </a:lnSpc>
+              <a:spcBef>
+                <a:spcPct val="20000"/>
+              </a:spcBef>
+              <a:spcAft>
+                <a:spcPts val="0"/>
+              </a:spcAft>
+              <a:buClrTx/>
+              <a:buSzPct val="90000"/>
+              <a:buFont typeface="Arial" pitchFamily="34" charset="0"/>
+              <a:buChar char="•"/>
+              <a:tabLst/>
+              <a:defRPr sz="2400" kern="1200" spc="0" baseline="0">
+                <a:gradFill>
+                  <a:gsLst>
+                    <a:gs pos="1250">
+                      <a:schemeClr val="tx1"/>
+                    </a:gs>
+                    <a:gs pos="100000">
+                      <a:schemeClr val="tx1"/>
+                    </a:gs>
+                  </a:gsLst>
+                  <a:lin ang="5400000" scaled="0"/>
+                </a:gradFill>
+                <a:latin typeface="+mn-lt"/>
+                <a:ea typeface="+mn-ea"/>
+                <a:cs typeface="+mn-cs"/>
+              </a:defRPr>
+            </a:lvl2pPr>
+            <a:lvl3pPr marL="799946" marR="0" indent="-228557" algn="l" defTabSz="932563" rtl="0" eaLnBrk="1" fontAlgn="auto" latinLnBrk="0" hangingPunct="1">
+              <a:lnSpc>
+                <a:spcPct val="90000"/>
+              </a:lnSpc>
+              <a:spcBef>
+                <a:spcPct val="20000"/>
+              </a:spcBef>
+              <a:spcAft>
+                <a:spcPts val="0"/>
+              </a:spcAft>
+              <a:buClrTx/>
+              <a:buSzPct val="90000"/>
+              <a:buFont typeface="Arial" pitchFamily="34" charset="0"/>
+              <a:buChar char="•"/>
+              <a:tabLst/>
+              <a:defRPr sz="2000" kern="1200" spc="0" baseline="0">
+                <a:gradFill>
+                  <a:gsLst>
+                    <a:gs pos="1250">
+                      <a:schemeClr val="tx1"/>
+                    </a:gs>
+                    <a:gs pos="100000">
+                      <a:schemeClr val="tx1"/>
+                    </a:gs>
+                  </a:gsLst>
+                  <a:lin ang="5400000" scaled="0"/>
+                </a:gradFill>
+                <a:latin typeface="+mn-lt"/>
+                <a:ea typeface="+mn-ea"/>
+                <a:cs typeface="+mn-cs"/>
+              </a:defRPr>
+            </a:lvl3pPr>
+            <a:lvl4pPr marL="1028503" marR="0" indent="-228557" algn="l" defTabSz="932563" rtl="0" eaLnBrk="1" fontAlgn="auto" latinLnBrk="0" hangingPunct="1">
+              <a:lnSpc>
+                <a:spcPct val="90000"/>
+              </a:lnSpc>
+              <a:spcBef>
+                <a:spcPct val="20000"/>
+              </a:spcBef>
+              <a:spcAft>
+                <a:spcPts val="0"/>
+              </a:spcAft>
+              <a:buClrTx/>
+              <a:buSzPct val="90000"/>
+              <a:buFont typeface="Arial" pitchFamily="34" charset="0"/>
+              <a:buChar char="•"/>
+              <a:tabLst/>
+              <a:defRPr sz="1800" kern="1200" spc="0" baseline="0">
+                <a:gradFill>
+                  <a:gsLst>
+                    <a:gs pos="1250">
+                      <a:schemeClr val="tx1"/>
+                    </a:gs>
+                    <a:gs pos="100000">
+                      <a:schemeClr val="tx1"/>
+                    </a:gs>
+                  </a:gsLst>
+                  <a:lin ang="5400000" scaled="0"/>
+                </a:gradFill>
+                <a:latin typeface="+mn-lt"/>
+                <a:ea typeface="+mn-ea"/>
+                <a:cs typeface="+mn-cs"/>
+              </a:defRPr>
+            </a:lvl4pPr>
+            <a:lvl5pPr marL="1257058" marR="0" indent="-228557" algn="l" defTabSz="932563" rtl="0" eaLnBrk="1" fontAlgn="auto" latinLnBrk="0" hangingPunct="1">
+              <a:lnSpc>
+                <a:spcPct val="90000"/>
+              </a:lnSpc>
+              <a:spcBef>
+                <a:spcPct val="20000"/>
+              </a:spcBef>
+              <a:spcAft>
+                <a:spcPts val="0"/>
+              </a:spcAft>
+              <a:buClrTx/>
+              <a:buSzPct val="90000"/>
+              <a:buFont typeface="Arial" pitchFamily="34" charset="0"/>
+              <a:buChar char="•"/>
+              <a:tabLst/>
+              <a:defRPr sz="1800" kern="1200" spc="0" baseline="0">
+                <a:gradFill>
+                  <a:gsLst>
+                    <a:gs pos="1250">
+                      <a:schemeClr val="tx1"/>
+                    </a:gs>
+                    <a:gs pos="100000">
+                      <a:schemeClr val="tx1"/>
+                    </a:gs>
+                  </a:gsLst>
+                  <a:lin ang="5400000" scaled="0"/>
+                </a:gradFill>
+                <a:latin typeface="+mn-lt"/>
+                <a:ea typeface="+mn-ea"/>
+                <a:cs typeface="+mn-cs"/>
+              </a:defRPr>
+            </a:lvl5pPr>
+            <a:lvl6pPr marL="2564548" indent="-233141" algn="l" defTabSz="932563" rtl="0" eaLnBrk="1" latinLnBrk="0" hangingPunct="1">
+              <a:spcBef>
+                <a:spcPct val="20000"/>
+              </a:spcBef>
+              <a:buFont typeface="Arial" pitchFamily="34" charset="0"/>
+              <a:buChar char="•"/>
+              <a:defRPr sz="2000" kern="1200">
+                <a:solidFill>
+                  <a:schemeClr val="tx1"/>
+                </a:solidFill>
+                <a:latin typeface="+mn-lt"/>
+                <a:ea typeface="+mn-ea"/>
+                <a:cs typeface="+mn-cs"/>
+              </a:defRPr>
+            </a:lvl6pPr>
+            <a:lvl7pPr marL="3030830" indent="-233141" algn="l" defTabSz="932563" rtl="0" eaLnBrk="1" latinLnBrk="0" hangingPunct="1">
+              <a:spcBef>
+                <a:spcPct val="20000"/>
+              </a:spcBef>
+              <a:buFont typeface="Arial" pitchFamily="34" charset="0"/>
+              <a:buChar char="•"/>
+              <a:defRPr sz="2000" kern="1200">
+                <a:solidFill>
+                  <a:schemeClr val="tx1"/>
+                </a:solidFill>
+                <a:latin typeface="+mn-lt"/>
+                <a:ea typeface="+mn-ea"/>
+                <a:cs typeface="+mn-cs"/>
+              </a:defRPr>
+            </a:lvl7pPr>
+            <a:lvl8pPr marL="3497112" indent="-233141" algn="l" defTabSz="932563" rtl="0" eaLnBrk="1" latinLnBrk="0" hangingPunct="1">
+              <a:spcBef>
+                <a:spcPct val="20000"/>
+              </a:spcBef>
+              <a:buFont typeface="Arial" pitchFamily="34" charset="0"/>
+              <a:buChar char="•"/>
+              <a:defRPr sz="2000" kern="1200">
+                <a:solidFill>
+                  <a:schemeClr val="tx1"/>
+                </a:solidFill>
+                <a:latin typeface="+mn-lt"/>
+                <a:ea typeface="+mn-ea"/>
+                <a:cs typeface="+mn-cs"/>
+              </a:defRPr>
+            </a:lvl8pPr>
+            <a:lvl9pPr marL="3963394" indent="-233141" algn="l" defTabSz="932563" rtl="0" eaLnBrk="1" latinLnBrk="0" hangingPunct="1">
+              <a:spcBef>
+                <a:spcPct val="20000"/>
+              </a:spcBef>
+              <a:buFont typeface="Arial" pitchFamily="34" charset="0"/>
+              <a:buChar char="•"/>
+              <a:defRPr sz="2000" kern="1200">
+                <a:solidFill>
+                  <a:schemeClr val="tx1"/>
+                </a:solidFill>
+                <a:latin typeface="+mn-lt"/>
+                <a:ea typeface="+mn-ea"/>
+                <a:cs typeface="+mn-cs"/>
+              </a:defRPr>
+            </a:lvl9pPr>
+          </a:lstStyle>
+          <a:p>
+            <a:pPr marL="0" indent="0">
+              <a:buNone/>
+            </a:pPr>
+            <a:r>
+              <a:rPr lang="en-US" sz="3200" dirty="0"/>
+              <a:t> </a:t>
+            </a:r>
+          </a:p>
+        </p:txBody>
+      </p:sp>
+      <p:sp>
+        <p:nvSpPr>
+          <p:cNvPr id="6" name="Text Placeholder 6"/>
+          <p:cNvSpPr txBox="1">
+            <a:spLocks/>
+          </p:cNvSpPr>
+          <p:nvPr/>
+        </p:nvSpPr>
+        <p:spPr>
+          <a:xfrm>
+            <a:off x="518160" y="1944747"/>
+            <a:ext cx="11704320" cy="4524315"/>
+          </a:xfrm>
+          <a:prstGeom prst="rect">
+            <a:avLst/>
+          </a:prstGeom>
+        </p:spPr>
+        <p:txBody>
+          <a:bodyPr/>
+          <a:lstStyle>
+            <a:lvl1pPr marL="342834" marR="0" indent="-342834" algn="l" defTabSz="932563" rtl="0" eaLnBrk="1" fontAlgn="auto" latinLnBrk="0" hangingPunct="1">
+              <a:lnSpc>
+                <a:spcPct val="90000"/>
+              </a:lnSpc>
+              <a:spcBef>
+                <a:spcPct val="20000"/>
+              </a:spcBef>
+              <a:spcAft>
+                <a:spcPts val="0"/>
+              </a:spcAft>
+              <a:buClrTx/>
+              <a:buSzPct val="90000"/>
+              <a:buFont typeface="Arial" pitchFamily="34" charset="0"/>
+              <a:buChar char="•"/>
+              <a:tabLst/>
+              <a:defRPr sz="3999" kern="1200" spc="0" baseline="0">
+                <a:gradFill>
+                  <a:gsLst>
+                    <a:gs pos="1250">
+                      <a:schemeClr val="tx1"/>
+                    </a:gs>
+                    <a:gs pos="100000">
+                      <a:schemeClr val="tx1"/>
+                    </a:gs>
+                  </a:gsLst>
+                  <a:lin ang="5400000" scaled="0"/>
+                </a:gradFill>
+                <a:latin typeface="+mj-lt"/>
+                <a:ea typeface="+mn-ea"/>
+                <a:cs typeface="+mn-cs"/>
+              </a:defRPr>
+            </a:lvl1pPr>
+            <a:lvl2pPr marL="584088" marR="0" indent="-241253" algn="l" defTabSz="932563" rtl="0" eaLnBrk="1" fontAlgn="auto" latinLnBrk="0" hangingPunct="1">
+              <a:lnSpc>
+                <a:spcPct val="90000"/>
+              </a:lnSpc>
+              <a:spcBef>
+                <a:spcPct val="20000"/>
+              </a:spcBef>
+              <a:spcAft>
+                <a:spcPts val="0"/>
+              </a:spcAft>
+              <a:buClrTx/>
+              <a:buSzPct val="90000"/>
+              <a:buFont typeface="Arial" pitchFamily="34" charset="0"/>
+              <a:buChar char="•"/>
+              <a:tabLst/>
+              <a:defRPr sz="2400" kern="1200" spc="0" baseline="0">
+                <a:gradFill>
+                  <a:gsLst>
+                    <a:gs pos="1250">
+                      <a:schemeClr val="tx1"/>
+                    </a:gs>
+                    <a:gs pos="100000">
+                      <a:schemeClr val="tx1"/>
+                    </a:gs>
+                  </a:gsLst>
+                  <a:lin ang="5400000" scaled="0"/>
+                </a:gradFill>
+                <a:latin typeface="+mn-lt"/>
+                <a:ea typeface="+mn-ea"/>
+                <a:cs typeface="+mn-cs"/>
+              </a:defRPr>
+            </a:lvl2pPr>
+            <a:lvl3pPr marL="799946" marR="0" indent="-228557" algn="l" defTabSz="932563" rtl="0" eaLnBrk="1" fontAlgn="auto" latinLnBrk="0" hangingPunct="1">
+              <a:lnSpc>
+                <a:spcPct val="90000"/>
+              </a:lnSpc>
+              <a:spcBef>
+                <a:spcPct val="20000"/>
+              </a:spcBef>
+              <a:spcAft>
+                <a:spcPts val="0"/>
+              </a:spcAft>
+              <a:buClrTx/>
+              <a:buSzPct val="90000"/>
+              <a:buFont typeface="Arial" pitchFamily="34" charset="0"/>
+              <a:buChar char="•"/>
+              <a:tabLst/>
+              <a:defRPr sz="2000" kern="1200" spc="0" baseline="0">
+                <a:gradFill>
+                  <a:gsLst>
+                    <a:gs pos="1250">
+                      <a:schemeClr val="tx1"/>
+                    </a:gs>
+                    <a:gs pos="100000">
+                      <a:schemeClr val="tx1"/>
+                    </a:gs>
+                  </a:gsLst>
+                  <a:lin ang="5400000" scaled="0"/>
+                </a:gradFill>
+                <a:latin typeface="+mn-lt"/>
+                <a:ea typeface="+mn-ea"/>
+                <a:cs typeface="+mn-cs"/>
+              </a:defRPr>
+            </a:lvl3pPr>
+            <a:lvl4pPr marL="1028503" marR="0" indent="-228557" algn="l" defTabSz="932563" rtl="0" eaLnBrk="1" fontAlgn="auto" latinLnBrk="0" hangingPunct="1">
+              <a:lnSpc>
+                <a:spcPct val="90000"/>
+              </a:lnSpc>
+              <a:spcBef>
+                <a:spcPct val="20000"/>
+              </a:spcBef>
+              <a:spcAft>
+                <a:spcPts val="0"/>
+              </a:spcAft>
+              <a:buClrTx/>
+              <a:buSzPct val="90000"/>
+              <a:buFont typeface="Arial" pitchFamily="34" charset="0"/>
+              <a:buChar char="•"/>
+              <a:tabLst/>
+              <a:defRPr sz="1800" kern="1200" spc="0" baseline="0">
+                <a:gradFill>
+                  <a:gsLst>
+                    <a:gs pos="1250">
+                      <a:schemeClr val="tx1"/>
+                    </a:gs>
+                    <a:gs pos="100000">
+                      <a:schemeClr val="tx1"/>
+                    </a:gs>
+                  </a:gsLst>
+                  <a:lin ang="5400000" scaled="0"/>
+                </a:gradFill>
+                <a:latin typeface="+mn-lt"/>
+                <a:ea typeface="+mn-ea"/>
+                <a:cs typeface="+mn-cs"/>
+              </a:defRPr>
+            </a:lvl4pPr>
+            <a:lvl5pPr marL="1257058" marR="0" indent="-228557" algn="l" defTabSz="932563" rtl="0" eaLnBrk="1" fontAlgn="auto" latinLnBrk="0" hangingPunct="1">
+              <a:lnSpc>
+                <a:spcPct val="90000"/>
+              </a:lnSpc>
+              <a:spcBef>
+                <a:spcPct val="20000"/>
+              </a:spcBef>
+              <a:spcAft>
+                <a:spcPts val="0"/>
+              </a:spcAft>
+              <a:buClrTx/>
+              <a:buSzPct val="90000"/>
+              <a:buFont typeface="Arial" pitchFamily="34" charset="0"/>
+              <a:buChar char="•"/>
+              <a:tabLst/>
+              <a:defRPr sz="1800" kern="1200" spc="0" baseline="0">
+                <a:gradFill>
+                  <a:gsLst>
+                    <a:gs pos="1250">
+                      <a:schemeClr val="tx1"/>
+                    </a:gs>
+                    <a:gs pos="100000">
+                      <a:schemeClr val="tx1"/>
+                    </a:gs>
+                  </a:gsLst>
+                  <a:lin ang="5400000" scaled="0"/>
+                </a:gradFill>
+                <a:latin typeface="+mn-lt"/>
+                <a:ea typeface="+mn-ea"/>
+                <a:cs typeface="+mn-cs"/>
+              </a:defRPr>
+            </a:lvl5pPr>
+            <a:lvl6pPr marL="2564548" indent="-233141" algn="l" defTabSz="932563" rtl="0" eaLnBrk="1" latinLnBrk="0" hangingPunct="1">
+              <a:spcBef>
+                <a:spcPct val="20000"/>
+              </a:spcBef>
+              <a:buFont typeface="Arial" pitchFamily="34" charset="0"/>
+              <a:buChar char="•"/>
+              <a:defRPr sz="2000" kern="1200">
+                <a:solidFill>
+                  <a:schemeClr val="tx1"/>
+                </a:solidFill>
+                <a:latin typeface="+mn-lt"/>
+                <a:ea typeface="+mn-ea"/>
+                <a:cs typeface="+mn-cs"/>
+              </a:defRPr>
+            </a:lvl6pPr>
+            <a:lvl7pPr marL="3030830" indent="-233141" algn="l" defTabSz="932563" rtl="0" eaLnBrk="1" latinLnBrk="0" hangingPunct="1">
+              <a:spcBef>
+                <a:spcPct val="20000"/>
+              </a:spcBef>
+              <a:buFont typeface="Arial" pitchFamily="34" charset="0"/>
+              <a:buChar char="•"/>
+              <a:defRPr sz="2000" kern="1200">
+                <a:solidFill>
+                  <a:schemeClr val="tx1"/>
+                </a:solidFill>
+                <a:latin typeface="+mn-lt"/>
+                <a:ea typeface="+mn-ea"/>
+                <a:cs typeface="+mn-cs"/>
+              </a:defRPr>
+            </a:lvl7pPr>
+            <a:lvl8pPr marL="3497112" indent="-233141" algn="l" defTabSz="932563" rtl="0" eaLnBrk="1" latinLnBrk="0" hangingPunct="1">
+              <a:spcBef>
+                <a:spcPct val="20000"/>
+              </a:spcBef>
+              <a:buFont typeface="Arial" pitchFamily="34" charset="0"/>
+              <a:buChar char="•"/>
+              <a:defRPr sz="2000" kern="1200">
+                <a:solidFill>
+                  <a:schemeClr val="tx1"/>
+                </a:solidFill>
+                <a:latin typeface="+mn-lt"/>
+                <a:ea typeface="+mn-ea"/>
+                <a:cs typeface="+mn-cs"/>
+              </a:defRPr>
+            </a:lvl8pPr>
+            <a:lvl9pPr marL="3963394" indent="-233141" algn="l" defTabSz="932563" rtl="0" eaLnBrk="1" latinLnBrk="0" hangingPunct="1">
+              <a:spcBef>
+                <a:spcPct val="20000"/>
+              </a:spcBef>
+              <a:buFont typeface="Arial" pitchFamily="34" charset="0"/>
+              <a:buChar char="•"/>
+              <a:defRPr sz="2000" kern="1200">
+                <a:solidFill>
+                  <a:schemeClr val="tx1"/>
+                </a:solidFill>
+                <a:latin typeface="+mn-lt"/>
+                <a:ea typeface="+mn-ea"/>
+                <a:cs typeface="+mn-cs"/>
+              </a:defRPr>
+            </a:lvl9pPr>
+          </a:lstStyle>
+          <a:p>
+            <a:pPr marL="0" indent="0">
+              <a:buNone/>
+            </a:pPr>
+            <a:endParaRPr lang="en-US" sz="3200" dirty="0"/>
+          </a:p>
+        </p:txBody>
+      </p:sp>
+      <p:sp>
+        <p:nvSpPr>
+          <p:cNvPr id="20" name="Rectangle 19"/>
+          <p:cNvSpPr/>
+          <p:nvPr/>
+        </p:nvSpPr>
+        <p:spPr bwMode="auto">
+          <a:xfrm>
+            <a:off x="1968859" y="2073319"/>
+            <a:ext cx="9586277" cy="661943"/>
+          </a:xfrm>
+          <a:prstGeom prst="rect">
+            <a:avLst/>
+          </a:prstGeom>
+          <a:solidFill>
+            <a:schemeClr val="accent1"/>
+          </a:solidFill>
+          <a:ln>
+            <a:noFill/>
+            <a:headEnd type="none" w="med" len="med"/>
+            <a:tailEnd type="none" w="med" len="med"/>
+          </a:ln>
+          <a:effectLst/>
+        </p:spPr>
+        <p:style>
+          <a:lnRef idx="1">
+            <a:schemeClr val="accent2"/>
+          </a:lnRef>
+          <a:fillRef idx="3">
+            <a:schemeClr val="accent2"/>
+          </a:fillRef>
+          <a:effectRef idx="2">
+            <a:schemeClr val="accent2"/>
+          </a:effectRef>
+          <a:fontRef idx="minor">
+            <a:schemeClr val="lt1"/>
+          </a:fontRef>
+        </p:style>
+        <p:txBody>
+          <a:bodyPr rot="0" spcFirstLastPara="0" vertOverflow="overflow" horzOverflow="overflow" vert="horz" wrap="square" lIns="182880" tIns="146304" rIns="182880" bIns="146304" numCol="1" spcCol="0" rtlCol="0" fromWordArt="0" anchor="ctr" anchorCtr="0" forceAA="0" compatLnSpc="1">
+            <a:prstTxWarp prst="textNoShape">
+              <a:avLst/>
+            </a:prstTxWarp>
+            <a:noAutofit/>
+          </a:bodyPr>
+          <a:lstStyle/>
+          <a:p>
+            <a:r>
+              <a:rPr lang="en-US" dirty="0"/>
+              <a:t>Handle window resizing</a:t>
+            </a:r>
+          </a:p>
+        </p:txBody>
+      </p:sp>
+      <p:sp>
+        <p:nvSpPr>
+          <p:cNvPr id="21" name="Rectangle 20"/>
+          <p:cNvSpPr/>
+          <p:nvPr/>
+        </p:nvSpPr>
+        <p:spPr bwMode="auto">
+          <a:xfrm>
+            <a:off x="808037" y="2068905"/>
+            <a:ext cx="795309" cy="666357"/>
+          </a:xfrm>
+          <a:prstGeom prst="rect">
+            <a:avLst/>
+          </a:prstGeom>
+          <a:solidFill>
+            <a:srgbClr val="00B0F0"/>
+          </a:solidFill>
+          <a:ln>
+            <a:noFill/>
+            <a:headEnd type="none" w="med" len="med"/>
+            <a:tailEnd type="none" w="med" len="med"/>
+          </a:ln>
+          <a:effectLst/>
+        </p:spPr>
+        <p:style>
+          <a:lnRef idx="1">
+            <a:schemeClr val="accent2"/>
+          </a:lnRef>
+          <a:fillRef idx="3">
+            <a:schemeClr val="accent2"/>
+          </a:fillRef>
+          <a:effectRef idx="2">
+            <a:schemeClr val="accent2"/>
+          </a:effectRef>
+          <a:fontRef idx="minor">
+            <a:schemeClr val="lt1"/>
+          </a:fontRef>
+        </p:style>
+        <p:txBody>
+          <a:bodyPr rot="0" spcFirstLastPara="0" vertOverflow="overflow" horzOverflow="overflow" vert="horz" wrap="square" lIns="182880" tIns="146304" rIns="182880" bIns="146304" numCol="1" spcCol="0" rtlCol="0" fromWordArt="0" anchor="ctr" anchorCtr="0" forceAA="0" compatLnSpc="1">
+            <a:prstTxWarp prst="textNoShape">
+              <a:avLst/>
+            </a:prstTxWarp>
+            <a:noAutofit/>
+          </a:bodyPr>
+          <a:lstStyle/>
+          <a:p>
+            <a:pPr algn="ctr" defTabSz="932472" fontAlgn="base">
+              <a:lnSpc>
+                <a:spcPct val="90000"/>
+              </a:lnSpc>
+              <a:spcBef>
+                <a:spcPct val="0"/>
+              </a:spcBef>
+              <a:spcAft>
+                <a:spcPct val="0"/>
+              </a:spcAft>
+            </a:pPr>
+            <a:r>
+              <a:rPr lang="en-US" sz="4000" dirty="0">
+                <a:gradFill>
+                  <a:gsLst>
+                    <a:gs pos="0">
+                      <a:srgbClr val="FFFFFF"/>
+                    </a:gs>
+                    <a:gs pos="100000">
+                      <a:srgbClr val="FFFFFF"/>
+                    </a:gs>
+                  </a:gsLst>
+                  <a:lin ang="5400000" scaled="0"/>
+                </a:gradFill>
+                <a:ea typeface="Segoe UI" pitchFamily="34" charset="0"/>
+                <a:cs typeface="Segoe UI" pitchFamily="34" charset="0"/>
+              </a:rPr>
+              <a:t>3</a:t>
+            </a:r>
+          </a:p>
+        </p:txBody>
+      </p:sp>
+      <p:sp>
+        <p:nvSpPr>
+          <p:cNvPr id="3" name="Rectangle 2"/>
+          <p:cNvSpPr/>
+          <p:nvPr/>
+        </p:nvSpPr>
+        <p:spPr>
+          <a:xfrm>
+            <a:off x="4117663" y="3266431"/>
+            <a:ext cx="4201150" cy="461665"/>
+          </a:xfrm>
+          <a:prstGeom prst="rect">
+            <a:avLst/>
+          </a:prstGeom>
+        </p:spPr>
+        <p:txBody>
+          <a:bodyPr wrap="none">
+            <a:spAutoFit/>
+          </a:bodyPr>
+          <a:lstStyle/>
+          <a:p>
+            <a:pPr lvl="1"/>
+            <a:r>
+              <a:rPr lang="en-US" sz="2400" b="1" dirty="0">
+                <a:hlinkClick r:id="rId3"/>
+              </a:rPr>
+              <a:t>http://aka.ms/angle-ex3</a:t>
+            </a:r>
+            <a:endParaRPr lang="en-US" dirty="0"/>
+          </a:p>
+        </p:txBody>
+      </p:sp>
+    </p:spTree>
+    <p:extLst>
+      <p:ext uri="{BB962C8B-B14F-4D97-AF65-F5344CB8AC3E}">
+        <p14:creationId xmlns:p14="http://schemas.microsoft.com/office/powerpoint/2010/main" val="901691894"/>
       </p:ext>
     </p:extLst>
   </p:cSld>
@@ -23044,7 +23588,7 @@
       </p:sp>
       <p:sp>
         <p:nvSpPr>
-          <p:cNvPr id="20" name="Rectangle 19"/>
+          <p:cNvPr id="22" name="Rectangle 21"/>
           <p:cNvSpPr/>
           <p:nvPr/>
         </p:nvSpPr>
@@ -23091,14 +23635,14 @@
           <a:p>
             <a:r>
               <a:rPr lang="en-US" dirty="0"/>
-              <a:t>Handle window resizing</a:t>
+              <a:t>Add touch and keyboard events to your app</a:t>
             </a:r>
           </a:p>
         </p:txBody>
       </p:sp>
       <p:sp>
         <p:nvSpPr>
-          <p:cNvPr id="21" name="Rectangle 20"/>
+          <p:cNvPr id="23" name="Rectangle 22"/>
           <p:cNvSpPr/>
           <p:nvPr/>
         </p:nvSpPr>
@@ -23170,15 +23714,47 @@
                 <a:ea typeface="Segoe UI" pitchFamily="34" charset="0"/>
                 <a:cs typeface="Segoe UI" pitchFamily="34" charset="0"/>
               </a:rPr>
-              <a:t>3</a:t>
-            </a:r>
+              <a:t>4</a:t>
+            </a:r>
+          </a:p>
+        </p:txBody>
+      </p:sp>
+      <p:sp>
+        <p:nvSpPr>
+          <p:cNvPr id="3" name="Rectangle 2"/>
+          <p:cNvSpPr/>
+          <p:nvPr/>
+        </p:nvSpPr>
+        <p:spPr>
+          <a:xfrm>
+            <a:off x="4117663" y="3266431"/>
+            <a:ext cx="4201150" cy="461665"/>
+          </a:xfrm>
+          <a:prstGeom prst="rect">
+            <a:avLst/>
+          </a:prstGeom>
+        </p:spPr>
+        <p:txBody>
+          <a:bodyPr wrap="none">
+            <a:spAutoFit/>
+          </a:bodyPr>
+          <a:lstStyle/>
+          <a:p>
+            <a:pPr lvl="1"/>
+            <a:r>
+              <a:rPr lang="en-US" sz="2400" b="1" dirty="0">
+                <a:hlinkClick r:id="rId3"/>
+              </a:rPr>
+              <a:t>http://aka.ms/angle-ex4</a:t>
+            </a:r>
+            <a:endParaRPr lang="en-US" dirty="0"/>
           </a:p>
         </p:txBody>
       </p:sp>
     </p:spTree>
     <p:extLst>
       <p:ext uri="{BB962C8B-B14F-4D97-AF65-F5344CB8AC3E}">
-        <p14:creationId xmlns:p14="http://schemas.microsoft.com/office/powerpoint/2010/main" val="901691894"/>
+        <p14:creationId xmlns:p14="http://schemas.microsoft.com/office/powerpoint/2010/main" val="1855760714"/>
       </p:ext>
     </p:extLst>
   </p:cSld>
@@ -23260,29 +23836,12 @@
           </a:bodyPr>
           <a:lstStyle/>
           <a:p>
-            <a:pPr algn="ctr" defTabSz="951028" fontAlgn="base">
-              <a:spcBef>
-                <a:spcPct val="0"/>
-              </a:spcBef>
-              <a:spcAft>
-                <a:spcPct val="0"/>
-              </a:spcAft>
-              <a:defRPr/>
-            </a:pPr>
-            <a:endParaRPr lang="en-US" sz="2040" dirty="0">
-              <a:gradFill>
-                <a:gsLst>
-                  <a:gs pos="0">
-                    <a:srgbClr val="FFFFFF"/>
-                  </a:gs>
-                  <a:gs pos="100000">
-                    <a:srgbClr val="FFFFFF"/>
-                  </a:gs>
-                </a:gsLst>
-                <a:lin ang="5400000" scaled="0"/>
-              </a:gradFill>
-              <a:latin typeface="Segoe UI"/>
-            </a:endParaRPr>
+            <a:pPr lvl="1"/>
+            <a:r>
+              <a:rPr lang="en-US"/>
+              <a:t>https://github.com/Microsoft-Build-2016/CodeLabs-GameDev-3-ANGLE/blob/master/Source/Ex4/README.md</a:t>
+            </a:r>
+            <a:endParaRPr lang="en-US" dirty="0"/>
           </a:p>
         </p:txBody>
       </p:sp>
@@ -23303,7 +23862,7 @@
           <a:p>
             <a:r>
               <a:rPr lang="en-US" dirty="0"/>
-              <a:t>ANGLE Lab Exercises</a:t>
+              <a:t>ANGLE Lab Exercises (Optional)</a:t>
             </a:r>
           </a:p>
         </p:txBody>
@@ -23811,13 +24370,13 @@
       </p:sp>
       <p:sp>
         <p:nvSpPr>
-          <p:cNvPr id="22" name="Rectangle 21"/>
+          <p:cNvPr id="26" name="Rectangle 25"/>
           <p:cNvSpPr/>
           <p:nvPr/>
         </p:nvSpPr>
         <p:spPr bwMode="auto">
           <a:xfrm>
-            <a:off x="1968859" y="2073319"/>
+            <a:off x="1965960" y="2073319"/>
             <a:ext cx="9586277" cy="661943"/>
           </a:xfrm>
           <a:prstGeom prst="rect">
@@ -23858,20 +24417,25 @@
           <a:p>
             <a:r>
               <a:rPr lang="en-US" dirty="0"/>
-              <a:t>Add touch and keyboard events to your app</a:t>
-            </a:r>
+              <a:t>Adding ANGLE using </a:t>
+            </a:r>
+            <a:r>
+              <a:rPr lang="en-US" dirty="0" err="1"/>
+              <a:t>NuGet</a:t>
+            </a:r>
+            <a:endParaRPr lang="en-US" dirty="0"/>
           </a:p>
         </p:txBody>
       </p:sp>
       <p:sp>
         <p:nvSpPr>
-          <p:cNvPr id="23" name="Rectangle 22"/>
+          <p:cNvPr id="27" name="Rectangle 26"/>
           <p:cNvSpPr/>
           <p:nvPr/>
         </p:nvSpPr>
         <p:spPr bwMode="auto">
           <a:xfrm>
-            <a:off x="808037" y="2068905"/>
+            <a:off x="805138" y="2068905"/>
             <a:ext cx="795309" cy="666357"/>
           </a:xfrm>
           <a:prstGeom prst="rect">
@@ -23937,15 +24501,47 @@
                 <a:ea typeface="Segoe UI" pitchFamily="34" charset="0"/>
                 <a:cs typeface="Segoe UI" pitchFamily="34" charset="0"/>
               </a:rPr>
-              <a:t>4</a:t>
-            </a:r>
+              <a:t>7</a:t>
+            </a:r>
+          </a:p>
+        </p:txBody>
+      </p:sp>
+      <p:sp>
+        <p:nvSpPr>
+          <p:cNvPr id="3" name="Rectangle 2"/>
+          <p:cNvSpPr/>
+          <p:nvPr/>
+        </p:nvSpPr>
+        <p:spPr>
+          <a:xfrm>
+            <a:off x="4117663" y="3266431"/>
+            <a:ext cx="4201150" cy="461665"/>
+          </a:xfrm>
+          <a:prstGeom prst="rect">
+            <a:avLst/>
+          </a:prstGeom>
+        </p:spPr>
+        <p:txBody>
+          <a:bodyPr wrap="none">
+            <a:spAutoFit/>
+          </a:bodyPr>
+          <a:lstStyle/>
+          <a:p>
+            <a:pPr lvl="1"/>
+            <a:r>
+              <a:rPr lang="en-US" sz="2400" b="1" dirty="0">
+                <a:hlinkClick r:id="rId3"/>
+              </a:rPr>
+              <a:t>http://aka.ms/angle-ex7</a:t>
+            </a:r>
+            <a:endParaRPr lang="en-US" dirty="0"/>
           </a:p>
         </p:txBody>
       </p:sp>
     </p:spTree>
     <p:extLst>
       <p:ext uri="{BB962C8B-B14F-4D97-AF65-F5344CB8AC3E}">
-        <p14:creationId xmlns:p14="http://schemas.microsoft.com/office/powerpoint/2010/main" val="1855760714"/>
+        <p14:creationId xmlns:p14="http://schemas.microsoft.com/office/powerpoint/2010/main" val="4146997603"/>
       </p:ext>
     </p:extLst>
   </p:cSld>
@@ -23964,6 +24560,456 @@
 </file>
 
 <file path=ppt/slides/slide18.xml><?xml version="1.0" encoding="utf-8"?>
+<p:sld xmlns:a="http://schemas.openxmlformats.org/drawingml/2006/main" xmlns:r="http://schemas.openxmlformats.org/officeDocument/2006/relationships" xmlns:p="http://schemas.openxmlformats.org/presentationml/2006/main">
+  <p:cSld>
+    <p:spTree>
+      <p:nvGrpSpPr>
+        <p:cNvPr id="1" name=""/>
+        <p:cNvGrpSpPr/>
+        <p:nvPr/>
+      </p:nvGrpSpPr>
+      <p:grpSpPr>
+        <a:xfrm>
+          <a:off x="0" y="0"/>
+          <a:ext cx="0" cy="0"/>
+          <a:chOff x="0" y="0"/>
+          <a:chExt cx="0" cy="0"/>
+        </a:xfrm>
+      </p:grpSpPr>
+      <p:sp>
+        <p:nvSpPr>
+          <p:cNvPr id="5" name="Text Placeholder 4"/>
+          <p:cNvSpPr>
+            <a:spLocks noGrp="1"/>
+          </p:cNvSpPr>
+          <p:nvPr>
+            <p:ph type="body" sz="quarter" idx="10"/>
+          </p:nvPr>
+        </p:nvSpPr>
+        <p:spPr>
+          <a:xfrm>
+            <a:off x="274638" y="1212850"/>
+            <a:ext cx="11887200" cy="4838248"/>
+          </a:xfrm>
+        </p:spPr>
+        <p:txBody>
+          <a:bodyPr/>
+          <a:lstStyle/>
+          <a:p>
+            <a:pPr marL="0" indent="0">
+              <a:buNone/>
+            </a:pPr>
+            <a:endParaRPr lang="en-US" sz="2800" dirty="0"/>
+          </a:p>
+          <a:p>
+            <a:pPr marL="0" indent="0">
+              <a:buNone/>
+            </a:pPr>
+            <a:r>
+              <a:rPr lang="en-US" sz="2800" dirty="0"/>
+              <a:t>ANGLE: </a:t>
+            </a:r>
+            <a:r>
+              <a:rPr lang="en-US" sz="2800" dirty="0">
+                <a:hlinkClick r:id="rId2"/>
+              </a:rPr>
+              <a:t>https://github.com/MSOpenTech/angle</a:t>
+            </a:r>
+            <a:r>
+              <a:rPr lang="en-US" sz="2800" dirty="0"/>
+              <a:t> </a:t>
+            </a:r>
+          </a:p>
+          <a:p>
+            <a:pPr marL="0" indent="0">
+              <a:buNone/>
+            </a:pPr>
+            <a:endParaRPr lang="en-US" sz="2800" dirty="0"/>
+          </a:p>
+          <a:p>
+            <a:pPr marL="0" indent="0">
+              <a:buNone/>
+            </a:pPr>
+            <a:r>
+              <a:rPr lang="en-US" sz="2800" dirty="0"/>
+              <a:t>Wiki: 	</a:t>
+            </a:r>
+            <a:r>
+              <a:rPr lang="en-US" sz="2800" dirty="0">
+                <a:hlinkClick r:id="rId3"/>
+              </a:rPr>
+              <a:t>https://github.com/MSOpenTech/angle/wiki</a:t>
+            </a:r>
+            <a:endParaRPr lang="en-US" sz="2800" dirty="0"/>
+          </a:p>
+          <a:p>
+            <a:pPr marL="0" indent="0">
+              <a:buNone/>
+            </a:pPr>
+            <a:endParaRPr lang="en-US" sz="2800" dirty="0"/>
+          </a:p>
+          <a:p>
+            <a:pPr marL="0" lvl="0" indent="0">
+              <a:buNone/>
+            </a:pPr>
+            <a:r>
+              <a:rPr lang="en-US" sz="2800" dirty="0"/>
+              <a:t>Lab: </a:t>
+            </a:r>
+            <a:r>
+              <a:rPr lang="en-US" sz="2800" dirty="0">
+                <a:hlinkClick r:id="rId4"/>
+              </a:rPr>
+              <a:t>https://github.com/Microsoft-Build-2016/CodeLabs-GameDev-3-ANGLE</a:t>
+            </a:r>
+            <a:endParaRPr lang="en-US" sz="2800" dirty="0"/>
+          </a:p>
+          <a:p>
+            <a:pPr marL="0" lvl="0" indent="0">
+              <a:buNone/>
+            </a:pPr>
+            <a:endParaRPr lang="en-US" sz="2800" dirty="0"/>
+          </a:p>
+          <a:p>
+            <a:pPr marL="0" lvl="0" indent="0">
+              <a:buNone/>
+            </a:pPr>
+            <a:r>
+              <a:rPr lang="en-US" sz="2800" dirty="0"/>
+              <a:t>Breakout Tutorial: </a:t>
+            </a:r>
+            <a:r>
+              <a:rPr lang="en-US" sz="2800" dirty="0">
+                <a:hlinkClick r:id="rId5"/>
+              </a:rPr>
+              <a:t>http://learnopengl.com/#!In-Practice/2D-Game/Breakout</a:t>
+            </a:r>
+            <a:endParaRPr lang="en-US" sz="2800" dirty="0"/>
+          </a:p>
+          <a:p>
+            <a:pPr marL="0" lvl="0" indent="0">
+              <a:buNone/>
+            </a:pPr>
+            <a:endParaRPr lang="en-US" sz="2800" dirty="0"/>
+          </a:p>
+          <a:p>
+            <a:pPr marL="0" lvl="0" indent="0">
+              <a:buNone/>
+            </a:pPr>
+            <a:r>
+              <a:rPr lang="en-US" sz="2800" dirty="0" err="1"/>
+              <a:t>Khronos</a:t>
+            </a:r>
+            <a:r>
+              <a:rPr lang="en-US" sz="2800" dirty="0"/>
+              <a:t>: </a:t>
+            </a:r>
+            <a:r>
+              <a:rPr lang="en-US" sz="2800" dirty="0">
+                <a:hlinkClick r:id="rId6"/>
+              </a:rPr>
+              <a:t>OpenGL ES 2.0</a:t>
+            </a:r>
+            <a:r>
+              <a:rPr lang="en-US" sz="2800" dirty="0"/>
+              <a:t> and </a:t>
+            </a:r>
+            <a:r>
+              <a:rPr lang="en-US" sz="2800" dirty="0">
+                <a:hlinkClick r:id="rId7"/>
+              </a:rPr>
+              <a:t>EGL 1.4</a:t>
+            </a:r>
+            <a:r>
+              <a:rPr lang="en-US" sz="2800" dirty="0"/>
+              <a:t> APIs</a:t>
+            </a:r>
+          </a:p>
+        </p:txBody>
+      </p:sp>
+      <p:sp>
+        <p:nvSpPr>
+          <p:cNvPr id="2" name="Title 1"/>
+          <p:cNvSpPr>
+            <a:spLocks noGrp="1"/>
+          </p:cNvSpPr>
+          <p:nvPr>
+            <p:ph type="title"/>
+          </p:nvPr>
+        </p:nvSpPr>
+        <p:spPr/>
+        <p:txBody>
+          <a:bodyPr/>
+          <a:lstStyle/>
+          <a:p>
+            <a:r>
+              <a:rPr lang="en-US" dirty="0"/>
+              <a:t>For more information:</a:t>
+            </a:r>
+          </a:p>
+        </p:txBody>
+      </p:sp>
+    </p:spTree>
+    <p:extLst>
+      <p:ext uri="{BB962C8B-B14F-4D97-AF65-F5344CB8AC3E}">
+        <p14:creationId xmlns:p14="http://schemas.microsoft.com/office/powerpoint/2010/main" val="4129826664"/>
+      </p:ext>
+    </p:extLst>
+  </p:cSld>
+  <p:clrMapOvr>
+    <a:masterClrMapping/>
+  </p:clrMapOvr>
+  <mc:AlternateContent xmlns:mc="http://schemas.openxmlformats.org/markup-compatibility/2006" xmlns:p14="http://schemas.microsoft.com/office/powerpoint/2010/main">
+    <mc:Choice Requires="p14">
+      <p:transition spd="med" p14:dur="700">
+        <p:fade/>
+      </p:transition>
+    </mc:Choice>
+    <mc:Fallback xmlns="">
+      <p:transition spd="med">
+        <p:fade/>
+      </p:transition>
+    </mc:Fallback>
+  </mc:AlternateContent>
+</p:sld>
+</file>
+
+<file path=ppt/slides/slide19.xml><?xml version="1.0" encoding="utf-8"?>
+<p:sld xmlns:a="http://schemas.openxmlformats.org/drawingml/2006/main" xmlns:r="http://schemas.openxmlformats.org/officeDocument/2006/relationships" xmlns:p="http://schemas.openxmlformats.org/presentationml/2006/main">
+  <p:cSld>
+    <p:spTree>
+      <p:nvGrpSpPr>
+        <p:cNvPr id="1" name=""/>
+        <p:cNvGrpSpPr/>
+        <p:nvPr/>
+      </p:nvGrpSpPr>
+      <p:grpSpPr>
+        <a:xfrm>
+          <a:off x="0" y="0"/>
+          <a:ext cx="0" cy="0"/>
+          <a:chOff x="0" y="0"/>
+          <a:chExt cx="0" cy="0"/>
+        </a:xfrm>
+      </p:grpSpPr>
+      <p:sp>
+        <p:nvSpPr>
+          <p:cNvPr id="5" name="Title 4"/>
+          <p:cNvSpPr>
+            <a:spLocks noGrp="1"/>
+          </p:cNvSpPr>
+          <p:nvPr>
+            <p:ph type="title"/>
+          </p:nvPr>
+        </p:nvSpPr>
+        <p:spPr/>
+        <p:txBody>
+          <a:bodyPr/>
+          <a:lstStyle/>
+          <a:p>
+            <a:r>
+              <a:rPr lang="en-US" dirty="0"/>
+              <a:t>Related session</a:t>
+            </a:r>
+          </a:p>
+        </p:txBody>
+      </p:sp>
+      <p:sp>
+        <p:nvSpPr>
+          <p:cNvPr id="6" name="Text Placeholder 5"/>
+          <p:cNvSpPr>
+            <a:spLocks noGrp="1"/>
+          </p:cNvSpPr>
+          <p:nvPr>
+            <p:ph type="body" sz="quarter" idx="10"/>
+          </p:nvPr>
+        </p:nvSpPr>
+        <p:spPr>
+          <a:xfrm>
+            <a:off x="277003" y="1897062"/>
+            <a:ext cx="11887200" cy="1754326"/>
+          </a:xfrm>
+        </p:spPr>
+        <p:txBody>
+          <a:bodyPr anchor="ctr" anchorCtr="0"/>
+          <a:lstStyle/>
+          <a:p>
+            <a:r>
+              <a:rPr lang="en-US" dirty="0"/>
+              <a:t>The Future of Game Development on Windows</a:t>
+            </a:r>
+          </a:p>
+          <a:p>
+            <a:pPr lvl="1"/>
+            <a:r>
+              <a:rPr lang="en-US" b="1" dirty="0"/>
+              <a:t>Date:</a:t>
+            </a:r>
+            <a:r>
+              <a:rPr lang="en-US" dirty="0"/>
+              <a:t> 	Wednesday, March 30</a:t>
+            </a:r>
+          </a:p>
+          <a:p>
+            <a:pPr lvl="1"/>
+            <a:r>
+              <a:rPr lang="en-US" b="1" dirty="0"/>
+              <a:t>Time:</a:t>
+            </a:r>
+            <a:r>
+              <a:rPr lang="en-US" dirty="0"/>
+              <a:t> 	5:00pm – 6:00pm</a:t>
+            </a:r>
+          </a:p>
+          <a:p>
+            <a:pPr lvl="1"/>
+            <a:r>
+              <a:rPr lang="en-US" b="1" dirty="0"/>
+              <a:t>Room: 	</a:t>
+            </a:r>
+            <a:r>
+              <a:rPr lang="en-US" dirty="0"/>
+              <a:t>Marriott 6</a:t>
+            </a:r>
+          </a:p>
+        </p:txBody>
+      </p:sp>
+    </p:spTree>
+    <p:extLst>
+      <p:ext uri="{BB962C8B-B14F-4D97-AF65-F5344CB8AC3E}">
+        <p14:creationId xmlns:p14="http://schemas.microsoft.com/office/powerpoint/2010/main" val="3456915216"/>
+      </p:ext>
+    </p:extLst>
+  </p:cSld>
+  <p:clrMapOvr>
+    <a:masterClrMapping/>
+  </p:clrMapOvr>
+  <p:transition>
+    <p:fade/>
+  </p:transition>
+</p:sld>
+</file>
+
+<file path=ppt/slides/slide2.xml><?xml version="1.0" encoding="utf-8"?>
+<p:sld xmlns:a="http://schemas.openxmlformats.org/drawingml/2006/main" xmlns:r="http://schemas.openxmlformats.org/officeDocument/2006/relationships" xmlns:p="http://schemas.openxmlformats.org/presentationml/2006/main">
+  <p:cSld>
+    <p:spTree>
+      <p:nvGrpSpPr>
+        <p:cNvPr id="1" name=""/>
+        <p:cNvGrpSpPr/>
+        <p:nvPr/>
+      </p:nvGrpSpPr>
+      <p:grpSpPr>
+        <a:xfrm>
+          <a:off x="0" y="0"/>
+          <a:ext cx="0" cy="0"/>
+          <a:chOff x="0" y="0"/>
+          <a:chExt cx="0" cy="0"/>
+        </a:xfrm>
+      </p:grpSpPr>
+      <p:sp>
+        <p:nvSpPr>
+          <p:cNvPr id="4" name="Title 3"/>
+          <p:cNvSpPr>
+            <a:spLocks noGrp="1"/>
+          </p:cNvSpPr>
+          <p:nvPr>
+            <p:ph type="title"/>
+          </p:nvPr>
+        </p:nvSpPr>
+        <p:spPr/>
+        <p:txBody>
+          <a:bodyPr/>
+          <a:lstStyle/>
+          <a:p>
+            <a:r>
+              <a:rPr lang="en-US" b="1" dirty="0"/>
+              <a:t>Porting your OpenGL ES 2.0 Game to Windows 10 using ANGLE</a:t>
+            </a:r>
+          </a:p>
+        </p:txBody>
+      </p:sp>
+      <p:sp>
+        <p:nvSpPr>
+          <p:cNvPr id="5" name="Text Placeholder 4"/>
+          <p:cNvSpPr>
+            <a:spLocks noGrp="1"/>
+          </p:cNvSpPr>
+          <p:nvPr>
+            <p:ph type="body" sz="quarter" idx="12"/>
+          </p:nvPr>
+        </p:nvSpPr>
+        <p:spPr/>
+        <p:txBody>
+          <a:bodyPr/>
+          <a:lstStyle/>
+          <a:p>
+            <a:r>
+              <a:rPr lang="en-US" dirty="0"/>
+              <a:t>Dale Stammen</a:t>
+            </a:r>
+          </a:p>
+          <a:p>
+            <a:r>
+              <a:rPr lang="en-US" dirty="0"/>
+              <a:t>Senior Software Engineer</a:t>
+            </a:r>
+          </a:p>
+        </p:txBody>
+      </p:sp>
+      <p:sp>
+        <p:nvSpPr>
+          <p:cNvPr id="6" name="Text Placeholder 5"/>
+          <p:cNvSpPr>
+            <a:spLocks noGrp="1"/>
+          </p:cNvSpPr>
+          <p:nvPr>
+            <p:ph type="body" sz="quarter" idx="13"/>
+          </p:nvPr>
+        </p:nvSpPr>
+        <p:spPr>
+          <a:xfrm>
+            <a:off x="8504238" y="307621"/>
+            <a:ext cx="3656013" cy="572464"/>
+          </a:xfrm>
+        </p:spPr>
+        <p:txBody>
+          <a:bodyPr/>
+          <a:lstStyle/>
+          <a:p>
+            <a:r>
+              <a:rPr lang="en-US" b="1" dirty="0"/>
+              <a:t>L709</a:t>
+            </a:r>
+            <a:endParaRPr lang="en-US" dirty="0"/>
+          </a:p>
+        </p:txBody>
+      </p:sp>
+    </p:spTree>
+    <p:extLst>
+      <p:ext uri="{BB962C8B-B14F-4D97-AF65-F5344CB8AC3E}">
+        <p14:creationId xmlns:p14="http://schemas.microsoft.com/office/powerpoint/2010/main" val="2666902894"/>
+      </p:ext>
+    </p:extLst>
+  </p:cSld>
+  <p:clrMapOvr>
+    <a:masterClrMapping/>
+  </p:clrMapOvr>
+  <mc:AlternateContent xmlns:mc="http://schemas.openxmlformats.org/markup-compatibility/2006" xmlns:p14="http://schemas.microsoft.com/office/powerpoint/2010/main">
+    <mc:Choice Requires="p14">
+      <p:transition spd="med" p14:dur="700">
+        <p:fade/>
+      </p:transition>
+    </mc:Choice>
+    <mc:Fallback xmlns="">
+      <p:transition spd="med">
+        <p:fade/>
+      </p:transition>
+    </mc:Fallback>
+  </mc:AlternateContent>
+</p:sld>
+</file>
+
+<file path=ppt/slides/slide20.xml><?xml version="1.0" encoding="utf-8"?>
 <p:sld xmlns:a="http://schemas.openxmlformats.org/drawingml/2006/main" xmlns:r="http://schemas.openxmlformats.org/officeDocument/2006/relationships" xmlns:p="http://schemas.openxmlformats.org/presentationml/2006/main">
   <p:cSld>
     <p:spTree>
@@ -24027,39 +25073,29 @@
           </a:bodyPr>
           <a:lstStyle/>
           <a:p>
-            <a:pPr lvl="1"/>
-            <a:r>
-              <a:rPr lang="en-US" sz="2400" b="1" dirty="0">
-                <a:solidFill>
-                  <a:schemeClr val="tx1"/>
-                </a:solidFill>
-              </a:rPr>
-              <a:t>Using </a:t>
-            </a:r>
-            <a:r>
-              <a:rPr lang="en-US" sz="2400" b="1" dirty="0" err="1">
-                <a:solidFill>
-                  <a:schemeClr val="tx1"/>
-                </a:solidFill>
-              </a:rPr>
-              <a:t>NuGet</a:t>
-            </a:r>
-            <a:r>
-              <a:rPr lang="en-US" sz="2400" b="1" dirty="0">
-                <a:solidFill>
-                  <a:schemeClr val="tx1"/>
-                </a:solidFill>
-              </a:rPr>
-              <a:t> is the RECOMMENDED way of adding ANGLE to your project.</a:t>
-            </a:r>
-            <a:r>
-              <a:rPr lang="en-US" sz="2400" dirty="0"/>
-              <a:t>se </a:t>
-            </a:r>
-            <a:r>
-              <a:rPr lang="en-US" dirty="0"/>
-              <a:t>C++ app types:</a:t>
-            </a:r>
+            <a:pPr algn="ctr" defTabSz="951028" fontAlgn="base">
+              <a:spcBef>
+                <a:spcPct val="0"/>
+              </a:spcBef>
+              <a:spcAft>
+                <a:spcPct val="0"/>
+              </a:spcAft>
+              <a:defRPr/>
+            </a:pPr>
+            <a:endParaRPr lang="en-US" sz="2040" dirty="0">
+              <a:gradFill>
+                <a:gsLst>
+                  <a:gs pos="0">
+                    <a:srgbClr val="FFFFFF"/>
+                  </a:gs>
+                  <a:gs pos="100000">
+                    <a:srgbClr val="FFFFFF"/>
+                  </a:gs>
+                </a:gsLst>
+                <a:lin ang="5400000" scaled="0"/>
+              </a:gradFill>
+              <a:latin typeface="Segoe UI"/>
+            </a:endParaRPr>
           </a:p>
         </p:txBody>
       </p:sp>
@@ -24080,7 +25116,7 @@
           <a:p>
             <a:r>
               <a:rPr lang="en-US" dirty="0"/>
-              <a:t>ANGLE Lab Exercises (Optional)</a:t>
+              <a:t>Build Game Labs</a:t>
             </a:r>
           </a:p>
         </p:txBody>
@@ -24588,1228 +25624,6 @@
       </p:sp>
       <p:sp>
         <p:nvSpPr>
-          <p:cNvPr id="26" name="Rectangle 25"/>
-          <p:cNvSpPr/>
-          <p:nvPr/>
-        </p:nvSpPr>
-        <p:spPr bwMode="auto">
-          <a:xfrm>
-            <a:off x="1965960" y="2073319"/>
-            <a:ext cx="9586277" cy="661943"/>
-          </a:xfrm>
-          <a:prstGeom prst="rect">
-            <a:avLst/>
-          </a:prstGeom>
-          <a:solidFill>
-            <a:schemeClr val="accent1"/>
-          </a:solidFill>
-          <a:ln>
-            <a:noFill/>
-            <a:headEnd type="none" w="med" len="med"/>
-            <a:tailEnd type="none" w="med" len="med"/>
-          </a:ln>
-          <a:effectLst/>
-        </p:spPr>
-        <p:style>
-          <a:lnRef idx="1">
-            <a:schemeClr val="accent2"/>
-          </a:lnRef>
-          <a:fillRef idx="3">
-            <a:schemeClr val="accent2"/>
-          </a:fillRef>
-          <a:effectRef idx="2">
-            <a:schemeClr val="accent2"/>
-          </a:effectRef>
-          <a:fontRef idx="minor">
-            <a:schemeClr val="lt1"/>
-          </a:fontRef>
-        </p:style>
-        <p:txBody>
-          <a:bodyPr rot="0" spcFirstLastPara="0" vertOverflow="overflow" horzOverflow="overflow" vert="horz" wrap="square" lIns="182880" tIns="146304" rIns="182880" bIns="146304" numCol="1" spcCol="0" rtlCol="0" fromWordArt="0" anchor="ctr" anchorCtr="0" forceAA="0" compatLnSpc="1">
-            <a:prstTxWarp prst="textNoShape">
-              <a:avLst/>
-            </a:prstTxWarp>
-            <a:noAutofit/>
-          </a:bodyPr>
-          <a:lstStyle/>
-          <a:p>
-            <a:r>
-              <a:rPr lang="en-US" dirty="0"/>
-              <a:t>Adding ANGLE using </a:t>
-            </a:r>
-            <a:r>
-              <a:rPr lang="en-US" dirty="0" err="1"/>
-              <a:t>NuGet</a:t>
-            </a:r>
-            <a:endParaRPr lang="en-US" dirty="0"/>
-          </a:p>
-        </p:txBody>
-      </p:sp>
-      <p:sp>
-        <p:nvSpPr>
-          <p:cNvPr id="27" name="Rectangle 26"/>
-          <p:cNvSpPr/>
-          <p:nvPr/>
-        </p:nvSpPr>
-        <p:spPr bwMode="auto">
-          <a:xfrm>
-            <a:off x="805138" y="2068905"/>
-            <a:ext cx="795309" cy="666357"/>
-          </a:xfrm>
-          <a:prstGeom prst="rect">
-            <a:avLst/>
-          </a:prstGeom>
-          <a:solidFill>
-            <a:srgbClr val="00B0F0"/>
-          </a:solidFill>
-          <a:ln>
-            <a:noFill/>
-            <a:headEnd type="none" w="med" len="med"/>
-            <a:tailEnd type="none" w="med" len="med"/>
-          </a:ln>
-          <a:effectLst/>
-        </p:spPr>
-        <p:style>
-          <a:lnRef idx="1">
-            <a:schemeClr val="accent2"/>
-          </a:lnRef>
-          <a:fillRef idx="3">
-            <a:schemeClr val="accent2"/>
-          </a:fillRef>
-          <a:effectRef idx="2">
-            <a:schemeClr val="accent2"/>
-          </a:effectRef>
-          <a:fontRef idx="minor">
-            <a:schemeClr val="lt1"/>
-          </a:fontRef>
-        </p:style>
-        <p:txBody>
-          <a:bodyPr rot="0" spcFirstLastPara="0" vertOverflow="overflow" horzOverflow="overflow" vert="horz" wrap="square" lIns="182880" tIns="146304" rIns="182880" bIns="146304" numCol="1" spcCol="0" rtlCol="0" fromWordArt="0" anchor="ctr" anchorCtr="0" forceAA="0" compatLnSpc="1">
-            <a:prstTxWarp prst="textNoShape">
-              <a:avLst/>
-            </a:prstTxWarp>
-            <a:noAutofit/>
-          </a:bodyPr>
-          <a:lstStyle/>
-          <a:p>
-            <a:pPr algn="ctr" defTabSz="932472" fontAlgn="base">
-              <a:lnSpc>
-                <a:spcPct val="90000"/>
-              </a:lnSpc>
-              <a:spcBef>
-                <a:spcPct val="0"/>
-              </a:spcBef>
-              <a:spcAft>
-                <a:spcPct val="0"/>
-              </a:spcAft>
-            </a:pPr>
-            <a:r>
-              <a:rPr lang="en-US" sz="4000" dirty="0">
-                <a:gradFill>
-                  <a:gsLst>
-                    <a:gs pos="0">
-                      <a:srgbClr val="FFFFFF"/>
-                    </a:gs>
-                    <a:gs pos="100000">
-                      <a:srgbClr val="FFFFFF"/>
-                    </a:gs>
-                  </a:gsLst>
-                  <a:lin ang="5400000" scaled="0"/>
-                </a:gradFill>
-                <a:ea typeface="Segoe UI" pitchFamily="34" charset="0"/>
-                <a:cs typeface="Segoe UI" pitchFamily="34" charset="0"/>
-              </a:rPr>
-              <a:t>7</a:t>
-            </a:r>
-          </a:p>
-        </p:txBody>
-      </p:sp>
-    </p:spTree>
-    <p:extLst>
-      <p:ext uri="{BB962C8B-B14F-4D97-AF65-F5344CB8AC3E}">
-        <p14:creationId xmlns:p14="http://schemas.microsoft.com/office/powerpoint/2010/main" val="4146997603"/>
-      </p:ext>
-    </p:extLst>
-  </p:cSld>
-  <p:clrMapOvr>
-    <a:masterClrMapping/>
-  </p:clrMapOvr>
-  <mc:AlternateContent xmlns:mc="http://schemas.openxmlformats.org/markup-compatibility/2006" xmlns:p14="http://schemas.microsoft.com/office/powerpoint/2010/main">
-    <mc:Choice Requires="p14">
-      <p:transition p14:dur="0"/>
-    </mc:Choice>
-    <mc:Fallback xmlns="">
-      <p:transition/>
-    </mc:Fallback>
-  </mc:AlternateContent>
-</p:sld>
-</file>
-
-<file path=ppt/slides/slide19.xml><?xml version="1.0" encoding="utf-8"?>
-<p:sld xmlns:a="http://schemas.openxmlformats.org/drawingml/2006/main" xmlns:r="http://schemas.openxmlformats.org/officeDocument/2006/relationships" xmlns:p="http://schemas.openxmlformats.org/presentationml/2006/main">
-  <p:cSld>
-    <p:spTree>
-      <p:nvGrpSpPr>
-        <p:cNvPr id="1" name=""/>
-        <p:cNvGrpSpPr/>
-        <p:nvPr/>
-      </p:nvGrpSpPr>
-      <p:grpSpPr>
-        <a:xfrm>
-          <a:off x="0" y="0"/>
-          <a:ext cx="0" cy="0"/>
-          <a:chOff x="0" y="0"/>
-          <a:chExt cx="0" cy="0"/>
-        </a:xfrm>
-      </p:grpSpPr>
-      <p:sp>
-        <p:nvSpPr>
-          <p:cNvPr id="5" name="Text Placeholder 4"/>
-          <p:cNvSpPr>
-            <a:spLocks noGrp="1"/>
-          </p:cNvSpPr>
-          <p:nvPr>
-            <p:ph type="body" sz="quarter" idx="10"/>
-          </p:nvPr>
-        </p:nvSpPr>
-        <p:spPr>
-          <a:xfrm>
-            <a:off x="274638" y="1212850"/>
-            <a:ext cx="11887200" cy="4838248"/>
-          </a:xfrm>
-        </p:spPr>
-        <p:txBody>
-          <a:bodyPr/>
-          <a:lstStyle/>
-          <a:p>
-            <a:pPr marL="0" indent="0">
-              <a:buNone/>
-            </a:pPr>
-            <a:endParaRPr lang="en-US" sz="2800" dirty="0"/>
-          </a:p>
-          <a:p>
-            <a:pPr marL="0" indent="0">
-              <a:buNone/>
-            </a:pPr>
-            <a:r>
-              <a:rPr lang="en-US" sz="2800" dirty="0"/>
-              <a:t>ANGLE: </a:t>
-            </a:r>
-            <a:r>
-              <a:rPr lang="en-US" sz="2800" dirty="0">
-                <a:hlinkClick r:id="rId2"/>
-              </a:rPr>
-              <a:t>https://github.com/MSOpenTech/angle</a:t>
-            </a:r>
-            <a:r>
-              <a:rPr lang="en-US" sz="2800" dirty="0"/>
-              <a:t> </a:t>
-            </a:r>
-          </a:p>
-          <a:p>
-            <a:pPr marL="0" indent="0">
-              <a:buNone/>
-            </a:pPr>
-            <a:endParaRPr lang="en-US" sz="2800" dirty="0"/>
-          </a:p>
-          <a:p>
-            <a:pPr marL="0" indent="0">
-              <a:buNone/>
-            </a:pPr>
-            <a:r>
-              <a:rPr lang="en-US" sz="2800" dirty="0"/>
-              <a:t>Wiki: 	</a:t>
-            </a:r>
-            <a:r>
-              <a:rPr lang="en-US" sz="2800" dirty="0">
-                <a:hlinkClick r:id="rId3"/>
-              </a:rPr>
-              <a:t>https://github.com/MSOpenTech/angle/wiki</a:t>
-            </a:r>
-            <a:endParaRPr lang="en-US" sz="2800" dirty="0"/>
-          </a:p>
-          <a:p>
-            <a:pPr marL="0" indent="0">
-              <a:buNone/>
-            </a:pPr>
-            <a:endParaRPr lang="en-US" sz="2800" dirty="0"/>
-          </a:p>
-          <a:p>
-            <a:pPr marL="0" lvl="0" indent="0">
-              <a:buNone/>
-            </a:pPr>
-            <a:r>
-              <a:rPr lang="en-US" sz="2800" dirty="0"/>
-              <a:t>Lab: </a:t>
-            </a:r>
-            <a:r>
-              <a:rPr lang="en-US" sz="2800" dirty="0">
-                <a:hlinkClick r:id="rId4"/>
-              </a:rPr>
-              <a:t>https://github.com/Microsoft-Build-2016/CodeLabs-GameDev-3-ANGLE</a:t>
-            </a:r>
-            <a:endParaRPr lang="en-US" sz="2800" dirty="0"/>
-          </a:p>
-          <a:p>
-            <a:pPr marL="0" lvl="0" indent="0">
-              <a:buNone/>
-            </a:pPr>
-            <a:endParaRPr lang="en-US" sz="2800" dirty="0"/>
-          </a:p>
-          <a:p>
-            <a:pPr marL="0" lvl="0" indent="0">
-              <a:buNone/>
-            </a:pPr>
-            <a:r>
-              <a:rPr lang="en-US" sz="2800" dirty="0"/>
-              <a:t>Breakout Tutorial: </a:t>
-            </a:r>
-            <a:r>
-              <a:rPr lang="en-US" sz="2800" dirty="0">
-                <a:hlinkClick r:id="rId5"/>
-              </a:rPr>
-              <a:t>http://learnopengl.com/#!In-Practice/2D-Game/Breakout</a:t>
-            </a:r>
-            <a:endParaRPr lang="en-US" sz="2800" dirty="0"/>
-          </a:p>
-          <a:p>
-            <a:pPr marL="0" lvl="0" indent="0">
-              <a:buNone/>
-            </a:pPr>
-            <a:endParaRPr lang="en-US" sz="2800" dirty="0"/>
-          </a:p>
-          <a:p>
-            <a:pPr marL="0" lvl="0" indent="0">
-              <a:buNone/>
-            </a:pPr>
-            <a:r>
-              <a:rPr lang="en-US" sz="2800" dirty="0" err="1"/>
-              <a:t>Khronos</a:t>
-            </a:r>
-            <a:r>
-              <a:rPr lang="en-US" sz="2800" dirty="0"/>
-              <a:t>: </a:t>
-            </a:r>
-            <a:r>
-              <a:rPr lang="en-US" sz="2800" dirty="0">
-                <a:hlinkClick r:id="rId6"/>
-              </a:rPr>
-              <a:t>OpenGL ES 2.0</a:t>
-            </a:r>
-            <a:r>
-              <a:rPr lang="en-US" sz="2800" dirty="0"/>
-              <a:t> and </a:t>
-            </a:r>
-            <a:r>
-              <a:rPr lang="en-US" sz="2800" dirty="0">
-                <a:hlinkClick r:id="rId7"/>
-              </a:rPr>
-              <a:t>EGL 1.4</a:t>
-            </a:r>
-            <a:r>
-              <a:rPr lang="en-US" sz="2800" dirty="0"/>
-              <a:t> APIs</a:t>
-            </a:r>
-          </a:p>
-        </p:txBody>
-      </p:sp>
-      <p:sp>
-        <p:nvSpPr>
-          <p:cNvPr id="2" name="Title 1"/>
-          <p:cNvSpPr>
-            <a:spLocks noGrp="1"/>
-          </p:cNvSpPr>
-          <p:nvPr>
-            <p:ph type="title"/>
-          </p:nvPr>
-        </p:nvSpPr>
-        <p:spPr/>
-        <p:txBody>
-          <a:bodyPr/>
-          <a:lstStyle/>
-          <a:p>
-            <a:r>
-              <a:rPr lang="en-US" dirty="0"/>
-              <a:t>For more information:</a:t>
-            </a:r>
-          </a:p>
-        </p:txBody>
-      </p:sp>
-    </p:spTree>
-    <p:extLst>
-      <p:ext uri="{BB962C8B-B14F-4D97-AF65-F5344CB8AC3E}">
-        <p14:creationId xmlns:p14="http://schemas.microsoft.com/office/powerpoint/2010/main" val="4129826664"/>
-      </p:ext>
-    </p:extLst>
-  </p:cSld>
-  <p:clrMapOvr>
-    <a:masterClrMapping/>
-  </p:clrMapOvr>
-  <mc:AlternateContent xmlns:mc="http://schemas.openxmlformats.org/markup-compatibility/2006" xmlns:p14="http://schemas.microsoft.com/office/powerpoint/2010/main">
-    <mc:Choice Requires="p14">
-      <p:transition spd="med" p14:dur="700">
-        <p:fade/>
-      </p:transition>
-    </mc:Choice>
-    <mc:Fallback xmlns="">
-      <p:transition spd="med">
-        <p:fade/>
-      </p:transition>
-    </mc:Fallback>
-  </mc:AlternateContent>
-</p:sld>
-</file>
-
-<file path=ppt/slides/slide2.xml><?xml version="1.0" encoding="utf-8"?>
-<p:sld xmlns:a="http://schemas.openxmlformats.org/drawingml/2006/main" xmlns:r="http://schemas.openxmlformats.org/officeDocument/2006/relationships" xmlns:p="http://schemas.openxmlformats.org/presentationml/2006/main">
-  <p:cSld>
-    <p:spTree>
-      <p:nvGrpSpPr>
-        <p:cNvPr id="1" name=""/>
-        <p:cNvGrpSpPr/>
-        <p:nvPr/>
-      </p:nvGrpSpPr>
-      <p:grpSpPr>
-        <a:xfrm>
-          <a:off x="0" y="0"/>
-          <a:ext cx="0" cy="0"/>
-          <a:chOff x="0" y="0"/>
-          <a:chExt cx="0" cy="0"/>
-        </a:xfrm>
-      </p:grpSpPr>
-      <p:sp>
-        <p:nvSpPr>
-          <p:cNvPr id="4" name="Title 3"/>
-          <p:cNvSpPr>
-            <a:spLocks noGrp="1"/>
-          </p:cNvSpPr>
-          <p:nvPr>
-            <p:ph type="title"/>
-          </p:nvPr>
-        </p:nvSpPr>
-        <p:spPr/>
-        <p:txBody>
-          <a:bodyPr/>
-          <a:lstStyle/>
-          <a:p>
-            <a:r>
-              <a:rPr lang="en-US" b="1" dirty="0"/>
-              <a:t>Porting your OpenGL ES 2.0 Game to Windows 10 using ANGLE</a:t>
-            </a:r>
-          </a:p>
-        </p:txBody>
-      </p:sp>
-      <p:sp>
-        <p:nvSpPr>
-          <p:cNvPr id="5" name="Text Placeholder 4"/>
-          <p:cNvSpPr>
-            <a:spLocks noGrp="1"/>
-          </p:cNvSpPr>
-          <p:nvPr>
-            <p:ph type="body" sz="quarter" idx="12"/>
-          </p:nvPr>
-        </p:nvSpPr>
-        <p:spPr/>
-        <p:txBody>
-          <a:bodyPr/>
-          <a:lstStyle/>
-          <a:p>
-            <a:r>
-              <a:rPr lang="en-US" dirty="0"/>
-              <a:t>Dale Stammen</a:t>
-            </a:r>
-          </a:p>
-          <a:p>
-            <a:r>
-              <a:rPr lang="en-US" dirty="0"/>
-              <a:t>Senior Software Engineer</a:t>
-            </a:r>
-          </a:p>
-        </p:txBody>
-      </p:sp>
-      <p:sp>
-        <p:nvSpPr>
-          <p:cNvPr id="6" name="Text Placeholder 5"/>
-          <p:cNvSpPr>
-            <a:spLocks noGrp="1"/>
-          </p:cNvSpPr>
-          <p:nvPr>
-            <p:ph type="body" sz="quarter" idx="13"/>
-          </p:nvPr>
-        </p:nvSpPr>
-        <p:spPr>
-          <a:xfrm>
-            <a:off x="8504238" y="307621"/>
-            <a:ext cx="3656013" cy="572464"/>
-          </a:xfrm>
-        </p:spPr>
-        <p:txBody>
-          <a:bodyPr/>
-          <a:lstStyle/>
-          <a:p>
-            <a:r>
-              <a:rPr lang="en-US" b="1" dirty="0"/>
-              <a:t>L709</a:t>
-            </a:r>
-            <a:endParaRPr lang="en-US" dirty="0"/>
-          </a:p>
-        </p:txBody>
-      </p:sp>
-    </p:spTree>
-    <p:extLst>
-      <p:ext uri="{BB962C8B-B14F-4D97-AF65-F5344CB8AC3E}">
-        <p14:creationId xmlns:p14="http://schemas.microsoft.com/office/powerpoint/2010/main" val="2666902894"/>
-      </p:ext>
-    </p:extLst>
-  </p:cSld>
-  <p:clrMapOvr>
-    <a:masterClrMapping/>
-  </p:clrMapOvr>
-  <mc:AlternateContent xmlns:mc="http://schemas.openxmlformats.org/markup-compatibility/2006" xmlns:p14="http://schemas.microsoft.com/office/powerpoint/2010/main">
-    <mc:Choice Requires="p14">
-      <p:transition spd="med" p14:dur="700">
-        <p:fade/>
-      </p:transition>
-    </mc:Choice>
-    <mc:Fallback xmlns="">
-      <p:transition spd="med">
-        <p:fade/>
-      </p:transition>
-    </mc:Fallback>
-  </mc:AlternateContent>
-</p:sld>
-</file>
-
-<file path=ppt/slides/slide20.xml><?xml version="1.0" encoding="utf-8"?>
-<p:sld xmlns:a="http://schemas.openxmlformats.org/drawingml/2006/main" xmlns:r="http://schemas.openxmlformats.org/officeDocument/2006/relationships" xmlns:p="http://schemas.openxmlformats.org/presentationml/2006/main">
-  <p:cSld>
-    <p:spTree>
-      <p:nvGrpSpPr>
-        <p:cNvPr id="1" name=""/>
-        <p:cNvGrpSpPr/>
-        <p:nvPr/>
-      </p:nvGrpSpPr>
-      <p:grpSpPr>
-        <a:xfrm>
-          <a:off x="0" y="0"/>
-          <a:ext cx="0" cy="0"/>
-          <a:chOff x="0" y="0"/>
-          <a:chExt cx="0" cy="0"/>
-        </a:xfrm>
-      </p:grpSpPr>
-      <p:sp>
-        <p:nvSpPr>
-          <p:cNvPr id="5" name="Title 4"/>
-          <p:cNvSpPr>
-            <a:spLocks noGrp="1"/>
-          </p:cNvSpPr>
-          <p:nvPr>
-            <p:ph type="title"/>
-          </p:nvPr>
-        </p:nvSpPr>
-        <p:spPr/>
-        <p:txBody>
-          <a:bodyPr/>
-          <a:lstStyle/>
-          <a:p>
-            <a:r>
-              <a:rPr lang="en-US" dirty="0"/>
-              <a:t>Related session</a:t>
-            </a:r>
-          </a:p>
-        </p:txBody>
-      </p:sp>
-      <p:sp>
-        <p:nvSpPr>
-          <p:cNvPr id="6" name="Text Placeholder 5"/>
-          <p:cNvSpPr>
-            <a:spLocks noGrp="1"/>
-          </p:cNvSpPr>
-          <p:nvPr>
-            <p:ph type="body" sz="quarter" idx="10"/>
-          </p:nvPr>
-        </p:nvSpPr>
-        <p:spPr>
-          <a:xfrm>
-            <a:off x="277003" y="1897062"/>
-            <a:ext cx="11887200" cy="1754326"/>
-          </a:xfrm>
-        </p:spPr>
-        <p:txBody>
-          <a:bodyPr anchor="ctr" anchorCtr="0"/>
-          <a:lstStyle/>
-          <a:p>
-            <a:r>
-              <a:rPr lang="en-US" dirty="0"/>
-              <a:t>The Future of Game Development on Windows</a:t>
-            </a:r>
-          </a:p>
-          <a:p>
-            <a:pPr lvl="1"/>
-            <a:r>
-              <a:rPr lang="en-US" b="1" dirty="0"/>
-              <a:t>Date:</a:t>
-            </a:r>
-            <a:r>
-              <a:rPr lang="en-US" dirty="0"/>
-              <a:t> 	Wednesday, March 30</a:t>
-            </a:r>
-          </a:p>
-          <a:p>
-            <a:pPr lvl="1"/>
-            <a:r>
-              <a:rPr lang="en-US" b="1" dirty="0"/>
-              <a:t>Time:</a:t>
-            </a:r>
-            <a:r>
-              <a:rPr lang="en-US" dirty="0"/>
-              <a:t> 	5:00pm – 6:00pm</a:t>
-            </a:r>
-          </a:p>
-          <a:p>
-            <a:pPr lvl="1"/>
-            <a:r>
-              <a:rPr lang="en-US" b="1" dirty="0"/>
-              <a:t>Room: 	</a:t>
-            </a:r>
-            <a:r>
-              <a:rPr lang="en-US" dirty="0"/>
-              <a:t>Marriott 6</a:t>
-            </a:r>
-          </a:p>
-        </p:txBody>
-      </p:sp>
-    </p:spTree>
-    <p:extLst>
-      <p:ext uri="{BB962C8B-B14F-4D97-AF65-F5344CB8AC3E}">
-        <p14:creationId xmlns:p14="http://schemas.microsoft.com/office/powerpoint/2010/main" val="3456915216"/>
-      </p:ext>
-    </p:extLst>
-  </p:cSld>
-  <p:clrMapOvr>
-    <a:masterClrMapping/>
-  </p:clrMapOvr>
-  <p:transition>
-    <p:fade/>
-  </p:transition>
-</p:sld>
-</file>
-
-<file path=ppt/slides/slide21.xml><?xml version="1.0" encoding="utf-8"?>
-<p:sld xmlns:a="http://schemas.openxmlformats.org/drawingml/2006/main" xmlns:r="http://schemas.openxmlformats.org/officeDocument/2006/relationships" xmlns:p="http://schemas.openxmlformats.org/presentationml/2006/main">
-  <p:cSld>
-    <p:spTree>
-      <p:nvGrpSpPr>
-        <p:cNvPr id="1" name=""/>
-        <p:cNvGrpSpPr/>
-        <p:nvPr/>
-      </p:nvGrpSpPr>
-      <p:grpSpPr>
-        <a:xfrm>
-          <a:off x="0" y="0"/>
-          <a:ext cx="0" cy="0"/>
-          <a:chOff x="0" y="0"/>
-          <a:chExt cx="0" cy="0"/>
-        </a:xfrm>
-      </p:grpSpPr>
-      <p:sp>
-        <p:nvSpPr>
-          <p:cNvPr id="71" name="Rectangle 70"/>
-          <p:cNvSpPr/>
-          <p:nvPr/>
-        </p:nvSpPr>
-        <p:spPr bwMode="auto">
-          <a:xfrm>
-            <a:off x="882" y="1547274"/>
-            <a:ext cx="12434711" cy="5298882"/>
-          </a:xfrm>
-          <a:prstGeom prst="rect">
-            <a:avLst/>
-          </a:prstGeom>
-          <a:solidFill>
-            <a:schemeClr val="bg1"/>
-          </a:solidFill>
-          <a:ln>
-            <a:noFill/>
-            <a:headEnd type="none" w="med" len="med"/>
-            <a:tailEnd type="none" w="med" len="med"/>
-          </a:ln>
-        </p:spPr>
-        <p:style>
-          <a:lnRef idx="2">
-            <a:schemeClr val="accent1">
-              <a:shade val="50000"/>
-            </a:schemeClr>
-          </a:lnRef>
-          <a:fillRef idx="1">
-            <a:schemeClr val="accent1"/>
-          </a:fillRef>
-          <a:effectRef idx="0">
-            <a:schemeClr val="accent1"/>
-          </a:effectRef>
-          <a:fontRef idx="minor">
-            <a:schemeClr val="lt1"/>
-          </a:fontRef>
-        </p:style>
-        <p:txBody>
-          <a:bodyPr vert="horz" wrap="square" lIns="0" tIns="47565" rIns="0" bIns="47565" numCol="1" rtlCol="0" anchor="ctr" anchorCtr="0" compatLnSpc="1">
-            <a:prstTxWarp prst="textNoShape">
-              <a:avLst/>
-            </a:prstTxWarp>
-          </a:bodyPr>
-          <a:lstStyle/>
-          <a:p>
-            <a:pPr algn="ctr" defTabSz="951028" fontAlgn="base">
-              <a:spcBef>
-                <a:spcPct val="0"/>
-              </a:spcBef>
-              <a:spcAft>
-                <a:spcPct val="0"/>
-              </a:spcAft>
-              <a:defRPr/>
-            </a:pPr>
-            <a:endParaRPr lang="en-US" sz="2040" dirty="0">
-              <a:gradFill>
-                <a:gsLst>
-                  <a:gs pos="0">
-                    <a:srgbClr val="FFFFFF"/>
-                  </a:gs>
-                  <a:gs pos="100000">
-                    <a:srgbClr val="FFFFFF"/>
-                  </a:gs>
-                </a:gsLst>
-                <a:lin ang="5400000" scaled="0"/>
-              </a:gradFill>
-              <a:latin typeface="Segoe UI"/>
-            </a:endParaRPr>
-          </a:p>
-        </p:txBody>
-      </p:sp>
-      <p:sp>
-        <p:nvSpPr>
-          <p:cNvPr id="2" name="Title 1"/>
-          <p:cNvSpPr>
-            <a:spLocks noGrp="1"/>
-          </p:cNvSpPr>
-          <p:nvPr>
-            <p:ph type="title"/>
-          </p:nvPr>
-        </p:nvSpPr>
-        <p:spPr/>
-        <p:txBody>
-          <a:bodyPr/>
-          <a:lstStyle/>
-          <a:p>
-            <a:r>
-              <a:rPr lang="en-US" dirty="0"/>
-              <a:t>Build Game Labs</a:t>
-            </a:r>
-          </a:p>
-        </p:txBody>
-      </p:sp>
-      <p:sp>
-        <p:nvSpPr>
-          <p:cNvPr id="5" name="Text Placeholder 6"/>
-          <p:cNvSpPr txBox="1">
-            <a:spLocks/>
-          </p:cNvSpPr>
-          <p:nvPr/>
-        </p:nvSpPr>
-        <p:spPr>
-          <a:xfrm>
-            <a:off x="365760" y="1792347"/>
-            <a:ext cx="11704320" cy="4524315"/>
-          </a:xfrm>
-          <a:prstGeom prst="rect">
-            <a:avLst/>
-          </a:prstGeom>
-        </p:spPr>
-        <p:txBody>
-          <a:bodyPr/>
-          <a:lstStyle>
-            <a:lvl1pPr marL="342834" marR="0" indent="-342834" algn="l" defTabSz="932563" rtl="0" eaLnBrk="1" fontAlgn="auto" latinLnBrk="0" hangingPunct="1">
-              <a:lnSpc>
-                <a:spcPct val="90000"/>
-              </a:lnSpc>
-              <a:spcBef>
-                <a:spcPct val="20000"/>
-              </a:spcBef>
-              <a:spcAft>
-                <a:spcPts val="0"/>
-              </a:spcAft>
-              <a:buClrTx/>
-              <a:buSzPct val="90000"/>
-              <a:buFont typeface="Arial" pitchFamily="34" charset="0"/>
-              <a:buChar char="•"/>
-              <a:tabLst/>
-              <a:defRPr sz="3999" kern="1200" spc="0" baseline="0">
-                <a:gradFill>
-                  <a:gsLst>
-                    <a:gs pos="1250">
-                      <a:schemeClr val="tx1"/>
-                    </a:gs>
-                    <a:gs pos="100000">
-                      <a:schemeClr val="tx1"/>
-                    </a:gs>
-                  </a:gsLst>
-                  <a:lin ang="5400000" scaled="0"/>
-                </a:gradFill>
-                <a:latin typeface="+mj-lt"/>
-                <a:ea typeface="+mn-ea"/>
-                <a:cs typeface="+mn-cs"/>
-              </a:defRPr>
-            </a:lvl1pPr>
-            <a:lvl2pPr marL="584088" marR="0" indent="-241253" algn="l" defTabSz="932563" rtl="0" eaLnBrk="1" fontAlgn="auto" latinLnBrk="0" hangingPunct="1">
-              <a:lnSpc>
-                <a:spcPct val="90000"/>
-              </a:lnSpc>
-              <a:spcBef>
-                <a:spcPct val="20000"/>
-              </a:spcBef>
-              <a:spcAft>
-                <a:spcPts val="0"/>
-              </a:spcAft>
-              <a:buClrTx/>
-              <a:buSzPct val="90000"/>
-              <a:buFont typeface="Arial" pitchFamily="34" charset="0"/>
-              <a:buChar char="•"/>
-              <a:tabLst/>
-              <a:defRPr sz="2400" kern="1200" spc="0" baseline="0">
-                <a:gradFill>
-                  <a:gsLst>
-                    <a:gs pos="1250">
-                      <a:schemeClr val="tx1"/>
-                    </a:gs>
-                    <a:gs pos="100000">
-                      <a:schemeClr val="tx1"/>
-                    </a:gs>
-                  </a:gsLst>
-                  <a:lin ang="5400000" scaled="0"/>
-                </a:gradFill>
-                <a:latin typeface="+mn-lt"/>
-                <a:ea typeface="+mn-ea"/>
-                <a:cs typeface="+mn-cs"/>
-              </a:defRPr>
-            </a:lvl2pPr>
-            <a:lvl3pPr marL="799946" marR="0" indent="-228557" algn="l" defTabSz="932563" rtl="0" eaLnBrk="1" fontAlgn="auto" latinLnBrk="0" hangingPunct="1">
-              <a:lnSpc>
-                <a:spcPct val="90000"/>
-              </a:lnSpc>
-              <a:spcBef>
-                <a:spcPct val="20000"/>
-              </a:spcBef>
-              <a:spcAft>
-                <a:spcPts val="0"/>
-              </a:spcAft>
-              <a:buClrTx/>
-              <a:buSzPct val="90000"/>
-              <a:buFont typeface="Arial" pitchFamily="34" charset="0"/>
-              <a:buChar char="•"/>
-              <a:tabLst/>
-              <a:defRPr sz="2000" kern="1200" spc="0" baseline="0">
-                <a:gradFill>
-                  <a:gsLst>
-                    <a:gs pos="1250">
-                      <a:schemeClr val="tx1"/>
-                    </a:gs>
-                    <a:gs pos="100000">
-                      <a:schemeClr val="tx1"/>
-                    </a:gs>
-                  </a:gsLst>
-                  <a:lin ang="5400000" scaled="0"/>
-                </a:gradFill>
-                <a:latin typeface="+mn-lt"/>
-                <a:ea typeface="+mn-ea"/>
-                <a:cs typeface="+mn-cs"/>
-              </a:defRPr>
-            </a:lvl3pPr>
-            <a:lvl4pPr marL="1028503" marR="0" indent="-228557" algn="l" defTabSz="932563" rtl="0" eaLnBrk="1" fontAlgn="auto" latinLnBrk="0" hangingPunct="1">
-              <a:lnSpc>
-                <a:spcPct val="90000"/>
-              </a:lnSpc>
-              <a:spcBef>
-                <a:spcPct val="20000"/>
-              </a:spcBef>
-              <a:spcAft>
-                <a:spcPts val="0"/>
-              </a:spcAft>
-              <a:buClrTx/>
-              <a:buSzPct val="90000"/>
-              <a:buFont typeface="Arial" pitchFamily="34" charset="0"/>
-              <a:buChar char="•"/>
-              <a:tabLst/>
-              <a:defRPr sz="1800" kern="1200" spc="0" baseline="0">
-                <a:gradFill>
-                  <a:gsLst>
-                    <a:gs pos="1250">
-                      <a:schemeClr val="tx1"/>
-                    </a:gs>
-                    <a:gs pos="100000">
-                      <a:schemeClr val="tx1"/>
-                    </a:gs>
-                  </a:gsLst>
-                  <a:lin ang="5400000" scaled="0"/>
-                </a:gradFill>
-                <a:latin typeface="+mn-lt"/>
-                <a:ea typeface="+mn-ea"/>
-                <a:cs typeface="+mn-cs"/>
-              </a:defRPr>
-            </a:lvl4pPr>
-            <a:lvl5pPr marL="1257058" marR="0" indent="-228557" algn="l" defTabSz="932563" rtl="0" eaLnBrk="1" fontAlgn="auto" latinLnBrk="0" hangingPunct="1">
-              <a:lnSpc>
-                <a:spcPct val="90000"/>
-              </a:lnSpc>
-              <a:spcBef>
-                <a:spcPct val="20000"/>
-              </a:spcBef>
-              <a:spcAft>
-                <a:spcPts val="0"/>
-              </a:spcAft>
-              <a:buClrTx/>
-              <a:buSzPct val="90000"/>
-              <a:buFont typeface="Arial" pitchFamily="34" charset="0"/>
-              <a:buChar char="•"/>
-              <a:tabLst/>
-              <a:defRPr sz="1800" kern="1200" spc="0" baseline="0">
-                <a:gradFill>
-                  <a:gsLst>
-                    <a:gs pos="1250">
-                      <a:schemeClr val="tx1"/>
-                    </a:gs>
-                    <a:gs pos="100000">
-                      <a:schemeClr val="tx1"/>
-                    </a:gs>
-                  </a:gsLst>
-                  <a:lin ang="5400000" scaled="0"/>
-                </a:gradFill>
-                <a:latin typeface="+mn-lt"/>
-                <a:ea typeface="+mn-ea"/>
-                <a:cs typeface="+mn-cs"/>
-              </a:defRPr>
-            </a:lvl5pPr>
-            <a:lvl6pPr marL="2564548" indent="-233141" algn="l" defTabSz="932563" rtl="0" eaLnBrk="1" latinLnBrk="0" hangingPunct="1">
-              <a:spcBef>
-                <a:spcPct val="20000"/>
-              </a:spcBef>
-              <a:buFont typeface="Arial" pitchFamily="34" charset="0"/>
-              <a:buChar char="•"/>
-              <a:defRPr sz="2000" kern="1200">
-                <a:solidFill>
-                  <a:schemeClr val="tx1"/>
-                </a:solidFill>
-                <a:latin typeface="+mn-lt"/>
-                <a:ea typeface="+mn-ea"/>
-                <a:cs typeface="+mn-cs"/>
-              </a:defRPr>
-            </a:lvl6pPr>
-            <a:lvl7pPr marL="3030830" indent="-233141" algn="l" defTabSz="932563" rtl="0" eaLnBrk="1" latinLnBrk="0" hangingPunct="1">
-              <a:spcBef>
-                <a:spcPct val="20000"/>
-              </a:spcBef>
-              <a:buFont typeface="Arial" pitchFamily="34" charset="0"/>
-              <a:buChar char="•"/>
-              <a:defRPr sz="2000" kern="1200">
-                <a:solidFill>
-                  <a:schemeClr val="tx1"/>
-                </a:solidFill>
-                <a:latin typeface="+mn-lt"/>
-                <a:ea typeface="+mn-ea"/>
-                <a:cs typeface="+mn-cs"/>
-              </a:defRPr>
-            </a:lvl7pPr>
-            <a:lvl8pPr marL="3497112" indent="-233141" algn="l" defTabSz="932563" rtl="0" eaLnBrk="1" latinLnBrk="0" hangingPunct="1">
-              <a:spcBef>
-                <a:spcPct val="20000"/>
-              </a:spcBef>
-              <a:buFont typeface="Arial" pitchFamily="34" charset="0"/>
-              <a:buChar char="•"/>
-              <a:defRPr sz="2000" kern="1200">
-                <a:solidFill>
-                  <a:schemeClr val="tx1"/>
-                </a:solidFill>
-                <a:latin typeface="+mn-lt"/>
-                <a:ea typeface="+mn-ea"/>
-                <a:cs typeface="+mn-cs"/>
-              </a:defRPr>
-            </a:lvl8pPr>
-            <a:lvl9pPr marL="3963394" indent="-233141" algn="l" defTabSz="932563" rtl="0" eaLnBrk="1" latinLnBrk="0" hangingPunct="1">
-              <a:spcBef>
-                <a:spcPct val="20000"/>
-              </a:spcBef>
-              <a:buFont typeface="Arial" pitchFamily="34" charset="0"/>
-              <a:buChar char="•"/>
-              <a:defRPr sz="2000" kern="1200">
-                <a:solidFill>
-                  <a:schemeClr val="tx1"/>
-                </a:solidFill>
-                <a:latin typeface="+mn-lt"/>
-                <a:ea typeface="+mn-ea"/>
-                <a:cs typeface="+mn-cs"/>
-              </a:defRPr>
-            </a:lvl9pPr>
-          </a:lstStyle>
-          <a:p>
-            <a:pPr marL="0" indent="0">
-              <a:buNone/>
-            </a:pPr>
-            <a:r>
-              <a:rPr lang="en-US" sz="3200" dirty="0"/>
-              <a:t> </a:t>
-            </a:r>
-          </a:p>
-        </p:txBody>
-      </p:sp>
-      <p:sp>
-        <p:nvSpPr>
-          <p:cNvPr id="6" name="Text Placeholder 6"/>
-          <p:cNvSpPr txBox="1">
-            <a:spLocks/>
-          </p:cNvSpPr>
-          <p:nvPr/>
-        </p:nvSpPr>
-        <p:spPr>
-          <a:xfrm>
-            <a:off x="518160" y="1944747"/>
-            <a:ext cx="11704320" cy="4524315"/>
-          </a:xfrm>
-          <a:prstGeom prst="rect">
-            <a:avLst/>
-          </a:prstGeom>
-        </p:spPr>
-        <p:txBody>
-          <a:bodyPr/>
-          <a:lstStyle>
-            <a:lvl1pPr marL="342834" marR="0" indent="-342834" algn="l" defTabSz="932563" rtl="0" eaLnBrk="1" fontAlgn="auto" latinLnBrk="0" hangingPunct="1">
-              <a:lnSpc>
-                <a:spcPct val="90000"/>
-              </a:lnSpc>
-              <a:spcBef>
-                <a:spcPct val="20000"/>
-              </a:spcBef>
-              <a:spcAft>
-                <a:spcPts val="0"/>
-              </a:spcAft>
-              <a:buClrTx/>
-              <a:buSzPct val="90000"/>
-              <a:buFont typeface="Arial" pitchFamily="34" charset="0"/>
-              <a:buChar char="•"/>
-              <a:tabLst/>
-              <a:defRPr sz="3999" kern="1200" spc="0" baseline="0">
-                <a:gradFill>
-                  <a:gsLst>
-                    <a:gs pos="1250">
-                      <a:schemeClr val="tx1"/>
-                    </a:gs>
-                    <a:gs pos="100000">
-                      <a:schemeClr val="tx1"/>
-                    </a:gs>
-                  </a:gsLst>
-                  <a:lin ang="5400000" scaled="0"/>
-                </a:gradFill>
-                <a:latin typeface="+mj-lt"/>
-                <a:ea typeface="+mn-ea"/>
-                <a:cs typeface="+mn-cs"/>
-              </a:defRPr>
-            </a:lvl1pPr>
-            <a:lvl2pPr marL="584088" marR="0" indent="-241253" algn="l" defTabSz="932563" rtl="0" eaLnBrk="1" fontAlgn="auto" latinLnBrk="0" hangingPunct="1">
-              <a:lnSpc>
-                <a:spcPct val="90000"/>
-              </a:lnSpc>
-              <a:spcBef>
-                <a:spcPct val="20000"/>
-              </a:spcBef>
-              <a:spcAft>
-                <a:spcPts val="0"/>
-              </a:spcAft>
-              <a:buClrTx/>
-              <a:buSzPct val="90000"/>
-              <a:buFont typeface="Arial" pitchFamily="34" charset="0"/>
-              <a:buChar char="•"/>
-              <a:tabLst/>
-              <a:defRPr sz="2400" kern="1200" spc="0" baseline="0">
-                <a:gradFill>
-                  <a:gsLst>
-                    <a:gs pos="1250">
-                      <a:schemeClr val="tx1"/>
-                    </a:gs>
-                    <a:gs pos="100000">
-                      <a:schemeClr val="tx1"/>
-                    </a:gs>
-                  </a:gsLst>
-                  <a:lin ang="5400000" scaled="0"/>
-                </a:gradFill>
-                <a:latin typeface="+mn-lt"/>
-                <a:ea typeface="+mn-ea"/>
-                <a:cs typeface="+mn-cs"/>
-              </a:defRPr>
-            </a:lvl2pPr>
-            <a:lvl3pPr marL="799946" marR="0" indent="-228557" algn="l" defTabSz="932563" rtl="0" eaLnBrk="1" fontAlgn="auto" latinLnBrk="0" hangingPunct="1">
-              <a:lnSpc>
-                <a:spcPct val="90000"/>
-              </a:lnSpc>
-              <a:spcBef>
-                <a:spcPct val="20000"/>
-              </a:spcBef>
-              <a:spcAft>
-                <a:spcPts val="0"/>
-              </a:spcAft>
-              <a:buClrTx/>
-              <a:buSzPct val="90000"/>
-              <a:buFont typeface="Arial" pitchFamily="34" charset="0"/>
-              <a:buChar char="•"/>
-              <a:tabLst/>
-              <a:defRPr sz="2000" kern="1200" spc="0" baseline="0">
-                <a:gradFill>
-                  <a:gsLst>
-                    <a:gs pos="1250">
-                      <a:schemeClr val="tx1"/>
-                    </a:gs>
-                    <a:gs pos="100000">
-                      <a:schemeClr val="tx1"/>
-                    </a:gs>
-                  </a:gsLst>
-                  <a:lin ang="5400000" scaled="0"/>
-                </a:gradFill>
-                <a:latin typeface="+mn-lt"/>
-                <a:ea typeface="+mn-ea"/>
-                <a:cs typeface="+mn-cs"/>
-              </a:defRPr>
-            </a:lvl3pPr>
-            <a:lvl4pPr marL="1028503" marR="0" indent="-228557" algn="l" defTabSz="932563" rtl="0" eaLnBrk="1" fontAlgn="auto" latinLnBrk="0" hangingPunct="1">
-              <a:lnSpc>
-                <a:spcPct val="90000"/>
-              </a:lnSpc>
-              <a:spcBef>
-                <a:spcPct val="20000"/>
-              </a:spcBef>
-              <a:spcAft>
-                <a:spcPts val="0"/>
-              </a:spcAft>
-              <a:buClrTx/>
-              <a:buSzPct val="90000"/>
-              <a:buFont typeface="Arial" pitchFamily="34" charset="0"/>
-              <a:buChar char="•"/>
-              <a:tabLst/>
-              <a:defRPr sz="1800" kern="1200" spc="0" baseline="0">
-                <a:gradFill>
-                  <a:gsLst>
-                    <a:gs pos="1250">
-                      <a:schemeClr val="tx1"/>
-                    </a:gs>
-                    <a:gs pos="100000">
-                      <a:schemeClr val="tx1"/>
-                    </a:gs>
-                  </a:gsLst>
-                  <a:lin ang="5400000" scaled="0"/>
-                </a:gradFill>
-                <a:latin typeface="+mn-lt"/>
-                <a:ea typeface="+mn-ea"/>
-                <a:cs typeface="+mn-cs"/>
-              </a:defRPr>
-            </a:lvl4pPr>
-            <a:lvl5pPr marL="1257058" marR="0" indent="-228557" algn="l" defTabSz="932563" rtl="0" eaLnBrk="1" fontAlgn="auto" latinLnBrk="0" hangingPunct="1">
-              <a:lnSpc>
-                <a:spcPct val="90000"/>
-              </a:lnSpc>
-              <a:spcBef>
-                <a:spcPct val="20000"/>
-              </a:spcBef>
-              <a:spcAft>
-                <a:spcPts val="0"/>
-              </a:spcAft>
-              <a:buClrTx/>
-              <a:buSzPct val="90000"/>
-              <a:buFont typeface="Arial" pitchFamily="34" charset="0"/>
-              <a:buChar char="•"/>
-              <a:tabLst/>
-              <a:defRPr sz="1800" kern="1200" spc="0" baseline="0">
-                <a:gradFill>
-                  <a:gsLst>
-                    <a:gs pos="1250">
-                      <a:schemeClr val="tx1"/>
-                    </a:gs>
-                    <a:gs pos="100000">
-                      <a:schemeClr val="tx1"/>
-                    </a:gs>
-                  </a:gsLst>
-                  <a:lin ang="5400000" scaled="0"/>
-                </a:gradFill>
-                <a:latin typeface="+mn-lt"/>
-                <a:ea typeface="+mn-ea"/>
-                <a:cs typeface="+mn-cs"/>
-              </a:defRPr>
-            </a:lvl5pPr>
-            <a:lvl6pPr marL="2564548" indent="-233141" algn="l" defTabSz="932563" rtl="0" eaLnBrk="1" latinLnBrk="0" hangingPunct="1">
-              <a:spcBef>
-                <a:spcPct val="20000"/>
-              </a:spcBef>
-              <a:buFont typeface="Arial" pitchFamily="34" charset="0"/>
-              <a:buChar char="•"/>
-              <a:defRPr sz="2000" kern="1200">
-                <a:solidFill>
-                  <a:schemeClr val="tx1"/>
-                </a:solidFill>
-                <a:latin typeface="+mn-lt"/>
-                <a:ea typeface="+mn-ea"/>
-                <a:cs typeface="+mn-cs"/>
-              </a:defRPr>
-            </a:lvl6pPr>
-            <a:lvl7pPr marL="3030830" indent="-233141" algn="l" defTabSz="932563" rtl="0" eaLnBrk="1" latinLnBrk="0" hangingPunct="1">
-              <a:spcBef>
-                <a:spcPct val="20000"/>
-              </a:spcBef>
-              <a:buFont typeface="Arial" pitchFamily="34" charset="0"/>
-              <a:buChar char="•"/>
-              <a:defRPr sz="2000" kern="1200">
-                <a:solidFill>
-                  <a:schemeClr val="tx1"/>
-                </a:solidFill>
-                <a:latin typeface="+mn-lt"/>
-                <a:ea typeface="+mn-ea"/>
-                <a:cs typeface="+mn-cs"/>
-              </a:defRPr>
-            </a:lvl7pPr>
-            <a:lvl8pPr marL="3497112" indent="-233141" algn="l" defTabSz="932563" rtl="0" eaLnBrk="1" latinLnBrk="0" hangingPunct="1">
-              <a:spcBef>
-                <a:spcPct val="20000"/>
-              </a:spcBef>
-              <a:buFont typeface="Arial" pitchFamily="34" charset="0"/>
-              <a:buChar char="•"/>
-              <a:defRPr sz="2000" kern="1200">
-                <a:solidFill>
-                  <a:schemeClr val="tx1"/>
-                </a:solidFill>
-                <a:latin typeface="+mn-lt"/>
-                <a:ea typeface="+mn-ea"/>
-                <a:cs typeface="+mn-cs"/>
-              </a:defRPr>
-            </a:lvl8pPr>
-            <a:lvl9pPr marL="3963394" indent="-233141" algn="l" defTabSz="932563" rtl="0" eaLnBrk="1" latinLnBrk="0" hangingPunct="1">
-              <a:spcBef>
-                <a:spcPct val="20000"/>
-              </a:spcBef>
-              <a:buFont typeface="Arial" pitchFamily="34" charset="0"/>
-              <a:buChar char="•"/>
-              <a:defRPr sz="2000" kern="1200">
-                <a:solidFill>
-                  <a:schemeClr val="tx1"/>
-                </a:solidFill>
-                <a:latin typeface="+mn-lt"/>
-                <a:ea typeface="+mn-ea"/>
-                <a:cs typeface="+mn-cs"/>
-              </a:defRPr>
-            </a:lvl9pPr>
-          </a:lstStyle>
-          <a:p>
-            <a:pPr marL="0" indent="0">
-              <a:buNone/>
-            </a:pPr>
-            <a:endParaRPr lang="en-US" sz="3200" dirty="0"/>
-          </a:p>
-        </p:txBody>
-      </p:sp>
-      <p:sp>
-        <p:nvSpPr>
           <p:cNvPr id="8" name="Rectangle 7"/>
           <p:cNvSpPr/>
           <p:nvPr/>
@@ -26499,7 +26313,7 @@
 </p:sld>
 </file>
 
-<file path=ppt/slides/slide22.xml><?xml version="1.0" encoding="utf-8"?>
+<file path=ppt/slides/slide21.xml><?xml version="1.0" encoding="utf-8"?>
 <p:sld xmlns:a="http://schemas.openxmlformats.org/drawingml/2006/main" xmlns:r="http://schemas.openxmlformats.org/officeDocument/2006/relationships" xmlns:p="http://schemas.openxmlformats.org/presentationml/2006/main">
   <p:cSld>
     <p:spTree>
@@ -27091,7 +26905,7 @@
 </p:sld>
 </file>
 
-<file path=ppt/slides/slide23.xml><?xml version="1.0" encoding="utf-8"?>
+<file path=ppt/slides/slide22.xml><?xml version="1.0" encoding="utf-8"?>
 <p:sld xmlns:a="http://schemas.openxmlformats.org/drawingml/2006/main" xmlns:r="http://schemas.openxmlformats.org/officeDocument/2006/relationships" xmlns:p="http://schemas.openxmlformats.org/presentationml/2006/main">
   <p:cSld>
     <p:spTree>
@@ -27442,7 +27256,7 @@
 </p:sld>
 </file>
 
-<file path=ppt/slides/slide24.xml><?xml version="1.0" encoding="utf-8"?>
+<file path=ppt/slides/slide23.xml><?xml version="1.0" encoding="utf-8"?>
 <p:sld xmlns:a="http://schemas.openxmlformats.org/drawingml/2006/main" xmlns:r="http://schemas.openxmlformats.org/officeDocument/2006/relationships" xmlns:p="http://schemas.openxmlformats.org/presentationml/2006/main">
   <p:cSld>
     <p:spTree>

--- a/Presentation.pptx
+++ b/Presentation.pptx
@@ -27846,7 +27846,7 @@
         <p:spPr>
           <a:xfrm>
             <a:off x="274638" y="1212850"/>
-            <a:ext cx="11887200" cy="3385542"/>
+            <a:ext cx="11887200" cy="4062651"/>
           </a:xfrm>
         </p:spPr>
         <p:txBody>
@@ -27915,6 +27915,15 @@
               <a:rPr lang="en-US" dirty="0"/>
               <a:t>Microsoft has contributed code to enable Windows 8.1 and 10 UWP apps to run OpenGL ES 2.0 content. </a:t>
             </a:r>
+          </a:p>
+          <a:p>
+            <a:pPr lvl="1"/>
+            <a:endParaRPr lang="en-US" dirty="0">
+              <a:hlinkClick r:id="rId3"/>
+            </a:endParaRPr>
+          </a:p>
+          <a:p>
+            <a:pPr lvl="1"/>
             <a:r>
               <a:rPr lang="en-US" dirty="0">
                 <a:hlinkClick r:id="rId3"/>

--- a/Presentation.pptx
+++ b/Presentation.pptx
@@ -6,10 +6,10 @@
     <p:sldMasterId id="2147484310" r:id="rId5"/>
   </p:sldMasterIdLst>
   <p:notesMasterIdLst>
-    <p:notesMasterId r:id="rId29"/>
+    <p:notesMasterId r:id="rId27"/>
   </p:notesMasterIdLst>
   <p:handoutMasterIdLst>
-    <p:handoutMasterId r:id="rId30"/>
+    <p:handoutMasterId r:id="rId28"/>
   </p:handoutMasterIdLst>
   <p:sldIdLst>
     <p:sldId id="1444" r:id="rId6"/>
@@ -30,11 +30,9 @@
     <p:sldId id="1476" r:id="rId21"/>
     <p:sldId id="1477" r:id="rId22"/>
     <p:sldId id="1462" r:id="rId23"/>
-    <p:sldId id="1469" r:id="rId24"/>
-    <p:sldId id="1472" r:id="rId25"/>
-    <p:sldId id="1463" r:id="rId26"/>
-    <p:sldId id="1464" r:id="rId27"/>
-    <p:sldId id="1466" r:id="rId28"/>
+    <p:sldId id="1472" r:id="rId24"/>
+    <p:sldId id="1464" r:id="rId25"/>
+    <p:sldId id="1466" r:id="rId26"/>
   </p:sldIdLst>
   <p:sldSz cx="12436475" cy="6994525"/>
   <p:notesSz cx="6858000" cy="9144000"/>
@@ -265,7 +263,7 @@
               <a:rPr lang="en-US" smtClean="0">
                 <a:latin typeface="Segoe UI" pitchFamily="34" charset="0"/>
               </a:rPr>
-              <a:t>3/29/2016 5:19 PM</a:t>
+              <a:t>3/30/2016 10:51 AM</a:t>
             </a:fld>
             <a:endParaRPr lang="en-US" dirty="0">
               <a:latin typeface="Segoe UI" pitchFamily="34" charset="0"/>
@@ -546,7 +544,7 @@
           <a:p>
             <a:fld id="{38EEC551-8CDA-4EB6-89BB-2A86C9F091C8}" type="datetime8">
               <a:rPr lang="en-US" smtClean="0"/>
-              <a:t>3/29/2016 5:19 PM</a:t>
+              <a:t>3/30/2016 10:51 AM</a:t>
             </a:fld>
             <a:endParaRPr lang="en-US" dirty="0"/>
           </a:p>
@@ -932,7 +930,7 @@
           <a:p>
             <a:fld id="{38EEC551-8CDA-4EB6-89BB-2A86C9F091C8}" type="datetime8">
               <a:rPr lang="en-US" smtClean="0"/>
-              <a:t>3/29/2016 5:19 PM</a:t>
+              <a:t>3/30/2016 10:51 AM</a:t>
             </a:fld>
             <a:endParaRPr lang="en-US" dirty="0"/>
           </a:p>
@@ -1130,7 +1128,7 @@
           <a:p>
             <a:fld id="{38EEC551-8CDA-4EB6-89BB-2A86C9F091C8}" type="datetime8">
               <a:rPr lang="en-US" smtClean="0"/>
-              <a:t>3/29/2016 5:21 PM</a:t>
+              <a:t>3/30/2016 10:51 AM</a:t>
             </a:fld>
             <a:endParaRPr lang="en-US" dirty="0"/>
           </a:p>
@@ -2077,7 +2075,7 @@
                 <a:tabLst/>
                 <a:defRPr/>
               </a:pPr>
-              <a:t>20</a:t>
+              <a:t>19</a:t>
             </a:fld>
             <a:endParaRPr kumimoji="0" lang="en-US" sz="1200" b="0" i="0" u="none" strike="noStrike" kern="1200" cap="none" spc="0" normalizeH="0" baseline="0" noProof="0">
               <a:ln>
@@ -2153,17 +2151,70 @@
           <a:bodyPr/>
           <a:lstStyle/>
           <a:p>
-            <a:endParaRPr lang="en-US" dirty="0"/>
-          </a:p>
-          <a:p>
-            <a:r>
-              <a:rPr lang="en-US" dirty="0"/>
-              <a:t>Update phone image</a:t>
-            </a:r>
-            <a:r>
-              <a:rPr lang="en-US" baseline="0" dirty="0"/>
-              <a:t> to a Microsoft phone.</a:t>
-            </a:r>
+            <a:pPr marL="0" marR="0" indent="0" algn="l" defTabSz="932742" rtl="0" eaLnBrk="1" fontAlgn="auto" latinLnBrk="0" hangingPunct="1">
+              <a:lnSpc>
+                <a:spcPct val="90000"/>
+              </a:lnSpc>
+              <a:spcBef>
+                <a:spcPts val="0"/>
+              </a:spcBef>
+              <a:spcAft>
+                <a:spcPts val="340"/>
+              </a:spcAft>
+              <a:buClrTx/>
+              <a:buSzTx/>
+              <a:buFontTx/>
+              <a:buNone/>
+              <a:tabLst/>
+              <a:defRPr/>
+            </a:pPr>
+            <a:r>
+              <a:rPr lang="en-US" b="1" dirty="0">
+                <a:latin typeface="Segoe"/>
+              </a:rPr>
+              <a:t>Speakers: </a:t>
+            </a:r>
+            <a:r>
+              <a:rPr lang="en-US" dirty="0">
+                <a:latin typeface="Segoe"/>
+              </a:rPr>
+              <a:t>Please note this slide will be updated with your session’s QR code during the scrub process which</a:t>
+            </a:r>
+            <a:r>
+              <a:rPr lang="en-US" baseline="0" dirty="0">
+                <a:latin typeface="Segoe"/>
+              </a:rPr>
+              <a:t> is </a:t>
+            </a:r>
+            <a:r>
+              <a:rPr lang="en-US" dirty="0">
+                <a:latin typeface="Segoe"/>
+              </a:rPr>
+              <a:t>outlined</a:t>
+            </a:r>
+            <a:r>
+              <a:rPr lang="en-US" baseline="0" dirty="0">
+                <a:latin typeface="Segoe"/>
+              </a:rPr>
+              <a:t> on side 3. Attendees can scan the QR code for access to your session’s </a:t>
+            </a:r>
+            <a:r>
+              <a:rPr lang="en-US" baseline="0" dirty="0" err="1">
+                <a:latin typeface="Segoe"/>
+              </a:rPr>
+              <a:t>eval</a:t>
+            </a:r>
+            <a:r>
+              <a:rPr lang="en-US" baseline="0" dirty="0">
+                <a:latin typeface="Segoe"/>
+              </a:rPr>
+              <a:t>.</a:t>
+            </a:r>
+            <a:endParaRPr lang="en-US" dirty="0">
+              <a:latin typeface="Segoe"/>
+            </a:endParaRPr>
+          </a:p>
+          <a:p>
             <a:endParaRPr lang="en-US" dirty="0"/>
           </a:p>
         </p:txBody>
@@ -2223,7 +2274,7 @@
           <a:p>
             <a:fld id="{E74353ED-ACB2-44BF-A903-985B0AF962B7}" type="datetime1">
               <a:rPr lang="en-US" smtClean="0"/>
-              <a:t>3/29/2016</a:t>
+              <a:t>3/30/2016</a:t>
             </a:fld>
             <a:endParaRPr lang="en-US" dirty="0"/>
           </a:p>
@@ -2247,7 +2298,7 @@
             <a:fld id="{B4008EB6-D09E-4580-8CD6-DDB14511944F}" type="slidenum">
               <a:rPr lang="en-US" smtClean="0"/>
               <a:pPr/>
-              <a:t>21</a:t>
+              <a:t>20</a:t>
             </a:fld>
             <a:endParaRPr lang="en-US" dirty="0"/>
           </a:p>
@@ -2256,7 +2307,7 @@
     </p:spTree>
     <p:extLst>
       <p:ext uri="{BB962C8B-B14F-4D97-AF65-F5344CB8AC3E}">
-        <p14:creationId xmlns:p14="http://schemas.microsoft.com/office/powerpoint/2010/main" val="641260672"/>
+        <p14:creationId xmlns:p14="http://schemas.microsoft.com/office/powerpoint/2010/main" val="2642267037"/>
       </p:ext>
     </p:extLst>
   </p:cSld>
@@ -2310,216 +2361,6 @@
           <a:bodyPr/>
           <a:lstStyle/>
           <a:p>
-            <a:pPr marL="0" marR="0" indent="0" algn="l" defTabSz="932742" rtl="0" eaLnBrk="1" fontAlgn="auto" latinLnBrk="0" hangingPunct="1">
-              <a:lnSpc>
-                <a:spcPct val="90000"/>
-              </a:lnSpc>
-              <a:spcBef>
-                <a:spcPts val="0"/>
-              </a:spcBef>
-              <a:spcAft>
-                <a:spcPts val="340"/>
-              </a:spcAft>
-              <a:buClrTx/>
-              <a:buSzTx/>
-              <a:buFontTx/>
-              <a:buNone/>
-              <a:tabLst/>
-              <a:defRPr/>
-            </a:pPr>
-            <a:r>
-              <a:rPr lang="en-US" b="1" dirty="0">
-                <a:latin typeface="Segoe"/>
-              </a:rPr>
-              <a:t>Speakers: </a:t>
-            </a:r>
-            <a:r>
-              <a:rPr lang="en-US" dirty="0">
-                <a:latin typeface="Segoe"/>
-              </a:rPr>
-              <a:t>Please note this slide will be updated with your session’s QR code during the scrub process which</a:t>
-            </a:r>
-            <a:r>
-              <a:rPr lang="en-US" baseline="0" dirty="0">
-                <a:latin typeface="Segoe"/>
-              </a:rPr>
-              <a:t> is </a:t>
-            </a:r>
-            <a:r>
-              <a:rPr lang="en-US" dirty="0">
-                <a:latin typeface="Segoe"/>
-              </a:rPr>
-              <a:t>outlined</a:t>
-            </a:r>
-            <a:r>
-              <a:rPr lang="en-US" baseline="0" dirty="0">
-                <a:latin typeface="Segoe"/>
-              </a:rPr>
-              <a:t> on side 3. Attendees can scan the QR code for access to your session’s </a:t>
-            </a:r>
-            <a:r>
-              <a:rPr lang="en-US" baseline="0" dirty="0" err="1">
-                <a:latin typeface="Segoe"/>
-              </a:rPr>
-              <a:t>eval</a:t>
-            </a:r>
-            <a:r>
-              <a:rPr lang="en-US" baseline="0" dirty="0">
-                <a:latin typeface="Segoe"/>
-              </a:rPr>
-              <a:t>.</a:t>
-            </a:r>
-            <a:endParaRPr lang="en-US" dirty="0">
-              <a:latin typeface="Segoe"/>
-            </a:endParaRPr>
-          </a:p>
-          <a:p>
-            <a:endParaRPr lang="en-US" dirty="0"/>
-          </a:p>
-        </p:txBody>
-      </p:sp>
-      <p:sp>
-        <p:nvSpPr>
-          <p:cNvPr id="4" name="Footer Placeholder 3"/>
-          <p:cNvSpPr>
-            <a:spLocks noGrp="1"/>
-          </p:cNvSpPr>
-          <p:nvPr>
-            <p:ph type="ftr" sz="quarter" idx="10"/>
-          </p:nvPr>
-        </p:nvSpPr>
-        <p:spPr/>
-        <p:txBody>
-          <a:bodyPr/>
-          <a:lstStyle/>
-          <a:p>
-            <a:pPr defTabSz="914099" eaLnBrk="0" hangingPunct="0"/>
-            <a:r>
-              <a:rPr lang="en-US" sz="400" dirty="0">
-                <a:gradFill>
-                  <a:gsLst>
-                    <a:gs pos="0">
-                      <a:prstClr val="black"/>
-                    </a:gs>
-                    <a:gs pos="100000">
-                      <a:prstClr val="black"/>
-                    </a:gs>
-                  </a:gsLst>
-                  <a:lin ang="5400000" scaled="0"/>
-                </a:gradFill>
-                <a:latin typeface="Segoe UI" pitchFamily="34" charset="0"/>
-                <a:ea typeface="Segoe UI" pitchFamily="34" charset="0"/>
-                <a:cs typeface="Segoe UI" pitchFamily="34" charset="0"/>
-              </a:rPr>
-              <a:t>© 2016 Microsoft Corporation. All rights reserved. Microsoft, Windows, and other product names are or may be registered trademarks and/or trademarks in the U.S. and/or other countries. The information herein is for informational purposes only and represents the current view of Microsoft Corporation as of the date of this presentation.  Because Microsoft must respond to changing market conditions, it should not be interpreted to be a commitment on the part of Microsoft, and Microsoft cannot guarantee the accuracy of any information provided after the date of this presentation.  MICROSOFT MAKES NO WARRANTIES, EXPRESS, IMPLIED OR STATUTORY, AS TO THE INFORMATION IN THIS PRESENTATION.</a:t>
-            </a:r>
-          </a:p>
-        </p:txBody>
-      </p:sp>
-      <p:sp>
-        <p:nvSpPr>
-          <p:cNvPr id="5" name="Date Placeholder 4"/>
-          <p:cNvSpPr>
-            <a:spLocks noGrp="1"/>
-          </p:cNvSpPr>
-          <p:nvPr>
-            <p:ph type="dt" idx="11"/>
-          </p:nvPr>
-        </p:nvSpPr>
-        <p:spPr/>
-        <p:txBody>
-          <a:bodyPr/>
-          <a:lstStyle/>
-          <a:p>
-            <a:fld id="{E74353ED-ACB2-44BF-A903-985B0AF962B7}" type="datetime1">
-              <a:rPr lang="en-US" smtClean="0"/>
-              <a:t>3/29/2016</a:t>
-            </a:fld>
-            <a:endParaRPr lang="en-US" dirty="0"/>
-          </a:p>
-        </p:txBody>
-      </p:sp>
-      <p:sp>
-        <p:nvSpPr>
-          <p:cNvPr id="6" name="Slide Number Placeholder 5"/>
-          <p:cNvSpPr>
-            <a:spLocks noGrp="1"/>
-          </p:cNvSpPr>
-          <p:nvPr>
-            <p:ph type="sldNum" sz="quarter" idx="12"/>
-          </p:nvPr>
-        </p:nvSpPr>
-        <p:spPr/>
-        <p:txBody>
-          <a:bodyPr/>
-          <a:lstStyle/>
-          <a:p>
-            <a:fld id="{B4008EB6-D09E-4580-8CD6-DDB14511944F}" type="slidenum">
-              <a:rPr lang="en-US" smtClean="0"/>
-              <a:pPr/>
-              <a:t>22</a:t>
-            </a:fld>
-            <a:endParaRPr lang="en-US" dirty="0"/>
-          </a:p>
-        </p:txBody>
-      </p:sp>
-    </p:spTree>
-    <p:extLst>
-      <p:ext uri="{BB962C8B-B14F-4D97-AF65-F5344CB8AC3E}">
-        <p14:creationId xmlns:p14="http://schemas.microsoft.com/office/powerpoint/2010/main" val="2642267037"/>
-      </p:ext>
-    </p:extLst>
-  </p:cSld>
-  <p:clrMapOvr>
-    <a:masterClrMapping/>
-  </p:clrMapOvr>
-</p:notes>
-</file>
-
-<file path=ppt/notesSlides/notesSlide19.xml><?xml version="1.0" encoding="utf-8"?>
-<p:notes xmlns:a="http://schemas.openxmlformats.org/drawingml/2006/main" xmlns:r="http://schemas.openxmlformats.org/officeDocument/2006/relationships" xmlns:p="http://schemas.openxmlformats.org/presentationml/2006/main">
-  <p:cSld>
-    <p:spTree>
-      <p:nvGrpSpPr>
-        <p:cNvPr id="1" name=""/>
-        <p:cNvGrpSpPr/>
-        <p:nvPr/>
-      </p:nvGrpSpPr>
-      <p:grpSpPr>
-        <a:xfrm>
-          <a:off x="0" y="0"/>
-          <a:ext cx="0" cy="0"/>
-          <a:chOff x="0" y="0"/>
-          <a:chExt cx="0" cy="0"/>
-        </a:xfrm>
-      </p:grpSpPr>
-      <p:sp>
-        <p:nvSpPr>
-          <p:cNvPr id="2" name="Slide Image Placeholder 1"/>
-          <p:cNvSpPr>
-            <a:spLocks noGrp="1" noRot="1" noChangeAspect="1"/>
-          </p:cNvSpPr>
-          <p:nvPr>
-            <p:ph type="sldImg"/>
-          </p:nvPr>
-        </p:nvSpPr>
-        <p:spPr/>
-      </p:sp>
-      <p:sp>
-        <p:nvSpPr>
-          <p:cNvPr id="3" name="Notes Placeholder 2"/>
-          <p:cNvSpPr>
-            <a:spLocks noGrp="1"/>
-          </p:cNvSpPr>
-          <p:nvPr>
-            <p:ph type="body" idx="1"/>
-          </p:nvPr>
-        </p:nvSpPr>
-        <p:spPr/>
-        <p:txBody>
-          <a:bodyPr/>
-          <a:lstStyle/>
-          <a:p>
             <a:endParaRPr lang="en-US" dirty="0"/>
           </a:p>
         </p:txBody>
@@ -2617,7 +2458,7 @@
           <a:p>
             <a:fld id="{38EEC551-8CDA-4EB6-89BB-2A86C9F091C8}" type="datetime8">
               <a:rPr lang="en-US" smtClean="0"/>
-              <a:t>3/29/2016 5:19 PM</a:t>
+              <a:t>3/30/2016 10:51 AM</a:t>
             </a:fld>
             <a:endParaRPr lang="en-US" dirty="0"/>
           </a:p>
@@ -2641,7 +2482,7 @@
             <a:fld id="{B4008EB6-D09E-4580-8CD6-DDB14511944F}" type="slidenum">
               <a:rPr lang="en-US" smtClean="0"/>
               <a:pPr/>
-              <a:t>23</a:t>
+              <a:t>21</a:t>
             </a:fld>
             <a:endParaRPr lang="en-US" dirty="0"/>
           </a:p>
@@ -2823,7 +2664,7 @@
                 </a:solidFill>
               </a:rPr>
               <a:pPr/>
-              <a:t>3/29/2016 5:19 PM</a:t>
+              <a:t>3/30/2016 10:51 AM</a:t>
             </a:fld>
             <a:endParaRPr lang="en-US" dirty="0">
               <a:solidFill>
@@ -3000,7 +2841,7 @@
           <a:p>
             <a:fld id="{90EC29EE-A8AD-4CE0-9C0B-116E0D4D7533}" type="datetime8">
               <a:rPr lang="en-US" smtClean="0"/>
-              <a:t>3/29/2016 5:19 PM</a:t>
+              <a:t>3/30/2016 10:51 AM</a:t>
             </a:fld>
             <a:endParaRPr lang="en-US" dirty="0"/>
           </a:p>
@@ -3198,7 +3039,7 @@
                 </a:solidFill>
               </a:rPr>
               <a:pPr/>
-              <a:t>3/29/2016 5:19 PM</a:t>
+              <a:t>3/30/2016 10:51 AM</a:t>
             </a:fld>
             <a:endParaRPr lang="en-US" dirty="0">
               <a:solidFill>
@@ -3548,7 +3389,7 @@
           <a:p>
             <a:fld id="{90EC29EE-A8AD-4CE0-9C0B-116E0D4D7533}" type="datetime8">
               <a:rPr lang="en-US" smtClean="0"/>
-              <a:t>3/29/2016 5:19 PM</a:t>
+              <a:t>3/30/2016 10:51 AM</a:t>
             </a:fld>
             <a:endParaRPr lang="en-US" dirty="0"/>
           </a:p>
@@ -4058,7 +3899,7 @@
           <a:p>
             <a:fld id="{38EEC551-8CDA-4EB6-89BB-2A86C9F091C8}" type="datetime8">
               <a:rPr lang="en-US" smtClean="0"/>
-              <a:t>3/29/2016 5:19 PM</a:t>
+              <a:t>3/30/2016 10:51 AM</a:t>
             </a:fld>
             <a:endParaRPr lang="en-US" dirty="0"/>
           </a:p>
@@ -24793,241 +24634,6 @@
       </p:grpSpPr>
       <p:sp>
         <p:nvSpPr>
-          <p:cNvPr id="5" name="Title 4"/>
-          <p:cNvSpPr>
-            <a:spLocks noGrp="1"/>
-          </p:cNvSpPr>
-          <p:nvPr>
-            <p:ph type="title"/>
-          </p:nvPr>
-        </p:nvSpPr>
-        <p:spPr/>
-        <p:txBody>
-          <a:bodyPr/>
-          <a:lstStyle/>
-          <a:p>
-            <a:r>
-              <a:rPr lang="en-US" dirty="0"/>
-              <a:t>Related session</a:t>
-            </a:r>
-          </a:p>
-        </p:txBody>
-      </p:sp>
-      <p:sp>
-        <p:nvSpPr>
-          <p:cNvPr id="6" name="Text Placeholder 5"/>
-          <p:cNvSpPr>
-            <a:spLocks noGrp="1"/>
-          </p:cNvSpPr>
-          <p:nvPr>
-            <p:ph type="body" sz="quarter" idx="10"/>
-          </p:nvPr>
-        </p:nvSpPr>
-        <p:spPr>
-          <a:xfrm>
-            <a:off x="277003" y="1897062"/>
-            <a:ext cx="11887200" cy="1754326"/>
-          </a:xfrm>
-        </p:spPr>
-        <p:txBody>
-          <a:bodyPr anchor="ctr" anchorCtr="0"/>
-          <a:lstStyle/>
-          <a:p>
-            <a:r>
-              <a:rPr lang="en-US" dirty="0"/>
-              <a:t>The Future of Game Development on Windows</a:t>
-            </a:r>
-          </a:p>
-          <a:p>
-            <a:pPr lvl="1"/>
-            <a:r>
-              <a:rPr lang="en-US" b="1" dirty="0"/>
-              <a:t>Date:</a:t>
-            </a:r>
-            <a:r>
-              <a:rPr lang="en-US" dirty="0"/>
-              <a:t> 	Wednesday, March 30</a:t>
-            </a:r>
-          </a:p>
-          <a:p>
-            <a:pPr lvl="1"/>
-            <a:r>
-              <a:rPr lang="en-US" b="1" dirty="0"/>
-              <a:t>Time:</a:t>
-            </a:r>
-            <a:r>
-              <a:rPr lang="en-US" dirty="0"/>
-              <a:t> 	5:00pm – 6:00pm</a:t>
-            </a:r>
-          </a:p>
-          <a:p>
-            <a:pPr lvl="1"/>
-            <a:r>
-              <a:rPr lang="en-US" b="1" dirty="0"/>
-              <a:t>Room: 	</a:t>
-            </a:r>
-            <a:r>
-              <a:rPr lang="en-US" dirty="0"/>
-              <a:t>Marriott 6</a:t>
-            </a:r>
-          </a:p>
-        </p:txBody>
-      </p:sp>
-    </p:spTree>
-    <p:extLst>
-      <p:ext uri="{BB962C8B-B14F-4D97-AF65-F5344CB8AC3E}">
-        <p14:creationId xmlns:p14="http://schemas.microsoft.com/office/powerpoint/2010/main" val="3456915216"/>
-      </p:ext>
-    </p:extLst>
-  </p:cSld>
-  <p:clrMapOvr>
-    <a:masterClrMapping/>
-  </p:clrMapOvr>
-  <p:transition>
-    <p:fade/>
-  </p:transition>
-</p:sld>
-</file>
-
-<file path=ppt/slides/slide2.xml><?xml version="1.0" encoding="utf-8"?>
-<p:sld xmlns:a="http://schemas.openxmlformats.org/drawingml/2006/main" xmlns:r="http://schemas.openxmlformats.org/officeDocument/2006/relationships" xmlns:p="http://schemas.openxmlformats.org/presentationml/2006/main">
-  <p:cSld>
-    <p:spTree>
-      <p:nvGrpSpPr>
-        <p:cNvPr id="1" name=""/>
-        <p:cNvGrpSpPr/>
-        <p:nvPr/>
-      </p:nvGrpSpPr>
-      <p:grpSpPr>
-        <a:xfrm>
-          <a:off x="0" y="0"/>
-          <a:ext cx="0" cy="0"/>
-          <a:chOff x="0" y="0"/>
-          <a:chExt cx="0" cy="0"/>
-        </a:xfrm>
-      </p:grpSpPr>
-      <p:sp>
-        <p:nvSpPr>
-          <p:cNvPr id="4" name="Title 3"/>
-          <p:cNvSpPr>
-            <a:spLocks noGrp="1"/>
-          </p:cNvSpPr>
-          <p:nvPr>
-            <p:ph type="title"/>
-          </p:nvPr>
-        </p:nvSpPr>
-        <p:spPr/>
-        <p:txBody>
-          <a:bodyPr/>
-          <a:lstStyle/>
-          <a:p>
-            <a:r>
-              <a:rPr lang="en-US" b="1" dirty="0"/>
-              <a:t>Porting your OpenGL ES 2.0 Game to Windows 10 using ANGLE</a:t>
-            </a:r>
-          </a:p>
-        </p:txBody>
-      </p:sp>
-      <p:sp>
-        <p:nvSpPr>
-          <p:cNvPr id="5" name="Text Placeholder 4"/>
-          <p:cNvSpPr>
-            <a:spLocks noGrp="1"/>
-          </p:cNvSpPr>
-          <p:nvPr>
-            <p:ph type="body" sz="quarter" idx="12"/>
-          </p:nvPr>
-        </p:nvSpPr>
-        <p:spPr/>
-        <p:txBody>
-          <a:bodyPr/>
-          <a:lstStyle/>
-          <a:p>
-            <a:r>
-              <a:rPr lang="en-US" dirty="0"/>
-              <a:t>Dale Stammen</a:t>
-            </a:r>
-          </a:p>
-          <a:p>
-            <a:r>
-              <a:rPr lang="en-US" dirty="0"/>
-              <a:t>Senior Software Engineer</a:t>
-            </a:r>
-          </a:p>
-        </p:txBody>
-      </p:sp>
-      <p:sp>
-        <p:nvSpPr>
-          <p:cNvPr id="6" name="Text Placeholder 5"/>
-          <p:cNvSpPr>
-            <a:spLocks noGrp="1"/>
-          </p:cNvSpPr>
-          <p:nvPr>
-            <p:ph type="body" sz="quarter" idx="13"/>
-          </p:nvPr>
-        </p:nvSpPr>
-        <p:spPr>
-          <a:xfrm>
-            <a:off x="8504238" y="307621"/>
-            <a:ext cx="3656013" cy="572464"/>
-          </a:xfrm>
-        </p:spPr>
-        <p:txBody>
-          <a:bodyPr/>
-          <a:lstStyle/>
-          <a:p>
-            <a:r>
-              <a:rPr lang="en-US" b="1" dirty="0"/>
-              <a:t>L709</a:t>
-            </a:r>
-            <a:endParaRPr lang="en-US" dirty="0"/>
-          </a:p>
-        </p:txBody>
-      </p:sp>
-    </p:spTree>
-    <p:extLst>
-      <p:ext uri="{BB962C8B-B14F-4D97-AF65-F5344CB8AC3E}">
-        <p14:creationId xmlns:p14="http://schemas.microsoft.com/office/powerpoint/2010/main" val="2666902894"/>
-      </p:ext>
-    </p:extLst>
-  </p:cSld>
-  <p:clrMapOvr>
-    <a:masterClrMapping/>
-  </p:clrMapOvr>
-  <mc:AlternateContent xmlns:mc="http://schemas.openxmlformats.org/markup-compatibility/2006" xmlns:p14="http://schemas.microsoft.com/office/powerpoint/2010/main">
-    <mc:Choice Requires="p14">
-      <p:transition spd="med" p14:dur="700">
-        <p:fade/>
-      </p:transition>
-    </mc:Choice>
-    <mc:Fallback xmlns="">
-      <p:transition spd="med">
-        <p:fade/>
-      </p:transition>
-    </mc:Fallback>
-  </mc:AlternateContent>
-</p:sld>
-</file>
-
-<file path=ppt/slides/slide20.xml><?xml version="1.0" encoding="utf-8"?>
-<p:sld xmlns:a="http://schemas.openxmlformats.org/drawingml/2006/main" xmlns:r="http://schemas.openxmlformats.org/officeDocument/2006/relationships" xmlns:p="http://schemas.openxmlformats.org/presentationml/2006/main">
-  <p:cSld>
-    <p:spTree>
-      <p:nvGrpSpPr>
-        <p:cNvPr id="1" name=""/>
-        <p:cNvGrpSpPr/>
-        <p:nvPr/>
-      </p:nvGrpSpPr>
-      <p:grpSpPr>
-        <a:xfrm>
-          <a:off x="0" y="0"/>
-          <a:ext cx="0" cy="0"/>
-          <a:chOff x="0" y="0"/>
-          <a:chExt cx="0" cy="0"/>
-        </a:xfrm>
-      </p:grpSpPr>
-      <p:sp>
-        <p:nvSpPr>
           <p:cNvPr id="71" name="Rectangle 70"/>
           <p:cNvSpPr/>
           <p:nvPr/>
@@ -26313,7 +25919,7 @@
 </p:sld>
 </file>
 
-<file path=ppt/slides/slide21.xml><?xml version="1.0" encoding="utf-8"?>
+<file path=ppt/slides/slide2.xml><?xml version="1.0" encoding="utf-8"?>
 <p:sld xmlns:a="http://schemas.openxmlformats.org/drawingml/2006/main" xmlns:r="http://schemas.openxmlformats.org/officeDocument/2006/relationships" xmlns:p="http://schemas.openxmlformats.org/presentationml/2006/main">
   <p:cSld>
     <p:spTree>
@@ -26330,38 +25936,9 @@
           <a:chExt cx="0" cy="0"/>
         </a:xfrm>
       </p:grpSpPr>
-      <p:pic>
-        <p:nvPicPr>
-          <p:cNvPr id="4" name="Picture 3"/>
-          <p:cNvPicPr>
-            <a:picLocks noChangeAspect="1"/>
-          </p:cNvPicPr>
-          <p:nvPr/>
-        </p:nvPicPr>
-        <p:blipFill rotWithShape="1">
-          <a:blip r:embed="rId3">
-            <a:extLst>
-              <a:ext uri="{28A0092B-C50C-407E-A947-70E740481C1C}">
-                <a14:useLocalDpi xmlns:a14="http://schemas.microsoft.com/office/drawing/2010/main" val="0"/>
-              </a:ext>
-            </a:extLst>
-          </a:blip>
-          <a:srcRect l="15965" b="25517"/>
-          <a:stretch/>
-        </p:blipFill>
-        <p:spPr>
-          <a:xfrm>
-            <a:off x="-1" y="2112657"/>
-            <a:ext cx="6219421" cy="4881868"/>
-          </a:xfrm>
-          <a:prstGeom prst="rect">
-            <a:avLst/>
-          </a:prstGeom>
-        </p:spPr>
-      </p:pic>
       <p:sp>
         <p:nvSpPr>
-          <p:cNvPr id="2" name="Title 1"/>
+          <p:cNvPr id="4" name="Title 3"/>
           <p:cNvSpPr>
             <a:spLocks noGrp="1"/>
           </p:cNvSpPr>
@@ -26375,537 +25952,94 @@
           <a:lstStyle/>
           <a:p>
             <a:r>
-              <a:rPr lang="en-US" dirty="0"/>
-              <a:t>Please Complete An Evaluation Form</a:t>
-            </a:r>
-            <a:br>
-              <a:rPr lang="en-US" dirty="0"/>
-            </a:br>
-            <a:r>
-              <a:rPr lang="en-US" sz="4400" dirty="0"/>
-              <a:t>Your input is important!</a:t>
-            </a:r>
-            <a:endParaRPr lang="en-US" dirty="0"/>
-          </a:p>
-        </p:txBody>
-      </p:sp>
-      <p:grpSp>
-        <p:nvGrpSpPr>
-          <p:cNvPr id="6" name="Group 5"/>
-          <p:cNvGrpSpPr/>
-          <p:nvPr/>
-        </p:nvGrpSpPr>
-        <p:grpSpPr>
-          <a:xfrm>
-            <a:off x="8047017" y="2675446"/>
-            <a:ext cx="3463271" cy="3463268"/>
-            <a:chOff x="4190683" y="2133976"/>
-            <a:chExt cx="4391779" cy="4391779"/>
-          </a:xfrm>
-        </p:grpSpPr>
-        <p:pic>
-          <p:nvPicPr>
-            <p:cNvPr id="13" name="Picture 2"/>
-            <p:cNvPicPr>
-              <a:picLocks noChangeAspect="1" noChangeArrowheads="1"/>
-            </p:cNvPicPr>
-            <p:nvPr/>
-          </p:nvPicPr>
-          <p:blipFill>
-            <a:blip r:embed="rId4" cstate="email">
-              <a:extLst>
-                <a:ext uri="{28A0092B-C50C-407E-A947-70E740481C1C}">
-                  <a14:useLocalDpi xmlns:a14="http://schemas.microsoft.com/office/drawing/2010/main" val="0"/>
-                </a:ext>
-              </a:extLst>
-            </a:blip>
-            <a:stretch>
-              <a:fillRect/>
-            </a:stretch>
-          </p:blipFill>
-          <p:spPr bwMode="auto">
-            <a:xfrm>
-              <a:off x="4190683" y="2133976"/>
-              <a:ext cx="4391779" cy="4391779"/>
-            </a:xfrm>
-            <a:prstGeom prst="rect">
-              <a:avLst/>
-            </a:prstGeom>
-            <a:noFill/>
-            <a:extLst>
-              <a:ext uri="{909E8E84-426E-40DD-AFC4-6F175D3DCCD1}">
-                <a14:hiddenFill xmlns:a14="http://schemas.microsoft.com/office/drawing/2010/main">
-                  <a:solidFill>
-                    <a:srgbClr val="FFFFFF"/>
-                  </a:solidFill>
-                </a14:hiddenFill>
-              </a:ext>
-            </a:extLst>
-          </p:spPr>
-        </p:pic>
-        <p:sp>
-          <p:nvSpPr>
-            <p:cNvPr id="16" name="TextBox 15"/>
-            <p:cNvSpPr txBox="1"/>
-            <p:nvPr/>
-          </p:nvSpPr>
-          <p:spPr>
-            <a:xfrm rot="19033581">
-              <a:off x="4318685" y="3668320"/>
-              <a:ext cx="4135775" cy="1323091"/>
-            </a:xfrm>
-            <a:prstGeom prst="rect">
-              <a:avLst/>
-            </a:prstGeom>
-            <a:gradFill>
-              <a:gsLst>
-                <a:gs pos="0">
-                  <a:schemeClr val="tx1">
-                    <a:alpha val="80000"/>
-                  </a:schemeClr>
-                </a:gs>
-                <a:gs pos="40000">
-                  <a:schemeClr val="tx1">
-                    <a:alpha val="80000"/>
-                  </a:schemeClr>
-                </a:gs>
-              </a:gsLst>
-              <a:lin ang="2700000" scaled="1"/>
-            </a:gradFill>
-          </p:spPr>
-          <p:txBody>
-            <a:bodyPr wrap="square" lIns="182880" tIns="146304" rIns="182880" bIns="146304" rtlCol="0" anchor="ctr">
-              <a:spAutoFit/>
-            </a:bodyPr>
-            <a:lstStyle/>
-            <a:p>
-              <a:pPr algn="ctr">
-                <a:lnSpc>
-                  <a:spcPct val="90000"/>
-                </a:lnSpc>
-                <a:spcAft>
-                  <a:spcPts val="600"/>
-                </a:spcAft>
-              </a:pPr>
-              <a:r>
-                <a:rPr lang="en-US" sz="5400" dirty="0">
-                  <a:solidFill>
-                    <a:schemeClr val="bg1">
-                      <a:lumMod val="75000"/>
-                      <a:lumOff val="25000"/>
-                    </a:schemeClr>
-                  </a:solidFill>
-                </a:rPr>
-                <a:t>SAMPLE</a:t>
-              </a:r>
-            </a:p>
-          </p:txBody>
-        </p:sp>
-      </p:grpSp>
-      <p:sp>
-        <p:nvSpPr>
-          <p:cNvPr id="18" name="Text Placeholder 2"/>
-          <p:cNvSpPr txBox="1">
-            <a:spLocks/>
-          </p:cNvSpPr>
-          <p:nvPr/>
-        </p:nvSpPr>
-        <p:spPr>
-          <a:xfrm>
-            <a:off x="5174256" y="4092592"/>
-            <a:ext cx="3150539" cy="628973"/>
-          </a:xfrm>
-          <a:prstGeom prst="rect">
-            <a:avLst/>
-          </a:prstGeom>
-        </p:spPr>
-        <p:txBody>
-          <a:bodyPr/>
-          <a:lstStyle>
-            <a:lvl1pPr marL="342900" marR="0" indent="-342900" algn="l" defTabSz="932742" rtl="0" eaLnBrk="1" fontAlgn="auto" latinLnBrk="0" hangingPunct="1">
-              <a:lnSpc>
-                <a:spcPct val="90000"/>
-              </a:lnSpc>
-              <a:spcBef>
-                <a:spcPct val="20000"/>
-              </a:spcBef>
-              <a:spcAft>
-                <a:spcPts val="0"/>
-              </a:spcAft>
-              <a:buClr>
-                <a:schemeClr val="tx1"/>
-              </a:buClr>
-              <a:buSzPct val="100000"/>
-              <a:buFontTx/>
-              <a:buBlip>
-                <a:blip r:embed="rId5"/>
-              </a:buBlip>
-              <a:tabLst/>
-              <a:defRPr sz="4000" kern="1200" spc="0" baseline="0">
-                <a:gradFill>
-                  <a:gsLst>
-                    <a:gs pos="1250">
-                      <a:schemeClr val="tx1"/>
-                    </a:gs>
-                    <a:gs pos="100000">
-                      <a:schemeClr val="tx1"/>
-                    </a:gs>
-                  </a:gsLst>
-                  <a:lin ang="5400000" scaled="0"/>
-                </a:gradFill>
-                <a:latin typeface="+mj-lt"/>
-                <a:ea typeface="+mn-ea"/>
-                <a:cs typeface="+mn-cs"/>
-              </a:defRPr>
-            </a:lvl1pPr>
-            <a:lvl2pPr marL="584200" marR="0" indent="-241300" algn="l" defTabSz="932742" rtl="0" eaLnBrk="1" fontAlgn="auto" latinLnBrk="0" hangingPunct="1">
-              <a:lnSpc>
-                <a:spcPct val="90000"/>
-              </a:lnSpc>
-              <a:spcBef>
-                <a:spcPct val="20000"/>
-              </a:spcBef>
-              <a:spcAft>
-                <a:spcPts val="0"/>
-              </a:spcAft>
-              <a:buClr>
-                <a:schemeClr val="tx1"/>
-              </a:buClr>
-              <a:buSzPct val="100000"/>
-              <a:buFontTx/>
-              <a:buBlip>
-                <a:blip r:embed="rId5"/>
-              </a:buBlip>
-              <a:tabLst/>
-              <a:defRPr sz="2400" kern="1200" spc="0" baseline="0">
-                <a:gradFill>
-                  <a:gsLst>
-                    <a:gs pos="1250">
-                      <a:schemeClr val="tx1"/>
-                    </a:gs>
-                    <a:gs pos="100000">
-                      <a:schemeClr val="tx1"/>
-                    </a:gs>
-                  </a:gsLst>
-                  <a:lin ang="5400000" scaled="0"/>
-                </a:gradFill>
-                <a:latin typeface="+mn-lt"/>
-                <a:ea typeface="+mn-ea"/>
-                <a:cs typeface="+mn-cs"/>
-              </a:defRPr>
-            </a:lvl2pPr>
-            <a:lvl3pPr marL="800100" marR="0" indent="-228600" algn="l" defTabSz="932742" rtl="0" eaLnBrk="1" fontAlgn="auto" latinLnBrk="0" hangingPunct="1">
-              <a:lnSpc>
-                <a:spcPct val="90000"/>
-              </a:lnSpc>
-              <a:spcBef>
-                <a:spcPct val="20000"/>
-              </a:spcBef>
-              <a:spcAft>
-                <a:spcPts val="0"/>
-              </a:spcAft>
-              <a:buClr>
-                <a:schemeClr val="tx1"/>
-              </a:buClr>
-              <a:buSzPct val="100000"/>
-              <a:buFontTx/>
-              <a:buBlip>
-                <a:blip r:embed="rId5"/>
-              </a:buBlip>
-              <a:tabLst/>
-              <a:defRPr sz="2400" kern="1200" spc="0" baseline="0">
-                <a:gradFill>
-                  <a:gsLst>
-                    <a:gs pos="1250">
-                      <a:schemeClr val="tx1"/>
-                    </a:gs>
-                    <a:gs pos="100000">
-                      <a:schemeClr val="tx1"/>
-                    </a:gs>
-                  </a:gsLst>
-                  <a:lin ang="5400000" scaled="0"/>
-                </a:gradFill>
-                <a:latin typeface="+mn-lt"/>
-                <a:ea typeface="+mn-ea"/>
-                <a:cs typeface="+mn-cs"/>
-              </a:defRPr>
-            </a:lvl3pPr>
-            <a:lvl4pPr marL="1028700" marR="0" indent="-228600" algn="l" defTabSz="932742" rtl="0" eaLnBrk="1" fontAlgn="auto" latinLnBrk="0" hangingPunct="1">
-              <a:lnSpc>
-                <a:spcPct val="90000"/>
-              </a:lnSpc>
-              <a:spcBef>
-                <a:spcPct val="20000"/>
-              </a:spcBef>
-              <a:spcAft>
-                <a:spcPts val="0"/>
-              </a:spcAft>
-              <a:buClr>
-                <a:schemeClr val="tx1"/>
-              </a:buClr>
-              <a:buSzPct val="100000"/>
-              <a:buFontTx/>
-              <a:buBlip>
-                <a:blip r:embed="rId5"/>
-              </a:buBlip>
-              <a:tabLst/>
-              <a:defRPr sz="2000" kern="1200" spc="0" baseline="0">
-                <a:gradFill>
-                  <a:gsLst>
-                    <a:gs pos="1250">
-                      <a:schemeClr val="tx1"/>
-                    </a:gs>
-                    <a:gs pos="100000">
-                      <a:schemeClr val="tx1"/>
-                    </a:gs>
-                  </a:gsLst>
-                  <a:lin ang="5400000" scaled="0"/>
-                </a:gradFill>
-                <a:latin typeface="+mn-lt"/>
-                <a:ea typeface="+mn-ea"/>
-                <a:cs typeface="+mn-cs"/>
-              </a:defRPr>
-            </a:lvl4pPr>
-            <a:lvl5pPr marL="1257300" marR="0" indent="-228600" algn="l" defTabSz="932742" rtl="0" eaLnBrk="1" fontAlgn="auto" latinLnBrk="0" hangingPunct="1">
-              <a:lnSpc>
-                <a:spcPct val="90000"/>
-              </a:lnSpc>
-              <a:spcBef>
-                <a:spcPct val="20000"/>
-              </a:spcBef>
-              <a:spcAft>
-                <a:spcPts val="0"/>
-              </a:spcAft>
-              <a:buClr>
-                <a:schemeClr val="tx1"/>
-              </a:buClr>
-              <a:buSzPct val="100000"/>
-              <a:buFontTx/>
-              <a:buBlip>
-                <a:blip r:embed="rId5"/>
-              </a:buBlip>
-              <a:tabLst/>
-              <a:defRPr sz="2000" kern="1200" spc="0" baseline="0">
-                <a:gradFill>
-                  <a:gsLst>
-                    <a:gs pos="1250">
-                      <a:schemeClr val="tx1"/>
-                    </a:gs>
-                    <a:gs pos="100000">
-                      <a:schemeClr val="tx1"/>
-                    </a:gs>
-                  </a:gsLst>
-                  <a:lin ang="5400000" scaled="0"/>
-                </a:gradFill>
-                <a:latin typeface="+mn-lt"/>
-                <a:ea typeface="+mn-ea"/>
-                <a:cs typeface="+mn-cs"/>
-              </a:defRPr>
-            </a:lvl5pPr>
-            <a:lvl6pPr marL="2565040" indent="-233186" algn="l" defTabSz="932742" rtl="0" eaLnBrk="1" latinLnBrk="0" hangingPunct="1">
-              <a:spcBef>
-                <a:spcPct val="20000"/>
-              </a:spcBef>
-              <a:buFont typeface="Arial" pitchFamily="34" charset="0"/>
-              <a:buChar char="•"/>
-              <a:defRPr sz="2000" kern="1200">
-                <a:solidFill>
-                  <a:schemeClr val="tx1"/>
-                </a:solidFill>
-                <a:latin typeface="+mn-lt"/>
-                <a:ea typeface="+mn-ea"/>
-                <a:cs typeface="+mn-cs"/>
-              </a:defRPr>
-            </a:lvl6pPr>
-            <a:lvl7pPr marL="3031412" indent="-233186" algn="l" defTabSz="932742" rtl="0" eaLnBrk="1" latinLnBrk="0" hangingPunct="1">
-              <a:spcBef>
-                <a:spcPct val="20000"/>
-              </a:spcBef>
-              <a:buFont typeface="Arial" pitchFamily="34" charset="0"/>
-              <a:buChar char="•"/>
-              <a:defRPr sz="2000" kern="1200">
-                <a:solidFill>
-                  <a:schemeClr val="tx1"/>
-                </a:solidFill>
-                <a:latin typeface="+mn-lt"/>
-                <a:ea typeface="+mn-ea"/>
-                <a:cs typeface="+mn-cs"/>
-              </a:defRPr>
-            </a:lvl7pPr>
-            <a:lvl8pPr marL="3497783" indent="-233186" algn="l" defTabSz="932742" rtl="0" eaLnBrk="1" latinLnBrk="0" hangingPunct="1">
-              <a:spcBef>
-                <a:spcPct val="20000"/>
-              </a:spcBef>
-              <a:buFont typeface="Arial" pitchFamily="34" charset="0"/>
-              <a:buChar char="•"/>
-              <a:defRPr sz="2000" kern="1200">
-                <a:solidFill>
-                  <a:schemeClr val="tx1"/>
-                </a:solidFill>
-                <a:latin typeface="+mn-lt"/>
-                <a:ea typeface="+mn-ea"/>
-                <a:cs typeface="+mn-cs"/>
-              </a:defRPr>
-            </a:lvl8pPr>
-            <a:lvl9pPr marL="3964155" indent="-233186" algn="l" defTabSz="932742" rtl="0" eaLnBrk="1" latinLnBrk="0" hangingPunct="1">
-              <a:spcBef>
-                <a:spcPct val="20000"/>
-              </a:spcBef>
-              <a:buFont typeface="Arial" pitchFamily="34" charset="0"/>
-              <a:buChar char="•"/>
-              <a:defRPr sz="2000" kern="1200">
-                <a:solidFill>
-                  <a:schemeClr val="tx1"/>
-                </a:solidFill>
-                <a:latin typeface="+mn-lt"/>
-                <a:ea typeface="+mn-ea"/>
-                <a:cs typeface="+mn-cs"/>
-              </a:defRPr>
-            </a:lvl9pPr>
-          </a:lstStyle>
-          <a:p>
-            <a:pPr marL="101600" indent="0" algn="ctr">
-              <a:spcAft>
-                <a:spcPts val="600"/>
-              </a:spcAft>
-              <a:buFontTx/>
-              <a:buNone/>
-            </a:pPr>
-            <a:r>
-              <a:rPr lang="en-US" sz="2800" u="sng" dirty="0">
-                <a:latin typeface="+mn-lt"/>
-              </a:rPr>
-              <a:t>or</a:t>
+              <a:rPr lang="en-US" b="1" dirty="0"/>
+              <a:t>Porting your OpenGL ES 2.0 Game to Windows 10 using ANGLE</a:t>
             </a:r>
           </a:p>
         </p:txBody>
       </p:sp>
       <p:sp>
         <p:nvSpPr>
-          <p:cNvPr id="20" name="Rectangle 19"/>
-          <p:cNvSpPr/>
-          <p:nvPr/>
+          <p:cNvPr id="5" name="Text Placeholder 4"/>
+          <p:cNvSpPr>
+            <a:spLocks noGrp="1"/>
+          </p:cNvSpPr>
+          <p:nvPr>
+            <p:ph type="body" sz="quarter" idx="12"/>
+          </p:nvPr>
         </p:nvSpPr>
-        <p:spPr bwMode="auto">
+        <p:spPr/>
+        <p:txBody>
+          <a:bodyPr/>
+          <a:lstStyle/>
+          <a:p>
+            <a:r>
+              <a:rPr lang="en-US" dirty="0"/>
+              <a:t>Dale Stammen</a:t>
+            </a:r>
+          </a:p>
+          <a:p>
+            <a:r>
+              <a:rPr lang="en-US" dirty="0"/>
+              <a:t>Senior Software Engineer</a:t>
+            </a:r>
+          </a:p>
+        </p:txBody>
+      </p:sp>
+      <p:sp>
+        <p:nvSpPr>
+          <p:cNvPr id="6" name="Text Placeholder 5"/>
+          <p:cNvSpPr>
+            <a:spLocks noGrp="1"/>
+          </p:cNvSpPr>
+          <p:nvPr>
+            <p:ph type="body" sz="quarter" idx="13"/>
+          </p:nvPr>
+        </p:nvSpPr>
+        <p:spPr>
           <a:xfrm>
-            <a:off x="9581721" y="1101566"/>
-            <a:ext cx="2854754" cy="1077218"/>
+            <a:off x="8504238" y="307621"/>
+            <a:ext cx="3656013" cy="572464"/>
           </a:xfrm>
-          <a:prstGeom prst="rect">
-            <a:avLst/>
-          </a:prstGeom>
-          <a:solidFill>
-            <a:schemeClr val="accent2"/>
-          </a:solidFill>
-          <a:ln>
-            <a:noFill/>
-            <a:headEnd type="none" w="med" len="med"/>
-            <a:tailEnd type="none" w="med" len="med"/>
-          </a:ln>
-          <a:effectLst/>
-          <a:scene3d>
-            <a:camera prst="orthographicFront" fov="0">
-              <a:rot lat="0" lon="0" rev="0"/>
-            </a:camera>
-            <a:lightRig rig="soft" dir="tl">
-              <a:rot lat="0" lon="0" rev="20000000"/>
-            </a:lightRig>
-          </a:scene3d>
-          <a:sp3d prstMaterial="matte"/>
         </p:spPr>
-        <p:style>
-          <a:lnRef idx="0">
-            <a:schemeClr val="accent2"/>
-          </a:lnRef>
-          <a:fillRef idx="3">
-            <a:schemeClr val="accent2"/>
-          </a:fillRef>
-          <a:effectRef idx="3">
-            <a:schemeClr val="accent2"/>
-          </a:effectRef>
-          <a:fontRef idx="minor">
-            <a:schemeClr val="lt1"/>
-          </a:fontRef>
-        </p:style>
         <p:txBody>
-          <a:bodyPr vert="horz" wrap="square" lIns="91436" tIns="137160" rIns="91436" bIns="137160" numCol="1" rtlCol="0" anchor="t" anchorCtr="0" compatLnSpc="1">
-            <a:prstTxWarp prst="textNoShape">
-              <a:avLst/>
-            </a:prstTxWarp>
-            <a:spAutoFit/>
-          </a:bodyPr>
+          <a:bodyPr/>
           <a:lstStyle/>
           <a:p>
-            <a:pPr defTabSz="914099" fontAlgn="base">
-              <a:spcBef>
-                <a:spcPct val="0"/>
-              </a:spcBef>
-              <a:spcAft>
-                <a:spcPct val="0"/>
-              </a:spcAft>
-            </a:pPr>
-            <a:r>
-              <a:rPr lang="en-US" sz="2800" b="1" dirty="0">
-                <a:gradFill>
-                  <a:gsLst>
-                    <a:gs pos="0">
-                      <a:srgbClr val="FFFFFF"/>
-                    </a:gs>
-                    <a:gs pos="100000">
-                      <a:srgbClr val="FFFFFF"/>
-                    </a:gs>
-                  </a:gsLst>
-                  <a:lin ang="5400000" scaled="1"/>
-                </a:gradFill>
-              </a:rPr>
-              <a:t>Required Slide</a:t>
-            </a:r>
-          </a:p>
-          <a:p>
-            <a:pPr defTabSz="914099" fontAlgn="base">
-              <a:spcBef>
-                <a:spcPct val="0"/>
-              </a:spcBef>
-              <a:spcAft>
-                <a:spcPct val="0"/>
-              </a:spcAft>
-            </a:pPr>
-            <a:r>
-              <a:rPr lang="en-US" sz="1200" dirty="0">
-                <a:gradFill>
-                  <a:gsLst>
-                    <a:gs pos="0">
-                      <a:srgbClr val="FFFFFF"/>
-                    </a:gs>
-                    <a:gs pos="100000">
-                      <a:srgbClr val="FFFFFF"/>
-                    </a:gs>
-                  </a:gsLst>
-                  <a:lin ang="5400000" scaled="1"/>
-                </a:gradFill>
-              </a:rPr>
-              <a:t>*delete this box when your slide is finalized</a:t>
-            </a:r>
+            <a:r>
+              <a:rPr lang="en-US" b="1" dirty="0"/>
+              <a:t>L709</a:t>
+            </a:r>
+            <a:endParaRPr lang="en-US" dirty="0"/>
           </a:p>
         </p:txBody>
       </p:sp>
     </p:spTree>
     <p:extLst>
       <p:ext uri="{BB962C8B-B14F-4D97-AF65-F5344CB8AC3E}">
-        <p14:creationId xmlns:p14="http://schemas.microsoft.com/office/powerpoint/2010/main" val="19613307"/>
+        <p14:creationId xmlns:p14="http://schemas.microsoft.com/office/powerpoint/2010/main" val="2666902894"/>
       </p:ext>
     </p:extLst>
   </p:cSld>
   <p:clrMapOvr>
     <a:masterClrMapping/>
   </p:clrMapOvr>
-  <p:transition spd="slow">
-    <p:push/>
-  </p:transition>
+  <mc:AlternateContent xmlns:mc="http://schemas.openxmlformats.org/markup-compatibility/2006" xmlns:p14="http://schemas.microsoft.com/office/powerpoint/2010/main">
+    <mc:Choice Requires="p14">
+      <p:transition spd="med" p14:dur="700">
+        <p:fade/>
+      </p:transition>
+    </mc:Choice>
+    <mc:Fallback xmlns="">
+      <p:transition spd="med">
+        <p:fade/>
+      </p:transition>
+    </mc:Fallback>
+  </mc:AlternateContent>
 </p:sld>
 </file>
 
-<file path=ppt/slides/slide22.xml><?xml version="1.0" encoding="utf-8"?>
+<file path=ppt/slides/slide20.xml><?xml version="1.0" encoding="utf-8"?>
 <p:sld xmlns:a="http://schemas.openxmlformats.org/drawingml/2006/main" xmlns:r="http://schemas.openxmlformats.org/officeDocument/2006/relationships" xmlns:p="http://schemas.openxmlformats.org/presentationml/2006/main">
   <p:cSld>
     <p:spTree>
@@ -26953,13 +26087,7 @@
           <p:nvPr/>
         </p:nvPicPr>
         <p:blipFill>
-          <a:blip r:embed="rId3" cstate="email">
-            <a:extLst>
-              <a:ext uri="{28A0092B-C50C-407E-A947-70E740481C1C}">
-                <a14:useLocalDpi xmlns:a14="http://schemas.microsoft.com/office/drawing/2010/main" val="0"/>
-              </a:ext>
-            </a:extLst>
-          </a:blip>
+          <a:blip r:embed="rId3"/>
           <a:stretch>
             <a:fillRect/>
           </a:stretch>
@@ -26984,262 +26112,6 @@
           </a:extLst>
         </p:spPr>
       </p:pic>
-      <p:sp>
-        <p:nvSpPr>
-          <p:cNvPr id="4" name="TextBox 3"/>
-          <p:cNvSpPr txBox="1"/>
-          <p:nvPr/>
-        </p:nvSpPr>
-        <p:spPr>
-          <a:xfrm rot="19033581">
-            <a:off x="4316015" y="3190942"/>
-            <a:ext cx="4135775" cy="1403461"/>
-          </a:xfrm>
-          <a:prstGeom prst="rect">
-            <a:avLst/>
-          </a:prstGeom>
-          <a:gradFill>
-            <a:gsLst>
-              <a:gs pos="0">
-                <a:schemeClr val="tx1">
-                  <a:alpha val="80000"/>
-                </a:schemeClr>
-              </a:gs>
-              <a:gs pos="40000">
-                <a:schemeClr val="tx1">
-                  <a:alpha val="80000"/>
-                </a:schemeClr>
-              </a:gs>
-            </a:gsLst>
-            <a:lin ang="2700000" scaled="1"/>
-          </a:gradFill>
-        </p:spPr>
-        <p:txBody>
-          <a:bodyPr wrap="square" lIns="182880" tIns="146304" rIns="182880" bIns="146304" rtlCol="0">
-            <a:spAutoFit/>
-          </a:bodyPr>
-          <a:lstStyle/>
-          <a:p>
-            <a:pPr>
-              <a:lnSpc>
-                <a:spcPct val="90000"/>
-              </a:lnSpc>
-              <a:spcAft>
-                <a:spcPts val="600"/>
-              </a:spcAft>
-            </a:pPr>
-            <a:r>
-              <a:rPr lang="en-US" sz="8000" dirty="0">
-                <a:solidFill>
-                  <a:schemeClr val="bg1">
-                    <a:lumMod val="75000"/>
-                    <a:lumOff val="25000"/>
-                  </a:schemeClr>
-                </a:solidFill>
-              </a:rPr>
-              <a:t>SAMPLE</a:t>
-            </a:r>
-          </a:p>
-        </p:txBody>
-      </p:sp>
-      <p:sp>
-        <p:nvSpPr>
-          <p:cNvPr id="9" name="Rectangle 8"/>
-          <p:cNvSpPr/>
-          <p:nvPr/>
-        </p:nvSpPr>
-        <p:spPr bwMode="auto">
-          <a:xfrm>
-            <a:off x="9310616" y="298910"/>
-            <a:ext cx="2854754" cy="3293209"/>
-          </a:xfrm>
-          <a:prstGeom prst="rect">
-            <a:avLst/>
-          </a:prstGeom>
-          <a:solidFill>
-            <a:schemeClr val="accent2"/>
-          </a:solidFill>
-          <a:ln>
-            <a:noFill/>
-            <a:headEnd type="none" w="med" len="med"/>
-            <a:tailEnd type="none" w="med" len="med"/>
-          </a:ln>
-          <a:effectLst/>
-          <a:scene3d>
-            <a:camera prst="orthographicFront" fov="0">
-              <a:rot lat="0" lon="0" rev="0"/>
-            </a:camera>
-            <a:lightRig rig="soft" dir="tl">
-              <a:rot lat="0" lon="0" rev="20000000"/>
-            </a:lightRig>
-          </a:scene3d>
-          <a:sp3d prstMaterial="matte"/>
-        </p:spPr>
-        <p:style>
-          <a:lnRef idx="0">
-            <a:schemeClr val="accent2"/>
-          </a:lnRef>
-          <a:fillRef idx="3">
-            <a:schemeClr val="accent2"/>
-          </a:fillRef>
-          <a:effectRef idx="3">
-            <a:schemeClr val="accent2"/>
-          </a:effectRef>
-          <a:fontRef idx="minor">
-            <a:schemeClr val="lt1"/>
-          </a:fontRef>
-        </p:style>
-        <p:txBody>
-          <a:bodyPr vert="horz" wrap="square" lIns="91436" tIns="137160" rIns="91436" bIns="137160" numCol="1" rtlCol="0" anchor="t" anchorCtr="0" compatLnSpc="1">
-            <a:prstTxWarp prst="textNoShape">
-              <a:avLst/>
-            </a:prstTxWarp>
-            <a:spAutoFit/>
-          </a:bodyPr>
-          <a:lstStyle/>
-          <a:p>
-            <a:pPr defTabSz="914099" fontAlgn="base">
-              <a:spcBef>
-                <a:spcPct val="0"/>
-              </a:spcBef>
-              <a:spcAft>
-                <a:spcPct val="0"/>
-              </a:spcAft>
-            </a:pPr>
-            <a:r>
-              <a:rPr lang="en-US" sz="2800" b="1" dirty="0">
-                <a:gradFill>
-                  <a:gsLst>
-                    <a:gs pos="10619">
-                      <a:schemeClr val="bg1"/>
-                    </a:gs>
-                    <a:gs pos="48000">
-                      <a:schemeClr val="bg1"/>
-                    </a:gs>
-                  </a:gsLst>
-                  <a:lin ang="5400000" scaled="0"/>
-                </a:gradFill>
-              </a:rPr>
-              <a:t>Required Slide</a:t>
-            </a:r>
-          </a:p>
-          <a:p>
-            <a:pPr defTabSz="914099" fontAlgn="base">
-              <a:spcBef>
-                <a:spcPct val="0"/>
-              </a:spcBef>
-              <a:spcAft>
-                <a:spcPct val="0"/>
-              </a:spcAft>
-            </a:pPr>
-            <a:r>
-              <a:rPr lang="en-US" sz="1200" dirty="0">
-                <a:gradFill>
-                  <a:gsLst>
-                    <a:gs pos="10619">
-                      <a:schemeClr val="bg1"/>
-                    </a:gs>
-                    <a:gs pos="48000">
-                      <a:schemeClr val="bg1"/>
-                    </a:gs>
-                  </a:gsLst>
-                  <a:lin ang="5400000" scaled="0"/>
-                </a:gradFill>
-              </a:rPr>
-              <a:t>*delete this box when your slide is finalized</a:t>
-            </a:r>
-          </a:p>
-          <a:p>
-            <a:pPr defTabSz="914099" fontAlgn="base">
-              <a:spcBef>
-                <a:spcPct val="0"/>
-              </a:spcBef>
-              <a:spcAft>
-                <a:spcPct val="0"/>
-              </a:spcAft>
-            </a:pPr>
-            <a:endParaRPr lang="en-US" dirty="0">
-              <a:gradFill>
-                <a:gsLst>
-                  <a:gs pos="10619">
-                    <a:schemeClr val="bg1"/>
-                  </a:gs>
-                  <a:gs pos="48000">
-                    <a:schemeClr val="bg1"/>
-                  </a:gs>
-                </a:gsLst>
-                <a:lin ang="5400000" scaled="0"/>
-              </a:gradFill>
-            </a:endParaRPr>
-          </a:p>
-          <a:p>
-            <a:r>
-              <a:rPr lang="en-US" b="1" dirty="0">
-                <a:gradFill>
-                  <a:gsLst>
-                    <a:gs pos="10619">
-                      <a:schemeClr val="bg1"/>
-                    </a:gs>
-                    <a:gs pos="48000">
-                      <a:schemeClr val="bg1"/>
-                    </a:gs>
-                  </a:gsLst>
-                  <a:lin ang="5400000" scaled="0"/>
-                </a:gradFill>
-              </a:rPr>
-              <a:t>Speakers: </a:t>
-            </a:r>
-            <a:r>
-              <a:rPr lang="en-US" dirty="0">
-                <a:gradFill>
-                  <a:gsLst>
-                    <a:gs pos="10619">
-                      <a:schemeClr val="bg1"/>
-                    </a:gs>
-                    <a:gs pos="48000">
-                      <a:schemeClr val="bg1"/>
-                    </a:gs>
-                  </a:gsLst>
-                  <a:lin ang="5400000" scaled="0"/>
-                </a:gradFill>
-              </a:rPr>
-              <a:t>This slide will be updated during the scrub process with a unique QR code. Attendees scan the QR code to access the </a:t>
-            </a:r>
-            <a:r>
-              <a:rPr lang="en-US" dirty="0" err="1">
-                <a:gradFill>
-                  <a:gsLst>
-                    <a:gs pos="10619">
-                      <a:schemeClr val="bg1"/>
-                    </a:gs>
-                    <a:gs pos="48000">
-                      <a:schemeClr val="bg1"/>
-                    </a:gs>
-                  </a:gsLst>
-                  <a:lin ang="5400000" scaled="0"/>
-                </a:gradFill>
-              </a:rPr>
-              <a:t>eval</a:t>
-            </a:r>
-            <a:r>
-              <a:rPr lang="en-US" dirty="0">
-                <a:gradFill>
-                  <a:gsLst>
-                    <a:gs pos="10619">
-                      <a:schemeClr val="bg1"/>
-                    </a:gs>
-                    <a:gs pos="48000">
-                      <a:schemeClr val="bg1"/>
-                    </a:gs>
-                  </a:gsLst>
-                  <a:lin ang="5400000" scaled="0"/>
-                </a:gradFill>
-              </a:rPr>
-              <a:t> for your session.</a:t>
-            </a:r>
-          </a:p>
-        </p:txBody>
-      </p:sp>
     </p:spTree>
     <p:extLst>
       <p:ext uri="{BB962C8B-B14F-4D97-AF65-F5344CB8AC3E}">
@@ -27256,7 +26128,7 @@
 </p:sld>
 </file>
 
-<file path=ppt/slides/slide23.xml><?xml version="1.0" encoding="utf-8"?>
+<file path=ppt/slides/slide21.xml><?xml version="1.0" encoding="utf-8"?>
 <p:sld xmlns:a="http://schemas.openxmlformats.org/drawingml/2006/main" xmlns:r="http://schemas.openxmlformats.org/officeDocument/2006/relationships" xmlns:p="http://schemas.openxmlformats.org/presentationml/2006/main">
   <p:cSld>
     <p:spTree>
@@ -35585,12 +34457,6 @@
 </file>
 
 <file path=customXml/item1.xml><?xml version="1.0" encoding="utf-8"?>
-<p:properties xmlns:p="http://schemas.microsoft.com/office/2006/metadata/properties" xmlns:xsi="http://www.w3.org/2001/XMLSchema-instance" xmlns:pc="http://schemas.microsoft.com/office/infopath/2007/PartnerControls">
-  <documentManagement/>
-</p:properties>
-</file>
-
-<file path=customXml/item2.xml><?xml version="1.0" encoding="utf-8"?>
 <ct:contentTypeSchema xmlns:ct="http://schemas.microsoft.com/office/2006/metadata/contentType" xmlns:ma="http://schemas.microsoft.com/office/2006/metadata/properties/metaAttributes" ct:_="" ma:_="" ma:contentTypeName="Document" ma:contentTypeID="0x010100F50271A20F7B3C41B827A8F04D548019" ma:contentTypeVersion="2" ma:contentTypeDescription="Create a new document." ma:contentTypeScope="" ma:versionID="0f5b4adeca3fa452dfd663ff4e0777e3">
   <xsd:schema xmlns:xsd="http://www.w3.org/2001/XMLSchema" xmlns:xs="http://www.w3.org/2001/XMLSchema" xmlns:p="http://schemas.microsoft.com/office/2006/metadata/properties" xmlns:ns2="f85c541c-390e-4fa8-b262-5da5c5cfad75" targetNamespace="http://schemas.microsoft.com/office/2006/metadata/properties" ma:root="true" ma:fieldsID="592d4a22e1cc7090506e0998bb31d05e" ns2:_="">
     <xsd:import namespace="f85c541c-390e-4fa8-b262-5da5c5cfad75"/>
@@ -35738,6 +34604,12 @@
 </ct:contentTypeSchema>
 </file>
 
+<file path=customXml/item2.xml><?xml version="1.0" encoding="utf-8"?>
+<p:properties xmlns:p="http://schemas.microsoft.com/office/2006/metadata/properties" xmlns:xsi="http://www.w3.org/2001/XMLSchema-instance" xmlns:pc="http://schemas.microsoft.com/office/infopath/2007/PartnerControls">
+  <documentManagement/>
+</p:properties>
+</file>
+
 <file path=customXml/item3.xml><?xml version="1.0" encoding="utf-8"?>
 <?mso-contentType ?>
 <FormTemplates xmlns="http://schemas.microsoft.com/sharepoint/v3/contenttype/forms">
@@ -35748,22 +34620,6 @@
 </file>
 
 <file path=customXml/itemProps1.xml><?xml version="1.0" encoding="utf-8"?>
-<ds:datastoreItem xmlns:ds="http://schemas.openxmlformats.org/officeDocument/2006/customXml" ds:itemID="{F990F116-B58F-4255-B05B-DA3808E0E5C6}">
-  <ds:schemaRefs>
-    <ds:schemaRef ds:uri="http://purl.org/dc/terms/"/>
-    <ds:schemaRef ds:uri="http://schemas.openxmlformats.org/package/2006/metadata/core-properties"/>
-    <ds:schemaRef ds:uri="http://schemas.microsoft.com/office/2006/documentManagement/types"/>
-    <ds:schemaRef ds:uri="http://schemas.microsoft.com/office/infopath/2007/PartnerControls"/>
-    <ds:schemaRef ds:uri="http://purl.org/dc/elements/1.1/"/>
-    <ds:schemaRef ds:uri="http://schemas.microsoft.com/office/2006/metadata/properties"/>
-    <ds:schemaRef ds:uri="f85c541c-390e-4fa8-b262-5da5c5cfad75"/>
-    <ds:schemaRef ds:uri="http://www.w3.org/XML/1998/namespace"/>
-    <ds:schemaRef ds:uri="http://purl.org/dc/dcmitype/"/>
-  </ds:schemaRefs>
-</ds:datastoreItem>
-</file>
-
-<file path=customXml/itemProps2.xml><?xml version="1.0" encoding="utf-8"?>
 <ds:datastoreItem xmlns:ds="http://schemas.openxmlformats.org/officeDocument/2006/customXml" ds:itemID="{16C79B61-263D-4889-954E-B7F93FBE6617}">
   <ds:schemaRefs>
     <ds:schemaRef ds:uri="http://schemas.microsoft.com/office/2006/metadata/contentType"/>
@@ -35781,6 +34637,22 @@
 </ds:datastoreItem>
 </file>
 
+<file path=customXml/itemProps2.xml><?xml version="1.0" encoding="utf-8"?>
+<ds:datastoreItem xmlns:ds="http://schemas.openxmlformats.org/officeDocument/2006/customXml" ds:itemID="{F990F116-B58F-4255-B05B-DA3808E0E5C6}">
+  <ds:schemaRefs>
+    <ds:schemaRef ds:uri="http://purl.org/dc/terms/"/>
+    <ds:schemaRef ds:uri="http://schemas.openxmlformats.org/package/2006/metadata/core-properties"/>
+    <ds:schemaRef ds:uri="http://schemas.microsoft.com/office/2006/documentManagement/types"/>
+    <ds:schemaRef ds:uri="http://schemas.microsoft.com/office/infopath/2007/PartnerControls"/>
+    <ds:schemaRef ds:uri="http://purl.org/dc/elements/1.1/"/>
+    <ds:schemaRef ds:uri="http://schemas.microsoft.com/office/2006/metadata/properties"/>
+    <ds:schemaRef ds:uri="f85c541c-390e-4fa8-b262-5da5c5cfad75"/>
+    <ds:schemaRef ds:uri="http://www.w3.org/XML/1998/namespace"/>
+    <ds:schemaRef ds:uri="http://purl.org/dc/dcmitype/"/>
+  </ds:schemaRefs>
+</ds:datastoreItem>
+</file>
+
 <file path=customXml/itemProps3.xml><?xml version="1.0" encoding="utf-8"?>
 <ds:datastoreItem xmlns:ds="http://schemas.openxmlformats.org/officeDocument/2006/customXml" ds:itemID="{758FDAC0-319D-4A54-8D8E-1D42CB1F8004}">
   <ds:schemaRefs>

--- a/Presentation.pptx
+++ b/Presentation.pptx
@@ -22,9 +22,9 @@
     <p:sldId id="1456" r:id="rId13"/>
     <p:sldId id="1459" r:id="rId14"/>
     <p:sldId id="1470" r:id="rId15"/>
-    <p:sldId id="1460" r:id="rId16"/>
-    <p:sldId id="1479" r:id="rId17"/>
-    <p:sldId id="1473" r:id="rId18"/>
+    <p:sldId id="1479" r:id="rId16"/>
+    <p:sldId id="1473" r:id="rId17"/>
+    <p:sldId id="1480" r:id="rId18"/>
     <p:sldId id="1474" r:id="rId19"/>
     <p:sldId id="1475" r:id="rId20"/>
     <p:sldId id="1476" r:id="rId21"/>
@@ -263,7 +263,7 @@
               <a:rPr lang="en-US" smtClean="0">
                 <a:latin typeface="Segoe UI" pitchFamily="34" charset="0"/>
               </a:rPr>
-              <a:t>3/30/2016 10:51 AM</a:t>
+              <a:t>3/30/2016 9:39 PM</a:t>
             </a:fld>
             <a:endParaRPr lang="en-US" dirty="0">
               <a:latin typeface="Segoe UI" pitchFamily="34" charset="0"/>
@@ -544,7 +544,7 @@
           <a:p>
             <a:fld id="{38EEC551-8CDA-4EB6-89BB-2A86C9F091C8}" type="datetime8">
               <a:rPr lang="en-US" smtClean="0"/>
-              <a:t>3/30/2016 10:51 AM</a:t>
+              <a:t>3/30/2016 9:39 PM</a:t>
             </a:fld>
             <a:endParaRPr lang="en-US" dirty="0"/>
           </a:p>
@@ -930,7 +930,7 @@
           <a:p>
             <a:fld id="{38EEC551-8CDA-4EB6-89BB-2A86C9F091C8}" type="datetime8">
               <a:rPr lang="en-US" smtClean="0"/>
-              <a:t>3/30/2016 10:51 AM</a:t>
+              <a:t>3/30/2016 9:39 PM</a:t>
             </a:fld>
             <a:endParaRPr lang="en-US" dirty="0"/>
           </a:p>
@@ -1018,204 +1018,6 @@
           <a:lstStyle/>
           <a:p>
             <a:r>
-              <a:rPr lang="en-US" dirty="0"/>
-              <a:t>You should get to this slide no later than 10 minutes into the session</a:t>
-            </a:r>
-          </a:p>
-          <a:p>
-            <a:endParaRPr lang="en-US" dirty="0"/>
-          </a:p>
-          <a:p>
-            <a:r>
-              <a:rPr lang="en-US" dirty="0"/>
-              <a:t>Show how to get to the lab</a:t>
-            </a:r>
-            <a:r>
-              <a:rPr lang="en-US" baseline="0" dirty="0"/>
-              <a:t> on the workstation, and then leave this slide up on the projector.</a:t>
-            </a:r>
-            <a:endParaRPr lang="en-US" dirty="0"/>
-          </a:p>
-        </p:txBody>
-      </p:sp>
-      <p:sp>
-        <p:nvSpPr>
-          <p:cNvPr id="4" name="Header Placeholder 3"/>
-          <p:cNvSpPr>
-            <a:spLocks noGrp="1"/>
-          </p:cNvSpPr>
-          <p:nvPr>
-            <p:ph type="hdr" sz="quarter" idx="10"/>
-          </p:nvPr>
-        </p:nvSpPr>
-        <p:spPr/>
-        <p:txBody>
-          <a:bodyPr/>
-          <a:lstStyle/>
-          <a:p>
-            <a:endParaRPr lang="en-US" dirty="0"/>
-          </a:p>
-        </p:txBody>
-      </p:sp>
-      <p:sp>
-        <p:nvSpPr>
-          <p:cNvPr id="5" name="Footer Placeholder 4"/>
-          <p:cNvSpPr>
-            <a:spLocks noGrp="1"/>
-          </p:cNvSpPr>
-          <p:nvPr>
-            <p:ph type="ftr" sz="quarter" idx="11"/>
-          </p:nvPr>
-        </p:nvSpPr>
-        <p:spPr/>
-        <p:txBody>
-          <a:bodyPr/>
-          <a:lstStyle/>
-          <a:p>
-            <a:pPr defTabSz="914099" eaLnBrk="0" hangingPunct="0"/>
-            <a:r>
-              <a:rPr lang="en-US" sz="400">
-                <a:gradFill>
-                  <a:gsLst>
-                    <a:gs pos="0">
-                      <a:prstClr val="black"/>
-                    </a:gs>
-                    <a:gs pos="100000">
-                      <a:prstClr val="black"/>
-                    </a:gs>
-                  </a:gsLst>
-                  <a:lin ang="5400000" scaled="0"/>
-                </a:gradFill>
-                <a:latin typeface="Segoe UI" pitchFamily="34" charset="0"/>
-                <a:ea typeface="Segoe UI" pitchFamily="34" charset="0"/>
-                <a:cs typeface="Segoe UI" pitchFamily="34" charset="0"/>
-              </a:rPr>
-              <a:t>© 2014 Microsoft Corporation. All rights reserved. MICROSOFT MAKES NO WARRANTIES, EXPRESS, IMPLIED OR STATUTORY, AS TO THE INFORMATION IN THIS PRESENTATION.</a:t>
-            </a:r>
-            <a:endParaRPr lang="en-US" sz="400" dirty="0">
-              <a:gradFill>
-                <a:gsLst>
-                  <a:gs pos="0">
-                    <a:prstClr val="black"/>
-                  </a:gs>
-                  <a:gs pos="100000">
-                    <a:prstClr val="black"/>
-                  </a:gs>
-                </a:gsLst>
-                <a:lin ang="5400000" scaled="0"/>
-              </a:gradFill>
-              <a:latin typeface="Segoe UI" pitchFamily="34" charset="0"/>
-              <a:ea typeface="Segoe UI" pitchFamily="34" charset="0"/>
-              <a:cs typeface="Segoe UI" pitchFamily="34" charset="0"/>
-            </a:endParaRPr>
-          </a:p>
-        </p:txBody>
-      </p:sp>
-      <p:sp>
-        <p:nvSpPr>
-          <p:cNvPr id="6" name="Date Placeholder 5"/>
-          <p:cNvSpPr>
-            <a:spLocks noGrp="1"/>
-          </p:cNvSpPr>
-          <p:nvPr>
-            <p:ph type="dt" idx="12"/>
-          </p:nvPr>
-        </p:nvSpPr>
-        <p:spPr/>
-        <p:txBody>
-          <a:bodyPr/>
-          <a:lstStyle/>
-          <a:p>
-            <a:fld id="{38EEC551-8CDA-4EB6-89BB-2A86C9F091C8}" type="datetime8">
-              <a:rPr lang="en-US" smtClean="0"/>
-              <a:t>3/30/2016 10:51 AM</a:t>
-            </a:fld>
-            <a:endParaRPr lang="en-US" dirty="0"/>
-          </a:p>
-        </p:txBody>
-      </p:sp>
-      <p:sp>
-        <p:nvSpPr>
-          <p:cNvPr id="7" name="Slide Number Placeholder 6"/>
-          <p:cNvSpPr>
-            <a:spLocks noGrp="1"/>
-          </p:cNvSpPr>
-          <p:nvPr>
-            <p:ph type="sldNum" sz="quarter" idx="13"/>
-          </p:nvPr>
-        </p:nvSpPr>
-        <p:spPr/>
-        <p:txBody>
-          <a:bodyPr/>
-          <a:lstStyle/>
-          <a:p>
-            <a:fld id="{B4008EB6-D09E-4580-8CD6-DDB14511944F}" type="slidenum">
-              <a:rPr lang="en-US" smtClean="0"/>
-              <a:pPr/>
-              <a:t>12</a:t>
-            </a:fld>
-            <a:endParaRPr lang="en-US" dirty="0"/>
-          </a:p>
-        </p:txBody>
-      </p:sp>
-    </p:spTree>
-    <p:extLst>
-      <p:ext uri="{BB962C8B-B14F-4D97-AF65-F5344CB8AC3E}">
-        <p14:creationId xmlns:p14="http://schemas.microsoft.com/office/powerpoint/2010/main" val="2316892694"/>
-      </p:ext>
-    </p:extLst>
-  </p:cSld>
-  <p:clrMapOvr>
-    <a:masterClrMapping/>
-  </p:clrMapOvr>
-</p:notes>
-</file>
-
-<file path=ppt/notesSlides/notesSlide11.xml><?xml version="1.0" encoding="utf-8"?>
-<p:notes xmlns:a="http://schemas.openxmlformats.org/drawingml/2006/main" xmlns:r="http://schemas.openxmlformats.org/officeDocument/2006/relationships" xmlns:p="http://schemas.openxmlformats.org/presentationml/2006/main">
-  <p:cSld>
-    <p:spTree>
-      <p:nvGrpSpPr>
-        <p:cNvPr id="1" name=""/>
-        <p:cNvGrpSpPr/>
-        <p:nvPr/>
-      </p:nvGrpSpPr>
-      <p:grpSpPr>
-        <a:xfrm>
-          <a:off x="0" y="0"/>
-          <a:ext cx="0" cy="0"/>
-          <a:chOff x="0" y="0"/>
-          <a:chExt cx="0" cy="0"/>
-        </a:xfrm>
-      </p:grpSpPr>
-      <p:sp>
-        <p:nvSpPr>
-          <p:cNvPr id="2" name="Slide Image Placeholder 1"/>
-          <p:cNvSpPr>
-            <a:spLocks noGrp="1" noRot="1" noChangeAspect="1"/>
-          </p:cNvSpPr>
-          <p:nvPr>
-            <p:ph type="sldImg"/>
-          </p:nvPr>
-        </p:nvSpPr>
-        <p:spPr/>
-      </p:sp>
-      <p:sp>
-        <p:nvSpPr>
-          <p:cNvPr id="3" name="Notes Placeholder 2"/>
-          <p:cNvSpPr>
-            <a:spLocks noGrp="1"/>
-          </p:cNvSpPr>
-          <p:nvPr>
-            <p:ph type="body" idx="1"/>
-          </p:nvPr>
-        </p:nvSpPr>
-        <p:spPr/>
-        <p:txBody>
-          <a:bodyPr/>
-          <a:lstStyle/>
-          <a:p>
-            <a:r>
               <a:rPr lang="en-US" baseline="0" dirty="0"/>
               <a:t>“As a follow-on to this lab, we also have the Azure IoT lab. In that, you’ll learn how to use the Raspberry Pi to send sensor data to IoT Hub and process it using other Azure IoT services.</a:t>
             </a:r>
@@ -1295,7 +1097,7 @@
                 <a:tabLst/>
                 <a:defRPr/>
               </a:pPr>
-              <a:t>13</a:t>
+              <a:t>12</a:t>
             </a:fld>
             <a:endParaRPr kumimoji="0" lang="en-US" sz="1200" b="0" i="0" u="none" strike="noStrike" kern="1200" cap="none" spc="0" normalizeH="0" baseline="0" noProof="0">
               <a:ln>
@@ -1327,7 +1129,7 @@
 </p:notes>
 </file>
 
-<file path=ppt/notesSlides/notesSlide12.xml><?xml version="1.0" encoding="utf-8"?>
+<file path=ppt/notesSlides/notesSlide11.xml><?xml version="1.0" encoding="utf-8"?>
 <p:notes xmlns:a="http://schemas.openxmlformats.org/drawingml/2006/main" xmlns:r="http://schemas.openxmlformats.org/officeDocument/2006/relationships" xmlns:p="http://schemas.openxmlformats.org/presentationml/2006/main">
   <p:cSld>
     <p:spTree>
@@ -1483,7 +1285,7 @@
 </p:notes>
 </file>
 
-<file path=ppt/notesSlides/notesSlide13.xml><?xml version="1.0" encoding="utf-8"?>
+<file path=ppt/notesSlides/notesSlide12.xml><?xml version="1.0" encoding="utf-8"?>
 <p:notes xmlns:a="http://schemas.openxmlformats.org/drawingml/2006/main" xmlns:r="http://schemas.openxmlformats.org/officeDocument/2006/relationships" xmlns:p="http://schemas.openxmlformats.org/presentationml/2006/main">
   <p:cSld>
     <p:spTree>
@@ -1639,7 +1441,7 @@
 </p:notes>
 </file>
 
-<file path=ppt/notesSlides/notesSlide14.xml><?xml version="1.0" encoding="utf-8"?>
+<file path=ppt/notesSlides/notesSlide13.xml><?xml version="1.0" encoding="utf-8"?>
 <p:notes xmlns:a="http://schemas.openxmlformats.org/drawingml/2006/main" xmlns:r="http://schemas.openxmlformats.org/officeDocument/2006/relationships" xmlns:p="http://schemas.openxmlformats.org/presentationml/2006/main">
   <p:cSld>
     <p:spTree>
@@ -1795,7 +1597,7 @@
 </p:notes>
 </file>
 
-<file path=ppt/notesSlides/notesSlide15.xml><?xml version="1.0" encoding="utf-8"?>
+<file path=ppt/notesSlides/notesSlide14.xml><?xml version="1.0" encoding="utf-8"?>
 <p:notes xmlns:a="http://schemas.openxmlformats.org/drawingml/2006/main" xmlns:r="http://schemas.openxmlformats.org/officeDocument/2006/relationships" xmlns:p="http://schemas.openxmlformats.org/presentationml/2006/main">
   <p:cSld>
     <p:spTree>
@@ -1951,7 +1753,7 @@
 </p:notes>
 </file>
 
-<file path=ppt/notesSlides/notesSlide16.xml><?xml version="1.0" encoding="utf-8"?>
+<file path=ppt/notesSlides/notesSlide15.xml><?xml version="1.0" encoding="utf-8"?>
 <p:notes xmlns:a="http://schemas.openxmlformats.org/drawingml/2006/main" xmlns:r="http://schemas.openxmlformats.org/officeDocument/2006/relationships" xmlns:p="http://schemas.openxmlformats.org/presentationml/2006/main">
   <p:cSld>
     <p:spTree>
@@ -2107,6 +1909,216 @@
 </p:notes>
 </file>
 
+<file path=ppt/notesSlides/notesSlide16.xml><?xml version="1.0" encoding="utf-8"?>
+<p:notes xmlns:a="http://schemas.openxmlformats.org/drawingml/2006/main" xmlns:r="http://schemas.openxmlformats.org/officeDocument/2006/relationships" xmlns:p="http://schemas.openxmlformats.org/presentationml/2006/main">
+  <p:cSld>
+    <p:spTree>
+      <p:nvGrpSpPr>
+        <p:cNvPr id="1" name=""/>
+        <p:cNvGrpSpPr/>
+        <p:nvPr/>
+      </p:nvGrpSpPr>
+      <p:grpSpPr>
+        <a:xfrm>
+          <a:off x="0" y="0"/>
+          <a:ext cx="0" cy="0"/>
+          <a:chOff x="0" y="0"/>
+          <a:chExt cx="0" cy="0"/>
+        </a:xfrm>
+      </p:grpSpPr>
+      <p:sp>
+        <p:nvSpPr>
+          <p:cNvPr id="2" name="Slide Image Placeholder 1"/>
+          <p:cNvSpPr>
+            <a:spLocks noGrp="1" noRot="1" noChangeAspect="1"/>
+          </p:cNvSpPr>
+          <p:nvPr>
+            <p:ph type="sldImg"/>
+          </p:nvPr>
+        </p:nvSpPr>
+        <p:spPr/>
+      </p:sp>
+      <p:sp>
+        <p:nvSpPr>
+          <p:cNvPr id="3" name="Notes Placeholder 2"/>
+          <p:cNvSpPr>
+            <a:spLocks noGrp="1"/>
+          </p:cNvSpPr>
+          <p:nvPr>
+            <p:ph type="body" idx="1"/>
+          </p:nvPr>
+        </p:nvSpPr>
+        <p:spPr/>
+        <p:txBody>
+          <a:bodyPr/>
+          <a:lstStyle/>
+          <a:p>
+            <a:pPr marL="0" marR="0" indent="0" algn="l" defTabSz="932742" rtl="0" eaLnBrk="1" fontAlgn="auto" latinLnBrk="0" hangingPunct="1">
+              <a:lnSpc>
+                <a:spcPct val="90000"/>
+              </a:lnSpc>
+              <a:spcBef>
+                <a:spcPts val="0"/>
+              </a:spcBef>
+              <a:spcAft>
+                <a:spcPts val="340"/>
+              </a:spcAft>
+              <a:buClrTx/>
+              <a:buSzTx/>
+              <a:buFontTx/>
+              <a:buNone/>
+              <a:tabLst/>
+              <a:defRPr/>
+            </a:pPr>
+            <a:r>
+              <a:rPr lang="en-US" b="1" dirty="0">
+                <a:latin typeface="Segoe"/>
+              </a:rPr>
+              <a:t>Speakers: </a:t>
+            </a:r>
+            <a:r>
+              <a:rPr lang="en-US" dirty="0">
+                <a:latin typeface="Segoe"/>
+              </a:rPr>
+              <a:t>Please note this slide will be updated with your session’s QR code during the scrub process which</a:t>
+            </a:r>
+            <a:r>
+              <a:rPr lang="en-US" baseline="0" dirty="0">
+                <a:latin typeface="Segoe"/>
+              </a:rPr>
+              <a:t> is </a:t>
+            </a:r>
+            <a:r>
+              <a:rPr lang="en-US" dirty="0">
+                <a:latin typeface="Segoe"/>
+              </a:rPr>
+              <a:t>outlined</a:t>
+            </a:r>
+            <a:r>
+              <a:rPr lang="en-US" baseline="0" dirty="0">
+                <a:latin typeface="Segoe"/>
+              </a:rPr>
+              <a:t> on side 3. Attendees can scan the QR code for access to your session’s </a:t>
+            </a:r>
+            <a:r>
+              <a:rPr lang="en-US" baseline="0" dirty="0" err="1">
+                <a:latin typeface="Segoe"/>
+              </a:rPr>
+              <a:t>eval</a:t>
+            </a:r>
+            <a:r>
+              <a:rPr lang="en-US" baseline="0" dirty="0">
+                <a:latin typeface="Segoe"/>
+              </a:rPr>
+              <a:t>.</a:t>
+            </a:r>
+            <a:endParaRPr lang="en-US" dirty="0">
+              <a:latin typeface="Segoe"/>
+            </a:endParaRPr>
+          </a:p>
+          <a:p>
+            <a:endParaRPr lang="en-US" dirty="0"/>
+          </a:p>
+        </p:txBody>
+      </p:sp>
+      <p:sp>
+        <p:nvSpPr>
+          <p:cNvPr id="4" name="Footer Placeholder 3"/>
+          <p:cNvSpPr>
+            <a:spLocks noGrp="1"/>
+          </p:cNvSpPr>
+          <p:nvPr>
+            <p:ph type="ftr" sz="quarter" idx="10"/>
+          </p:nvPr>
+        </p:nvSpPr>
+        <p:spPr/>
+        <p:txBody>
+          <a:bodyPr/>
+          <a:lstStyle/>
+          <a:p>
+            <a:pPr defTabSz="914099" eaLnBrk="0" hangingPunct="0"/>
+            <a:r>
+              <a:rPr lang="en-US" sz="400" dirty="0">
+                <a:gradFill>
+                  <a:gsLst>
+                    <a:gs pos="0">
+                      <a:prstClr val="black"/>
+                    </a:gs>
+                    <a:gs pos="100000">
+                      <a:prstClr val="black"/>
+                    </a:gs>
+                  </a:gsLst>
+                  <a:lin ang="5400000" scaled="0"/>
+                </a:gradFill>
+                <a:latin typeface="Segoe UI" pitchFamily="34" charset="0"/>
+                <a:ea typeface="Segoe UI" pitchFamily="34" charset="0"/>
+                <a:cs typeface="Segoe UI" pitchFamily="34" charset="0"/>
+              </a:rPr>
+              <a:t>© 2016 Microsoft Corporation. All rights reserved. Microsoft, Windows, and other product names are or may be registered trademarks and/or trademarks in the U.S. and/or other countries. The information herein is for informational purposes only and represents the current view of Microsoft Corporation as of the date of this presentation.  Because Microsoft must respond to changing market conditions, it should not be interpreted to be a commitment on the part of Microsoft, and Microsoft cannot guarantee the accuracy of any information provided after the date of this presentation.  MICROSOFT MAKES NO WARRANTIES, EXPRESS, IMPLIED OR STATUTORY, AS TO THE INFORMATION IN THIS PRESENTATION.</a:t>
+            </a:r>
+          </a:p>
+        </p:txBody>
+      </p:sp>
+      <p:sp>
+        <p:nvSpPr>
+          <p:cNvPr id="5" name="Date Placeholder 4"/>
+          <p:cNvSpPr>
+            <a:spLocks noGrp="1"/>
+          </p:cNvSpPr>
+          <p:nvPr>
+            <p:ph type="dt" idx="11"/>
+          </p:nvPr>
+        </p:nvSpPr>
+        <p:spPr/>
+        <p:txBody>
+          <a:bodyPr/>
+          <a:lstStyle/>
+          <a:p>
+            <a:fld id="{E74353ED-ACB2-44BF-A903-985B0AF962B7}" type="datetime1">
+              <a:rPr lang="en-US" smtClean="0"/>
+              <a:t>3/30/2016</a:t>
+            </a:fld>
+            <a:endParaRPr lang="en-US" dirty="0"/>
+          </a:p>
+        </p:txBody>
+      </p:sp>
+      <p:sp>
+        <p:nvSpPr>
+          <p:cNvPr id="6" name="Slide Number Placeholder 5"/>
+          <p:cNvSpPr>
+            <a:spLocks noGrp="1"/>
+          </p:cNvSpPr>
+          <p:nvPr>
+            <p:ph type="sldNum" sz="quarter" idx="12"/>
+          </p:nvPr>
+        </p:nvSpPr>
+        <p:spPr/>
+        <p:txBody>
+          <a:bodyPr/>
+          <a:lstStyle/>
+          <a:p>
+            <a:fld id="{B4008EB6-D09E-4580-8CD6-DDB14511944F}" type="slidenum">
+              <a:rPr lang="en-US" smtClean="0"/>
+              <a:pPr/>
+              <a:t>20</a:t>
+            </a:fld>
+            <a:endParaRPr lang="en-US" dirty="0"/>
+          </a:p>
+        </p:txBody>
+      </p:sp>
+    </p:spTree>
+    <p:extLst>
+      <p:ext uri="{BB962C8B-B14F-4D97-AF65-F5344CB8AC3E}">
+        <p14:creationId xmlns:p14="http://schemas.microsoft.com/office/powerpoint/2010/main" val="2642267037"/>
+      </p:ext>
+    </p:extLst>
+  </p:cSld>
+  <p:clrMapOvr>
+    <a:masterClrMapping/>
+  </p:clrMapOvr>
+</p:notes>
+</file>
+
 <file path=ppt/notesSlides/notesSlide17.xml><?xml version="1.0" encoding="utf-8"?>
 <p:notes xmlns:a="http://schemas.openxmlformats.org/drawingml/2006/main" xmlns:r="http://schemas.openxmlformats.org/officeDocument/2006/relationships" xmlns:p="http://schemas.openxmlformats.org/presentationml/2006/main">
   <p:cSld>
@@ -2151,216 +2163,6 @@
           <a:bodyPr/>
           <a:lstStyle/>
           <a:p>
-            <a:pPr marL="0" marR="0" indent="0" algn="l" defTabSz="932742" rtl="0" eaLnBrk="1" fontAlgn="auto" latinLnBrk="0" hangingPunct="1">
-              <a:lnSpc>
-                <a:spcPct val="90000"/>
-              </a:lnSpc>
-              <a:spcBef>
-                <a:spcPts val="0"/>
-              </a:spcBef>
-              <a:spcAft>
-                <a:spcPts val="340"/>
-              </a:spcAft>
-              <a:buClrTx/>
-              <a:buSzTx/>
-              <a:buFontTx/>
-              <a:buNone/>
-              <a:tabLst/>
-              <a:defRPr/>
-            </a:pPr>
-            <a:r>
-              <a:rPr lang="en-US" b="1" dirty="0">
-                <a:latin typeface="Segoe"/>
-              </a:rPr>
-              <a:t>Speakers: </a:t>
-            </a:r>
-            <a:r>
-              <a:rPr lang="en-US" dirty="0">
-                <a:latin typeface="Segoe"/>
-              </a:rPr>
-              <a:t>Please note this slide will be updated with your session’s QR code during the scrub process which</a:t>
-            </a:r>
-            <a:r>
-              <a:rPr lang="en-US" baseline="0" dirty="0">
-                <a:latin typeface="Segoe"/>
-              </a:rPr>
-              <a:t> is </a:t>
-            </a:r>
-            <a:r>
-              <a:rPr lang="en-US" dirty="0">
-                <a:latin typeface="Segoe"/>
-              </a:rPr>
-              <a:t>outlined</a:t>
-            </a:r>
-            <a:r>
-              <a:rPr lang="en-US" baseline="0" dirty="0">
-                <a:latin typeface="Segoe"/>
-              </a:rPr>
-              <a:t> on side 3. Attendees can scan the QR code for access to your session’s </a:t>
-            </a:r>
-            <a:r>
-              <a:rPr lang="en-US" baseline="0" dirty="0" err="1">
-                <a:latin typeface="Segoe"/>
-              </a:rPr>
-              <a:t>eval</a:t>
-            </a:r>
-            <a:r>
-              <a:rPr lang="en-US" baseline="0" dirty="0">
-                <a:latin typeface="Segoe"/>
-              </a:rPr>
-              <a:t>.</a:t>
-            </a:r>
-            <a:endParaRPr lang="en-US" dirty="0">
-              <a:latin typeface="Segoe"/>
-            </a:endParaRPr>
-          </a:p>
-          <a:p>
-            <a:endParaRPr lang="en-US" dirty="0"/>
-          </a:p>
-        </p:txBody>
-      </p:sp>
-      <p:sp>
-        <p:nvSpPr>
-          <p:cNvPr id="4" name="Footer Placeholder 3"/>
-          <p:cNvSpPr>
-            <a:spLocks noGrp="1"/>
-          </p:cNvSpPr>
-          <p:nvPr>
-            <p:ph type="ftr" sz="quarter" idx="10"/>
-          </p:nvPr>
-        </p:nvSpPr>
-        <p:spPr/>
-        <p:txBody>
-          <a:bodyPr/>
-          <a:lstStyle/>
-          <a:p>
-            <a:pPr defTabSz="914099" eaLnBrk="0" hangingPunct="0"/>
-            <a:r>
-              <a:rPr lang="en-US" sz="400" dirty="0">
-                <a:gradFill>
-                  <a:gsLst>
-                    <a:gs pos="0">
-                      <a:prstClr val="black"/>
-                    </a:gs>
-                    <a:gs pos="100000">
-                      <a:prstClr val="black"/>
-                    </a:gs>
-                  </a:gsLst>
-                  <a:lin ang="5400000" scaled="0"/>
-                </a:gradFill>
-                <a:latin typeface="Segoe UI" pitchFamily="34" charset="0"/>
-                <a:ea typeface="Segoe UI" pitchFamily="34" charset="0"/>
-                <a:cs typeface="Segoe UI" pitchFamily="34" charset="0"/>
-              </a:rPr>
-              <a:t>© 2016 Microsoft Corporation. All rights reserved. Microsoft, Windows, and other product names are or may be registered trademarks and/or trademarks in the U.S. and/or other countries. The information herein is for informational purposes only and represents the current view of Microsoft Corporation as of the date of this presentation.  Because Microsoft must respond to changing market conditions, it should not be interpreted to be a commitment on the part of Microsoft, and Microsoft cannot guarantee the accuracy of any information provided after the date of this presentation.  MICROSOFT MAKES NO WARRANTIES, EXPRESS, IMPLIED OR STATUTORY, AS TO THE INFORMATION IN THIS PRESENTATION.</a:t>
-            </a:r>
-          </a:p>
-        </p:txBody>
-      </p:sp>
-      <p:sp>
-        <p:nvSpPr>
-          <p:cNvPr id="5" name="Date Placeholder 4"/>
-          <p:cNvSpPr>
-            <a:spLocks noGrp="1"/>
-          </p:cNvSpPr>
-          <p:nvPr>
-            <p:ph type="dt" idx="11"/>
-          </p:nvPr>
-        </p:nvSpPr>
-        <p:spPr/>
-        <p:txBody>
-          <a:bodyPr/>
-          <a:lstStyle/>
-          <a:p>
-            <a:fld id="{E74353ED-ACB2-44BF-A903-985B0AF962B7}" type="datetime1">
-              <a:rPr lang="en-US" smtClean="0"/>
-              <a:t>3/30/2016</a:t>
-            </a:fld>
-            <a:endParaRPr lang="en-US" dirty="0"/>
-          </a:p>
-        </p:txBody>
-      </p:sp>
-      <p:sp>
-        <p:nvSpPr>
-          <p:cNvPr id="6" name="Slide Number Placeholder 5"/>
-          <p:cNvSpPr>
-            <a:spLocks noGrp="1"/>
-          </p:cNvSpPr>
-          <p:nvPr>
-            <p:ph type="sldNum" sz="quarter" idx="12"/>
-          </p:nvPr>
-        </p:nvSpPr>
-        <p:spPr/>
-        <p:txBody>
-          <a:bodyPr/>
-          <a:lstStyle/>
-          <a:p>
-            <a:fld id="{B4008EB6-D09E-4580-8CD6-DDB14511944F}" type="slidenum">
-              <a:rPr lang="en-US" smtClean="0"/>
-              <a:pPr/>
-              <a:t>20</a:t>
-            </a:fld>
-            <a:endParaRPr lang="en-US" dirty="0"/>
-          </a:p>
-        </p:txBody>
-      </p:sp>
-    </p:spTree>
-    <p:extLst>
-      <p:ext uri="{BB962C8B-B14F-4D97-AF65-F5344CB8AC3E}">
-        <p14:creationId xmlns:p14="http://schemas.microsoft.com/office/powerpoint/2010/main" val="2642267037"/>
-      </p:ext>
-    </p:extLst>
-  </p:cSld>
-  <p:clrMapOvr>
-    <a:masterClrMapping/>
-  </p:clrMapOvr>
-</p:notes>
-</file>
-
-<file path=ppt/notesSlides/notesSlide18.xml><?xml version="1.0" encoding="utf-8"?>
-<p:notes xmlns:a="http://schemas.openxmlformats.org/drawingml/2006/main" xmlns:r="http://schemas.openxmlformats.org/officeDocument/2006/relationships" xmlns:p="http://schemas.openxmlformats.org/presentationml/2006/main">
-  <p:cSld>
-    <p:spTree>
-      <p:nvGrpSpPr>
-        <p:cNvPr id="1" name=""/>
-        <p:cNvGrpSpPr/>
-        <p:nvPr/>
-      </p:nvGrpSpPr>
-      <p:grpSpPr>
-        <a:xfrm>
-          <a:off x="0" y="0"/>
-          <a:ext cx="0" cy="0"/>
-          <a:chOff x="0" y="0"/>
-          <a:chExt cx="0" cy="0"/>
-        </a:xfrm>
-      </p:grpSpPr>
-      <p:sp>
-        <p:nvSpPr>
-          <p:cNvPr id="2" name="Slide Image Placeholder 1"/>
-          <p:cNvSpPr>
-            <a:spLocks noGrp="1" noRot="1" noChangeAspect="1"/>
-          </p:cNvSpPr>
-          <p:nvPr>
-            <p:ph type="sldImg"/>
-          </p:nvPr>
-        </p:nvSpPr>
-        <p:spPr/>
-      </p:sp>
-      <p:sp>
-        <p:nvSpPr>
-          <p:cNvPr id="3" name="Notes Placeholder 2"/>
-          <p:cNvSpPr>
-            <a:spLocks noGrp="1"/>
-          </p:cNvSpPr>
-          <p:nvPr>
-            <p:ph type="body" idx="1"/>
-          </p:nvPr>
-        </p:nvSpPr>
-        <p:spPr/>
-        <p:txBody>
-          <a:bodyPr/>
-          <a:lstStyle/>
-          <a:p>
             <a:endParaRPr lang="en-US" dirty="0"/>
           </a:p>
         </p:txBody>
@@ -2458,7 +2260,7 @@
           <a:p>
             <a:fld id="{38EEC551-8CDA-4EB6-89BB-2A86C9F091C8}" type="datetime8">
               <a:rPr lang="en-US" smtClean="0"/>
-              <a:t>3/30/2016 10:51 AM</a:t>
+              <a:t>3/30/2016 9:39 PM</a:t>
             </a:fld>
             <a:endParaRPr lang="en-US" dirty="0"/>
           </a:p>
@@ -2664,7 +2466,7 @@
                 </a:solidFill>
               </a:rPr>
               <a:pPr/>
-              <a:t>3/30/2016 10:51 AM</a:t>
+              <a:t>3/30/2016 9:39 PM</a:t>
             </a:fld>
             <a:endParaRPr lang="en-US" dirty="0">
               <a:solidFill>
@@ -2841,7 +2643,7 @@
           <a:p>
             <a:fld id="{90EC29EE-A8AD-4CE0-9C0B-116E0D4D7533}" type="datetime8">
               <a:rPr lang="en-US" smtClean="0"/>
-              <a:t>3/30/2016 10:51 AM</a:t>
+              <a:t>3/30/2016 9:39 PM</a:t>
             </a:fld>
             <a:endParaRPr lang="en-US" dirty="0"/>
           </a:p>
@@ -3039,7 +2841,7 @@
                 </a:solidFill>
               </a:rPr>
               <a:pPr/>
-              <a:t>3/30/2016 10:51 AM</a:t>
+              <a:t>3/30/2016 9:39 PM</a:t>
             </a:fld>
             <a:endParaRPr lang="en-US" dirty="0">
               <a:solidFill>
@@ -3389,7 +3191,7 @@
           <a:p>
             <a:fld id="{90EC29EE-A8AD-4CE0-9C0B-116E0D4D7533}" type="datetime8">
               <a:rPr lang="en-US" smtClean="0"/>
-              <a:t>3/30/2016 10:51 AM</a:t>
+              <a:t>3/30/2016 9:39 PM</a:t>
             </a:fld>
             <a:endParaRPr lang="en-US" dirty="0"/>
           </a:p>
@@ -3899,7 +3701,7 @@
           <a:p>
             <a:fld id="{38EEC551-8CDA-4EB6-89BB-2A86C9F091C8}" type="datetime8">
               <a:rPr lang="en-US" smtClean="0"/>
-              <a:t>3/30/2016 10:51 AM</a:t>
+              <a:t>3/30/2016 9:54 PM</a:t>
             </a:fld>
             <a:endParaRPr lang="en-US" dirty="0"/>
           </a:p>
@@ -3932,7 +3734,7 @@
     </p:spTree>
     <p:extLst>
       <p:ext uri="{BB962C8B-B14F-4D97-AF65-F5344CB8AC3E}">
-        <p14:creationId xmlns:p14="http://schemas.microsoft.com/office/powerpoint/2010/main" val="3370971105"/>
+        <p14:creationId xmlns:p14="http://schemas.microsoft.com/office/powerpoint/2010/main" val="2316892694"/>
       </p:ext>
     </p:extLst>
   </p:cSld>
@@ -20296,7 +20098,7 @@
         <p:spPr>
           <a:xfrm>
             <a:off x="350836" y="3954463"/>
-            <a:ext cx="11277601" cy="1538883"/>
+            <a:ext cx="11506201" cy="1292662"/>
           </a:xfrm>
         </p:spPr>
         <p:txBody>
@@ -20307,8 +20109,8 @@
               <a:buNone/>
             </a:pPr>
             <a:r>
-              <a:rPr lang="en-US" sz="4400" dirty="0"/>
-              <a:t>Share your photos and experiences!</a:t>
+              <a:rPr lang="en-US" sz="3600" dirty="0"/>
+              <a:t>http://aka.ms/angle-hol</a:t>
             </a:r>
           </a:p>
           <a:p>
@@ -20316,109 +20118,14 @@
               <a:buNone/>
             </a:pPr>
             <a:r>
-              <a:rPr lang="en-US" sz="4400" dirty="0"/>
-              <a:t>#Build2016</a:t>
-            </a:r>
-          </a:p>
-        </p:txBody>
-      </p:sp>
-    </p:spTree>
-    <p:extLst>
-      <p:ext uri="{BB962C8B-B14F-4D97-AF65-F5344CB8AC3E}">
-        <p14:creationId xmlns:p14="http://schemas.microsoft.com/office/powerpoint/2010/main" val="3305032595"/>
-      </p:ext>
-    </p:extLst>
-  </p:cSld>
-  <p:clrMapOvr>
-    <a:masterClrMapping/>
-  </p:clrMapOvr>
-  <p:transition>
-    <p:fade/>
-  </p:transition>
-</p:sld>
-</file>
-
-<file path=ppt/slides/slide12.xml><?xml version="1.0" encoding="utf-8"?>
-<p:sld xmlns:a="http://schemas.openxmlformats.org/drawingml/2006/main" xmlns:r="http://schemas.openxmlformats.org/officeDocument/2006/relationships" xmlns:p="http://schemas.openxmlformats.org/presentationml/2006/main">
-  <p:cSld>
-    <p:spTree>
-      <p:nvGrpSpPr>
-        <p:cNvPr id="1" name=""/>
-        <p:cNvGrpSpPr/>
-        <p:nvPr/>
-      </p:nvGrpSpPr>
-      <p:grpSpPr>
-        <a:xfrm>
-          <a:off x="0" y="0"/>
-          <a:ext cx="0" cy="0"/>
-          <a:chOff x="0" y="0"/>
-          <a:chExt cx="0" cy="0"/>
-        </a:xfrm>
-      </p:grpSpPr>
-      <p:sp>
-        <p:nvSpPr>
-          <p:cNvPr id="4" name="Title 3"/>
-          <p:cNvSpPr>
-            <a:spLocks noGrp="1"/>
-          </p:cNvSpPr>
-          <p:nvPr>
-            <p:ph type="title"/>
-          </p:nvPr>
-        </p:nvSpPr>
-        <p:spPr>
-          <a:xfrm>
-            <a:off x="274638" y="1287462"/>
-            <a:ext cx="11887200" cy="1903400"/>
-          </a:xfrm>
-        </p:spPr>
-        <p:txBody>
-          <a:bodyPr/>
-          <a:lstStyle/>
-          <a:p>
-            <a:r>
-              <a:rPr lang="en-US" sz="11500" dirty="0"/>
-              <a:t>Lab</a:t>
-            </a:r>
-          </a:p>
-        </p:txBody>
-      </p:sp>
-      <p:sp>
-        <p:nvSpPr>
-          <p:cNvPr id="7" name="Text Placeholder 6"/>
-          <p:cNvSpPr>
-            <a:spLocks noGrp="1"/>
-          </p:cNvSpPr>
-          <p:nvPr>
-            <p:ph type="body" sz="quarter" idx="4294967295"/>
-          </p:nvPr>
-        </p:nvSpPr>
-        <p:spPr>
-          <a:xfrm>
-            <a:off x="350836" y="3954463"/>
-            <a:ext cx="11277601" cy="1538883"/>
-          </a:xfrm>
-        </p:spPr>
-        <p:txBody>
-          <a:bodyPr/>
-          <a:lstStyle/>
-          <a:p>
-            <a:pPr marL="0" indent="0">
-              <a:buNone/>
-            </a:pPr>
-            <a:r>
-              <a:rPr lang="en-US" sz="4400" dirty="0"/>
-              <a:t>http://aka.ms/angle-hol</a:t>
-            </a:r>
-          </a:p>
-          <a:p>
-            <a:pPr marL="0" indent="0">
-              <a:buNone/>
-            </a:pPr>
-            <a:r>
-              <a:rPr lang="en-US" sz="4400" dirty="0" err="1"/>
+              <a:rPr lang="en-US" sz="3600" dirty="0"/>
+              <a:t>CodeLabs-GameDev-3-ANGLE\</a:t>
+            </a:r>
+            <a:r>
+              <a:rPr lang="en-US" sz="3600" dirty="0" err="1"/>
               <a:t>ANGLE.shortcut</a:t>
             </a:r>
-            <a:endParaRPr lang="en-US" sz="4400" dirty="0"/>
+            <a:endParaRPr lang="en-US" sz="3600" dirty="0"/>
           </a:p>
         </p:txBody>
       </p:sp>
@@ -20438,7 +20145,7 @@
 </p:sld>
 </file>
 
-<file path=ppt/slides/slide13.xml><?xml version="1.0" encoding="utf-8"?>
+<file path=ppt/slides/slide12.xml><?xml version="1.0" encoding="utf-8"?>
 <p:sld xmlns:a="http://schemas.openxmlformats.org/drawingml/2006/main" xmlns:r="http://schemas.openxmlformats.org/officeDocument/2006/relationships" xmlns:p="http://schemas.openxmlformats.org/presentationml/2006/main">
   <p:cSld>
     <p:spTree>
@@ -21171,26 +20878,37 @@
         </p:nvSpPr>
         <p:spPr>
           <a:xfrm>
-            <a:off x="4117663" y="3266431"/>
-            <a:ext cx="4201150" cy="461665"/>
+            <a:off x="1965960" y="3266431"/>
+            <a:ext cx="9586277" cy="1477328"/>
           </a:xfrm>
           <a:prstGeom prst="rect">
             <a:avLst/>
           </a:prstGeom>
         </p:spPr>
         <p:txBody>
-          <a:bodyPr wrap="none">
+          <a:bodyPr wrap="square">
             <a:spAutoFit/>
           </a:bodyPr>
           <a:lstStyle/>
           <a:p>
-            <a:pPr lvl="1"/>
             <a:r>
               <a:rPr lang="en-US" sz="2400" b="1" dirty="0">
                 <a:hlinkClick r:id="rId3"/>
               </a:rPr>
               <a:t>http://aka.ms/angle-ex1</a:t>
             </a:r>
+            <a:endParaRPr lang="en-US" sz="2400" b="1" dirty="0"/>
+          </a:p>
+          <a:p>
+            <a:endParaRPr lang="en-US" sz="2400" b="1" dirty="0"/>
+          </a:p>
+          <a:p>
+            <a:r>
+              <a:rPr lang="en-US" sz="2400" dirty="0"/>
+              <a:t>CodeLabs-GameDev-3-ANGLE\Source\Ex1\Ex1.shortcut</a:t>
+            </a:r>
+          </a:p>
+          <a:p>
             <a:endParaRPr lang="en-US" dirty="0"/>
           </a:p>
         </p:txBody>
@@ -21213,6 +20931,146 @@
       <p:transition/>
     </mc:Fallback>
   </mc:AlternateContent>
+</p:sld>
+</file>
+
+<file path=ppt/slides/slide13.xml><?xml version="1.0" encoding="utf-8"?>
+<p:sld xmlns:a="http://schemas.openxmlformats.org/drawingml/2006/main" xmlns:r="http://schemas.openxmlformats.org/officeDocument/2006/relationships" xmlns:p="http://schemas.openxmlformats.org/presentationml/2006/main">
+  <p:cSld>
+    <p:spTree>
+      <p:nvGrpSpPr>
+        <p:cNvPr id="1" name=""/>
+        <p:cNvGrpSpPr/>
+        <p:nvPr/>
+      </p:nvGrpSpPr>
+      <p:grpSpPr>
+        <a:xfrm>
+          <a:off x="0" y="0"/>
+          <a:ext cx="0" cy="0"/>
+          <a:chOff x="0" y="0"/>
+          <a:chExt cx="0" cy="0"/>
+        </a:xfrm>
+      </p:grpSpPr>
+      <p:sp>
+        <p:nvSpPr>
+          <p:cNvPr id="2" name="Title 1"/>
+          <p:cNvSpPr>
+            <a:spLocks noGrp="1"/>
+          </p:cNvSpPr>
+          <p:nvPr>
+            <p:ph type="title"/>
+          </p:nvPr>
+        </p:nvSpPr>
+        <p:spPr>
+          <a:xfrm>
+            <a:off x="274639" y="295274"/>
+            <a:ext cx="4419598" cy="917575"/>
+          </a:xfrm>
+        </p:spPr>
+        <p:txBody>
+          <a:bodyPr/>
+          <a:lstStyle/>
+          <a:p>
+            <a:r>
+              <a:rPr lang="en-US" dirty="0"/>
+              <a:t>ANGLE Project</a:t>
+            </a:r>
+          </a:p>
+        </p:txBody>
+      </p:sp>
+      <p:sp>
+        <p:nvSpPr>
+          <p:cNvPr id="3" name="Text Placeholder 2"/>
+          <p:cNvSpPr>
+            <a:spLocks noGrp="1"/>
+          </p:cNvSpPr>
+          <p:nvPr>
+            <p:ph type="body" sz="quarter" idx="10"/>
+          </p:nvPr>
+        </p:nvSpPr>
+        <p:spPr>
+          <a:xfrm>
+            <a:off x="274639" y="1287462"/>
+            <a:ext cx="4952999" cy="3877985"/>
+          </a:xfrm>
+        </p:spPr>
+        <p:txBody>
+          <a:bodyPr/>
+          <a:lstStyle/>
+          <a:p>
+            <a:r>
+              <a:rPr lang="en-US" sz="3200" dirty="0" err="1"/>
+              <a:t>App.xaml</a:t>
+            </a:r>
+            <a:endParaRPr lang="en-US" sz="3200" dirty="0"/>
+          </a:p>
+          <a:p>
+            <a:endParaRPr lang="en-US" sz="3200" dirty="0"/>
+          </a:p>
+          <a:p>
+            <a:r>
+              <a:rPr lang="en-US" sz="3200" dirty="0" err="1"/>
+              <a:t>OpenGLESPage</a:t>
+            </a:r>
+            <a:endParaRPr lang="en-US" sz="3200" dirty="0"/>
+          </a:p>
+          <a:p>
+            <a:endParaRPr lang="en-US" sz="3200" dirty="0"/>
+          </a:p>
+          <a:p>
+            <a:r>
+              <a:rPr lang="en-US" sz="3200" dirty="0"/>
+              <a:t>OpenGLES.cpp</a:t>
+            </a:r>
+          </a:p>
+          <a:p>
+            <a:endParaRPr lang="en-US" sz="3200" dirty="0"/>
+          </a:p>
+          <a:p>
+            <a:r>
+              <a:rPr lang="en-US" sz="3200" dirty="0"/>
+              <a:t>SimpleRenderer.cpp</a:t>
+            </a:r>
+          </a:p>
+        </p:txBody>
+      </p:sp>
+      <p:pic>
+        <p:nvPicPr>
+          <p:cNvPr id="5" name="Picture 4"/>
+          <p:cNvPicPr>
+            <a:picLocks noChangeAspect="1"/>
+          </p:cNvPicPr>
+          <p:nvPr/>
+        </p:nvPicPr>
+        <p:blipFill>
+          <a:blip r:embed="rId2"/>
+          <a:stretch>
+            <a:fillRect/>
+          </a:stretch>
+        </p:blipFill>
+        <p:spPr>
+          <a:xfrm>
+            <a:off x="5684837" y="373062"/>
+            <a:ext cx="5305425" cy="6057900"/>
+          </a:xfrm>
+          <a:prstGeom prst="rect">
+            <a:avLst/>
+          </a:prstGeom>
+        </p:spPr>
+      </p:pic>
+    </p:spTree>
+    <p:extLst>
+      <p:ext uri="{BB962C8B-B14F-4D97-AF65-F5344CB8AC3E}">
+        <p14:creationId xmlns:p14="http://schemas.microsoft.com/office/powerpoint/2010/main" val="362378448"/>
+      </p:ext>
+    </p:extLst>
+  </p:cSld>
+  <p:clrMapOvr>
+    <a:masterClrMapping/>
+  </p:clrMapOvr>
+  <p:transition>
+    <p:fade/>
+  </p:transition>
 </p:sld>
 </file>
 
@@ -21970,27 +21828,35 @@
         </p:nvSpPr>
         <p:spPr>
           <a:xfrm>
-            <a:off x="4117663" y="3266431"/>
-            <a:ext cx="4201150" cy="461665"/>
+            <a:off x="1968859" y="3266431"/>
+            <a:ext cx="7968667" cy="1200329"/>
           </a:xfrm>
           <a:prstGeom prst="rect">
             <a:avLst/>
           </a:prstGeom>
         </p:spPr>
         <p:txBody>
-          <a:bodyPr wrap="none">
+          <a:bodyPr wrap="square">
             <a:spAutoFit/>
           </a:bodyPr>
           <a:lstStyle/>
           <a:p>
-            <a:pPr lvl="1"/>
             <a:r>
               <a:rPr lang="en-US" sz="2400" b="1" dirty="0">
                 <a:hlinkClick r:id="rId3"/>
               </a:rPr>
               <a:t>http://aka.ms/angle-ex2</a:t>
             </a:r>
-            <a:endParaRPr lang="en-US" dirty="0"/>
+            <a:endParaRPr lang="en-US" sz="2400" b="1" dirty="0"/>
+          </a:p>
+          <a:p>
+            <a:endParaRPr lang="en-US" sz="2400" b="1" dirty="0"/>
+          </a:p>
+          <a:p>
+            <a:r>
+              <a:rPr lang="en-US" sz="2400" dirty="0"/>
+              <a:t>CodeLabs-GameDev-3-ANGLE\Source\Ex2\Ex2.shortcut</a:t>
+            </a:r>
           </a:p>
         </p:txBody>
       </p:sp>
@@ -22040,7 +21906,7 @@
         </p:nvSpPr>
         <p:spPr bwMode="auto">
           <a:xfrm>
-            <a:off x="-175159" y="1557463"/>
+            <a:off x="1764" y="1551180"/>
             <a:ext cx="12434711" cy="5298882"/>
           </a:xfrm>
           <a:prstGeom prst="rect">
@@ -22769,27 +22635,35 @@
         </p:nvSpPr>
         <p:spPr>
           <a:xfrm>
-            <a:off x="4117663" y="3266431"/>
-            <a:ext cx="4201150" cy="461665"/>
+            <a:off x="1968859" y="3266431"/>
+            <a:ext cx="9507178" cy="1200329"/>
           </a:xfrm>
           <a:prstGeom prst="rect">
             <a:avLst/>
           </a:prstGeom>
         </p:spPr>
         <p:txBody>
-          <a:bodyPr wrap="none">
+          <a:bodyPr wrap="square">
             <a:spAutoFit/>
           </a:bodyPr>
           <a:lstStyle/>
           <a:p>
-            <a:pPr lvl="1"/>
             <a:r>
               <a:rPr lang="en-US" sz="2400" b="1" dirty="0">
                 <a:hlinkClick r:id="rId3"/>
               </a:rPr>
               <a:t>http://aka.ms/angle-ex3</a:t>
             </a:r>
-            <a:endParaRPr lang="en-US" dirty="0"/>
+            <a:endParaRPr lang="en-US" sz="2400" b="1" dirty="0"/>
+          </a:p>
+          <a:p>
+            <a:endParaRPr lang="en-US" sz="2400" b="1" dirty="0"/>
+          </a:p>
+          <a:p>
+            <a:r>
+              <a:rPr lang="en-US" sz="2400" dirty="0"/>
+              <a:t>CodeLabs-GameDev-3-ANGLE\Source\Ex3\Ex3.shortcut</a:t>
+            </a:r>
           </a:p>
         </p:txBody>
       </p:sp>
@@ -22839,7 +22713,7 @@
         </p:nvSpPr>
         <p:spPr bwMode="auto">
           <a:xfrm>
-            <a:off x="882" y="1547274"/>
+            <a:off x="0" y="1551180"/>
             <a:ext cx="12434711" cy="5298882"/>
           </a:xfrm>
           <a:prstGeom prst="rect">
@@ -23568,27 +23442,35 @@
         </p:nvSpPr>
         <p:spPr>
           <a:xfrm>
-            <a:off x="4117663" y="3266431"/>
-            <a:ext cx="4201150" cy="461665"/>
+            <a:off x="1968858" y="3266431"/>
+            <a:ext cx="9586277" cy="1200329"/>
           </a:xfrm>
           <a:prstGeom prst="rect">
             <a:avLst/>
           </a:prstGeom>
         </p:spPr>
         <p:txBody>
-          <a:bodyPr wrap="none">
+          <a:bodyPr wrap="square">
             <a:spAutoFit/>
           </a:bodyPr>
           <a:lstStyle/>
           <a:p>
-            <a:pPr lvl="1"/>
             <a:r>
               <a:rPr lang="en-US" sz="2400" b="1" dirty="0">
                 <a:hlinkClick r:id="rId3"/>
               </a:rPr>
               <a:t>http://aka.ms/angle-ex4</a:t>
             </a:r>
-            <a:endParaRPr lang="en-US" dirty="0"/>
+            <a:endParaRPr lang="en-US" sz="2400" b="1" dirty="0"/>
+          </a:p>
+          <a:p>
+            <a:endParaRPr lang="en-US" sz="2400" b="1" dirty="0"/>
+          </a:p>
+          <a:p>
+            <a:r>
+              <a:rPr lang="en-US" sz="2400" dirty="0"/>
+              <a:t>CodeLabs-GameDev-3-ANGLE\Source\Ex4\Ex4.shortcut</a:t>
+            </a:r>
           </a:p>
         </p:txBody>
       </p:sp>
@@ -23679,10 +23561,9 @@
           <a:p>
             <a:pPr lvl="1"/>
             <a:r>
-              <a:rPr lang="en-US"/>
+              <a:rPr lang="en-US" dirty="0"/>
               <a:t>https://github.com/Microsoft-Build-2016/CodeLabs-GameDev-3-ANGLE/blob/master/Source/Ex4/README.md</a:t>
             </a:r>
-            <a:endParaRPr lang="en-US" dirty="0"/>
           </a:p>
         </p:txBody>
       </p:sp>
@@ -24355,26 +24236,37 @@
         </p:nvSpPr>
         <p:spPr>
           <a:xfrm>
-            <a:off x="4117663" y="3266431"/>
-            <a:ext cx="4201150" cy="461665"/>
+            <a:off x="1965960" y="3266431"/>
+            <a:ext cx="9586277" cy="1477328"/>
           </a:xfrm>
           <a:prstGeom prst="rect">
             <a:avLst/>
           </a:prstGeom>
         </p:spPr>
         <p:txBody>
-          <a:bodyPr wrap="none">
+          <a:bodyPr wrap="square">
             <a:spAutoFit/>
           </a:bodyPr>
           <a:lstStyle/>
           <a:p>
-            <a:pPr lvl="1"/>
             <a:r>
               <a:rPr lang="en-US" sz="2400" b="1" dirty="0">
                 <a:hlinkClick r:id="rId3"/>
               </a:rPr>
               <a:t>http://aka.ms/angle-ex7</a:t>
             </a:r>
+            <a:endParaRPr lang="en-US" sz="2400" b="1" dirty="0"/>
+          </a:p>
+          <a:p>
+            <a:endParaRPr lang="en-US" sz="2400" b="1" dirty="0"/>
+          </a:p>
+          <a:p>
+            <a:r>
+              <a:rPr lang="en-US" sz="2400" dirty="0"/>
+              <a:t>CodeLabs-GameDev-3-ANGLE\Source\Ex7\Ex7.shortcut</a:t>
+            </a:r>
+          </a:p>
+          <a:p>
             <a:endParaRPr lang="en-US" dirty="0"/>
           </a:p>
         </p:txBody>
@@ -25982,6 +25874,12 @@
             <a:r>
               <a:rPr lang="en-US" dirty="0"/>
               <a:t>Senior Software Engineer</a:t>
+            </a:r>
+          </a:p>
+          <a:p>
+            <a:r>
+              <a:rPr lang="en-US" dirty="0"/>
+              <a:t>dalestam@microsoft.com</a:t>
             </a:r>
           </a:p>
         </p:txBody>
@@ -34457,6 +34355,12 @@
 </file>
 
 <file path=customXml/item1.xml><?xml version="1.0" encoding="utf-8"?>
+<p:properties xmlns:p="http://schemas.microsoft.com/office/2006/metadata/properties" xmlns:xsi="http://www.w3.org/2001/XMLSchema-instance" xmlns:pc="http://schemas.microsoft.com/office/infopath/2007/PartnerControls">
+  <documentManagement/>
+</p:properties>
+</file>
+
+<file path=customXml/item2.xml><?xml version="1.0" encoding="utf-8"?>
 <ct:contentTypeSchema xmlns:ct="http://schemas.microsoft.com/office/2006/metadata/contentType" xmlns:ma="http://schemas.microsoft.com/office/2006/metadata/properties/metaAttributes" ct:_="" ma:_="" ma:contentTypeName="Document" ma:contentTypeID="0x010100F50271A20F7B3C41B827A8F04D548019" ma:contentTypeVersion="2" ma:contentTypeDescription="Create a new document." ma:contentTypeScope="" ma:versionID="0f5b4adeca3fa452dfd663ff4e0777e3">
   <xsd:schema xmlns:xsd="http://www.w3.org/2001/XMLSchema" xmlns:xs="http://www.w3.org/2001/XMLSchema" xmlns:p="http://schemas.microsoft.com/office/2006/metadata/properties" xmlns:ns2="f85c541c-390e-4fa8-b262-5da5c5cfad75" targetNamespace="http://schemas.microsoft.com/office/2006/metadata/properties" ma:root="true" ma:fieldsID="592d4a22e1cc7090506e0998bb31d05e" ns2:_="">
     <xsd:import namespace="f85c541c-390e-4fa8-b262-5da5c5cfad75"/>
@@ -34604,12 +34508,6 @@
 </ct:contentTypeSchema>
 </file>
 
-<file path=customXml/item2.xml><?xml version="1.0" encoding="utf-8"?>
-<p:properties xmlns:p="http://schemas.microsoft.com/office/2006/metadata/properties" xmlns:xsi="http://www.w3.org/2001/XMLSchema-instance" xmlns:pc="http://schemas.microsoft.com/office/infopath/2007/PartnerControls">
-  <documentManagement/>
-</p:properties>
-</file>
-
 <file path=customXml/item3.xml><?xml version="1.0" encoding="utf-8"?>
 <?mso-contentType ?>
 <FormTemplates xmlns="http://schemas.microsoft.com/sharepoint/v3/contenttype/forms">
@@ -34620,6 +34518,22 @@
 </file>
 
 <file path=customXml/itemProps1.xml><?xml version="1.0" encoding="utf-8"?>
+<ds:datastoreItem xmlns:ds="http://schemas.openxmlformats.org/officeDocument/2006/customXml" ds:itemID="{F990F116-B58F-4255-B05B-DA3808E0E5C6}">
+  <ds:schemaRefs>
+    <ds:schemaRef ds:uri="http://purl.org/dc/terms/"/>
+    <ds:schemaRef ds:uri="http://schemas.openxmlformats.org/package/2006/metadata/core-properties"/>
+    <ds:schemaRef ds:uri="http://schemas.microsoft.com/office/2006/documentManagement/types"/>
+    <ds:schemaRef ds:uri="http://schemas.microsoft.com/office/infopath/2007/PartnerControls"/>
+    <ds:schemaRef ds:uri="http://purl.org/dc/elements/1.1/"/>
+    <ds:schemaRef ds:uri="http://schemas.microsoft.com/office/2006/metadata/properties"/>
+    <ds:schemaRef ds:uri="f85c541c-390e-4fa8-b262-5da5c5cfad75"/>
+    <ds:schemaRef ds:uri="http://www.w3.org/XML/1998/namespace"/>
+    <ds:schemaRef ds:uri="http://purl.org/dc/dcmitype/"/>
+  </ds:schemaRefs>
+</ds:datastoreItem>
+</file>
+
+<file path=customXml/itemProps2.xml><?xml version="1.0" encoding="utf-8"?>
 <ds:datastoreItem xmlns:ds="http://schemas.openxmlformats.org/officeDocument/2006/customXml" ds:itemID="{16C79B61-263D-4889-954E-B7F93FBE6617}">
   <ds:schemaRefs>
     <ds:schemaRef ds:uri="http://schemas.microsoft.com/office/2006/metadata/contentType"/>
@@ -34637,22 +34551,6 @@
 </ds:datastoreItem>
 </file>
 
-<file path=customXml/itemProps2.xml><?xml version="1.0" encoding="utf-8"?>
-<ds:datastoreItem xmlns:ds="http://schemas.openxmlformats.org/officeDocument/2006/customXml" ds:itemID="{F990F116-B58F-4255-B05B-DA3808E0E5C6}">
-  <ds:schemaRefs>
-    <ds:schemaRef ds:uri="http://purl.org/dc/terms/"/>
-    <ds:schemaRef ds:uri="http://schemas.openxmlformats.org/package/2006/metadata/core-properties"/>
-    <ds:schemaRef ds:uri="http://schemas.microsoft.com/office/2006/documentManagement/types"/>
-    <ds:schemaRef ds:uri="http://schemas.microsoft.com/office/infopath/2007/PartnerControls"/>
-    <ds:schemaRef ds:uri="http://purl.org/dc/elements/1.1/"/>
-    <ds:schemaRef ds:uri="http://schemas.microsoft.com/office/2006/metadata/properties"/>
-    <ds:schemaRef ds:uri="f85c541c-390e-4fa8-b262-5da5c5cfad75"/>
-    <ds:schemaRef ds:uri="http://www.w3.org/XML/1998/namespace"/>
-    <ds:schemaRef ds:uri="http://purl.org/dc/dcmitype/"/>
-  </ds:schemaRefs>
-</ds:datastoreItem>
-</file>
-
 <file path=customXml/itemProps3.xml><?xml version="1.0" encoding="utf-8"?>
 <ds:datastoreItem xmlns:ds="http://schemas.openxmlformats.org/officeDocument/2006/customXml" ds:itemID="{758FDAC0-319D-4A54-8D8E-1D42CB1F8004}">
   <ds:schemaRefs>

--- a/Presentation.pptx
+++ b/Presentation.pptx
@@ -6,10 +6,10 @@
     <p:sldMasterId id="2147484310" r:id="rId5"/>
   </p:sldMasterIdLst>
   <p:notesMasterIdLst>
-    <p:notesMasterId r:id="rId27"/>
+    <p:notesMasterId r:id="rId29"/>
   </p:notesMasterIdLst>
   <p:handoutMasterIdLst>
-    <p:handoutMasterId r:id="rId28"/>
+    <p:handoutMasterId r:id="rId30"/>
   </p:handoutMasterIdLst>
   <p:sldIdLst>
     <p:sldId id="1444" r:id="rId6"/>
@@ -23,16 +23,18 @@
     <p:sldId id="1459" r:id="rId14"/>
     <p:sldId id="1470" r:id="rId15"/>
     <p:sldId id="1479" r:id="rId16"/>
-    <p:sldId id="1473" r:id="rId17"/>
-    <p:sldId id="1480" r:id="rId18"/>
-    <p:sldId id="1474" r:id="rId19"/>
-    <p:sldId id="1475" r:id="rId20"/>
-    <p:sldId id="1476" r:id="rId21"/>
-    <p:sldId id="1477" r:id="rId22"/>
-    <p:sldId id="1462" r:id="rId23"/>
-    <p:sldId id="1472" r:id="rId24"/>
-    <p:sldId id="1464" r:id="rId25"/>
-    <p:sldId id="1466" r:id="rId26"/>
+    <p:sldId id="1481" r:id="rId17"/>
+    <p:sldId id="1473" r:id="rId18"/>
+    <p:sldId id="1480" r:id="rId19"/>
+    <p:sldId id="1474" r:id="rId20"/>
+    <p:sldId id="1475" r:id="rId21"/>
+    <p:sldId id="1476" r:id="rId22"/>
+    <p:sldId id="1477" r:id="rId23"/>
+    <p:sldId id="1462" r:id="rId24"/>
+    <p:sldId id="1482" r:id="rId25"/>
+    <p:sldId id="1472" r:id="rId26"/>
+    <p:sldId id="1464" r:id="rId27"/>
+    <p:sldId id="1466" r:id="rId28"/>
   </p:sldIdLst>
   <p:sldSz cx="12436475" cy="6994525"/>
   <p:notesSz cx="6858000" cy="9144000"/>
@@ -1097,7 +1099,7 @@
                 <a:tabLst/>
                 <a:defRPr/>
               </a:pPr>
-              <a:t>12</a:t>
+              <a:t>13</a:t>
             </a:fld>
             <a:endParaRPr kumimoji="0" lang="en-US" sz="1200" b="0" i="0" u="none" strike="noStrike" kern="1200" cap="none" spc="0" normalizeH="0" baseline="0" noProof="0">
               <a:ln>
@@ -1130,162 +1132,6 @@
 </file>
 
 <file path=ppt/notesSlides/notesSlide11.xml><?xml version="1.0" encoding="utf-8"?>
-<p:notes xmlns:a="http://schemas.openxmlformats.org/drawingml/2006/main" xmlns:r="http://schemas.openxmlformats.org/officeDocument/2006/relationships" xmlns:p="http://schemas.openxmlformats.org/presentationml/2006/main">
-  <p:cSld>
-    <p:spTree>
-      <p:nvGrpSpPr>
-        <p:cNvPr id="1" name=""/>
-        <p:cNvGrpSpPr/>
-        <p:nvPr/>
-      </p:nvGrpSpPr>
-      <p:grpSpPr>
-        <a:xfrm>
-          <a:off x="0" y="0"/>
-          <a:ext cx="0" cy="0"/>
-          <a:chOff x="0" y="0"/>
-          <a:chExt cx="0" cy="0"/>
-        </a:xfrm>
-      </p:grpSpPr>
-      <p:sp>
-        <p:nvSpPr>
-          <p:cNvPr id="2" name="Slide Image Placeholder 1"/>
-          <p:cNvSpPr>
-            <a:spLocks noGrp="1" noRot="1" noChangeAspect="1"/>
-          </p:cNvSpPr>
-          <p:nvPr>
-            <p:ph type="sldImg"/>
-          </p:nvPr>
-        </p:nvSpPr>
-        <p:spPr/>
-      </p:sp>
-      <p:sp>
-        <p:nvSpPr>
-          <p:cNvPr id="3" name="Notes Placeholder 2"/>
-          <p:cNvSpPr>
-            <a:spLocks noGrp="1"/>
-          </p:cNvSpPr>
-          <p:nvPr>
-            <p:ph type="body" idx="1"/>
-          </p:nvPr>
-        </p:nvSpPr>
-        <p:spPr/>
-        <p:txBody>
-          <a:bodyPr/>
-          <a:lstStyle/>
-          <a:p>
-            <a:r>
-              <a:rPr lang="en-US" baseline="0" dirty="0"/>
-              <a:t>“As a follow-on to this lab, we also have the Azure IoT lab. In that, you’ll learn how to use the Raspberry Pi to send sensor data to IoT Hub and process it using other Azure IoT services.</a:t>
-            </a:r>
-          </a:p>
-          <a:p>
-            <a:endParaRPr lang="en-US" baseline="0" dirty="0"/>
-          </a:p>
-          <a:p>
-            <a:r>
-              <a:rPr lang="en-US" baseline="0" dirty="0"/>
-              <a:t>If you are interested in the underlying IO and other capabilities on devices like the Raspberry Pi, or want to explore more with Azure and devices, we also have the Open Hack in this same room, starting on Day 2.”</a:t>
-            </a:r>
-          </a:p>
-        </p:txBody>
-      </p:sp>
-      <p:sp>
-        <p:nvSpPr>
-          <p:cNvPr id="4" name="Slide Number Placeholder 3"/>
-          <p:cNvSpPr>
-            <a:spLocks noGrp="1"/>
-          </p:cNvSpPr>
-          <p:nvPr>
-            <p:ph type="sldNum" sz="quarter" idx="10"/>
-          </p:nvPr>
-        </p:nvSpPr>
-        <p:spPr/>
-        <p:txBody>
-          <a:bodyPr/>
-          <a:lstStyle/>
-          <a:p>
-            <a:pPr marL="0" marR="0" lvl="0" indent="0" algn="r" defTabSz="914400" rtl="0" eaLnBrk="1" fontAlgn="auto" latinLnBrk="0" hangingPunct="1">
-              <a:lnSpc>
-                <a:spcPct val="100000"/>
-              </a:lnSpc>
-              <a:spcBef>
-                <a:spcPts val="0"/>
-              </a:spcBef>
-              <a:spcAft>
-                <a:spcPts val="0"/>
-              </a:spcAft>
-              <a:buClrTx/>
-              <a:buSzTx/>
-              <a:buFontTx/>
-              <a:buNone/>
-              <a:tabLst/>
-              <a:defRPr/>
-            </a:pPr>
-            <a:fld id="{0EA2900F-B82C-4F11-85DB-97B88AAD310C}" type="slidenum">
-              <a:rPr kumimoji="0" lang="en-US" sz="1200" b="0" i="0" u="none" strike="noStrike" kern="1200" cap="none" spc="0" normalizeH="0" baseline="0" noProof="0" smtClean="0">
-                <a:ln>
-                  <a:noFill/>
-                </a:ln>
-                <a:solidFill>
-                  <a:prstClr val="black"/>
-                </a:solidFill>
-                <a:effectLst/>
-                <a:uLnTx/>
-                <a:uFillTx/>
-                <a:latin typeface="Calibri" panose="020F0502020204030204"/>
-                <a:ea typeface="+mn-ea"/>
-                <a:cs typeface="+mn-cs"/>
-              </a:rPr>
-              <a:pPr marL="0" marR="0" lvl="0" indent="0" algn="r" defTabSz="914400" rtl="0" eaLnBrk="1" fontAlgn="auto" latinLnBrk="0" hangingPunct="1">
-                <a:lnSpc>
-                  <a:spcPct val="100000"/>
-                </a:lnSpc>
-                <a:spcBef>
-                  <a:spcPts val="0"/>
-                </a:spcBef>
-                <a:spcAft>
-                  <a:spcPts val="0"/>
-                </a:spcAft>
-                <a:buClrTx/>
-                <a:buSzTx/>
-                <a:buFontTx/>
-                <a:buNone/>
-                <a:tabLst/>
-                <a:defRPr/>
-              </a:pPr>
-              <a:t>14</a:t>
-            </a:fld>
-            <a:endParaRPr kumimoji="0" lang="en-US" sz="1200" b="0" i="0" u="none" strike="noStrike" kern="1200" cap="none" spc="0" normalizeH="0" baseline="0" noProof="0">
-              <a:ln>
-                <a:noFill/>
-              </a:ln>
-              <a:solidFill>
-                <a:prstClr val="black"/>
-              </a:solidFill>
-              <a:effectLst/>
-              <a:uLnTx/>
-              <a:uFillTx/>
-              <a:latin typeface="Calibri" panose="020F0502020204030204"/>
-              <a:ea typeface="+mn-ea"/>
-              <a:cs typeface="+mn-cs"/>
-            </a:endParaRPr>
-          </a:p>
-        </p:txBody>
-      </p:sp>
-    </p:spTree>
-    <p:extLst>
-      <p:ext uri="{BB962C8B-B14F-4D97-AF65-F5344CB8AC3E}">
-        <p14:creationId xmlns:p14="http://schemas.microsoft.com/office/powerpoint/2010/main" val="2632193079"/>
-      </p:ext>
-    </p:extLst>
-  </p:cSld>
-  <p:clrMapOvr>
-    <a:masterClrMapping/>
-  </p:clrMapOvr>
-</p:notes>
-</file>
-
-<file path=ppt/notesSlides/notesSlide12.xml><?xml version="1.0" encoding="utf-8"?>
 <p:notes xmlns:a="http://schemas.openxmlformats.org/drawingml/2006/main" xmlns:r="http://schemas.openxmlformats.org/officeDocument/2006/relationships" xmlns:p="http://schemas.openxmlformats.org/presentationml/2006/main">
   <p:cSld>
     <p:spTree>
@@ -1431,7 +1277,7 @@
     </p:spTree>
     <p:extLst>
       <p:ext uri="{BB962C8B-B14F-4D97-AF65-F5344CB8AC3E}">
-        <p14:creationId xmlns:p14="http://schemas.microsoft.com/office/powerpoint/2010/main" val="1539370369"/>
+        <p14:creationId xmlns:p14="http://schemas.microsoft.com/office/powerpoint/2010/main" val="2632193079"/>
       </p:ext>
     </p:extLst>
   </p:cSld>
@@ -1441,7 +1287,7 @@
 </p:notes>
 </file>
 
-<file path=ppt/notesSlides/notesSlide13.xml><?xml version="1.0" encoding="utf-8"?>
+<file path=ppt/notesSlides/notesSlide12.xml><?xml version="1.0" encoding="utf-8"?>
 <p:notes xmlns:a="http://schemas.openxmlformats.org/drawingml/2006/main" xmlns:r="http://schemas.openxmlformats.org/officeDocument/2006/relationships" xmlns:p="http://schemas.openxmlformats.org/presentationml/2006/main">
   <p:cSld>
     <p:spTree>
@@ -1587,7 +1433,7 @@
     </p:spTree>
     <p:extLst>
       <p:ext uri="{BB962C8B-B14F-4D97-AF65-F5344CB8AC3E}">
-        <p14:creationId xmlns:p14="http://schemas.microsoft.com/office/powerpoint/2010/main" val="2944547330"/>
+        <p14:creationId xmlns:p14="http://schemas.microsoft.com/office/powerpoint/2010/main" val="1539370369"/>
       </p:ext>
     </p:extLst>
   </p:cSld>
@@ -1597,7 +1443,7 @@
 </p:notes>
 </file>
 
-<file path=ppt/notesSlides/notesSlide14.xml><?xml version="1.0" encoding="utf-8"?>
+<file path=ppt/notesSlides/notesSlide13.xml><?xml version="1.0" encoding="utf-8"?>
 <p:notes xmlns:a="http://schemas.openxmlformats.org/drawingml/2006/main" xmlns:r="http://schemas.openxmlformats.org/officeDocument/2006/relationships" xmlns:p="http://schemas.openxmlformats.org/presentationml/2006/main">
   <p:cSld>
     <p:spTree>
@@ -1743,6 +1589,162 @@
     </p:spTree>
     <p:extLst>
       <p:ext uri="{BB962C8B-B14F-4D97-AF65-F5344CB8AC3E}">
+        <p14:creationId xmlns:p14="http://schemas.microsoft.com/office/powerpoint/2010/main" val="2944547330"/>
+      </p:ext>
+    </p:extLst>
+  </p:cSld>
+  <p:clrMapOvr>
+    <a:masterClrMapping/>
+  </p:clrMapOvr>
+</p:notes>
+</file>
+
+<file path=ppt/notesSlides/notesSlide14.xml><?xml version="1.0" encoding="utf-8"?>
+<p:notes xmlns:a="http://schemas.openxmlformats.org/drawingml/2006/main" xmlns:r="http://schemas.openxmlformats.org/officeDocument/2006/relationships" xmlns:p="http://schemas.openxmlformats.org/presentationml/2006/main">
+  <p:cSld>
+    <p:spTree>
+      <p:nvGrpSpPr>
+        <p:cNvPr id="1" name=""/>
+        <p:cNvGrpSpPr/>
+        <p:nvPr/>
+      </p:nvGrpSpPr>
+      <p:grpSpPr>
+        <a:xfrm>
+          <a:off x="0" y="0"/>
+          <a:ext cx="0" cy="0"/>
+          <a:chOff x="0" y="0"/>
+          <a:chExt cx="0" cy="0"/>
+        </a:xfrm>
+      </p:grpSpPr>
+      <p:sp>
+        <p:nvSpPr>
+          <p:cNvPr id="2" name="Slide Image Placeholder 1"/>
+          <p:cNvSpPr>
+            <a:spLocks noGrp="1" noRot="1" noChangeAspect="1"/>
+          </p:cNvSpPr>
+          <p:nvPr>
+            <p:ph type="sldImg"/>
+          </p:nvPr>
+        </p:nvSpPr>
+        <p:spPr/>
+      </p:sp>
+      <p:sp>
+        <p:nvSpPr>
+          <p:cNvPr id="3" name="Notes Placeholder 2"/>
+          <p:cNvSpPr>
+            <a:spLocks noGrp="1"/>
+          </p:cNvSpPr>
+          <p:nvPr>
+            <p:ph type="body" idx="1"/>
+          </p:nvPr>
+        </p:nvSpPr>
+        <p:spPr/>
+        <p:txBody>
+          <a:bodyPr/>
+          <a:lstStyle/>
+          <a:p>
+            <a:r>
+              <a:rPr lang="en-US" baseline="0" dirty="0"/>
+              <a:t>“As a follow-on to this lab, we also have the Azure IoT lab. In that, you’ll learn how to use the Raspberry Pi to send sensor data to IoT Hub and process it using other Azure IoT services.</a:t>
+            </a:r>
+          </a:p>
+          <a:p>
+            <a:endParaRPr lang="en-US" baseline="0" dirty="0"/>
+          </a:p>
+          <a:p>
+            <a:r>
+              <a:rPr lang="en-US" baseline="0" dirty="0"/>
+              <a:t>If you are interested in the underlying IO and other capabilities on devices like the Raspberry Pi, or want to explore more with Azure and devices, we also have the Open Hack in this same room, starting on Day 2.”</a:t>
+            </a:r>
+          </a:p>
+        </p:txBody>
+      </p:sp>
+      <p:sp>
+        <p:nvSpPr>
+          <p:cNvPr id="4" name="Slide Number Placeholder 3"/>
+          <p:cNvSpPr>
+            <a:spLocks noGrp="1"/>
+          </p:cNvSpPr>
+          <p:nvPr>
+            <p:ph type="sldNum" sz="quarter" idx="10"/>
+          </p:nvPr>
+        </p:nvSpPr>
+        <p:spPr/>
+        <p:txBody>
+          <a:bodyPr/>
+          <a:lstStyle/>
+          <a:p>
+            <a:pPr marL="0" marR="0" lvl="0" indent="0" algn="r" defTabSz="914400" rtl="0" eaLnBrk="1" fontAlgn="auto" latinLnBrk="0" hangingPunct="1">
+              <a:lnSpc>
+                <a:spcPct val="100000"/>
+              </a:lnSpc>
+              <a:spcBef>
+                <a:spcPts val="0"/>
+              </a:spcBef>
+              <a:spcAft>
+                <a:spcPts val="0"/>
+              </a:spcAft>
+              <a:buClrTx/>
+              <a:buSzTx/>
+              <a:buFontTx/>
+              <a:buNone/>
+              <a:tabLst/>
+              <a:defRPr/>
+            </a:pPr>
+            <a:fld id="{0EA2900F-B82C-4F11-85DB-97B88AAD310C}" type="slidenum">
+              <a:rPr kumimoji="0" lang="en-US" sz="1200" b="0" i="0" u="none" strike="noStrike" kern="1200" cap="none" spc="0" normalizeH="0" baseline="0" noProof="0" smtClean="0">
+                <a:ln>
+                  <a:noFill/>
+                </a:ln>
+                <a:solidFill>
+                  <a:prstClr val="black"/>
+                </a:solidFill>
+                <a:effectLst/>
+                <a:uLnTx/>
+                <a:uFillTx/>
+                <a:latin typeface="Calibri" panose="020F0502020204030204"/>
+                <a:ea typeface="+mn-ea"/>
+                <a:cs typeface="+mn-cs"/>
+              </a:rPr>
+              <a:pPr marL="0" marR="0" lvl="0" indent="0" algn="r" defTabSz="914400" rtl="0" eaLnBrk="1" fontAlgn="auto" latinLnBrk="0" hangingPunct="1">
+                <a:lnSpc>
+                  <a:spcPct val="100000"/>
+                </a:lnSpc>
+                <a:spcBef>
+                  <a:spcPts val="0"/>
+                </a:spcBef>
+                <a:spcAft>
+                  <a:spcPts val="0"/>
+                </a:spcAft>
+                <a:buClrTx/>
+                <a:buSzTx/>
+                <a:buFontTx/>
+                <a:buNone/>
+                <a:tabLst/>
+                <a:defRPr/>
+              </a:pPr>
+              <a:t>18</a:t>
+            </a:fld>
+            <a:endParaRPr kumimoji="0" lang="en-US" sz="1200" b="0" i="0" u="none" strike="noStrike" kern="1200" cap="none" spc="0" normalizeH="0" baseline="0" noProof="0">
+              <a:ln>
+                <a:noFill/>
+              </a:ln>
+              <a:solidFill>
+                <a:prstClr val="black"/>
+              </a:solidFill>
+              <a:effectLst/>
+              <a:uLnTx/>
+              <a:uFillTx/>
+              <a:latin typeface="Calibri" panose="020F0502020204030204"/>
+              <a:ea typeface="+mn-ea"/>
+              <a:cs typeface="+mn-cs"/>
+            </a:endParaRPr>
+          </a:p>
+        </p:txBody>
+      </p:sp>
+    </p:spTree>
+    <p:extLst>
+      <p:ext uri="{BB962C8B-B14F-4D97-AF65-F5344CB8AC3E}">
         <p14:creationId xmlns:p14="http://schemas.microsoft.com/office/powerpoint/2010/main" val="741705162"/>
       </p:ext>
     </p:extLst>
@@ -1877,7 +1879,7 @@
                 <a:tabLst/>
                 <a:defRPr/>
               </a:pPr>
-              <a:t>19</a:t>
+              <a:t>21</a:t>
             </a:fld>
             <a:endParaRPr kumimoji="0" lang="en-US" sz="1200" b="0" i="0" u="none" strike="noStrike" kern="1200" cap="none" spc="0" normalizeH="0" baseline="0" noProof="0">
               <a:ln>
@@ -2100,7 +2102,7 @@
             <a:fld id="{B4008EB6-D09E-4580-8CD6-DDB14511944F}" type="slidenum">
               <a:rPr lang="en-US" smtClean="0"/>
               <a:pPr/>
-              <a:t>20</a:t>
+              <a:t>22</a:t>
             </a:fld>
             <a:endParaRPr lang="en-US" dirty="0"/>
           </a:p>
@@ -2284,7 +2286,7 @@
             <a:fld id="{B4008EB6-D09E-4580-8CD6-DDB14511944F}" type="slidenum">
               <a:rPr lang="en-US" smtClean="0"/>
               <a:pPr/>
-              <a:t>21</a:t>
+              <a:t>23</a:t>
             </a:fld>
             <a:endParaRPr lang="en-US" dirty="0"/>
           </a:p>
@@ -20164,6 +20166,117 @@
       </p:grpSpPr>
       <p:sp>
         <p:nvSpPr>
+          <p:cNvPr id="2" name="Title 1"/>
+          <p:cNvSpPr>
+            <a:spLocks noGrp="1"/>
+          </p:cNvSpPr>
+          <p:nvPr>
+            <p:ph type="title"/>
+          </p:nvPr>
+        </p:nvSpPr>
+        <p:spPr>
+          <a:xfrm>
+            <a:off x="274639" y="295274"/>
+            <a:ext cx="4419598" cy="917575"/>
+          </a:xfrm>
+        </p:spPr>
+        <p:txBody>
+          <a:bodyPr/>
+          <a:lstStyle/>
+          <a:p>
+            <a:r>
+              <a:rPr lang="en-US" dirty="0"/>
+              <a:t>Breakout</a:t>
+            </a:r>
+          </a:p>
+        </p:txBody>
+      </p:sp>
+      <p:sp>
+        <p:nvSpPr>
+          <p:cNvPr id="3" name="Text Placeholder 2"/>
+          <p:cNvSpPr>
+            <a:spLocks noGrp="1"/>
+          </p:cNvSpPr>
+          <p:nvPr>
+            <p:ph type="body" sz="quarter" idx="10"/>
+          </p:nvPr>
+        </p:nvSpPr>
+        <p:spPr>
+          <a:xfrm>
+            <a:off x="274639" y="1287462"/>
+            <a:ext cx="4952999" cy="627864"/>
+          </a:xfrm>
+        </p:spPr>
+        <p:txBody>
+          <a:bodyPr/>
+          <a:lstStyle/>
+          <a:p>
+            <a:r>
+              <a:rPr lang="en-US" sz="3200" dirty="0"/>
+              <a:t>   </a:t>
+            </a:r>
+          </a:p>
+        </p:txBody>
+      </p:sp>
+      <p:pic>
+        <p:nvPicPr>
+          <p:cNvPr id="4" name="Picture 3"/>
+          <p:cNvPicPr>
+            <a:picLocks noChangeAspect="1"/>
+          </p:cNvPicPr>
+          <p:nvPr/>
+        </p:nvPicPr>
+        <p:blipFill>
+          <a:blip r:embed="rId2"/>
+          <a:stretch>
+            <a:fillRect/>
+          </a:stretch>
+        </p:blipFill>
+        <p:spPr>
+          <a:xfrm>
+            <a:off x="2103437" y="1058862"/>
+            <a:ext cx="8001000" cy="5664708"/>
+          </a:xfrm>
+          <a:prstGeom prst="rect">
+            <a:avLst/>
+          </a:prstGeom>
+        </p:spPr>
+      </p:pic>
+    </p:spTree>
+    <p:extLst>
+      <p:ext uri="{BB962C8B-B14F-4D97-AF65-F5344CB8AC3E}">
+        <p14:creationId xmlns:p14="http://schemas.microsoft.com/office/powerpoint/2010/main" val="4128996067"/>
+      </p:ext>
+    </p:extLst>
+  </p:cSld>
+  <p:clrMapOvr>
+    <a:masterClrMapping/>
+  </p:clrMapOvr>
+  <p:transition>
+    <p:fade/>
+  </p:transition>
+</p:sld>
+</file>
+
+<file path=ppt/slides/slide13.xml><?xml version="1.0" encoding="utf-8"?>
+<p:sld xmlns:a="http://schemas.openxmlformats.org/drawingml/2006/main" xmlns:r="http://schemas.openxmlformats.org/officeDocument/2006/relationships" xmlns:p="http://schemas.openxmlformats.org/presentationml/2006/main">
+  <p:cSld>
+    <p:spTree>
+      <p:nvGrpSpPr>
+        <p:cNvPr id="1" name=""/>
+        <p:cNvGrpSpPr/>
+        <p:nvPr/>
+      </p:nvGrpSpPr>
+      <p:grpSpPr>
+        <a:xfrm>
+          <a:off x="0" y="0"/>
+          <a:ext cx="0" cy="0"/>
+          <a:chOff x="0" y="0"/>
+          <a:chExt cx="0" cy="0"/>
+        </a:xfrm>
+      </p:grpSpPr>
+      <p:sp>
+        <p:nvSpPr>
           <p:cNvPr id="71" name="Rectangle 70"/>
           <p:cNvSpPr/>
           <p:nvPr/>
@@ -20934,7 +21047,7 @@
 </p:sld>
 </file>
 
-<file path=ppt/slides/slide13.xml><?xml version="1.0" encoding="utf-8"?>
+<file path=ppt/slides/slide14.xml><?xml version="1.0" encoding="utf-8"?>
 <p:sld xmlns:a="http://schemas.openxmlformats.org/drawingml/2006/main" xmlns:r="http://schemas.openxmlformats.org/officeDocument/2006/relationships" xmlns:p="http://schemas.openxmlformats.org/presentationml/2006/main">
   <p:cSld>
     <p:spTree>
@@ -21074,7 +21187,7 @@
 </p:sld>
 </file>
 
-<file path=ppt/slides/slide14.xml><?xml version="1.0" encoding="utf-8"?>
+<file path=ppt/slides/slide15.xml><?xml version="1.0" encoding="utf-8"?>
 <p:sld xmlns:a="http://schemas.openxmlformats.org/drawingml/2006/main" xmlns:r="http://schemas.openxmlformats.org/officeDocument/2006/relationships" xmlns:p="http://schemas.openxmlformats.org/presentationml/2006/main">
   <p:cSld>
     <p:spTree>
@@ -21881,7 +21994,7 @@
 </p:sld>
 </file>
 
-<file path=ppt/slides/slide15.xml><?xml version="1.0" encoding="utf-8"?>
+<file path=ppt/slides/slide16.xml><?xml version="1.0" encoding="utf-8"?>
 <p:sld xmlns:a="http://schemas.openxmlformats.org/drawingml/2006/main" xmlns:r="http://schemas.openxmlformats.org/officeDocument/2006/relationships" xmlns:p="http://schemas.openxmlformats.org/presentationml/2006/main">
   <p:cSld>
     <p:spTree>
@@ -22688,7 +22801,7 @@
 </p:sld>
 </file>
 
-<file path=ppt/slides/slide16.xml><?xml version="1.0" encoding="utf-8"?>
+<file path=ppt/slides/slide17.xml><?xml version="1.0" encoding="utf-8"?>
 <p:sld xmlns:a="http://schemas.openxmlformats.org/drawingml/2006/main" xmlns:r="http://schemas.openxmlformats.org/officeDocument/2006/relationships" xmlns:p="http://schemas.openxmlformats.org/presentationml/2006/main">
   <p:cSld>
     <p:spTree>
@@ -23495,7 +23608,7 @@
 </p:sld>
 </file>
 
-<file path=ppt/slides/slide17.xml><?xml version="1.0" encoding="utf-8"?>
+<file path=ppt/slides/slide18.xml><?xml version="1.0" encoding="utf-8"?>
 <p:sld xmlns:a="http://schemas.openxmlformats.org/drawingml/2006/main" xmlns:r="http://schemas.openxmlformats.org/officeDocument/2006/relationships" xmlns:p="http://schemas.openxmlformats.org/presentationml/2006/main">
   <p:cSld>
     <p:spTree>
@@ -24292,7 +24405,7 @@
 </p:sld>
 </file>
 
-<file path=ppt/slides/slide18.xml><?xml version="1.0" encoding="utf-8"?>
+<file path=ppt/slides/slide19.xml><?xml version="1.0" encoding="utf-8"?>
 <p:sld xmlns:a="http://schemas.openxmlformats.org/drawingml/2006/main" xmlns:r="http://schemas.openxmlformats.org/officeDocument/2006/relationships" xmlns:p="http://schemas.openxmlformats.org/presentationml/2006/main">
   <p:cSld>
     <p:spTree>
@@ -24507,7 +24620,257 @@
 </p:sld>
 </file>
 
-<file path=ppt/slides/slide19.xml><?xml version="1.0" encoding="utf-8"?>
+<file path=ppt/slides/slide2.xml><?xml version="1.0" encoding="utf-8"?>
+<p:sld xmlns:a="http://schemas.openxmlformats.org/drawingml/2006/main" xmlns:r="http://schemas.openxmlformats.org/officeDocument/2006/relationships" xmlns:p="http://schemas.openxmlformats.org/presentationml/2006/main">
+  <p:cSld>
+    <p:spTree>
+      <p:nvGrpSpPr>
+        <p:cNvPr id="1" name=""/>
+        <p:cNvGrpSpPr/>
+        <p:nvPr/>
+      </p:nvGrpSpPr>
+      <p:grpSpPr>
+        <a:xfrm>
+          <a:off x="0" y="0"/>
+          <a:ext cx="0" cy="0"/>
+          <a:chOff x="0" y="0"/>
+          <a:chExt cx="0" cy="0"/>
+        </a:xfrm>
+      </p:grpSpPr>
+      <p:sp>
+        <p:nvSpPr>
+          <p:cNvPr id="4" name="Title 3"/>
+          <p:cNvSpPr>
+            <a:spLocks noGrp="1"/>
+          </p:cNvSpPr>
+          <p:nvPr>
+            <p:ph type="title"/>
+          </p:nvPr>
+        </p:nvSpPr>
+        <p:spPr/>
+        <p:txBody>
+          <a:bodyPr/>
+          <a:lstStyle/>
+          <a:p>
+            <a:r>
+              <a:rPr lang="en-US" b="1" dirty="0"/>
+              <a:t>Porting your OpenGL ES 2.0 Game to Windows 10 using ANGLE</a:t>
+            </a:r>
+          </a:p>
+        </p:txBody>
+      </p:sp>
+      <p:sp>
+        <p:nvSpPr>
+          <p:cNvPr id="5" name="Text Placeholder 4"/>
+          <p:cNvSpPr>
+            <a:spLocks noGrp="1"/>
+          </p:cNvSpPr>
+          <p:nvPr>
+            <p:ph type="body" sz="quarter" idx="12"/>
+          </p:nvPr>
+        </p:nvSpPr>
+        <p:spPr/>
+        <p:txBody>
+          <a:bodyPr/>
+          <a:lstStyle/>
+          <a:p>
+            <a:r>
+              <a:rPr lang="en-US" dirty="0"/>
+              <a:t>Dale Stammen</a:t>
+            </a:r>
+          </a:p>
+          <a:p>
+            <a:r>
+              <a:rPr lang="en-US" dirty="0"/>
+              <a:t>Senior Software Engineer</a:t>
+            </a:r>
+          </a:p>
+          <a:p>
+            <a:r>
+              <a:rPr lang="en-US" dirty="0"/>
+              <a:t>dalestam@microsoft.com</a:t>
+            </a:r>
+          </a:p>
+        </p:txBody>
+      </p:sp>
+      <p:sp>
+        <p:nvSpPr>
+          <p:cNvPr id="6" name="Text Placeholder 5"/>
+          <p:cNvSpPr>
+            <a:spLocks noGrp="1"/>
+          </p:cNvSpPr>
+          <p:nvPr>
+            <p:ph type="body" sz="quarter" idx="13"/>
+          </p:nvPr>
+        </p:nvSpPr>
+        <p:spPr>
+          <a:xfrm>
+            <a:off x="8504238" y="307621"/>
+            <a:ext cx="3656013" cy="572464"/>
+          </a:xfrm>
+        </p:spPr>
+        <p:txBody>
+          <a:bodyPr/>
+          <a:lstStyle/>
+          <a:p>
+            <a:r>
+              <a:rPr lang="en-US" b="1" dirty="0"/>
+              <a:t>L709</a:t>
+            </a:r>
+            <a:endParaRPr lang="en-US" dirty="0"/>
+          </a:p>
+        </p:txBody>
+      </p:sp>
+    </p:spTree>
+    <p:extLst>
+      <p:ext uri="{BB962C8B-B14F-4D97-AF65-F5344CB8AC3E}">
+        <p14:creationId xmlns:p14="http://schemas.microsoft.com/office/powerpoint/2010/main" val="2666902894"/>
+      </p:ext>
+    </p:extLst>
+  </p:cSld>
+  <p:clrMapOvr>
+    <a:masterClrMapping/>
+  </p:clrMapOvr>
+  <mc:AlternateContent xmlns:mc="http://schemas.openxmlformats.org/markup-compatibility/2006" xmlns:p14="http://schemas.microsoft.com/office/powerpoint/2010/main">
+    <mc:Choice Requires="p14">
+      <p:transition spd="med" p14:dur="700">
+        <p:fade/>
+      </p:transition>
+    </mc:Choice>
+    <mc:Fallback xmlns="">
+      <p:transition spd="med">
+        <p:fade/>
+      </p:transition>
+    </mc:Fallback>
+  </mc:AlternateContent>
+</p:sld>
+</file>
+
+<file path=ppt/slides/slide20.xml><?xml version="1.0" encoding="utf-8"?>
+<p:sld xmlns:a="http://schemas.openxmlformats.org/drawingml/2006/main" xmlns:r="http://schemas.openxmlformats.org/officeDocument/2006/relationships" xmlns:p="http://schemas.openxmlformats.org/presentationml/2006/main">
+  <p:cSld>
+    <p:spTree>
+      <p:nvGrpSpPr>
+        <p:cNvPr id="1" name=""/>
+        <p:cNvGrpSpPr/>
+        <p:nvPr/>
+      </p:nvGrpSpPr>
+      <p:grpSpPr>
+        <a:xfrm>
+          <a:off x="0" y="0"/>
+          <a:ext cx="0" cy="0"/>
+          <a:chOff x="0" y="0"/>
+          <a:chExt cx="0" cy="0"/>
+        </a:xfrm>
+      </p:grpSpPr>
+      <p:sp>
+        <p:nvSpPr>
+          <p:cNvPr id="5" name="Text Placeholder 4"/>
+          <p:cNvSpPr>
+            <a:spLocks noGrp="1"/>
+          </p:cNvSpPr>
+          <p:nvPr>
+            <p:ph type="body" sz="quarter" idx="10"/>
+          </p:nvPr>
+        </p:nvSpPr>
+        <p:spPr>
+          <a:xfrm>
+            <a:off x="274638" y="1212850"/>
+            <a:ext cx="11887200" cy="2468368"/>
+          </a:xfrm>
+        </p:spPr>
+        <p:txBody>
+          <a:bodyPr/>
+          <a:lstStyle/>
+          <a:p>
+            <a:pPr marL="0" indent="0">
+              <a:buNone/>
+            </a:pPr>
+            <a:endParaRPr lang="en-US" sz="2800" dirty="0"/>
+          </a:p>
+          <a:p>
+            <a:pPr marL="0" indent="0">
+              <a:buNone/>
+            </a:pPr>
+            <a:r>
+              <a:rPr lang="en-US" sz="2800" dirty="0">
+                <a:hlinkClick r:id="rId2"/>
+              </a:rPr>
+              <a:t>https://github.com/MSOpenTech/angle/issues</a:t>
+            </a:r>
+            <a:endParaRPr lang="en-US" sz="2800" dirty="0"/>
+          </a:p>
+          <a:p>
+            <a:pPr marL="0" indent="0">
+              <a:buNone/>
+            </a:pPr>
+            <a:endParaRPr lang="en-US" sz="2800" dirty="0"/>
+          </a:p>
+          <a:p>
+            <a:pPr marL="0" indent="0">
+              <a:buNone/>
+            </a:pPr>
+            <a:r>
+              <a:rPr lang="en-US" sz="2800" dirty="0"/>
+              <a:t>Be prepared to provide a code sample of the issue.</a:t>
+            </a:r>
+          </a:p>
+          <a:p>
+            <a:pPr marL="0" indent="0">
+              <a:buNone/>
+            </a:pPr>
+            <a:endParaRPr lang="en-US" sz="2800" dirty="0"/>
+          </a:p>
+        </p:txBody>
+      </p:sp>
+      <p:sp>
+        <p:nvSpPr>
+          <p:cNvPr id="2" name="Title 1"/>
+          <p:cNvSpPr>
+            <a:spLocks noGrp="1"/>
+          </p:cNvSpPr>
+          <p:nvPr>
+            <p:ph type="title"/>
+          </p:nvPr>
+        </p:nvSpPr>
+        <p:spPr/>
+        <p:txBody>
+          <a:bodyPr/>
+          <a:lstStyle/>
+          <a:p>
+            <a:r>
+              <a:rPr lang="en-US" dirty="0"/>
+              <a:t>Issues</a:t>
+            </a:r>
+          </a:p>
+        </p:txBody>
+      </p:sp>
+    </p:spTree>
+    <p:extLst>
+      <p:ext uri="{BB962C8B-B14F-4D97-AF65-F5344CB8AC3E}">
+        <p14:creationId xmlns:p14="http://schemas.microsoft.com/office/powerpoint/2010/main" val="2704901849"/>
+      </p:ext>
+    </p:extLst>
+  </p:cSld>
+  <p:clrMapOvr>
+    <a:masterClrMapping/>
+  </p:clrMapOvr>
+  <mc:AlternateContent xmlns:mc="http://schemas.openxmlformats.org/markup-compatibility/2006" xmlns:p14="http://schemas.microsoft.com/office/powerpoint/2010/main">
+    <mc:Choice Requires="p14">
+      <p:transition spd="med" p14:dur="700">
+        <p:fade/>
+      </p:transition>
+    </mc:Choice>
+    <mc:Fallback xmlns="">
+      <p:transition spd="med">
+        <p:fade/>
+      </p:transition>
+    </mc:Fallback>
+  </mc:AlternateContent>
+</p:sld>
+</file>
+
+<file path=ppt/slides/slide21.xml><?xml version="1.0" encoding="utf-8"?>
 <p:sld xmlns:a="http://schemas.openxmlformats.org/drawingml/2006/main" xmlns:r="http://schemas.openxmlformats.org/officeDocument/2006/relationships" xmlns:p="http://schemas.openxmlformats.org/presentationml/2006/main">
   <p:cSld>
     <p:spTree>
@@ -25811,133 +26174,7 @@
 </p:sld>
 </file>
 
-<file path=ppt/slides/slide2.xml><?xml version="1.0" encoding="utf-8"?>
-<p:sld xmlns:a="http://schemas.openxmlformats.org/drawingml/2006/main" xmlns:r="http://schemas.openxmlformats.org/officeDocument/2006/relationships" xmlns:p="http://schemas.openxmlformats.org/presentationml/2006/main">
-  <p:cSld>
-    <p:spTree>
-      <p:nvGrpSpPr>
-        <p:cNvPr id="1" name=""/>
-        <p:cNvGrpSpPr/>
-        <p:nvPr/>
-      </p:nvGrpSpPr>
-      <p:grpSpPr>
-        <a:xfrm>
-          <a:off x="0" y="0"/>
-          <a:ext cx="0" cy="0"/>
-          <a:chOff x="0" y="0"/>
-          <a:chExt cx="0" cy="0"/>
-        </a:xfrm>
-      </p:grpSpPr>
-      <p:sp>
-        <p:nvSpPr>
-          <p:cNvPr id="4" name="Title 3"/>
-          <p:cNvSpPr>
-            <a:spLocks noGrp="1"/>
-          </p:cNvSpPr>
-          <p:nvPr>
-            <p:ph type="title"/>
-          </p:nvPr>
-        </p:nvSpPr>
-        <p:spPr/>
-        <p:txBody>
-          <a:bodyPr/>
-          <a:lstStyle/>
-          <a:p>
-            <a:r>
-              <a:rPr lang="en-US" b="1" dirty="0"/>
-              <a:t>Porting your OpenGL ES 2.0 Game to Windows 10 using ANGLE</a:t>
-            </a:r>
-          </a:p>
-        </p:txBody>
-      </p:sp>
-      <p:sp>
-        <p:nvSpPr>
-          <p:cNvPr id="5" name="Text Placeholder 4"/>
-          <p:cNvSpPr>
-            <a:spLocks noGrp="1"/>
-          </p:cNvSpPr>
-          <p:nvPr>
-            <p:ph type="body" sz="quarter" idx="12"/>
-          </p:nvPr>
-        </p:nvSpPr>
-        <p:spPr/>
-        <p:txBody>
-          <a:bodyPr/>
-          <a:lstStyle/>
-          <a:p>
-            <a:r>
-              <a:rPr lang="en-US" dirty="0"/>
-              <a:t>Dale Stammen</a:t>
-            </a:r>
-          </a:p>
-          <a:p>
-            <a:r>
-              <a:rPr lang="en-US" dirty="0"/>
-              <a:t>Senior Software Engineer</a:t>
-            </a:r>
-          </a:p>
-          <a:p>
-            <a:r>
-              <a:rPr lang="en-US" dirty="0"/>
-              <a:t>dalestam@microsoft.com</a:t>
-            </a:r>
-          </a:p>
-        </p:txBody>
-      </p:sp>
-      <p:sp>
-        <p:nvSpPr>
-          <p:cNvPr id="6" name="Text Placeholder 5"/>
-          <p:cNvSpPr>
-            <a:spLocks noGrp="1"/>
-          </p:cNvSpPr>
-          <p:nvPr>
-            <p:ph type="body" sz="quarter" idx="13"/>
-          </p:nvPr>
-        </p:nvSpPr>
-        <p:spPr>
-          <a:xfrm>
-            <a:off x="8504238" y="307621"/>
-            <a:ext cx="3656013" cy="572464"/>
-          </a:xfrm>
-        </p:spPr>
-        <p:txBody>
-          <a:bodyPr/>
-          <a:lstStyle/>
-          <a:p>
-            <a:r>
-              <a:rPr lang="en-US" b="1" dirty="0"/>
-              <a:t>L709</a:t>
-            </a:r>
-            <a:endParaRPr lang="en-US" dirty="0"/>
-          </a:p>
-        </p:txBody>
-      </p:sp>
-    </p:spTree>
-    <p:extLst>
-      <p:ext uri="{BB962C8B-B14F-4D97-AF65-F5344CB8AC3E}">
-        <p14:creationId xmlns:p14="http://schemas.microsoft.com/office/powerpoint/2010/main" val="2666902894"/>
-      </p:ext>
-    </p:extLst>
-  </p:cSld>
-  <p:clrMapOvr>
-    <a:masterClrMapping/>
-  </p:clrMapOvr>
-  <mc:AlternateContent xmlns:mc="http://schemas.openxmlformats.org/markup-compatibility/2006" xmlns:p14="http://schemas.microsoft.com/office/powerpoint/2010/main">
-    <mc:Choice Requires="p14">
-      <p:transition spd="med" p14:dur="700">
-        <p:fade/>
-      </p:transition>
-    </mc:Choice>
-    <mc:Fallback xmlns="">
-      <p:transition spd="med">
-        <p:fade/>
-      </p:transition>
-    </mc:Fallback>
-  </mc:AlternateContent>
-</p:sld>
-</file>
-
-<file path=ppt/slides/slide20.xml><?xml version="1.0" encoding="utf-8"?>
+<file path=ppt/slides/slide22.xml><?xml version="1.0" encoding="utf-8"?>
 <p:sld xmlns:a="http://schemas.openxmlformats.org/drawingml/2006/main" xmlns:r="http://schemas.openxmlformats.org/officeDocument/2006/relationships" xmlns:p="http://schemas.openxmlformats.org/presentationml/2006/main">
   <p:cSld>
     <p:spTree>
@@ -26026,7 +26263,7 @@
 </p:sld>
 </file>
 
-<file path=ppt/slides/slide21.xml><?xml version="1.0" encoding="utf-8"?>
+<file path=ppt/slides/slide23.xml><?xml version="1.0" encoding="utf-8"?>
 <p:sld xmlns:a="http://schemas.openxmlformats.org/drawingml/2006/main" xmlns:r="http://schemas.openxmlformats.org/officeDocument/2006/relationships" xmlns:p="http://schemas.openxmlformats.org/presentationml/2006/main">
   <p:cSld>
     <p:spTree>

--- a/Presentation.pptx
+++ b/Presentation.pptx
@@ -6,35 +6,36 @@
     <p:sldMasterId id="2147484310" r:id="rId5"/>
   </p:sldMasterIdLst>
   <p:notesMasterIdLst>
-    <p:notesMasterId r:id="rId29"/>
+    <p:notesMasterId r:id="rId30"/>
   </p:notesMasterIdLst>
   <p:handoutMasterIdLst>
-    <p:handoutMasterId r:id="rId30"/>
+    <p:handoutMasterId r:id="rId31"/>
   </p:handoutMasterIdLst>
   <p:sldIdLst>
     <p:sldId id="1444" r:id="rId6"/>
     <p:sldId id="1367" r:id="rId7"/>
     <p:sldId id="1468" r:id="rId8"/>
-    <p:sldId id="1455" r:id="rId9"/>
-    <p:sldId id="1467" r:id="rId10"/>
-    <p:sldId id="1451" r:id="rId11"/>
-    <p:sldId id="1457" r:id="rId12"/>
-    <p:sldId id="1456" r:id="rId13"/>
-    <p:sldId id="1459" r:id="rId14"/>
-    <p:sldId id="1470" r:id="rId15"/>
-    <p:sldId id="1479" r:id="rId16"/>
-    <p:sldId id="1481" r:id="rId17"/>
-    <p:sldId id="1473" r:id="rId18"/>
-    <p:sldId id="1480" r:id="rId19"/>
-    <p:sldId id="1474" r:id="rId20"/>
-    <p:sldId id="1475" r:id="rId21"/>
-    <p:sldId id="1476" r:id="rId22"/>
-    <p:sldId id="1477" r:id="rId23"/>
-    <p:sldId id="1462" r:id="rId24"/>
-    <p:sldId id="1482" r:id="rId25"/>
-    <p:sldId id="1472" r:id="rId26"/>
-    <p:sldId id="1464" r:id="rId27"/>
-    <p:sldId id="1466" r:id="rId28"/>
+    <p:sldId id="1483" r:id="rId9"/>
+    <p:sldId id="1455" r:id="rId10"/>
+    <p:sldId id="1467" r:id="rId11"/>
+    <p:sldId id="1451" r:id="rId12"/>
+    <p:sldId id="1457" r:id="rId13"/>
+    <p:sldId id="1456" r:id="rId14"/>
+    <p:sldId id="1459" r:id="rId15"/>
+    <p:sldId id="1470" r:id="rId16"/>
+    <p:sldId id="1479" r:id="rId17"/>
+    <p:sldId id="1481" r:id="rId18"/>
+    <p:sldId id="1473" r:id="rId19"/>
+    <p:sldId id="1480" r:id="rId20"/>
+    <p:sldId id="1474" r:id="rId21"/>
+    <p:sldId id="1475" r:id="rId22"/>
+    <p:sldId id="1476" r:id="rId23"/>
+    <p:sldId id="1477" r:id="rId24"/>
+    <p:sldId id="1462" r:id="rId25"/>
+    <p:sldId id="1482" r:id="rId26"/>
+    <p:sldId id="1472" r:id="rId27"/>
+    <p:sldId id="1464" r:id="rId28"/>
+    <p:sldId id="1466" r:id="rId29"/>
   </p:sldIdLst>
   <p:sldSz cx="12436475" cy="6994525"/>
   <p:notesSz cx="6858000" cy="9144000"/>
@@ -265,7 +266,7 @@
               <a:rPr lang="en-US" smtClean="0">
                 <a:latin typeface="Segoe UI" pitchFamily="34" charset="0"/>
               </a:rPr>
-              <a:t>3/30/2016 9:39 PM</a:t>
+              <a:t>3/31/2016 4:24 AM</a:t>
             </a:fld>
             <a:endParaRPr lang="en-US" dirty="0">
               <a:latin typeface="Segoe UI" pitchFamily="34" charset="0"/>
@@ -546,7 +547,7 @@
           <a:p>
             <a:fld id="{38EEC551-8CDA-4EB6-89BB-2A86C9F091C8}" type="datetime8">
               <a:rPr lang="en-US" smtClean="0"/>
-              <a:t>3/30/2016 9:39 PM</a:t>
+              <a:t>3/31/2016 4:24 AM</a:t>
             </a:fld>
             <a:endParaRPr lang="en-US" dirty="0"/>
           </a:p>
@@ -932,7 +933,7 @@
           <a:p>
             <a:fld id="{38EEC551-8CDA-4EB6-89BB-2A86C9F091C8}" type="datetime8">
               <a:rPr lang="en-US" smtClean="0"/>
-              <a:t>3/30/2016 9:39 PM</a:t>
+              <a:t>3/31/2016 4:24 AM</a:t>
             </a:fld>
             <a:endParaRPr lang="en-US" dirty="0"/>
           </a:p>
@@ -1020,29 +1021,34 @@
           <a:lstStyle/>
           <a:p>
             <a:r>
+              <a:rPr lang="en-US" dirty="0"/>
+              <a:t>You should get to this slide no later than 10 minutes into the session</a:t>
+            </a:r>
+          </a:p>
+          <a:p>
+            <a:endParaRPr lang="en-US" dirty="0"/>
+          </a:p>
+          <a:p>
+            <a:r>
+              <a:rPr lang="en-US" dirty="0"/>
+              <a:t>Show how to get to the lab</a:t>
+            </a:r>
+            <a:r>
               <a:rPr lang="en-US" baseline="0" dirty="0"/>
-              <a:t>“As a follow-on to this lab, we also have the Azure IoT lab. In that, you’ll learn how to use the Raspberry Pi to send sensor data to IoT Hub and process it using other Azure IoT services.</a:t>
-            </a:r>
-          </a:p>
-          <a:p>
-            <a:endParaRPr lang="en-US" baseline="0" dirty="0"/>
-          </a:p>
-          <a:p>
-            <a:r>
-              <a:rPr lang="en-US" baseline="0" dirty="0"/>
-              <a:t>If you are interested in the underlying IO and other capabilities on devices like the Raspberry Pi, or want to explore more with Azure and devices, we also have the Open Hack in this same room, starting on Day 2.”</a:t>
-            </a:r>
+              <a:t> on the workstation, and then leave this slide up on the projector.</a:t>
+            </a:r>
+            <a:endParaRPr lang="en-US" dirty="0"/>
           </a:p>
         </p:txBody>
       </p:sp>
       <p:sp>
         <p:nvSpPr>
-          <p:cNvPr id="4" name="Slide Number Placeholder 3"/>
+          <p:cNvPr id="4" name="Header Placeholder 3"/>
           <p:cNvSpPr>
             <a:spLocks noGrp="1"/>
           </p:cNvSpPr>
           <p:nvPr>
-            <p:ph type="sldNum" sz="quarter" idx="10"/>
+            <p:ph type="hdr" sz="quarter" idx="10"/>
           </p:nvPr>
         </p:nvSpPr>
         <p:spPr/>
@@ -1050,78 +1056,115 @@
           <a:bodyPr/>
           <a:lstStyle/>
           <a:p>
-            <a:pPr marL="0" marR="0" lvl="0" indent="0" algn="r" defTabSz="914400" rtl="0" eaLnBrk="1" fontAlgn="auto" latinLnBrk="0" hangingPunct="1">
-              <a:lnSpc>
-                <a:spcPct val="100000"/>
-              </a:lnSpc>
-              <a:spcBef>
-                <a:spcPts val="0"/>
-              </a:spcBef>
-              <a:spcAft>
-                <a:spcPts val="0"/>
-              </a:spcAft>
-              <a:buClrTx/>
-              <a:buSzTx/>
-              <a:buFontTx/>
-              <a:buNone/>
-              <a:tabLst/>
-              <a:defRPr/>
-            </a:pPr>
-            <a:fld id="{0EA2900F-B82C-4F11-85DB-97B88AAD310C}" type="slidenum">
-              <a:rPr kumimoji="0" lang="en-US" sz="1200" b="0" i="0" u="none" strike="noStrike" kern="1200" cap="none" spc="0" normalizeH="0" baseline="0" noProof="0" smtClean="0">
-                <a:ln>
-                  <a:noFill/>
-                </a:ln>
-                <a:solidFill>
-                  <a:prstClr val="black"/>
-                </a:solidFill>
-                <a:effectLst/>
-                <a:uLnTx/>
-                <a:uFillTx/>
-                <a:latin typeface="Calibri" panose="020F0502020204030204"/>
-                <a:ea typeface="+mn-ea"/>
-                <a:cs typeface="+mn-cs"/>
+            <a:endParaRPr lang="en-US" dirty="0"/>
+          </a:p>
+        </p:txBody>
+      </p:sp>
+      <p:sp>
+        <p:nvSpPr>
+          <p:cNvPr id="5" name="Footer Placeholder 4"/>
+          <p:cNvSpPr>
+            <a:spLocks noGrp="1"/>
+          </p:cNvSpPr>
+          <p:nvPr>
+            <p:ph type="ftr" sz="quarter" idx="11"/>
+          </p:nvPr>
+        </p:nvSpPr>
+        <p:spPr/>
+        <p:txBody>
+          <a:bodyPr/>
+          <a:lstStyle/>
+          <a:p>
+            <a:pPr defTabSz="914099" eaLnBrk="0" hangingPunct="0"/>
+            <a:r>
+              <a:rPr lang="en-US" sz="400">
+                <a:gradFill>
+                  <a:gsLst>
+                    <a:gs pos="0">
+                      <a:prstClr val="black"/>
+                    </a:gs>
+                    <a:gs pos="100000">
+                      <a:prstClr val="black"/>
+                    </a:gs>
+                  </a:gsLst>
+                  <a:lin ang="5400000" scaled="0"/>
+                </a:gradFill>
+                <a:latin typeface="Segoe UI" pitchFamily="34" charset="0"/>
+                <a:ea typeface="Segoe UI" pitchFamily="34" charset="0"/>
+                <a:cs typeface="Segoe UI" pitchFamily="34" charset="0"/>
               </a:rPr>
-              <a:pPr marL="0" marR="0" lvl="0" indent="0" algn="r" defTabSz="914400" rtl="0" eaLnBrk="1" fontAlgn="auto" latinLnBrk="0" hangingPunct="1">
-                <a:lnSpc>
-                  <a:spcPct val="100000"/>
-                </a:lnSpc>
-                <a:spcBef>
-                  <a:spcPts val="0"/>
-                </a:spcBef>
-                <a:spcAft>
-                  <a:spcPts val="0"/>
-                </a:spcAft>
-                <a:buClrTx/>
-                <a:buSzTx/>
-                <a:buFontTx/>
-                <a:buNone/>
-                <a:tabLst/>
-                <a:defRPr/>
-              </a:pPr>
-              <a:t>13</a:t>
+              <a:t>© 2014 Microsoft Corporation. All rights reserved. MICROSOFT MAKES NO WARRANTIES, EXPRESS, IMPLIED OR STATUTORY, AS TO THE INFORMATION IN THIS PRESENTATION.</a:t>
+            </a:r>
+            <a:endParaRPr lang="en-US" sz="400" dirty="0">
+              <a:gradFill>
+                <a:gsLst>
+                  <a:gs pos="0">
+                    <a:prstClr val="black"/>
+                  </a:gs>
+                  <a:gs pos="100000">
+                    <a:prstClr val="black"/>
+                  </a:gs>
+                </a:gsLst>
+                <a:lin ang="5400000" scaled="0"/>
+              </a:gradFill>
+              <a:latin typeface="Segoe UI" pitchFamily="34" charset="0"/>
+              <a:ea typeface="Segoe UI" pitchFamily="34" charset="0"/>
+              <a:cs typeface="Segoe UI" pitchFamily="34" charset="0"/>
+            </a:endParaRPr>
+          </a:p>
+        </p:txBody>
+      </p:sp>
+      <p:sp>
+        <p:nvSpPr>
+          <p:cNvPr id="6" name="Date Placeholder 5"/>
+          <p:cNvSpPr>
+            <a:spLocks noGrp="1"/>
+          </p:cNvSpPr>
+          <p:nvPr>
+            <p:ph type="dt" idx="12"/>
+          </p:nvPr>
+        </p:nvSpPr>
+        <p:spPr/>
+        <p:txBody>
+          <a:bodyPr/>
+          <a:lstStyle/>
+          <a:p>
+            <a:fld id="{38EEC551-8CDA-4EB6-89BB-2A86C9F091C8}" type="datetime8">
+              <a:rPr lang="en-US" smtClean="0"/>
+              <a:t>3/31/2016 4:24 AM</a:t>
             </a:fld>
-            <a:endParaRPr kumimoji="0" lang="en-US" sz="1200" b="0" i="0" u="none" strike="noStrike" kern="1200" cap="none" spc="0" normalizeH="0" baseline="0" noProof="0">
-              <a:ln>
-                <a:noFill/>
-              </a:ln>
-              <a:solidFill>
-                <a:prstClr val="black"/>
-              </a:solidFill>
-              <a:effectLst/>
-              <a:uLnTx/>
-              <a:uFillTx/>
-              <a:latin typeface="Calibri" panose="020F0502020204030204"/>
-              <a:ea typeface="+mn-ea"/>
-              <a:cs typeface="+mn-cs"/>
-            </a:endParaRPr>
+            <a:endParaRPr lang="en-US" dirty="0"/>
+          </a:p>
+        </p:txBody>
+      </p:sp>
+      <p:sp>
+        <p:nvSpPr>
+          <p:cNvPr id="7" name="Slide Number Placeholder 6"/>
+          <p:cNvSpPr>
+            <a:spLocks noGrp="1"/>
+          </p:cNvSpPr>
+          <p:nvPr>
+            <p:ph type="sldNum" sz="quarter" idx="13"/>
+          </p:nvPr>
+        </p:nvSpPr>
+        <p:spPr/>
+        <p:txBody>
+          <a:bodyPr/>
+          <a:lstStyle/>
+          <a:p>
+            <a:fld id="{B4008EB6-D09E-4580-8CD6-DDB14511944F}" type="slidenum">
+              <a:rPr lang="en-US" smtClean="0"/>
+              <a:pPr/>
+              <a:t>12</a:t>
+            </a:fld>
+            <a:endParaRPr lang="en-US" dirty="0"/>
           </a:p>
         </p:txBody>
       </p:sp>
     </p:spTree>
     <p:extLst>
       <p:ext uri="{BB962C8B-B14F-4D97-AF65-F5344CB8AC3E}">
-        <p14:creationId xmlns:p14="http://schemas.microsoft.com/office/powerpoint/2010/main" val="1445405961"/>
+        <p14:creationId xmlns:p14="http://schemas.microsoft.com/office/powerpoint/2010/main" val="2316892694"/>
       </p:ext>
     </p:extLst>
   </p:cSld>
@@ -1255,7 +1298,7 @@
                 <a:tabLst/>
                 <a:defRPr/>
               </a:pPr>
-              <a:t>15</a:t>
+              <a:t>14</a:t>
             </a:fld>
             <a:endParaRPr kumimoji="0" lang="en-US" sz="1200" b="0" i="0" u="none" strike="noStrike" kern="1200" cap="none" spc="0" normalizeH="0" baseline="0" noProof="0">
               <a:ln>
@@ -1277,7 +1320,7 @@
     </p:spTree>
     <p:extLst>
       <p:ext uri="{BB962C8B-B14F-4D97-AF65-F5344CB8AC3E}">
-        <p14:creationId xmlns:p14="http://schemas.microsoft.com/office/powerpoint/2010/main" val="2632193079"/>
+        <p14:creationId xmlns:p14="http://schemas.microsoft.com/office/powerpoint/2010/main" val="1445405961"/>
       </p:ext>
     </p:extLst>
   </p:cSld>
@@ -1433,7 +1476,7 @@
     </p:spTree>
     <p:extLst>
       <p:ext uri="{BB962C8B-B14F-4D97-AF65-F5344CB8AC3E}">
-        <p14:creationId xmlns:p14="http://schemas.microsoft.com/office/powerpoint/2010/main" val="1539370369"/>
+        <p14:creationId xmlns:p14="http://schemas.microsoft.com/office/powerpoint/2010/main" val="2632193079"/>
       </p:ext>
     </p:extLst>
   </p:cSld>
@@ -1589,7 +1632,7 @@
     </p:spTree>
     <p:extLst>
       <p:ext uri="{BB962C8B-B14F-4D97-AF65-F5344CB8AC3E}">
-        <p14:creationId xmlns:p14="http://schemas.microsoft.com/office/powerpoint/2010/main" val="2944547330"/>
+        <p14:creationId xmlns:p14="http://schemas.microsoft.com/office/powerpoint/2010/main" val="1539370369"/>
       </p:ext>
     </p:extLst>
   </p:cSld>
@@ -1745,7 +1788,7 @@
     </p:spTree>
     <p:extLst>
       <p:ext uri="{BB962C8B-B14F-4D97-AF65-F5344CB8AC3E}">
-        <p14:creationId xmlns:p14="http://schemas.microsoft.com/office/powerpoint/2010/main" val="741705162"/>
+        <p14:creationId xmlns:p14="http://schemas.microsoft.com/office/powerpoint/2010/main" val="2944547330"/>
       </p:ext>
     </p:extLst>
   </p:cSld>
@@ -1879,7 +1922,7 @@
                 <a:tabLst/>
                 <a:defRPr/>
               </a:pPr>
-              <a:t>21</a:t>
+              <a:t>19</a:t>
             </a:fld>
             <a:endParaRPr kumimoji="0" lang="en-US" sz="1200" b="0" i="0" u="none" strike="noStrike" kern="1200" cap="none" spc="0" normalizeH="0" baseline="0" noProof="0">
               <a:ln>
@@ -1901,7 +1944,7 @@
     </p:spTree>
     <p:extLst>
       <p:ext uri="{BB962C8B-B14F-4D97-AF65-F5344CB8AC3E}">
-        <p14:creationId xmlns:p14="http://schemas.microsoft.com/office/powerpoint/2010/main" val="52925956"/>
+        <p14:creationId xmlns:p14="http://schemas.microsoft.com/office/powerpoint/2010/main" val="741705162"/>
       </p:ext>
     </p:extLst>
   </p:cSld>
@@ -1955,15 +1998,46 @@
           <a:bodyPr/>
           <a:lstStyle/>
           <a:p>
-            <a:pPr marL="0" marR="0" indent="0" algn="l" defTabSz="932742" rtl="0" eaLnBrk="1" fontAlgn="auto" latinLnBrk="0" hangingPunct="1">
+            <a:r>
+              <a:rPr lang="en-US" baseline="0" dirty="0"/>
+              <a:t>“As a follow-on to this lab, we also have the Azure IoT lab. In that, you’ll learn how to use the Raspberry Pi to send sensor data to IoT Hub and process it using other Azure IoT services.</a:t>
+            </a:r>
+          </a:p>
+          <a:p>
+            <a:endParaRPr lang="en-US" baseline="0" dirty="0"/>
+          </a:p>
+          <a:p>
+            <a:r>
+              <a:rPr lang="en-US" baseline="0" dirty="0"/>
+              <a:t>If you are interested in the underlying IO and other capabilities on devices like the Raspberry Pi, or want to explore more with Azure and devices, we also have the Open Hack in this same room, starting on Day 2.”</a:t>
+            </a:r>
+          </a:p>
+        </p:txBody>
+      </p:sp>
+      <p:sp>
+        <p:nvSpPr>
+          <p:cNvPr id="4" name="Slide Number Placeholder 3"/>
+          <p:cNvSpPr>
+            <a:spLocks noGrp="1"/>
+          </p:cNvSpPr>
+          <p:nvPr>
+            <p:ph type="sldNum" sz="quarter" idx="10"/>
+          </p:nvPr>
+        </p:nvSpPr>
+        <p:spPr/>
+        <p:txBody>
+          <a:bodyPr/>
+          <a:lstStyle/>
+          <a:p>
+            <a:pPr marL="0" marR="0" lvl="0" indent="0" algn="r" defTabSz="914400" rtl="0" eaLnBrk="1" fontAlgn="auto" latinLnBrk="0" hangingPunct="1">
               <a:lnSpc>
-                <a:spcPct val="90000"/>
+                <a:spcPct val="100000"/>
               </a:lnSpc>
               <a:spcBef>
                 <a:spcPts val="0"/>
               </a:spcBef>
               <a:spcAft>
-                <a:spcPts val="340"/>
+                <a:spcPts val="0"/>
               </a:spcAft>
               <a:buClrTx/>
               <a:buSzTx/>
@@ -1972,146 +2046,61 @@
               <a:tabLst/>
               <a:defRPr/>
             </a:pPr>
-            <a:r>
-              <a:rPr lang="en-US" b="1" dirty="0">
-                <a:latin typeface="Segoe"/>
+            <a:fld id="{0EA2900F-B82C-4F11-85DB-97B88AAD310C}" type="slidenum">
+              <a:rPr kumimoji="0" lang="en-US" sz="1200" b="0" i="0" u="none" strike="noStrike" kern="1200" cap="none" spc="0" normalizeH="0" baseline="0" noProof="0" smtClean="0">
+                <a:ln>
+                  <a:noFill/>
+                </a:ln>
+                <a:solidFill>
+                  <a:prstClr val="black"/>
+                </a:solidFill>
+                <a:effectLst/>
+                <a:uLnTx/>
+                <a:uFillTx/>
+                <a:latin typeface="Calibri" panose="020F0502020204030204"/>
+                <a:ea typeface="+mn-ea"/>
+                <a:cs typeface="+mn-cs"/>
               </a:rPr>
-              <a:t>Speakers: </a:t>
-            </a:r>
-            <a:r>
-              <a:rPr lang="en-US" dirty="0">
-                <a:latin typeface="Segoe"/>
-              </a:rPr>
-              <a:t>Please note this slide will be updated with your session’s QR code during the scrub process which</a:t>
-            </a:r>
-            <a:r>
-              <a:rPr lang="en-US" baseline="0" dirty="0">
-                <a:latin typeface="Segoe"/>
-              </a:rPr>
-              <a:t> is </a:t>
-            </a:r>
-            <a:r>
-              <a:rPr lang="en-US" dirty="0">
-                <a:latin typeface="Segoe"/>
-              </a:rPr>
-              <a:t>outlined</a:t>
-            </a:r>
-            <a:r>
-              <a:rPr lang="en-US" baseline="0" dirty="0">
-                <a:latin typeface="Segoe"/>
-              </a:rPr>
-              <a:t> on side 3. Attendees can scan the QR code for access to your session’s </a:t>
-            </a:r>
-            <a:r>
-              <a:rPr lang="en-US" baseline="0" dirty="0" err="1">
-                <a:latin typeface="Segoe"/>
-              </a:rPr>
-              <a:t>eval</a:t>
-            </a:r>
-            <a:r>
-              <a:rPr lang="en-US" baseline="0" dirty="0">
-                <a:latin typeface="Segoe"/>
-              </a:rPr>
-              <a:t>.</a:t>
-            </a:r>
-            <a:endParaRPr lang="en-US" dirty="0">
-              <a:latin typeface="Segoe"/>
-            </a:endParaRPr>
-          </a:p>
-          <a:p>
-            <a:endParaRPr lang="en-US" dirty="0"/>
-          </a:p>
-        </p:txBody>
-      </p:sp>
-      <p:sp>
-        <p:nvSpPr>
-          <p:cNvPr id="4" name="Footer Placeholder 3"/>
-          <p:cNvSpPr>
-            <a:spLocks noGrp="1"/>
-          </p:cNvSpPr>
-          <p:nvPr>
-            <p:ph type="ftr" sz="quarter" idx="10"/>
-          </p:nvPr>
-        </p:nvSpPr>
-        <p:spPr/>
-        <p:txBody>
-          <a:bodyPr/>
-          <a:lstStyle/>
-          <a:p>
-            <a:pPr defTabSz="914099" eaLnBrk="0" hangingPunct="0"/>
-            <a:r>
-              <a:rPr lang="en-US" sz="400" dirty="0">
-                <a:gradFill>
-                  <a:gsLst>
-                    <a:gs pos="0">
-                      <a:prstClr val="black"/>
-                    </a:gs>
-                    <a:gs pos="100000">
-                      <a:prstClr val="black"/>
-                    </a:gs>
-                  </a:gsLst>
-                  <a:lin ang="5400000" scaled="0"/>
-                </a:gradFill>
-                <a:latin typeface="Segoe UI" pitchFamily="34" charset="0"/>
-                <a:ea typeface="Segoe UI" pitchFamily="34" charset="0"/>
-                <a:cs typeface="Segoe UI" pitchFamily="34" charset="0"/>
-              </a:rPr>
-              <a:t>© 2016 Microsoft Corporation. All rights reserved. Microsoft, Windows, and other product names are or may be registered trademarks and/or trademarks in the U.S. and/or other countries. The information herein is for informational purposes only and represents the current view of Microsoft Corporation as of the date of this presentation.  Because Microsoft must respond to changing market conditions, it should not be interpreted to be a commitment on the part of Microsoft, and Microsoft cannot guarantee the accuracy of any information provided after the date of this presentation.  MICROSOFT MAKES NO WARRANTIES, EXPRESS, IMPLIED OR STATUTORY, AS TO THE INFORMATION IN THIS PRESENTATION.</a:t>
-            </a:r>
-          </a:p>
-        </p:txBody>
-      </p:sp>
-      <p:sp>
-        <p:nvSpPr>
-          <p:cNvPr id="5" name="Date Placeholder 4"/>
-          <p:cNvSpPr>
-            <a:spLocks noGrp="1"/>
-          </p:cNvSpPr>
-          <p:nvPr>
-            <p:ph type="dt" idx="11"/>
-          </p:nvPr>
-        </p:nvSpPr>
-        <p:spPr/>
-        <p:txBody>
-          <a:bodyPr/>
-          <a:lstStyle/>
-          <a:p>
-            <a:fld id="{E74353ED-ACB2-44BF-A903-985B0AF962B7}" type="datetime1">
-              <a:rPr lang="en-US" smtClean="0"/>
-              <a:t>3/30/2016</a:t>
-            </a:fld>
-            <a:endParaRPr lang="en-US" dirty="0"/>
-          </a:p>
-        </p:txBody>
-      </p:sp>
-      <p:sp>
-        <p:nvSpPr>
-          <p:cNvPr id="6" name="Slide Number Placeholder 5"/>
-          <p:cNvSpPr>
-            <a:spLocks noGrp="1"/>
-          </p:cNvSpPr>
-          <p:nvPr>
-            <p:ph type="sldNum" sz="quarter" idx="12"/>
-          </p:nvPr>
-        </p:nvSpPr>
-        <p:spPr/>
-        <p:txBody>
-          <a:bodyPr/>
-          <a:lstStyle/>
-          <a:p>
-            <a:fld id="{B4008EB6-D09E-4580-8CD6-DDB14511944F}" type="slidenum">
-              <a:rPr lang="en-US" smtClean="0"/>
-              <a:pPr/>
+              <a:pPr marL="0" marR="0" lvl="0" indent="0" algn="r" defTabSz="914400" rtl="0" eaLnBrk="1" fontAlgn="auto" latinLnBrk="0" hangingPunct="1">
+                <a:lnSpc>
+                  <a:spcPct val="100000"/>
+                </a:lnSpc>
+                <a:spcBef>
+                  <a:spcPts val="0"/>
+                </a:spcBef>
+                <a:spcAft>
+                  <a:spcPts val="0"/>
+                </a:spcAft>
+                <a:buClrTx/>
+                <a:buSzTx/>
+                <a:buFontTx/>
+                <a:buNone/>
+                <a:tabLst/>
+                <a:defRPr/>
+              </a:pPr>
               <a:t>22</a:t>
             </a:fld>
-            <a:endParaRPr lang="en-US" dirty="0"/>
+            <a:endParaRPr kumimoji="0" lang="en-US" sz="1200" b="0" i="0" u="none" strike="noStrike" kern="1200" cap="none" spc="0" normalizeH="0" baseline="0" noProof="0">
+              <a:ln>
+                <a:noFill/>
+              </a:ln>
+              <a:solidFill>
+                <a:prstClr val="black"/>
+              </a:solidFill>
+              <a:effectLst/>
+              <a:uLnTx/>
+              <a:uFillTx/>
+              <a:latin typeface="Calibri" panose="020F0502020204030204"/>
+              <a:ea typeface="+mn-ea"/>
+              <a:cs typeface="+mn-cs"/>
+            </a:endParaRPr>
           </a:p>
         </p:txBody>
       </p:sp>
     </p:spTree>
     <p:extLst>
       <p:ext uri="{BB962C8B-B14F-4D97-AF65-F5344CB8AC3E}">
-        <p14:creationId xmlns:p14="http://schemas.microsoft.com/office/powerpoint/2010/main" val="2642267037"/>
+        <p14:creationId xmlns:p14="http://schemas.microsoft.com/office/powerpoint/2010/main" val="52925956"/>
       </p:ext>
     </p:extLst>
   </p:cSld>
@@ -2165,6 +2154,216 @@
           <a:bodyPr/>
           <a:lstStyle/>
           <a:p>
+            <a:pPr marL="0" marR="0" indent="0" algn="l" defTabSz="932742" rtl="0" eaLnBrk="1" fontAlgn="auto" latinLnBrk="0" hangingPunct="1">
+              <a:lnSpc>
+                <a:spcPct val="90000"/>
+              </a:lnSpc>
+              <a:spcBef>
+                <a:spcPts val="0"/>
+              </a:spcBef>
+              <a:spcAft>
+                <a:spcPts val="340"/>
+              </a:spcAft>
+              <a:buClrTx/>
+              <a:buSzTx/>
+              <a:buFontTx/>
+              <a:buNone/>
+              <a:tabLst/>
+              <a:defRPr/>
+            </a:pPr>
+            <a:r>
+              <a:rPr lang="en-US" b="1" dirty="0">
+                <a:latin typeface="Segoe"/>
+              </a:rPr>
+              <a:t>Speakers: </a:t>
+            </a:r>
+            <a:r>
+              <a:rPr lang="en-US" dirty="0">
+                <a:latin typeface="Segoe"/>
+              </a:rPr>
+              <a:t>Please note this slide will be updated with your session’s QR code during the scrub process which</a:t>
+            </a:r>
+            <a:r>
+              <a:rPr lang="en-US" baseline="0" dirty="0">
+                <a:latin typeface="Segoe"/>
+              </a:rPr>
+              <a:t> is </a:t>
+            </a:r>
+            <a:r>
+              <a:rPr lang="en-US" dirty="0">
+                <a:latin typeface="Segoe"/>
+              </a:rPr>
+              <a:t>outlined</a:t>
+            </a:r>
+            <a:r>
+              <a:rPr lang="en-US" baseline="0" dirty="0">
+                <a:latin typeface="Segoe"/>
+              </a:rPr>
+              <a:t> on side 3. Attendees can scan the QR code for access to your session’s </a:t>
+            </a:r>
+            <a:r>
+              <a:rPr lang="en-US" baseline="0" dirty="0" err="1">
+                <a:latin typeface="Segoe"/>
+              </a:rPr>
+              <a:t>eval</a:t>
+            </a:r>
+            <a:r>
+              <a:rPr lang="en-US" baseline="0" dirty="0">
+                <a:latin typeface="Segoe"/>
+              </a:rPr>
+              <a:t>.</a:t>
+            </a:r>
+            <a:endParaRPr lang="en-US" dirty="0">
+              <a:latin typeface="Segoe"/>
+            </a:endParaRPr>
+          </a:p>
+          <a:p>
+            <a:endParaRPr lang="en-US" dirty="0"/>
+          </a:p>
+        </p:txBody>
+      </p:sp>
+      <p:sp>
+        <p:nvSpPr>
+          <p:cNvPr id="4" name="Footer Placeholder 3"/>
+          <p:cNvSpPr>
+            <a:spLocks noGrp="1"/>
+          </p:cNvSpPr>
+          <p:nvPr>
+            <p:ph type="ftr" sz="quarter" idx="10"/>
+          </p:nvPr>
+        </p:nvSpPr>
+        <p:spPr/>
+        <p:txBody>
+          <a:bodyPr/>
+          <a:lstStyle/>
+          <a:p>
+            <a:pPr defTabSz="914099" eaLnBrk="0" hangingPunct="0"/>
+            <a:r>
+              <a:rPr lang="en-US" sz="400" dirty="0">
+                <a:gradFill>
+                  <a:gsLst>
+                    <a:gs pos="0">
+                      <a:prstClr val="black"/>
+                    </a:gs>
+                    <a:gs pos="100000">
+                      <a:prstClr val="black"/>
+                    </a:gs>
+                  </a:gsLst>
+                  <a:lin ang="5400000" scaled="0"/>
+                </a:gradFill>
+                <a:latin typeface="Segoe UI" pitchFamily="34" charset="0"/>
+                <a:ea typeface="Segoe UI" pitchFamily="34" charset="0"/>
+                <a:cs typeface="Segoe UI" pitchFamily="34" charset="0"/>
+              </a:rPr>
+              <a:t>© 2016 Microsoft Corporation. All rights reserved. Microsoft, Windows, and other product names are or may be registered trademarks and/or trademarks in the U.S. and/or other countries. The information herein is for informational purposes only and represents the current view of Microsoft Corporation as of the date of this presentation.  Because Microsoft must respond to changing market conditions, it should not be interpreted to be a commitment on the part of Microsoft, and Microsoft cannot guarantee the accuracy of any information provided after the date of this presentation.  MICROSOFT MAKES NO WARRANTIES, EXPRESS, IMPLIED OR STATUTORY, AS TO THE INFORMATION IN THIS PRESENTATION.</a:t>
+            </a:r>
+          </a:p>
+        </p:txBody>
+      </p:sp>
+      <p:sp>
+        <p:nvSpPr>
+          <p:cNvPr id="5" name="Date Placeholder 4"/>
+          <p:cNvSpPr>
+            <a:spLocks noGrp="1"/>
+          </p:cNvSpPr>
+          <p:nvPr>
+            <p:ph type="dt" idx="11"/>
+          </p:nvPr>
+        </p:nvSpPr>
+        <p:spPr/>
+        <p:txBody>
+          <a:bodyPr/>
+          <a:lstStyle/>
+          <a:p>
+            <a:fld id="{E74353ED-ACB2-44BF-A903-985B0AF962B7}" type="datetime1">
+              <a:rPr lang="en-US" smtClean="0"/>
+              <a:t>3/31/2016</a:t>
+            </a:fld>
+            <a:endParaRPr lang="en-US" dirty="0"/>
+          </a:p>
+        </p:txBody>
+      </p:sp>
+      <p:sp>
+        <p:nvSpPr>
+          <p:cNvPr id="6" name="Slide Number Placeholder 5"/>
+          <p:cNvSpPr>
+            <a:spLocks noGrp="1"/>
+          </p:cNvSpPr>
+          <p:nvPr>
+            <p:ph type="sldNum" sz="quarter" idx="12"/>
+          </p:nvPr>
+        </p:nvSpPr>
+        <p:spPr/>
+        <p:txBody>
+          <a:bodyPr/>
+          <a:lstStyle/>
+          <a:p>
+            <a:fld id="{B4008EB6-D09E-4580-8CD6-DDB14511944F}" type="slidenum">
+              <a:rPr lang="en-US" smtClean="0"/>
+              <a:pPr/>
+              <a:t>23</a:t>
+            </a:fld>
+            <a:endParaRPr lang="en-US" dirty="0"/>
+          </a:p>
+        </p:txBody>
+      </p:sp>
+    </p:spTree>
+    <p:extLst>
+      <p:ext uri="{BB962C8B-B14F-4D97-AF65-F5344CB8AC3E}">
+        <p14:creationId xmlns:p14="http://schemas.microsoft.com/office/powerpoint/2010/main" val="2642267037"/>
+      </p:ext>
+    </p:extLst>
+  </p:cSld>
+  <p:clrMapOvr>
+    <a:masterClrMapping/>
+  </p:clrMapOvr>
+</p:notes>
+</file>
+
+<file path=ppt/notesSlides/notesSlide18.xml><?xml version="1.0" encoding="utf-8"?>
+<p:notes xmlns:a="http://schemas.openxmlformats.org/drawingml/2006/main" xmlns:r="http://schemas.openxmlformats.org/officeDocument/2006/relationships" xmlns:p="http://schemas.openxmlformats.org/presentationml/2006/main">
+  <p:cSld>
+    <p:spTree>
+      <p:nvGrpSpPr>
+        <p:cNvPr id="1" name=""/>
+        <p:cNvGrpSpPr/>
+        <p:nvPr/>
+      </p:nvGrpSpPr>
+      <p:grpSpPr>
+        <a:xfrm>
+          <a:off x="0" y="0"/>
+          <a:ext cx="0" cy="0"/>
+          <a:chOff x="0" y="0"/>
+          <a:chExt cx="0" cy="0"/>
+        </a:xfrm>
+      </p:grpSpPr>
+      <p:sp>
+        <p:nvSpPr>
+          <p:cNvPr id="2" name="Slide Image Placeholder 1"/>
+          <p:cNvSpPr>
+            <a:spLocks noGrp="1" noRot="1" noChangeAspect="1"/>
+          </p:cNvSpPr>
+          <p:nvPr>
+            <p:ph type="sldImg"/>
+          </p:nvPr>
+        </p:nvSpPr>
+        <p:spPr/>
+      </p:sp>
+      <p:sp>
+        <p:nvSpPr>
+          <p:cNvPr id="3" name="Notes Placeholder 2"/>
+          <p:cNvSpPr>
+            <a:spLocks noGrp="1"/>
+          </p:cNvSpPr>
+          <p:nvPr>
+            <p:ph type="body" idx="1"/>
+          </p:nvPr>
+        </p:nvSpPr>
+        <p:spPr/>
+        <p:txBody>
+          <a:bodyPr/>
+          <a:lstStyle/>
+          <a:p>
             <a:endParaRPr lang="en-US" dirty="0"/>
           </a:p>
         </p:txBody>
@@ -2262,7 +2461,7 @@
           <a:p>
             <a:fld id="{38EEC551-8CDA-4EB6-89BB-2A86C9F091C8}" type="datetime8">
               <a:rPr lang="en-US" smtClean="0"/>
-              <a:t>3/30/2016 9:39 PM</a:t>
+              <a:t>3/31/2016 4:24 AM</a:t>
             </a:fld>
             <a:endParaRPr lang="en-US" dirty="0"/>
           </a:p>
@@ -2286,7 +2485,7 @@
             <a:fld id="{B4008EB6-D09E-4580-8CD6-DDB14511944F}" type="slidenum">
               <a:rPr lang="en-US" smtClean="0"/>
               <a:pPr/>
-              <a:t>23</a:t>
+              <a:t>24</a:t>
             </a:fld>
             <a:endParaRPr lang="en-US" dirty="0"/>
           </a:p>
@@ -2468,7 +2667,7 @@
                 </a:solidFill>
               </a:rPr>
               <a:pPr/>
-              <a:t>3/30/2016 9:39 PM</a:t>
+              <a:t>3/31/2016 4:24 AM</a:t>
             </a:fld>
             <a:endParaRPr lang="en-US" dirty="0">
               <a:solidFill>
@@ -2645,7 +2844,7 @@
           <a:p>
             <a:fld id="{90EC29EE-A8AD-4CE0-9C0B-116E0D4D7533}" type="datetime8">
               <a:rPr lang="en-US" smtClean="0"/>
-              <a:t>3/30/2016 9:39 PM</a:t>
+              <a:t>3/31/2016 4:24 AM</a:t>
             </a:fld>
             <a:endParaRPr lang="en-US" dirty="0"/>
           </a:p>
@@ -2678,7 +2877,7 @@
     </p:spTree>
     <p:extLst>
       <p:ext uri="{BB962C8B-B14F-4D97-AF65-F5344CB8AC3E}">
-        <p14:creationId xmlns:p14="http://schemas.microsoft.com/office/powerpoint/2010/main" val="3792050101"/>
+        <p14:creationId xmlns:p14="http://schemas.microsoft.com/office/powerpoint/2010/main" val="2543719377"/>
       </p:ext>
     </p:extLst>
   </p:cSld>
@@ -2751,19 +2950,7 @@
           <a:bodyPr/>
           <a:lstStyle/>
           <a:p>
-            <a:r>
-              <a:rPr lang="en-US">
-                <a:solidFill>
-                  <a:prstClr val="black"/>
-                </a:solidFill>
-              </a:rPr>
-              <a:t>Build 2015</a:t>
-            </a:r>
-            <a:endParaRPr lang="en-US" dirty="0">
-              <a:solidFill>
-                <a:prstClr val="black"/>
-              </a:solidFill>
-            </a:endParaRPr>
+            <a:endParaRPr lang="en-US" dirty="0"/>
           </a:p>
         </p:txBody>
       </p:sp>
@@ -2782,9 +2969,9 @@
           <a:bodyPr/>
           <a:lstStyle/>
           <a:p>
-            <a:pPr defTabSz="931467" eaLnBrk="0" hangingPunct="0"/>
-            <a:r>
-              <a:rPr lang="en-US" sz="400">
+            <a:pPr defTabSz="914099" eaLnBrk="0" hangingPunct="0"/>
+            <a:r>
+              <a:rPr lang="en-US" sz="400" dirty="0">
                 <a:gradFill>
                   <a:gsLst>
                     <a:gs pos="0">
@@ -2800,24 +2987,8 @@
                 <a:ea typeface="Segoe UI" pitchFamily="34" charset="0"/>
                 <a:cs typeface="Segoe UI" pitchFamily="34" charset="0"/>
               </a:rPr>
-              <a:t>© 2015 Microsoft Corporation. All rights reserved. MICROSOFT MAKES NO WARRANTIES, EXPRESS, IMPLIED OR STATUTORY, AS TO THE INFORMATION IN THIS PRESENTATION.</a:t>
-            </a:r>
-            <a:endParaRPr lang="en-US" sz="400" dirty="0">
-              <a:gradFill>
-                <a:gsLst>
-                  <a:gs pos="0">
-                    <a:prstClr val="black"/>
-                  </a:gs>
-                  <a:gs pos="100000">
-                    <a:prstClr val="black"/>
-                  </a:gs>
-                </a:gsLst>
-                <a:lin ang="5400000" scaled="0"/>
-              </a:gradFill>
-              <a:latin typeface="Segoe UI" pitchFamily="34" charset="0"/>
-              <a:ea typeface="Segoe UI" pitchFamily="34" charset="0"/>
-              <a:cs typeface="Segoe UI" pitchFamily="34" charset="0"/>
-            </a:endParaRPr>
+              <a:t>© 2016 Microsoft Corporation. All rights reserved. MICROSOFT MAKES NO WARRANTIES, EXPRESS, IMPLIED OR STATUTORY, AS TO THE INFORMATION IN THIS PRESENTATION.</a:t>
+            </a:r>
           </a:p>
         </p:txBody>
       </p:sp>
@@ -2836,20 +3007,11 @@
           <a:bodyPr/>
           <a:lstStyle/>
           <a:p>
-            <a:fld id="{38EEC551-8CDA-4EB6-89BB-2A86C9F091C8}" type="datetime8">
-              <a:rPr lang="en-US" smtClean="0">
-                <a:solidFill>
-                  <a:prstClr val="black"/>
-                </a:solidFill>
-              </a:rPr>
-              <a:pPr/>
-              <a:t>3/30/2016 9:39 PM</a:t>
+            <a:fld id="{90EC29EE-A8AD-4CE0-9C0B-116E0D4D7533}" type="datetime8">
+              <a:rPr lang="en-US" smtClean="0"/>
+              <a:t>3/31/2016 4:24 AM</a:t>
             </a:fld>
-            <a:endParaRPr lang="en-US" dirty="0">
-              <a:solidFill>
-                <a:prstClr val="black"/>
-              </a:solidFill>
-            </a:endParaRPr>
+            <a:endParaRPr lang="en-US" dirty="0"/>
           </a:p>
         </p:txBody>
       </p:sp>
@@ -2869,26 +3031,18 @@
           <a:lstStyle/>
           <a:p>
             <a:fld id="{B4008EB6-D09E-4580-8CD6-DDB14511944F}" type="slidenum">
-              <a:rPr lang="en-US" smtClean="0">
-                <a:solidFill>
-                  <a:prstClr val="black"/>
-                </a:solidFill>
-              </a:rPr>
+              <a:rPr lang="en-US" smtClean="0"/>
               <a:pPr/>
               <a:t>5</a:t>
             </a:fld>
-            <a:endParaRPr lang="en-US" dirty="0">
-              <a:solidFill>
-                <a:prstClr val="black"/>
-              </a:solidFill>
-            </a:endParaRPr>
+            <a:endParaRPr lang="en-US" dirty="0"/>
           </a:p>
         </p:txBody>
       </p:sp>
     </p:spTree>
     <p:extLst>
       <p:ext uri="{BB962C8B-B14F-4D97-AF65-F5344CB8AC3E}">
-        <p14:creationId xmlns:p14="http://schemas.microsoft.com/office/powerpoint/2010/main" val="213822893"/>
+        <p14:creationId xmlns:p14="http://schemas.microsoft.com/office/powerpoint/2010/main" val="3792050101"/>
       </p:ext>
     </p:extLst>
   </p:cSld>
@@ -2942,47 +3096,18 @@
           <a:bodyPr/>
           <a:lstStyle/>
           <a:p>
-            <a:pPr marL="0" marR="0" indent="0" algn="l" defTabSz="924916" rtl="0" eaLnBrk="1" fontAlgn="auto" latinLnBrk="0" hangingPunct="1">
-              <a:lnSpc>
-                <a:spcPct val="90000"/>
-              </a:lnSpc>
-              <a:spcBef>
-                <a:spcPts val="0"/>
-              </a:spcBef>
-              <a:spcAft>
-                <a:spcPts val="340"/>
-              </a:spcAft>
-              <a:buClrTx/>
-              <a:buSzTx/>
-              <a:buFontTx/>
-              <a:buNone/>
-              <a:tabLst/>
-              <a:defRPr/>
-            </a:pPr>
-            <a:r>
-              <a:rPr lang="en-US" baseline="0" dirty="0"/>
-              <a:t>“With Windows 10, we’ve taken our best work from Desktop, Windows Phone, and Xbox merged it into a single core operating system with a tailored experience for each device. Windows 10 runs on everything from Phone to laptop to desktop to IoT devices and </a:t>
-            </a:r>
-            <a:r>
-              <a:rPr lang="en-US" baseline="0" dirty="0" err="1"/>
-              <a:t>Hololens</a:t>
-            </a:r>
-            <a:r>
-              <a:rPr lang="en-US" baseline="0" dirty="0"/>
-              <a:t>.”</a:t>
-            </a:r>
             <a:endParaRPr lang="en-US" dirty="0"/>
           </a:p>
         </p:txBody>
       </p:sp>
       <p:sp>
         <p:nvSpPr>
-          <p:cNvPr id="4" name="Slide Number Placeholder 3"/>
+          <p:cNvPr id="4" name="Header Placeholder 3"/>
           <p:cNvSpPr>
             <a:spLocks noGrp="1"/>
           </p:cNvSpPr>
           <p:nvPr>
-            <p:ph type="sldNum" sz="quarter" idx="10"/>
+            <p:ph type="hdr" sz="quarter" idx="10"/>
           </p:nvPr>
         </p:nvSpPr>
         <p:spPr/>
@@ -2990,70 +3115,136 @@
           <a:bodyPr/>
           <a:lstStyle/>
           <a:p>
-            <a:pPr marL="0" marR="0" lvl="0" indent="0" algn="r" defTabSz="914400" rtl="0" eaLnBrk="1" fontAlgn="auto" latinLnBrk="0" hangingPunct="1">
-              <a:lnSpc>
-                <a:spcPct val="100000"/>
-              </a:lnSpc>
-              <a:spcBef>
-                <a:spcPts val="0"/>
-              </a:spcBef>
-              <a:spcAft>
-                <a:spcPts val="0"/>
-              </a:spcAft>
-              <a:buClrTx/>
-              <a:buSzTx/>
-              <a:buFontTx/>
-              <a:buNone/>
-              <a:tabLst/>
-              <a:defRPr/>
-            </a:pPr>
-            <a:fld id="{0EA2900F-B82C-4F11-85DB-97B88AAD310C}" type="slidenum">
-              <a:rPr kumimoji="0" lang="en-US" sz="1200" b="0" i="0" u="none" strike="noStrike" kern="1200" cap="none" spc="0" normalizeH="0" baseline="0" noProof="0" smtClean="0">
-                <a:ln>
-                  <a:noFill/>
-                </a:ln>
+            <a:r>
+              <a:rPr lang="en-US">
                 <a:solidFill>
                   <a:prstClr val="black"/>
                 </a:solidFill>
-                <a:effectLst/>
-                <a:uLnTx/>
-                <a:uFillTx/>
-                <a:latin typeface="Calibri" panose="020F0502020204030204"/>
-                <a:ea typeface="+mn-ea"/>
-                <a:cs typeface="+mn-cs"/>
               </a:rPr>
-              <a:pPr marL="0" marR="0" lvl="0" indent="0" algn="r" defTabSz="914400" rtl="0" eaLnBrk="1" fontAlgn="auto" latinLnBrk="0" hangingPunct="1">
-                <a:lnSpc>
-                  <a:spcPct val="100000"/>
-                </a:lnSpc>
-                <a:spcBef>
-                  <a:spcPts val="0"/>
-                </a:spcBef>
-                <a:spcAft>
-                  <a:spcPts val="0"/>
-                </a:spcAft>
-                <a:buClrTx/>
-                <a:buSzTx/>
-                <a:buFontTx/>
-                <a:buNone/>
-                <a:tabLst/>
-                <a:defRPr/>
-              </a:pPr>
-              <a:t>6</a:t>
-            </a:fld>
-            <a:endParaRPr kumimoji="0" lang="en-US" sz="1200" b="0" i="0" u="none" strike="noStrike" kern="1200" cap="none" spc="0" normalizeH="0" baseline="0" noProof="0">
-              <a:ln>
-                <a:noFill/>
-              </a:ln>
+              <a:t>Build 2015</a:t>
+            </a:r>
+            <a:endParaRPr lang="en-US" dirty="0">
               <a:solidFill>
                 <a:prstClr val="black"/>
               </a:solidFill>
-              <a:effectLst/>
-              <a:uLnTx/>
-              <a:uFillTx/>
-              <a:latin typeface="Calibri" panose="020F0502020204030204"/>
-              <a:ea typeface="+mn-ea"/>
-              <a:cs typeface="+mn-cs"/>
+            </a:endParaRPr>
+          </a:p>
+        </p:txBody>
+      </p:sp>
+      <p:sp>
+        <p:nvSpPr>
+          <p:cNvPr id="5" name="Footer Placeholder 4"/>
+          <p:cNvSpPr>
+            <a:spLocks noGrp="1"/>
+          </p:cNvSpPr>
+          <p:nvPr>
+            <p:ph type="ftr" sz="quarter" idx="11"/>
+          </p:nvPr>
+        </p:nvSpPr>
+        <p:spPr/>
+        <p:txBody>
+          <a:bodyPr/>
+          <a:lstStyle/>
+          <a:p>
+            <a:pPr defTabSz="931467" eaLnBrk="0" hangingPunct="0"/>
+            <a:r>
+              <a:rPr lang="en-US" sz="400">
+                <a:gradFill>
+                  <a:gsLst>
+                    <a:gs pos="0">
+                      <a:prstClr val="black"/>
+                    </a:gs>
+                    <a:gs pos="100000">
+                      <a:prstClr val="black"/>
+                    </a:gs>
+                  </a:gsLst>
+                  <a:lin ang="5400000" scaled="0"/>
+                </a:gradFill>
+                <a:latin typeface="Segoe UI" pitchFamily="34" charset="0"/>
+                <a:ea typeface="Segoe UI" pitchFamily="34" charset="0"/>
+                <a:cs typeface="Segoe UI" pitchFamily="34" charset="0"/>
+              </a:rPr>
+              <a:t>© 2015 Microsoft Corporation. All rights reserved. MICROSOFT MAKES NO WARRANTIES, EXPRESS, IMPLIED OR STATUTORY, AS TO THE INFORMATION IN THIS PRESENTATION.</a:t>
+            </a:r>
+            <a:endParaRPr lang="en-US" sz="400" dirty="0">
+              <a:gradFill>
+                <a:gsLst>
+                  <a:gs pos="0">
+                    <a:prstClr val="black"/>
+                  </a:gs>
+                  <a:gs pos="100000">
+                    <a:prstClr val="black"/>
+                  </a:gs>
+                </a:gsLst>
+                <a:lin ang="5400000" scaled="0"/>
+              </a:gradFill>
+              <a:latin typeface="Segoe UI" pitchFamily="34" charset="0"/>
+              <a:ea typeface="Segoe UI" pitchFamily="34" charset="0"/>
+              <a:cs typeface="Segoe UI" pitchFamily="34" charset="0"/>
+            </a:endParaRPr>
+          </a:p>
+        </p:txBody>
+      </p:sp>
+      <p:sp>
+        <p:nvSpPr>
+          <p:cNvPr id="6" name="Date Placeholder 5"/>
+          <p:cNvSpPr>
+            <a:spLocks noGrp="1"/>
+          </p:cNvSpPr>
+          <p:nvPr>
+            <p:ph type="dt" idx="12"/>
+          </p:nvPr>
+        </p:nvSpPr>
+        <p:spPr/>
+        <p:txBody>
+          <a:bodyPr/>
+          <a:lstStyle/>
+          <a:p>
+            <a:fld id="{38EEC551-8CDA-4EB6-89BB-2A86C9F091C8}" type="datetime8">
+              <a:rPr lang="en-US" smtClean="0">
+                <a:solidFill>
+                  <a:prstClr val="black"/>
+                </a:solidFill>
+              </a:rPr>
+              <a:pPr/>
+              <a:t>3/31/2016 4:24 AM</a:t>
+            </a:fld>
+            <a:endParaRPr lang="en-US" dirty="0">
+              <a:solidFill>
+                <a:prstClr val="black"/>
+              </a:solidFill>
+            </a:endParaRPr>
+          </a:p>
+        </p:txBody>
+      </p:sp>
+      <p:sp>
+        <p:nvSpPr>
+          <p:cNvPr id="7" name="Slide Number Placeholder 6"/>
+          <p:cNvSpPr>
+            <a:spLocks noGrp="1"/>
+          </p:cNvSpPr>
+          <p:nvPr>
+            <p:ph type="sldNum" sz="quarter" idx="13"/>
+          </p:nvPr>
+        </p:nvSpPr>
+        <p:spPr/>
+        <p:txBody>
+          <a:bodyPr/>
+          <a:lstStyle/>
+          <a:p>
+            <a:fld id="{B4008EB6-D09E-4580-8CD6-DDB14511944F}" type="slidenum">
+              <a:rPr lang="en-US" smtClean="0">
+                <a:solidFill>
+                  <a:prstClr val="black"/>
+                </a:solidFill>
+              </a:rPr>
+              <a:pPr/>
+              <a:t>6</a:t>
+            </a:fld>
+            <a:endParaRPr lang="en-US" dirty="0">
+              <a:solidFill>
+                <a:prstClr val="black"/>
+              </a:solidFill>
             </a:endParaRPr>
           </a:p>
         </p:txBody>
@@ -3061,7 +3252,7 @@
     </p:spTree>
     <p:extLst>
       <p:ext uri="{BB962C8B-B14F-4D97-AF65-F5344CB8AC3E}">
-        <p14:creationId xmlns:p14="http://schemas.microsoft.com/office/powerpoint/2010/main" val="3526410877"/>
+        <p14:creationId xmlns:p14="http://schemas.microsoft.com/office/powerpoint/2010/main" val="213822893"/>
       </p:ext>
     </p:extLst>
   </p:cSld>
@@ -3115,18 +3306,47 @@
           <a:bodyPr/>
           <a:lstStyle/>
           <a:p>
+            <a:pPr marL="0" marR="0" indent="0" algn="l" defTabSz="924916" rtl="0" eaLnBrk="1" fontAlgn="auto" latinLnBrk="0" hangingPunct="1">
+              <a:lnSpc>
+                <a:spcPct val="90000"/>
+              </a:lnSpc>
+              <a:spcBef>
+                <a:spcPts val="0"/>
+              </a:spcBef>
+              <a:spcAft>
+                <a:spcPts val="340"/>
+              </a:spcAft>
+              <a:buClrTx/>
+              <a:buSzTx/>
+              <a:buFontTx/>
+              <a:buNone/>
+              <a:tabLst/>
+              <a:defRPr/>
+            </a:pPr>
+            <a:r>
+              <a:rPr lang="en-US" baseline="0" dirty="0"/>
+              <a:t>“With Windows 10, we’ve taken our best work from Desktop, Windows Phone, and Xbox merged it into a single core operating system with a tailored experience for each device. Windows 10 runs on everything from Phone to laptop to desktop to IoT devices and </a:t>
+            </a:r>
+            <a:r>
+              <a:rPr lang="en-US" baseline="0" dirty="0" err="1"/>
+              <a:t>Hololens</a:t>
+            </a:r>
+            <a:r>
+              <a:rPr lang="en-US" baseline="0" dirty="0"/>
+              <a:t>.”</a:t>
+            </a:r>
             <a:endParaRPr lang="en-US" dirty="0"/>
           </a:p>
         </p:txBody>
       </p:sp>
       <p:sp>
         <p:nvSpPr>
-          <p:cNvPr id="4" name="Header Placeholder 3"/>
+          <p:cNvPr id="4" name="Slide Number Placeholder 3"/>
           <p:cNvSpPr>
             <a:spLocks noGrp="1"/>
           </p:cNvSpPr>
           <p:nvPr>
-            <p:ph type="hdr" sz="quarter" idx="10"/>
+            <p:ph type="sldNum" sz="quarter" idx="10"/>
           </p:nvPr>
         </p:nvSpPr>
         <p:spPr/>
@@ -3134,99 +3354,78 @@
           <a:bodyPr/>
           <a:lstStyle/>
           <a:p>
-            <a:endParaRPr lang="en-US" dirty="0"/>
-          </a:p>
-        </p:txBody>
-      </p:sp>
-      <p:sp>
-        <p:nvSpPr>
-          <p:cNvPr id="5" name="Footer Placeholder 4"/>
-          <p:cNvSpPr>
-            <a:spLocks noGrp="1"/>
-          </p:cNvSpPr>
-          <p:nvPr>
-            <p:ph type="ftr" sz="quarter" idx="11"/>
-          </p:nvPr>
-        </p:nvSpPr>
-        <p:spPr/>
-        <p:txBody>
-          <a:bodyPr/>
-          <a:lstStyle/>
-          <a:p>
-            <a:pPr defTabSz="914099" eaLnBrk="0" hangingPunct="0"/>
-            <a:r>
-              <a:rPr lang="en-US" sz="400" dirty="0">
-                <a:gradFill>
-                  <a:gsLst>
-                    <a:gs pos="0">
-                      <a:prstClr val="black"/>
-                    </a:gs>
-                    <a:gs pos="100000">
-                      <a:prstClr val="black"/>
-                    </a:gs>
-                  </a:gsLst>
-                  <a:lin ang="5400000" scaled="0"/>
-                </a:gradFill>
-                <a:latin typeface="Segoe UI" pitchFamily="34" charset="0"/>
-                <a:ea typeface="Segoe UI" pitchFamily="34" charset="0"/>
-                <a:cs typeface="Segoe UI" pitchFamily="34" charset="0"/>
+            <a:pPr marL="0" marR="0" lvl="0" indent="0" algn="r" defTabSz="914400" rtl="0" eaLnBrk="1" fontAlgn="auto" latinLnBrk="0" hangingPunct="1">
+              <a:lnSpc>
+                <a:spcPct val="100000"/>
+              </a:lnSpc>
+              <a:spcBef>
+                <a:spcPts val="0"/>
+              </a:spcBef>
+              <a:spcAft>
+                <a:spcPts val="0"/>
+              </a:spcAft>
+              <a:buClrTx/>
+              <a:buSzTx/>
+              <a:buFontTx/>
+              <a:buNone/>
+              <a:tabLst/>
+              <a:defRPr/>
+            </a:pPr>
+            <a:fld id="{0EA2900F-B82C-4F11-85DB-97B88AAD310C}" type="slidenum">
+              <a:rPr kumimoji="0" lang="en-US" sz="1200" b="0" i="0" u="none" strike="noStrike" kern="1200" cap="none" spc="0" normalizeH="0" baseline="0" noProof="0" smtClean="0">
+                <a:ln>
+                  <a:noFill/>
+                </a:ln>
+                <a:solidFill>
+                  <a:prstClr val="black"/>
+                </a:solidFill>
+                <a:effectLst/>
+                <a:uLnTx/>
+                <a:uFillTx/>
+                <a:latin typeface="Calibri" panose="020F0502020204030204"/>
+                <a:ea typeface="+mn-ea"/>
+                <a:cs typeface="+mn-cs"/>
               </a:rPr>
-              <a:t>© 2016 Microsoft Corporation. All rights reserved. MICROSOFT MAKES NO WARRANTIES, EXPRESS, IMPLIED OR STATUTORY, AS TO THE INFORMATION IN THIS PRESENTATION.</a:t>
-            </a:r>
-          </a:p>
-        </p:txBody>
-      </p:sp>
-      <p:sp>
-        <p:nvSpPr>
-          <p:cNvPr id="6" name="Date Placeholder 5"/>
-          <p:cNvSpPr>
-            <a:spLocks noGrp="1"/>
-          </p:cNvSpPr>
-          <p:nvPr>
-            <p:ph type="dt" idx="12"/>
-          </p:nvPr>
-        </p:nvSpPr>
-        <p:spPr/>
-        <p:txBody>
-          <a:bodyPr/>
-          <a:lstStyle/>
-          <a:p>
-            <a:fld id="{90EC29EE-A8AD-4CE0-9C0B-116E0D4D7533}" type="datetime8">
-              <a:rPr lang="en-US" smtClean="0"/>
-              <a:t>3/30/2016 9:39 PM</a:t>
+              <a:pPr marL="0" marR="0" lvl="0" indent="0" algn="r" defTabSz="914400" rtl="0" eaLnBrk="1" fontAlgn="auto" latinLnBrk="0" hangingPunct="1">
+                <a:lnSpc>
+                  <a:spcPct val="100000"/>
+                </a:lnSpc>
+                <a:spcBef>
+                  <a:spcPts val="0"/>
+                </a:spcBef>
+                <a:spcAft>
+                  <a:spcPts val="0"/>
+                </a:spcAft>
+                <a:buClrTx/>
+                <a:buSzTx/>
+                <a:buFontTx/>
+                <a:buNone/>
+                <a:tabLst/>
+                <a:defRPr/>
+              </a:pPr>
+              <a:t>7</a:t>
             </a:fld>
-            <a:endParaRPr lang="en-US" dirty="0"/>
-          </a:p>
-        </p:txBody>
-      </p:sp>
-      <p:sp>
-        <p:nvSpPr>
-          <p:cNvPr id="7" name="Slide Number Placeholder 6"/>
-          <p:cNvSpPr>
-            <a:spLocks noGrp="1"/>
-          </p:cNvSpPr>
-          <p:nvPr>
-            <p:ph type="sldNum" sz="quarter" idx="13"/>
-          </p:nvPr>
-        </p:nvSpPr>
-        <p:spPr/>
-        <p:txBody>
-          <a:bodyPr/>
-          <a:lstStyle/>
-          <a:p>
-            <a:fld id="{B4008EB6-D09E-4580-8CD6-DDB14511944F}" type="slidenum">
-              <a:rPr lang="en-US" smtClean="0"/>
-              <a:pPr/>
-              <a:t>8</a:t>
-            </a:fld>
-            <a:endParaRPr lang="en-US" dirty="0"/>
+            <a:endParaRPr kumimoji="0" lang="en-US" sz="1200" b="0" i="0" u="none" strike="noStrike" kern="1200" cap="none" spc="0" normalizeH="0" baseline="0" noProof="0">
+              <a:ln>
+                <a:noFill/>
+              </a:ln>
+              <a:solidFill>
+                <a:prstClr val="black"/>
+              </a:solidFill>
+              <a:effectLst/>
+              <a:uLnTx/>
+              <a:uFillTx/>
+              <a:latin typeface="Calibri" panose="020F0502020204030204"/>
+              <a:ea typeface="+mn-ea"/>
+              <a:cs typeface="+mn-cs"/>
+            </a:endParaRPr>
           </a:p>
         </p:txBody>
       </p:sp>
     </p:spTree>
     <p:extLst>
       <p:ext uri="{BB962C8B-B14F-4D97-AF65-F5344CB8AC3E}">
-        <p14:creationId xmlns:p14="http://schemas.microsoft.com/office/powerpoint/2010/main" val="3951100661"/>
+        <p14:creationId xmlns:p14="http://schemas.microsoft.com/office/powerpoint/2010/main" val="3526410877"/>
       </p:ext>
     </p:extLst>
   </p:cSld>
@@ -3280,30 +3479,18 @@
           <a:bodyPr/>
           <a:lstStyle/>
           <a:p>
-            <a:r>
-              <a:rPr lang="en-US" baseline="0" dirty="0"/>
-              <a:t>“As a follow-on to this lab, we also have the Azure IoT lab. In that, you’ll learn how to use the Raspberry Pi to send sensor data to IoT Hub and process it using other Azure IoT services.</a:t>
-            </a:r>
-          </a:p>
-          <a:p>
-            <a:endParaRPr lang="en-US" baseline="0" dirty="0"/>
-          </a:p>
-          <a:p>
-            <a:r>
-              <a:rPr lang="en-US" baseline="0" dirty="0"/>
-              <a:t>If you are interested in the underlying IO and other capabilities on devices like the Raspberry Pi, or want to explore more with Azure and devices, we also have the Open Hack in this same room, starting on Day 2.”</a:t>
-            </a:r>
+            <a:endParaRPr lang="en-US" dirty="0"/>
           </a:p>
         </p:txBody>
       </p:sp>
       <p:sp>
         <p:nvSpPr>
-          <p:cNvPr id="4" name="Slide Number Placeholder 3"/>
+          <p:cNvPr id="4" name="Header Placeholder 3"/>
           <p:cNvSpPr>
             <a:spLocks noGrp="1"/>
           </p:cNvSpPr>
           <p:nvPr>
-            <p:ph type="sldNum" sz="quarter" idx="10"/>
+            <p:ph type="hdr" sz="quarter" idx="10"/>
           </p:nvPr>
         </p:nvSpPr>
         <p:spPr/>
@@ -3311,78 +3498,99 @@
           <a:bodyPr/>
           <a:lstStyle/>
           <a:p>
-            <a:pPr marL="0" marR="0" lvl="0" indent="0" algn="r" defTabSz="914400" rtl="0" eaLnBrk="1" fontAlgn="auto" latinLnBrk="0" hangingPunct="1">
-              <a:lnSpc>
-                <a:spcPct val="100000"/>
-              </a:lnSpc>
-              <a:spcBef>
-                <a:spcPts val="0"/>
-              </a:spcBef>
-              <a:spcAft>
-                <a:spcPts val="0"/>
-              </a:spcAft>
-              <a:buClrTx/>
-              <a:buSzTx/>
-              <a:buFontTx/>
-              <a:buNone/>
-              <a:tabLst/>
-              <a:defRPr/>
-            </a:pPr>
-            <a:fld id="{0EA2900F-B82C-4F11-85DB-97B88AAD310C}" type="slidenum">
-              <a:rPr kumimoji="0" lang="en-US" sz="1200" b="0" i="0" u="none" strike="noStrike" kern="1200" cap="none" spc="0" normalizeH="0" baseline="0" noProof="0" smtClean="0">
-                <a:ln>
-                  <a:noFill/>
-                </a:ln>
-                <a:solidFill>
-                  <a:prstClr val="black"/>
-                </a:solidFill>
-                <a:effectLst/>
-                <a:uLnTx/>
-                <a:uFillTx/>
-                <a:latin typeface="Calibri" panose="020F0502020204030204"/>
-                <a:ea typeface="+mn-ea"/>
-                <a:cs typeface="+mn-cs"/>
+            <a:endParaRPr lang="en-US" dirty="0"/>
+          </a:p>
+        </p:txBody>
+      </p:sp>
+      <p:sp>
+        <p:nvSpPr>
+          <p:cNvPr id="5" name="Footer Placeholder 4"/>
+          <p:cNvSpPr>
+            <a:spLocks noGrp="1"/>
+          </p:cNvSpPr>
+          <p:nvPr>
+            <p:ph type="ftr" sz="quarter" idx="11"/>
+          </p:nvPr>
+        </p:nvSpPr>
+        <p:spPr/>
+        <p:txBody>
+          <a:bodyPr/>
+          <a:lstStyle/>
+          <a:p>
+            <a:pPr defTabSz="914099" eaLnBrk="0" hangingPunct="0"/>
+            <a:r>
+              <a:rPr lang="en-US" sz="400" dirty="0">
+                <a:gradFill>
+                  <a:gsLst>
+                    <a:gs pos="0">
+                      <a:prstClr val="black"/>
+                    </a:gs>
+                    <a:gs pos="100000">
+                      <a:prstClr val="black"/>
+                    </a:gs>
+                  </a:gsLst>
+                  <a:lin ang="5400000" scaled="0"/>
+                </a:gradFill>
+                <a:latin typeface="Segoe UI" pitchFamily="34" charset="0"/>
+                <a:ea typeface="Segoe UI" pitchFamily="34" charset="0"/>
+                <a:cs typeface="Segoe UI" pitchFamily="34" charset="0"/>
               </a:rPr>
-              <a:pPr marL="0" marR="0" lvl="0" indent="0" algn="r" defTabSz="914400" rtl="0" eaLnBrk="1" fontAlgn="auto" latinLnBrk="0" hangingPunct="1">
-                <a:lnSpc>
-                  <a:spcPct val="100000"/>
-                </a:lnSpc>
-                <a:spcBef>
-                  <a:spcPts val="0"/>
-                </a:spcBef>
-                <a:spcAft>
-                  <a:spcPts val="0"/>
-                </a:spcAft>
-                <a:buClrTx/>
-                <a:buSzTx/>
-                <a:buFontTx/>
-                <a:buNone/>
-                <a:tabLst/>
-                <a:defRPr/>
-              </a:pPr>
+              <a:t>© 2016 Microsoft Corporation. All rights reserved. MICROSOFT MAKES NO WARRANTIES, EXPRESS, IMPLIED OR STATUTORY, AS TO THE INFORMATION IN THIS PRESENTATION.</a:t>
+            </a:r>
+          </a:p>
+        </p:txBody>
+      </p:sp>
+      <p:sp>
+        <p:nvSpPr>
+          <p:cNvPr id="6" name="Date Placeholder 5"/>
+          <p:cNvSpPr>
+            <a:spLocks noGrp="1"/>
+          </p:cNvSpPr>
+          <p:nvPr>
+            <p:ph type="dt" idx="12"/>
+          </p:nvPr>
+        </p:nvSpPr>
+        <p:spPr/>
+        <p:txBody>
+          <a:bodyPr/>
+          <a:lstStyle/>
+          <a:p>
+            <a:fld id="{90EC29EE-A8AD-4CE0-9C0B-116E0D4D7533}" type="datetime8">
+              <a:rPr lang="en-US" smtClean="0"/>
+              <a:t>3/31/2016 4:24 AM</a:t>
+            </a:fld>
+            <a:endParaRPr lang="en-US" dirty="0"/>
+          </a:p>
+        </p:txBody>
+      </p:sp>
+      <p:sp>
+        <p:nvSpPr>
+          <p:cNvPr id="7" name="Slide Number Placeholder 6"/>
+          <p:cNvSpPr>
+            <a:spLocks noGrp="1"/>
+          </p:cNvSpPr>
+          <p:nvPr>
+            <p:ph type="sldNum" sz="quarter" idx="13"/>
+          </p:nvPr>
+        </p:nvSpPr>
+        <p:spPr/>
+        <p:txBody>
+          <a:bodyPr/>
+          <a:lstStyle/>
+          <a:p>
+            <a:fld id="{B4008EB6-D09E-4580-8CD6-DDB14511944F}" type="slidenum">
+              <a:rPr lang="en-US" smtClean="0"/>
+              <a:pPr/>
               <a:t>9</a:t>
             </a:fld>
-            <a:endParaRPr kumimoji="0" lang="en-US" sz="1200" b="0" i="0" u="none" strike="noStrike" kern="1200" cap="none" spc="0" normalizeH="0" baseline="0" noProof="0">
-              <a:ln>
-                <a:noFill/>
-              </a:ln>
-              <a:solidFill>
-                <a:prstClr val="black"/>
-              </a:solidFill>
-              <a:effectLst/>
-              <a:uLnTx/>
-              <a:uFillTx/>
-              <a:latin typeface="Calibri" panose="020F0502020204030204"/>
-              <a:ea typeface="+mn-ea"/>
-              <a:cs typeface="+mn-cs"/>
-            </a:endParaRPr>
+            <a:endParaRPr lang="en-US" dirty="0"/>
           </a:p>
         </p:txBody>
       </p:sp>
     </p:spTree>
     <p:extLst>
       <p:ext uri="{BB962C8B-B14F-4D97-AF65-F5344CB8AC3E}">
-        <p14:creationId xmlns:p14="http://schemas.microsoft.com/office/powerpoint/2010/main" val="473181027"/>
+        <p14:creationId xmlns:p14="http://schemas.microsoft.com/office/powerpoint/2010/main" val="3951100661"/>
       </p:ext>
     </p:extLst>
   </p:cSld>
@@ -3538,7 +3746,7 @@
     </p:spTree>
     <p:extLst>
       <p:ext uri="{BB962C8B-B14F-4D97-AF65-F5344CB8AC3E}">
-        <p14:creationId xmlns:p14="http://schemas.microsoft.com/office/powerpoint/2010/main" val="2834252788"/>
+        <p14:creationId xmlns:p14="http://schemas.microsoft.com/office/powerpoint/2010/main" val="473181027"/>
       </p:ext>
     </p:extLst>
   </p:cSld>
@@ -3593,34 +3801,29 @@
           <a:lstStyle/>
           <a:p>
             <a:r>
-              <a:rPr lang="en-US" dirty="0"/>
-              <a:t>You should get to this slide no later than 10 minutes into the session</a:t>
-            </a:r>
-          </a:p>
-          <a:p>
-            <a:endParaRPr lang="en-US" dirty="0"/>
-          </a:p>
-          <a:p>
-            <a:r>
-              <a:rPr lang="en-US" dirty="0"/>
-              <a:t>Show how to get to the lab</a:t>
-            </a:r>
-            <a:r>
               <a:rPr lang="en-US" baseline="0" dirty="0"/>
-              <a:t> on the workstation, and then leave this slide up on the projector.</a:t>
-            </a:r>
-            <a:endParaRPr lang="en-US" dirty="0"/>
+              <a:t>“As a follow-on to this lab, we also have the Azure IoT lab. In that, you’ll learn how to use the Raspberry Pi to send sensor data to IoT Hub and process it using other Azure IoT services.</a:t>
+            </a:r>
+          </a:p>
+          <a:p>
+            <a:endParaRPr lang="en-US" baseline="0" dirty="0"/>
+          </a:p>
+          <a:p>
+            <a:r>
+              <a:rPr lang="en-US" baseline="0" dirty="0"/>
+              <a:t>If you are interested in the underlying IO and other capabilities on devices like the Raspberry Pi, or want to explore more with Azure and devices, we also have the Open Hack in this same room, starting on Day 2.”</a:t>
+            </a:r>
           </a:p>
         </p:txBody>
       </p:sp>
       <p:sp>
         <p:nvSpPr>
-          <p:cNvPr id="4" name="Header Placeholder 3"/>
+          <p:cNvPr id="4" name="Slide Number Placeholder 3"/>
           <p:cNvSpPr>
             <a:spLocks noGrp="1"/>
           </p:cNvSpPr>
           <p:nvPr>
-            <p:ph type="hdr" sz="quarter" idx="10"/>
+            <p:ph type="sldNum" sz="quarter" idx="10"/>
           </p:nvPr>
         </p:nvSpPr>
         <p:spPr/>
@@ -3628,115 +3831,78 @@
           <a:bodyPr/>
           <a:lstStyle/>
           <a:p>
-            <a:endParaRPr lang="en-US" dirty="0"/>
-          </a:p>
-        </p:txBody>
-      </p:sp>
-      <p:sp>
-        <p:nvSpPr>
-          <p:cNvPr id="5" name="Footer Placeholder 4"/>
-          <p:cNvSpPr>
-            <a:spLocks noGrp="1"/>
-          </p:cNvSpPr>
-          <p:nvPr>
-            <p:ph type="ftr" sz="quarter" idx="11"/>
-          </p:nvPr>
-        </p:nvSpPr>
-        <p:spPr/>
-        <p:txBody>
-          <a:bodyPr/>
-          <a:lstStyle/>
-          <a:p>
-            <a:pPr defTabSz="914099" eaLnBrk="0" hangingPunct="0"/>
-            <a:r>
-              <a:rPr lang="en-US" sz="400">
-                <a:gradFill>
-                  <a:gsLst>
-                    <a:gs pos="0">
-                      <a:prstClr val="black"/>
-                    </a:gs>
-                    <a:gs pos="100000">
-                      <a:prstClr val="black"/>
-                    </a:gs>
-                  </a:gsLst>
-                  <a:lin ang="5400000" scaled="0"/>
-                </a:gradFill>
-                <a:latin typeface="Segoe UI" pitchFamily="34" charset="0"/>
-                <a:ea typeface="Segoe UI" pitchFamily="34" charset="0"/>
-                <a:cs typeface="Segoe UI" pitchFamily="34" charset="0"/>
+            <a:pPr marL="0" marR="0" lvl="0" indent="0" algn="r" defTabSz="914400" rtl="0" eaLnBrk="1" fontAlgn="auto" latinLnBrk="0" hangingPunct="1">
+              <a:lnSpc>
+                <a:spcPct val="100000"/>
+              </a:lnSpc>
+              <a:spcBef>
+                <a:spcPts val="0"/>
+              </a:spcBef>
+              <a:spcAft>
+                <a:spcPts val="0"/>
+              </a:spcAft>
+              <a:buClrTx/>
+              <a:buSzTx/>
+              <a:buFontTx/>
+              <a:buNone/>
+              <a:tabLst/>
+              <a:defRPr/>
+            </a:pPr>
+            <a:fld id="{0EA2900F-B82C-4F11-85DB-97B88AAD310C}" type="slidenum">
+              <a:rPr kumimoji="0" lang="en-US" sz="1200" b="0" i="0" u="none" strike="noStrike" kern="1200" cap="none" spc="0" normalizeH="0" baseline="0" noProof="0" smtClean="0">
+                <a:ln>
+                  <a:noFill/>
+                </a:ln>
+                <a:solidFill>
+                  <a:prstClr val="black"/>
+                </a:solidFill>
+                <a:effectLst/>
+                <a:uLnTx/>
+                <a:uFillTx/>
+                <a:latin typeface="Calibri" panose="020F0502020204030204"/>
+                <a:ea typeface="+mn-ea"/>
+                <a:cs typeface="+mn-cs"/>
               </a:rPr>
-              <a:t>© 2014 Microsoft Corporation. All rights reserved. MICROSOFT MAKES NO WARRANTIES, EXPRESS, IMPLIED OR STATUTORY, AS TO THE INFORMATION IN THIS PRESENTATION.</a:t>
-            </a:r>
-            <a:endParaRPr lang="en-US" sz="400" dirty="0">
-              <a:gradFill>
-                <a:gsLst>
-                  <a:gs pos="0">
-                    <a:prstClr val="black"/>
-                  </a:gs>
-                  <a:gs pos="100000">
-                    <a:prstClr val="black"/>
-                  </a:gs>
-                </a:gsLst>
-                <a:lin ang="5400000" scaled="0"/>
-              </a:gradFill>
-              <a:latin typeface="Segoe UI" pitchFamily="34" charset="0"/>
-              <a:ea typeface="Segoe UI" pitchFamily="34" charset="0"/>
-              <a:cs typeface="Segoe UI" pitchFamily="34" charset="0"/>
-            </a:endParaRPr>
-          </a:p>
-        </p:txBody>
-      </p:sp>
-      <p:sp>
-        <p:nvSpPr>
-          <p:cNvPr id="6" name="Date Placeholder 5"/>
-          <p:cNvSpPr>
-            <a:spLocks noGrp="1"/>
-          </p:cNvSpPr>
-          <p:nvPr>
-            <p:ph type="dt" idx="12"/>
-          </p:nvPr>
-        </p:nvSpPr>
-        <p:spPr/>
-        <p:txBody>
-          <a:bodyPr/>
-          <a:lstStyle/>
-          <a:p>
-            <a:fld id="{38EEC551-8CDA-4EB6-89BB-2A86C9F091C8}" type="datetime8">
-              <a:rPr lang="en-US" smtClean="0"/>
-              <a:t>3/30/2016 9:54 PM</a:t>
-            </a:fld>
-            <a:endParaRPr lang="en-US" dirty="0"/>
-          </a:p>
-        </p:txBody>
-      </p:sp>
-      <p:sp>
-        <p:nvSpPr>
-          <p:cNvPr id="7" name="Slide Number Placeholder 6"/>
-          <p:cNvSpPr>
-            <a:spLocks noGrp="1"/>
-          </p:cNvSpPr>
-          <p:nvPr>
-            <p:ph type="sldNum" sz="quarter" idx="13"/>
-          </p:nvPr>
-        </p:nvSpPr>
-        <p:spPr/>
-        <p:txBody>
-          <a:bodyPr/>
-          <a:lstStyle/>
-          <a:p>
-            <a:fld id="{B4008EB6-D09E-4580-8CD6-DDB14511944F}" type="slidenum">
-              <a:rPr lang="en-US" smtClean="0"/>
-              <a:pPr/>
+              <a:pPr marL="0" marR="0" lvl="0" indent="0" algn="r" defTabSz="914400" rtl="0" eaLnBrk="1" fontAlgn="auto" latinLnBrk="0" hangingPunct="1">
+                <a:lnSpc>
+                  <a:spcPct val="100000"/>
+                </a:lnSpc>
+                <a:spcBef>
+                  <a:spcPts val="0"/>
+                </a:spcBef>
+                <a:spcAft>
+                  <a:spcPts val="0"/>
+                </a:spcAft>
+                <a:buClrTx/>
+                <a:buSzTx/>
+                <a:buFontTx/>
+                <a:buNone/>
+                <a:tabLst/>
+                <a:defRPr/>
+              </a:pPr>
               <a:t>11</a:t>
             </a:fld>
-            <a:endParaRPr lang="en-US" dirty="0"/>
+            <a:endParaRPr kumimoji="0" lang="en-US" sz="1200" b="0" i="0" u="none" strike="noStrike" kern="1200" cap="none" spc="0" normalizeH="0" baseline="0" noProof="0">
+              <a:ln>
+                <a:noFill/>
+              </a:ln>
+              <a:solidFill>
+                <a:prstClr val="black"/>
+              </a:solidFill>
+              <a:effectLst/>
+              <a:uLnTx/>
+              <a:uFillTx/>
+              <a:latin typeface="Calibri" panose="020F0502020204030204"/>
+              <a:ea typeface="+mn-ea"/>
+              <a:cs typeface="+mn-cs"/>
+            </a:endParaRPr>
           </a:p>
         </p:txBody>
       </p:sp>
     </p:spTree>
     <p:extLst>
       <p:ext uri="{BB962C8B-B14F-4D97-AF65-F5344CB8AC3E}">
-        <p14:creationId xmlns:p14="http://schemas.microsoft.com/office/powerpoint/2010/main" val="2316892694"/>
+        <p14:creationId xmlns:p14="http://schemas.microsoft.com/office/powerpoint/2010/main" val="2834252788"/>
       </p:ext>
     </p:extLst>
   </p:cSld>
@@ -19112,7 +19278,7 @@
           <a:p>
             <a:r>
               <a:rPr lang="en-US" dirty="0"/>
-              <a:t>ANGLE Lab Exercises (Optional)</a:t>
+              <a:t>ANGLE Lab Exercises</a:t>
             </a:r>
           </a:p>
         </p:txBody>
@@ -19620,7 +19786,7 @@
       </p:sp>
       <p:sp>
         <p:nvSpPr>
-          <p:cNvPr id="22" name="Rectangle 21"/>
+          <p:cNvPr id="8" name="Rectangle 7"/>
           <p:cNvSpPr/>
           <p:nvPr/>
         </p:nvSpPr>
@@ -19667,14 +19833,14 @@
           <a:p>
             <a:r>
               <a:rPr lang="en-US" dirty="0"/>
-              <a:t>Add game resources to your app</a:t>
+              <a:t>Create a new ANGLE project using a Visual Studio Template</a:t>
             </a:r>
           </a:p>
         </p:txBody>
       </p:sp>
       <p:sp>
         <p:nvSpPr>
-          <p:cNvPr id="23" name="Rectangle 22"/>
+          <p:cNvPr id="17" name="Rectangle 16"/>
           <p:cNvSpPr/>
           <p:nvPr/>
         </p:nvSpPr>
@@ -19746,20 +19912,20 @@
                 <a:ea typeface="Segoe UI" pitchFamily="34" charset="0"/>
                 <a:cs typeface="Segoe UI" pitchFamily="34" charset="0"/>
               </a:rPr>
-              <a:t>5</a:t>
+              <a:t>1</a:t>
             </a:r>
           </a:p>
         </p:txBody>
       </p:sp>
       <p:sp>
         <p:nvSpPr>
-          <p:cNvPr id="24" name="Rectangle 23"/>
+          <p:cNvPr id="18" name="Rectangle 17"/>
           <p:cNvSpPr/>
           <p:nvPr/>
         </p:nvSpPr>
         <p:spPr bwMode="auto">
           <a:xfrm>
-            <a:off x="1965960" y="2835319"/>
+            <a:off x="1968859" y="2835319"/>
             <a:ext cx="9586277" cy="661943"/>
           </a:xfrm>
           <a:prstGeom prst="rect">
@@ -19800,20 +19966,20 @@
           <a:p>
             <a:r>
               <a:rPr lang="en-US" dirty="0"/>
-              <a:t>Run your game on Windows 10 Phone</a:t>
+              <a:t>Integrate your game code with ANGLE</a:t>
             </a:r>
           </a:p>
         </p:txBody>
       </p:sp>
       <p:sp>
         <p:nvSpPr>
-          <p:cNvPr id="25" name="Rectangle 24"/>
+          <p:cNvPr id="19" name="Rectangle 18"/>
           <p:cNvSpPr/>
           <p:nvPr/>
         </p:nvSpPr>
         <p:spPr bwMode="auto">
           <a:xfrm>
-            <a:off x="805138" y="2830905"/>
+            <a:off x="808037" y="2830905"/>
             <a:ext cx="795309" cy="666357"/>
           </a:xfrm>
           <a:prstGeom prst="rect">
@@ -19879,20 +20045,20 @@
                 <a:ea typeface="Segoe UI" pitchFamily="34" charset="0"/>
                 <a:cs typeface="Segoe UI" pitchFamily="34" charset="0"/>
               </a:rPr>
-              <a:t>6</a:t>
+              <a:t>2</a:t>
             </a:r>
           </a:p>
         </p:txBody>
       </p:sp>
       <p:sp>
         <p:nvSpPr>
-          <p:cNvPr id="26" name="Rectangle 25"/>
+          <p:cNvPr id="20" name="Rectangle 19"/>
           <p:cNvSpPr/>
           <p:nvPr/>
         </p:nvSpPr>
         <p:spPr bwMode="auto">
           <a:xfrm>
-            <a:off x="1965960" y="3597319"/>
+            <a:off x="1968859" y="3597319"/>
             <a:ext cx="9586277" cy="661943"/>
           </a:xfrm>
           <a:prstGeom prst="rect">
@@ -19933,25 +20099,20 @@
           <a:p>
             <a:r>
               <a:rPr lang="en-US" dirty="0"/>
-              <a:t>Adding ANGLE using </a:t>
-            </a:r>
-            <a:r>
-              <a:rPr lang="en-US" dirty="0" err="1"/>
-              <a:t>NuGet</a:t>
-            </a:r>
-            <a:endParaRPr lang="en-US" dirty="0"/>
+              <a:t>Handle window resizing</a:t>
+            </a:r>
           </a:p>
         </p:txBody>
       </p:sp>
       <p:sp>
         <p:nvSpPr>
-          <p:cNvPr id="27" name="Rectangle 26"/>
+          <p:cNvPr id="21" name="Rectangle 20"/>
           <p:cNvSpPr/>
           <p:nvPr/>
         </p:nvSpPr>
         <p:spPr bwMode="auto">
           <a:xfrm>
-            <a:off x="805138" y="3592905"/>
+            <a:off x="808037" y="3592905"/>
             <a:ext cx="795309" cy="666357"/>
           </a:xfrm>
           <a:prstGeom prst="rect">
@@ -20017,7 +20178,140 @@
                 <a:ea typeface="Segoe UI" pitchFamily="34" charset="0"/>
                 <a:cs typeface="Segoe UI" pitchFamily="34" charset="0"/>
               </a:rPr>
-              <a:t>7</a:t>
+              <a:t>3</a:t>
+            </a:r>
+          </a:p>
+        </p:txBody>
+      </p:sp>
+      <p:sp>
+        <p:nvSpPr>
+          <p:cNvPr id="22" name="Rectangle 21"/>
+          <p:cNvSpPr/>
+          <p:nvPr/>
+        </p:nvSpPr>
+        <p:spPr bwMode="auto">
+          <a:xfrm>
+            <a:off x="1968859" y="4359319"/>
+            <a:ext cx="9586277" cy="661943"/>
+          </a:xfrm>
+          <a:prstGeom prst="rect">
+            <a:avLst/>
+          </a:prstGeom>
+          <a:solidFill>
+            <a:schemeClr val="accent1"/>
+          </a:solidFill>
+          <a:ln>
+            <a:noFill/>
+            <a:headEnd type="none" w="med" len="med"/>
+            <a:tailEnd type="none" w="med" len="med"/>
+          </a:ln>
+          <a:effectLst/>
+        </p:spPr>
+        <p:style>
+          <a:lnRef idx="1">
+            <a:schemeClr val="accent2"/>
+          </a:lnRef>
+          <a:fillRef idx="3">
+            <a:schemeClr val="accent2"/>
+          </a:fillRef>
+          <a:effectRef idx="2">
+            <a:schemeClr val="accent2"/>
+          </a:effectRef>
+          <a:fontRef idx="minor">
+            <a:schemeClr val="lt1"/>
+          </a:fontRef>
+        </p:style>
+        <p:txBody>
+          <a:bodyPr rot="0" spcFirstLastPara="0" vertOverflow="overflow" horzOverflow="overflow" vert="horz" wrap="square" lIns="182880" tIns="146304" rIns="182880" bIns="146304" numCol="1" spcCol="0" rtlCol="0" fromWordArt="0" anchor="ctr" anchorCtr="0" forceAA="0" compatLnSpc="1">
+            <a:prstTxWarp prst="textNoShape">
+              <a:avLst/>
+            </a:prstTxWarp>
+            <a:noAutofit/>
+          </a:bodyPr>
+          <a:lstStyle/>
+          <a:p>
+            <a:r>
+              <a:rPr lang="en-US" dirty="0"/>
+              <a:t>Add touch and keyboard events to your app</a:t>
+            </a:r>
+          </a:p>
+        </p:txBody>
+      </p:sp>
+      <p:sp>
+        <p:nvSpPr>
+          <p:cNvPr id="23" name="Rectangle 22"/>
+          <p:cNvSpPr/>
+          <p:nvPr/>
+        </p:nvSpPr>
+        <p:spPr bwMode="auto">
+          <a:xfrm>
+            <a:off x="808037" y="4354905"/>
+            <a:ext cx="795309" cy="666357"/>
+          </a:xfrm>
+          <a:prstGeom prst="rect">
+            <a:avLst/>
+          </a:prstGeom>
+          <a:solidFill>
+            <a:srgbClr val="00B0F0"/>
+          </a:solidFill>
+          <a:ln>
+            <a:noFill/>
+            <a:headEnd type="none" w="med" len="med"/>
+            <a:tailEnd type="none" w="med" len="med"/>
+          </a:ln>
+          <a:effectLst/>
+        </p:spPr>
+        <p:style>
+          <a:lnRef idx="1">
+            <a:schemeClr val="accent2"/>
+          </a:lnRef>
+          <a:fillRef idx="3">
+            <a:schemeClr val="accent2"/>
+          </a:fillRef>
+          <a:effectRef idx="2">
+            <a:schemeClr val="accent2"/>
+          </a:effectRef>
+          <a:fontRef idx="minor">
+            <a:schemeClr val="lt1"/>
+          </a:fontRef>
+        </p:style>
+        <p:txBody>
+          <a:bodyPr rot="0" spcFirstLastPara="0" vertOverflow="overflow" horzOverflow="overflow" vert="horz" wrap="square" lIns="182880" tIns="146304" rIns="182880" bIns="146304" numCol="1" spcCol="0" rtlCol="0" fromWordArt="0" anchor="ctr" anchorCtr="0" forceAA="0" compatLnSpc="1">
+            <a:prstTxWarp prst="textNoShape">
+              <a:avLst/>
+            </a:prstTxWarp>
+            <a:noAutofit/>
+          </a:bodyPr>
+          <a:lstStyle/>
+          <a:p>
+            <a:pPr algn="ctr" defTabSz="932472" fontAlgn="base">
+              <a:lnSpc>
+                <a:spcPct val="90000"/>
+              </a:lnSpc>
+              <a:spcBef>
+                <a:spcPct val="0"/>
+              </a:spcBef>
+              <a:spcAft>
+                <a:spcPct val="0"/>
+              </a:spcAft>
+            </a:pPr>
+            <a:r>
+              <a:rPr lang="en-US" sz="4000" dirty="0">
+                <a:gradFill>
+                  <a:gsLst>
+                    <a:gs pos="0">
+                      <a:srgbClr val="FFFFFF"/>
+                    </a:gs>
+                    <a:gs pos="100000">
+                      <a:srgbClr val="FFFFFF"/>
+                    </a:gs>
+                  </a:gsLst>
+                  <a:lin ang="5400000" scaled="0"/>
+                </a:gradFill>
+                <a:ea typeface="Segoe UI" pitchFamily="34" charset="0"/>
+                <a:cs typeface="Segoe UI" pitchFamily="34" charset="0"/>
+              </a:rPr>
+              <a:t>4</a:t>
             </a:r>
           </a:p>
         </p:txBody>
@@ -20025,7 +20319,7 @@
     </p:spTree>
     <p:extLst>
       <p:ext uri="{BB962C8B-B14F-4D97-AF65-F5344CB8AC3E}">
-        <p14:creationId xmlns:p14="http://schemas.microsoft.com/office/powerpoint/2010/main" val="305255403"/>
+        <p14:creationId xmlns:p14="http://schemas.microsoft.com/office/powerpoint/2010/main" val="3483417919"/>
       </p:ext>
     </p:extLst>
   </p:cSld>
@@ -20044,221 +20338,6 @@
 </file>
 
 <file path=ppt/slides/slide11.xml><?xml version="1.0" encoding="utf-8"?>
-<p:sld xmlns:a="http://schemas.openxmlformats.org/drawingml/2006/main" xmlns:r="http://schemas.openxmlformats.org/officeDocument/2006/relationships" xmlns:p="http://schemas.openxmlformats.org/presentationml/2006/main">
-  <p:cSld>
-    <p:spTree>
-      <p:nvGrpSpPr>
-        <p:cNvPr id="1" name=""/>
-        <p:cNvGrpSpPr/>
-        <p:nvPr/>
-      </p:nvGrpSpPr>
-      <p:grpSpPr>
-        <a:xfrm>
-          <a:off x="0" y="0"/>
-          <a:ext cx="0" cy="0"/>
-          <a:chOff x="0" y="0"/>
-          <a:chExt cx="0" cy="0"/>
-        </a:xfrm>
-      </p:grpSpPr>
-      <p:sp>
-        <p:nvSpPr>
-          <p:cNvPr id="4" name="Title 3"/>
-          <p:cNvSpPr>
-            <a:spLocks noGrp="1"/>
-          </p:cNvSpPr>
-          <p:nvPr>
-            <p:ph type="title"/>
-          </p:nvPr>
-        </p:nvSpPr>
-        <p:spPr>
-          <a:xfrm>
-            <a:off x="274638" y="1287462"/>
-            <a:ext cx="11887200" cy="1903400"/>
-          </a:xfrm>
-        </p:spPr>
-        <p:txBody>
-          <a:bodyPr/>
-          <a:lstStyle/>
-          <a:p>
-            <a:r>
-              <a:rPr lang="en-US" sz="11500" dirty="0"/>
-              <a:t>Lab</a:t>
-            </a:r>
-          </a:p>
-        </p:txBody>
-      </p:sp>
-      <p:sp>
-        <p:nvSpPr>
-          <p:cNvPr id="7" name="Text Placeholder 6"/>
-          <p:cNvSpPr>
-            <a:spLocks noGrp="1"/>
-          </p:cNvSpPr>
-          <p:nvPr>
-            <p:ph type="body" sz="quarter" idx="4294967295"/>
-          </p:nvPr>
-        </p:nvSpPr>
-        <p:spPr>
-          <a:xfrm>
-            <a:off x="350836" y="3954463"/>
-            <a:ext cx="11506201" cy="1292662"/>
-          </a:xfrm>
-        </p:spPr>
-        <p:txBody>
-          <a:bodyPr/>
-          <a:lstStyle/>
-          <a:p>
-            <a:pPr marL="0" indent="0">
-              <a:buNone/>
-            </a:pPr>
-            <a:r>
-              <a:rPr lang="en-US" sz="3600" dirty="0"/>
-              <a:t>http://aka.ms/angle-hol</a:t>
-            </a:r>
-          </a:p>
-          <a:p>
-            <a:pPr marL="0" indent="0">
-              <a:buNone/>
-            </a:pPr>
-            <a:r>
-              <a:rPr lang="en-US" sz="3600" dirty="0"/>
-              <a:t>CodeLabs-GameDev-3-ANGLE\</a:t>
-            </a:r>
-            <a:r>
-              <a:rPr lang="en-US" sz="3600" dirty="0" err="1"/>
-              <a:t>ANGLE.shortcut</a:t>
-            </a:r>
-            <a:endParaRPr lang="en-US" sz="3600" dirty="0"/>
-          </a:p>
-        </p:txBody>
-      </p:sp>
-    </p:spTree>
-    <p:extLst>
-      <p:ext uri="{BB962C8B-B14F-4D97-AF65-F5344CB8AC3E}">
-        <p14:creationId xmlns:p14="http://schemas.microsoft.com/office/powerpoint/2010/main" val="2390418243"/>
-      </p:ext>
-    </p:extLst>
-  </p:cSld>
-  <p:clrMapOvr>
-    <a:masterClrMapping/>
-  </p:clrMapOvr>
-  <p:transition>
-    <p:fade/>
-  </p:transition>
-</p:sld>
-</file>
-
-<file path=ppt/slides/slide12.xml><?xml version="1.0" encoding="utf-8"?>
-<p:sld xmlns:a="http://schemas.openxmlformats.org/drawingml/2006/main" xmlns:r="http://schemas.openxmlformats.org/officeDocument/2006/relationships" xmlns:p="http://schemas.openxmlformats.org/presentationml/2006/main">
-  <p:cSld>
-    <p:spTree>
-      <p:nvGrpSpPr>
-        <p:cNvPr id="1" name=""/>
-        <p:cNvGrpSpPr/>
-        <p:nvPr/>
-      </p:nvGrpSpPr>
-      <p:grpSpPr>
-        <a:xfrm>
-          <a:off x="0" y="0"/>
-          <a:ext cx="0" cy="0"/>
-          <a:chOff x="0" y="0"/>
-          <a:chExt cx="0" cy="0"/>
-        </a:xfrm>
-      </p:grpSpPr>
-      <p:sp>
-        <p:nvSpPr>
-          <p:cNvPr id="2" name="Title 1"/>
-          <p:cNvSpPr>
-            <a:spLocks noGrp="1"/>
-          </p:cNvSpPr>
-          <p:nvPr>
-            <p:ph type="title"/>
-          </p:nvPr>
-        </p:nvSpPr>
-        <p:spPr>
-          <a:xfrm>
-            <a:off x="274639" y="295274"/>
-            <a:ext cx="4419598" cy="917575"/>
-          </a:xfrm>
-        </p:spPr>
-        <p:txBody>
-          <a:bodyPr/>
-          <a:lstStyle/>
-          <a:p>
-            <a:r>
-              <a:rPr lang="en-US" dirty="0"/>
-              <a:t>Breakout</a:t>
-            </a:r>
-          </a:p>
-        </p:txBody>
-      </p:sp>
-      <p:sp>
-        <p:nvSpPr>
-          <p:cNvPr id="3" name="Text Placeholder 2"/>
-          <p:cNvSpPr>
-            <a:spLocks noGrp="1"/>
-          </p:cNvSpPr>
-          <p:nvPr>
-            <p:ph type="body" sz="quarter" idx="10"/>
-          </p:nvPr>
-        </p:nvSpPr>
-        <p:spPr>
-          <a:xfrm>
-            <a:off x="274639" y="1287462"/>
-            <a:ext cx="4952999" cy="627864"/>
-          </a:xfrm>
-        </p:spPr>
-        <p:txBody>
-          <a:bodyPr/>
-          <a:lstStyle/>
-          <a:p>
-            <a:r>
-              <a:rPr lang="en-US" sz="3200" dirty="0"/>
-              <a:t>   </a:t>
-            </a:r>
-          </a:p>
-        </p:txBody>
-      </p:sp>
-      <p:pic>
-        <p:nvPicPr>
-          <p:cNvPr id="4" name="Picture 3"/>
-          <p:cNvPicPr>
-            <a:picLocks noChangeAspect="1"/>
-          </p:cNvPicPr>
-          <p:nvPr/>
-        </p:nvPicPr>
-        <p:blipFill>
-          <a:blip r:embed="rId2"/>
-          <a:stretch>
-            <a:fillRect/>
-          </a:stretch>
-        </p:blipFill>
-        <p:spPr>
-          <a:xfrm>
-            <a:off x="2103437" y="1058862"/>
-            <a:ext cx="8001000" cy="5664708"/>
-          </a:xfrm>
-          <a:prstGeom prst="rect">
-            <a:avLst/>
-          </a:prstGeom>
-        </p:spPr>
-      </p:pic>
-    </p:spTree>
-    <p:extLst>
-      <p:ext uri="{BB962C8B-B14F-4D97-AF65-F5344CB8AC3E}">
-        <p14:creationId xmlns:p14="http://schemas.microsoft.com/office/powerpoint/2010/main" val="4128996067"/>
-      </p:ext>
-    </p:extLst>
-  </p:cSld>
-  <p:clrMapOvr>
-    <a:masterClrMapping/>
-  </p:clrMapOvr>
-  <p:transition>
-    <p:fade/>
-  </p:transition>
-</p:sld>
-</file>
-
-<file path=ppt/slides/slide13.xml><?xml version="1.0" encoding="utf-8"?>
 <p:sld xmlns:a="http://schemas.openxmlformats.org/drawingml/2006/main" xmlns:r="http://schemas.openxmlformats.org/officeDocument/2006/relationships" xmlns:p="http://schemas.openxmlformats.org/presentationml/2006/main">
   <p:cSld>
     <p:spTree>
@@ -20322,8 +20401,29 @@
           </a:bodyPr>
           <a:lstStyle/>
           <a:p>
-            <a:pPr lvl="1"/>
-            <a:endParaRPr lang="en-US" dirty="0"/>
+            <a:pPr algn="ctr" defTabSz="951028" fontAlgn="base">
+              <a:spcBef>
+                <a:spcPct val="0"/>
+              </a:spcBef>
+              <a:spcAft>
+                <a:spcPct val="0"/>
+              </a:spcAft>
+              <a:defRPr/>
+            </a:pPr>
+            <a:endParaRPr lang="en-US" sz="2040" dirty="0">
+              <a:gradFill>
+                <a:gsLst>
+                  <a:gs pos="0">
+                    <a:srgbClr val="FFFFFF"/>
+                  </a:gs>
+                  <a:gs pos="100000">
+                    <a:srgbClr val="FFFFFF"/>
+                  </a:gs>
+                </a:gsLst>
+                <a:lin ang="5400000" scaled="0"/>
+              </a:gradFill>
+              <a:latin typeface="Segoe UI"/>
+            </a:endParaRPr>
           </a:p>
         </p:txBody>
       </p:sp>
@@ -20344,7 +20444,7 @@
           <a:p>
             <a:r>
               <a:rPr lang="en-US" dirty="0"/>
-              <a:t>ANGLE Lab Exercises</a:t>
+              <a:t>ANGLE Lab Exercises (Optional)</a:t>
             </a:r>
           </a:p>
         </p:txBody>
@@ -20852,7 +20952,7 @@
       </p:sp>
       <p:sp>
         <p:nvSpPr>
-          <p:cNvPr id="8" name="Rectangle 7"/>
+          <p:cNvPr id="22" name="Rectangle 21"/>
           <p:cNvSpPr/>
           <p:nvPr/>
         </p:nvSpPr>
@@ -20899,14 +20999,14 @@
           <a:p>
             <a:r>
               <a:rPr lang="en-US" dirty="0"/>
-              <a:t>Create a new ANGLE project using a Visual Studio Template</a:t>
+              <a:t>Add game resources to your app</a:t>
             </a:r>
           </a:p>
         </p:txBody>
       </p:sp>
       <p:sp>
         <p:nvSpPr>
-          <p:cNvPr id="17" name="Rectangle 16"/>
+          <p:cNvPr id="23" name="Rectangle 22"/>
           <p:cNvSpPr/>
           <p:nvPr/>
         </p:nvSpPr>
@@ -20978,58 +21078,286 @@
                 <a:ea typeface="Segoe UI" pitchFamily="34" charset="0"/>
                 <a:cs typeface="Segoe UI" pitchFamily="34" charset="0"/>
               </a:rPr>
-              <a:t>1</a:t>
+              <a:t>5</a:t>
             </a:r>
           </a:p>
         </p:txBody>
       </p:sp>
       <p:sp>
         <p:nvSpPr>
-          <p:cNvPr id="3" name="Rectangle 2"/>
+          <p:cNvPr id="24" name="Rectangle 23"/>
           <p:cNvSpPr/>
           <p:nvPr/>
         </p:nvSpPr>
-        <p:spPr>
+        <p:spPr bwMode="auto">
           <a:xfrm>
-            <a:off x="1965960" y="3266431"/>
-            <a:ext cx="9586277" cy="1477328"/>
+            <a:off x="1965960" y="2835319"/>
+            <a:ext cx="9586277" cy="661943"/>
           </a:xfrm>
           <a:prstGeom prst="rect">
             <a:avLst/>
           </a:prstGeom>
+          <a:solidFill>
+            <a:schemeClr val="accent1"/>
+          </a:solidFill>
+          <a:ln>
+            <a:noFill/>
+            <a:headEnd type="none" w="med" len="med"/>
+            <a:tailEnd type="none" w="med" len="med"/>
+          </a:ln>
+          <a:effectLst/>
         </p:spPr>
+        <p:style>
+          <a:lnRef idx="1">
+            <a:schemeClr val="accent2"/>
+          </a:lnRef>
+          <a:fillRef idx="3">
+            <a:schemeClr val="accent2"/>
+          </a:fillRef>
+          <a:effectRef idx="2">
+            <a:schemeClr val="accent2"/>
+          </a:effectRef>
+          <a:fontRef idx="minor">
+            <a:schemeClr val="lt1"/>
+          </a:fontRef>
+        </p:style>
         <p:txBody>
-          <a:bodyPr wrap="square">
-            <a:spAutoFit/>
+          <a:bodyPr rot="0" spcFirstLastPara="0" vertOverflow="overflow" horzOverflow="overflow" vert="horz" wrap="square" lIns="182880" tIns="146304" rIns="182880" bIns="146304" numCol="1" spcCol="0" rtlCol="0" fromWordArt="0" anchor="ctr" anchorCtr="0" forceAA="0" compatLnSpc="1">
+            <a:prstTxWarp prst="textNoShape">
+              <a:avLst/>
+            </a:prstTxWarp>
+            <a:noAutofit/>
           </a:bodyPr>
           <a:lstStyle/>
           <a:p>
             <a:r>
-              <a:rPr lang="en-US" sz="2400" b="1" dirty="0">
-                <a:hlinkClick r:id="rId3"/>
+              <a:rPr lang="en-US" dirty="0"/>
+              <a:t>Run your game on Windows 10 Phone</a:t>
+            </a:r>
+          </a:p>
+        </p:txBody>
+      </p:sp>
+      <p:sp>
+        <p:nvSpPr>
+          <p:cNvPr id="25" name="Rectangle 24"/>
+          <p:cNvSpPr/>
+          <p:nvPr/>
+        </p:nvSpPr>
+        <p:spPr bwMode="auto">
+          <a:xfrm>
+            <a:off x="805138" y="2830905"/>
+            <a:ext cx="795309" cy="666357"/>
+          </a:xfrm>
+          <a:prstGeom prst="rect">
+            <a:avLst/>
+          </a:prstGeom>
+          <a:solidFill>
+            <a:srgbClr val="00B0F0"/>
+          </a:solidFill>
+          <a:ln>
+            <a:noFill/>
+            <a:headEnd type="none" w="med" len="med"/>
+            <a:tailEnd type="none" w="med" len="med"/>
+          </a:ln>
+          <a:effectLst/>
+        </p:spPr>
+        <p:style>
+          <a:lnRef idx="1">
+            <a:schemeClr val="accent2"/>
+          </a:lnRef>
+          <a:fillRef idx="3">
+            <a:schemeClr val="accent2"/>
+          </a:fillRef>
+          <a:effectRef idx="2">
+            <a:schemeClr val="accent2"/>
+          </a:effectRef>
+          <a:fontRef idx="minor">
+            <a:schemeClr val="lt1"/>
+          </a:fontRef>
+        </p:style>
+        <p:txBody>
+          <a:bodyPr rot="0" spcFirstLastPara="0" vertOverflow="overflow" horzOverflow="overflow" vert="horz" wrap="square" lIns="182880" tIns="146304" rIns="182880" bIns="146304" numCol="1" spcCol="0" rtlCol="0" fromWordArt="0" anchor="ctr" anchorCtr="0" forceAA="0" compatLnSpc="1">
+            <a:prstTxWarp prst="textNoShape">
+              <a:avLst/>
+            </a:prstTxWarp>
+            <a:noAutofit/>
+          </a:bodyPr>
+          <a:lstStyle/>
+          <a:p>
+            <a:pPr algn="ctr" defTabSz="932472" fontAlgn="base">
+              <a:lnSpc>
+                <a:spcPct val="90000"/>
+              </a:lnSpc>
+              <a:spcBef>
+                <a:spcPct val="0"/>
+              </a:spcBef>
+              <a:spcAft>
+                <a:spcPct val="0"/>
+              </a:spcAft>
+            </a:pPr>
+            <a:r>
+              <a:rPr lang="en-US" sz="4000" dirty="0">
+                <a:gradFill>
+                  <a:gsLst>
+                    <a:gs pos="0">
+                      <a:srgbClr val="FFFFFF"/>
+                    </a:gs>
+                    <a:gs pos="100000">
+                      <a:srgbClr val="FFFFFF"/>
+                    </a:gs>
+                  </a:gsLst>
+                  <a:lin ang="5400000" scaled="0"/>
+                </a:gradFill>
+                <a:ea typeface="Segoe UI" pitchFamily="34" charset="0"/>
+                <a:cs typeface="Segoe UI" pitchFamily="34" charset="0"/>
               </a:rPr>
-              <a:t>http://aka.ms/angle-ex1</a:t>
-            </a:r>
-            <a:endParaRPr lang="en-US" sz="2400" b="1" dirty="0"/>
-          </a:p>
-          <a:p>
-            <a:endParaRPr lang="en-US" sz="2400" b="1" dirty="0"/>
-          </a:p>
-          <a:p>
-            <a:r>
-              <a:rPr lang="en-US" sz="2400" dirty="0"/>
-              <a:t>CodeLabs-GameDev-3-ANGLE\Source\Ex1\Ex1.shortcut</a:t>
-            </a:r>
-          </a:p>
-          <a:p>
+              <a:t>6</a:t>
+            </a:r>
+          </a:p>
+        </p:txBody>
+      </p:sp>
+      <p:sp>
+        <p:nvSpPr>
+          <p:cNvPr id="26" name="Rectangle 25"/>
+          <p:cNvSpPr/>
+          <p:nvPr/>
+        </p:nvSpPr>
+        <p:spPr bwMode="auto">
+          <a:xfrm>
+            <a:off x="1965960" y="3597319"/>
+            <a:ext cx="9586277" cy="661943"/>
+          </a:xfrm>
+          <a:prstGeom prst="rect">
+            <a:avLst/>
+          </a:prstGeom>
+          <a:solidFill>
+            <a:schemeClr val="accent1"/>
+          </a:solidFill>
+          <a:ln>
+            <a:noFill/>
+            <a:headEnd type="none" w="med" len="med"/>
+            <a:tailEnd type="none" w="med" len="med"/>
+          </a:ln>
+          <a:effectLst/>
+        </p:spPr>
+        <p:style>
+          <a:lnRef idx="1">
+            <a:schemeClr val="accent2"/>
+          </a:lnRef>
+          <a:fillRef idx="3">
+            <a:schemeClr val="accent2"/>
+          </a:fillRef>
+          <a:effectRef idx="2">
+            <a:schemeClr val="accent2"/>
+          </a:effectRef>
+          <a:fontRef idx="minor">
+            <a:schemeClr val="lt1"/>
+          </a:fontRef>
+        </p:style>
+        <p:txBody>
+          <a:bodyPr rot="0" spcFirstLastPara="0" vertOverflow="overflow" horzOverflow="overflow" vert="horz" wrap="square" lIns="182880" tIns="146304" rIns="182880" bIns="146304" numCol="1" spcCol="0" rtlCol="0" fromWordArt="0" anchor="ctr" anchorCtr="0" forceAA="0" compatLnSpc="1">
+            <a:prstTxWarp prst="textNoShape">
+              <a:avLst/>
+            </a:prstTxWarp>
+            <a:noAutofit/>
+          </a:bodyPr>
+          <a:lstStyle/>
+          <a:p>
+            <a:r>
+              <a:rPr lang="en-US" dirty="0"/>
+              <a:t>Adding ANGLE using </a:t>
+            </a:r>
+            <a:r>
+              <a:rPr lang="en-US" dirty="0" err="1"/>
+              <a:t>NuGet</a:t>
+            </a:r>
             <a:endParaRPr lang="en-US" dirty="0"/>
+          </a:p>
+        </p:txBody>
+      </p:sp>
+      <p:sp>
+        <p:nvSpPr>
+          <p:cNvPr id="27" name="Rectangle 26"/>
+          <p:cNvSpPr/>
+          <p:nvPr/>
+        </p:nvSpPr>
+        <p:spPr bwMode="auto">
+          <a:xfrm>
+            <a:off x="805138" y="3592905"/>
+            <a:ext cx="795309" cy="666357"/>
+          </a:xfrm>
+          <a:prstGeom prst="rect">
+            <a:avLst/>
+          </a:prstGeom>
+          <a:solidFill>
+            <a:srgbClr val="00B0F0"/>
+          </a:solidFill>
+          <a:ln>
+            <a:noFill/>
+            <a:headEnd type="none" w="med" len="med"/>
+            <a:tailEnd type="none" w="med" len="med"/>
+          </a:ln>
+          <a:effectLst/>
+        </p:spPr>
+        <p:style>
+          <a:lnRef idx="1">
+            <a:schemeClr val="accent2"/>
+          </a:lnRef>
+          <a:fillRef idx="3">
+            <a:schemeClr val="accent2"/>
+          </a:fillRef>
+          <a:effectRef idx="2">
+            <a:schemeClr val="accent2"/>
+          </a:effectRef>
+          <a:fontRef idx="minor">
+            <a:schemeClr val="lt1"/>
+          </a:fontRef>
+        </p:style>
+        <p:txBody>
+          <a:bodyPr rot="0" spcFirstLastPara="0" vertOverflow="overflow" horzOverflow="overflow" vert="horz" wrap="square" lIns="182880" tIns="146304" rIns="182880" bIns="146304" numCol="1" spcCol="0" rtlCol="0" fromWordArt="0" anchor="ctr" anchorCtr="0" forceAA="0" compatLnSpc="1">
+            <a:prstTxWarp prst="textNoShape">
+              <a:avLst/>
+            </a:prstTxWarp>
+            <a:noAutofit/>
+          </a:bodyPr>
+          <a:lstStyle/>
+          <a:p>
+            <a:pPr algn="ctr" defTabSz="932472" fontAlgn="base">
+              <a:lnSpc>
+                <a:spcPct val="90000"/>
+              </a:lnSpc>
+              <a:spcBef>
+                <a:spcPct val="0"/>
+              </a:spcBef>
+              <a:spcAft>
+                <a:spcPct val="0"/>
+              </a:spcAft>
+            </a:pPr>
+            <a:r>
+              <a:rPr lang="en-US" sz="4000" dirty="0">
+                <a:gradFill>
+                  <a:gsLst>
+                    <a:gs pos="0">
+                      <a:srgbClr val="FFFFFF"/>
+                    </a:gs>
+                    <a:gs pos="100000">
+                      <a:srgbClr val="FFFFFF"/>
+                    </a:gs>
+                  </a:gsLst>
+                  <a:lin ang="5400000" scaled="0"/>
+                </a:gradFill>
+                <a:ea typeface="Segoe UI" pitchFamily="34" charset="0"/>
+                <a:cs typeface="Segoe UI" pitchFamily="34" charset="0"/>
+              </a:rPr>
+              <a:t>7</a:t>
+            </a:r>
           </a:p>
         </p:txBody>
       </p:sp>
     </p:spTree>
     <p:extLst>
       <p:ext uri="{BB962C8B-B14F-4D97-AF65-F5344CB8AC3E}">
-        <p14:creationId xmlns:p14="http://schemas.microsoft.com/office/powerpoint/2010/main" val="1721361009"/>
+        <p14:creationId xmlns:p14="http://schemas.microsoft.com/office/powerpoint/2010/main" val="305255403"/>
       </p:ext>
     </p:extLst>
   </p:cSld>
@@ -21047,7 +21375,111 @@
 </p:sld>
 </file>
 
-<file path=ppt/slides/slide14.xml><?xml version="1.0" encoding="utf-8"?>
+<file path=ppt/slides/slide12.xml><?xml version="1.0" encoding="utf-8"?>
+<p:sld xmlns:a="http://schemas.openxmlformats.org/drawingml/2006/main" xmlns:r="http://schemas.openxmlformats.org/officeDocument/2006/relationships" xmlns:p="http://schemas.openxmlformats.org/presentationml/2006/main">
+  <p:cSld>
+    <p:spTree>
+      <p:nvGrpSpPr>
+        <p:cNvPr id="1" name=""/>
+        <p:cNvGrpSpPr/>
+        <p:nvPr/>
+      </p:nvGrpSpPr>
+      <p:grpSpPr>
+        <a:xfrm>
+          <a:off x="0" y="0"/>
+          <a:ext cx="0" cy="0"/>
+          <a:chOff x="0" y="0"/>
+          <a:chExt cx="0" cy="0"/>
+        </a:xfrm>
+      </p:grpSpPr>
+      <p:sp>
+        <p:nvSpPr>
+          <p:cNvPr id="4" name="Title 3"/>
+          <p:cNvSpPr>
+            <a:spLocks noGrp="1"/>
+          </p:cNvSpPr>
+          <p:nvPr>
+            <p:ph type="title"/>
+          </p:nvPr>
+        </p:nvSpPr>
+        <p:spPr>
+          <a:xfrm>
+            <a:off x="274638" y="1287462"/>
+            <a:ext cx="11887200" cy="1903400"/>
+          </a:xfrm>
+        </p:spPr>
+        <p:txBody>
+          <a:bodyPr/>
+          <a:lstStyle/>
+          <a:p>
+            <a:r>
+              <a:rPr lang="en-US" sz="11500" dirty="0"/>
+              <a:t>Lab</a:t>
+            </a:r>
+          </a:p>
+        </p:txBody>
+      </p:sp>
+      <p:sp>
+        <p:nvSpPr>
+          <p:cNvPr id="7" name="Text Placeholder 6"/>
+          <p:cNvSpPr>
+            <a:spLocks noGrp="1"/>
+          </p:cNvSpPr>
+          <p:nvPr>
+            <p:ph type="body" sz="quarter" idx="4294967295"/>
+          </p:nvPr>
+        </p:nvSpPr>
+        <p:spPr>
+          <a:xfrm>
+            <a:off x="350836" y="3954463"/>
+            <a:ext cx="11506201" cy="1292662"/>
+          </a:xfrm>
+        </p:spPr>
+        <p:txBody>
+          <a:bodyPr/>
+          <a:lstStyle/>
+          <a:p>
+            <a:pPr marL="0" indent="0">
+              <a:buNone/>
+            </a:pPr>
+            <a:r>
+              <a:rPr lang="en-US" sz="3600" dirty="0"/>
+              <a:t>http://aka.ms/angle-hol</a:t>
+            </a:r>
+          </a:p>
+          <a:p>
+            <a:pPr marL="0" indent="0">
+              <a:buNone/>
+            </a:pPr>
+            <a:r>
+              <a:rPr lang="en-US" sz="3600" dirty="0"/>
+              <a:t>CodeLabs-GameDev-3-ANGLE\</a:t>
+            </a:r>
+            <a:r>
+              <a:rPr lang="en-US" sz="3600" dirty="0" err="1"/>
+              <a:t>ANGLE.shortcut</a:t>
+            </a:r>
+            <a:endParaRPr lang="en-US" sz="3600" dirty="0"/>
+          </a:p>
+        </p:txBody>
+      </p:sp>
+    </p:spTree>
+    <p:extLst>
+      <p:ext uri="{BB962C8B-B14F-4D97-AF65-F5344CB8AC3E}">
+        <p14:creationId xmlns:p14="http://schemas.microsoft.com/office/powerpoint/2010/main" val="2390418243"/>
+      </p:ext>
+    </p:extLst>
+  </p:cSld>
+  <p:clrMapOvr>
+    <a:masterClrMapping/>
+  </p:clrMapOvr>
+  <p:transition>
+    <p:fade/>
+  </p:transition>
+</p:sld>
+</file>
+
+<file path=ppt/slides/slide13.xml><?xml version="1.0" encoding="utf-8"?>
 <p:sld xmlns:a="http://schemas.openxmlformats.org/drawingml/2006/main" xmlns:r="http://schemas.openxmlformats.org/officeDocument/2006/relationships" xmlns:p="http://schemas.openxmlformats.org/presentationml/2006/main">
   <p:cSld>
     <p:spTree>
@@ -21086,7 +21518,7 @@
           <a:p>
             <a:r>
               <a:rPr lang="en-US" dirty="0"/>
-              <a:t>ANGLE Project</a:t>
+              <a:t>Breakout</a:t>
             </a:r>
           </a:p>
         </p:txBody>
@@ -21104,7 +21536,7 @@
         <p:spPr>
           <a:xfrm>
             <a:off x="274639" y="1287462"/>
-            <a:ext cx="4952999" cy="3877985"/>
+            <a:ext cx="4952999" cy="627864"/>
           </a:xfrm>
         </p:spPr>
         <p:txBody>
@@ -21112,44 +21544,15 @@
           <a:lstStyle/>
           <a:p>
             <a:r>
-              <a:rPr lang="en-US" sz="3200" dirty="0" err="1"/>
-              <a:t>App.xaml</a:t>
-            </a:r>
-            <a:endParaRPr lang="en-US" sz="3200" dirty="0"/>
-          </a:p>
-          <a:p>
-            <a:endParaRPr lang="en-US" sz="3200" dirty="0"/>
-          </a:p>
-          <a:p>
-            <a:r>
-              <a:rPr lang="en-US" sz="3200" dirty="0" err="1"/>
-              <a:t>OpenGLESPage</a:t>
-            </a:r>
-            <a:endParaRPr lang="en-US" sz="3200" dirty="0"/>
-          </a:p>
-          <a:p>
-            <a:endParaRPr lang="en-US" sz="3200" dirty="0"/>
-          </a:p>
-          <a:p>
-            <a:r>
               <a:rPr lang="en-US" sz="3200" dirty="0"/>
-              <a:t>OpenGLES.cpp</a:t>
-            </a:r>
-          </a:p>
-          <a:p>
-            <a:endParaRPr lang="en-US" sz="3200" dirty="0"/>
-          </a:p>
-          <a:p>
-            <a:r>
-              <a:rPr lang="en-US" sz="3200" dirty="0"/>
-              <a:t>SimpleRenderer.cpp</a:t>
+              <a:t>   </a:t>
             </a:r>
           </a:p>
         </p:txBody>
       </p:sp>
       <p:pic>
         <p:nvPicPr>
-          <p:cNvPr id="5" name="Picture 4"/>
+          <p:cNvPr id="4" name="Picture 3"/>
           <p:cNvPicPr>
             <a:picLocks noChangeAspect="1"/>
           </p:cNvPicPr>
@@ -21163,8 +21566,8 @@
         </p:blipFill>
         <p:spPr>
           <a:xfrm>
-            <a:off x="5684837" y="373062"/>
-            <a:ext cx="5305425" cy="6057900"/>
+            <a:off x="2103437" y="1058862"/>
+            <a:ext cx="8001000" cy="5664708"/>
           </a:xfrm>
           <a:prstGeom prst="rect">
             <a:avLst/>
@@ -21174,7 +21577,7 @@
     </p:spTree>
     <p:extLst>
       <p:ext uri="{BB962C8B-B14F-4D97-AF65-F5344CB8AC3E}">
-        <p14:creationId xmlns:p14="http://schemas.microsoft.com/office/powerpoint/2010/main" val="362378448"/>
+        <p14:creationId xmlns:p14="http://schemas.microsoft.com/office/powerpoint/2010/main" val="4128996067"/>
       </p:ext>
     </p:extLst>
   </p:cSld>
@@ -21187,7 +21590,7 @@
 </p:sld>
 </file>
 
-<file path=ppt/slides/slide15.xml><?xml version="1.0" encoding="utf-8"?>
+<file path=ppt/slides/slide14.xml><?xml version="1.0" encoding="utf-8"?>
 <p:sld xmlns:a="http://schemas.openxmlformats.org/drawingml/2006/main" xmlns:r="http://schemas.openxmlformats.org/officeDocument/2006/relationships" xmlns:p="http://schemas.openxmlformats.org/presentationml/2006/main">
   <p:cSld>
     <p:spTree>
@@ -21251,29 +21654,8 @@
           </a:bodyPr>
           <a:lstStyle/>
           <a:p>
-            <a:pPr algn="ctr" defTabSz="951028" fontAlgn="base">
-              <a:spcBef>
-                <a:spcPct val="0"/>
-              </a:spcBef>
-              <a:spcAft>
-                <a:spcPct val="0"/>
-              </a:spcAft>
-              <a:defRPr/>
-            </a:pPr>
-            <a:endParaRPr lang="en-US" sz="2040" dirty="0">
-              <a:gradFill>
-                <a:gsLst>
-                  <a:gs pos="0">
-                    <a:srgbClr val="FFFFFF"/>
-                  </a:gs>
-                  <a:gs pos="100000">
-                    <a:srgbClr val="FFFFFF"/>
-                  </a:gs>
-                </a:gsLst>
-                <a:lin ang="5400000" scaled="0"/>
-              </a:gradFill>
-              <a:latin typeface="Segoe UI"/>
-            </a:endParaRPr>
+            <a:pPr lvl="1"/>
+            <a:endParaRPr lang="en-US" dirty="0"/>
           </a:p>
         </p:txBody>
       </p:sp>
@@ -21802,13 +22184,13 @@
       </p:sp>
       <p:sp>
         <p:nvSpPr>
-          <p:cNvPr id="18" name="Rectangle 17"/>
+          <p:cNvPr id="8" name="Rectangle 7"/>
           <p:cNvSpPr/>
           <p:nvPr/>
         </p:nvSpPr>
         <p:spPr bwMode="auto">
           <a:xfrm>
-            <a:off x="1968859" y="2073319"/>
+            <a:off x="1965960" y="2073319"/>
             <a:ext cx="9586277" cy="661943"/>
           </a:xfrm>
           <a:prstGeom prst="rect">
@@ -21849,20 +22231,20 @@
           <a:p>
             <a:r>
               <a:rPr lang="en-US" dirty="0"/>
-              <a:t>Integrate your game code with ANGLE</a:t>
+              <a:t>Create a new ANGLE project using a Visual Studio Template</a:t>
             </a:r>
           </a:p>
         </p:txBody>
       </p:sp>
       <p:sp>
         <p:nvSpPr>
-          <p:cNvPr id="19" name="Rectangle 18"/>
+          <p:cNvPr id="17" name="Rectangle 16"/>
           <p:cNvSpPr/>
           <p:nvPr/>
         </p:nvSpPr>
         <p:spPr bwMode="auto">
           <a:xfrm>
-            <a:off x="808037" y="2068905"/>
+            <a:off x="805138" y="2068905"/>
             <a:ext cx="795309" cy="666357"/>
           </a:xfrm>
           <a:prstGeom prst="rect">
@@ -21928,7 +22310,7 @@
                 <a:ea typeface="Segoe UI" pitchFamily="34" charset="0"/>
                 <a:cs typeface="Segoe UI" pitchFamily="34" charset="0"/>
               </a:rPr>
-              <a:t>2</a:t>
+              <a:t>1</a:t>
             </a:r>
           </a:p>
         </p:txBody>
@@ -21941,8 +22323,8 @@
         </p:nvSpPr>
         <p:spPr>
           <a:xfrm>
-            <a:off x="1968859" y="3266431"/>
-            <a:ext cx="7968667" cy="1200329"/>
+            <a:off x="1965960" y="3266431"/>
+            <a:ext cx="9586277" cy="1477328"/>
           </a:xfrm>
           <a:prstGeom prst="rect">
             <a:avLst/>
@@ -21958,7 +22340,7 @@
               <a:rPr lang="en-US" sz="2400" b="1" dirty="0">
                 <a:hlinkClick r:id="rId3"/>
               </a:rPr>
-              <a:t>http://aka.ms/angle-ex2</a:t>
+              <a:t>http://aka.ms/angle-ex1</a:t>
             </a:r>
             <a:endParaRPr lang="en-US" sz="2400" b="1" dirty="0"/>
           </a:p>
@@ -21968,15 +22350,18 @@
           <a:p>
             <a:r>
               <a:rPr lang="en-US" sz="2400" dirty="0"/>
-              <a:t>CodeLabs-GameDev-3-ANGLE\Source\Ex2\Ex2.shortcut</a:t>
-            </a:r>
+              <a:t>CodeLabs-GameDev-3-ANGLE\Source\Ex1\Ex1.shortcut</a:t>
+            </a:r>
+          </a:p>
+          <a:p>
+            <a:endParaRPr lang="en-US" dirty="0"/>
           </a:p>
         </p:txBody>
       </p:sp>
     </p:spTree>
     <p:extLst>
       <p:ext uri="{BB962C8B-B14F-4D97-AF65-F5344CB8AC3E}">
-        <p14:creationId xmlns:p14="http://schemas.microsoft.com/office/powerpoint/2010/main" val="508322021"/>
+        <p14:creationId xmlns:p14="http://schemas.microsoft.com/office/powerpoint/2010/main" val="1721361009"/>
       </p:ext>
     </p:extLst>
   </p:cSld>
@@ -21991,6 +22376,146 @@
       <p:transition/>
     </mc:Fallback>
   </mc:AlternateContent>
+</p:sld>
+</file>
+
+<file path=ppt/slides/slide15.xml><?xml version="1.0" encoding="utf-8"?>
+<p:sld xmlns:a="http://schemas.openxmlformats.org/drawingml/2006/main" xmlns:r="http://schemas.openxmlformats.org/officeDocument/2006/relationships" xmlns:p="http://schemas.openxmlformats.org/presentationml/2006/main">
+  <p:cSld>
+    <p:spTree>
+      <p:nvGrpSpPr>
+        <p:cNvPr id="1" name=""/>
+        <p:cNvGrpSpPr/>
+        <p:nvPr/>
+      </p:nvGrpSpPr>
+      <p:grpSpPr>
+        <a:xfrm>
+          <a:off x="0" y="0"/>
+          <a:ext cx="0" cy="0"/>
+          <a:chOff x="0" y="0"/>
+          <a:chExt cx="0" cy="0"/>
+        </a:xfrm>
+      </p:grpSpPr>
+      <p:sp>
+        <p:nvSpPr>
+          <p:cNvPr id="2" name="Title 1"/>
+          <p:cNvSpPr>
+            <a:spLocks noGrp="1"/>
+          </p:cNvSpPr>
+          <p:nvPr>
+            <p:ph type="title"/>
+          </p:nvPr>
+        </p:nvSpPr>
+        <p:spPr>
+          <a:xfrm>
+            <a:off x="274639" y="295274"/>
+            <a:ext cx="4419598" cy="917575"/>
+          </a:xfrm>
+        </p:spPr>
+        <p:txBody>
+          <a:bodyPr/>
+          <a:lstStyle/>
+          <a:p>
+            <a:r>
+              <a:rPr lang="en-US" dirty="0"/>
+              <a:t>ANGLE Project</a:t>
+            </a:r>
+          </a:p>
+        </p:txBody>
+      </p:sp>
+      <p:sp>
+        <p:nvSpPr>
+          <p:cNvPr id="3" name="Text Placeholder 2"/>
+          <p:cNvSpPr>
+            <a:spLocks noGrp="1"/>
+          </p:cNvSpPr>
+          <p:nvPr>
+            <p:ph type="body" sz="quarter" idx="10"/>
+          </p:nvPr>
+        </p:nvSpPr>
+        <p:spPr>
+          <a:xfrm>
+            <a:off x="274639" y="1287462"/>
+            <a:ext cx="4952999" cy="3877985"/>
+          </a:xfrm>
+        </p:spPr>
+        <p:txBody>
+          <a:bodyPr/>
+          <a:lstStyle/>
+          <a:p>
+            <a:r>
+              <a:rPr lang="en-US" sz="3200" dirty="0" err="1"/>
+              <a:t>App.xaml</a:t>
+            </a:r>
+            <a:endParaRPr lang="en-US" sz="3200" dirty="0"/>
+          </a:p>
+          <a:p>
+            <a:endParaRPr lang="en-US" sz="3200" dirty="0"/>
+          </a:p>
+          <a:p>
+            <a:r>
+              <a:rPr lang="en-US" sz="3200" dirty="0" err="1"/>
+              <a:t>OpenGLESPage</a:t>
+            </a:r>
+            <a:endParaRPr lang="en-US" sz="3200" dirty="0"/>
+          </a:p>
+          <a:p>
+            <a:endParaRPr lang="en-US" sz="3200" dirty="0"/>
+          </a:p>
+          <a:p>
+            <a:r>
+              <a:rPr lang="en-US" sz="3200" dirty="0"/>
+              <a:t>OpenGLES.cpp</a:t>
+            </a:r>
+          </a:p>
+          <a:p>
+            <a:endParaRPr lang="en-US" sz="3200" dirty="0"/>
+          </a:p>
+          <a:p>
+            <a:r>
+              <a:rPr lang="en-US" sz="3200" dirty="0"/>
+              <a:t>SimpleRenderer.cpp</a:t>
+            </a:r>
+          </a:p>
+        </p:txBody>
+      </p:sp>
+      <p:pic>
+        <p:nvPicPr>
+          <p:cNvPr id="5" name="Picture 4"/>
+          <p:cNvPicPr>
+            <a:picLocks noChangeAspect="1"/>
+          </p:cNvPicPr>
+          <p:nvPr/>
+        </p:nvPicPr>
+        <p:blipFill>
+          <a:blip r:embed="rId2"/>
+          <a:stretch>
+            <a:fillRect/>
+          </a:stretch>
+        </p:blipFill>
+        <p:spPr>
+          <a:xfrm>
+            <a:off x="5684837" y="373062"/>
+            <a:ext cx="5305425" cy="6057900"/>
+          </a:xfrm>
+          <a:prstGeom prst="rect">
+            <a:avLst/>
+          </a:prstGeom>
+        </p:spPr>
+      </p:pic>
+    </p:spTree>
+    <p:extLst>
+      <p:ext uri="{BB962C8B-B14F-4D97-AF65-F5344CB8AC3E}">
+        <p14:creationId xmlns:p14="http://schemas.microsoft.com/office/powerpoint/2010/main" val="362378448"/>
+      </p:ext>
+    </p:extLst>
+  </p:cSld>
+  <p:clrMapOvr>
+    <a:masterClrMapping/>
+  </p:clrMapOvr>
+  <p:transition>
+    <p:fade/>
+  </p:transition>
 </p:sld>
 </file>
 
@@ -22019,7 +22544,7 @@
         </p:nvSpPr>
         <p:spPr bwMode="auto">
           <a:xfrm>
-            <a:off x="1764" y="1551180"/>
+            <a:off x="882" y="1547274"/>
             <a:ext cx="12434711" cy="5298882"/>
           </a:xfrm>
           <a:prstGeom prst="rect">
@@ -22609,7 +23134,7 @@
       </p:sp>
       <p:sp>
         <p:nvSpPr>
-          <p:cNvPr id="20" name="Rectangle 19"/>
+          <p:cNvPr id="18" name="Rectangle 17"/>
           <p:cNvSpPr/>
           <p:nvPr/>
         </p:nvSpPr>
@@ -22656,14 +23181,14 @@
           <a:p>
             <a:r>
               <a:rPr lang="en-US" dirty="0"/>
-              <a:t>Handle window resizing</a:t>
+              <a:t>Integrate your game code with ANGLE</a:t>
             </a:r>
           </a:p>
         </p:txBody>
       </p:sp>
       <p:sp>
         <p:nvSpPr>
-          <p:cNvPr id="21" name="Rectangle 20"/>
+          <p:cNvPr id="19" name="Rectangle 18"/>
           <p:cNvSpPr/>
           <p:nvPr/>
         </p:nvSpPr>
@@ -22735,7 +23260,7 @@
                 <a:ea typeface="Segoe UI" pitchFamily="34" charset="0"/>
                 <a:cs typeface="Segoe UI" pitchFamily="34" charset="0"/>
               </a:rPr>
-              <a:t>3</a:t>
+              <a:t>2</a:t>
             </a:r>
           </a:p>
         </p:txBody>
@@ -22749,7 +23274,7 @@
         <p:spPr>
           <a:xfrm>
             <a:off x="1968859" y="3266431"/>
-            <a:ext cx="9507178" cy="1200329"/>
+            <a:ext cx="7968667" cy="1200329"/>
           </a:xfrm>
           <a:prstGeom prst="rect">
             <a:avLst/>
@@ -22765,7 +23290,7 @@
               <a:rPr lang="en-US" sz="2400" b="1" dirty="0">
                 <a:hlinkClick r:id="rId3"/>
               </a:rPr>
-              <a:t>http://aka.ms/angle-ex3</a:t>
+              <a:t>http://aka.ms/angle-ex2</a:t>
             </a:r>
             <a:endParaRPr lang="en-US" sz="2400" b="1" dirty="0"/>
           </a:p>
@@ -22775,7 +23300,7 @@
           <a:p>
             <a:r>
               <a:rPr lang="en-US" sz="2400" dirty="0"/>
-              <a:t>CodeLabs-GameDev-3-ANGLE\Source\Ex3\Ex3.shortcut</a:t>
+              <a:t>CodeLabs-GameDev-3-ANGLE\Source\Ex2\Ex2.shortcut</a:t>
             </a:r>
           </a:p>
         </p:txBody>
@@ -22783,7 +23308,7 @@
     </p:spTree>
     <p:extLst>
       <p:ext uri="{BB962C8B-B14F-4D97-AF65-F5344CB8AC3E}">
-        <p14:creationId xmlns:p14="http://schemas.microsoft.com/office/powerpoint/2010/main" val="901691894"/>
+        <p14:creationId xmlns:p14="http://schemas.microsoft.com/office/powerpoint/2010/main" val="508322021"/>
       </p:ext>
     </p:extLst>
   </p:cSld>
@@ -22826,7 +23351,7 @@
         </p:nvSpPr>
         <p:spPr bwMode="auto">
           <a:xfrm>
-            <a:off x="0" y="1551180"/>
+            <a:off x="1764" y="1551180"/>
             <a:ext cx="12434711" cy="5298882"/>
           </a:xfrm>
           <a:prstGeom prst="rect">
@@ -23416,7 +23941,7 @@
       </p:sp>
       <p:sp>
         <p:nvSpPr>
-          <p:cNvPr id="22" name="Rectangle 21"/>
+          <p:cNvPr id="20" name="Rectangle 19"/>
           <p:cNvSpPr/>
           <p:nvPr/>
         </p:nvSpPr>
@@ -23463,14 +23988,14 @@
           <a:p>
             <a:r>
               <a:rPr lang="en-US" dirty="0"/>
-              <a:t>Add touch and keyboard events to your app</a:t>
+              <a:t>Handle window resizing</a:t>
             </a:r>
           </a:p>
         </p:txBody>
       </p:sp>
       <p:sp>
         <p:nvSpPr>
-          <p:cNvPr id="23" name="Rectangle 22"/>
+          <p:cNvPr id="21" name="Rectangle 20"/>
           <p:cNvSpPr/>
           <p:nvPr/>
         </p:nvSpPr>
@@ -23542,7 +24067,7 @@
                 <a:ea typeface="Segoe UI" pitchFamily="34" charset="0"/>
                 <a:cs typeface="Segoe UI" pitchFamily="34" charset="0"/>
               </a:rPr>
-              <a:t>4</a:t>
+              <a:t>3</a:t>
             </a:r>
           </a:p>
         </p:txBody>
@@ -23555,8 +24080,8 @@
         </p:nvSpPr>
         <p:spPr>
           <a:xfrm>
-            <a:off x="1968858" y="3266431"/>
-            <a:ext cx="9586277" cy="1200329"/>
+            <a:off x="1968859" y="3266431"/>
+            <a:ext cx="9507178" cy="1200329"/>
           </a:xfrm>
           <a:prstGeom prst="rect">
             <a:avLst/>
@@ -23572,7 +24097,7 @@
               <a:rPr lang="en-US" sz="2400" b="1" dirty="0">
                 <a:hlinkClick r:id="rId3"/>
               </a:rPr>
-              <a:t>http://aka.ms/angle-ex4</a:t>
+              <a:t>http://aka.ms/angle-ex3</a:t>
             </a:r>
             <a:endParaRPr lang="en-US" sz="2400" b="1" dirty="0"/>
           </a:p>
@@ -23582,7 +24107,7 @@
           <a:p>
             <a:r>
               <a:rPr lang="en-US" sz="2400" dirty="0"/>
-              <a:t>CodeLabs-GameDev-3-ANGLE\Source\Ex4\Ex4.shortcut</a:t>
+              <a:t>CodeLabs-GameDev-3-ANGLE\Source\Ex3\Ex3.shortcut</a:t>
             </a:r>
           </a:p>
         </p:txBody>
@@ -23590,7 +24115,7 @@
     </p:spTree>
     <p:extLst>
       <p:ext uri="{BB962C8B-B14F-4D97-AF65-F5344CB8AC3E}">
-        <p14:creationId xmlns:p14="http://schemas.microsoft.com/office/powerpoint/2010/main" val="1855760714"/>
+        <p14:creationId xmlns:p14="http://schemas.microsoft.com/office/powerpoint/2010/main" val="901691894"/>
       </p:ext>
     </p:extLst>
   </p:cSld>
@@ -23633,7 +24158,7 @@
         </p:nvSpPr>
         <p:spPr bwMode="auto">
           <a:xfrm>
-            <a:off x="882" y="1547274"/>
+            <a:off x="0" y="1551180"/>
             <a:ext cx="12434711" cy="5298882"/>
           </a:xfrm>
           <a:prstGeom prst="rect">
@@ -23672,11 +24197,29 @@
           </a:bodyPr>
           <a:lstStyle/>
           <a:p>
-            <a:pPr lvl="1"/>
-            <a:r>
-              <a:rPr lang="en-US" dirty="0"/>
-              <a:t>https://github.com/Microsoft-Build-2016/CodeLabs-GameDev-3-ANGLE/blob/master/Source/Ex4/README.md</a:t>
-            </a:r>
+            <a:pPr algn="ctr" defTabSz="951028" fontAlgn="base">
+              <a:spcBef>
+                <a:spcPct val="0"/>
+              </a:spcBef>
+              <a:spcAft>
+                <a:spcPct val="0"/>
+              </a:spcAft>
+              <a:defRPr/>
+            </a:pPr>
+            <a:endParaRPr lang="en-US" sz="2040" dirty="0">
+              <a:gradFill>
+                <a:gsLst>
+                  <a:gs pos="0">
+                    <a:srgbClr val="FFFFFF"/>
+                  </a:gs>
+                  <a:gs pos="100000">
+                    <a:srgbClr val="FFFFFF"/>
+                  </a:gs>
+                </a:gsLst>
+                <a:lin ang="5400000" scaled="0"/>
+              </a:gradFill>
+              <a:latin typeface="Segoe UI"/>
+            </a:endParaRPr>
           </a:p>
         </p:txBody>
       </p:sp>
@@ -23697,7 +24240,7 @@
           <a:p>
             <a:r>
               <a:rPr lang="en-US" dirty="0"/>
-              <a:t>ANGLE Lab Exercises (Optional)</a:t>
+              <a:t>ANGLE Lab Exercises</a:t>
             </a:r>
           </a:p>
         </p:txBody>
@@ -24205,13 +24748,13 @@
       </p:sp>
       <p:sp>
         <p:nvSpPr>
-          <p:cNvPr id="26" name="Rectangle 25"/>
+          <p:cNvPr id="22" name="Rectangle 21"/>
           <p:cNvSpPr/>
           <p:nvPr/>
         </p:nvSpPr>
         <p:spPr bwMode="auto">
           <a:xfrm>
-            <a:off x="1965960" y="2073319"/>
+            <a:off x="1968859" y="2073319"/>
             <a:ext cx="9586277" cy="661943"/>
           </a:xfrm>
           <a:prstGeom prst="rect">
@@ -24252,25 +24795,20 @@
           <a:p>
             <a:r>
               <a:rPr lang="en-US" dirty="0"/>
-              <a:t>Adding ANGLE using </a:t>
-            </a:r>
-            <a:r>
-              <a:rPr lang="en-US" dirty="0" err="1"/>
-              <a:t>NuGet</a:t>
-            </a:r>
-            <a:endParaRPr lang="en-US" dirty="0"/>
+              <a:t>Add touch and keyboard events to your app</a:t>
+            </a:r>
           </a:p>
         </p:txBody>
       </p:sp>
       <p:sp>
         <p:nvSpPr>
-          <p:cNvPr id="27" name="Rectangle 26"/>
+          <p:cNvPr id="23" name="Rectangle 22"/>
           <p:cNvSpPr/>
           <p:nvPr/>
         </p:nvSpPr>
         <p:spPr bwMode="auto">
           <a:xfrm>
-            <a:off x="805138" y="2068905"/>
+            <a:off x="808037" y="2068905"/>
             <a:ext cx="795309" cy="666357"/>
           </a:xfrm>
           <a:prstGeom prst="rect">
@@ -24336,7 +24874,7 @@
                 <a:ea typeface="Segoe UI" pitchFamily="34" charset="0"/>
                 <a:cs typeface="Segoe UI" pitchFamily="34" charset="0"/>
               </a:rPr>
-              <a:t>7</a:t>
+              <a:t>4</a:t>
             </a:r>
           </a:p>
         </p:txBody>
@@ -24349,8 +24887,8 @@
         </p:nvSpPr>
         <p:spPr>
           <a:xfrm>
-            <a:off x="1965960" y="3266431"/>
-            <a:ext cx="9586277" cy="1477328"/>
+            <a:off x="1968858" y="3266431"/>
+            <a:ext cx="9586277" cy="1200329"/>
           </a:xfrm>
           <a:prstGeom prst="rect">
             <a:avLst/>
@@ -24366,7 +24904,7 @@
               <a:rPr lang="en-US" sz="2400" b="1" dirty="0">
                 <a:hlinkClick r:id="rId3"/>
               </a:rPr>
-              <a:t>http://aka.ms/angle-ex7</a:t>
+              <a:t>http://aka.ms/angle-ex4</a:t>
             </a:r>
             <a:endParaRPr lang="en-US" sz="2400" b="1" dirty="0"/>
           </a:p>
@@ -24376,18 +24914,15 @@
           <a:p>
             <a:r>
               <a:rPr lang="en-US" sz="2400" dirty="0"/>
-              <a:t>CodeLabs-GameDev-3-ANGLE\Source\Ex7\Ex7.shortcut</a:t>
-            </a:r>
-          </a:p>
-          <a:p>
-            <a:endParaRPr lang="en-US" dirty="0"/>
+              <a:t>CodeLabs-GameDev-3-ANGLE\Source\Ex4\Ex4.shortcut</a:t>
+            </a:r>
           </a:p>
         </p:txBody>
       </p:sp>
     </p:spTree>
     <p:extLst>
       <p:ext uri="{BB962C8B-B14F-4D97-AF65-F5344CB8AC3E}">
-        <p14:creationId xmlns:p14="http://schemas.microsoft.com/office/powerpoint/2010/main" val="4146997603"/>
+        <p14:creationId xmlns:p14="http://schemas.microsoft.com/office/powerpoint/2010/main" val="1855760714"/>
       </p:ext>
     </p:extLst>
   </p:cSld>
@@ -24406,471 +24941,6 @@
 </file>
 
 <file path=ppt/slides/slide19.xml><?xml version="1.0" encoding="utf-8"?>
-<p:sld xmlns:a="http://schemas.openxmlformats.org/drawingml/2006/main" xmlns:r="http://schemas.openxmlformats.org/officeDocument/2006/relationships" xmlns:p="http://schemas.openxmlformats.org/presentationml/2006/main">
-  <p:cSld>
-    <p:spTree>
-      <p:nvGrpSpPr>
-        <p:cNvPr id="1" name=""/>
-        <p:cNvGrpSpPr/>
-        <p:nvPr/>
-      </p:nvGrpSpPr>
-      <p:grpSpPr>
-        <a:xfrm>
-          <a:off x="0" y="0"/>
-          <a:ext cx="0" cy="0"/>
-          <a:chOff x="0" y="0"/>
-          <a:chExt cx="0" cy="0"/>
-        </a:xfrm>
-      </p:grpSpPr>
-      <p:sp>
-        <p:nvSpPr>
-          <p:cNvPr id="5" name="Text Placeholder 4"/>
-          <p:cNvSpPr>
-            <a:spLocks noGrp="1"/>
-          </p:cNvSpPr>
-          <p:nvPr>
-            <p:ph type="body" sz="quarter" idx="10"/>
-          </p:nvPr>
-        </p:nvSpPr>
-        <p:spPr>
-          <a:xfrm>
-            <a:off x="274638" y="1212850"/>
-            <a:ext cx="11887200" cy="4838248"/>
-          </a:xfrm>
-        </p:spPr>
-        <p:txBody>
-          <a:bodyPr/>
-          <a:lstStyle/>
-          <a:p>
-            <a:pPr marL="0" indent="0">
-              <a:buNone/>
-            </a:pPr>
-            <a:endParaRPr lang="en-US" sz="2800" dirty="0"/>
-          </a:p>
-          <a:p>
-            <a:pPr marL="0" indent="0">
-              <a:buNone/>
-            </a:pPr>
-            <a:r>
-              <a:rPr lang="en-US" sz="2800" dirty="0"/>
-              <a:t>ANGLE: </a:t>
-            </a:r>
-            <a:r>
-              <a:rPr lang="en-US" sz="2800" dirty="0">
-                <a:hlinkClick r:id="rId2"/>
-              </a:rPr>
-              <a:t>https://github.com/MSOpenTech/angle</a:t>
-            </a:r>
-            <a:r>
-              <a:rPr lang="en-US" sz="2800" dirty="0"/>
-              <a:t> </a:t>
-            </a:r>
-          </a:p>
-          <a:p>
-            <a:pPr marL="0" indent="0">
-              <a:buNone/>
-            </a:pPr>
-            <a:endParaRPr lang="en-US" sz="2800" dirty="0"/>
-          </a:p>
-          <a:p>
-            <a:pPr marL="0" indent="0">
-              <a:buNone/>
-            </a:pPr>
-            <a:r>
-              <a:rPr lang="en-US" sz="2800" dirty="0"/>
-              <a:t>Wiki: 	</a:t>
-            </a:r>
-            <a:r>
-              <a:rPr lang="en-US" sz="2800" dirty="0">
-                <a:hlinkClick r:id="rId3"/>
-              </a:rPr>
-              <a:t>https://github.com/MSOpenTech/angle/wiki</a:t>
-            </a:r>
-            <a:endParaRPr lang="en-US" sz="2800" dirty="0"/>
-          </a:p>
-          <a:p>
-            <a:pPr marL="0" indent="0">
-              <a:buNone/>
-            </a:pPr>
-            <a:endParaRPr lang="en-US" sz="2800" dirty="0"/>
-          </a:p>
-          <a:p>
-            <a:pPr marL="0" lvl="0" indent="0">
-              <a:buNone/>
-            </a:pPr>
-            <a:r>
-              <a:rPr lang="en-US" sz="2800" dirty="0"/>
-              <a:t>Lab: </a:t>
-            </a:r>
-            <a:r>
-              <a:rPr lang="en-US" sz="2800" dirty="0">
-                <a:hlinkClick r:id="rId4"/>
-              </a:rPr>
-              <a:t>https://github.com/Microsoft-Build-2016/CodeLabs-GameDev-3-ANGLE</a:t>
-            </a:r>
-            <a:endParaRPr lang="en-US" sz="2800" dirty="0"/>
-          </a:p>
-          <a:p>
-            <a:pPr marL="0" lvl="0" indent="0">
-              <a:buNone/>
-            </a:pPr>
-            <a:endParaRPr lang="en-US" sz="2800" dirty="0"/>
-          </a:p>
-          <a:p>
-            <a:pPr marL="0" lvl="0" indent="0">
-              <a:buNone/>
-            </a:pPr>
-            <a:r>
-              <a:rPr lang="en-US" sz="2800" dirty="0"/>
-              <a:t>Breakout Tutorial: </a:t>
-            </a:r>
-            <a:r>
-              <a:rPr lang="en-US" sz="2800" dirty="0">
-                <a:hlinkClick r:id="rId5"/>
-              </a:rPr>
-              <a:t>http://learnopengl.com/#!In-Practice/2D-Game/Breakout</a:t>
-            </a:r>
-            <a:endParaRPr lang="en-US" sz="2800" dirty="0"/>
-          </a:p>
-          <a:p>
-            <a:pPr marL="0" lvl="0" indent="0">
-              <a:buNone/>
-            </a:pPr>
-            <a:endParaRPr lang="en-US" sz="2800" dirty="0"/>
-          </a:p>
-          <a:p>
-            <a:pPr marL="0" lvl="0" indent="0">
-              <a:buNone/>
-            </a:pPr>
-            <a:r>
-              <a:rPr lang="en-US" sz="2800" dirty="0" err="1"/>
-              <a:t>Khronos</a:t>
-            </a:r>
-            <a:r>
-              <a:rPr lang="en-US" sz="2800" dirty="0"/>
-              <a:t>: </a:t>
-            </a:r>
-            <a:r>
-              <a:rPr lang="en-US" sz="2800" dirty="0">
-                <a:hlinkClick r:id="rId6"/>
-              </a:rPr>
-              <a:t>OpenGL ES 2.0</a:t>
-            </a:r>
-            <a:r>
-              <a:rPr lang="en-US" sz="2800" dirty="0"/>
-              <a:t> and </a:t>
-            </a:r>
-            <a:r>
-              <a:rPr lang="en-US" sz="2800" dirty="0">
-                <a:hlinkClick r:id="rId7"/>
-              </a:rPr>
-              <a:t>EGL 1.4</a:t>
-            </a:r>
-            <a:r>
-              <a:rPr lang="en-US" sz="2800" dirty="0"/>
-              <a:t> APIs</a:t>
-            </a:r>
-          </a:p>
-        </p:txBody>
-      </p:sp>
-      <p:sp>
-        <p:nvSpPr>
-          <p:cNvPr id="2" name="Title 1"/>
-          <p:cNvSpPr>
-            <a:spLocks noGrp="1"/>
-          </p:cNvSpPr>
-          <p:nvPr>
-            <p:ph type="title"/>
-          </p:nvPr>
-        </p:nvSpPr>
-        <p:spPr/>
-        <p:txBody>
-          <a:bodyPr/>
-          <a:lstStyle/>
-          <a:p>
-            <a:r>
-              <a:rPr lang="en-US" dirty="0"/>
-              <a:t>For more information:</a:t>
-            </a:r>
-          </a:p>
-        </p:txBody>
-      </p:sp>
-    </p:spTree>
-    <p:extLst>
-      <p:ext uri="{BB962C8B-B14F-4D97-AF65-F5344CB8AC3E}">
-        <p14:creationId xmlns:p14="http://schemas.microsoft.com/office/powerpoint/2010/main" val="4129826664"/>
-      </p:ext>
-    </p:extLst>
-  </p:cSld>
-  <p:clrMapOvr>
-    <a:masterClrMapping/>
-  </p:clrMapOvr>
-  <mc:AlternateContent xmlns:mc="http://schemas.openxmlformats.org/markup-compatibility/2006" xmlns:p14="http://schemas.microsoft.com/office/powerpoint/2010/main">
-    <mc:Choice Requires="p14">
-      <p:transition spd="med" p14:dur="700">
-        <p:fade/>
-      </p:transition>
-    </mc:Choice>
-    <mc:Fallback xmlns="">
-      <p:transition spd="med">
-        <p:fade/>
-      </p:transition>
-    </mc:Fallback>
-  </mc:AlternateContent>
-</p:sld>
-</file>
-
-<file path=ppt/slides/slide2.xml><?xml version="1.0" encoding="utf-8"?>
-<p:sld xmlns:a="http://schemas.openxmlformats.org/drawingml/2006/main" xmlns:r="http://schemas.openxmlformats.org/officeDocument/2006/relationships" xmlns:p="http://schemas.openxmlformats.org/presentationml/2006/main">
-  <p:cSld>
-    <p:spTree>
-      <p:nvGrpSpPr>
-        <p:cNvPr id="1" name=""/>
-        <p:cNvGrpSpPr/>
-        <p:nvPr/>
-      </p:nvGrpSpPr>
-      <p:grpSpPr>
-        <a:xfrm>
-          <a:off x="0" y="0"/>
-          <a:ext cx="0" cy="0"/>
-          <a:chOff x="0" y="0"/>
-          <a:chExt cx="0" cy="0"/>
-        </a:xfrm>
-      </p:grpSpPr>
-      <p:sp>
-        <p:nvSpPr>
-          <p:cNvPr id="4" name="Title 3"/>
-          <p:cNvSpPr>
-            <a:spLocks noGrp="1"/>
-          </p:cNvSpPr>
-          <p:nvPr>
-            <p:ph type="title"/>
-          </p:nvPr>
-        </p:nvSpPr>
-        <p:spPr/>
-        <p:txBody>
-          <a:bodyPr/>
-          <a:lstStyle/>
-          <a:p>
-            <a:r>
-              <a:rPr lang="en-US" b="1" dirty="0"/>
-              <a:t>Porting your OpenGL ES 2.0 Game to Windows 10 using ANGLE</a:t>
-            </a:r>
-          </a:p>
-        </p:txBody>
-      </p:sp>
-      <p:sp>
-        <p:nvSpPr>
-          <p:cNvPr id="5" name="Text Placeholder 4"/>
-          <p:cNvSpPr>
-            <a:spLocks noGrp="1"/>
-          </p:cNvSpPr>
-          <p:nvPr>
-            <p:ph type="body" sz="quarter" idx="12"/>
-          </p:nvPr>
-        </p:nvSpPr>
-        <p:spPr/>
-        <p:txBody>
-          <a:bodyPr/>
-          <a:lstStyle/>
-          <a:p>
-            <a:r>
-              <a:rPr lang="en-US" dirty="0"/>
-              <a:t>Dale Stammen</a:t>
-            </a:r>
-          </a:p>
-          <a:p>
-            <a:r>
-              <a:rPr lang="en-US" dirty="0"/>
-              <a:t>Senior Software Engineer</a:t>
-            </a:r>
-          </a:p>
-          <a:p>
-            <a:r>
-              <a:rPr lang="en-US" dirty="0"/>
-              <a:t>dalestam@microsoft.com</a:t>
-            </a:r>
-          </a:p>
-        </p:txBody>
-      </p:sp>
-      <p:sp>
-        <p:nvSpPr>
-          <p:cNvPr id="6" name="Text Placeholder 5"/>
-          <p:cNvSpPr>
-            <a:spLocks noGrp="1"/>
-          </p:cNvSpPr>
-          <p:nvPr>
-            <p:ph type="body" sz="quarter" idx="13"/>
-          </p:nvPr>
-        </p:nvSpPr>
-        <p:spPr>
-          <a:xfrm>
-            <a:off x="8504238" y="307621"/>
-            <a:ext cx="3656013" cy="572464"/>
-          </a:xfrm>
-        </p:spPr>
-        <p:txBody>
-          <a:bodyPr/>
-          <a:lstStyle/>
-          <a:p>
-            <a:r>
-              <a:rPr lang="en-US" b="1" dirty="0"/>
-              <a:t>L709</a:t>
-            </a:r>
-            <a:endParaRPr lang="en-US" dirty="0"/>
-          </a:p>
-        </p:txBody>
-      </p:sp>
-    </p:spTree>
-    <p:extLst>
-      <p:ext uri="{BB962C8B-B14F-4D97-AF65-F5344CB8AC3E}">
-        <p14:creationId xmlns:p14="http://schemas.microsoft.com/office/powerpoint/2010/main" val="2666902894"/>
-      </p:ext>
-    </p:extLst>
-  </p:cSld>
-  <p:clrMapOvr>
-    <a:masterClrMapping/>
-  </p:clrMapOvr>
-  <mc:AlternateContent xmlns:mc="http://schemas.openxmlformats.org/markup-compatibility/2006" xmlns:p14="http://schemas.microsoft.com/office/powerpoint/2010/main">
-    <mc:Choice Requires="p14">
-      <p:transition spd="med" p14:dur="700">
-        <p:fade/>
-      </p:transition>
-    </mc:Choice>
-    <mc:Fallback xmlns="">
-      <p:transition spd="med">
-        <p:fade/>
-      </p:transition>
-    </mc:Fallback>
-  </mc:AlternateContent>
-</p:sld>
-</file>
-
-<file path=ppt/slides/slide20.xml><?xml version="1.0" encoding="utf-8"?>
-<p:sld xmlns:a="http://schemas.openxmlformats.org/drawingml/2006/main" xmlns:r="http://schemas.openxmlformats.org/officeDocument/2006/relationships" xmlns:p="http://schemas.openxmlformats.org/presentationml/2006/main">
-  <p:cSld>
-    <p:spTree>
-      <p:nvGrpSpPr>
-        <p:cNvPr id="1" name=""/>
-        <p:cNvGrpSpPr/>
-        <p:nvPr/>
-      </p:nvGrpSpPr>
-      <p:grpSpPr>
-        <a:xfrm>
-          <a:off x="0" y="0"/>
-          <a:ext cx="0" cy="0"/>
-          <a:chOff x="0" y="0"/>
-          <a:chExt cx="0" cy="0"/>
-        </a:xfrm>
-      </p:grpSpPr>
-      <p:sp>
-        <p:nvSpPr>
-          <p:cNvPr id="5" name="Text Placeholder 4"/>
-          <p:cNvSpPr>
-            <a:spLocks noGrp="1"/>
-          </p:cNvSpPr>
-          <p:nvPr>
-            <p:ph type="body" sz="quarter" idx="10"/>
-          </p:nvPr>
-        </p:nvSpPr>
-        <p:spPr>
-          <a:xfrm>
-            <a:off x="274638" y="1212850"/>
-            <a:ext cx="11887200" cy="2468368"/>
-          </a:xfrm>
-        </p:spPr>
-        <p:txBody>
-          <a:bodyPr/>
-          <a:lstStyle/>
-          <a:p>
-            <a:pPr marL="0" indent="0">
-              <a:buNone/>
-            </a:pPr>
-            <a:endParaRPr lang="en-US" sz="2800" dirty="0"/>
-          </a:p>
-          <a:p>
-            <a:pPr marL="0" indent="0">
-              <a:buNone/>
-            </a:pPr>
-            <a:r>
-              <a:rPr lang="en-US" sz="2800" dirty="0">
-                <a:hlinkClick r:id="rId2"/>
-              </a:rPr>
-              <a:t>https://github.com/MSOpenTech/angle/issues</a:t>
-            </a:r>
-            <a:endParaRPr lang="en-US" sz="2800" dirty="0"/>
-          </a:p>
-          <a:p>
-            <a:pPr marL="0" indent="0">
-              <a:buNone/>
-            </a:pPr>
-            <a:endParaRPr lang="en-US" sz="2800" dirty="0"/>
-          </a:p>
-          <a:p>
-            <a:pPr marL="0" indent="0">
-              <a:buNone/>
-            </a:pPr>
-            <a:r>
-              <a:rPr lang="en-US" sz="2800" dirty="0"/>
-              <a:t>Be prepared to provide a code sample of the issue.</a:t>
-            </a:r>
-          </a:p>
-          <a:p>
-            <a:pPr marL="0" indent="0">
-              <a:buNone/>
-            </a:pPr>
-            <a:endParaRPr lang="en-US" sz="2800" dirty="0"/>
-          </a:p>
-        </p:txBody>
-      </p:sp>
-      <p:sp>
-        <p:nvSpPr>
-          <p:cNvPr id="2" name="Title 1"/>
-          <p:cNvSpPr>
-            <a:spLocks noGrp="1"/>
-          </p:cNvSpPr>
-          <p:nvPr>
-            <p:ph type="title"/>
-          </p:nvPr>
-        </p:nvSpPr>
-        <p:spPr/>
-        <p:txBody>
-          <a:bodyPr/>
-          <a:lstStyle/>
-          <a:p>
-            <a:r>
-              <a:rPr lang="en-US" dirty="0"/>
-              <a:t>Issues</a:t>
-            </a:r>
-          </a:p>
-        </p:txBody>
-      </p:sp>
-    </p:spTree>
-    <p:extLst>
-      <p:ext uri="{BB962C8B-B14F-4D97-AF65-F5344CB8AC3E}">
-        <p14:creationId xmlns:p14="http://schemas.microsoft.com/office/powerpoint/2010/main" val="2704901849"/>
-      </p:ext>
-    </p:extLst>
-  </p:cSld>
-  <p:clrMapOvr>
-    <a:masterClrMapping/>
-  </p:clrMapOvr>
-  <mc:AlternateContent xmlns:mc="http://schemas.openxmlformats.org/markup-compatibility/2006" xmlns:p14="http://schemas.microsoft.com/office/powerpoint/2010/main">
-    <mc:Choice Requires="p14">
-      <p:transition spd="med" p14:dur="700">
-        <p:fade/>
-      </p:transition>
-    </mc:Choice>
-    <mc:Fallback xmlns="">
-      <p:transition spd="med">
-        <p:fade/>
-      </p:transition>
-    </mc:Fallback>
-  </mc:AlternateContent>
-</p:sld>
-</file>
-
-<file path=ppt/slides/slide21.xml><?xml version="1.0" encoding="utf-8"?>
 <p:sld xmlns:a="http://schemas.openxmlformats.org/drawingml/2006/main" xmlns:r="http://schemas.openxmlformats.org/officeDocument/2006/relationships" xmlns:p="http://schemas.openxmlformats.org/presentationml/2006/main">
   <p:cSld>
     <p:spTree>
@@ -24934,29 +25004,11 @@
           </a:bodyPr>
           <a:lstStyle/>
           <a:p>
-            <a:pPr algn="ctr" defTabSz="951028" fontAlgn="base">
-              <a:spcBef>
-                <a:spcPct val="0"/>
-              </a:spcBef>
-              <a:spcAft>
-                <a:spcPct val="0"/>
-              </a:spcAft>
-              <a:defRPr/>
-            </a:pPr>
-            <a:endParaRPr lang="en-US" sz="2040" dirty="0">
-              <a:gradFill>
-                <a:gsLst>
-                  <a:gs pos="0">
-                    <a:srgbClr val="FFFFFF"/>
-                  </a:gs>
-                  <a:gs pos="100000">
-                    <a:srgbClr val="FFFFFF"/>
-                  </a:gs>
-                </a:gsLst>
-                <a:lin ang="5400000" scaled="0"/>
-              </a:gradFill>
-              <a:latin typeface="Segoe UI"/>
-            </a:endParaRPr>
+            <a:pPr lvl="1"/>
+            <a:r>
+              <a:rPr lang="en-US" dirty="0"/>
+              <a:t>https://github.com/Microsoft-Build-2016/CodeLabs-GameDev-3-ANGLE/blob/master/Source/Ex4/README.md</a:t>
+            </a:r>
           </a:p>
         </p:txBody>
       </p:sp>
@@ -24977,7 +25029,7 @@
           <a:p>
             <a:r>
               <a:rPr lang="en-US" dirty="0"/>
-              <a:t>Build Game Labs</a:t>
+              <a:t>ANGLE Lab Exercises (Optional)</a:t>
             </a:r>
           </a:p>
         </p:txBody>
@@ -25485,6 +25537,1286 @@
       </p:sp>
       <p:sp>
         <p:nvSpPr>
+          <p:cNvPr id="26" name="Rectangle 25"/>
+          <p:cNvSpPr/>
+          <p:nvPr/>
+        </p:nvSpPr>
+        <p:spPr bwMode="auto">
+          <a:xfrm>
+            <a:off x="1965960" y="2073319"/>
+            <a:ext cx="9586277" cy="661943"/>
+          </a:xfrm>
+          <a:prstGeom prst="rect">
+            <a:avLst/>
+          </a:prstGeom>
+          <a:solidFill>
+            <a:schemeClr val="accent1"/>
+          </a:solidFill>
+          <a:ln>
+            <a:noFill/>
+            <a:headEnd type="none" w="med" len="med"/>
+            <a:tailEnd type="none" w="med" len="med"/>
+          </a:ln>
+          <a:effectLst/>
+        </p:spPr>
+        <p:style>
+          <a:lnRef idx="1">
+            <a:schemeClr val="accent2"/>
+          </a:lnRef>
+          <a:fillRef idx="3">
+            <a:schemeClr val="accent2"/>
+          </a:fillRef>
+          <a:effectRef idx="2">
+            <a:schemeClr val="accent2"/>
+          </a:effectRef>
+          <a:fontRef idx="minor">
+            <a:schemeClr val="lt1"/>
+          </a:fontRef>
+        </p:style>
+        <p:txBody>
+          <a:bodyPr rot="0" spcFirstLastPara="0" vertOverflow="overflow" horzOverflow="overflow" vert="horz" wrap="square" lIns="182880" tIns="146304" rIns="182880" bIns="146304" numCol="1" spcCol="0" rtlCol="0" fromWordArt="0" anchor="ctr" anchorCtr="0" forceAA="0" compatLnSpc="1">
+            <a:prstTxWarp prst="textNoShape">
+              <a:avLst/>
+            </a:prstTxWarp>
+            <a:noAutofit/>
+          </a:bodyPr>
+          <a:lstStyle/>
+          <a:p>
+            <a:r>
+              <a:rPr lang="en-US" dirty="0"/>
+              <a:t>Adding ANGLE using </a:t>
+            </a:r>
+            <a:r>
+              <a:rPr lang="en-US" dirty="0" err="1"/>
+              <a:t>NuGet</a:t>
+            </a:r>
+            <a:endParaRPr lang="en-US" dirty="0"/>
+          </a:p>
+        </p:txBody>
+      </p:sp>
+      <p:sp>
+        <p:nvSpPr>
+          <p:cNvPr id="27" name="Rectangle 26"/>
+          <p:cNvSpPr/>
+          <p:nvPr/>
+        </p:nvSpPr>
+        <p:spPr bwMode="auto">
+          <a:xfrm>
+            <a:off x="805138" y="2068905"/>
+            <a:ext cx="795309" cy="666357"/>
+          </a:xfrm>
+          <a:prstGeom prst="rect">
+            <a:avLst/>
+          </a:prstGeom>
+          <a:solidFill>
+            <a:srgbClr val="00B0F0"/>
+          </a:solidFill>
+          <a:ln>
+            <a:noFill/>
+            <a:headEnd type="none" w="med" len="med"/>
+            <a:tailEnd type="none" w="med" len="med"/>
+          </a:ln>
+          <a:effectLst/>
+        </p:spPr>
+        <p:style>
+          <a:lnRef idx="1">
+            <a:schemeClr val="accent2"/>
+          </a:lnRef>
+          <a:fillRef idx="3">
+            <a:schemeClr val="accent2"/>
+          </a:fillRef>
+          <a:effectRef idx="2">
+            <a:schemeClr val="accent2"/>
+          </a:effectRef>
+          <a:fontRef idx="minor">
+            <a:schemeClr val="lt1"/>
+          </a:fontRef>
+        </p:style>
+        <p:txBody>
+          <a:bodyPr rot="0" spcFirstLastPara="0" vertOverflow="overflow" horzOverflow="overflow" vert="horz" wrap="square" lIns="182880" tIns="146304" rIns="182880" bIns="146304" numCol="1" spcCol="0" rtlCol="0" fromWordArt="0" anchor="ctr" anchorCtr="0" forceAA="0" compatLnSpc="1">
+            <a:prstTxWarp prst="textNoShape">
+              <a:avLst/>
+            </a:prstTxWarp>
+            <a:noAutofit/>
+          </a:bodyPr>
+          <a:lstStyle/>
+          <a:p>
+            <a:pPr algn="ctr" defTabSz="932472" fontAlgn="base">
+              <a:lnSpc>
+                <a:spcPct val="90000"/>
+              </a:lnSpc>
+              <a:spcBef>
+                <a:spcPct val="0"/>
+              </a:spcBef>
+              <a:spcAft>
+                <a:spcPct val="0"/>
+              </a:spcAft>
+            </a:pPr>
+            <a:r>
+              <a:rPr lang="en-US" sz="4000" dirty="0">
+                <a:gradFill>
+                  <a:gsLst>
+                    <a:gs pos="0">
+                      <a:srgbClr val="FFFFFF"/>
+                    </a:gs>
+                    <a:gs pos="100000">
+                      <a:srgbClr val="FFFFFF"/>
+                    </a:gs>
+                  </a:gsLst>
+                  <a:lin ang="5400000" scaled="0"/>
+                </a:gradFill>
+                <a:ea typeface="Segoe UI" pitchFamily="34" charset="0"/>
+                <a:cs typeface="Segoe UI" pitchFamily="34" charset="0"/>
+              </a:rPr>
+              <a:t>7</a:t>
+            </a:r>
+          </a:p>
+        </p:txBody>
+      </p:sp>
+      <p:sp>
+        <p:nvSpPr>
+          <p:cNvPr id="3" name="Rectangle 2"/>
+          <p:cNvSpPr/>
+          <p:nvPr/>
+        </p:nvSpPr>
+        <p:spPr>
+          <a:xfrm>
+            <a:off x="1965960" y="3266431"/>
+            <a:ext cx="9586277" cy="1477328"/>
+          </a:xfrm>
+          <a:prstGeom prst="rect">
+            <a:avLst/>
+          </a:prstGeom>
+        </p:spPr>
+        <p:txBody>
+          <a:bodyPr wrap="square">
+            <a:spAutoFit/>
+          </a:bodyPr>
+          <a:lstStyle/>
+          <a:p>
+            <a:r>
+              <a:rPr lang="en-US" sz="2400" b="1" dirty="0">
+                <a:hlinkClick r:id="rId3"/>
+              </a:rPr>
+              <a:t>http://aka.ms/angle-ex7</a:t>
+            </a:r>
+            <a:endParaRPr lang="en-US" sz="2400" b="1" dirty="0"/>
+          </a:p>
+          <a:p>
+            <a:endParaRPr lang="en-US" sz="2400" b="1" dirty="0"/>
+          </a:p>
+          <a:p>
+            <a:r>
+              <a:rPr lang="en-US" sz="2400" dirty="0"/>
+              <a:t>CodeLabs-GameDev-3-ANGLE\Source\Ex7\Ex7.shortcut</a:t>
+            </a:r>
+          </a:p>
+          <a:p>
+            <a:endParaRPr lang="en-US" dirty="0"/>
+          </a:p>
+        </p:txBody>
+      </p:sp>
+    </p:spTree>
+    <p:extLst>
+      <p:ext uri="{BB962C8B-B14F-4D97-AF65-F5344CB8AC3E}">
+        <p14:creationId xmlns:p14="http://schemas.microsoft.com/office/powerpoint/2010/main" val="4146997603"/>
+      </p:ext>
+    </p:extLst>
+  </p:cSld>
+  <p:clrMapOvr>
+    <a:masterClrMapping/>
+  </p:clrMapOvr>
+  <mc:AlternateContent xmlns:mc="http://schemas.openxmlformats.org/markup-compatibility/2006" xmlns:p14="http://schemas.microsoft.com/office/powerpoint/2010/main">
+    <mc:Choice Requires="p14">
+      <p:transition p14:dur="0"/>
+    </mc:Choice>
+    <mc:Fallback xmlns="">
+      <p:transition/>
+    </mc:Fallback>
+  </mc:AlternateContent>
+</p:sld>
+</file>
+
+<file path=ppt/slides/slide2.xml><?xml version="1.0" encoding="utf-8"?>
+<p:sld xmlns:a="http://schemas.openxmlformats.org/drawingml/2006/main" xmlns:r="http://schemas.openxmlformats.org/officeDocument/2006/relationships" xmlns:p="http://schemas.openxmlformats.org/presentationml/2006/main">
+  <p:cSld>
+    <p:spTree>
+      <p:nvGrpSpPr>
+        <p:cNvPr id="1" name=""/>
+        <p:cNvGrpSpPr/>
+        <p:nvPr/>
+      </p:nvGrpSpPr>
+      <p:grpSpPr>
+        <a:xfrm>
+          <a:off x="0" y="0"/>
+          <a:ext cx="0" cy="0"/>
+          <a:chOff x="0" y="0"/>
+          <a:chExt cx="0" cy="0"/>
+        </a:xfrm>
+      </p:grpSpPr>
+      <p:sp>
+        <p:nvSpPr>
+          <p:cNvPr id="4" name="Title 3"/>
+          <p:cNvSpPr>
+            <a:spLocks noGrp="1"/>
+          </p:cNvSpPr>
+          <p:nvPr>
+            <p:ph type="title"/>
+          </p:nvPr>
+        </p:nvSpPr>
+        <p:spPr/>
+        <p:txBody>
+          <a:bodyPr/>
+          <a:lstStyle/>
+          <a:p>
+            <a:r>
+              <a:rPr lang="en-US" b="1" dirty="0"/>
+              <a:t>Porting your OpenGL ES 2.0 Game to Windows 10 using ANGLE</a:t>
+            </a:r>
+          </a:p>
+        </p:txBody>
+      </p:sp>
+      <p:sp>
+        <p:nvSpPr>
+          <p:cNvPr id="5" name="Text Placeholder 4"/>
+          <p:cNvSpPr>
+            <a:spLocks noGrp="1"/>
+          </p:cNvSpPr>
+          <p:nvPr>
+            <p:ph type="body" sz="quarter" idx="12"/>
+          </p:nvPr>
+        </p:nvSpPr>
+        <p:spPr/>
+        <p:txBody>
+          <a:bodyPr/>
+          <a:lstStyle/>
+          <a:p>
+            <a:r>
+              <a:rPr lang="en-US" dirty="0"/>
+              <a:t>Dale Stammen</a:t>
+            </a:r>
+          </a:p>
+          <a:p>
+            <a:r>
+              <a:rPr lang="en-US" dirty="0"/>
+              <a:t>Senior Software Engineer</a:t>
+            </a:r>
+          </a:p>
+          <a:p>
+            <a:r>
+              <a:rPr lang="en-US" dirty="0"/>
+              <a:t>dalestam@microsoft.com</a:t>
+            </a:r>
+          </a:p>
+        </p:txBody>
+      </p:sp>
+      <p:sp>
+        <p:nvSpPr>
+          <p:cNvPr id="6" name="Text Placeholder 5"/>
+          <p:cNvSpPr>
+            <a:spLocks noGrp="1"/>
+          </p:cNvSpPr>
+          <p:nvPr>
+            <p:ph type="body" sz="quarter" idx="13"/>
+          </p:nvPr>
+        </p:nvSpPr>
+        <p:spPr>
+          <a:xfrm>
+            <a:off x="8504238" y="307621"/>
+            <a:ext cx="3656013" cy="572464"/>
+          </a:xfrm>
+        </p:spPr>
+        <p:txBody>
+          <a:bodyPr/>
+          <a:lstStyle/>
+          <a:p>
+            <a:r>
+              <a:rPr lang="en-US" b="1" dirty="0"/>
+              <a:t>L709</a:t>
+            </a:r>
+            <a:endParaRPr lang="en-US" dirty="0"/>
+          </a:p>
+        </p:txBody>
+      </p:sp>
+    </p:spTree>
+    <p:extLst>
+      <p:ext uri="{BB962C8B-B14F-4D97-AF65-F5344CB8AC3E}">
+        <p14:creationId xmlns:p14="http://schemas.microsoft.com/office/powerpoint/2010/main" val="2666902894"/>
+      </p:ext>
+    </p:extLst>
+  </p:cSld>
+  <p:clrMapOvr>
+    <a:masterClrMapping/>
+  </p:clrMapOvr>
+  <mc:AlternateContent xmlns:mc="http://schemas.openxmlformats.org/markup-compatibility/2006" xmlns:p14="http://schemas.microsoft.com/office/powerpoint/2010/main">
+    <mc:Choice Requires="p14">
+      <p:transition spd="med" p14:dur="700">
+        <p:fade/>
+      </p:transition>
+    </mc:Choice>
+    <mc:Fallback xmlns="">
+      <p:transition spd="med">
+        <p:fade/>
+      </p:transition>
+    </mc:Fallback>
+  </mc:AlternateContent>
+</p:sld>
+</file>
+
+<file path=ppt/slides/slide20.xml><?xml version="1.0" encoding="utf-8"?>
+<p:sld xmlns:a="http://schemas.openxmlformats.org/drawingml/2006/main" xmlns:r="http://schemas.openxmlformats.org/officeDocument/2006/relationships" xmlns:p="http://schemas.openxmlformats.org/presentationml/2006/main">
+  <p:cSld>
+    <p:spTree>
+      <p:nvGrpSpPr>
+        <p:cNvPr id="1" name=""/>
+        <p:cNvGrpSpPr/>
+        <p:nvPr/>
+      </p:nvGrpSpPr>
+      <p:grpSpPr>
+        <a:xfrm>
+          <a:off x="0" y="0"/>
+          <a:ext cx="0" cy="0"/>
+          <a:chOff x="0" y="0"/>
+          <a:chExt cx="0" cy="0"/>
+        </a:xfrm>
+      </p:grpSpPr>
+      <p:sp>
+        <p:nvSpPr>
+          <p:cNvPr id="5" name="Text Placeholder 4"/>
+          <p:cNvSpPr>
+            <a:spLocks noGrp="1"/>
+          </p:cNvSpPr>
+          <p:nvPr>
+            <p:ph type="body" sz="quarter" idx="10"/>
+          </p:nvPr>
+        </p:nvSpPr>
+        <p:spPr>
+          <a:xfrm>
+            <a:off x="274638" y="1212850"/>
+            <a:ext cx="11887200" cy="4838248"/>
+          </a:xfrm>
+        </p:spPr>
+        <p:txBody>
+          <a:bodyPr/>
+          <a:lstStyle/>
+          <a:p>
+            <a:pPr marL="0" indent="0">
+              <a:buNone/>
+            </a:pPr>
+            <a:endParaRPr lang="en-US" sz="2800" dirty="0"/>
+          </a:p>
+          <a:p>
+            <a:pPr marL="0" indent="0">
+              <a:buNone/>
+            </a:pPr>
+            <a:r>
+              <a:rPr lang="en-US" sz="2800" dirty="0"/>
+              <a:t>ANGLE: </a:t>
+            </a:r>
+            <a:r>
+              <a:rPr lang="en-US" sz="2800" dirty="0">
+                <a:hlinkClick r:id="rId2"/>
+              </a:rPr>
+              <a:t>https://github.com/MSOpenTech/angle</a:t>
+            </a:r>
+            <a:r>
+              <a:rPr lang="en-US" sz="2800" dirty="0"/>
+              <a:t> </a:t>
+            </a:r>
+          </a:p>
+          <a:p>
+            <a:pPr marL="0" indent="0">
+              <a:buNone/>
+            </a:pPr>
+            <a:endParaRPr lang="en-US" sz="2800" dirty="0"/>
+          </a:p>
+          <a:p>
+            <a:pPr marL="0" indent="0">
+              <a:buNone/>
+            </a:pPr>
+            <a:r>
+              <a:rPr lang="en-US" sz="2800" dirty="0"/>
+              <a:t>Wiki: 	</a:t>
+            </a:r>
+            <a:r>
+              <a:rPr lang="en-US" sz="2800" dirty="0">
+                <a:hlinkClick r:id="rId3"/>
+              </a:rPr>
+              <a:t>https://github.com/MSOpenTech/angle/wiki</a:t>
+            </a:r>
+            <a:endParaRPr lang="en-US" sz="2800" dirty="0"/>
+          </a:p>
+          <a:p>
+            <a:pPr marL="0" indent="0">
+              <a:buNone/>
+            </a:pPr>
+            <a:endParaRPr lang="en-US" sz="2800" dirty="0"/>
+          </a:p>
+          <a:p>
+            <a:pPr marL="0" lvl="0" indent="0">
+              <a:buNone/>
+            </a:pPr>
+            <a:r>
+              <a:rPr lang="en-US" sz="2800" dirty="0"/>
+              <a:t>Lab: </a:t>
+            </a:r>
+            <a:r>
+              <a:rPr lang="en-US" sz="2800" dirty="0">
+                <a:hlinkClick r:id="rId4"/>
+              </a:rPr>
+              <a:t>https://github.com/Microsoft-Build-2016/CodeLabs-GameDev-3-ANGLE</a:t>
+            </a:r>
+            <a:endParaRPr lang="en-US" sz="2800" dirty="0"/>
+          </a:p>
+          <a:p>
+            <a:pPr marL="0" lvl="0" indent="0">
+              <a:buNone/>
+            </a:pPr>
+            <a:endParaRPr lang="en-US" sz="2800" dirty="0"/>
+          </a:p>
+          <a:p>
+            <a:pPr marL="0" lvl="0" indent="0">
+              <a:buNone/>
+            </a:pPr>
+            <a:r>
+              <a:rPr lang="en-US" sz="2800" dirty="0"/>
+              <a:t>Breakout Tutorial: </a:t>
+            </a:r>
+            <a:r>
+              <a:rPr lang="en-US" sz="2800" dirty="0">
+                <a:hlinkClick r:id="rId5"/>
+              </a:rPr>
+              <a:t>http://learnopengl.com/#!In-Practice/2D-Game/Breakout</a:t>
+            </a:r>
+            <a:endParaRPr lang="en-US" sz="2800" dirty="0"/>
+          </a:p>
+          <a:p>
+            <a:pPr marL="0" lvl="0" indent="0">
+              <a:buNone/>
+            </a:pPr>
+            <a:endParaRPr lang="en-US" sz="2800" dirty="0"/>
+          </a:p>
+          <a:p>
+            <a:pPr marL="0" lvl="0" indent="0">
+              <a:buNone/>
+            </a:pPr>
+            <a:r>
+              <a:rPr lang="en-US" sz="2800" dirty="0" err="1"/>
+              <a:t>Khronos</a:t>
+            </a:r>
+            <a:r>
+              <a:rPr lang="en-US" sz="2800" dirty="0"/>
+              <a:t>: </a:t>
+            </a:r>
+            <a:r>
+              <a:rPr lang="en-US" sz="2800" dirty="0">
+                <a:hlinkClick r:id="rId6"/>
+              </a:rPr>
+              <a:t>OpenGL ES 2.0</a:t>
+            </a:r>
+            <a:r>
+              <a:rPr lang="en-US" sz="2800" dirty="0"/>
+              <a:t> and </a:t>
+            </a:r>
+            <a:r>
+              <a:rPr lang="en-US" sz="2800" dirty="0">
+                <a:hlinkClick r:id="rId7"/>
+              </a:rPr>
+              <a:t>EGL 1.4</a:t>
+            </a:r>
+            <a:r>
+              <a:rPr lang="en-US" sz="2800" dirty="0"/>
+              <a:t> APIs</a:t>
+            </a:r>
+          </a:p>
+        </p:txBody>
+      </p:sp>
+      <p:sp>
+        <p:nvSpPr>
+          <p:cNvPr id="2" name="Title 1"/>
+          <p:cNvSpPr>
+            <a:spLocks noGrp="1"/>
+          </p:cNvSpPr>
+          <p:nvPr>
+            <p:ph type="title"/>
+          </p:nvPr>
+        </p:nvSpPr>
+        <p:spPr/>
+        <p:txBody>
+          <a:bodyPr/>
+          <a:lstStyle/>
+          <a:p>
+            <a:r>
+              <a:rPr lang="en-US" dirty="0"/>
+              <a:t>For more information:</a:t>
+            </a:r>
+          </a:p>
+        </p:txBody>
+      </p:sp>
+    </p:spTree>
+    <p:extLst>
+      <p:ext uri="{BB962C8B-B14F-4D97-AF65-F5344CB8AC3E}">
+        <p14:creationId xmlns:p14="http://schemas.microsoft.com/office/powerpoint/2010/main" val="4129826664"/>
+      </p:ext>
+    </p:extLst>
+  </p:cSld>
+  <p:clrMapOvr>
+    <a:masterClrMapping/>
+  </p:clrMapOvr>
+  <mc:AlternateContent xmlns:mc="http://schemas.openxmlformats.org/markup-compatibility/2006" xmlns:p14="http://schemas.microsoft.com/office/powerpoint/2010/main">
+    <mc:Choice Requires="p14">
+      <p:transition spd="med" p14:dur="700">
+        <p:fade/>
+      </p:transition>
+    </mc:Choice>
+    <mc:Fallback xmlns="">
+      <p:transition spd="med">
+        <p:fade/>
+      </p:transition>
+    </mc:Fallback>
+  </mc:AlternateContent>
+</p:sld>
+</file>
+
+<file path=ppt/slides/slide21.xml><?xml version="1.0" encoding="utf-8"?>
+<p:sld xmlns:a="http://schemas.openxmlformats.org/drawingml/2006/main" xmlns:r="http://schemas.openxmlformats.org/officeDocument/2006/relationships" xmlns:p="http://schemas.openxmlformats.org/presentationml/2006/main">
+  <p:cSld>
+    <p:spTree>
+      <p:nvGrpSpPr>
+        <p:cNvPr id="1" name=""/>
+        <p:cNvGrpSpPr/>
+        <p:nvPr/>
+      </p:nvGrpSpPr>
+      <p:grpSpPr>
+        <a:xfrm>
+          <a:off x="0" y="0"/>
+          <a:ext cx="0" cy="0"/>
+          <a:chOff x="0" y="0"/>
+          <a:chExt cx="0" cy="0"/>
+        </a:xfrm>
+      </p:grpSpPr>
+      <p:sp>
+        <p:nvSpPr>
+          <p:cNvPr id="5" name="Text Placeholder 4"/>
+          <p:cNvSpPr>
+            <a:spLocks noGrp="1"/>
+          </p:cNvSpPr>
+          <p:nvPr>
+            <p:ph type="body" sz="quarter" idx="10"/>
+          </p:nvPr>
+        </p:nvSpPr>
+        <p:spPr>
+          <a:xfrm>
+            <a:off x="274638" y="1212850"/>
+            <a:ext cx="11887200" cy="2468368"/>
+          </a:xfrm>
+        </p:spPr>
+        <p:txBody>
+          <a:bodyPr/>
+          <a:lstStyle/>
+          <a:p>
+            <a:pPr marL="0" indent="0">
+              <a:buNone/>
+            </a:pPr>
+            <a:endParaRPr lang="en-US" sz="2800" dirty="0"/>
+          </a:p>
+          <a:p>
+            <a:pPr marL="0" indent="0">
+              <a:buNone/>
+            </a:pPr>
+            <a:r>
+              <a:rPr lang="en-US" sz="2800" dirty="0">
+                <a:hlinkClick r:id="rId2"/>
+              </a:rPr>
+              <a:t>https://github.com/MSOpenTech/angle/issues</a:t>
+            </a:r>
+            <a:endParaRPr lang="en-US" sz="2800" dirty="0"/>
+          </a:p>
+          <a:p>
+            <a:pPr marL="0" indent="0">
+              <a:buNone/>
+            </a:pPr>
+            <a:endParaRPr lang="en-US" sz="2800" dirty="0"/>
+          </a:p>
+          <a:p>
+            <a:pPr marL="0" indent="0">
+              <a:buNone/>
+            </a:pPr>
+            <a:r>
+              <a:rPr lang="en-US" sz="2800" dirty="0"/>
+              <a:t>Be prepared to provide a code sample of the issue.</a:t>
+            </a:r>
+          </a:p>
+          <a:p>
+            <a:pPr marL="0" indent="0">
+              <a:buNone/>
+            </a:pPr>
+            <a:endParaRPr lang="en-US" sz="2800" dirty="0"/>
+          </a:p>
+        </p:txBody>
+      </p:sp>
+      <p:sp>
+        <p:nvSpPr>
+          <p:cNvPr id="2" name="Title 1"/>
+          <p:cNvSpPr>
+            <a:spLocks noGrp="1"/>
+          </p:cNvSpPr>
+          <p:nvPr>
+            <p:ph type="title"/>
+          </p:nvPr>
+        </p:nvSpPr>
+        <p:spPr/>
+        <p:txBody>
+          <a:bodyPr/>
+          <a:lstStyle/>
+          <a:p>
+            <a:r>
+              <a:rPr lang="en-US" dirty="0"/>
+              <a:t>Issues</a:t>
+            </a:r>
+          </a:p>
+        </p:txBody>
+      </p:sp>
+    </p:spTree>
+    <p:extLst>
+      <p:ext uri="{BB962C8B-B14F-4D97-AF65-F5344CB8AC3E}">
+        <p14:creationId xmlns:p14="http://schemas.microsoft.com/office/powerpoint/2010/main" val="2704901849"/>
+      </p:ext>
+    </p:extLst>
+  </p:cSld>
+  <p:clrMapOvr>
+    <a:masterClrMapping/>
+  </p:clrMapOvr>
+  <mc:AlternateContent xmlns:mc="http://schemas.openxmlformats.org/markup-compatibility/2006" xmlns:p14="http://schemas.microsoft.com/office/powerpoint/2010/main">
+    <mc:Choice Requires="p14">
+      <p:transition spd="med" p14:dur="700">
+        <p:fade/>
+      </p:transition>
+    </mc:Choice>
+    <mc:Fallback xmlns="">
+      <p:transition spd="med">
+        <p:fade/>
+      </p:transition>
+    </mc:Fallback>
+  </mc:AlternateContent>
+</p:sld>
+</file>
+
+<file path=ppt/slides/slide22.xml><?xml version="1.0" encoding="utf-8"?>
+<p:sld xmlns:a="http://schemas.openxmlformats.org/drawingml/2006/main" xmlns:r="http://schemas.openxmlformats.org/officeDocument/2006/relationships" xmlns:p="http://schemas.openxmlformats.org/presentationml/2006/main">
+  <p:cSld>
+    <p:spTree>
+      <p:nvGrpSpPr>
+        <p:cNvPr id="1" name=""/>
+        <p:cNvGrpSpPr/>
+        <p:nvPr/>
+      </p:nvGrpSpPr>
+      <p:grpSpPr>
+        <a:xfrm>
+          <a:off x="0" y="0"/>
+          <a:ext cx="0" cy="0"/>
+          <a:chOff x="0" y="0"/>
+          <a:chExt cx="0" cy="0"/>
+        </a:xfrm>
+      </p:grpSpPr>
+      <p:sp>
+        <p:nvSpPr>
+          <p:cNvPr id="71" name="Rectangle 70"/>
+          <p:cNvSpPr/>
+          <p:nvPr/>
+        </p:nvSpPr>
+        <p:spPr bwMode="auto">
+          <a:xfrm>
+            <a:off x="882" y="1547274"/>
+            <a:ext cx="12434711" cy="5298882"/>
+          </a:xfrm>
+          <a:prstGeom prst="rect">
+            <a:avLst/>
+          </a:prstGeom>
+          <a:solidFill>
+            <a:schemeClr val="bg1"/>
+          </a:solidFill>
+          <a:ln>
+            <a:noFill/>
+            <a:headEnd type="none" w="med" len="med"/>
+            <a:tailEnd type="none" w="med" len="med"/>
+          </a:ln>
+        </p:spPr>
+        <p:style>
+          <a:lnRef idx="2">
+            <a:schemeClr val="accent1">
+              <a:shade val="50000"/>
+            </a:schemeClr>
+          </a:lnRef>
+          <a:fillRef idx="1">
+            <a:schemeClr val="accent1"/>
+          </a:fillRef>
+          <a:effectRef idx="0">
+            <a:schemeClr val="accent1"/>
+          </a:effectRef>
+          <a:fontRef idx="minor">
+            <a:schemeClr val="lt1"/>
+          </a:fontRef>
+        </p:style>
+        <p:txBody>
+          <a:bodyPr vert="horz" wrap="square" lIns="0" tIns="47565" rIns="0" bIns="47565" numCol="1" rtlCol="0" anchor="ctr" anchorCtr="0" compatLnSpc="1">
+            <a:prstTxWarp prst="textNoShape">
+              <a:avLst/>
+            </a:prstTxWarp>
+          </a:bodyPr>
+          <a:lstStyle/>
+          <a:p>
+            <a:pPr algn="ctr" defTabSz="951028" fontAlgn="base">
+              <a:spcBef>
+                <a:spcPct val="0"/>
+              </a:spcBef>
+              <a:spcAft>
+                <a:spcPct val="0"/>
+              </a:spcAft>
+              <a:defRPr/>
+            </a:pPr>
+            <a:endParaRPr lang="en-US" sz="2040" dirty="0">
+              <a:gradFill>
+                <a:gsLst>
+                  <a:gs pos="0">
+                    <a:srgbClr val="FFFFFF"/>
+                  </a:gs>
+                  <a:gs pos="100000">
+                    <a:srgbClr val="FFFFFF"/>
+                  </a:gs>
+                </a:gsLst>
+                <a:lin ang="5400000" scaled="0"/>
+              </a:gradFill>
+              <a:latin typeface="Segoe UI"/>
+            </a:endParaRPr>
+          </a:p>
+        </p:txBody>
+      </p:sp>
+      <p:sp>
+        <p:nvSpPr>
+          <p:cNvPr id="2" name="Title 1"/>
+          <p:cNvSpPr>
+            <a:spLocks noGrp="1"/>
+          </p:cNvSpPr>
+          <p:nvPr>
+            <p:ph type="title"/>
+          </p:nvPr>
+        </p:nvSpPr>
+        <p:spPr/>
+        <p:txBody>
+          <a:bodyPr/>
+          <a:lstStyle/>
+          <a:p>
+            <a:r>
+              <a:rPr lang="en-US" dirty="0"/>
+              <a:t>Build Game Labs</a:t>
+            </a:r>
+          </a:p>
+        </p:txBody>
+      </p:sp>
+      <p:sp>
+        <p:nvSpPr>
+          <p:cNvPr id="5" name="Text Placeholder 6"/>
+          <p:cNvSpPr txBox="1">
+            <a:spLocks/>
+          </p:cNvSpPr>
+          <p:nvPr/>
+        </p:nvSpPr>
+        <p:spPr>
+          <a:xfrm>
+            <a:off x="365760" y="1792347"/>
+            <a:ext cx="11704320" cy="4524315"/>
+          </a:xfrm>
+          <a:prstGeom prst="rect">
+            <a:avLst/>
+          </a:prstGeom>
+        </p:spPr>
+        <p:txBody>
+          <a:bodyPr/>
+          <a:lstStyle>
+            <a:lvl1pPr marL="342834" marR="0" indent="-342834" algn="l" defTabSz="932563" rtl="0" eaLnBrk="1" fontAlgn="auto" latinLnBrk="0" hangingPunct="1">
+              <a:lnSpc>
+                <a:spcPct val="90000"/>
+              </a:lnSpc>
+              <a:spcBef>
+                <a:spcPct val="20000"/>
+              </a:spcBef>
+              <a:spcAft>
+                <a:spcPts val="0"/>
+              </a:spcAft>
+              <a:buClrTx/>
+              <a:buSzPct val="90000"/>
+              <a:buFont typeface="Arial" pitchFamily="34" charset="0"/>
+              <a:buChar char="•"/>
+              <a:tabLst/>
+              <a:defRPr sz="3999" kern="1200" spc="0" baseline="0">
+                <a:gradFill>
+                  <a:gsLst>
+                    <a:gs pos="1250">
+                      <a:schemeClr val="tx1"/>
+                    </a:gs>
+                    <a:gs pos="100000">
+                      <a:schemeClr val="tx1"/>
+                    </a:gs>
+                  </a:gsLst>
+                  <a:lin ang="5400000" scaled="0"/>
+                </a:gradFill>
+                <a:latin typeface="+mj-lt"/>
+                <a:ea typeface="+mn-ea"/>
+                <a:cs typeface="+mn-cs"/>
+              </a:defRPr>
+            </a:lvl1pPr>
+            <a:lvl2pPr marL="584088" marR="0" indent="-241253" algn="l" defTabSz="932563" rtl="0" eaLnBrk="1" fontAlgn="auto" latinLnBrk="0" hangingPunct="1">
+              <a:lnSpc>
+                <a:spcPct val="90000"/>
+              </a:lnSpc>
+              <a:spcBef>
+                <a:spcPct val="20000"/>
+              </a:spcBef>
+              <a:spcAft>
+                <a:spcPts val="0"/>
+              </a:spcAft>
+              <a:buClrTx/>
+              <a:buSzPct val="90000"/>
+              <a:buFont typeface="Arial" pitchFamily="34" charset="0"/>
+              <a:buChar char="•"/>
+              <a:tabLst/>
+              <a:defRPr sz="2400" kern="1200" spc="0" baseline="0">
+                <a:gradFill>
+                  <a:gsLst>
+                    <a:gs pos="1250">
+                      <a:schemeClr val="tx1"/>
+                    </a:gs>
+                    <a:gs pos="100000">
+                      <a:schemeClr val="tx1"/>
+                    </a:gs>
+                  </a:gsLst>
+                  <a:lin ang="5400000" scaled="0"/>
+                </a:gradFill>
+                <a:latin typeface="+mn-lt"/>
+                <a:ea typeface="+mn-ea"/>
+                <a:cs typeface="+mn-cs"/>
+              </a:defRPr>
+            </a:lvl2pPr>
+            <a:lvl3pPr marL="799946" marR="0" indent="-228557" algn="l" defTabSz="932563" rtl="0" eaLnBrk="1" fontAlgn="auto" latinLnBrk="0" hangingPunct="1">
+              <a:lnSpc>
+                <a:spcPct val="90000"/>
+              </a:lnSpc>
+              <a:spcBef>
+                <a:spcPct val="20000"/>
+              </a:spcBef>
+              <a:spcAft>
+                <a:spcPts val="0"/>
+              </a:spcAft>
+              <a:buClrTx/>
+              <a:buSzPct val="90000"/>
+              <a:buFont typeface="Arial" pitchFamily="34" charset="0"/>
+              <a:buChar char="•"/>
+              <a:tabLst/>
+              <a:defRPr sz="2000" kern="1200" spc="0" baseline="0">
+                <a:gradFill>
+                  <a:gsLst>
+                    <a:gs pos="1250">
+                      <a:schemeClr val="tx1"/>
+                    </a:gs>
+                    <a:gs pos="100000">
+                      <a:schemeClr val="tx1"/>
+                    </a:gs>
+                  </a:gsLst>
+                  <a:lin ang="5400000" scaled="0"/>
+                </a:gradFill>
+                <a:latin typeface="+mn-lt"/>
+                <a:ea typeface="+mn-ea"/>
+                <a:cs typeface="+mn-cs"/>
+              </a:defRPr>
+            </a:lvl3pPr>
+            <a:lvl4pPr marL="1028503" marR="0" indent="-228557" algn="l" defTabSz="932563" rtl="0" eaLnBrk="1" fontAlgn="auto" latinLnBrk="0" hangingPunct="1">
+              <a:lnSpc>
+                <a:spcPct val="90000"/>
+              </a:lnSpc>
+              <a:spcBef>
+                <a:spcPct val="20000"/>
+              </a:spcBef>
+              <a:spcAft>
+                <a:spcPts val="0"/>
+              </a:spcAft>
+              <a:buClrTx/>
+              <a:buSzPct val="90000"/>
+              <a:buFont typeface="Arial" pitchFamily="34" charset="0"/>
+              <a:buChar char="•"/>
+              <a:tabLst/>
+              <a:defRPr sz="1800" kern="1200" spc="0" baseline="0">
+                <a:gradFill>
+                  <a:gsLst>
+                    <a:gs pos="1250">
+                      <a:schemeClr val="tx1"/>
+                    </a:gs>
+                    <a:gs pos="100000">
+                      <a:schemeClr val="tx1"/>
+                    </a:gs>
+                  </a:gsLst>
+                  <a:lin ang="5400000" scaled="0"/>
+                </a:gradFill>
+                <a:latin typeface="+mn-lt"/>
+                <a:ea typeface="+mn-ea"/>
+                <a:cs typeface="+mn-cs"/>
+              </a:defRPr>
+            </a:lvl4pPr>
+            <a:lvl5pPr marL="1257058" marR="0" indent="-228557" algn="l" defTabSz="932563" rtl="0" eaLnBrk="1" fontAlgn="auto" latinLnBrk="0" hangingPunct="1">
+              <a:lnSpc>
+                <a:spcPct val="90000"/>
+              </a:lnSpc>
+              <a:spcBef>
+                <a:spcPct val="20000"/>
+              </a:spcBef>
+              <a:spcAft>
+                <a:spcPts val="0"/>
+              </a:spcAft>
+              <a:buClrTx/>
+              <a:buSzPct val="90000"/>
+              <a:buFont typeface="Arial" pitchFamily="34" charset="0"/>
+              <a:buChar char="•"/>
+              <a:tabLst/>
+              <a:defRPr sz="1800" kern="1200" spc="0" baseline="0">
+                <a:gradFill>
+                  <a:gsLst>
+                    <a:gs pos="1250">
+                      <a:schemeClr val="tx1"/>
+                    </a:gs>
+                    <a:gs pos="100000">
+                      <a:schemeClr val="tx1"/>
+                    </a:gs>
+                  </a:gsLst>
+                  <a:lin ang="5400000" scaled="0"/>
+                </a:gradFill>
+                <a:latin typeface="+mn-lt"/>
+                <a:ea typeface="+mn-ea"/>
+                <a:cs typeface="+mn-cs"/>
+              </a:defRPr>
+            </a:lvl5pPr>
+            <a:lvl6pPr marL="2564548" indent="-233141" algn="l" defTabSz="932563" rtl="0" eaLnBrk="1" latinLnBrk="0" hangingPunct="1">
+              <a:spcBef>
+                <a:spcPct val="20000"/>
+              </a:spcBef>
+              <a:buFont typeface="Arial" pitchFamily="34" charset="0"/>
+              <a:buChar char="•"/>
+              <a:defRPr sz="2000" kern="1200">
+                <a:solidFill>
+                  <a:schemeClr val="tx1"/>
+                </a:solidFill>
+                <a:latin typeface="+mn-lt"/>
+                <a:ea typeface="+mn-ea"/>
+                <a:cs typeface="+mn-cs"/>
+              </a:defRPr>
+            </a:lvl6pPr>
+            <a:lvl7pPr marL="3030830" indent="-233141" algn="l" defTabSz="932563" rtl="0" eaLnBrk="1" latinLnBrk="0" hangingPunct="1">
+              <a:spcBef>
+                <a:spcPct val="20000"/>
+              </a:spcBef>
+              <a:buFont typeface="Arial" pitchFamily="34" charset="0"/>
+              <a:buChar char="•"/>
+              <a:defRPr sz="2000" kern="1200">
+                <a:solidFill>
+                  <a:schemeClr val="tx1"/>
+                </a:solidFill>
+                <a:latin typeface="+mn-lt"/>
+                <a:ea typeface="+mn-ea"/>
+                <a:cs typeface="+mn-cs"/>
+              </a:defRPr>
+            </a:lvl7pPr>
+            <a:lvl8pPr marL="3497112" indent="-233141" algn="l" defTabSz="932563" rtl="0" eaLnBrk="1" latinLnBrk="0" hangingPunct="1">
+              <a:spcBef>
+                <a:spcPct val="20000"/>
+              </a:spcBef>
+              <a:buFont typeface="Arial" pitchFamily="34" charset="0"/>
+              <a:buChar char="•"/>
+              <a:defRPr sz="2000" kern="1200">
+                <a:solidFill>
+                  <a:schemeClr val="tx1"/>
+                </a:solidFill>
+                <a:latin typeface="+mn-lt"/>
+                <a:ea typeface="+mn-ea"/>
+                <a:cs typeface="+mn-cs"/>
+              </a:defRPr>
+            </a:lvl8pPr>
+            <a:lvl9pPr marL="3963394" indent="-233141" algn="l" defTabSz="932563" rtl="0" eaLnBrk="1" latinLnBrk="0" hangingPunct="1">
+              <a:spcBef>
+                <a:spcPct val="20000"/>
+              </a:spcBef>
+              <a:buFont typeface="Arial" pitchFamily="34" charset="0"/>
+              <a:buChar char="•"/>
+              <a:defRPr sz="2000" kern="1200">
+                <a:solidFill>
+                  <a:schemeClr val="tx1"/>
+                </a:solidFill>
+                <a:latin typeface="+mn-lt"/>
+                <a:ea typeface="+mn-ea"/>
+                <a:cs typeface="+mn-cs"/>
+              </a:defRPr>
+            </a:lvl9pPr>
+          </a:lstStyle>
+          <a:p>
+            <a:pPr marL="0" indent="0">
+              <a:buNone/>
+            </a:pPr>
+            <a:r>
+              <a:rPr lang="en-US" sz="3200" dirty="0"/>
+              <a:t> </a:t>
+            </a:r>
+          </a:p>
+        </p:txBody>
+      </p:sp>
+      <p:sp>
+        <p:nvSpPr>
+          <p:cNvPr id="6" name="Text Placeholder 6"/>
+          <p:cNvSpPr txBox="1">
+            <a:spLocks/>
+          </p:cNvSpPr>
+          <p:nvPr/>
+        </p:nvSpPr>
+        <p:spPr>
+          <a:xfrm>
+            <a:off x="518160" y="1944747"/>
+            <a:ext cx="11704320" cy="4524315"/>
+          </a:xfrm>
+          <a:prstGeom prst="rect">
+            <a:avLst/>
+          </a:prstGeom>
+        </p:spPr>
+        <p:txBody>
+          <a:bodyPr/>
+          <a:lstStyle>
+            <a:lvl1pPr marL="342834" marR="0" indent="-342834" algn="l" defTabSz="932563" rtl="0" eaLnBrk="1" fontAlgn="auto" latinLnBrk="0" hangingPunct="1">
+              <a:lnSpc>
+                <a:spcPct val="90000"/>
+              </a:lnSpc>
+              <a:spcBef>
+                <a:spcPct val="20000"/>
+              </a:spcBef>
+              <a:spcAft>
+                <a:spcPts val="0"/>
+              </a:spcAft>
+              <a:buClrTx/>
+              <a:buSzPct val="90000"/>
+              <a:buFont typeface="Arial" pitchFamily="34" charset="0"/>
+              <a:buChar char="•"/>
+              <a:tabLst/>
+              <a:defRPr sz="3999" kern="1200" spc="0" baseline="0">
+                <a:gradFill>
+                  <a:gsLst>
+                    <a:gs pos="1250">
+                      <a:schemeClr val="tx1"/>
+                    </a:gs>
+                    <a:gs pos="100000">
+                      <a:schemeClr val="tx1"/>
+                    </a:gs>
+                  </a:gsLst>
+                  <a:lin ang="5400000" scaled="0"/>
+                </a:gradFill>
+                <a:latin typeface="+mj-lt"/>
+                <a:ea typeface="+mn-ea"/>
+                <a:cs typeface="+mn-cs"/>
+              </a:defRPr>
+            </a:lvl1pPr>
+            <a:lvl2pPr marL="584088" marR="0" indent="-241253" algn="l" defTabSz="932563" rtl="0" eaLnBrk="1" fontAlgn="auto" latinLnBrk="0" hangingPunct="1">
+              <a:lnSpc>
+                <a:spcPct val="90000"/>
+              </a:lnSpc>
+              <a:spcBef>
+                <a:spcPct val="20000"/>
+              </a:spcBef>
+              <a:spcAft>
+                <a:spcPts val="0"/>
+              </a:spcAft>
+              <a:buClrTx/>
+              <a:buSzPct val="90000"/>
+              <a:buFont typeface="Arial" pitchFamily="34" charset="0"/>
+              <a:buChar char="•"/>
+              <a:tabLst/>
+              <a:defRPr sz="2400" kern="1200" spc="0" baseline="0">
+                <a:gradFill>
+                  <a:gsLst>
+                    <a:gs pos="1250">
+                      <a:schemeClr val="tx1"/>
+                    </a:gs>
+                    <a:gs pos="100000">
+                      <a:schemeClr val="tx1"/>
+                    </a:gs>
+                  </a:gsLst>
+                  <a:lin ang="5400000" scaled="0"/>
+                </a:gradFill>
+                <a:latin typeface="+mn-lt"/>
+                <a:ea typeface="+mn-ea"/>
+                <a:cs typeface="+mn-cs"/>
+              </a:defRPr>
+            </a:lvl2pPr>
+            <a:lvl3pPr marL="799946" marR="0" indent="-228557" algn="l" defTabSz="932563" rtl="0" eaLnBrk="1" fontAlgn="auto" latinLnBrk="0" hangingPunct="1">
+              <a:lnSpc>
+                <a:spcPct val="90000"/>
+              </a:lnSpc>
+              <a:spcBef>
+                <a:spcPct val="20000"/>
+              </a:spcBef>
+              <a:spcAft>
+                <a:spcPts val="0"/>
+              </a:spcAft>
+              <a:buClrTx/>
+              <a:buSzPct val="90000"/>
+              <a:buFont typeface="Arial" pitchFamily="34" charset="0"/>
+              <a:buChar char="•"/>
+              <a:tabLst/>
+              <a:defRPr sz="2000" kern="1200" spc="0" baseline="0">
+                <a:gradFill>
+                  <a:gsLst>
+                    <a:gs pos="1250">
+                      <a:schemeClr val="tx1"/>
+                    </a:gs>
+                    <a:gs pos="100000">
+                      <a:schemeClr val="tx1"/>
+                    </a:gs>
+                  </a:gsLst>
+                  <a:lin ang="5400000" scaled="0"/>
+                </a:gradFill>
+                <a:latin typeface="+mn-lt"/>
+                <a:ea typeface="+mn-ea"/>
+                <a:cs typeface="+mn-cs"/>
+              </a:defRPr>
+            </a:lvl3pPr>
+            <a:lvl4pPr marL="1028503" marR="0" indent="-228557" algn="l" defTabSz="932563" rtl="0" eaLnBrk="1" fontAlgn="auto" latinLnBrk="0" hangingPunct="1">
+              <a:lnSpc>
+                <a:spcPct val="90000"/>
+              </a:lnSpc>
+              <a:spcBef>
+                <a:spcPct val="20000"/>
+              </a:spcBef>
+              <a:spcAft>
+                <a:spcPts val="0"/>
+              </a:spcAft>
+              <a:buClrTx/>
+              <a:buSzPct val="90000"/>
+              <a:buFont typeface="Arial" pitchFamily="34" charset="0"/>
+              <a:buChar char="•"/>
+              <a:tabLst/>
+              <a:defRPr sz="1800" kern="1200" spc="0" baseline="0">
+                <a:gradFill>
+                  <a:gsLst>
+                    <a:gs pos="1250">
+                      <a:schemeClr val="tx1"/>
+                    </a:gs>
+                    <a:gs pos="100000">
+                      <a:schemeClr val="tx1"/>
+                    </a:gs>
+                  </a:gsLst>
+                  <a:lin ang="5400000" scaled="0"/>
+                </a:gradFill>
+                <a:latin typeface="+mn-lt"/>
+                <a:ea typeface="+mn-ea"/>
+                <a:cs typeface="+mn-cs"/>
+              </a:defRPr>
+            </a:lvl4pPr>
+            <a:lvl5pPr marL="1257058" marR="0" indent="-228557" algn="l" defTabSz="932563" rtl="0" eaLnBrk="1" fontAlgn="auto" latinLnBrk="0" hangingPunct="1">
+              <a:lnSpc>
+                <a:spcPct val="90000"/>
+              </a:lnSpc>
+              <a:spcBef>
+                <a:spcPct val="20000"/>
+              </a:spcBef>
+              <a:spcAft>
+                <a:spcPts val="0"/>
+              </a:spcAft>
+              <a:buClrTx/>
+              <a:buSzPct val="90000"/>
+              <a:buFont typeface="Arial" pitchFamily="34" charset="0"/>
+              <a:buChar char="•"/>
+              <a:tabLst/>
+              <a:defRPr sz="1800" kern="1200" spc="0" baseline="0">
+                <a:gradFill>
+                  <a:gsLst>
+                    <a:gs pos="1250">
+                      <a:schemeClr val="tx1"/>
+                    </a:gs>
+                    <a:gs pos="100000">
+                      <a:schemeClr val="tx1"/>
+                    </a:gs>
+                  </a:gsLst>
+                  <a:lin ang="5400000" scaled="0"/>
+                </a:gradFill>
+                <a:latin typeface="+mn-lt"/>
+                <a:ea typeface="+mn-ea"/>
+                <a:cs typeface="+mn-cs"/>
+              </a:defRPr>
+            </a:lvl5pPr>
+            <a:lvl6pPr marL="2564548" indent="-233141" algn="l" defTabSz="932563" rtl="0" eaLnBrk="1" latinLnBrk="0" hangingPunct="1">
+              <a:spcBef>
+                <a:spcPct val="20000"/>
+              </a:spcBef>
+              <a:buFont typeface="Arial" pitchFamily="34" charset="0"/>
+              <a:buChar char="•"/>
+              <a:defRPr sz="2000" kern="1200">
+                <a:solidFill>
+                  <a:schemeClr val="tx1"/>
+                </a:solidFill>
+                <a:latin typeface="+mn-lt"/>
+                <a:ea typeface="+mn-ea"/>
+                <a:cs typeface="+mn-cs"/>
+              </a:defRPr>
+            </a:lvl6pPr>
+            <a:lvl7pPr marL="3030830" indent="-233141" algn="l" defTabSz="932563" rtl="0" eaLnBrk="1" latinLnBrk="0" hangingPunct="1">
+              <a:spcBef>
+                <a:spcPct val="20000"/>
+              </a:spcBef>
+              <a:buFont typeface="Arial" pitchFamily="34" charset="0"/>
+              <a:buChar char="•"/>
+              <a:defRPr sz="2000" kern="1200">
+                <a:solidFill>
+                  <a:schemeClr val="tx1"/>
+                </a:solidFill>
+                <a:latin typeface="+mn-lt"/>
+                <a:ea typeface="+mn-ea"/>
+                <a:cs typeface="+mn-cs"/>
+              </a:defRPr>
+            </a:lvl7pPr>
+            <a:lvl8pPr marL="3497112" indent="-233141" algn="l" defTabSz="932563" rtl="0" eaLnBrk="1" latinLnBrk="0" hangingPunct="1">
+              <a:spcBef>
+                <a:spcPct val="20000"/>
+              </a:spcBef>
+              <a:buFont typeface="Arial" pitchFamily="34" charset="0"/>
+              <a:buChar char="•"/>
+              <a:defRPr sz="2000" kern="1200">
+                <a:solidFill>
+                  <a:schemeClr val="tx1"/>
+                </a:solidFill>
+                <a:latin typeface="+mn-lt"/>
+                <a:ea typeface="+mn-ea"/>
+                <a:cs typeface="+mn-cs"/>
+              </a:defRPr>
+            </a:lvl8pPr>
+            <a:lvl9pPr marL="3963394" indent="-233141" algn="l" defTabSz="932563" rtl="0" eaLnBrk="1" latinLnBrk="0" hangingPunct="1">
+              <a:spcBef>
+                <a:spcPct val="20000"/>
+              </a:spcBef>
+              <a:buFont typeface="Arial" pitchFamily="34" charset="0"/>
+              <a:buChar char="•"/>
+              <a:defRPr sz="2000" kern="1200">
+                <a:solidFill>
+                  <a:schemeClr val="tx1"/>
+                </a:solidFill>
+                <a:latin typeface="+mn-lt"/>
+                <a:ea typeface="+mn-ea"/>
+                <a:cs typeface="+mn-cs"/>
+              </a:defRPr>
+            </a:lvl9pPr>
+          </a:lstStyle>
+          <a:p>
+            <a:pPr marL="0" indent="0">
+              <a:buNone/>
+            </a:pPr>
+            <a:endParaRPr lang="en-US" sz="3200" dirty="0"/>
+          </a:p>
+        </p:txBody>
+      </p:sp>
+      <p:sp>
+        <p:nvSpPr>
           <p:cNvPr id="8" name="Rectangle 7"/>
           <p:cNvSpPr/>
           <p:nvPr/>
@@ -26174,7 +27506,7 @@
 </p:sld>
 </file>
 
-<file path=ppt/slides/slide22.xml><?xml version="1.0" encoding="utf-8"?>
+<file path=ppt/slides/slide23.xml><?xml version="1.0" encoding="utf-8"?>
 <p:sld xmlns:a="http://schemas.openxmlformats.org/drawingml/2006/main" xmlns:r="http://schemas.openxmlformats.org/officeDocument/2006/relationships" xmlns:p="http://schemas.openxmlformats.org/presentationml/2006/main">
   <p:cSld>
     <p:spTree>
@@ -26263,7 +27595,7 @@
 </p:sld>
 </file>
 
-<file path=ppt/slides/slide23.xml><?xml version="1.0" encoding="utf-8"?>
+<file path=ppt/slides/slide24.xml><?xml version="1.0" encoding="utf-8"?>
 <p:sld xmlns:a="http://schemas.openxmlformats.org/drawingml/2006/main" xmlns:r="http://schemas.openxmlformats.org/officeDocument/2006/relationships" xmlns:p="http://schemas.openxmlformats.org/presentationml/2006/main">
   <p:cSld>
     <p:spTree>
@@ -26835,6 +28167,130 @@
           <a:p>
             <a:r>
               <a:rPr lang="en-US" dirty="0"/>
+              <a:t>Open GL ES 2.0/3.0</a:t>
+            </a:r>
+          </a:p>
+        </p:txBody>
+      </p:sp>
+      <p:sp>
+        <p:nvSpPr>
+          <p:cNvPr id="6" name="Text Placeholder 5"/>
+          <p:cNvSpPr>
+            <a:spLocks noGrp="1"/>
+          </p:cNvSpPr>
+          <p:nvPr>
+            <p:ph type="body" sz="quarter" idx="10"/>
+          </p:nvPr>
+        </p:nvSpPr>
+        <p:spPr>
+          <a:xfrm>
+            <a:off x="274638" y="1135062"/>
+            <a:ext cx="11887200" cy="838199"/>
+          </a:xfrm>
+        </p:spPr>
+        <p:txBody>
+          <a:bodyPr/>
+          <a:lstStyle/>
+          <a:p>
+            <a:pPr lvl="1"/>
+            <a:endParaRPr lang="en-US" dirty="0"/>
+          </a:p>
+          <a:p>
+            <a:pPr lvl="1"/>
+            <a:r>
+              <a:rPr lang="en-US" dirty="0"/>
+              <a:t>Over 1.7 Billion OpenGL ES devices were shipped in 2015</a:t>
+            </a:r>
+          </a:p>
+          <a:p>
+            <a:pPr lvl="1"/>
+            <a:endParaRPr lang="en-US" dirty="0"/>
+          </a:p>
+        </p:txBody>
+      </p:sp>
+      <p:pic>
+        <p:nvPicPr>
+          <p:cNvPr id="2" name="Picture 1"/>
+          <p:cNvPicPr>
+            <a:picLocks noChangeAspect="1"/>
+          </p:cNvPicPr>
+          <p:nvPr/>
+        </p:nvPicPr>
+        <p:blipFill>
+          <a:blip r:embed="rId3"/>
+          <a:stretch>
+            <a:fillRect/>
+          </a:stretch>
+        </p:blipFill>
+        <p:spPr>
+          <a:xfrm>
+            <a:off x="2522538" y="2201862"/>
+            <a:ext cx="7391400" cy="4244776"/>
+          </a:xfrm>
+          <a:prstGeom prst="rect">
+            <a:avLst/>
+          </a:prstGeom>
+        </p:spPr>
+      </p:pic>
+    </p:spTree>
+    <p:extLst>
+      <p:ext uri="{BB962C8B-B14F-4D97-AF65-F5344CB8AC3E}">
+        <p14:creationId xmlns:p14="http://schemas.microsoft.com/office/powerpoint/2010/main" val="2007336217"/>
+      </p:ext>
+    </p:extLst>
+  </p:cSld>
+  <p:clrMapOvr>
+    <a:masterClrMapping/>
+  </p:clrMapOvr>
+  <mc:AlternateContent xmlns:mc="http://schemas.openxmlformats.org/markup-compatibility/2006" xmlns:p14="http://schemas.microsoft.com/office/powerpoint/2010/main">
+    <mc:Choice Requires="p14">
+      <p:transition spd="med" p14:dur="700">
+        <p:fade/>
+      </p:transition>
+    </mc:Choice>
+    <mc:Fallback xmlns="">
+      <p:transition spd="med">
+        <p:fade/>
+      </p:transition>
+    </mc:Fallback>
+  </mc:AlternateContent>
+</p:sld>
+</file>
+
+<file path=ppt/slides/slide5.xml><?xml version="1.0" encoding="utf-8"?>
+<p:sld xmlns:a="http://schemas.openxmlformats.org/drawingml/2006/main" xmlns:r="http://schemas.openxmlformats.org/officeDocument/2006/relationships" xmlns:p="http://schemas.openxmlformats.org/presentationml/2006/main">
+  <p:cSld>
+    <p:spTree>
+      <p:nvGrpSpPr>
+        <p:cNvPr id="1" name=""/>
+        <p:cNvGrpSpPr/>
+        <p:nvPr/>
+      </p:nvGrpSpPr>
+      <p:grpSpPr>
+        <a:xfrm>
+          <a:off x="0" y="0"/>
+          <a:ext cx="0" cy="0"/>
+          <a:chOff x="0" y="0"/>
+          <a:chExt cx="0" cy="0"/>
+        </a:xfrm>
+      </p:grpSpPr>
+      <p:sp>
+        <p:nvSpPr>
+          <p:cNvPr id="17" name="Title 16"/>
+          <p:cNvSpPr>
+            <a:spLocks noGrp="1"/>
+          </p:cNvSpPr>
+          <p:nvPr>
+            <p:ph type="title"/>
+          </p:nvPr>
+        </p:nvSpPr>
+        <p:spPr/>
+        <p:txBody>
+          <a:bodyPr/>
+          <a:lstStyle/>
+          <a:p>
+            <a:r>
+              <a:rPr lang="en-US" dirty="0"/>
               <a:t>ANGLE</a:t>
             </a:r>
           </a:p>
@@ -26984,7 +28440,7 @@
 </p:sld>
 </file>
 
-<file path=ppt/slides/slide5.xml><?xml version="1.0" encoding="utf-8"?>
+<file path=ppt/slides/slide6.xml><?xml version="1.0" encoding="utf-8"?>
 <p:sld xmlns:a="http://schemas.openxmlformats.org/drawingml/2006/main" xmlns:r="http://schemas.openxmlformats.org/officeDocument/2006/relationships" xmlns:p="http://schemas.openxmlformats.org/presentationml/2006/main">
   <p:cSld>
     <p:spTree>
@@ -27596,7 +29052,7 @@
 </p:sld>
 </file>
 
-<file path=ppt/slides/slide6.xml><?xml version="1.0" encoding="utf-8"?>
+<file path=ppt/slides/slide7.xml><?xml version="1.0" encoding="utf-8"?>
 <p:sld xmlns:a="http://schemas.openxmlformats.org/drawingml/2006/main" xmlns:r="http://schemas.openxmlformats.org/officeDocument/2006/relationships" xmlns:p="http://schemas.openxmlformats.org/presentationml/2006/main">
   <p:cSld>
     <p:spTree>
@@ -30363,7 +31819,7 @@
 </p:sld>
 </file>
 
-<file path=ppt/slides/slide7.xml><?xml version="1.0" encoding="utf-8"?>
+<file path=ppt/slides/slide8.xml><?xml version="1.0" encoding="utf-8"?>
 <p:sld xmlns:a="http://schemas.openxmlformats.org/drawingml/2006/main" xmlns:r="http://schemas.openxmlformats.org/officeDocument/2006/relationships" xmlns:p="http://schemas.openxmlformats.org/presentationml/2006/main">
   <p:cSld>
     <p:spTree>
@@ -32051,7 +33507,7 @@
 </p:sld>
 </file>
 
-<file path=ppt/slides/slide8.xml><?xml version="1.0" encoding="utf-8"?>
+<file path=ppt/slides/slide9.xml><?xml version="1.0" encoding="utf-8"?>
 <p:sld xmlns:a="http://schemas.openxmlformats.org/drawingml/2006/main" xmlns:r="http://schemas.openxmlformats.org/officeDocument/2006/relationships" xmlns:p="http://schemas.openxmlformats.org/presentationml/2006/main">
   <p:cSld>
     <p:spTree>
@@ -32250,1172 +33706,6 @@
       <p:transition spd="med">
         <p:fade/>
       </p:transition>
-    </mc:Fallback>
-  </mc:AlternateContent>
-</p:sld>
-</file>
-
-<file path=ppt/slides/slide9.xml><?xml version="1.0" encoding="utf-8"?>
-<p:sld xmlns:a="http://schemas.openxmlformats.org/drawingml/2006/main" xmlns:r="http://schemas.openxmlformats.org/officeDocument/2006/relationships" xmlns:p="http://schemas.openxmlformats.org/presentationml/2006/main">
-  <p:cSld>
-    <p:spTree>
-      <p:nvGrpSpPr>
-        <p:cNvPr id="1" name=""/>
-        <p:cNvGrpSpPr/>
-        <p:nvPr/>
-      </p:nvGrpSpPr>
-      <p:grpSpPr>
-        <a:xfrm>
-          <a:off x="0" y="0"/>
-          <a:ext cx="0" cy="0"/>
-          <a:chOff x="0" y="0"/>
-          <a:chExt cx="0" cy="0"/>
-        </a:xfrm>
-      </p:grpSpPr>
-      <p:sp>
-        <p:nvSpPr>
-          <p:cNvPr id="71" name="Rectangle 70"/>
-          <p:cNvSpPr/>
-          <p:nvPr/>
-        </p:nvSpPr>
-        <p:spPr bwMode="auto">
-          <a:xfrm>
-            <a:off x="882" y="1547274"/>
-            <a:ext cx="12434711" cy="5298882"/>
-          </a:xfrm>
-          <a:prstGeom prst="rect">
-            <a:avLst/>
-          </a:prstGeom>
-          <a:solidFill>
-            <a:schemeClr val="bg1"/>
-          </a:solidFill>
-          <a:ln>
-            <a:noFill/>
-            <a:headEnd type="none" w="med" len="med"/>
-            <a:tailEnd type="none" w="med" len="med"/>
-          </a:ln>
-        </p:spPr>
-        <p:style>
-          <a:lnRef idx="2">
-            <a:schemeClr val="accent1">
-              <a:shade val="50000"/>
-            </a:schemeClr>
-          </a:lnRef>
-          <a:fillRef idx="1">
-            <a:schemeClr val="accent1"/>
-          </a:fillRef>
-          <a:effectRef idx="0">
-            <a:schemeClr val="accent1"/>
-          </a:effectRef>
-          <a:fontRef idx="minor">
-            <a:schemeClr val="lt1"/>
-          </a:fontRef>
-        </p:style>
-        <p:txBody>
-          <a:bodyPr vert="horz" wrap="square" lIns="0" tIns="47565" rIns="0" bIns="47565" numCol="1" rtlCol="0" anchor="ctr" anchorCtr="0" compatLnSpc="1">
-            <a:prstTxWarp prst="textNoShape">
-              <a:avLst/>
-            </a:prstTxWarp>
-          </a:bodyPr>
-          <a:lstStyle/>
-          <a:p>
-            <a:pPr algn="ctr" defTabSz="951028" fontAlgn="base">
-              <a:spcBef>
-                <a:spcPct val="0"/>
-              </a:spcBef>
-              <a:spcAft>
-                <a:spcPct val="0"/>
-              </a:spcAft>
-              <a:defRPr/>
-            </a:pPr>
-            <a:endParaRPr lang="en-US" sz="2040" dirty="0">
-              <a:gradFill>
-                <a:gsLst>
-                  <a:gs pos="0">
-                    <a:srgbClr val="FFFFFF"/>
-                  </a:gs>
-                  <a:gs pos="100000">
-                    <a:srgbClr val="FFFFFF"/>
-                  </a:gs>
-                </a:gsLst>
-                <a:lin ang="5400000" scaled="0"/>
-              </a:gradFill>
-              <a:latin typeface="Segoe UI"/>
-            </a:endParaRPr>
-          </a:p>
-        </p:txBody>
-      </p:sp>
-      <p:sp>
-        <p:nvSpPr>
-          <p:cNvPr id="2" name="Title 1"/>
-          <p:cNvSpPr>
-            <a:spLocks noGrp="1"/>
-          </p:cNvSpPr>
-          <p:nvPr>
-            <p:ph type="title"/>
-          </p:nvPr>
-        </p:nvSpPr>
-        <p:spPr/>
-        <p:txBody>
-          <a:bodyPr/>
-          <a:lstStyle/>
-          <a:p>
-            <a:r>
-              <a:rPr lang="en-US" dirty="0"/>
-              <a:t>ANGLE Lab Exercises</a:t>
-            </a:r>
-          </a:p>
-        </p:txBody>
-      </p:sp>
-      <p:sp>
-        <p:nvSpPr>
-          <p:cNvPr id="5" name="Text Placeholder 6"/>
-          <p:cNvSpPr txBox="1">
-            <a:spLocks/>
-          </p:cNvSpPr>
-          <p:nvPr/>
-        </p:nvSpPr>
-        <p:spPr>
-          <a:xfrm>
-            <a:off x="365760" y="1792347"/>
-            <a:ext cx="11704320" cy="4524315"/>
-          </a:xfrm>
-          <a:prstGeom prst="rect">
-            <a:avLst/>
-          </a:prstGeom>
-        </p:spPr>
-        <p:txBody>
-          <a:bodyPr/>
-          <a:lstStyle>
-            <a:lvl1pPr marL="342834" marR="0" indent="-342834" algn="l" defTabSz="932563" rtl="0" eaLnBrk="1" fontAlgn="auto" latinLnBrk="0" hangingPunct="1">
-              <a:lnSpc>
-                <a:spcPct val="90000"/>
-              </a:lnSpc>
-              <a:spcBef>
-                <a:spcPct val="20000"/>
-              </a:spcBef>
-              <a:spcAft>
-                <a:spcPts val="0"/>
-              </a:spcAft>
-              <a:buClrTx/>
-              <a:buSzPct val="90000"/>
-              <a:buFont typeface="Arial" pitchFamily="34" charset="0"/>
-              <a:buChar char="•"/>
-              <a:tabLst/>
-              <a:defRPr sz="3999" kern="1200" spc="0" baseline="0">
-                <a:gradFill>
-                  <a:gsLst>
-                    <a:gs pos="1250">
-                      <a:schemeClr val="tx1"/>
-                    </a:gs>
-                    <a:gs pos="100000">
-                      <a:schemeClr val="tx1"/>
-                    </a:gs>
-                  </a:gsLst>
-                  <a:lin ang="5400000" scaled="0"/>
-                </a:gradFill>
-                <a:latin typeface="+mj-lt"/>
-                <a:ea typeface="+mn-ea"/>
-                <a:cs typeface="+mn-cs"/>
-              </a:defRPr>
-            </a:lvl1pPr>
-            <a:lvl2pPr marL="584088" marR="0" indent="-241253" algn="l" defTabSz="932563" rtl="0" eaLnBrk="1" fontAlgn="auto" latinLnBrk="0" hangingPunct="1">
-              <a:lnSpc>
-                <a:spcPct val="90000"/>
-              </a:lnSpc>
-              <a:spcBef>
-                <a:spcPct val="20000"/>
-              </a:spcBef>
-              <a:spcAft>
-                <a:spcPts val="0"/>
-              </a:spcAft>
-              <a:buClrTx/>
-              <a:buSzPct val="90000"/>
-              <a:buFont typeface="Arial" pitchFamily="34" charset="0"/>
-              <a:buChar char="•"/>
-              <a:tabLst/>
-              <a:defRPr sz="2400" kern="1200" spc="0" baseline="0">
-                <a:gradFill>
-                  <a:gsLst>
-                    <a:gs pos="1250">
-                      <a:schemeClr val="tx1"/>
-                    </a:gs>
-                    <a:gs pos="100000">
-                      <a:schemeClr val="tx1"/>
-                    </a:gs>
-                  </a:gsLst>
-                  <a:lin ang="5400000" scaled="0"/>
-                </a:gradFill>
-                <a:latin typeface="+mn-lt"/>
-                <a:ea typeface="+mn-ea"/>
-                <a:cs typeface="+mn-cs"/>
-              </a:defRPr>
-            </a:lvl2pPr>
-            <a:lvl3pPr marL="799946" marR="0" indent="-228557" algn="l" defTabSz="932563" rtl="0" eaLnBrk="1" fontAlgn="auto" latinLnBrk="0" hangingPunct="1">
-              <a:lnSpc>
-                <a:spcPct val="90000"/>
-              </a:lnSpc>
-              <a:spcBef>
-                <a:spcPct val="20000"/>
-              </a:spcBef>
-              <a:spcAft>
-                <a:spcPts val="0"/>
-              </a:spcAft>
-              <a:buClrTx/>
-              <a:buSzPct val="90000"/>
-              <a:buFont typeface="Arial" pitchFamily="34" charset="0"/>
-              <a:buChar char="•"/>
-              <a:tabLst/>
-              <a:defRPr sz="2000" kern="1200" spc="0" baseline="0">
-                <a:gradFill>
-                  <a:gsLst>
-                    <a:gs pos="1250">
-                      <a:schemeClr val="tx1"/>
-                    </a:gs>
-                    <a:gs pos="100000">
-                      <a:schemeClr val="tx1"/>
-                    </a:gs>
-                  </a:gsLst>
-                  <a:lin ang="5400000" scaled="0"/>
-                </a:gradFill>
-                <a:latin typeface="+mn-lt"/>
-                <a:ea typeface="+mn-ea"/>
-                <a:cs typeface="+mn-cs"/>
-              </a:defRPr>
-            </a:lvl3pPr>
-            <a:lvl4pPr marL="1028503" marR="0" indent="-228557" algn="l" defTabSz="932563" rtl="0" eaLnBrk="1" fontAlgn="auto" latinLnBrk="0" hangingPunct="1">
-              <a:lnSpc>
-                <a:spcPct val="90000"/>
-              </a:lnSpc>
-              <a:spcBef>
-                <a:spcPct val="20000"/>
-              </a:spcBef>
-              <a:spcAft>
-                <a:spcPts val="0"/>
-              </a:spcAft>
-              <a:buClrTx/>
-              <a:buSzPct val="90000"/>
-              <a:buFont typeface="Arial" pitchFamily="34" charset="0"/>
-              <a:buChar char="•"/>
-              <a:tabLst/>
-              <a:defRPr sz="1800" kern="1200" spc="0" baseline="0">
-                <a:gradFill>
-                  <a:gsLst>
-                    <a:gs pos="1250">
-                      <a:schemeClr val="tx1"/>
-                    </a:gs>
-                    <a:gs pos="100000">
-                      <a:schemeClr val="tx1"/>
-                    </a:gs>
-                  </a:gsLst>
-                  <a:lin ang="5400000" scaled="0"/>
-                </a:gradFill>
-                <a:latin typeface="+mn-lt"/>
-                <a:ea typeface="+mn-ea"/>
-                <a:cs typeface="+mn-cs"/>
-              </a:defRPr>
-            </a:lvl4pPr>
-            <a:lvl5pPr marL="1257058" marR="0" indent="-228557" algn="l" defTabSz="932563" rtl="0" eaLnBrk="1" fontAlgn="auto" latinLnBrk="0" hangingPunct="1">
-              <a:lnSpc>
-                <a:spcPct val="90000"/>
-              </a:lnSpc>
-              <a:spcBef>
-                <a:spcPct val="20000"/>
-              </a:spcBef>
-              <a:spcAft>
-                <a:spcPts val="0"/>
-              </a:spcAft>
-              <a:buClrTx/>
-              <a:buSzPct val="90000"/>
-              <a:buFont typeface="Arial" pitchFamily="34" charset="0"/>
-              <a:buChar char="•"/>
-              <a:tabLst/>
-              <a:defRPr sz="1800" kern="1200" spc="0" baseline="0">
-                <a:gradFill>
-                  <a:gsLst>
-                    <a:gs pos="1250">
-                      <a:schemeClr val="tx1"/>
-                    </a:gs>
-                    <a:gs pos="100000">
-                      <a:schemeClr val="tx1"/>
-                    </a:gs>
-                  </a:gsLst>
-                  <a:lin ang="5400000" scaled="0"/>
-                </a:gradFill>
-                <a:latin typeface="+mn-lt"/>
-                <a:ea typeface="+mn-ea"/>
-                <a:cs typeface="+mn-cs"/>
-              </a:defRPr>
-            </a:lvl5pPr>
-            <a:lvl6pPr marL="2564548" indent="-233141" algn="l" defTabSz="932563" rtl="0" eaLnBrk="1" latinLnBrk="0" hangingPunct="1">
-              <a:spcBef>
-                <a:spcPct val="20000"/>
-              </a:spcBef>
-              <a:buFont typeface="Arial" pitchFamily="34" charset="0"/>
-              <a:buChar char="•"/>
-              <a:defRPr sz="2000" kern="1200">
-                <a:solidFill>
-                  <a:schemeClr val="tx1"/>
-                </a:solidFill>
-                <a:latin typeface="+mn-lt"/>
-                <a:ea typeface="+mn-ea"/>
-                <a:cs typeface="+mn-cs"/>
-              </a:defRPr>
-            </a:lvl6pPr>
-            <a:lvl7pPr marL="3030830" indent="-233141" algn="l" defTabSz="932563" rtl="0" eaLnBrk="1" latinLnBrk="0" hangingPunct="1">
-              <a:spcBef>
-                <a:spcPct val="20000"/>
-              </a:spcBef>
-              <a:buFont typeface="Arial" pitchFamily="34" charset="0"/>
-              <a:buChar char="•"/>
-              <a:defRPr sz="2000" kern="1200">
-                <a:solidFill>
-                  <a:schemeClr val="tx1"/>
-                </a:solidFill>
-                <a:latin typeface="+mn-lt"/>
-                <a:ea typeface="+mn-ea"/>
-                <a:cs typeface="+mn-cs"/>
-              </a:defRPr>
-            </a:lvl7pPr>
-            <a:lvl8pPr marL="3497112" indent="-233141" algn="l" defTabSz="932563" rtl="0" eaLnBrk="1" latinLnBrk="0" hangingPunct="1">
-              <a:spcBef>
-                <a:spcPct val="20000"/>
-              </a:spcBef>
-              <a:buFont typeface="Arial" pitchFamily="34" charset="0"/>
-              <a:buChar char="•"/>
-              <a:defRPr sz="2000" kern="1200">
-                <a:solidFill>
-                  <a:schemeClr val="tx1"/>
-                </a:solidFill>
-                <a:latin typeface="+mn-lt"/>
-                <a:ea typeface="+mn-ea"/>
-                <a:cs typeface="+mn-cs"/>
-              </a:defRPr>
-            </a:lvl8pPr>
-            <a:lvl9pPr marL="3963394" indent="-233141" algn="l" defTabSz="932563" rtl="0" eaLnBrk="1" latinLnBrk="0" hangingPunct="1">
-              <a:spcBef>
-                <a:spcPct val="20000"/>
-              </a:spcBef>
-              <a:buFont typeface="Arial" pitchFamily="34" charset="0"/>
-              <a:buChar char="•"/>
-              <a:defRPr sz="2000" kern="1200">
-                <a:solidFill>
-                  <a:schemeClr val="tx1"/>
-                </a:solidFill>
-                <a:latin typeface="+mn-lt"/>
-                <a:ea typeface="+mn-ea"/>
-                <a:cs typeface="+mn-cs"/>
-              </a:defRPr>
-            </a:lvl9pPr>
-          </a:lstStyle>
-          <a:p>
-            <a:pPr marL="0" indent="0">
-              <a:buNone/>
-            </a:pPr>
-            <a:r>
-              <a:rPr lang="en-US" sz="3200" dirty="0"/>
-              <a:t> </a:t>
-            </a:r>
-          </a:p>
-        </p:txBody>
-      </p:sp>
-      <p:sp>
-        <p:nvSpPr>
-          <p:cNvPr id="6" name="Text Placeholder 6"/>
-          <p:cNvSpPr txBox="1">
-            <a:spLocks/>
-          </p:cNvSpPr>
-          <p:nvPr/>
-        </p:nvSpPr>
-        <p:spPr>
-          <a:xfrm>
-            <a:off x="518160" y="1944747"/>
-            <a:ext cx="11704320" cy="4524315"/>
-          </a:xfrm>
-          <a:prstGeom prst="rect">
-            <a:avLst/>
-          </a:prstGeom>
-        </p:spPr>
-        <p:txBody>
-          <a:bodyPr/>
-          <a:lstStyle>
-            <a:lvl1pPr marL="342834" marR="0" indent="-342834" algn="l" defTabSz="932563" rtl="0" eaLnBrk="1" fontAlgn="auto" latinLnBrk="0" hangingPunct="1">
-              <a:lnSpc>
-                <a:spcPct val="90000"/>
-              </a:lnSpc>
-              <a:spcBef>
-                <a:spcPct val="20000"/>
-              </a:spcBef>
-              <a:spcAft>
-                <a:spcPts val="0"/>
-              </a:spcAft>
-              <a:buClrTx/>
-              <a:buSzPct val="90000"/>
-              <a:buFont typeface="Arial" pitchFamily="34" charset="0"/>
-              <a:buChar char="•"/>
-              <a:tabLst/>
-              <a:defRPr sz="3999" kern="1200" spc="0" baseline="0">
-                <a:gradFill>
-                  <a:gsLst>
-                    <a:gs pos="1250">
-                      <a:schemeClr val="tx1"/>
-                    </a:gs>
-                    <a:gs pos="100000">
-                      <a:schemeClr val="tx1"/>
-                    </a:gs>
-                  </a:gsLst>
-                  <a:lin ang="5400000" scaled="0"/>
-                </a:gradFill>
-                <a:latin typeface="+mj-lt"/>
-                <a:ea typeface="+mn-ea"/>
-                <a:cs typeface="+mn-cs"/>
-              </a:defRPr>
-            </a:lvl1pPr>
-            <a:lvl2pPr marL="584088" marR="0" indent="-241253" algn="l" defTabSz="932563" rtl="0" eaLnBrk="1" fontAlgn="auto" latinLnBrk="0" hangingPunct="1">
-              <a:lnSpc>
-                <a:spcPct val="90000"/>
-              </a:lnSpc>
-              <a:spcBef>
-                <a:spcPct val="20000"/>
-              </a:spcBef>
-              <a:spcAft>
-                <a:spcPts val="0"/>
-              </a:spcAft>
-              <a:buClrTx/>
-              <a:buSzPct val="90000"/>
-              <a:buFont typeface="Arial" pitchFamily="34" charset="0"/>
-              <a:buChar char="•"/>
-              <a:tabLst/>
-              <a:defRPr sz="2400" kern="1200" spc="0" baseline="0">
-                <a:gradFill>
-                  <a:gsLst>
-                    <a:gs pos="1250">
-                      <a:schemeClr val="tx1"/>
-                    </a:gs>
-                    <a:gs pos="100000">
-                      <a:schemeClr val="tx1"/>
-                    </a:gs>
-                  </a:gsLst>
-                  <a:lin ang="5400000" scaled="0"/>
-                </a:gradFill>
-                <a:latin typeface="+mn-lt"/>
-                <a:ea typeface="+mn-ea"/>
-                <a:cs typeface="+mn-cs"/>
-              </a:defRPr>
-            </a:lvl2pPr>
-            <a:lvl3pPr marL="799946" marR="0" indent="-228557" algn="l" defTabSz="932563" rtl="0" eaLnBrk="1" fontAlgn="auto" latinLnBrk="0" hangingPunct="1">
-              <a:lnSpc>
-                <a:spcPct val="90000"/>
-              </a:lnSpc>
-              <a:spcBef>
-                <a:spcPct val="20000"/>
-              </a:spcBef>
-              <a:spcAft>
-                <a:spcPts val="0"/>
-              </a:spcAft>
-              <a:buClrTx/>
-              <a:buSzPct val="90000"/>
-              <a:buFont typeface="Arial" pitchFamily="34" charset="0"/>
-              <a:buChar char="•"/>
-              <a:tabLst/>
-              <a:defRPr sz="2000" kern="1200" spc="0" baseline="0">
-                <a:gradFill>
-                  <a:gsLst>
-                    <a:gs pos="1250">
-                      <a:schemeClr val="tx1"/>
-                    </a:gs>
-                    <a:gs pos="100000">
-                      <a:schemeClr val="tx1"/>
-                    </a:gs>
-                  </a:gsLst>
-                  <a:lin ang="5400000" scaled="0"/>
-                </a:gradFill>
-                <a:latin typeface="+mn-lt"/>
-                <a:ea typeface="+mn-ea"/>
-                <a:cs typeface="+mn-cs"/>
-              </a:defRPr>
-            </a:lvl3pPr>
-            <a:lvl4pPr marL="1028503" marR="0" indent="-228557" algn="l" defTabSz="932563" rtl="0" eaLnBrk="1" fontAlgn="auto" latinLnBrk="0" hangingPunct="1">
-              <a:lnSpc>
-                <a:spcPct val="90000"/>
-              </a:lnSpc>
-              <a:spcBef>
-                <a:spcPct val="20000"/>
-              </a:spcBef>
-              <a:spcAft>
-                <a:spcPts val="0"/>
-              </a:spcAft>
-              <a:buClrTx/>
-              <a:buSzPct val="90000"/>
-              <a:buFont typeface="Arial" pitchFamily="34" charset="0"/>
-              <a:buChar char="•"/>
-              <a:tabLst/>
-              <a:defRPr sz="1800" kern="1200" spc="0" baseline="0">
-                <a:gradFill>
-                  <a:gsLst>
-                    <a:gs pos="1250">
-                      <a:schemeClr val="tx1"/>
-                    </a:gs>
-                    <a:gs pos="100000">
-                      <a:schemeClr val="tx1"/>
-                    </a:gs>
-                  </a:gsLst>
-                  <a:lin ang="5400000" scaled="0"/>
-                </a:gradFill>
-                <a:latin typeface="+mn-lt"/>
-                <a:ea typeface="+mn-ea"/>
-                <a:cs typeface="+mn-cs"/>
-              </a:defRPr>
-            </a:lvl4pPr>
-            <a:lvl5pPr marL="1257058" marR="0" indent="-228557" algn="l" defTabSz="932563" rtl="0" eaLnBrk="1" fontAlgn="auto" latinLnBrk="0" hangingPunct="1">
-              <a:lnSpc>
-                <a:spcPct val="90000"/>
-              </a:lnSpc>
-              <a:spcBef>
-                <a:spcPct val="20000"/>
-              </a:spcBef>
-              <a:spcAft>
-                <a:spcPts val="0"/>
-              </a:spcAft>
-              <a:buClrTx/>
-              <a:buSzPct val="90000"/>
-              <a:buFont typeface="Arial" pitchFamily="34" charset="0"/>
-              <a:buChar char="•"/>
-              <a:tabLst/>
-              <a:defRPr sz="1800" kern="1200" spc="0" baseline="0">
-                <a:gradFill>
-                  <a:gsLst>
-                    <a:gs pos="1250">
-                      <a:schemeClr val="tx1"/>
-                    </a:gs>
-                    <a:gs pos="100000">
-                      <a:schemeClr val="tx1"/>
-                    </a:gs>
-                  </a:gsLst>
-                  <a:lin ang="5400000" scaled="0"/>
-                </a:gradFill>
-                <a:latin typeface="+mn-lt"/>
-                <a:ea typeface="+mn-ea"/>
-                <a:cs typeface="+mn-cs"/>
-              </a:defRPr>
-            </a:lvl5pPr>
-            <a:lvl6pPr marL="2564548" indent="-233141" algn="l" defTabSz="932563" rtl="0" eaLnBrk="1" latinLnBrk="0" hangingPunct="1">
-              <a:spcBef>
-                <a:spcPct val="20000"/>
-              </a:spcBef>
-              <a:buFont typeface="Arial" pitchFamily="34" charset="0"/>
-              <a:buChar char="•"/>
-              <a:defRPr sz="2000" kern="1200">
-                <a:solidFill>
-                  <a:schemeClr val="tx1"/>
-                </a:solidFill>
-                <a:latin typeface="+mn-lt"/>
-                <a:ea typeface="+mn-ea"/>
-                <a:cs typeface="+mn-cs"/>
-              </a:defRPr>
-            </a:lvl6pPr>
-            <a:lvl7pPr marL="3030830" indent="-233141" algn="l" defTabSz="932563" rtl="0" eaLnBrk="1" latinLnBrk="0" hangingPunct="1">
-              <a:spcBef>
-                <a:spcPct val="20000"/>
-              </a:spcBef>
-              <a:buFont typeface="Arial" pitchFamily="34" charset="0"/>
-              <a:buChar char="•"/>
-              <a:defRPr sz="2000" kern="1200">
-                <a:solidFill>
-                  <a:schemeClr val="tx1"/>
-                </a:solidFill>
-                <a:latin typeface="+mn-lt"/>
-                <a:ea typeface="+mn-ea"/>
-                <a:cs typeface="+mn-cs"/>
-              </a:defRPr>
-            </a:lvl7pPr>
-            <a:lvl8pPr marL="3497112" indent="-233141" algn="l" defTabSz="932563" rtl="0" eaLnBrk="1" latinLnBrk="0" hangingPunct="1">
-              <a:spcBef>
-                <a:spcPct val="20000"/>
-              </a:spcBef>
-              <a:buFont typeface="Arial" pitchFamily="34" charset="0"/>
-              <a:buChar char="•"/>
-              <a:defRPr sz="2000" kern="1200">
-                <a:solidFill>
-                  <a:schemeClr val="tx1"/>
-                </a:solidFill>
-                <a:latin typeface="+mn-lt"/>
-                <a:ea typeface="+mn-ea"/>
-                <a:cs typeface="+mn-cs"/>
-              </a:defRPr>
-            </a:lvl8pPr>
-            <a:lvl9pPr marL="3963394" indent="-233141" algn="l" defTabSz="932563" rtl="0" eaLnBrk="1" latinLnBrk="0" hangingPunct="1">
-              <a:spcBef>
-                <a:spcPct val="20000"/>
-              </a:spcBef>
-              <a:buFont typeface="Arial" pitchFamily="34" charset="0"/>
-              <a:buChar char="•"/>
-              <a:defRPr sz="2000" kern="1200">
-                <a:solidFill>
-                  <a:schemeClr val="tx1"/>
-                </a:solidFill>
-                <a:latin typeface="+mn-lt"/>
-                <a:ea typeface="+mn-ea"/>
-                <a:cs typeface="+mn-cs"/>
-              </a:defRPr>
-            </a:lvl9pPr>
-          </a:lstStyle>
-          <a:p>
-            <a:pPr marL="0" indent="0">
-              <a:buNone/>
-            </a:pPr>
-            <a:endParaRPr lang="en-US" sz="3200" dirty="0"/>
-          </a:p>
-        </p:txBody>
-      </p:sp>
-      <p:sp>
-        <p:nvSpPr>
-          <p:cNvPr id="8" name="Rectangle 7"/>
-          <p:cNvSpPr/>
-          <p:nvPr/>
-        </p:nvSpPr>
-        <p:spPr bwMode="auto">
-          <a:xfrm>
-            <a:off x="1965960" y="2073319"/>
-            <a:ext cx="9586277" cy="661943"/>
-          </a:xfrm>
-          <a:prstGeom prst="rect">
-            <a:avLst/>
-          </a:prstGeom>
-          <a:solidFill>
-            <a:schemeClr val="accent1"/>
-          </a:solidFill>
-          <a:ln>
-            <a:noFill/>
-            <a:headEnd type="none" w="med" len="med"/>
-            <a:tailEnd type="none" w="med" len="med"/>
-          </a:ln>
-          <a:effectLst/>
-        </p:spPr>
-        <p:style>
-          <a:lnRef idx="1">
-            <a:schemeClr val="accent2"/>
-          </a:lnRef>
-          <a:fillRef idx="3">
-            <a:schemeClr val="accent2"/>
-          </a:fillRef>
-          <a:effectRef idx="2">
-            <a:schemeClr val="accent2"/>
-          </a:effectRef>
-          <a:fontRef idx="minor">
-            <a:schemeClr val="lt1"/>
-          </a:fontRef>
-        </p:style>
-        <p:txBody>
-          <a:bodyPr rot="0" spcFirstLastPara="0" vertOverflow="overflow" horzOverflow="overflow" vert="horz" wrap="square" lIns="182880" tIns="146304" rIns="182880" bIns="146304" numCol="1" spcCol="0" rtlCol="0" fromWordArt="0" anchor="ctr" anchorCtr="0" forceAA="0" compatLnSpc="1">
-            <a:prstTxWarp prst="textNoShape">
-              <a:avLst/>
-            </a:prstTxWarp>
-            <a:noAutofit/>
-          </a:bodyPr>
-          <a:lstStyle/>
-          <a:p>
-            <a:r>
-              <a:rPr lang="en-US" dirty="0"/>
-              <a:t>Create a new ANGLE project using a Visual Studio Template</a:t>
-            </a:r>
-          </a:p>
-        </p:txBody>
-      </p:sp>
-      <p:sp>
-        <p:nvSpPr>
-          <p:cNvPr id="17" name="Rectangle 16"/>
-          <p:cNvSpPr/>
-          <p:nvPr/>
-        </p:nvSpPr>
-        <p:spPr bwMode="auto">
-          <a:xfrm>
-            <a:off x="805138" y="2068905"/>
-            <a:ext cx="795309" cy="666357"/>
-          </a:xfrm>
-          <a:prstGeom prst="rect">
-            <a:avLst/>
-          </a:prstGeom>
-          <a:solidFill>
-            <a:srgbClr val="00B0F0"/>
-          </a:solidFill>
-          <a:ln>
-            <a:noFill/>
-            <a:headEnd type="none" w="med" len="med"/>
-            <a:tailEnd type="none" w="med" len="med"/>
-          </a:ln>
-          <a:effectLst/>
-        </p:spPr>
-        <p:style>
-          <a:lnRef idx="1">
-            <a:schemeClr val="accent2"/>
-          </a:lnRef>
-          <a:fillRef idx="3">
-            <a:schemeClr val="accent2"/>
-          </a:fillRef>
-          <a:effectRef idx="2">
-            <a:schemeClr val="accent2"/>
-          </a:effectRef>
-          <a:fontRef idx="minor">
-            <a:schemeClr val="lt1"/>
-          </a:fontRef>
-        </p:style>
-        <p:txBody>
-          <a:bodyPr rot="0" spcFirstLastPara="0" vertOverflow="overflow" horzOverflow="overflow" vert="horz" wrap="square" lIns="182880" tIns="146304" rIns="182880" bIns="146304" numCol="1" spcCol="0" rtlCol="0" fromWordArt="0" anchor="ctr" anchorCtr="0" forceAA="0" compatLnSpc="1">
-            <a:prstTxWarp prst="textNoShape">
-              <a:avLst/>
-            </a:prstTxWarp>
-            <a:noAutofit/>
-          </a:bodyPr>
-          <a:lstStyle/>
-          <a:p>
-            <a:pPr algn="ctr" defTabSz="932472" fontAlgn="base">
-              <a:lnSpc>
-                <a:spcPct val="90000"/>
-              </a:lnSpc>
-              <a:spcBef>
-                <a:spcPct val="0"/>
-              </a:spcBef>
-              <a:spcAft>
-                <a:spcPct val="0"/>
-              </a:spcAft>
-            </a:pPr>
-            <a:r>
-              <a:rPr lang="en-US" sz="4000" dirty="0">
-                <a:gradFill>
-                  <a:gsLst>
-                    <a:gs pos="0">
-                      <a:srgbClr val="FFFFFF"/>
-                    </a:gs>
-                    <a:gs pos="100000">
-                      <a:srgbClr val="FFFFFF"/>
-                    </a:gs>
-                  </a:gsLst>
-                  <a:lin ang="5400000" scaled="0"/>
-                </a:gradFill>
-                <a:ea typeface="Segoe UI" pitchFamily="34" charset="0"/>
-                <a:cs typeface="Segoe UI" pitchFamily="34" charset="0"/>
-              </a:rPr>
-              <a:t>1</a:t>
-            </a:r>
-          </a:p>
-        </p:txBody>
-      </p:sp>
-      <p:sp>
-        <p:nvSpPr>
-          <p:cNvPr id="18" name="Rectangle 17"/>
-          <p:cNvSpPr/>
-          <p:nvPr/>
-        </p:nvSpPr>
-        <p:spPr bwMode="auto">
-          <a:xfrm>
-            <a:off x="1968859" y="2835319"/>
-            <a:ext cx="9586277" cy="661943"/>
-          </a:xfrm>
-          <a:prstGeom prst="rect">
-            <a:avLst/>
-          </a:prstGeom>
-          <a:solidFill>
-            <a:schemeClr val="accent1"/>
-          </a:solidFill>
-          <a:ln>
-            <a:noFill/>
-            <a:headEnd type="none" w="med" len="med"/>
-            <a:tailEnd type="none" w="med" len="med"/>
-          </a:ln>
-          <a:effectLst/>
-        </p:spPr>
-        <p:style>
-          <a:lnRef idx="1">
-            <a:schemeClr val="accent2"/>
-          </a:lnRef>
-          <a:fillRef idx="3">
-            <a:schemeClr val="accent2"/>
-          </a:fillRef>
-          <a:effectRef idx="2">
-            <a:schemeClr val="accent2"/>
-          </a:effectRef>
-          <a:fontRef idx="minor">
-            <a:schemeClr val="lt1"/>
-          </a:fontRef>
-        </p:style>
-        <p:txBody>
-          <a:bodyPr rot="0" spcFirstLastPara="0" vertOverflow="overflow" horzOverflow="overflow" vert="horz" wrap="square" lIns="182880" tIns="146304" rIns="182880" bIns="146304" numCol="1" spcCol="0" rtlCol="0" fromWordArt="0" anchor="ctr" anchorCtr="0" forceAA="0" compatLnSpc="1">
-            <a:prstTxWarp prst="textNoShape">
-              <a:avLst/>
-            </a:prstTxWarp>
-            <a:noAutofit/>
-          </a:bodyPr>
-          <a:lstStyle/>
-          <a:p>
-            <a:r>
-              <a:rPr lang="en-US" dirty="0"/>
-              <a:t>Integrate your game code with ANGLE</a:t>
-            </a:r>
-          </a:p>
-        </p:txBody>
-      </p:sp>
-      <p:sp>
-        <p:nvSpPr>
-          <p:cNvPr id="19" name="Rectangle 18"/>
-          <p:cNvSpPr/>
-          <p:nvPr/>
-        </p:nvSpPr>
-        <p:spPr bwMode="auto">
-          <a:xfrm>
-            <a:off x="808037" y="2830905"/>
-            <a:ext cx="795309" cy="666357"/>
-          </a:xfrm>
-          <a:prstGeom prst="rect">
-            <a:avLst/>
-          </a:prstGeom>
-          <a:solidFill>
-            <a:srgbClr val="00B0F0"/>
-          </a:solidFill>
-          <a:ln>
-            <a:noFill/>
-            <a:headEnd type="none" w="med" len="med"/>
-            <a:tailEnd type="none" w="med" len="med"/>
-          </a:ln>
-          <a:effectLst/>
-        </p:spPr>
-        <p:style>
-          <a:lnRef idx="1">
-            <a:schemeClr val="accent2"/>
-          </a:lnRef>
-          <a:fillRef idx="3">
-            <a:schemeClr val="accent2"/>
-          </a:fillRef>
-          <a:effectRef idx="2">
-            <a:schemeClr val="accent2"/>
-          </a:effectRef>
-          <a:fontRef idx="minor">
-            <a:schemeClr val="lt1"/>
-          </a:fontRef>
-        </p:style>
-        <p:txBody>
-          <a:bodyPr rot="0" spcFirstLastPara="0" vertOverflow="overflow" horzOverflow="overflow" vert="horz" wrap="square" lIns="182880" tIns="146304" rIns="182880" bIns="146304" numCol="1" spcCol="0" rtlCol="0" fromWordArt="0" anchor="ctr" anchorCtr="0" forceAA="0" compatLnSpc="1">
-            <a:prstTxWarp prst="textNoShape">
-              <a:avLst/>
-            </a:prstTxWarp>
-            <a:noAutofit/>
-          </a:bodyPr>
-          <a:lstStyle/>
-          <a:p>
-            <a:pPr algn="ctr" defTabSz="932472" fontAlgn="base">
-              <a:lnSpc>
-                <a:spcPct val="90000"/>
-              </a:lnSpc>
-              <a:spcBef>
-                <a:spcPct val="0"/>
-              </a:spcBef>
-              <a:spcAft>
-                <a:spcPct val="0"/>
-              </a:spcAft>
-            </a:pPr>
-            <a:r>
-              <a:rPr lang="en-US" sz="4000" dirty="0">
-                <a:gradFill>
-                  <a:gsLst>
-                    <a:gs pos="0">
-                      <a:srgbClr val="FFFFFF"/>
-                    </a:gs>
-                    <a:gs pos="100000">
-                      <a:srgbClr val="FFFFFF"/>
-                    </a:gs>
-                  </a:gsLst>
-                  <a:lin ang="5400000" scaled="0"/>
-                </a:gradFill>
-                <a:ea typeface="Segoe UI" pitchFamily="34" charset="0"/>
-                <a:cs typeface="Segoe UI" pitchFamily="34" charset="0"/>
-              </a:rPr>
-              <a:t>2</a:t>
-            </a:r>
-          </a:p>
-        </p:txBody>
-      </p:sp>
-      <p:sp>
-        <p:nvSpPr>
-          <p:cNvPr id="20" name="Rectangle 19"/>
-          <p:cNvSpPr/>
-          <p:nvPr/>
-        </p:nvSpPr>
-        <p:spPr bwMode="auto">
-          <a:xfrm>
-            <a:off x="1968859" y="3597319"/>
-            <a:ext cx="9586277" cy="661943"/>
-          </a:xfrm>
-          <a:prstGeom prst="rect">
-            <a:avLst/>
-          </a:prstGeom>
-          <a:solidFill>
-            <a:schemeClr val="accent1"/>
-          </a:solidFill>
-          <a:ln>
-            <a:noFill/>
-            <a:headEnd type="none" w="med" len="med"/>
-            <a:tailEnd type="none" w="med" len="med"/>
-          </a:ln>
-          <a:effectLst/>
-        </p:spPr>
-        <p:style>
-          <a:lnRef idx="1">
-            <a:schemeClr val="accent2"/>
-          </a:lnRef>
-          <a:fillRef idx="3">
-            <a:schemeClr val="accent2"/>
-          </a:fillRef>
-          <a:effectRef idx="2">
-            <a:schemeClr val="accent2"/>
-          </a:effectRef>
-          <a:fontRef idx="minor">
-            <a:schemeClr val="lt1"/>
-          </a:fontRef>
-        </p:style>
-        <p:txBody>
-          <a:bodyPr rot="0" spcFirstLastPara="0" vertOverflow="overflow" horzOverflow="overflow" vert="horz" wrap="square" lIns="182880" tIns="146304" rIns="182880" bIns="146304" numCol="1" spcCol="0" rtlCol="0" fromWordArt="0" anchor="ctr" anchorCtr="0" forceAA="0" compatLnSpc="1">
-            <a:prstTxWarp prst="textNoShape">
-              <a:avLst/>
-            </a:prstTxWarp>
-            <a:noAutofit/>
-          </a:bodyPr>
-          <a:lstStyle/>
-          <a:p>
-            <a:r>
-              <a:rPr lang="en-US" dirty="0"/>
-              <a:t>Handle window resizing</a:t>
-            </a:r>
-          </a:p>
-        </p:txBody>
-      </p:sp>
-      <p:sp>
-        <p:nvSpPr>
-          <p:cNvPr id="21" name="Rectangle 20"/>
-          <p:cNvSpPr/>
-          <p:nvPr/>
-        </p:nvSpPr>
-        <p:spPr bwMode="auto">
-          <a:xfrm>
-            <a:off x="808037" y="3592905"/>
-            <a:ext cx="795309" cy="666357"/>
-          </a:xfrm>
-          <a:prstGeom prst="rect">
-            <a:avLst/>
-          </a:prstGeom>
-          <a:solidFill>
-            <a:srgbClr val="00B0F0"/>
-          </a:solidFill>
-          <a:ln>
-            <a:noFill/>
-            <a:headEnd type="none" w="med" len="med"/>
-            <a:tailEnd type="none" w="med" len="med"/>
-          </a:ln>
-          <a:effectLst/>
-        </p:spPr>
-        <p:style>
-          <a:lnRef idx="1">
-            <a:schemeClr val="accent2"/>
-          </a:lnRef>
-          <a:fillRef idx="3">
-            <a:schemeClr val="accent2"/>
-          </a:fillRef>
-          <a:effectRef idx="2">
-            <a:schemeClr val="accent2"/>
-          </a:effectRef>
-          <a:fontRef idx="minor">
-            <a:schemeClr val="lt1"/>
-          </a:fontRef>
-        </p:style>
-        <p:txBody>
-          <a:bodyPr rot="0" spcFirstLastPara="0" vertOverflow="overflow" horzOverflow="overflow" vert="horz" wrap="square" lIns="182880" tIns="146304" rIns="182880" bIns="146304" numCol="1" spcCol="0" rtlCol="0" fromWordArt="0" anchor="ctr" anchorCtr="0" forceAA="0" compatLnSpc="1">
-            <a:prstTxWarp prst="textNoShape">
-              <a:avLst/>
-            </a:prstTxWarp>
-            <a:noAutofit/>
-          </a:bodyPr>
-          <a:lstStyle/>
-          <a:p>
-            <a:pPr algn="ctr" defTabSz="932472" fontAlgn="base">
-              <a:lnSpc>
-                <a:spcPct val="90000"/>
-              </a:lnSpc>
-              <a:spcBef>
-                <a:spcPct val="0"/>
-              </a:spcBef>
-              <a:spcAft>
-                <a:spcPct val="0"/>
-              </a:spcAft>
-            </a:pPr>
-            <a:r>
-              <a:rPr lang="en-US" sz="4000" dirty="0">
-                <a:gradFill>
-                  <a:gsLst>
-                    <a:gs pos="0">
-                      <a:srgbClr val="FFFFFF"/>
-                    </a:gs>
-                    <a:gs pos="100000">
-                      <a:srgbClr val="FFFFFF"/>
-                    </a:gs>
-                  </a:gsLst>
-                  <a:lin ang="5400000" scaled="0"/>
-                </a:gradFill>
-                <a:ea typeface="Segoe UI" pitchFamily="34" charset="0"/>
-                <a:cs typeface="Segoe UI" pitchFamily="34" charset="0"/>
-              </a:rPr>
-              <a:t>3</a:t>
-            </a:r>
-          </a:p>
-        </p:txBody>
-      </p:sp>
-      <p:sp>
-        <p:nvSpPr>
-          <p:cNvPr id="22" name="Rectangle 21"/>
-          <p:cNvSpPr/>
-          <p:nvPr/>
-        </p:nvSpPr>
-        <p:spPr bwMode="auto">
-          <a:xfrm>
-            <a:off x="1968859" y="4359319"/>
-            <a:ext cx="9586277" cy="661943"/>
-          </a:xfrm>
-          <a:prstGeom prst="rect">
-            <a:avLst/>
-          </a:prstGeom>
-          <a:solidFill>
-            <a:schemeClr val="accent1"/>
-          </a:solidFill>
-          <a:ln>
-            <a:noFill/>
-            <a:headEnd type="none" w="med" len="med"/>
-            <a:tailEnd type="none" w="med" len="med"/>
-          </a:ln>
-          <a:effectLst/>
-        </p:spPr>
-        <p:style>
-          <a:lnRef idx="1">
-            <a:schemeClr val="accent2"/>
-          </a:lnRef>
-          <a:fillRef idx="3">
-            <a:schemeClr val="accent2"/>
-          </a:fillRef>
-          <a:effectRef idx="2">
-            <a:schemeClr val="accent2"/>
-          </a:effectRef>
-          <a:fontRef idx="minor">
-            <a:schemeClr val="lt1"/>
-          </a:fontRef>
-        </p:style>
-        <p:txBody>
-          <a:bodyPr rot="0" spcFirstLastPara="0" vertOverflow="overflow" horzOverflow="overflow" vert="horz" wrap="square" lIns="182880" tIns="146304" rIns="182880" bIns="146304" numCol="1" spcCol="0" rtlCol="0" fromWordArt="0" anchor="ctr" anchorCtr="0" forceAA="0" compatLnSpc="1">
-            <a:prstTxWarp prst="textNoShape">
-              <a:avLst/>
-            </a:prstTxWarp>
-            <a:noAutofit/>
-          </a:bodyPr>
-          <a:lstStyle/>
-          <a:p>
-            <a:r>
-              <a:rPr lang="en-US" dirty="0"/>
-              <a:t>Add touch and keyboard events to your app</a:t>
-            </a:r>
-          </a:p>
-        </p:txBody>
-      </p:sp>
-      <p:sp>
-        <p:nvSpPr>
-          <p:cNvPr id="23" name="Rectangle 22"/>
-          <p:cNvSpPr/>
-          <p:nvPr/>
-        </p:nvSpPr>
-        <p:spPr bwMode="auto">
-          <a:xfrm>
-            <a:off x="808037" y="4354905"/>
-            <a:ext cx="795309" cy="666357"/>
-          </a:xfrm>
-          <a:prstGeom prst="rect">
-            <a:avLst/>
-          </a:prstGeom>
-          <a:solidFill>
-            <a:srgbClr val="00B0F0"/>
-          </a:solidFill>
-          <a:ln>
-            <a:noFill/>
-            <a:headEnd type="none" w="med" len="med"/>
-            <a:tailEnd type="none" w="med" len="med"/>
-          </a:ln>
-          <a:effectLst/>
-        </p:spPr>
-        <p:style>
-          <a:lnRef idx="1">
-            <a:schemeClr val="accent2"/>
-          </a:lnRef>
-          <a:fillRef idx="3">
-            <a:schemeClr val="accent2"/>
-          </a:fillRef>
-          <a:effectRef idx="2">
-            <a:schemeClr val="accent2"/>
-          </a:effectRef>
-          <a:fontRef idx="minor">
-            <a:schemeClr val="lt1"/>
-          </a:fontRef>
-        </p:style>
-        <p:txBody>
-          <a:bodyPr rot="0" spcFirstLastPara="0" vertOverflow="overflow" horzOverflow="overflow" vert="horz" wrap="square" lIns="182880" tIns="146304" rIns="182880" bIns="146304" numCol="1" spcCol="0" rtlCol="0" fromWordArt="0" anchor="ctr" anchorCtr="0" forceAA="0" compatLnSpc="1">
-            <a:prstTxWarp prst="textNoShape">
-              <a:avLst/>
-            </a:prstTxWarp>
-            <a:noAutofit/>
-          </a:bodyPr>
-          <a:lstStyle/>
-          <a:p>
-            <a:pPr algn="ctr" defTabSz="932472" fontAlgn="base">
-              <a:lnSpc>
-                <a:spcPct val="90000"/>
-              </a:lnSpc>
-              <a:spcBef>
-                <a:spcPct val="0"/>
-              </a:spcBef>
-              <a:spcAft>
-                <a:spcPct val="0"/>
-              </a:spcAft>
-            </a:pPr>
-            <a:r>
-              <a:rPr lang="en-US" sz="4000" dirty="0">
-                <a:gradFill>
-                  <a:gsLst>
-                    <a:gs pos="0">
-                      <a:srgbClr val="FFFFFF"/>
-                    </a:gs>
-                    <a:gs pos="100000">
-                      <a:srgbClr val="FFFFFF"/>
-                    </a:gs>
-                  </a:gsLst>
-                  <a:lin ang="5400000" scaled="0"/>
-                </a:gradFill>
-                <a:ea typeface="Segoe UI" pitchFamily="34" charset="0"/>
-                <a:cs typeface="Segoe UI" pitchFamily="34" charset="0"/>
-              </a:rPr>
-              <a:t>4</a:t>
-            </a:r>
-          </a:p>
-        </p:txBody>
-      </p:sp>
-    </p:spTree>
-    <p:extLst>
-      <p:ext uri="{BB962C8B-B14F-4D97-AF65-F5344CB8AC3E}">
-        <p14:creationId xmlns:p14="http://schemas.microsoft.com/office/powerpoint/2010/main" val="3483417919"/>
-      </p:ext>
-    </p:extLst>
-  </p:cSld>
-  <p:clrMapOvr>
-    <a:masterClrMapping/>
-  </p:clrMapOvr>
-  <mc:AlternateContent xmlns:mc="http://schemas.openxmlformats.org/markup-compatibility/2006" xmlns:p14="http://schemas.microsoft.com/office/powerpoint/2010/main">
-    <mc:Choice Requires="p14">
-      <p:transition p14:dur="0"/>
-    </mc:Choice>
-    <mc:Fallback xmlns="">
-      <p:transition/>
     </mc:Fallback>
   </mc:AlternateContent>
 </p:sld>
@@ -34592,12 +34882,6 @@
 </file>
 
 <file path=customXml/item1.xml><?xml version="1.0" encoding="utf-8"?>
-<p:properties xmlns:p="http://schemas.microsoft.com/office/2006/metadata/properties" xmlns:xsi="http://www.w3.org/2001/XMLSchema-instance" xmlns:pc="http://schemas.microsoft.com/office/infopath/2007/PartnerControls">
-  <documentManagement/>
-</p:properties>
-</file>
-
-<file path=customXml/item2.xml><?xml version="1.0" encoding="utf-8"?>
 <ct:contentTypeSchema xmlns:ct="http://schemas.microsoft.com/office/2006/metadata/contentType" xmlns:ma="http://schemas.microsoft.com/office/2006/metadata/properties/metaAttributes" ct:_="" ma:_="" ma:contentTypeName="Document" ma:contentTypeID="0x010100F50271A20F7B3C41B827A8F04D548019" ma:contentTypeVersion="2" ma:contentTypeDescription="Create a new document." ma:contentTypeScope="" ma:versionID="0f5b4adeca3fa452dfd663ff4e0777e3">
   <xsd:schema xmlns:xsd="http://www.w3.org/2001/XMLSchema" xmlns:xs="http://www.w3.org/2001/XMLSchema" xmlns:p="http://schemas.microsoft.com/office/2006/metadata/properties" xmlns:ns2="f85c541c-390e-4fa8-b262-5da5c5cfad75" targetNamespace="http://schemas.microsoft.com/office/2006/metadata/properties" ma:root="true" ma:fieldsID="592d4a22e1cc7090506e0998bb31d05e" ns2:_="">
     <xsd:import namespace="f85c541c-390e-4fa8-b262-5da5c5cfad75"/>
@@ -34745,6 +35029,12 @@
 </ct:contentTypeSchema>
 </file>
 
+<file path=customXml/item2.xml><?xml version="1.0" encoding="utf-8"?>
+<p:properties xmlns:p="http://schemas.microsoft.com/office/2006/metadata/properties" xmlns:xsi="http://www.w3.org/2001/XMLSchema-instance" xmlns:pc="http://schemas.microsoft.com/office/infopath/2007/PartnerControls">
+  <documentManagement/>
+</p:properties>
+</file>
+
 <file path=customXml/item3.xml><?xml version="1.0" encoding="utf-8"?>
 <?mso-contentType ?>
 <FormTemplates xmlns="http://schemas.microsoft.com/sharepoint/v3/contenttype/forms">
@@ -34755,22 +35045,6 @@
 </file>
 
 <file path=customXml/itemProps1.xml><?xml version="1.0" encoding="utf-8"?>
-<ds:datastoreItem xmlns:ds="http://schemas.openxmlformats.org/officeDocument/2006/customXml" ds:itemID="{F990F116-B58F-4255-B05B-DA3808E0E5C6}">
-  <ds:schemaRefs>
-    <ds:schemaRef ds:uri="http://purl.org/dc/terms/"/>
-    <ds:schemaRef ds:uri="http://schemas.openxmlformats.org/package/2006/metadata/core-properties"/>
-    <ds:schemaRef ds:uri="http://schemas.microsoft.com/office/2006/documentManagement/types"/>
-    <ds:schemaRef ds:uri="http://schemas.microsoft.com/office/infopath/2007/PartnerControls"/>
-    <ds:schemaRef ds:uri="http://purl.org/dc/elements/1.1/"/>
-    <ds:schemaRef ds:uri="http://schemas.microsoft.com/office/2006/metadata/properties"/>
-    <ds:schemaRef ds:uri="f85c541c-390e-4fa8-b262-5da5c5cfad75"/>
-    <ds:schemaRef ds:uri="http://www.w3.org/XML/1998/namespace"/>
-    <ds:schemaRef ds:uri="http://purl.org/dc/dcmitype/"/>
-  </ds:schemaRefs>
-</ds:datastoreItem>
-</file>
-
-<file path=customXml/itemProps2.xml><?xml version="1.0" encoding="utf-8"?>
 <ds:datastoreItem xmlns:ds="http://schemas.openxmlformats.org/officeDocument/2006/customXml" ds:itemID="{16C79B61-263D-4889-954E-B7F93FBE6617}">
   <ds:schemaRefs>
     <ds:schemaRef ds:uri="http://schemas.microsoft.com/office/2006/metadata/contentType"/>
@@ -34788,6 +35062,22 @@
 </ds:datastoreItem>
 </file>
 
+<file path=customXml/itemProps2.xml><?xml version="1.0" encoding="utf-8"?>
+<ds:datastoreItem xmlns:ds="http://schemas.openxmlformats.org/officeDocument/2006/customXml" ds:itemID="{F990F116-B58F-4255-B05B-DA3808E0E5C6}">
+  <ds:schemaRefs>
+    <ds:schemaRef ds:uri="http://purl.org/dc/terms/"/>
+    <ds:schemaRef ds:uri="http://schemas.openxmlformats.org/package/2006/metadata/core-properties"/>
+    <ds:schemaRef ds:uri="http://schemas.microsoft.com/office/2006/documentManagement/types"/>
+    <ds:schemaRef ds:uri="http://schemas.microsoft.com/office/infopath/2007/PartnerControls"/>
+    <ds:schemaRef ds:uri="http://purl.org/dc/elements/1.1/"/>
+    <ds:schemaRef ds:uri="http://schemas.microsoft.com/office/2006/metadata/properties"/>
+    <ds:schemaRef ds:uri="f85c541c-390e-4fa8-b262-5da5c5cfad75"/>
+    <ds:schemaRef ds:uri="http://www.w3.org/XML/1998/namespace"/>
+    <ds:schemaRef ds:uri="http://purl.org/dc/dcmitype/"/>
+  </ds:schemaRefs>
+</ds:datastoreItem>
+</file>
+
 <file path=customXml/itemProps3.xml><?xml version="1.0" encoding="utf-8"?>
 <ds:datastoreItem xmlns:ds="http://schemas.openxmlformats.org/officeDocument/2006/customXml" ds:itemID="{758FDAC0-319D-4A54-8D8E-1D42CB1F8004}">
   <ds:schemaRefs>

--- a/Presentation.pptx
+++ b/Presentation.pptx
@@ -16,14 +16,14 @@
     <p:sldId id="1367" r:id="rId7"/>
     <p:sldId id="1468" r:id="rId8"/>
     <p:sldId id="1483" r:id="rId9"/>
-    <p:sldId id="1455" r:id="rId10"/>
-    <p:sldId id="1467" r:id="rId11"/>
-    <p:sldId id="1451" r:id="rId12"/>
+    <p:sldId id="1451" r:id="rId10"/>
+    <p:sldId id="1455" r:id="rId11"/>
+    <p:sldId id="1467" r:id="rId12"/>
     <p:sldId id="1457" r:id="rId13"/>
     <p:sldId id="1456" r:id="rId14"/>
-    <p:sldId id="1459" r:id="rId15"/>
-    <p:sldId id="1470" r:id="rId16"/>
-    <p:sldId id="1479" r:id="rId17"/>
+    <p:sldId id="1479" r:id="rId15"/>
+    <p:sldId id="1459" r:id="rId16"/>
+    <p:sldId id="1470" r:id="rId17"/>
     <p:sldId id="1481" r:id="rId18"/>
     <p:sldId id="1473" r:id="rId19"/>
     <p:sldId id="1480" r:id="rId20"/>
@@ -1021,34 +1021,29 @@
           <a:lstStyle/>
           <a:p>
             <a:r>
-              <a:rPr lang="en-US" dirty="0"/>
-              <a:t>You should get to this slide no later than 10 minutes into the session</a:t>
-            </a:r>
-          </a:p>
-          <a:p>
-            <a:endParaRPr lang="en-US" dirty="0"/>
-          </a:p>
-          <a:p>
-            <a:r>
-              <a:rPr lang="en-US" dirty="0"/>
-              <a:t>Show how to get to the lab</a:t>
-            </a:r>
-            <a:r>
               <a:rPr lang="en-US" baseline="0" dirty="0"/>
-              <a:t> on the workstation, and then leave this slide up on the projector.</a:t>
-            </a:r>
-            <a:endParaRPr lang="en-US" dirty="0"/>
+              <a:t>“As a follow-on to this lab, we also have the Azure IoT lab. In that, you’ll learn how to use the Raspberry Pi to send sensor data to IoT Hub and process it using other Azure IoT services.</a:t>
+            </a:r>
+          </a:p>
+          <a:p>
+            <a:endParaRPr lang="en-US" baseline="0" dirty="0"/>
+          </a:p>
+          <a:p>
+            <a:r>
+              <a:rPr lang="en-US" baseline="0" dirty="0"/>
+              <a:t>If you are interested in the underlying IO and other capabilities on devices like the Raspberry Pi, or want to explore more with Azure and devices, we also have the Open Hack in this same room, starting on Day 2.”</a:t>
+            </a:r>
           </a:p>
         </p:txBody>
       </p:sp>
       <p:sp>
         <p:nvSpPr>
-          <p:cNvPr id="4" name="Header Placeholder 3"/>
+          <p:cNvPr id="4" name="Slide Number Placeholder 3"/>
           <p:cNvSpPr>
             <a:spLocks noGrp="1"/>
           </p:cNvSpPr>
           <p:nvPr>
-            <p:ph type="hdr" sz="quarter" idx="10"/>
+            <p:ph type="sldNum" sz="quarter" idx="10"/>
           </p:nvPr>
         </p:nvSpPr>
         <p:spPr/>
@@ -1056,115 +1051,78 @@
           <a:bodyPr/>
           <a:lstStyle/>
           <a:p>
-            <a:endParaRPr lang="en-US" dirty="0"/>
-          </a:p>
-        </p:txBody>
-      </p:sp>
-      <p:sp>
-        <p:nvSpPr>
-          <p:cNvPr id="5" name="Footer Placeholder 4"/>
-          <p:cNvSpPr>
-            <a:spLocks noGrp="1"/>
-          </p:cNvSpPr>
-          <p:nvPr>
-            <p:ph type="ftr" sz="quarter" idx="11"/>
-          </p:nvPr>
-        </p:nvSpPr>
-        <p:spPr/>
-        <p:txBody>
-          <a:bodyPr/>
-          <a:lstStyle/>
-          <a:p>
-            <a:pPr defTabSz="914099" eaLnBrk="0" hangingPunct="0"/>
-            <a:r>
-              <a:rPr lang="en-US" sz="400">
-                <a:gradFill>
-                  <a:gsLst>
-                    <a:gs pos="0">
-                      <a:prstClr val="black"/>
-                    </a:gs>
-                    <a:gs pos="100000">
-                      <a:prstClr val="black"/>
-                    </a:gs>
-                  </a:gsLst>
-                  <a:lin ang="5400000" scaled="0"/>
-                </a:gradFill>
-                <a:latin typeface="Segoe UI" pitchFamily="34" charset="0"/>
-                <a:ea typeface="Segoe UI" pitchFamily="34" charset="0"/>
-                <a:cs typeface="Segoe UI" pitchFamily="34" charset="0"/>
+            <a:pPr marL="0" marR="0" lvl="0" indent="0" algn="r" defTabSz="914400" rtl="0" eaLnBrk="1" fontAlgn="auto" latinLnBrk="0" hangingPunct="1">
+              <a:lnSpc>
+                <a:spcPct val="100000"/>
+              </a:lnSpc>
+              <a:spcBef>
+                <a:spcPts val="0"/>
+              </a:spcBef>
+              <a:spcAft>
+                <a:spcPts val="0"/>
+              </a:spcAft>
+              <a:buClrTx/>
+              <a:buSzTx/>
+              <a:buFontTx/>
+              <a:buNone/>
+              <a:tabLst/>
+              <a:defRPr/>
+            </a:pPr>
+            <a:fld id="{0EA2900F-B82C-4F11-85DB-97B88AAD310C}" type="slidenum">
+              <a:rPr kumimoji="0" lang="en-US" sz="1200" b="0" i="0" u="none" strike="noStrike" kern="1200" cap="none" spc="0" normalizeH="0" baseline="0" noProof="0" smtClean="0">
+                <a:ln>
+                  <a:noFill/>
+                </a:ln>
+                <a:solidFill>
+                  <a:prstClr val="black"/>
+                </a:solidFill>
+                <a:effectLst/>
+                <a:uLnTx/>
+                <a:uFillTx/>
+                <a:latin typeface="Calibri" panose="020F0502020204030204"/>
+                <a:ea typeface="+mn-ea"/>
+                <a:cs typeface="+mn-cs"/>
               </a:rPr>
-              <a:t>© 2014 Microsoft Corporation. All rights reserved. MICROSOFT MAKES NO WARRANTIES, EXPRESS, IMPLIED OR STATUTORY, AS TO THE INFORMATION IN THIS PRESENTATION.</a:t>
-            </a:r>
-            <a:endParaRPr lang="en-US" sz="400" dirty="0">
-              <a:gradFill>
-                <a:gsLst>
-                  <a:gs pos="0">
-                    <a:prstClr val="black"/>
-                  </a:gs>
-                  <a:gs pos="100000">
-                    <a:prstClr val="black"/>
-                  </a:gs>
-                </a:gsLst>
-                <a:lin ang="5400000" scaled="0"/>
-              </a:gradFill>
-              <a:latin typeface="Segoe UI" pitchFamily="34" charset="0"/>
-              <a:ea typeface="Segoe UI" pitchFamily="34" charset="0"/>
-              <a:cs typeface="Segoe UI" pitchFamily="34" charset="0"/>
-            </a:endParaRPr>
-          </a:p>
-        </p:txBody>
-      </p:sp>
-      <p:sp>
-        <p:nvSpPr>
-          <p:cNvPr id="6" name="Date Placeholder 5"/>
-          <p:cNvSpPr>
-            <a:spLocks noGrp="1"/>
-          </p:cNvSpPr>
-          <p:nvPr>
-            <p:ph type="dt" idx="12"/>
-          </p:nvPr>
-        </p:nvSpPr>
-        <p:spPr/>
-        <p:txBody>
-          <a:bodyPr/>
-          <a:lstStyle/>
-          <a:p>
-            <a:fld id="{38EEC551-8CDA-4EB6-89BB-2A86C9F091C8}" type="datetime8">
-              <a:rPr lang="en-US" smtClean="0"/>
-              <a:t>3/31/2016 4:24 AM</a:t>
-            </a:fld>
-            <a:endParaRPr lang="en-US" dirty="0"/>
-          </a:p>
-        </p:txBody>
-      </p:sp>
-      <p:sp>
-        <p:nvSpPr>
-          <p:cNvPr id="7" name="Slide Number Placeholder 6"/>
-          <p:cNvSpPr>
-            <a:spLocks noGrp="1"/>
-          </p:cNvSpPr>
-          <p:nvPr>
-            <p:ph type="sldNum" sz="quarter" idx="13"/>
-          </p:nvPr>
-        </p:nvSpPr>
-        <p:spPr/>
-        <p:txBody>
-          <a:bodyPr/>
-          <a:lstStyle/>
-          <a:p>
-            <a:fld id="{B4008EB6-D09E-4580-8CD6-DDB14511944F}" type="slidenum">
-              <a:rPr lang="en-US" smtClean="0"/>
-              <a:pPr/>
+              <a:pPr marL="0" marR="0" lvl="0" indent="0" algn="r" defTabSz="914400" rtl="0" eaLnBrk="1" fontAlgn="auto" latinLnBrk="0" hangingPunct="1">
+                <a:lnSpc>
+                  <a:spcPct val="100000"/>
+                </a:lnSpc>
+                <a:spcBef>
+                  <a:spcPts val="0"/>
+                </a:spcBef>
+                <a:spcAft>
+                  <a:spcPts val="0"/>
+                </a:spcAft>
+                <a:buClrTx/>
+                <a:buSzTx/>
+                <a:buFontTx/>
+                <a:buNone/>
+                <a:tabLst/>
+                <a:defRPr/>
+              </a:pPr>
               <a:t>12</a:t>
             </a:fld>
-            <a:endParaRPr lang="en-US" dirty="0"/>
+            <a:endParaRPr kumimoji="0" lang="en-US" sz="1200" b="0" i="0" u="none" strike="noStrike" kern="1200" cap="none" spc="0" normalizeH="0" baseline="0" noProof="0">
+              <a:ln>
+                <a:noFill/>
+              </a:ln>
+              <a:solidFill>
+                <a:prstClr val="black"/>
+              </a:solidFill>
+              <a:effectLst/>
+              <a:uLnTx/>
+              <a:uFillTx/>
+              <a:latin typeface="Calibri" panose="020F0502020204030204"/>
+              <a:ea typeface="+mn-ea"/>
+              <a:cs typeface="+mn-cs"/>
+            </a:endParaRPr>
           </a:p>
         </p:txBody>
       </p:sp>
     </p:spTree>
     <p:extLst>
       <p:ext uri="{BB962C8B-B14F-4D97-AF65-F5344CB8AC3E}">
-        <p14:creationId xmlns:p14="http://schemas.microsoft.com/office/powerpoint/2010/main" val="2316892694"/>
+        <p14:creationId xmlns:p14="http://schemas.microsoft.com/office/powerpoint/2010/main" val="2834252788"/>
       </p:ext>
     </p:extLst>
   </p:cSld>
@@ -2931,18 +2889,47 @@
           <a:bodyPr/>
           <a:lstStyle/>
           <a:p>
+            <a:pPr marL="0" marR="0" indent="0" algn="l" defTabSz="924916" rtl="0" eaLnBrk="1" fontAlgn="auto" latinLnBrk="0" hangingPunct="1">
+              <a:lnSpc>
+                <a:spcPct val="90000"/>
+              </a:lnSpc>
+              <a:spcBef>
+                <a:spcPts val="0"/>
+              </a:spcBef>
+              <a:spcAft>
+                <a:spcPts val="340"/>
+              </a:spcAft>
+              <a:buClrTx/>
+              <a:buSzTx/>
+              <a:buFontTx/>
+              <a:buNone/>
+              <a:tabLst/>
+              <a:defRPr/>
+            </a:pPr>
+            <a:r>
+              <a:rPr lang="en-US" baseline="0" dirty="0"/>
+              <a:t>“With Windows 10, we’ve taken our best work from Desktop, Windows Phone, and Xbox merged it into a single core operating system with a tailored experience for each device. Windows 10 runs on everything from Phone to laptop to desktop to IoT devices and </a:t>
+            </a:r>
+            <a:r>
+              <a:rPr lang="en-US" baseline="0" dirty="0" err="1"/>
+              <a:t>Hololens</a:t>
+            </a:r>
+            <a:r>
+              <a:rPr lang="en-US" baseline="0" dirty="0"/>
+              <a:t>.”</a:t>
+            </a:r>
             <a:endParaRPr lang="en-US" dirty="0"/>
           </a:p>
         </p:txBody>
       </p:sp>
       <p:sp>
         <p:nvSpPr>
-          <p:cNvPr id="4" name="Header Placeholder 3"/>
+          <p:cNvPr id="4" name="Slide Number Placeholder 3"/>
           <p:cNvSpPr>
             <a:spLocks noGrp="1"/>
           </p:cNvSpPr>
           <p:nvPr>
-            <p:ph type="hdr" sz="quarter" idx="10"/>
+            <p:ph type="sldNum" sz="quarter" idx="10"/>
           </p:nvPr>
         </p:nvSpPr>
         <p:spPr/>
@@ -2950,99 +2937,78 @@
           <a:bodyPr/>
           <a:lstStyle/>
           <a:p>
-            <a:endParaRPr lang="en-US" dirty="0"/>
-          </a:p>
-        </p:txBody>
-      </p:sp>
-      <p:sp>
-        <p:nvSpPr>
-          <p:cNvPr id="5" name="Footer Placeholder 4"/>
-          <p:cNvSpPr>
-            <a:spLocks noGrp="1"/>
-          </p:cNvSpPr>
-          <p:nvPr>
-            <p:ph type="ftr" sz="quarter" idx="11"/>
-          </p:nvPr>
-        </p:nvSpPr>
-        <p:spPr/>
-        <p:txBody>
-          <a:bodyPr/>
-          <a:lstStyle/>
-          <a:p>
-            <a:pPr defTabSz="914099" eaLnBrk="0" hangingPunct="0"/>
-            <a:r>
-              <a:rPr lang="en-US" sz="400" dirty="0">
-                <a:gradFill>
-                  <a:gsLst>
-                    <a:gs pos="0">
-                      <a:prstClr val="black"/>
-                    </a:gs>
-                    <a:gs pos="100000">
-                      <a:prstClr val="black"/>
-                    </a:gs>
-                  </a:gsLst>
-                  <a:lin ang="5400000" scaled="0"/>
-                </a:gradFill>
-                <a:latin typeface="Segoe UI" pitchFamily="34" charset="0"/>
-                <a:ea typeface="Segoe UI" pitchFamily="34" charset="0"/>
-                <a:cs typeface="Segoe UI" pitchFamily="34" charset="0"/>
+            <a:pPr marL="0" marR="0" lvl="0" indent="0" algn="r" defTabSz="914400" rtl="0" eaLnBrk="1" fontAlgn="auto" latinLnBrk="0" hangingPunct="1">
+              <a:lnSpc>
+                <a:spcPct val="100000"/>
+              </a:lnSpc>
+              <a:spcBef>
+                <a:spcPts val="0"/>
+              </a:spcBef>
+              <a:spcAft>
+                <a:spcPts val="0"/>
+              </a:spcAft>
+              <a:buClrTx/>
+              <a:buSzTx/>
+              <a:buFontTx/>
+              <a:buNone/>
+              <a:tabLst/>
+              <a:defRPr/>
+            </a:pPr>
+            <a:fld id="{0EA2900F-B82C-4F11-85DB-97B88AAD310C}" type="slidenum">
+              <a:rPr kumimoji="0" lang="en-US" sz="1200" b="0" i="0" u="none" strike="noStrike" kern="1200" cap="none" spc="0" normalizeH="0" baseline="0" noProof="0" smtClean="0">
+                <a:ln>
+                  <a:noFill/>
+                </a:ln>
+                <a:solidFill>
+                  <a:prstClr val="black"/>
+                </a:solidFill>
+                <a:effectLst/>
+                <a:uLnTx/>
+                <a:uFillTx/>
+                <a:latin typeface="Calibri" panose="020F0502020204030204"/>
+                <a:ea typeface="+mn-ea"/>
+                <a:cs typeface="+mn-cs"/>
               </a:rPr>
-              <a:t>© 2016 Microsoft Corporation. All rights reserved. MICROSOFT MAKES NO WARRANTIES, EXPRESS, IMPLIED OR STATUTORY, AS TO THE INFORMATION IN THIS PRESENTATION.</a:t>
-            </a:r>
-          </a:p>
-        </p:txBody>
-      </p:sp>
-      <p:sp>
-        <p:nvSpPr>
-          <p:cNvPr id="6" name="Date Placeholder 5"/>
-          <p:cNvSpPr>
-            <a:spLocks noGrp="1"/>
-          </p:cNvSpPr>
-          <p:nvPr>
-            <p:ph type="dt" idx="12"/>
-          </p:nvPr>
-        </p:nvSpPr>
-        <p:spPr/>
-        <p:txBody>
-          <a:bodyPr/>
-          <a:lstStyle/>
-          <a:p>
-            <a:fld id="{90EC29EE-A8AD-4CE0-9C0B-116E0D4D7533}" type="datetime8">
-              <a:rPr lang="en-US" smtClean="0"/>
-              <a:t>3/31/2016 4:24 AM</a:t>
-            </a:fld>
-            <a:endParaRPr lang="en-US" dirty="0"/>
-          </a:p>
-        </p:txBody>
-      </p:sp>
-      <p:sp>
-        <p:nvSpPr>
-          <p:cNvPr id="7" name="Slide Number Placeholder 6"/>
-          <p:cNvSpPr>
-            <a:spLocks noGrp="1"/>
-          </p:cNvSpPr>
-          <p:nvPr>
-            <p:ph type="sldNum" sz="quarter" idx="13"/>
-          </p:nvPr>
-        </p:nvSpPr>
-        <p:spPr/>
-        <p:txBody>
-          <a:bodyPr/>
-          <a:lstStyle/>
-          <a:p>
-            <a:fld id="{B4008EB6-D09E-4580-8CD6-DDB14511944F}" type="slidenum">
-              <a:rPr lang="en-US" smtClean="0"/>
-              <a:pPr/>
+              <a:pPr marL="0" marR="0" lvl="0" indent="0" algn="r" defTabSz="914400" rtl="0" eaLnBrk="1" fontAlgn="auto" latinLnBrk="0" hangingPunct="1">
+                <a:lnSpc>
+                  <a:spcPct val="100000"/>
+                </a:lnSpc>
+                <a:spcBef>
+                  <a:spcPts val="0"/>
+                </a:spcBef>
+                <a:spcAft>
+                  <a:spcPts val="0"/>
+                </a:spcAft>
+                <a:buClrTx/>
+                <a:buSzTx/>
+                <a:buFontTx/>
+                <a:buNone/>
+                <a:tabLst/>
+                <a:defRPr/>
+              </a:pPr>
               <a:t>5</a:t>
             </a:fld>
-            <a:endParaRPr lang="en-US" dirty="0"/>
+            <a:endParaRPr kumimoji="0" lang="en-US" sz="1200" b="0" i="0" u="none" strike="noStrike" kern="1200" cap="none" spc="0" normalizeH="0" baseline="0" noProof="0">
+              <a:ln>
+                <a:noFill/>
+              </a:ln>
+              <a:solidFill>
+                <a:prstClr val="black"/>
+              </a:solidFill>
+              <a:effectLst/>
+              <a:uLnTx/>
+              <a:uFillTx/>
+              <a:latin typeface="Calibri" panose="020F0502020204030204"/>
+              <a:ea typeface="+mn-ea"/>
+              <a:cs typeface="+mn-cs"/>
+            </a:endParaRPr>
           </a:p>
         </p:txBody>
       </p:sp>
     </p:spTree>
     <p:extLst>
       <p:ext uri="{BB962C8B-B14F-4D97-AF65-F5344CB8AC3E}">
-        <p14:creationId xmlns:p14="http://schemas.microsoft.com/office/powerpoint/2010/main" val="3792050101"/>
+        <p14:creationId xmlns:p14="http://schemas.microsoft.com/office/powerpoint/2010/main" val="3526410877"/>
       </p:ext>
     </p:extLst>
   </p:cSld>
@@ -3115,19 +3081,7 @@
           <a:bodyPr/>
           <a:lstStyle/>
           <a:p>
-            <a:r>
-              <a:rPr lang="en-US">
-                <a:solidFill>
-                  <a:prstClr val="black"/>
-                </a:solidFill>
-              </a:rPr>
-              <a:t>Build 2015</a:t>
-            </a:r>
-            <a:endParaRPr lang="en-US" dirty="0">
-              <a:solidFill>
-                <a:prstClr val="black"/>
-              </a:solidFill>
-            </a:endParaRPr>
+            <a:endParaRPr lang="en-US" dirty="0"/>
           </a:p>
         </p:txBody>
       </p:sp>
@@ -3146,9 +3100,9 @@
           <a:bodyPr/>
           <a:lstStyle/>
           <a:p>
-            <a:pPr defTabSz="931467" eaLnBrk="0" hangingPunct="0"/>
-            <a:r>
-              <a:rPr lang="en-US" sz="400">
+            <a:pPr defTabSz="914099" eaLnBrk="0" hangingPunct="0"/>
+            <a:r>
+              <a:rPr lang="en-US" sz="400" dirty="0">
                 <a:gradFill>
                   <a:gsLst>
                     <a:gs pos="0">
@@ -3164,24 +3118,8 @@
                 <a:ea typeface="Segoe UI" pitchFamily="34" charset="0"/>
                 <a:cs typeface="Segoe UI" pitchFamily="34" charset="0"/>
               </a:rPr>
-              <a:t>© 2015 Microsoft Corporation. All rights reserved. MICROSOFT MAKES NO WARRANTIES, EXPRESS, IMPLIED OR STATUTORY, AS TO THE INFORMATION IN THIS PRESENTATION.</a:t>
-            </a:r>
-            <a:endParaRPr lang="en-US" sz="400" dirty="0">
-              <a:gradFill>
-                <a:gsLst>
-                  <a:gs pos="0">
-                    <a:prstClr val="black"/>
-                  </a:gs>
-                  <a:gs pos="100000">
-                    <a:prstClr val="black"/>
-                  </a:gs>
-                </a:gsLst>
-                <a:lin ang="5400000" scaled="0"/>
-              </a:gradFill>
-              <a:latin typeface="Segoe UI" pitchFamily="34" charset="0"/>
-              <a:ea typeface="Segoe UI" pitchFamily="34" charset="0"/>
-              <a:cs typeface="Segoe UI" pitchFamily="34" charset="0"/>
-            </a:endParaRPr>
+              <a:t>© 2016 Microsoft Corporation. All rights reserved. MICROSOFT MAKES NO WARRANTIES, EXPRESS, IMPLIED OR STATUTORY, AS TO THE INFORMATION IN THIS PRESENTATION.</a:t>
+            </a:r>
           </a:p>
         </p:txBody>
       </p:sp>
@@ -3200,20 +3138,11 @@
           <a:bodyPr/>
           <a:lstStyle/>
           <a:p>
-            <a:fld id="{38EEC551-8CDA-4EB6-89BB-2A86C9F091C8}" type="datetime8">
-              <a:rPr lang="en-US" smtClean="0">
-                <a:solidFill>
-                  <a:prstClr val="black"/>
-                </a:solidFill>
-              </a:rPr>
-              <a:pPr/>
+            <a:fld id="{90EC29EE-A8AD-4CE0-9C0B-116E0D4D7533}" type="datetime8">
+              <a:rPr lang="en-US" smtClean="0"/>
               <a:t>3/31/2016 4:24 AM</a:t>
             </a:fld>
-            <a:endParaRPr lang="en-US" dirty="0">
-              <a:solidFill>
-                <a:prstClr val="black"/>
-              </a:solidFill>
-            </a:endParaRPr>
+            <a:endParaRPr lang="en-US" dirty="0"/>
           </a:p>
         </p:txBody>
       </p:sp>
@@ -3233,26 +3162,18 @@
           <a:lstStyle/>
           <a:p>
             <a:fld id="{B4008EB6-D09E-4580-8CD6-DDB14511944F}" type="slidenum">
-              <a:rPr lang="en-US" smtClean="0">
-                <a:solidFill>
-                  <a:prstClr val="black"/>
-                </a:solidFill>
-              </a:rPr>
+              <a:rPr lang="en-US" smtClean="0"/>
               <a:pPr/>
               <a:t>6</a:t>
             </a:fld>
-            <a:endParaRPr lang="en-US" dirty="0">
-              <a:solidFill>
-                <a:prstClr val="black"/>
-              </a:solidFill>
-            </a:endParaRPr>
+            <a:endParaRPr lang="en-US" dirty="0"/>
           </a:p>
         </p:txBody>
       </p:sp>
     </p:spTree>
     <p:extLst>
       <p:ext uri="{BB962C8B-B14F-4D97-AF65-F5344CB8AC3E}">
-        <p14:creationId xmlns:p14="http://schemas.microsoft.com/office/powerpoint/2010/main" val="213822893"/>
+        <p14:creationId xmlns:p14="http://schemas.microsoft.com/office/powerpoint/2010/main" val="3792050101"/>
       </p:ext>
     </p:extLst>
   </p:cSld>
@@ -3306,47 +3227,18 @@
           <a:bodyPr/>
           <a:lstStyle/>
           <a:p>
-            <a:pPr marL="0" marR="0" indent="0" algn="l" defTabSz="924916" rtl="0" eaLnBrk="1" fontAlgn="auto" latinLnBrk="0" hangingPunct="1">
-              <a:lnSpc>
-                <a:spcPct val="90000"/>
-              </a:lnSpc>
-              <a:spcBef>
-                <a:spcPts val="0"/>
-              </a:spcBef>
-              <a:spcAft>
-                <a:spcPts val="340"/>
-              </a:spcAft>
-              <a:buClrTx/>
-              <a:buSzTx/>
-              <a:buFontTx/>
-              <a:buNone/>
-              <a:tabLst/>
-              <a:defRPr/>
-            </a:pPr>
-            <a:r>
-              <a:rPr lang="en-US" baseline="0" dirty="0"/>
-              <a:t>“With Windows 10, we’ve taken our best work from Desktop, Windows Phone, and Xbox merged it into a single core operating system with a tailored experience for each device. Windows 10 runs on everything from Phone to laptop to desktop to IoT devices and </a:t>
-            </a:r>
-            <a:r>
-              <a:rPr lang="en-US" baseline="0" dirty="0" err="1"/>
-              <a:t>Hololens</a:t>
-            </a:r>
-            <a:r>
-              <a:rPr lang="en-US" baseline="0" dirty="0"/>
-              <a:t>.”</a:t>
-            </a:r>
             <a:endParaRPr lang="en-US" dirty="0"/>
           </a:p>
         </p:txBody>
       </p:sp>
       <p:sp>
         <p:nvSpPr>
-          <p:cNvPr id="4" name="Slide Number Placeholder 3"/>
+          <p:cNvPr id="4" name="Header Placeholder 3"/>
           <p:cNvSpPr>
             <a:spLocks noGrp="1"/>
           </p:cNvSpPr>
           <p:nvPr>
-            <p:ph type="sldNum" sz="quarter" idx="10"/>
+            <p:ph type="hdr" sz="quarter" idx="10"/>
           </p:nvPr>
         </p:nvSpPr>
         <p:spPr/>
@@ -3354,70 +3246,136 @@
           <a:bodyPr/>
           <a:lstStyle/>
           <a:p>
-            <a:pPr marL="0" marR="0" lvl="0" indent="0" algn="r" defTabSz="914400" rtl="0" eaLnBrk="1" fontAlgn="auto" latinLnBrk="0" hangingPunct="1">
-              <a:lnSpc>
-                <a:spcPct val="100000"/>
-              </a:lnSpc>
-              <a:spcBef>
-                <a:spcPts val="0"/>
-              </a:spcBef>
-              <a:spcAft>
-                <a:spcPts val="0"/>
-              </a:spcAft>
-              <a:buClrTx/>
-              <a:buSzTx/>
-              <a:buFontTx/>
-              <a:buNone/>
-              <a:tabLst/>
-              <a:defRPr/>
-            </a:pPr>
-            <a:fld id="{0EA2900F-B82C-4F11-85DB-97B88AAD310C}" type="slidenum">
-              <a:rPr kumimoji="0" lang="en-US" sz="1200" b="0" i="0" u="none" strike="noStrike" kern="1200" cap="none" spc="0" normalizeH="0" baseline="0" noProof="0" smtClean="0">
-                <a:ln>
-                  <a:noFill/>
-                </a:ln>
+            <a:r>
+              <a:rPr lang="en-US">
                 <a:solidFill>
                   <a:prstClr val="black"/>
                 </a:solidFill>
-                <a:effectLst/>
-                <a:uLnTx/>
-                <a:uFillTx/>
-                <a:latin typeface="Calibri" panose="020F0502020204030204"/>
-                <a:ea typeface="+mn-ea"/>
-                <a:cs typeface="+mn-cs"/>
               </a:rPr>
-              <a:pPr marL="0" marR="0" lvl="0" indent="0" algn="r" defTabSz="914400" rtl="0" eaLnBrk="1" fontAlgn="auto" latinLnBrk="0" hangingPunct="1">
-                <a:lnSpc>
-                  <a:spcPct val="100000"/>
-                </a:lnSpc>
-                <a:spcBef>
-                  <a:spcPts val="0"/>
-                </a:spcBef>
-                <a:spcAft>
-                  <a:spcPts val="0"/>
-                </a:spcAft>
-                <a:buClrTx/>
-                <a:buSzTx/>
-                <a:buFontTx/>
-                <a:buNone/>
-                <a:tabLst/>
-                <a:defRPr/>
-              </a:pPr>
-              <a:t>7</a:t>
-            </a:fld>
-            <a:endParaRPr kumimoji="0" lang="en-US" sz="1200" b="0" i="0" u="none" strike="noStrike" kern="1200" cap="none" spc="0" normalizeH="0" baseline="0" noProof="0">
-              <a:ln>
-                <a:noFill/>
-              </a:ln>
+              <a:t>Build 2015</a:t>
+            </a:r>
+            <a:endParaRPr lang="en-US" dirty="0">
               <a:solidFill>
                 <a:prstClr val="black"/>
               </a:solidFill>
-              <a:effectLst/>
-              <a:uLnTx/>
-              <a:uFillTx/>
-              <a:latin typeface="Calibri" panose="020F0502020204030204"/>
-              <a:ea typeface="+mn-ea"/>
-              <a:cs typeface="+mn-cs"/>
+            </a:endParaRPr>
+          </a:p>
+        </p:txBody>
+      </p:sp>
+      <p:sp>
+        <p:nvSpPr>
+          <p:cNvPr id="5" name="Footer Placeholder 4"/>
+          <p:cNvSpPr>
+            <a:spLocks noGrp="1"/>
+          </p:cNvSpPr>
+          <p:nvPr>
+            <p:ph type="ftr" sz="quarter" idx="11"/>
+          </p:nvPr>
+        </p:nvSpPr>
+        <p:spPr/>
+        <p:txBody>
+          <a:bodyPr/>
+          <a:lstStyle/>
+          <a:p>
+            <a:pPr defTabSz="931467" eaLnBrk="0" hangingPunct="0"/>
+            <a:r>
+              <a:rPr lang="en-US" sz="400">
+                <a:gradFill>
+                  <a:gsLst>
+                    <a:gs pos="0">
+                      <a:prstClr val="black"/>
+                    </a:gs>
+                    <a:gs pos="100000">
+                      <a:prstClr val="black"/>
+                    </a:gs>
+                  </a:gsLst>
+                  <a:lin ang="5400000" scaled="0"/>
+                </a:gradFill>
+                <a:latin typeface="Segoe UI" pitchFamily="34" charset="0"/>
+                <a:ea typeface="Segoe UI" pitchFamily="34" charset="0"/>
+                <a:cs typeface="Segoe UI" pitchFamily="34" charset="0"/>
+              </a:rPr>
+              <a:t>© 2015 Microsoft Corporation. All rights reserved. MICROSOFT MAKES NO WARRANTIES, EXPRESS, IMPLIED OR STATUTORY, AS TO THE INFORMATION IN THIS PRESENTATION.</a:t>
+            </a:r>
+            <a:endParaRPr lang="en-US" sz="400" dirty="0">
+              <a:gradFill>
+                <a:gsLst>
+                  <a:gs pos="0">
+                    <a:prstClr val="black"/>
+                  </a:gs>
+                  <a:gs pos="100000">
+                    <a:prstClr val="black"/>
+                  </a:gs>
+                </a:gsLst>
+                <a:lin ang="5400000" scaled="0"/>
+              </a:gradFill>
+              <a:latin typeface="Segoe UI" pitchFamily="34" charset="0"/>
+              <a:ea typeface="Segoe UI" pitchFamily="34" charset="0"/>
+              <a:cs typeface="Segoe UI" pitchFamily="34" charset="0"/>
+            </a:endParaRPr>
+          </a:p>
+        </p:txBody>
+      </p:sp>
+      <p:sp>
+        <p:nvSpPr>
+          <p:cNvPr id="6" name="Date Placeholder 5"/>
+          <p:cNvSpPr>
+            <a:spLocks noGrp="1"/>
+          </p:cNvSpPr>
+          <p:nvPr>
+            <p:ph type="dt" idx="12"/>
+          </p:nvPr>
+        </p:nvSpPr>
+        <p:spPr/>
+        <p:txBody>
+          <a:bodyPr/>
+          <a:lstStyle/>
+          <a:p>
+            <a:fld id="{38EEC551-8CDA-4EB6-89BB-2A86C9F091C8}" type="datetime8">
+              <a:rPr lang="en-US" smtClean="0">
+                <a:solidFill>
+                  <a:prstClr val="black"/>
+                </a:solidFill>
+              </a:rPr>
+              <a:pPr/>
+              <a:t>3/31/2016 4:24 AM</a:t>
+            </a:fld>
+            <a:endParaRPr lang="en-US" dirty="0">
+              <a:solidFill>
+                <a:prstClr val="black"/>
+              </a:solidFill>
+            </a:endParaRPr>
+          </a:p>
+        </p:txBody>
+      </p:sp>
+      <p:sp>
+        <p:nvSpPr>
+          <p:cNvPr id="7" name="Slide Number Placeholder 6"/>
+          <p:cNvSpPr>
+            <a:spLocks noGrp="1"/>
+          </p:cNvSpPr>
+          <p:nvPr>
+            <p:ph type="sldNum" sz="quarter" idx="13"/>
+          </p:nvPr>
+        </p:nvSpPr>
+        <p:spPr/>
+        <p:txBody>
+          <a:bodyPr/>
+          <a:lstStyle/>
+          <a:p>
+            <a:fld id="{B4008EB6-D09E-4580-8CD6-DDB14511944F}" type="slidenum">
+              <a:rPr lang="en-US" smtClean="0">
+                <a:solidFill>
+                  <a:prstClr val="black"/>
+                </a:solidFill>
+              </a:rPr>
+              <a:pPr/>
+              <a:t>7</a:t>
+            </a:fld>
+            <a:endParaRPr lang="en-US" dirty="0">
+              <a:solidFill>
+                <a:prstClr val="black"/>
+              </a:solidFill>
             </a:endParaRPr>
           </a:p>
         </p:txBody>
@@ -3425,7 +3383,7 @@
     </p:spTree>
     <p:extLst>
       <p:ext uri="{BB962C8B-B14F-4D97-AF65-F5344CB8AC3E}">
-        <p14:creationId xmlns:p14="http://schemas.microsoft.com/office/powerpoint/2010/main" val="3526410877"/>
+        <p14:creationId xmlns:p14="http://schemas.microsoft.com/office/powerpoint/2010/main" val="213822893"/>
       </p:ext>
     </p:extLst>
   </p:cSld>
@@ -3645,29 +3603,34 @@
           <a:lstStyle/>
           <a:p>
             <a:r>
+              <a:rPr lang="en-US" dirty="0"/>
+              <a:t>You should get to this slide no later than 10 minutes into the session</a:t>
+            </a:r>
+          </a:p>
+          <a:p>
+            <a:endParaRPr lang="en-US" dirty="0"/>
+          </a:p>
+          <a:p>
+            <a:r>
+              <a:rPr lang="en-US" dirty="0"/>
+              <a:t>Show how to get to the lab</a:t>
+            </a:r>
+            <a:r>
               <a:rPr lang="en-US" baseline="0" dirty="0"/>
-              <a:t>“As a follow-on to this lab, we also have the Azure IoT lab. In that, you’ll learn how to use the Raspberry Pi to send sensor data to IoT Hub and process it using other Azure IoT services.</a:t>
-            </a:r>
-          </a:p>
-          <a:p>
-            <a:endParaRPr lang="en-US" baseline="0" dirty="0"/>
-          </a:p>
-          <a:p>
-            <a:r>
-              <a:rPr lang="en-US" baseline="0" dirty="0"/>
-              <a:t>If you are interested in the underlying IO and other capabilities on devices like the Raspberry Pi, or want to explore more with Azure and devices, we also have the Open Hack in this same room, starting on Day 2.”</a:t>
-            </a:r>
+              <a:t> on the workstation, and then leave this slide up on the projector.</a:t>
+            </a:r>
+            <a:endParaRPr lang="en-US" dirty="0"/>
           </a:p>
         </p:txBody>
       </p:sp>
       <p:sp>
         <p:nvSpPr>
-          <p:cNvPr id="4" name="Slide Number Placeholder 3"/>
+          <p:cNvPr id="4" name="Header Placeholder 3"/>
           <p:cNvSpPr>
             <a:spLocks noGrp="1"/>
           </p:cNvSpPr>
           <p:nvPr>
-            <p:ph type="sldNum" sz="quarter" idx="10"/>
+            <p:ph type="hdr" sz="quarter" idx="10"/>
           </p:nvPr>
         </p:nvSpPr>
         <p:spPr/>
@@ -3675,78 +3638,115 @@
           <a:bodyPr/>
           <a:lstStyle/>
           <a:p>
-            <a:pPr marL="0" marR="0" lvl="0" indent="0" algn="r" defTabSz="914400" rtl="0" eaLnBrk="1" fontAlgn="auto" latinLnBrk="0" hangingPunct="1">
-              <a:lnSpc>
-                <a:spcPct val="100000"/>
-              </a:lnSpc>
-              <a:spcBef>
-                <a:spcPts val="0"/>
-              </a:spcBef>
-              <a:spcAft>
-                <a:spcPts val="0"/>
-              </a:spcAft>
-              <a:buClrTx/>
-              <a:buSzTx/>
-              <a:buFontTx/>
-              <a:buNone/>
-              <a:tabLst/>
-              <a:defRPr/>
-            </a:pPr>
-            <a:fld id="{0EA2900F-B82C-4F11-85DB-97B88AAD310C}" type="slidenum">
-              <a:rPr kumimoji="0" lang="en-US" sz="1200" b="0" i="0" u="none" strike="noStrike" kern="1200" cap="none" spc="0" normalizeH="0" baseline="0" noProof="0" smtClean="0">
-                <a:ln>
-                  <a:noFill/>
-                </a:ln>
-                <a:solidFill>
-                  <a:prstClr val="black"/>
-                </a:solidFill>
-                <a:effectLst/>
-                <a:uLnTx/>
-                <a:uFillTx/>
-                <a:latin typeface="Calibri" panose="020F0502020204030204"/>
-                <a:ea typeface="+mn-ea"/>
-                <a:cs typeface="+mn-cs"/>
+            <a:endParaRPr lang="en-US" dirty="0"/>
+          </a:p>
+        </p:txBody>
+      </p:sp>
+      <p:sp>
+        <p:nvSpPr>
+          <p:cNvPr id="5" name="Footer Placeholder 4"/>
+          <p:cNvSpPr>
+            <a:spLocks noGrp="1"/>
+          </p:cNvSpPr>
+          <p:nvPr>
+            <p:ph type="ftr" sz="quarter" idx="11"/>
+          </p:nvPr>
+        </p:nvSpPr>
+        <p:spPr/>
+        <p:txBody>
+          <a:bodyPr/>
+          <a:lstStyle/>
+          <a:p>
+            <a:pPr defTabSz="914099" eaLnBrk="0" hangingPunct="0"/>
+            <a:r>
+              <a:rPr lang="en-US" sz="400">
+                <a:gradFill>
+                  <a:gsLst>
+                    <a:gs pos="0">
+                      <a:prstClr val="black"/>
+                    </a:gs>
+                    <a:gs pos="100000">
+                      <a:prstClr val="black"/>
+                    </a:gs>
+                  </a:gsLst>
+                  <a:lin ang="5400000" scaled="0"/>
+                </a:gradFill>
+                <a:latin typeface="Segoe UI" pitchFamily="34" charset="0"/>
+                <a:ea typeface="Segoe UI" pitchFamily="34" charset="0"/>
+                <a:cs typeface="Segoe UI" pitchFamily="34" charset="0"/>
               </a:rPr>
-              <a:pPr marL="0" marR="0" lvl="0" indent="0" algn="r" defTabSz="914400" rtl="0" eaLnBrk="1" fontAlgn="auto" latinLnBrk="0" hangingPunct="1">
-                <a:lnSpc>
-                  <a:spcPct val="100000"/>
-                </a:lnSpc>
-                <a:spcBef>
-                  <a:spcPts val="0"/>
-                </a:spcBef>
-                <a:spcAft>
-                  <a:spcPts val="0"/>
-                </a:spcAft>
-                <a:buClrTx/>
-                <a:buSzTx/>
-                <a:buFontTx/>
-                <a:buNone/>
-                <a:tabLst/>
-                <a:defRPr/>
-              </a:pPr>
+              <a:t>© 2014 Microsoft Corporation. All rights reserved. MICROSOFT MAKES NO WARRANTIES, EXPRESS, IMPLIED OR STATUTORY, AS TO THE INFORMATION IN THIS PRESENTATION.</a:t>
+            </a:r>
+            <a:endParaRPr lang="en-US" sz="400" dirty="0">
+              <a:gradFill>
+                <a:gsLst>
+                  <a:gs pos="0">
+                    <a:prstClr val="black"/>
+                  </a:gs>
+                  <a:gs pos="100000">
+                    <a:prstClr val="black"/>
+                  </a:gs>
+                </a:gsLst>
+                <a:lin ang="5400000" scaled="0"/>
+              </a:gradFill>
+              <a:latin typeface="Segoe UI" pitchFamily="34" charset="0"/>
+              <a:ea typeface="Segoe UI" pitchFamily="34" charset="0"/>
+              <a:cs typeface="Segoe UI" pitchFamily="34" charset="0"/>
+            </a:endParaRPr>
+          </a:p>
+        </p:txBody>
+      </p:sp>
+      <p:sp>
+        <p:nvSpPr>
+          <p:cNvPr id="6" name="Date Placeholder 5"/>
+          <p:cNvSpPr>
+            <a:spLocks noGrp="1"/>
+          </p:cNvSpPr>
+          <p:nvPr>
+            <p:ph type="dt" idx="12"/>
+          </p:nvPr>
+        </p:nvSpPr>
+        <p:spPr/>
+        <p:txBody>
+          <a:bodyPr/>
+          <a:lstStyle/>
+          <a:p>
+            <a:fld id="{38EEC551-8CDA-4EB6-89BB-2A86C9F091C8}" type="datetime8">
+              <a:rPr lang="en-US" smtClean="0"/>
+              <a:t>3/31/2016 4:24 AM</a:t>
+            </a:fld>
+            <a:endParaRPr lang="en-US" dirty="0"/>
+          </a:p>
+        </p:txBody>
+      </p:sp>
+      <p:sp>
+        <p:nvSpPr>
+          <p:cNvPr id="7" name="Slide Number Placeholder 6"/>
+          <p:cNvSpPr>
+            <a:spLocks noGrp="1"/>
+          </p:cNvSpPr>
+          <p:nvPr>
+            <p:ph type="sldNum" sz="quarter" idx="13"/>
+          </p:nvPr>
+        </p:nvSpPr>
+        <p:spPr/>
+        <p:txBody>
+          <a:bodyPr/>
+          <a:lstStyle/>
+          <a:p>
+            <a:fld id="{B4008EB6-D09E-4580-8CD6-DDB14511944F}" type="slidenum">
+              <a:rPr lang="en-US" smtClean="0"/>
+              <a:pPr/>
               <a:t>10</a:t>
             </a:fld>
-            <a:endParaRPr kumimoji="0" lang="en-US" sz="1200" b="0" i="0" u="none" strike="noStrike" kern="1200" cap="none" spc="0" normalizeH="0" baseline="0" noProof="0">
-              <a:ln>
-                <a:noFill/>
-              </a:ln>
-              <a:solidFill>
-                <a:prstClr val="black"/>
-              </a:solidFill>
-              <a:effectLst/>
-              <a:uLnTx/>
-              <a:uFillTx/>
-              <a:latin typeface="Calibri" panose="020F0502020204030204"/>
-              <a:ea typeface="+mn-ea"/>
-              <a:cs typeface="+mn-cs"/>
-            </a:endParaRPr>
+            <a:endParaRPr lang="en-US" dirty="0"/>
           </a:p>
         </p:txBody>
       </p:sp>
     </p:spTree>
     <p:extLst>
       <p:ext uri="{BB962C8B-B14F-4D97-AF65-F5344CB8AC3E}">
-        <p14:creationId xmlns:p14="http://schemas.microsoft.com/office/powerpoint/2010/main" val="473181027"/>
+        <p14:creationId xmlns:p14="http://schemas.microsoft.com/office/powerpoint/2010/main" val="2316892694"/>
       </p:ext>
     </p:extLst>
   </p:cSld>
@@ -3902,7 +3902,7 @@
     </p:spTree>
     <p:extLst>
       <p:ext uri="{BB962C8B-B14F-4D97-AF65-F5344CB8AC3E}">
-        <p14:creationId xmlns:p14="http://schemas.microsoft.com/office/powerpoint/2010/main" val="2834252788"/>
+        <p14:creationId xmlns:p14="http://schemas.microsoft.com/office/powerpoint/2010/main" val="473181027"/>
       </p:ext>
     </p:extLst>
   </p:cSld>
@@ -19190,6 +19190,110 @@
       </p:grpSpPr>
       <p:sp>
         <p:nvSpPr>
+          <p:cNvPr id="4" name="Title 3"/>
+          <p:cNvSpPr>
+            <a:spLocks noGrp="1"/>
+          </p:cNvSpPr>
+          <p:nvPr>
+            <p:ph type="title"/>
+          </p:nvPr>
+        </p:nvSpPr>
+        <p:spPr>
+          <a:xfrm>
+            <a:off x="274638" y="1287462"/>
+            <a:ext cx="11887200" cy="1903400"/>
+          </a:xfrm>
+        </p:spPr>
+        <p:txBody>
+          <a:bodyPr/>
+          <a:lstStyle/>
+          <a:p>
+            <a:r>
+              <a:rPr lang="en-US" sz="11500" dirty="0"/>
+              <a:t>Lab</a:t>
+            </a:r>
+          </a:p>
+        </p:txBody>
+      </p:sp>
+      <p:sp>
+        <p:nvSpPr>
+          <p:cNvPr id="7" name="Text Placeholder 6"/>
+          <p:cNvSpPr>
+            <a:spLocks noGrp="1"/>
+          </p:cNvSpPr>
+          <p:nvPr>
+            <p:ph type="body" sz="quarter" idx="4294967295"/>
+          </p:nvPr>
+        </p:nvSpPr>
+        <p:spPr>
+          <a:xfrm>
+            <a:off x="350836" y="3954463"/>
+            <a:ext cx="11506201" cy="1292662"/>
+          </a:xfrm>
+        </p:spPr>
+        <p:txBody>
+          <a:bodyPr/>
+          <a:lstStyle/>
+          <a:p>
+            <a:pPr marL="0" indent="0">
+              <a:buNone/>
+            </a:pPr>
+            <a:r>
+              <a:rPr lang="en-US" sz="3600" dirty="0"/>
+              <a:t>http://aka.ms/angle-hol</a:t>
+            </a:r>
+          </a:p>
+          <a:p>
+            <a:pPr marL="0" indent="0">
+              <a:buNone/>
+            </a:pPr>
+            <a:r>
+              <a:rPr lang="en-US" sz="3600" dirty="0"/>
+              <a:t>CodeLabs-GameDev-3-ANGLE\</a:t>
+            </a:r>
+            <a:r>
+              <a:rPr lang="en-US" sz="3600" dirty="0" err="1"/>
+              <a:t>ANGLE.shortcut</a:t>
+            </a:r>
+            <a:endParaRPr lang="en-US" sz="3600" dirty="0"/>
+          </a:p>
+        </p:txBody>
+      </p:sp>
+    </p:spTree>
+    <p:extLst>
+      <p:ext uri="{BB962C8B-B14F-4D97-AF65-F5344CB8AC3E}">
+        <p14:creationId xmlns:p14="http://schemas.microsoft.com/office/powerpoint/2010/main" val="2390418243"/>
+      </p:ext>
+    </p:extLst>
+  </p:cSld>
+  <p:clrMapOvr>
+    <a:masterClrMapping/>
+  </p:clrMapOvr>
+  <p:transition>
+    <p:fade/>
+  </p:transition>
+</p:sld>
+</file>
+
+<file path=ppt/slides/slide11.xml><?xml version="1.0" encoding="utf-8"?>
+<p:sld xmlns:a="http://schemas.openxmlformats.org/drawingml/2006/main" xmlns:r="http://schemas.openxmlformats.org/officeDocument/2006/relationships" xmlns:p="http://schemas.openxmlformats.org/presentationml/2006/main">
+  <p:cSld>
+    <p:spTree>
+      <p:nvGrpSpPr>
+        <p:cNvPr id="1" name=""/>
+        <p:cNvGrpSpPr/>
+        <p:nvPr/>
+      </p:nvGrpSpPr>
+      <p:grpSpPr>
+        <a:xfrm>
+          <a:off x="0" y="0"/>
+          <a:ext cx="0" cy="0"/>
+          <a:chOff x="0" y="0"/>
+          <a:chExt cx="0" cy="0"/>
+        </a:xfrm>
+      </p:grpSpPr>
+      <p:sp>
+        <p:nvSpPr>
           <p:cNvPr id="71" name="Rectangle 70"/>
           <p:cNvSpPr/>
           <p:nvPr/>
@@ -20337,7 +20441,7 @@
 </p:sld>
 </file>
 
-<file path=ppt/slides/slide11.xml><?xml version="1.0" encoding="utf-8"?>
+<file path=ppt/slides/slide12.xml><?xml version="1.0" encoding="utf-8"?>
 <p:sld xmlns:a="http://schemas.openxmlformats.org/drawingml/2006/main" xmlns:r="http://schemas.openxmlformats.org/officeDocument/2006/relationships" xmlns:p="http://schemas.openxmlformats.org/presentationml/2006/main">
   <p:cSld>
     <p:spTree>
@@ -21372,110 +21476,6 @@
       <p:transition/>
     </mc:Fallback>
   </mc:AlternateContent>
-</p:sld>
-</file>
-
-<file path=ppt/slides/slide12.xml><?xml version="1.0" encoding="utf-8"?>
-<p:sld xmlns:a="http://schemas.openxmlformats.org/drawingml/2006/main" xmlns:r="http://schemas.openxmlformats.org/officeDocument/2006/relationships" xmlns:p="http://schemas.openxmlformats.org/presentationml/2006/main">
-  <p:cSld>
-    <p:spTree>
-      <p:nvGrpSpPr>
-        <p:cNvPr id="1" name=""/>
-        <p:cNvGrpSpPr/>
-        <p:nvPr/>
-      </p:nvGrpSpPr>
-      <p:grpSpPr>
-        <a:xfrm>
-          <a:off x="0" y="0"/>
-          <a:ext cx="0" cy="0"/>
-          <a:chOff x="0" y="0"/>
-          <a:chExt cx="0" cy="0"/>
-        </a:xfrm>
-      </p:grpSpPr>
-      <p:sp>
-        <p:nvSpPr>
-          <p:cNvPr id="4" name="Title 3"/>
-          <p:cNvSpPr>
-            <a:spLocks noGrp="1"/>
-          </p:cNvSpPr>
-          <p:nvPr>
-            <p:ph type="title"/>
-          </p:nvPr>
-        </p:nvSpPr>
-        <p:spPr>
-          <a:xfrm>
-            <a:off x="274638" y="1287462"/>
-            <a:ext cx="11887200" cy="1903400"/>
-          </a:xfrm>
-        </p:spPr>
-        <p:txBody>
-          <a:bodyPr/>
-          <a:lstStyle/>
-          <a:p>
-            <a:r>
-              <a:rPr lang="en-US" sz="11500" dirty="0"/>
-              <a:t>Lab</a:t>
-            </a:r>
-          </a:p>
-        </p:txBody>
-      </p:sp>
-      <p:sp>
-        <p:nvSpPr>
-          <p:cNvPr id="7" name="Text Placeholder 6"/>
-          <p:cNvSpPr>
-            <a:spLocks noGrp="1"/>
-          </p:cNvSpPr>
-          <p:nvPr>
-            <p:ph type="body" sz="quarter" idx="4294967295"/>
-          </p:nvPr>
-        </p:nvSpPr>
-        <p:spPr>
-          <a:xfrm>
-            <a:off x="350836" y="3954463"/>
-            <a:ext cx="11506201" cy="1292662"/>
-          </a:xfrm>
-        </p:spPr>
-        <p:txBody>
-          <a:bodyPr/>
-          <a:lstStyle/>
-          <a:p>
-            <a:pPr marL="0" indent="0">
-              <a:buNone/>
-            </a:pPr>
-            <a:r>
-              <a:rPr lang="en-US" sz="3600" dirty="0"/>
-              <a:t>http://aka.ms/angle-hol</a:t>
-            </a:r>
-          </a:p>
-          <a:p>
-            <a:pPr marL="0" indent="0">
-              <a:buNone/>
-            </a:pPr>
-            <a:r>
-              <a:rPr lang="en-US" sz="3600" dirty="0"/>
-              <a:t>CodeLabs-GameDev-3-ANGLE\</a:t>
-            </a:r>
-            <a:r>
-              <a:rPr lang="en-US" sz="3600" dirty="0" err="1"/>
-              <a:t>ANGLE.shortcut</a:t>
-            </a:r>
-            <a:endParaRPr lang="en-US" sz="3600" dirty="0"/>
-          </a:p>
-        </p:txBody>
-      </p:sp>
-    </p:spTree>
-    <p:extLst>
-      <p:ext uri="{BB962C8B-B14F-4D97-AF65-F5344CB8AC3E}">
-        <p14:creationId xmlns:p14="http://schemas.microsoft.com/office/powerpoint/2010/main" val="2390418243"/>
-      </p:ext>
-    </p:extLst>
-  </p:cSld>
-  <p:clrMapOvr>
-    <a:masterClrMapping/>
-  </p:clrMapOvr>
-  <p:transition>
-    <p:fade/>
-  </p:transition>
 </p:sld>
 </file>
 
@@ -26144,7 +26144,7 @@
             </a:pPr>
             <a:r>
               <a:rPr lang="en-US" sz="2800" dirty="0"/>
-              <a:t>Be prepared to provide a code sample of the issue.</a:t>
+              <a:t>Be prepared to provide a code sample of your issue.</a:t>
             </a:r>
           </a:p>
           <a:p>
@@ -28258,801 +28258,6 @@
 </file>
 
 <file path=ppt/slides/slide5.xml><?xml version="1.0" encoding="utf-8"?>
-<p:sld xmlns:a="http://schemas.openxmlformats.org/drawingml/2006/main" xmlns:r="http://schemas.openxmlformats.org/officeDocument/2006/relationships" xmlns:p="http://schemas.openxmlformats.org/presentationml/2006/main">
-  <p:cSld>
-    <p:spTree>
-      <p:nvGrpSpPr>
-        <p:cNvPr id="1" name=""/>
-        <p:cNvGrpSpPr/>
-        <p:nvPr/>
-      </p:nvGrpSpPr>
-      <p:grpSpPr>
-        <a:xfrm>
-          <a:off x="0" y="0"/>
-          <a:ext cx="0" cy="0"/>
-          <a:chOff x="0" y="0"/>
-          <a:chExt cx="0" cy="0"/>
-        </a:xfrm>
-      </p:grpSpPr>
-      <p:sp>
-        <p:nvSpPr>
-          <p:cNvPr id="17" name="Title 16"/>
-          <p:cNvSpPr>
-            <a:spLocks noGrp="1"/>
-          </p:cNvSpPr>
-          <p:nvPr>
-            <p:ph type="title"/>
-          </p:nvPr>
-        </p:nvSpPr>
-        <p:spPr/>
-        <p:txBody>
-          <a:bodyPr/>
-          <a:lstStyle/>
-          <a:p>
-            <a:r>
-              <a:rPr lang="en-US" dirty="0"/>
-              <a:t>ANGLE</a:t>
-            </a:r>
-          </a:p>
-        </p:txBody>
-      </p:sp>
-      <p:sp>
-        <p:nvSpPr>
-          <p:cNvPr id="6" name="Text Placeholder 5"/>
-          <p:cNvSpPr>
-            <a:spLocks noGrp="1"/>
-          </p:cNvSpPr>
-          <p:nvPr>
-            <p:ph type="body" sz="quarter" idx="10"/>
-          </p:nvPr>
-        </p:nvSpPr>
-        <p:spPr>
-          <a:xfrm>
-            <a:off x="274638" y="1212850"/>
-            <a:ext cx="11887200" cy="4062651"/>
-          </a:xfrm>
-        </p:spPr>
-        <p:txBody>
-          <a:bodyPr/>
-          <a:lstStyle/>
-          <a:p>
-            <a:r>
-              <a:rPr lang="en-US" b="1" dirty="0"/>
-              <a:t>A</a:t>
-            </a:r>
-            <a:r>
-              <a:rPr lang="en-US" dirty="0"/>
-              <a:t>lmost </a:t>
-            </a:r>
-            <a:r>
-              <a:rPr lang="en-US" b="1" dirty="0"/>
-              <a:t>N</a:t>
-            </a:r>
-            <a:r>
-              <a:rPr lang="en-US" dirty="0"/>
-              <a:t>ative </a:t>
-            </a:r>
-            <a:r>
-              <a:rPr lang="en-US" b="1" dirty="0"/>
-              <a:t>G</a:t>
-            </a:r>
-            <a:r>
-              <a:rPr lang="en-US" dirty="0"/>
-              <a:t>raphics </a:t>
-            </a:r>
-            <a:r>
-              <a:rPr lang="en-US" b="1" dirty="0"/>
-              <a:t>L</a:t>
-            </a:r>
-            <a:r>
-              <a:rPr lang="en-US" dirty="0"/>
-              <a:t>ayer </a:t>
-            </a:r>
-            <a:r>
-              <a:rPr lang="en-US" b="1" dirty="0"/>
-              <a:t>E</a:t>
-            </a:r>
-            <a:r>
-              <a:rPr lang="en-US" dirty="0"/>
-              <a:t>ngine</a:t>
-            </a:r>
-          </a:p>
-          <a:p>
-            <a:pPr lvl="1"/>
-            <a:endParaRPr lang="en-US" dirty="0"/>
-          </a:p>
-          <a:p>
-            <a:pPr lvl="1"/>
-            <a:r>
-              <a:rPr lang="en-US" b="1" dirty="0"/>
-              <a:t>Windows 10 UWP apps do not natively support OpenGL ES 2.0.</a:t>
-            </a:r>
-          </a:p>
-          <a:p>
-            <a:pPr lvl="1"/>
-            <a:endParaRPr lang="en-US" dirty="0"/>
-          </a:p>
-          <a:p>
-            <a:pPr lvl="1"/>
-            <a:r>
-              <a:rPr lang="en-US" dirty="0"/>
-              <a:t>Microsoft has contributed code to enable Windows 8.1 and 10 UWP apps to run OpenGL ES 2.0 content. </a:t>
-            </a:r>
-          </a:p>
-          <a:p>
-            <a:pPr lvl="1"/>
-            <a:endParaRPr lang="en-US" dirty="0">
-              <a:hlinkClick r:id="rId3"/>
-            </a:endParaRPr>
-          </a:p>
-          <a:p>
-            <a:pPr lvl="1"/>
-            <a:r>
-              <a:rPr lang="en-US" dirty="0">
-                <a:hlinkClick r:id="rId3"/>
-              </a:rPr>
-              <a:t>https://github.com/MSOpenTech/angle</a:t>
-            </a:r>
-            <a:r>
-              <a:rPr lang="en-US" dirty="0"/>
-              <a:t> </a:t>
-            </a:r>
-          </a:p>
-          <a:p>
-            <a:pPr lvl="1"/>
-            <a:endParaRPr lang="en-US" dirty="0"/>
-          </a:p>
-          <a:p>
-            <a:pPr lvl="1"/>
-            <a:r>
-              <a:rPr lang="en-US" b="1" dirty="0"/>
-              <a:t>You don’t need to port your OpenGL ES 2.0 code to DirectX. ANGLE does the conversion for you.</a:t>
-            </a:r>
-          </a:p>
-          <a:p>
-            <a:pPr lvl="1"/>
-            <a:endParaRPr lang="en-US" dirty="0"/>
-          </a:p>
-        </p:txBody>
-      </p:sp>
-    </p:spTree>
-    <p:extLst>
-      <p:ext uri="{BB962C8B-B14F-4D97-AF65-F5344CB8AC3E}">
-        <p14:creationId xmlns:p14="http://schemas.microsoft.com/office/powerpoint/2010/main" val="2655181472"/>
-      </p:ext>
-    </p:extLst>
-  </p:cSld>
-  <p:clrMapOvr>
-    <a:masterClrMapping/>
-  </p:clrMapOvr>
-  <mc:AlternateContent xmlns:mc="http://schemas.openxmlformats.org/markup-compatibility/2006" xmlns:p14="http://schemas.microsoft.com/office/powerpoint/2010/main">
-    <mc:Choice Requires="p14">
-      <p:transition spd="med" p14:dur="700">
-        <p:fade/>
-      </p:transition>
-    </mc:Choice>
-    <mc:Fallback xmlns="">
-      <p:transition spd="med">
-        <p:fade/>
-      </p:transition>
-    </mc:Fallback>
-  </mc:AlternateContent>
-</p:sld>
-</file>
-
-<file path=ppt/slides/slide6.xml><?xml version="1.0" encoding="utf-8"?>
-<p:sld xmlns:a="http://schemas.openxmlformats.org/drawingml/2006/main" xmlns:r="http://schemas.openxmlformats.org/officeDocument/2006/relationships" xmlns:p="http://schemas.openxmlformats.org/presentationml/2006/main">
-  <p:cSld>
-    <p:spTree>
-      <p:nvGrpSpPr>
-        <p:cNvPr id="1" name=""/>
-        <p:cNvGrpSpPr/>
-        <p:nvPr/>
-      </p:nvGrpSpPr>
-      <p:grpSpPr>
-        <a:xfrm>
-          <a:off x="0" y="0"/>
-          <a:ext cx="0" cy="0"/>
-          <a:chOff x="0" y="0"/>
-          <a:chExt cx="0" cy="0"/>
-        </a:xfrm>
-      </p:grpSpPr>
-      <p:sp>
-        <p:nvSpPr>
-          <p:cNvPr id="6" name="Text Placeholder 5"/>
-          <p:cNvSpPr>
-            <a:spLocks noGrp="1"/>
-          </p:cNvSpPr>
-          <p:nvPr>
-            <p:ph type="body" sz="quarter" idx="10"/>
-          </p:nvPr>
-        </p:nvSpPr>
-        <p:spPr>
-          <a:xfrm>
-            <a:off x="274639" y="1668463"/>
-            <a:ext cx="6738149" cy="5029200"/>
-          </a:xfrm>
-        </p:spPr>
-        <p:txBody>
-          <a:bodyPr/>
-          <a:lstStyle/>
-          <a:p>
-            <a:pPr marL="0" indent="0">
-              <a:buNone/>
-            </a:pPr>
-            <a:r>
-              <a:rPr lang="en-US" sz="3600" dirty="0"/>
-              <a:t>OpenGL ES Validation Layer</a:t>
-            </a:r>
-          </a:p>
-          <a:p>
-            <a:pPr lvl="1"/>
-            <a:r>
-              <a:rPr lang="en-US" sz="2000" dirty="0"/>
-              <a:t>Provides validation of API parameters before passing to translation layer</a:t>
-            </a:r>
-          </a:p>
-          <a:p>
-            <a:pPr marL="0" indent="0">
-              <a:buNone/>
-            </a:pPr>
-            <a:r>
-              <a:rPr lang="en-US" sz="3600" dirty="0"/>
-              <a:t>ANGLE Translation Layer</a:t>
-            </a:r>
-          </a:p>
-          <a:p>
-            <a:pPr lvl="1"/>
-            <a:r>
-              <a:rPr lang="en-US" sz="2000"/>
-              <a:t>Translates </a:t>
-            </a:r>
-            <a:r>
-              <a:rPr lang="en-US" sz="2000" dirty="0"/>
-              <a:t>API</a:t>
-            </a:r>
-            <a:r>
-              <a:rPr lang="en-US" sz="2000"/>
-              <a:t> calls to </a:t>
-            </a:r>
-            <a:r>
-              <a:rPr lang="en-US" sz="2000" dirty="0"/>
-              <a:t>appropriate DirectX API(s)</a:t>
-            </a:r>
-          </a:p>
-          <a:p>
-            <a:pPr lvl="1"/>
-            <a:r>
-              <a:rPr lang="en-US" sz="2000" dirty="0"/>
-              <a:t>GLSL ES (ESSL) converted to HLSL</a:t>
-            </a:r>
-          </a:p>
-          <a:p>
-            <a:pPr marL="0" indent="0">
-              <a:buNone/>
-            </a:pPr>
-            <a:r>
-              <a:rPr lang="en-US" sz="3600" dirty="0"/>
-              <a:t>Rendering</a:t>
-            </a:r>
-          </a:p>
-          <a:p>
-            <a:pPr lvl="1"/>
-            <a:r>
-              <a:rPr lang="en-US" sz="2000" dirty="0"/>
-              <a:t>Performed by Direct3D 11</a:t>
-            </a:r>
-          </a:p>
-          <a:p>
-            <a:pPr lvl="1"/>
-            <a:r>
-              <a:rPr lang="en-US" sz="2000" dirty="0"/>
-              <a:t>Leverages Direct3D 11 driver support for the Windows ecosystem</a:t>
-            </a:r>
-          </a:p>
-        </p:txBody>
-      </p:sp>
-      <p:sp>
-        <p:nvSpPr>
-          <p:cNvPr id="3" name="Title 2"/>
-          <p:cNvSpPr>
-            <a:spLocks noGrp="1"/>
-          </p:cNvSpPr>
-          <p:nvPr>
-            <p:ph type="title"/>
-          </p:nvPr>
-        </p:nvSpPr>
-        <p:spPr/>
-        <p:txBody>
-          <a:bodyPr lIns="182880" tIns="146304" rIns="182880" bIns="146304"/>
-          <a:lstStyle/>
-          <a:p>
-            <a:r>
-              <a:rPr lang="en-US" dirty="0"/>
-              <a:t>Architecture</a:t>
-            </a:r>
-          </a:p>
-        </p:txBody>
-      </p:sp>
-      <p:sp>
-        <p:nvSpPr>
-          <p:cNvPr id="8" name="Rectangle 7"/>
-          <p:cNvSpPr/>
-          <p:nvPr/>
-        </p:nvSpPr>
-        <p:spPr>
-          <a:xfrm>
-            <a:off x="7057178" y="3048297"/>
-            <a:ext cx="5104660" cy="2136800"/>
-          </a:xfrm>
-          <a:prstGeom prst="rect">
-            <a:avLst/>
-          </a:prstGeom>
-          <a:solidFill>
-            <a:schemeClr val="accent2"/>
-          </a:solidFill>
-        </p:spPr>
-        <p:style>
-          <a:lnRef idx="1">
-            <a:schemeClr val="accent3"/>
-          </a:lnRef>
-          <a:fillRef idx="2">
-            <a:schemeClr val="accent3"/>
-          </a:fillRef>
-          <a:effectRef idx="1">
-            <a:schemeClr val="accent3"/>
-          </a:effectRef>
-          <a:fontRef idx="minor">
-            <a:schemeClr val="dk1"/>
-          </a:fontRef>
-        </p:style>
-        <p:txBody>
-          <a:bodyPr rtlCol="0" anchor="t"/>
-          <a:lstStyle/>
-          <a:p>
-            <a:pPr algn="ctr"/>
-            <a:r>
-              <a:rPr lang="en-US" dirty="0">
-                <a:solidFill>
-                  <a:schemeClr val="bg2"/>
-                </a:solidFill>
-              </a:rPr>
-              <a:t>ANGLE</a:t>
-            </a:r>
-          </a:p>
-        </p:txBody>
-      </p:sp>
-      <p:sp>
-        <p:nvSpPr>
-          <p:cNvPr id="9" name="Rectangle 8"/>
-          <p:cNvSpPr/>
-          <p:nvPr/>
-        </p:nvSpPr>
-        <p:spPr>
-          <a:xfrm>
-            <a:off x="7216973" y="3406595"/>
-            <a:ext cx="4740676" cy="461639"/>
-          </a:xfrm>
-          <a:prstGeom prst="rect">
-            <a:avLst/>
-          </a:prstGeom>
-          <a:solidFill>
-            <a:schemeClr val="accent3"/>
-          </a:solidFill>
-        </p:spPr>
-        <p:style>
-          <a:lnRef idx="0">
-            <a:schemeClr val="accent3"/>
-          </a:lnRef>
-          <a:fillRef idx="3">
-            <a:schemeClr val="accent3"/>
-          </a:fillRef>
-          <a:effectRef idx="3">
-            <a:schemeClr val="accent3"/>
-          </a:effectRef>
-          <a:fontRef idx="minor">
-            <a:schemeClr val="lt1"/>
-          </a:fontRef>
-        </p:style>
-        <p:txBody>
-          <a:bodyPr rtlCol="0" anchor="ctr"/>
-          <a:lstStyle/>
-          <a:p>
-            <a:pPr algn="ctr"/>
-            <a:r>
-              <a:rPr lang="en-US" sz="1600" dirty="0">
-                <a:solidFill>
-                  <a:srgbClr val="FFFFFF"/>
-                </a:solidFill>
-                <a:effectLst>
-                  <a:outerShdw blurRad="38100" dist="38100" dir="2700000" algn="tl">
-                    <a:srgbClr val="000000">
-                      <a:alpha val="43137"/>
-                    </a:srgbClr>
-                  </a:outerShdw>
-                </a:effectLst>
-              </a:rPr>
-              <a:t>OpenGL ES Validation Layer</a:t>
-            </a:r>
-          </a:p>
-        </p:txBody>
-      </p:sp>
-      <p:sp>
-        <p:nvSpPr>
-          <p:cNvPr id="10" name="Rectangle 9"/>
-          <p:cNvSpPr/>
-          <p:nvPr/>
-        </p:nvSpPr>
-        <p:spPr>
-          <a:xfrm>
-            <a:off x="7216973" y="3988679"/>
-            <a:ext cx="4740676" cy="461639"/>
-          </a:xfrm>
-          <a:prstGeom prst="rect">
-            <a:avLst/>
-          </a:prstGeom>
-          <a:solidFill>
-            <a:schemeClr val="accent3"/>
-          </a:solidFill>
-        </p:spPr>
-        <p:style>
-          <a:lnRef idx="0">
-            <a:schemeClr val="accent3"/>
-          </a:lnRef>
-          <a:fillRef idx="3">
-            <a:schemeClr val="accent3"/>
-          </a:fillRef>
-          <a:effectRef idx="3">
-            <a:schemeClr val="accent3"/>
-          </a:effectRef>
-          <a:fontRef idx="minor">
-            <a:schemeClr val="lt1"/>
-          </a:fontRef>
-        </p:style>
-        <p:txBody>
-          <a:bodyPr rtlCol="0" anchor="ctr"/>
-          <a:lstStyle/>
-          <a:p>
-            <a:pPr algn="ctr"/>
-            <a:r>
-              <a:rPr lang="en-US" sz="1600" dirty="0">
-                <a:solidFill>
-                  <a:srgbClr val="FFFFFF"/>
-                </a:solidFill>
-                <a:effectLst>
-                  <a:outerShdw blurRad="38100" dist="38100" dir="2700000" algn="tl">
-                    <a:srgbClr val="000000">
-                      <a:alpha val="43137"/>
-                    </a:srgbClr>
-                  </a:outerShdw>
-                </a:effectLst>
-              </a:rPr>
-              <a:t>ANGLE Translation Layer</a:t>
-            </a:r>
-          </a:p>
-        </p:txBody>
-      </p:sp>
-      <p:sp>
-        <p:nvSpPr>
-          <p:cNvPr id="11" name="Rectangle 10"/>
-          <p:cNvSpPr/>
-          <p:nvPr/>
-        </p:nvSpPr>
-        <p:spPr>
-          <a:xfrm>
-            <a:off x="7216973" y="4564444"/>
-            <a:ext cx="4740676" cy="461640"/>
-          </a:xfrm>
-          <a:prstGeom prst="rect">
-            <a:avLst/>
-          </a:prstGeom>
-          <a:solidFill>
-            <a:schemeClr val="accent3"/>
-          </a:solidFill>
-        </p:spPr>
-        <p:style>
-          <a:lnRef idx="0">
-            <a:schemeClr val="accent3"/>
-          </a:lnRef>
-          <a:fillRef idx="3">
-            <a:schemeClr val="accent3"/>
-          </a:fillRef>
-          <a:effectRef idx="3">
-            <a:schemeClr val="accent3"/>
-          </a:effectRef>
-          <a:fontRef idx="minor">
-            <a:schemeClr val="lt1"/>
-          </a:fontRef>
-        </p:style>
-        <p:txBody>
-          <a:bodyPr rtlCol="0" anchor="t"/>
-          <a:lstStyle/>
-          <a:p>
-            <a:pPr algn="ctr"/>
-            <a:r>
-              <a:rPr lang="en-US" sz="1600" dirty="0">
-                <a:solidFill>
-                  <a:srgbClr val="FFFFFF"/>
-                </a:solidFill>
-                <a:effectLst>
-                  <a:outerShdw blurRad="38100" dist="38100" dir="2700000" algn="tl">
-                    <a:srgbClr val="000000">
-                      <a:alpha val="43137"/>
-                    </a:srgbClr>
-                  </a:outerShdw>
-                </a:effectLst>
-              </a:rPr>
-              <a:t>ANGLE Direct3D 11 Renderer</a:t>
-            </a:r>
-          </a:p>
-        </p:txBody>
-      </p:sp>
-      <p:sp>
-        <p:nvSpPr>
-          <p:cNvPr id="13" name="Rectangle 12"/>
-          <p:cNvSpPr/>
-          <p:nvPr/>
-        </p:nvSpPr>
-        <p:spPr>
-          <a:xfrm>
-            <a:off x="8572572" y="5786980"/>
-            <a:ext cx="2029477" cy="461639"/>
-          </a:xfrm>
-          <a:prstGeom prst="rect">
-            <a:avLst/>
-          </a:prstGeom>
-          <a:solidFill>
-            <a:schemeClr val="accent3"/>
-          </a:solidFill>
-        </p:spPr>
-        <p:style>
-          <a:lnRef idx="1">
-            <a:schemeClr val="accent3"/>
-          </a:lnRef>
-          <a:fillRef idx="2">
-            <a:schemeClr val="accent3"/>
-          </a:fillRef>
-          <a:effectRef idx="1">
-            <a:schemeClr val="accent3"/>
-          </a:effectRef>
-          <a:fontRef idx="minor">
-            <a:schemeClr val="dk1"/>
-          </a:fontRef>
-        </p:style>
-        <p:txBody>
-          <a:bodyPr rtlCol="0" anchor="ctr"/>
-          <a:lstStyle/>
-          <a:p>
-            <a:pPr algn="ctr"/>
-            <a:r>
-              <a:rPr lang="en-US" sz="1600" dirty="0">
-                <a:solidFill>
-                  <a:schemeClr val="bg2"/>
-                </a:solidFill>
-              </a:rPr>
-              <a:t>Direct3D 11</a:t>
-            </a:r>
-          </a:p>
-        </p:txBody>
-      </p:sp>
-      <p:sp>
-        <p:nvSpPr>
-          <p:cNvPr id="4" name="Down Arrow 3"/>
-          <p:cNvSpPr/>
-          <p:nvPr/>
-        </p:nvSpPr>
-        <p:spPr bwMode="auto">
-          <a:xfrm>
-            <a:off x="9266608" y="5185097"/>
-            <a:ext cx="685800" cy="601883"/>
-          </a:xfrm>
-          <a:prstGeom prst="downArrow">
-            <a:avLst/>
-          </a:prstGeom>
-          <a:solidFill>
-            <a:schemeClr val="accent3"/>
-          </a:solidFill>
-          <a:ln>
-            <a:headEnd type="none" w="med" len="med"/>
-            <a:tailEnd type="none" w="med" len="med"/>
-          </a:ln>
-        </p:spPr>
-        <p:style>
-          <a:lnRef idx="0">
-            <a:schemeClr val="accent3"/>
-          </a:lnRef>
-          <a:fillRef idx="3">
-            <a:schemeClr val="accent3"/>
-          </a:fillRef>
-          <a:effectRef idx="3">
-            <a:schemeClr val="accent3"/>
-          </a:effectRef>
-          <a:fontRef idx="minor">
-            <a:schemeClr val="lt1"/>
-          </a:fontRef>
-        </p:style>
-        <p:txBody>
-          <a:bodyPr lIns="91440" tIns="91440" rIns="34294" bIns="34294" rtlCol="0" anchor="b" anchorCtr="0"/>
-          <a:lstStyle/>
-          <a:p>
-            <a:pPr algn="ctr" defTabSz="932406"/>
-            <a:endParaRPr lang="en-US" sz="800" dirty="0">
-              <a:gradFill>
-                <a:gsLst>
-                  <a:gs pos="0">
-                    <a:srgbClr val="FFFFFF"/>
-                  </a:gs>
-                  <a:gs pos="100000">
-                    <a:srgbClr val="FFFFFF"/>
-                  </a:gs>
-                </a:gsLst>
-                <a:lin ang="5400000" scaled="0"/>
-              </a:gradFill>
-              <a:ea typeface="Segoe UI" pitchFamily="34" charset="0"/>
-              <a:cs typeface="Segoe UI" pitchFamily="34" charset="0"/>
-            </a:endParaRPr>
-          </a:p>
-        </p:txBody>
-      </p:sp>
-      <p:sp>
-        <p:nvSpPr>
-          <p:cNvPr id="16" name="Rectangle 15"/>
-          <p:cNvSpPr/>
-          <p:nvPr/>
-        </p:nvSpPr>
-        <p:spPr bwMode="auto">
-          <a:xfrm>
-            <a:off x="7034982" y="1590757"/>
-            <a:ext cx="5104660" cy="855657"/>
-          </a:xfrm>
-          <a:prstGeom prst="rect">
-            <a:avLst/>
-          </a:prstGeom>
-          <a:solidFill>
-            <a:schemeClr val="accent1"/>
-          </a:solidFill>
-          <a:ln>
-            <a:headEnd type="none" w="med" len="med"/>
-            <a:tailEnd type="none" w="med" len="med"/>
-          </a:ln>
-        </p:spPr>
-        <p:style>
-          <a:lnRef idx="0">
-            <a:schemeClr val="accent1"/>
-          </a:lnRef>
-          <a:fillRef idx="3">
-            <a:schemeClr val="accent1"/>
-          </a:fillRef>
-          <a:effectRef idx="3">
-            <a:schemeClr val="accent1"/>
-          </a:effectRef>
-          <a:fontRef idx="minor">
-            <a:schemeClr val="lt1"/>
-          </a:fontRef>
-        </p:style>
-        <p:txBody>
-          <a:bodyPr lIns="91440" tIns="91440" rIns="34294" bIns="34294" rtlCol="0" anchor="t" anchorCtr="0"/>
-          <a:lstStyle/>
-          <a:p>
-            <a:pPr algn="ctr" defTabSz="932406"/>
-            <a:r>
-              <a:rPr lang="en-US" sz="2000" dirty="0">
-                <a:gradFill>
-                  <a:gsLst>
-                    <a:gs pos="0">
-                      <a:srgbClr val="FFFFFF"/>
-                    </a:gs>
-                    <a:gs pos="100000">
-                      <a:srgbClr val="FFFFFF"/>
-                    </a:gs>
-                  </a:gsLst>
-                  <a:lin ang="5400000" scaled="0"/>
-                </a:gradFill>
-                <a:ea typeface="Segoe UI" pitchFamily="34" charset="0"/>
-                <a:cs typeface="Segoe UI" pitchFamily="34" charset="0"/>
-              </a:rPr>
-              <a:t>Windows App</a:t>
-            </a:r>
-          </a:p>
-          <a:p>
-            <a:pPr algn="ctr" defTabSz="932406"/>
-            <a:r>
-              <a:rPr lang="en-US" sz="2000" dirty="0">
-                <a:gradFill>
-                  <a:gsLst>
-                    <a:gs pos="0">
-                      <a:srgbClr val="FFFFFF"/>
-                    </a:gs>
-                    <a:gs pos="100000">
-                      <a:srgbClr val="FFFFFF"/>
-                    </a:gs>
-                  </a:gsLst>
-                  <a:lin ang="5400000" scaled="0"/>
-                </a:gradFill>
-                <a:ea typeface="Segoe UI" pitchFamily="34" charset="0"/>
-                <a:cs typeface="Segoe UI" pitchFamily="34" charset="0"/>
-              </a:rPr>
-              <a:t>(Calls to OpenGL ES)</a:t>
-            </a:r>
-          </a:p>
-        </p:txBody>
-      </p:sp>
-      <p:sp>
-        <p:nvSpPr>
-          <p:cNvPr id="17" name="Down Arrow 16"/>
-          <p:cNvSpPr/>
-          <p:nvPr/>
-        </p:nvSpPr>
-        <p:spPr bwMode="auto">
-          <a:xfrm>
-            <a:off x="9266608" y="2444750"/>
-            <a:ext cx="685800" cy="601883"/>
-          </a:xfrm>
-          <a:prstGeom prst="downArrow">
-            <a:avLst/>
-          </a:prstGeom>
-          <a:solidFill>
-            <a:schemeClr val="accent1"/>
-          </a:solidFill>
-          <a:ln>
-            <a:headEnd type="none" w="med" len="med"/>
-            <a:tailEnd type="none" w="med" len="med"/>
-          </a:ln>
-        </p:spPr>
-        <p:style>
-          <a:lnRef idx="0">
-            <a:schemeClr val="accent1"/>
-          </a:lnRef>
-          <a:fillRef idx="3">
-            <a:schemeClr val="accent1"/>
-          </a:fillRef>
-          <a:effectRef idx="3">
-            <a:schemeClr val="accent1"/>
-          </a:effectRef>
-          <a:fontRef idx="minor">
-            <a:schemeClr val="lt1"/>
-          </a:fontRef>
-        </p:style>
-        <p:txBody>
-          <a:bodyPr lIns="91440" tIns="91440" rIns="34294" bIns="34294" rtlCol="0" anchor="b" anchorCtr="0"/>
-          <a:lstStyle/>
-          <a:p>
-            <a:pPr algn="ctr" defTabSz="932406"/>
-            <a:endParaRPr lang="en-US" sz="800" dirty="0">
-              <a:gradFill>
-                <a:gsLst>
-                  <a:gs pos="0">
-                    <a:srgbClr val="FFFFFF"/>
-                  </a:gs>
-                  <a:gs pos="100000">
-                    <a:srgbClr val="FFFFFF"/>
-                  </a:gs>
-                </a:gsLst>
-                <a:lin ang="5400000" scaled="0"/>
-              </a:gradFill>
-              <a:ea typeface="Segoe UI" pitchFamily="34" charset="0"/>
-              <a:cs typeface="Segoe UI" pitchFamily="34" charset="0"/>
-            </a:endParaRPr>
-          </a:p>
-        </p:txBody>
-      </p:sp>
-    </p:spTree>
-    <p:extLst>
-      <p:ext uri="{BB962C8B-B14F-4D97-AF65-F5344CB8AC3E}">
-        <p14:creationId xmlns:p14="http://schemas.microsoft.com/office/powerpoint/2010/main" val="1864730450"/>
-      </p:ext>
-    </p:extLst>
-  </p:cSld>
-  <p:clrMapOvr>
-    <a:masterClrMapping/>
-  </p:clrMapOvr>
-  <p:transition>
-    <p:fade/>
-  </p:transition>
-</p:sld>
-</file>
-
-<file path=ppt/slides/slide7.xml><?xml version="1.0" encoding="utf-8"?>
 <p:sld xmlns:a="http://schemas.openxmlformats.org/drawingml/2006/main" xmlns:r="http://schemas.openxmlformats.org/officeDocument/2006/relationships" xmlns:p="http://schemas.openxmlformats.org/presentationml/2006/main">
   <p:cSld>
     <p:spTree>
@@ -31816,6 +31021,801 @@
       <p:bldP spid="62" grpId="0"/>
     </p:bldLst>
   </p:timing>
+</p:sld>
+</file>
+
+<file path=ppt/slides/slide6.xml><?xml version="1.0" encoding="utf-8"?>
+<p:sld xmlns:a="http://schemas.openxmlformats.org/drawingml/2006/main" xmlns:r="http://schemas.openxmlformats.org/officeDocument/2006/relationships" xmlns:p="http://schemas.openxmlformats.org/presentationml/2006/main">
+  <p:cSld>
+    <p:spTree>
+      <p:nvGrpSpPr>
+        <p:cNvPr id="1" name=""/>
+        <p:cNvGrpSpPr/>
+        <p:nvPr/>
+      </p:nvGrpSpPr>
+      <p:grpSpPr>
+        <a:xfrm>
+          <a:off x="0" y="0"/>
+          <a:ext cx="0" cy="0"/>
+          <a:chOff x="0" y="0"/>
+          <a:chExt cx="0" cy="0"/>
+        </a:xfrm>
+      </p:grpSpPr>
+      <p:sp>
+        <p:nvSpPr>
+          <p:cNvPr id="17" name="Title 16"/>
+          <p:cNvSpPr>
+            <a:spLocks noGrp="1"/>
+          </p:cNvSpPr>
+          <p:nvPr>
+            <p:ph type="title"/>
+          </p:nvPr>
+        </p:nvSpPr>
+        <p:spPr/>
+        <p:txBody>
+          <a:bodyPr/>
+          <a:lstStyle/>
+          <a:p>
+            <a:r>
+              <a:rPr lang="en-US" dirty="0"/>
+              <a:t>ANGLE</a:t>
+            </a:r>
+          </a:p>
+        </p:txBody>
+      </p:sp>
+      <p:sp>
+        <p:nvSpPr>
+          <p:cNvPr id="6" name="Text Placeholder 5"/>
+          <p:cNvSpPr>
+            <a:spLocks noGrp="1"/>
+          </p:cNvSpPr>
+          <p:nvPr>
+            <p:ph type="body" sz="quarter" idx="10"/>
+          </p:nvPr>
+        </p:nvSpPr>
+        <p:spPr>
+          <a:xfrm>
+            <a:off x="274638" y="1212850"/>
+            <a:ext cx="11887200" cy="4062651"/>
+          </a:xfrm>
+        </p:spPr>
+        <p:txBody>
+          <a:bodyPr/>
+          <a:lstStyle/>
+          <a:p>
+            <a:r>
+              <a:rPr lang="en-US" b="1" dirty="0"/>
+              <a:t>A</a:t>
+            </a:r>
+            <a:r>
+              <a:rPr lang="en-US" dirty="0"/>
+              <a:t>lmost </a:t>
+            </a:r>
+            <a:r>
+              <a:rPr lang="en-US" b="1" dirty="0"/>
+              <a:t>N</a:t>
+            </a:r>
+            <a:r>
+              <a:rPr lang="en-US" dirty="0"/>
+              <a:t>ative </a:t>
+            </a:r>
+            <a:r>
+              <a:rPr lang="en-US" b="1" dirty="0"/>
+              <a:t>G</a:t>
+            </a:r>
+            <a:r>
+              <a:rPr lang="en-US" dirty="0"/>
+              <a:t>raphics </a:t>
+            </a:r>
+            <a:r>
+              <a:rPr lang="en-US" b="1" dirty="0"/>
+              <a:t>L</a:t>
+            </a:r>
+            <a:r>
+              <a:rPr lang="en-US" dirty="0"/>
+              <a:t>ayer </a:t>
+            </a:r>
+            <a:r>
+              <a:rPr lang="en-US" b="1" dirty="0"/>
+              <a:t>E</a:t>
+            </a:r>
+            <a:r>
+              <a:rPr lang="en-US" dirty="0"/>
+              <a:t>ngine</a:t>
+            </a:r>
+          </a:p>
+          <a:p>
+            <a:pPr lvl="1"/>
+            <a:endParaRPr lang="en-US" dirty="0"/>
+          </a:p>
+          <a:p>
+            <a:pPr lvl="1"/>
+            <a:r>
+              <a:rPr lang="en-US" b="1" dirty="0"/>
+              <a:t>Windows 10 UWP apps do not natively support OpenGL ES 2.0.</a:t>
+            </a:r>
+          </a:p>
+          <a:p>
+            <a:pPr lvl="1"/>
+            <a:endParaRPr lang="en-US" dirty="0"/>
+          </a:p>
+          <a:p>
+            <a:pPr lvl="1"/>
+            <a:r>
+              <a:rPr lang="en-US" dirty="0"/>
+              <a:t>Microsoft has contributed code to enable Windows 8.1 and 10 UWP apps to run OpenGL ES 2.0 content. </a:t>
+            </a:r>
+          </a:p>
+          <a:p>
+            <a:pPr lvl="1"/>
+            <a:endParaRPr lang="en-US" dirty="0">
+              <a:hlinkClick r:id="rId3"/>
+            </a:endParaRPr>
+          </a:p>
+          <a:p>
+            <a:pPr lvl="1"/>
+            <a:r>
+              <a:rPr lang="en-US" dirty="0">
+                <a:hlinkClick r:id="rId3"/>
+              </a:rPr>
+              <a:t>https://github.com/MSOpenTech/angle</a:t>
+            </a:r>
+            <a:r>
+              <a:rPr lang="en-US" dirty="0"/>
+              <a:t> </a:t>
+            </a:r>
+          </a:p>
+          <a:p>
+            <a:pPr lvl="1"/>
+            <a:endParaRPr lang="en-US" dirty="0"/>
+          </a:p>
+          <a:p>
+            <a:pPr lvl="1"/>
+            <a:r>
+              <a:rPr lang="en-US" b="1" dirty="0"/>
+              <a:t>You don’t need to port your OpenGL ES 2.0 code to DirectX. ANGLE does the conversion for you.</a:t>
+            </a:r>
+          </a:p>
+          <a:p>
+            <a:pPr lvl="1"/>
+            <a:endParaRPr lang="en-US" dirty="0"/>
+          </a:p>
+        </p:txBody>
+      </p:sp>
+    </p:spTree>
+    <p:extLst>
+      <p:ext uri="{BB962C8B-B14F-4D97-AF65-F5344CB8AC3E}">
+        <p14:creationId xmlns:p14="http://schemas.microsoft.com/office/powerpoint/2010/main" val="2655181472"/>
+      </p:ext>
+    </p:extLst>
+  </p:cSld>
+  <p:clrMapOvr>
+    <a:masterClrMapping/>
+  </p:clrMapOvr>
+  <mc:AlternateContent xmlns:mc="http://schemas.openxmlformats.org/markup-compatibility/2006" xmlns:p14="http://schemas.microsoft.com/office/powerpoint/2010/main">
+    <mc:Choice Requires="p14">
+      <p:transition spd="med" p14:dur="700">
+        <p:fade/>
+      </p:transition>
+    </mc:Choice>
+    <mc:Fallback xmlns="">
+      <p:transition spd="med">
+        <p:fade/>
+      </p:transition>
+    </mc:Fallback>
+  </mc:AlternateContent>
+</p:sld>
+</file>
+
+<file path=ppt/slides/slide7.xml><?xml version="1.0" encoding="utf-8"?>
+<p:sld xmlns:a="http://schemas.openxmlformats.org/drawingml/2006/main" xmlns:r="http://schemas.openxmlformats.org/officeDocument/2006/relationships" xmlns:p="http://schemas.openxmlformats.org/presentationml/2006/main">
+  <p:cSld>
+    <p:spTree>
+      <p:nvGrpSpPr>
+        <p:cNvPr id="1" name=""/>
+        <p:cNvGrpSpPr/>
+        <p:nvPr/>
+      </p:nvGrpSpPr>
+      <p:grpSpPr>
+        <a:xfrm>
+          <a:off x="0" y="0"/>
+          <a:ext cx="0" cy="0"/>
+          <a:chOff x="0" y="0"/>
+          <a:chExt cx="0" cy="0"/>
+        </a:xfrm>
+      </p:grpSpPr>
+      <p:sp>
+        <p:nvSpPr>
+          <p:cNvPr id="6" name="Text Placeholder 5"/>
+          <p:cNvSpPr>
+            <a:spLocks noGrp="1"/>
+          </p:cNvSpPr>
+          <p:nvPr>
+            <p:ph type="body" sz="quarter" idx="10"/>
+          </p:nvPr>
+        </p:nvSpPr>
+        <p:spPr>
+          <a:xfrm>
+            <a:off x="274639" y="1668463"/>
+            <a:ext cx="6738149" cy="5029200"/>
+          </a:xfrm>
+        </p:spPr>
+        <p:txBody>
+          <a:bodyPr/>
+          <a:lstStyle/>
+          <a:p>
+            <a:pPr marL="0" indent="0">
+              <a:buNone/>
+            </a:pPr>
+            <a:r>
+              <a:rPr lang="en-US" sz="3600" dirty="0"/>
+              <a:t>OpenGL ES Validation Layer</a:t>
+            </a:r>
+          </a:p>
+          <a:p>
+            <a:pPr lvl="1"/>
+            <a:r>
+              <a:rPr lang="en-US" sz="2000" dirty="0"/>
+              <a:t>Provides validation of API parameters before passing to translation layer</a:t>
+            </a:r>
+          </a:p>
+          <a:p>
+            <a:pPr marL="0" indent="0">
+              <a:buNone/>
+            </a:pPr>
+            <a:r>
+              <a:rPr lang="en-US" sz="3600" dirty="0"/>
+              <a:t>ANGLE Translation Layer</a:t>
+            </a:r>
+          </a:p>
+          <a:p>
+            <a:pPr lvl="1"/>
+            <a:r>
+              <a:rPr lang="en-US" sz="2000"/>
+              <a:t>Translates </a:t>
+            </a:r>
+            <a:r>
+              <a:rPr lang="en-US" sz="2000" dirty="0"/>
+              <a:t>API</a:t>
+            </a:r>
+            <a:r>
+              <a:rPr lang="en-US" sz="2000"/>
+              <a:t> calls to </a:t>
+            </a:r>
+            <a:r>
+              <a:rPr lang="en-US" sz="2000" dirty="0"/>
+              <a:t>appropriate DirectX API(s)</a:t>
+            </a:r>
+          </a:p>
+          <a:p>
+            <a:pPr lvl="1"/>
+            <a:r>
+              <a:rPr lang="en-US" sz="2000" dirty="0"/>
+              <a:t>GLSL ES (ESSL) converted to HLSL</a:t>
+            </a:r>
+          </a:p>
+          <a:p>
+            <a:pPr marL="0" indent="0">
+              <a:buNone/>
+            </a:pPr>
+            <a:r>
+              <a:rPr lang="en-US" sz="3600" dirty="0"/>
+              <a:t>Rendering</a:t>
+            </a:r>
+          </a:p>
+          <a:p>
+            <a:pPr lvl="1"/>
+            <a:r>
+              <a:rPr lang="en-US" sz="2000" dirty="0"/>
+              <a:t>Performed by Direct3D 11</a:t>
+            </a:r>
+          </a:p>
+          <a:p>
+            <a:pPr lvl="1"/>
+            <a:r>
+              <a:rPr lang="en-US" sz="2000" dirty="0"/>
+              <a:t>Leverages Direct3D 11 driver support for the Windows ecosystem</a:t>
+            </a:r>
+          </a:p>
+        </p:txBody>
+      </p:sp>
+      <p:sp>
+        <p:nvSpPr>
+          <p:cNvPr id="3" name="Title 2"/>
+          <p:cNvSpPr>
+            <a:spLocks noGrp="1"/>
+          </p:cNvSpPr>
+          <p:nvPr>
+            <p:ph type="title"/>
+          </p:nvPr>
+        </p:nvSpPr>
+        <p:spPr/>
+        <p:txBody>
+          <a:bodyPr lIns="182880" tIns="146304" rIns="182880" bIns="146304"/>
+          <a:lstStyle/>
+          <a:p>
+            <a:r>
+              <a:rPr lang="en-US" dirty="0"/>
+              <a:t>Architecture</a:t>
+            </a:r>
+          </a:p>
+        </p:txBody>
+      </p:sp>
+      <p:sp>
+        <p:nvSpPr>
+          <p:cNvPr id="8" name="Rectangle 7"/>
+          <p:cNvSpPr/>
+          <p:nvPr/>
+        </p:nvSpPr>
+        <p:spPr>
+          <a:xfrm>
+            <a:off x="7057178" y="3048297"/>
+            <a:ext cx="5104660" cy="2136800"/>
+          </a:xfrm>
+          <a:prstGeom prst="rect">
+            <a:avLst/>
+          </a:prstGeom>
+          <a:solidFill>
+            <a:schemeClr val="accent2"/>
+          </a:solidFill>
+        </p:spPr>
+        <p:style>
+          <a:lnRef idx="1">
+            <a:schemeClr val="accent3"/>
+          </a:lnRef>
+          <a:fillRef idx="2">
+            <a:schemeClr val="accent3"/>
+          </a:fillRef>
+          <a:effectRef idx="1">
+            <a:schemeClr val="accent3"/>
+          </a:effectRef>
+          <a:fontRef idx="minor">
+            <a:schemeClr val="dk1"/>
+          </a:fontRef>
+        </p:style>
+        <p:txBody>
+          <a:bodyPr rtlCol="0" anchor="t"/>
+          <a:lstStyle/>
+          <a:p>
+            <a:pPr algn="ctr"/>
+            <a:r>
+              <a:rPr lang="en-US" dirty="0">
+                <a:solidFill>
+                  <a:schemeClr val="bg2"/>
+                </a:solidFill>
+              </a:rPr>
+              <a:t>ANGLE</a:t>
+            </a:r>
+          </a:p>
+        </p:txBody>
+      </p:sp>
+      <p:sp>
+        <p:nvSpPr>
+          <p:cNvPr id="9" name="Rectangle 8"/>
+          <p:cNvSpPr/>
+          <p:nvPr/>
+        </p:nvSpPr>
+        <p:spPr>
+          <a:xfrm>
+            <a:off x="7216973" y="3406595"/>
+            <a:ext cx="4740676" cy="461639"/>
+          </a:xfrm>
+          <a:prstGeom prst="rect">
+            <a:avLst/>
+          </a:prstGeom>
+          <a:solidFill>
+            <a:schemeClr val="accent3"/>
+          </a:solidFill>
+        </p:spPr>
+        <p:style>
+          <a:lnRef idx="0">
+            <a:schemeClr val="accent3"/>
+          </a:lnRef>
+          <a:fillRef idx="3">
+            <a:schemeClr val="accent3"/>
+          </a:fillRef>
+          <a:effectRef idx="3">
+            <a:schemeClr val="accent3"/>
+          </a:effectRef>
+          <a:fontRef idx="minor">
+            <a:schemeClr val="lt1"/>
+          </a:fontRef>
+        </p:style>
+        <p:txBody>
+          <a:bodyPr rtlCol="0" anchor="ctr"/>
+          <a:lstStyle/>
+          <a:p>
+            <a:pPr algn="ctr"/>
+            <a:r>
+              <a:rPr lang="en-US" sz="1600" dirty="0">
+                <a:solidFill>
+                  <a:srgbClr val="FFFFFF"/>
+                </a:solidFill>
+                <a:effectLst>
+                  <a:outerShdw blurRad="38100" dist="38100" dir="2700000" algn="tl">
+                    <a:srgbClr val="000000">
+                      <a:alpha val="43137"/>
+                    </a:srgbClr>
+                  </a:outerShdw>
+                </a:effectLst>
+              </a:rPr>
+              <a:t>OpenGL ES Validation Layer</a:t>
+            </a:r>
+          </a:p>
+        </p:txBody>
+      </p:sp>
+      <p:sp>
+        <p:nvSpPr>
+          <p:cNvPr id="10" name="Rectangle 9"/>
+          <p:cNvSpPr/>
+          <p:nvPr/>
+        </p:nvSpPr>
+        <p:spPr>
+          <a:xfrm>
+            <a:off x="7216973" y="3988679"/>
+            <a:ext cx="4740676" cy="461639"/>
+          </a:xfrm>
+          <a:prstGeom prst="rect">
+            <a:avLst/>
+          </a:prstGeom>
+          <a:solidFill>
+            <a:schemeClr val="accent3"/>
+          </a:solidFill>
+        </p:spPr>
+        <p:style>
+          <a:lnRef idx="0">
+            <a:schemeClr val="accent3"/>
+          </a:lnRef>
+          <a:fillRef idx="3">
+            <a:schemeClr val="accent3"/>
+          </a:fillRef>
+          <a:effectRef idx="3">
+            <a:schemeClr val="accent3"/>
+          </a:effectRef>
+          <a:fontRef idx="minor">
+            <a:schemeClr val="lt1"/>
+          </a:fontRef>
+        </p:style>
+        <p:txBody>
+          <a:bodyPr rtlCol="0" anchor="ctr"/>
+          <a:lstStyle/>
+          <a:p>
+            <a:pPr algn="ctr"/>
+            <a:r>
+              <a:rPr lang="en-US" sz="1600" dirty="0">
+                <a:solidFill>
+                  <a:srgbClr val="FFFFFF"/>
+                </a:solidFill>
+                <a:effectLst>
+                  <a:outerShdw blurRad="38100" dist="38100" dir="2700000" algn="tl">
+                    <a:srgbClr val="000000">
+                      <a:alpha val="43137"/>
+                    </a:srgbClr>
+                  </a:outerShdw>
+                </a:effectLst>
+              </a:rPr>
+              <a:t>ANGLE Translation Layer</a:t>
+            </a:r>
+          </a:p>
+        </p:txBody>
+      </p:sp>
+      <p:sp>
+        <p:nvSpPr>
+          <p:cNvPr id="11" name="Rectangle 10"/>
+          <p:cNvSpPr/>
+          <p:nvPr/>
+        </p:nvSpPr>
+        <p:spPr>
+          <a:xfrm>
+            <a:off x="7216973" y="4564444"/>
+            <a:ext cx="4740676" cy="461640"/>
+          </a:xfrm>
+          <a:prstGeom prst="rect">
+            <a:avLst/>
+          </a:prstGeom>
+          <a:solidFill>
+            <a:schemeClr val="accent3"/>
+          </a:solidFill>
+        </p:spPr>
+        <p:style>
+          <a:lnRef idx="0">
+            <a:schemeClr val="accent3"/>
+          </a:lnRef>
+          <a:fillRef idx="3">
+            <a:schemeClr val="accent3"/>
+          </a:fillRef>
+          <a:effectRef idx="3">
+            <a:schemeClr val="accent3"/>
+          </a:effectRef>
+          <a:fontRef idx="minor">
+            <a:schemeClr val="lt1"/>
+          </a:fontRef>
+        </p:style>
+        <p:txBody>
+          <a:bodyPr rtlCol="0" anchor="t"/>
+          <a:lstStyle/>
+          <a:p>
+            <a:pPr algn="ctr"/>
+            <a:r>
+              <a:rPr lang="en-US" sz="1600" dirty="0">
+                <a:solidFill>
+                  <a:srgbClr val="FFFFFF"/>
+                </a:solidFill>
+                <a:effectLst>
+                  <a:outerShdw blurRad="38100" dist="38100" dir="2700000" algn="tl">
+                    <a:srgbClr val="000000">
+                      <a:alpha val="43137"/>
+                    </a:srgbClr>
+                  </a:outerShdw>
+                </a:effectLst>
+              </a:rPr>
+              <a:t>ANGLE Direct3D 11 Renderer</a:t>
+            </a:r>
+          </a:p>
+        </p:txBody>
+      </p:sp>
+      <p:sp>
+        <p:nvSpPr>
+          <p:cNvPr id="13" name="Rectangle 12"/>
+          <p:cNvSpPr/>
+          <p:nvPr/>
+        </p:nvSpPr>
+        <p:spPr>
+          <a:xfrm>
+            <a:off x="8572572" y="5786980"/>
+            <a:ext cx="2029477" cy="461639"/>
+          </a:xfrm>
+          <a:prstGeom prst="rect">
+            <a:avLst/>
+          </a:prstGeom>
+          <a:solidFill>
+            <a:schemeClr val="accent3"/>
+          </a:solidFill>
+        </p:spPr>
+        <p:style>
+          <a:lnRef idx="1">
+            <a:schemeClr val="accent3"/>
+          </a:lnRef>
+          <a:fillRef idx="2">
+            <a:schemeClr val="accent3"/>
+          </a:fillRef>
+          <a:effectRef idx="1">
+            <a:schemeClr val="accent3"/>
+          </a:effectRef>
+          <a:fontRef idx="minor">
+            <a:schemeClr val="dk1"/>
+          </a:fontRef>
+        </p:style>
+        <p:txBody>
+          <a:bodyPr rtlCol="0" anchor="ctr"/>
+          <a:lstStyle/>
+          <a:p>
+            <a:pPr algn="ctr"/>
+            <a:r>
+              <a:rPr lang="en-US" sz="1600" dirty="0">
+                <a:solidFill>
+                  <a:schemeClr val="bg2"/>
+                </a:solidFill>
+              </a:rPr>
+              <a:t>Direct3D 11</a:t>
+            </a:r>
+          </a:p>
+        </p:txBody>
+      </p:sp>
+      <p:sp>
+        <p:nvSpPr>
+          <p:cNvPr id="4" name="Down Arrow 3"/>
+          <p:cNvSpPr/>
+          <p:nvPr/>
+        </p:nvSpPr>
+        <p:spPr bwMode="auto">
+          <a:xfrm>
+            <a:off x="9266608" y="5185097"/>
+            <a:ext cx="685800" cy="601883"/>
+          </a:xfrm>
+          <a:prstGeom prst="downArrow">
+            <a:avLst/>
+          </a:prstGeom>
+          <a:solidFill>
+            <a:schemeClr val="accent3"/>
+          </a:solidFill>
+          <a:ln>
+            <a:headEnd type="none" w="med" len="med"/>
+            <a:tailEnd type="none" w="med" len="med"/>
+          </a:ln>
+        </p:spPr>
+        <p:style>
+          <a:lnRef idx="0">
+            <a:schemeClr val="accent3"/>
+          </a:lnRef>
+          <a:fillRef idx="3">
+            <a:schemeClr val="accent3"/>
+          </a:fillRef>
+          <a:effectRef idx="3">
+            <a:schemeClr val="accent3"/>
+          </a:effectRef>
+          <a:fontRef idx="minor">
+            <a:schemeClr val="lt1"/>
+          </a:fontRef>
+        </p:style>
+        <p:txBody>
+          <a:bodyPr lIns="91440" tIns="91440" rIns="34294" bIns="34294" rtlCol="0" anchor="b" anchorCtr="0"/>
+          <a:lstStyle/>
+          <a:p>
+            <a:pPr algn="ctr" defTabSz="932406"/>
+            <a:endParaRPr lang="en-US" sz="800" dirty="0">
+              <a:gradFill>
+                <a:gsLst>
+                  <a:gs pos="0">
+                    <a:srgbClr val="FFFFFF"/>
+                  </a:gs>
+                  <a:gs pos="100000">
+                    <a:srgbClr val="FFFFFF"/>
+                  </a:gs>
+                </a:gsLst>
+                <a:lin ang="5400000" scaled="0"/>
+              </a:gradFill>
+              <a:ea typeface="Segoe UI" pitchFamily="34" charset="0"/>
+              <a:cs typeface="Segoe UI" pitchFamily="34" charset="0"/>
+            </a:endParaRPr>
+          </a:p>
+        </p:txBody>
+      </p:sp>
+      <p:sp>
+        <p:nvSpPr>
+          <p:cNvPr id="16" name="Rectangle 15"/>
+          <p:cNvSpPr/>
+          <p:nvPr/>
+        </p:nvSpPr>
+        <p:spPr bwMode="auto">
+          <a:xfrm>
+            <a:off x="7034982" y="1590757"/>
+            <a:ext cx="5104660" cy="855657"/>
+          </a:xfrm>
+          <a:prstGeom prst="rect">
+            <a:avLst/>
+          </a:prstGeom>
+          <a:solidFill>
+            <a:schemeClr val="accent1"/>
+          </a:solidFill>
+          <a:ln>
+            <a:headEnd type="none" w="med" len="med"/>
+            <a:tailEnd type="none" w="med" len="med"/>
+          </a:ln>
+        </p:spPr>
+        <p:style>
+          <a:lnRef idx="0">
+            <a:schemeClr val="accent1"/>
+          </a:lnRef>
+          <a:fillRef idx="3">
+            <a:schemeClr val="accent1"/>
+          </a:fillRef>
+          <a:effectRef idx="3">
+            <a:schemeClr val="accent1"/>
+          </a:effectRef>
+          <a:fontRef idx="minor">
+            <a:schemeClr val="lt1"/>
+          </a:fontRef>
+        </p:style>
+        <p:txBody>
+          <a:bodyPr lIns="91440" tIns="91440" rIns="34294" bIns="34294" rtlCol="0" anchor="t" anchorCtr="0"/>
+          <a:lstStyle/>
+          <a:p>
+            <a:pPr algn="ctr" defTabSz="932406"/>
+            <a:r>
+              <a:rPr lang="en-US" sz="2000" dirty="0">
+                <a:gradFill>
+                  <a:gsLst>
+                    <a:gs pos="0">
+                      <a:srgbClr val="FFFFFF"/>
+                    </a:gs>
+                    <a:gs pos="100000">
+                      <a:srgbClr val="FFFFFF"/>
+                    </a:gs>
+                  </a:gsLst>
+                  <a:lin ang="5400000" scaled="0"/>
+                </a:gradFill>
+                <a:ea typeface="Segoe UI" pitchFamily="34" charset="0"/>
+                <a:cs typeface="Segoe UI" pitchFamily="34" charset="0"/>
+              </a:rPr>
+              <a:t>Windows App</a:t>
+            </a:r>
+          </a:p>
+          <a:p>
+            <a:pPr algn="ctr" defTabSz="932406"/>
+            <a:r>
+              <a:rPr lang="en-US" sz="2000" dirty="0">
+                <a:gradFill>
+                  <a:gsLst>
+                    <a:gs pos="0">
+                      <a:srgbClr val="FFFFFF"/>
+                    </a:gs>
+                    <a:gs pos="100000">
+                      <a:srgbClr val="FFFFFF"/>
+                    </a:gs>
+                  </a:gsLst>
+                  <a:lin ang="5400000" scaled="0"/>
+                </a:gradFill>
+                <a:ea typeface="Segoe UI" pitchFamily="34" charset="0"/>
+                <a:cs typeface="Segoe UI" pitchFamily="34" charset="0"/>
+              </a:rPr>
+              <a:t>(Calls to OpenGL ES)</a:t>
+            </a:r>
+          </a:p>
+        </p:txBody>
+      </p:sp>
+      <p:sp>
+        <p:nvSpPr>
+          <p:cNvPr id="17" name="Down Arrow 16"/>
+          <p:cNvSpPr/>
+          <p:nvPr/>
+        </p:nvSpPr>
+        <p:spPr bwMode="auto">
+          <a:xfrm>
+            <a:off x="9266608" y="2444750"/>
+            <a:ext cx="685800" cy="601883"/>
+          </a:xfrm>
+          <a:prstGeom prst="downArrow">
+            <a:avLst/>
+          </a:prstGeom>
+          <a:solidFill>
+            <a:schemeClr val="accent1"/>
+          </a:solidFill>
+          <a:ln>
+            <a:headEnd type="none" w="med" len="med"/>
+            <a:tailEnd type="none" w="med" len="med"/>
+          </a:ln>
+        </p:spPr>
+        <p:style>
+          <a:lnRef idx="0">
+            <a:schemeClr val="accent1"/>
+          </a:lnRef>
+          <a:fillRef idx="3">
+            <a:schemeClr val="accent1"/>
+          </a:fillRef>
+          <a:effectRef idx="3">
+            <a:schemeClr val="accent1"/>
+          </a:effectRef>
+          <a:fontRef idx="minor">
+            <a:schemeClr val="lt1"/>
+          </a:fontRef>
+        </p:style>
+        <p:txBody>
+          <a:bodyPr lIns="91440" tIns="91440" rIns="34294" bIns="34294" rtlCol="0" anchor="b" anchorCtr="0"/>
+          <a:lstStyle/>
+          <a:p>
+            <a:pPr algn="ctr" defTabSz="932406"/>
+            <a:endParaRPr lang="en-US" sz="800" dirty="0">
+              <a:gradFill>
+                <a:gsLst>
+                  <a:gs pos="0">
+                    <a:srgbClr val="FFFFFF"/>
+                  </a:gs>
+                  <a:gs pos="100000">
+                    <a:srgbClr val="FFFFFF"/>
+                  </a:gs>
+                </a:gsLst>
+                <a:lin ang="5400000" scaled="0"/>
+              </a:gradFill>
+              <a:ea typeface="Segoe UI" pitchFamily="34" charset="0"/>
+              <a:cs typeface="Segoe UI" pitchFamily="34" charset="0"/>
+            </a:endParaRPr>
+          </a:p>
+        </p:txBody>
+      </p:sp>
+    </p:spTree>
+    <p:extLst>
+      <p:ext uri="{BB962C8B-B14F-4D97-AF65-F5344CB8AC3E}">
+        <p14:creationId xmlns:p14="http://schemas.microsoft.com/office/powerpoint/2010/main" val="1864730450"/>
+      </p:ext>
+    </p:extLst>
+  </p:cSld>
+  <p:clrMapOvr>
+    <a:masterClrMapping/>
+  </p:clrMapOvr>
+  <p:transition>
+    <p:fade/>
+  </p:transition>
 </p:sld>
 </file>
 
